--- a/Node & Vue 시작하기.pptx
+++ b/Node & Vue 시작하기.pptx
@@ -2,7 +2,7 @@
 <file path=ppt/presentation.xml><?xml version="1.0" encoding="utf-8"?>
 <p:presentation xmlns:r="http://schemas.openxmlformats.org/officeDocument/2006/relationships" xmlns:c="http://schemas.openxmlformats.org/drawingml/2006/chart" xmlns:a="http://schemas.openxmlformats.org/drawingml/2006/main" xmlns:dgm="http://schemas.openxmlformats.org/drawingml/2006/diagram" xmlns:dsp="http://schemas.microsoft.com/office/drawing/2008/diagram" xmlns:p="http://schemas.openxmlformats.org/presentationml/2006/main" strictFirstAndLastChars="0" embedTrueTypeFonts="1" saveSubsetFonts="1" autoCompressPictures="0">
   <p:sldMasterIdLst>
-    <p:sldMasterId id="2147483661" r:id="rId1"/>
+    <p:sldMasterId id="2147483659" r:id="rId1"/>
   </p:sldMasterIdLst>
   <p:notesMasterIdLst>
     <p:notesMasterId r:id="rId2"/>
@@ -813,6 +813,2481 @@
   <p:cSld>
     <p:spTree>
       <p:nvGrpSpPr>
+        <p:cNvPr id="265" name="Shape 265"/>
+        <p:cNvGrpSpPr/>
+        <p:nvPr/>
+      </p:nvGrpSpPr>
+      <p:grpSpPr>
+        <a:xfrm>
+          <a:off x="0" y="0"/>
+          <a:ext cx="0" cy="0"/>
+          <a:chOff x="0" y="0"/>
+          <a:chExt cx="0" cy="0"/>
+        </a:xfrm>
+      </p:grpSpPr>
+      <p:sp>
+        <p:nvSpPr>
+          <p:cNvPr id="266" name="Google Shape;266;g4499e2c750_0_173:notes"/>
+          <p:cNvSpPr/>
+          <p:nvPr>
+            <p:ph idx="2" type="sldImg"/>
+          </p:nvPr>
+        </p:nvSpPr>
+        <p:spPr>
+          <a:xfrm>
+            <a:off x="381300" y="685800"/>
+            <a:ext cx="6096000" cy="3429000"/>
+          </a:xfrm>
+          <a:custGeom>
+            <a:rect b="b" l="l" r="r" t="t"/>
+            <a:pathLst>
+              <a:path extrusionOk="0" h="120000" w="120000">
+                <a:moveTo>
+                  <a:pt x="0" y="0"/>
+                </a:moveTo>
+                <a:lnTo>
+                  <a:pt x="120000" y="0"/>
+                </a:lnTo>
+                <a:lnTo>
+                  <a:pt x="120000" y="120000"/>
+                </a:lnTo>
+                <a:lnTo>
+                  <a:pt x="0" y="120000"/>
+                </a:lnTo>
+                <a:close/>
+              </a:path>
+            </a:pathLst>
+          </a:custGeom>
+        </p:spPr>
+      </p:sp>
+      <p:sp>
+        <p:nvSpPr>
+          <p:cNvPr id="267" name="Google Shape;267;g4499e2c750_0_173:notes"/>
+          <p:cNvSpPr txBox="1"/>
+          <p:nvPr>
+            <p:ph idx="1" type="body"/>
+          </p:nvPr>
+        </p:nvSpPr>
+        <p:spPr>
+          <a:xfrm>
+            <a:off x="685800" y="4343400"/>
+            <a:ext cx="5486400" cy="4114800"/>
+          </a:xfrm>
+          <a:prstGeom prst="rect">
+            <a:avLst/>
+          </a:prstGeom>
+        </p:spPr>
+        <p:txBody>
+          <a:bodyPr anchorCtr="0" anchor="t" bIns="91425" lIns="91425" spcFirstLastPara="1" rIns="91425" wrap="square" tIns="91425">
+            <a:noAutofit/>
+          </a:bodyPr>
+          <a:lstStyle/>
+          <a:p>
+            <a:pPr indent="0" lvl="0" marL="0" rtl="0" algn="l">
+              <a:spcBef>
+                <a:spcPts val="0"/>
+              </a:spcBef>
+              <a:spcAft>
+                <a:spcPts val="0"/>
+              </a:spcAft>
+              <a:buNone/>
+            </a:pPr>
+            <a:r>
+              <a:t/>
+            </a:r>
+            <a:endParaRPr/>
+          </a:p>
+        </p:txBody>
+      </p:sp>
+    </p:spTree>
+  </p:cSld>
+  <p:clrMapOvr>
+    <a:masterClrMapping/>
+  </p:clrMapOvr>
+</p:notes>
+</file>
+
+<file path=ppt/notesSlides/notesSlide11.xml><?xml version="1.0" encoding="utf-8"?>
+<p:notes xmlns:a="http://schemas.openxmlformats.org/drawingml/2006/main" xmlns:r="http://schemas.openxmlformats.org/officeDocument/2006/relationships" xmlns:mc="http://schemas.openxmlformats.org/markup-compatibility/2006" xmlns:mv="urn:schemas-microsoft-com:mac:vml" xmlns:p="http://schemas.openxmlformats.org/presentationml/2006/main" xmlns:c="http://schemas.openxmlformats.org/drawingml/2006/chart" xmlns:dgm="http://schemas.openxmlformats.org/drawingml/2006/diagram" xmlns:o="urn:schemas-microsoft-com:office:office" xmlns:v="urn:schemas-microsoft-com:vml" xmlns:pvml="urn:schemas-microsoft-com:office:powerpoint" xmlns:com="http://schemas.openxmlformats.org/drawingml/2006/compatibility" xmlns:p14="http://schemas.microsoft.com/office/powerpoint/2010/main" xmlns:p15="http://schemas.microsoft.com/office/powerpoint/2012/main" showMasterPhAnim="0" showMasterSp="0">
+  <p:cSld>
+    <p:spTree>
+      <p:nvGrpSpPr>
+        <p:cNvPr id="271" name="Shape 271"/>
+        <p:cNvGrpSpPr/>
+        <p:nvPr/>
+      </p:nvGrpSpPr>
+      <p:grpSpPr>
+        <a:xfrm>
+          <a:off x="0" y="0"/>
+          <a:ext cx="0" cy="0"/>
+          <a:chOff x="0" y="0"/>
+          <a:chExt cx="0" cy="0"/>
+        </a:xfrm>
+      </p:grpSpPr>
+      <p:sp>
+        <p:nvSpPr>
+          <p:cNvPr id="272" name="Google Shape;272;g4499e2c750_0_190:notes"/>
+          <p:cNvSpPr/>
+          <p:nvPr>
+            <p:ph idx="2" type="sldImg"/>
+          </p:nvPr>
+        </p:nvSpPr>
+        <p:spPr>
+          <a:xfrm>
+            <a:off x="381300" y="685800"/>
+            <a:ext cx="6096000" cy="3429000"/>
+          </a:xfrm>
+          <a:custGeom>
+            <a:rect b="b" l="l" r="r" t="t"/>
+            <a:pathLst>
+              <a:path extrusionOk="0" h="120000" w="120000">
+                <a:moveTo>
+                  <a:pt x="0" y="0"/>
+                </a:moveTo>
+                <a:lnTo>
+                  <a:pt x="120000" y="0"/>
+                </a:lnTo>
+                <a:lnTo>
+                  <a:pt x="120000" y="120000"/>
+                </a:lnTo>
+                <a:lnTo>
+                  <a:pt x="0" y="120000"/>
+                </a:lnTo>
+                <a:close/>
+              </a:path>
+            </a:pathLst>
+          </a:custGeom>
+        </p:spPr>
+      </p:sp>
+      <p:sp>
+        <p:nvSpPr>
+          <p:cNvPr id="273" name="Google Shape;273;g4499e2c750_0_190:notes"/>
+          <p:cNvSpPr txBox="1"/>
+          <p:nvPr>
+            <p:ph idx="1" type="body"/>
+          </p:nvPr>
+        </p:nvSpPr>
+        <p:spPr>
+          <a:xfrm>
+            <a:off x="685800" y="4343400"/>
+            <a:ext cx="5486400" cy="4114800"/>
+          </a:xfrm>
+          <a:prstGeom prst="rect">
+            <a:avLst/>
+          </a:prstGeom>
+        </p:spPr>
+        <p:txBody>
+          <a:bodyPr anchorCtr="0" anchor="t" bIns="91425" lIns="91425" spcFirstLastPara="1" rIns="91425" wrap="square" tIns="91425">
+            <a:noAutofit/>
+          </a:bodyPr>
+          <a:lstStyle/>
+          <a:p>
+            <a:pPr indent="0" lvl="0" marL="0" rtl="0" algn="l">
+              <a:spcBef>
+                <a:spcPts val="0"/>
+              </a:spcBef>
+              <a:spcAft>
+                <a:spcPts val="0"/>
+              </a:spcAft>
+              <a:buNone/>
+            </a:pPr>
+            <a:r>
+              <a:t/>
+            </a:r>
+            <a:endParaRPr/>
+          </a:p>
+        </p:txBody>
+      </p:sp>
+    </p:spTree>
+  </p:cSld>
+  <p:clrMapOvr>
+    <a:masterClrMapping/>
+  </p:clrMapOvr>
+</p:notes>
+</file>
+
+<file path=ppt/notesSlides/notesSlide12.xml><?xml version="1.0" encoding="utf-8"?>
+<p:notes xmlns:a="http://schemas.openxmlformats.org/drawingml/2006/main" xmlns:r="http://schemas.openxmlformats.org/officeDocument/2006/relationships" xmlns:mc="http://schemas.openxmlformats.org/markup-compatibility/2006" xmlns:mv="urn:schemas-microsoft-com:mac:vml" xmlns:p="http://schemas.openxmlformats.org/presentationml/2006/main" xmlns:c="http://schemas.openxmlformats.org/drawingml/2006/chart" xmlns:dgm="http://schemas.openxmlformats.org/drawingml/2006/diagram" xmlns:o="urn:schemas-microsoft-com:office:office" xmlns:v="urn:schemas-microsoft-com:vml" xmlns:pvml="urn:schemas-microsoft-com:office:powerpoint" xmlns:com="http://schemas.openxmlformats.org/drawingml/2006/compatibility" xmlns:p14="http://schemas.microsoft.com/office/powerpoint/2010/main" xmlns:p15="http://schemas.microsoft.com/office/powerpoint/2012/main" showMasterPhAnim="0" showMasterSp="0">
+  <p:cSld>
+    <p:spTree>
+      <p:nvGrpSpPr>
+        <p:cNvPr id="279" name="Shape 279"/>
+        <p:cNvGrpSpPr/>
+        <p:nvPr/>
+      </p:nvGrpSpPr>
+      <p:grpSpPr>
+        <a:xfrm>
+          <a:off x="0" y="0"/>
+          <a:ext cx="0" cy="0"/>
+          <a:chOff x="0" y="0"/>
+          <a:chExt cx="0" cy="0"/>
+        </a:xfrm>
+      </p:grpSpPr>
+      <p:sp>
+        <p:nvSpPr>
+          <p:cNvPr id="280" name="Google Shape;280;g4499e2c750_0_74:notes"/>
+          <p:cNvSpPr/>
+          <p:nvPr>
+            <p:ph idx="2" type="sldImg"/>
+          </p:nvPr>
+        </p:nvSpPr>
+        <p:spPr>
+          <a:xfrm>
+            <a:off x="381300" y="685800"/>
+            <a:ext cx="6096000" cy="3429000"/>
+          </a:xfrm>
+          <a:custGeom>
+            <a:rect b="b" l="l" r="r" t="t"/>
+            <a:pathLst>
+              <a:path extrusionOk="0" h="120000" w="120000">
+                <a:moveTo>
+                  <a:pt x="0" y="0"/>
+                </a:moveTo>
+                <a:lnTo>
+                  <a:pt x="120000" y="0"/>
+                </a:lnTo>
+                <a:lnTo>
+                  <a:pt x="120000" y="120000"/>
+                </a:lnTo>
+                <a:lnTo>
+                  <a:pt x="0" y="120000"/>
+                </a:lnTo>
+                <a:close/>
+              </a:path>
+            </a:pathLst>
+          </a:custGeom>
+        </p:spPr>
+      </p:sp>
+      <p:sp>
+        <p:nvSpPr>
+          <p:cNvPr id="281" name="Google Shape;281;g4499e2c750_0_74:notes"/>
+          <p:cNvSpPr txBox="1"/>
+          <p:nvPr>
+            <p:ph idx="1" type="body"/>
+          </p:nvPr>
+        </p:nvSpPr>
+        <p:spPr>
+          <a:xfrm>
+            <a:off x="685800" y="4343400"/>
+            <a:ext cx="5486400" cy="4114800"/>
+          </a:xfrm>
+          <a:prstGeom prst="rect">
+            <a:avLst/>
+          </a:prstGeom>
+        </p:spPr>
+        <p:txBody>
+          <a:bodyPr anchorCtr="0" anchor="t" bIns="91425" lIns="91425" spcFirstLastPara="1" rIns="91425" wrap="square" tIns="91425">
+            <a:noAutofit/>
+          </a:bodyPr>
+          <a:lstStyle/>
+          <a:p>
+            <a:pPr indent="0" lvl="0" marL="0" rtl="0" algn="l">
+              <a:spcBef>
+                <a:spcPts val="0"/>
+              </a:spcBef>
+              <a:spcAft>
+                <a:spcPts val="0"/>
+              </a:spcAft>
+              <a:buNone/>
+            </a:pPr>
+            <a:r>
+              <a:t/>
+            </a:r>
+            <a:endParaRPr/>
+          </a:p>
+        </p:txBody>
+      </p:sp>
+    </p:spTree>
+  </p:cSld>
+  <p:clrMapOvr>
+    <a:masterClrMapping/>
+  </p:clrMapOvr>
+</p:notes>
+</file>
+
+<file path=ppt/notesSlides/notesSlide13.xml><?xml version="1.0" encoding="utf-8"?>
+<p:notes xmlns:a="http://schemas.openxmlformats.org/drawingml/2006/main" xmlns:r="http://schemas.openxmlformats.org/officeDocument/2006/relationships" xmlns:mc="http://schemas.openxmlformats.org/markup-compatibility/2006" xmlns:mv="urn:schemas-microsoft-com:mac:vml" xmlns:p="http://schemas.openxmlformats.org/presentationml/2006/main" xmlns:c="http://schemas.openxmlformats.org/drawingml/2006/chart" xmlns:dgm="http://schemas.openxmlformats.org/drawingml/2006/diagram" xmlns:o="urn:schemas-microsoft-com:office:office" xmlns:v="urn:schemas-microsoft-com:vml" xmlns:pvml="urn:schemas-microsoft-com:office:powerpoint" xmlns:com="http://schemas.openxmlformats.org/drawingml/2006/compatibility" xmlns:p14="http://schemas.microsoft.com/office/powerpoint/2010/main" xmlns:p15="http://schemas.microsoft.com/office/powerpoint/2012/main" showMasterPhAnim="0" showMasterSp="0">
+  <p:cSld>
+    <p:spTree>
+      <p:nvGrpSpPr>
+        <p:cNvPr id="288" name="Shape 288"/>
+        <p:cNvGrpSpPr/>
+        <p:nvPr/>
+      </p:nvGrpSpPr>
+      <p:grpSpPr>
+        <a:xfrm>
+          <a:off x="0" y="0"/>
+          <a:ext cx="0" cy="0"/>
+          <a:chOff x="0" y="0"/>
+          <a:chExt cx="0" cy="0"/>
+        </a:xfrm>
+      </p:grpSpPr>
+      <p:sp>
+        <p:nvSpPr>
+          <p:cNvPr id="289" name="Google Shape;289;g4499e2c750_0_88:notes"/>
+          <p:cNvSpPr/>
+          <p:nvPr>
+            <p:ph idx="2" type="sldImg"/>
+          </p:nvPr>
+        </p:nvSpPr>
+        <p:spPr>
+          <a:xfrm>
+            <a:off x="381300" y="685800"/>
+            <a:ext cx="6096000" cy="3429000"/>
+          </a:xfrm>
+          <a:custGeom>
+            <a:rect b="b" l="l" r="r" t="t"/>
+            <a:pathLst>
+              <a:path extrusionOk="0" h="120000" w="120000">
+                <a:moveTo>
+                  <a:pt x="0" y="0"/>
+                </a:moveTo>
+                <a:lnTo>
+                  <a:pt x="120000" y="0"/>
+                </a:lnTo>
+                <a:lnTo>
+                  <a:pt x="120000" y="120000"/>
+                </a:lnTo>
+                <a:lnTo>
+                  <a:pt x="0" y="120000"/>
+                </a:lnTo>
+                <a:close/>
+              </a:path>
+            </a:pathLst>
+          </a:custGeom>
+        </p:spPr>
+      </p:sp>
+      <p:sp>
+        <p:nvSpPr>
+          <p:cNvPr id="290" name="Google Shape;290;g4499e2c750_0_88:notes"/>
+          <p:cNvSpPr txBox="1"/>
+          <p:nvPr>
+            <p:ph idx="1" type="body"/>
+          </p:nvPr>
+        </p:nvSpPr>
+        <p:spPr>
+          <a:xfrm>
+            <a:off x="685800" y="4343400"/>
+            <a:ext cx="5486400" cy="4114800"/>
+          </a:xfrm>
+          <a:prstGeom prst="rect">
+            <a:avLst/>
+          </a:prstGeom>
+        </p:spPr>
+        <p:txBody>
+          <a:bodyPr anchorCtr="0" anchor="t" bIns="91425" lIns="91425" spcFirstLastPara="1" rIns="91425" wrap="square" tIns="91425">
+            <a:noAutofit/>
+          </a:bodyPr>
+          <a:lstStyle/>
+          <a:p>
+            <a:pPr indent="0" lvl="0" marL="0" rtl="0" algn="l">
+              <a:spcBef>
+                <a:spcPts val="0"/>
+              </a:spcBef>
+              <a:spcAft>
+                <a:spcPts val="0"/>
+              </a:spcAft>
+              <a:buNone/>
+            </a:pPr>
+            <a:r>
+              <a:t/>
+            </a:r>
+            <a:endParaRPr/>
+          </a:p>
+        </p:txBody>
+      </p:sp>
+    </p:spTree>
+  </p:cSld>
+  <p:clrMapOvr>
+    <a:masterClrMapping/>
+  </p:clrMapOvr>
+</p:notes>
+</file>
+
+<file path=ppt/notesSlides/notesSlide14.xml><?xml version="1.0" encoding="utf-8"?>
+<p:notes xmlns:a="http://schemas.openxmlformats.org/drawingml/2006/main" xmlns:r="http://schemas.openxmlformats.org/officeDocument/2006/relationships" xmlns:mc="http://schemas.openxmlformats.org/markup-compatibility/2006" xmlns:mv="urn:schemas-microsoft-com:mac:vml" xmlns:p="http://schemas.openxmlformats.org/presentationml/2006/main" xmlns:c="http://schemas.openxmlformats.org/drawingml/2006/chart" xmlns:dgm="http://schemas.openxmlformats.org/drawingml/2006/diagram" xmlns:o="urn:schemas-microsoft-com:office:office" xmlns:v="urn:schemas-microsoft-com:vml" xmlns:pvml="urn:schemas-microsoft-com:office:powerpoint" xmlns:com="http://schemas.openxmlformats.org/drawingml/2006/compatibility" xmlns:p14="http://schemas.microsoft.com/office/powerpoint/2010/main" xmlns:p15="http://schemas.microsoft.com/office/powerpoint/2012/main" showMasterPhAnim="0" showMasterSp="0">
+  <p:cSld>
+    <p:spTree>
+      <p:nvGrpSpPr>
+        <p:cNvPr id="294" name="Shape 294"/>
+        <p:cNvGrpSpPr/>
+        <p:nvPr/>
+      </p:nvGrpSpPr>
+      <p:grpSpPr>
+        <a:xfrm>
+          <a:off x="0" y="0"/>
+          <a:ext cx="0" cy="0"/>
+          <a:chOff x="0" y="0"/>
+          <a:chExt cx="0" cy="0"/>
+        </a:xfrm>
+      </p:grpSpPr>
+      <p:sp>
+        <p:nvSpPr>
+          <p:cNvPr id="295" name="Google Shape;295;g4499e2c750_0_199:notes"/>
+          <p:cNvSpPr/>
+          <p:nvPr>
+            <p:ph idx="2" type="sldImg"/>
+          </p:nvPr>
+        </p:nvSpPr>
+        <p:spPr>
+          <a:xfrm>
+            <a:off x="381300" y="685800"/>
+            <a:ext cx="6096000" cy="3429000"/>
+          </a:xfrm>
+          <a:custGeom>
+            <a:rect b="b" l="l" r="r" t="t"/>
+            <a:pathLst>
+              <a:path extrusionOk="0" h="120000" w="120000">
+                <a:moveTo>
+                  <a:pt x="0" y="0"/>
+                </a:moveTo>
+                <a:lnTo>
+                  <a:pt x="120000" y="0"/>
+                </a:lnTo>
+                <a:lnTo>
+                  <a:pt x="120000" y="120000"/>
+                </a:lnTo>
+                <a:lnTo>
+                  <a:pt x="0" y="120000"/>
+                </a:lnTo>
+                <a:close/>
+              </a:path>
+            </a:pathLst>
+          </a:custGeom>
+        </p:spPr>
+      </p:sp>
+      <p:sp>
+        <p:nvSpPr>
+          <p:cNvPr id="296" name="Google Shape;296;g4499e2c750_0_199:notes"/>
+          <p:cNvSpPr txBox="1"/>
+          <p:nvPr>
+            <p:ph idx="1" type="body"/>
+          </p:nvPr>
+        </p:nvSpPr>
+        <p:spPr>
+          <a:xfrm>
+            <a:off x="685800" y="4343400"/>
+            <a:ext cx="5486400" cy="4114800"/>
+          </a:xfrm>
+          <a:prstGeom prst="rect">
+            <a:avLst/>
+          </a:prstGeom>
+        </p:spPr>
+        <p:txBody>
+          <a:bodyPr anchorCtr="0" anchor="t" bIns="91425" lIns="91425" spcFirstLastPara="1" rIns="91425" wrap="square" tIns="91425">
+            <a:noAutofit/>
+          </a:bodyPr>
+          <a:lstStyle/>
+          <a:p>
+            <a:pPr indent="0" lvl="0" marL="0" rtl="0" algn="l">
+              <a:spcBef>
+                <a:spcPts val="0"/>
+              </a:spcBef>
+              <a:spcAft>
+                <a:spcPts val="0"/>
+              </a:spcAft>
+              <a:buNone/>
+            </a:pPr>
+            <a:r>
+              <a:t/>
+            </a:r>
+            <a:endParaRPr/>
+          </a:p>
+        </p:txBody>
+      </p:sp>
+    </p:spTree>
+  </p:cSld>
+  <p:clrMapOvr>
+    <a:masterClrMapping/>
+  </p:clrMapOvr>
+</p:notes>
+</file>
+
+<file path=ppt/notesSlides/notesSlide15.xml><?xml version="1.0" encoding="utf-8"?>
+<p:notes xmlns:a="http://schemas.openxmlformats.org/drawingml/2006/main" xmlns:r="http://schemas.openxmlformats.org/officeDocument/2006/relationships" xmlns:mc="http://schemas.openxmlformats.org/markup-compatibility/2006" xmlns:mv="urn:schemas-microsoft-com:mac:vml" xmlns:p="http://schemas.openxmlformats.org/presentationml/2006/main" xmlns:c="http://schemas.openxmlformats.org/drawingml/2006/chart" xmlns:dgm="http://schemas.openxmlformats.org/drawingml/2006/diagram" xmlns:o="urn:schemas-microsoft-com:office:office" xmlns:v="urn:schemas-microsoft-com:vml" xmlns:pvml="urn:schemas-microsoft-com:office:powerpoint" xmlns:com="http://schemas.openxmlformats.org/drawingml/2006/compatibility" xmlns:p14="http://schemas.microsoft.com/office/powerpoint/2010/main" xmlns:p15="http://schemas.microsoft.com/office/powerpoint/2012/main" showMasterPhAnim="0" showMasterSp="0">
+  <p:cSld>
+    <p:spTree>
+      <p:nvGrpSpPr>
+        <p:cNvPr id="305" name="Shape 305"/>
+        <p:cNvGrpSpPr/>
+        <p:nvPr/>
+      </p:nvGrpSpPr>
+      <p:grpSpPr>
+        <a:xfrm>
+          <a:off x="0" y="0"/>
+          <a:ext cx="0" cy="0"/>
+          <a:chOff x="0" y="0"/>
+          <a:chExt cx="0" cy="0"/>
+        </a:xfrm>
+      </p:grpSpPr>
+      <p:sp>
+        <p:nvSpPr>
+          <p:cNvPr id="306" name="Google Shape;306;g4499e2c750_0_232:notes"/>
+          <p:cNvSpPr/>
+          <p:nvPr>
+            <p:ph idx="2" type="sldImg"/>
+          </p:nvPr>
+        </p:nvSpPr>
+        <p:spPr>
+          <a:xfrm>
+            <a:off x="381300" y="685800"/>
+            <a:ext cx="6096000" cy="3429000"/>
+          </a:xfrm>
+          <a:custGeom>
+            <a:rect b="b" l="l" r="r" t="t"/>
+            <a:pathLst>
+              <a:path extrusionOk="0" h="120000" w="120000">
+                <a:moveTo>
+                  <a:pt x="0" y="0"/>
+                </a:moveTo>
+                <a:lnTo>
+                  <a:pt x="120000" y="0"/>
+                </a:lnTo>
+                <a:lnTo>
+                  <a:pt x="120000" y="120000"/>
+                </a:lnTo>
+                <a:lnTo>
+                  <a:pt x="0" y="120000"/>
+                </a:lnTo>
+                <a:close/>
+              </a:path>
+            </a:pathLst>
+          </a:custGeom>
+        </p:spPr>
+      </p:sp>
+      <p:sp>
+        <p:nvSpPr>
+          <p:cNvPr id="307" name="Google Shape;307;g4499e2c750_0_232:notes"/>
+          <p:cNvSpPr txBox="1"/>
+          <p:nvPr>
+            <p:ph idx="1" type="body"/>
+          </p:nvPr>
+        </p:nvSpPr>
+        <p:spPr>
+          <a:xfrm>
+            <a:off x="685800" y="4343400"/>
+            <a:ext cx="5486400" cy="4114800"/>
+          </a:xfrm>
+          <a:prstGeom prst="rect">
+            <a:avLst/>
+          </a:prstGeom>
+        </p:spPr>
+        <p:txBody>
+          <a:bodyPr anchorCtr="0" anchor="t" bIns="91425" lIns="91425" spcFirstLastPara="1" rIns="91425" wrap="square" tIns="91425">
+            <a:noAutofit/>
+          </a:bodyPr>
+          <a:lstStyle/>
+          <a:p>
+            <a:pPr indent="0" lvl="0" marL="0" rtl="0" algn="l">
+              <a:spcBef>
+                <a:spcPts val="0"/>
+              </a:spcBef>
+              <a:spcAft>
+                <a:spcPts val="0"/>
+              </a:spcAft>
+              <a:buNone/>
+            </a:pPr>
+            <a:r>
+              <a:t/>
+            </a:r>
+            <a:endParaRPr/>
+          </a:p>
+        </p:txBody>
+      </p:sp>
+    </p:spTree>
+  </p:cSld>
+  <p:clrMapOvr>
+    <a:masterClrMapping/>
+  </p:clrMapOvr>
+</p:notes>
+</file>
+
+<file path=ppt/notesSlides/notesSlide16.xml><?xml version="1.0" encoding="utf-8"?>
+<p:notes xmlns:a="http://schemas.openxmlformats.org/drawingml/2006/main" xmlns:r="http://schemas.openxmlformats.org/officeDocument/2006/relationships" xmlns:mc="http://schemas.openxmlformats.org/markup-compatibility/2006" xmlns:mv="urn:schemas-microsoft-com:mac:vml" xmlns:p="http://schemas.openxmlformats.org/presentationml/2006/main" xmlns:c="http://schemas.openxmlformats.org/drawingml/2006/chart" xmlns:dgm="http://schemas.openxmlformats.org/drawingml/2006/diagram" xmlns:o="urn:schemas-microsoft-com:office:office" xmlns:v="urn:schemas-microsoft-com:vml" xmlns:pvml="urn:schemas-microsoft-com:office:powerpoint" xmlns:com="http://schemas.openxmlformats.org/drawingml/2006/compatibility" xmlns:p14="http://schemas.microsoft.com/office/powerpoint/2010/main" xmlns:p15="http://schemas.microsoft.com/office/powerpoint/2012/main" showMasterPhAnim="0" showMasterSp="0">
+  <p:cSld>
+    <p:spTree>
+      <p:nvGrpSpPr>
+        <p:cNvPr id="310" name="Shape 310"/>
+        <p:cNvGrpSpPr/>
+        <p:nvPr/>
+      </p:nvGrpSpPr>
+      <p:grpSpPr>
+        <a:xfrm>
+          <a:off x="0" y="0"/>
+          <a:ext cx="0" cy="0"/>
+          <a:chOff x="0" y="0"/>
+          <a:chExt cx="0" cy="0"/>
+        </a:xfrm>
+      </p:grpSpPr>
+      <p:sp>
+        <p:nvSpPr>
+          <p:cNvPr id="311" name="Google Shape;311;g4499e2c750_0_222:notes"/>
+          <p:cNvSpPr/>
+          <p:nvPr>
+            <p:ph idx="2" type="sldImg"/>
+          </p:nvPr>
+        </p:nvSpPr>
+        <p:spPr>
+          <a:xfrm>
+            <a:off x="381300" y="685800"/>
+            <a:ext cx="6096000" cy="3429000"/>
+          </a:xfrm>
+          <a:custGeom>
+            <a:rect b="b" l="l" r="r" t="t"/>
+            <a:pathLst>
+              <a:path extrusionOk="0" h="120000" w="120000">
+                <a:moveTo>
+                  <a:pt x="0" y="0"/>
+                </a:moveTo>
+                <a:lnTo>
+                  <a:pt x="120000" y="0"/>
+                </a:lnTo>
+                <a:lnTo>
+                  <a:pt x="120000" y="120000"/>
+                </a:lnTo>
+                <a:lnTo>
+                  <a:pt x="0" y="120000"/>
+                </a:lnTo>
+                <a:close/>
+              </a:path>
+            </a:pathLst>
+          </a:custGeom>
+        </p:spPr>
+      </p:sp>
+      <p:sp>
+        <p:nvSpPr>
+          <p:cNvPr id="312" name="Google Shape;312;g4499e2c750_0_222:notes"/>
+          <p:cNvSpPr txBox="1"/>
+          <p:nvPr>
+            <p:ph idx="1" type="body"/>
+          </p:nvPr>
+        </p:nvSpPr>
+        <p:spPr>
+          <a:xfrm>
+            <a:off x="685800" y="4343400"/>
+            <a:ext cx="5486400" cy="4114800"/>
+          </a:xfrm>
+          <a:prstGeom prst="rect">
+            <a:avLst/>
+          </a:prstGeom>
+        </p:spPr>
+        <p:txBody>
+          <a:bodyPr anchorCtr="0" anchor="t" bIns="91425" lIns="91425" spcFirstLastPara="1" rIns="91425" wrap="square" tIns="91425">
+            <a:noAutofit/>
+          </a:bodyPr>
+          <a:lstStyle/>
+          <a:p>
+            <a:pPr indent="0" lvl="0" marL="0" rtl="0" algn="l">
+              <a:spcBef>
+                <a:spcPts val="0"/>
+              </a:spcBef>
+              <a:spcAft>
+                <a:spcPts val="0"/>
+              </a:spcAft>
+              <a:buNone/>
+            </a:pPr>
+            <a:r>
+              <a:t/>
+            </a:r>
+            <a:endParaRPr/>
+          </a:p>
+        </p:txBody>
+      </p:sp>
+    </p:spTree>
+  </p:cSld>
+  <p:clrMapOvr>
+    <a:masterClrMapping/>
+  </p:clrMapOvr>
+</p:notes>
+</file>
+
+<file path=ppt/notesSlides/notesSlide17.xml><?xml version="1.0" encoding="utf-8"?>
+<p:notes xmlns:a="http://schemas.openxmlformats.org/drawingml/2006/main" xmlns:r="http://schemas.openxmlformats.org/officeDocument/2006/relationships" xmlns:mc="http://schemas.openxmlformats.org/markup-compatibility/2006" xmlns:mv="urn:schemas-microsoft-com:mac:vml" xmlns:p="http://schemas.openxmlformats.org/presentationml/2006/main" xmlns:c="http://schemas.openxmlformats.org/drawingml/2006/chart" xmlns:dgm="http://schemas.openxmlformats.org/drawingml/2006/diagram" xmlns:o="urn:schemas-microsoft-com:office:office" xmlns:v="urn:schemas-microsoft-com:vml" xmlns:pvml="urn:schemas-microsoft-com:office:powerpoint" xmlns:com="http://schemas.openxmlformats.org/drawingml/2006/compatibility" xmlns:p14="http://schemas.microsoft.com/office/powerpoint/2010/main" xmlns:p15="http://schemas.microsoft.com/office/powerpoint/2012/main" showMasterPhAnim="0" showMasterSp="0">
+  <p:cSld>
+    <p:spTree>
+      <p:nvGrpSpPr>
+        <p:cNvPr id="321" name="Shape 321"/>
+        <p:cNvGrpSpPr/>
+        <p:nvPr/>
+      </p:nvGrpSpPr>
+      <p:grpSpPr>
+        <a:xfrm>
+          <a:off x="0" y="0"/>
+          <a:ext cx="0" cy="0"/>
+          <a:chOff x="0" y="0"/>
+          <a:chExt cx="0" cy="0"/>
+        </a:xfrm>
+      </p:grpSpPr>
+      <p:sp>
+        <p:nvSpPr>
+          <p:cNvPr id="322" name="Google Shape;322;g4563e4ce49_1_30:notes"/>
+          <p:cNvSpPr/>
+          <p:nvPr>
+            <p:ph idx="2" type="sldImg"/>
+          </p:nvPr>
+        </p:nvSpPr>
+        <p:spPr>
+          <a:xfrm>
+            <a:off x="381300" y="685800"/>
+            <a:ext cx="6096000" cy="3429000"/>
+          </a:xfrm>
+          <a:custGeom>
+            <a:rect b="b" l="l" r="r" t="t"/>
+            <a:pathLst>
+              <a:path extrusionOk="0" h="120000" w="120000">
+                <a:moveTo>
+                  <a:pt x="0" y="0"/>
+                </a:moveTo>
+                <a:lnTo>
+                  <a:pt x="120000" y="0"/>
+                </a:lnTo>
+                <a:lnTo>
+                  <a:pt x="120000" y="120000"/>
+                </a:lnTo>
+                <a:lnTo>
+                  <a:pt x="0" y="120000"/>
+                </a:lnTo>
+                <a:close/>
+              </a:path>
+            </a:pathLst>
+          </a:custGeom>
+        </p:spPr>
+      </p:sp>
+      <p:sp>
+        <p:nvSpPr>
+          <p:cNvPr id="323" name="Google Shape;323;g4563e4ce49_1_30:notes"/>
+          <p:cNvSpPr txBox="1"/>
+          <p:nvPr>
+            <p:ph idx="1" type="body"/>
+          </p:nvPr>
+        </p:nvSpPr>
+        <p:spPr>
+          <a:xfrm>
+            <a:off x="685800" y="4343400"/>
+            <a:ext cx="5486400" cy="4114800"/>
+          </a:xfrm>
+          <a:prstGeom prst="rect">
+            <a:avLst/>
+          </a:prstGeom>
+        </p:spPr>
+        <p:txBody>
+          <a:bodyPr anchorCtr="0" anchor="t" bIns="91425" lIns="91425" spcFirstLastPara="1" rIns="91425" wrap="square" tIns="91425">
+            <a:noAutofit/>
+          </a:bodyPr>
+          <a:lstStyle/>
+          <a:p>
+            <a:pPr indent="0" lvl="0" marL="0" rtl="0" algn="l">
+              <a:spcBef>
+                <a:spcPts val="0"/>
+              </a:spcBef>
+              <a:spcAft>
+                <a:spcPts val="0"/>
+              </a:spcAft>
+              <a:buNone/>
+            </a:pPr>
+            <a:r>
+              <a:t/>
+            </a:r>
+            <a:endParaRPr/>
+          </a:p>
+        </p:txBody>
+      </p:sp>
+    </p:spTree>
+  </p:cSld>
+  <p:clrMapOvr>
+    <a:masterClrMapping/>
+  </p:clrMapOvr>
+</p:notes>
+</file>
+
+<file path=ppt/notesSlides/notesSlide18.xml><?xml version="1.0" encoding="utf-8"?>
+<p:notes xmlns:a="http://schemas.openxmlformats.org/drawingml/2006/main" xmlns:r="http://schemas.openxmlformats.org/officeDocument/2006/relationships" xmlns:mc="http://schemas.openxmlformats.org/markup-compatibility/2006" xmlns:mv="urn:schemas-microsoft-com:mac:vml" xmlns:p="http://schemas.openxmlformats.org/presentationml/2006/main" xmlns:c="http://schemas.openxmlformats.org/drawingml/2006/chart" xmlns:dgm="http://schemas.openxmlformats.org/drawingml/2006/diagram" xmlns:o="urn:schemas-microsoft-com:office:office" xmlns:v="urn:schemas-microsoft-com:vml" xmlns:pvml="urn:schemas-microsoft-com:office:powerpoint" xmlns:com="http://schemas.openxmlformats.org/drawingml/2006/compatibility" xmlns:p14="http://schemas.microsoft.com/office/powerpoint/2010/main" xmlns:p15="http://schemas.microsoft.com/office/powerpoint/2012/main" showMasterPhAnim="0" showMasterSp="0">
+  <p:cSld>
+    <p:spTree>
+      <p:nvGrpSpPr>
+        <p:cNvPr id="330" name="Shape 330"/>
+        <p:cNvGrpSpPr/>
+        <p:nvPr/>
+      </p:nvGrpSpPr>
+      <p:grpSpPr>
+        <a:xfrm>
+          <a:off x="0" y="0"/>
+          <a:ext cx="0" cy="0"/>
+          <a:chOff x="0" y="0"/>
+          <a:chExt cx="0" cy="0"/>
+        </a:xfrm>
+      </p:grpSpPr>
+      <p:sp>
+        <p:nvSpPr>
+          <p:cNvPr id="331" name="Google Shape;331;g4563e4ce49_1_10:notes"/>
+          <p:cNvSpPr/>
+          <p:nvPr>
+            <p:ph idx="2" type="sldImg"/>
+          </p:nvPr>
+        </p:nvSpPr>
+        <p:spPr>
+          <a:xfrm>
+            <a:off x="381300" y="685800"/>
+            <a:ext cx="6096000" cy="3429000"/>
+          </a:xfrm>
+          <a:custGeom>
+            <a:rect b="b" l="l" r="r" t="t"/>
+            <a:pathLst>
+              <a:path extrusionOk="0" h="120000" w="120000">
+                <a:moveTo>
+                  <a:pt x="0" y="0"/>
+                </a:moveTo>
+                <a:lnTo>
+                  <a:pt x="120000" y="0"/>
+                </a:lnTo>
+                <a:lnTo>
+                  <a:pt x="120000" y="120000"/>
+                </a:lnTo>
+                <a:lnTo>
+                  <a:pt x="0" y="120000"/>
+                </a:lnTo>
+                <a:close/>
+              </a:path>
+            </a:pathLst>
+          </a:custGeom>
+        </p:spPr>
+      </p:sp>
+      <p:sp>
+        <p:nvSpPr>
+          <p:cNvPr id="332" name="Google Shape;332;g4563e4ce49_1_10:notes"/>
+          <p:cNvSpPr txBox="1"/>
+          <p:nvPr>
+            <p:ph idx="1" type="body"/>
+          </p:nvPr>
+        </p:nvSpPr>
+        <p:spPr>
+          <a:xfrm>
+            <a:off x="685800" y="4343400"/>
+            <a:ext cx="5486400" cy="4114800"/>
+          </a:xfrm>
+          <a:prstGeom prst="rect">
+            <a:avLst/>
+          </a:prstGeom>
+        </p:spPr>
+        <p:txBody>
+          <a:bodyPr anchorCtr="0" anchor="t" bIns="91425" lIns="91425" spcFirstLastPara="1" rIns="91425" wrap="square" tIns="91425">
+            <a:noAutofit/>
+          </a:bodyPr>
+          <a:lstStyle/>
+          <a:p>
+            <a:pPr indent="0" lvl="0" marL="0" rtl="0" algn="l">
+              <a:spcBef>
+                <a:spcPts val="0"/>
+              </a:spcBef>
+              <a:spcAft>
+                <a:spcPts val="0"/>
+              </a:spcAft>
+              <a:buNone/>
+            </a:pPr>
+            <a:r>
+              <a:t/>
+            </a:r>
+            <a:endParaRPr/>
+          </a:p>
+        </p:txBody>
+      </p:sp>
+    </p:spTree>
+  </p:cSld>
+  <p:clrMapOvr>
+    <a:masterClrMapping/>
+  </p:clrMapOvr>
+</p:notes>
+</file>
+
+<file path=ppt/notesSlides/notesSlide19.xml><?xml version="1.0" encoding="utf-8"?>
+<p:notes xmlns:a="http://schemas.openxmlformats.org/drawingml/2006/main" xmlns:r="http://schemas.openxmlformats.org/officeDocument/2006/relationships" xmlns:mc="http://schemas.openxmlformats.org/markup-compatibility/2006" xmlns:mv="urn:schemas-microsoft-com:mac:vml" xmlns:p="http://schemas.openxmlformats.org/presentationml/2006/main" xmlns:c="http://schemas.openxmlformats.org/drawingml/2006/chart" xmlns:dgm="http://schemas.openxmlformats.org/drawingml/2006/diagram" xmlns:o="urn:schemas-microsoft-com:office:office" xmlns:v="urn:schemas-microsoft-com:vml" xmlns:pvml="urn:schemas-microsoft-com:office:powerpoint" xmlns:com="http://schemas.openxmlformats.org/drawingml/2006/compatibility" xmlns:p14="http://schemas.microsoft.com/office/powerpoint/2010/main" xmlns:p15="http://schemas.microsoft.com/office/powerpoint/2012/main" showMasterPhAnim="0" showMasterSp="0">
+  <p:cSld>
+    <p:spTree>
+      <p:nvGrpSpPr>
+        <p:cNvPr id="337" name="Shape 337"/>
+        <p:cNvGrpSpPr/>
+        <p:nvPr/>
+      </p:nvGrpSpPr>
+      <p:grpSpPr>
+        <a:xfrm>
+          <a:off x="0" y="0"/>
+          <a:ext cx="0" cy="0"/>
+          <a:chOff x="0" y="0"/>
+          <a:chExt cx="0" cy="0"/>
+        </a:xfrm>
+      </p:grpSpPr>
+      <p:sp>
+        <p:nvSpPr>
+          <p:cNvPr id="338" name="Google Shape;338;g4563e4ce49_1_15:notes"/>
+          <p:cNvSpPr/>
+          <p:nvPr>
+            <p:ph idx="2" type="sldImg"/>
+          </p:nvPr>
+        </p:nvSpPr>
+        <p:spPr>
+          <a:xfrm>
+            <a:off x="381300" y="685800"/>
+            <a:ext cx="6096000" cy="3429000"/>
+          </a:xfrm>
+          <a:custGeom>
+            <a:rect b="b" l="l" r="r" t="t"/>
+            <a:pathLst>
+              <a:path extrusionOk="0" h="120000" w="120000">
+                <a:moveTo>
+                  <a:pt x="0" y="0"/>
+                </a:moveTo>
+                <a:lnTo>
+                  <a:pt x="120000" y="0"/>
+                </a:lnTo>
+                <a:lnTo>
+                  <a:pt x="120000" y="120000"/>
+                </a:lnTo>
+                <a:lnTo>
+                  <a:pt x="0" y="120000"/>
+                </a:lnTo>
+                <a:close/>
+              </a:path>
+            </a:pathLst>
+          </a:custGeom>
+        </p:spPr>
+      </p:sp>
+      <p:sp>
+        <p:nvSpPr>
+          <p:cNvPr id="339" name="Google Shape;339;g4563e4ce49_1_15:notes"/>
+          <p:cNvSpPr txBox="1"/>
+          <p:nvPr>
+            <p:ph idx="1" type="body"/>
+          </p:nvPr>
+        </p:nvSpPr>
+        <p:spPr>
+          <a:xfrm>
+            <a:off x="685800" y="4343400"/>
+            <a:ext cx="5486400" cy="4114800"/>
+          </a:xfrm>
+          <a:prstGeom prst="rect">
+            <a:avLst/>
+          </a:prstGeom>
+        </p:spPr>
+        <p:txBody>
+          <a:bodyPr anchorCtr="0" anchor="t" bIns="91425" lIns="91425" spcFirstLastPara="1" rIns="91425" wrap="square" tIns="91425">
+            <a:noAutofit/>
+          </a:bodyPr>
+          <a:lstStyle/>
+          <a:p>
+            <a:pPr indent="0" lvl="0" marL="0" rtl="0" algn="l">
+              <a:spcBef>
+                <a:spcPts val="0"/>
+              </a:spcBef>
+              <a:spcAft>
+                <a:spcPts val="0"/>
+              </a:spcAft>
+              <a:buNone/>
+            </a:pPr>
+            <a:r>
+              <a:t/>
+            </a:r>
+            <a:endParaRPr/>
+          </a:p>
+        </p:txBody>
+      </p:sp>
+    </p:spTree>
+  </p:cSld>
+  <p:clrMapOvr>
+    <a:masterClrMapping/>
+  </p:clrMapOvr>
+</p:notes>
+</file>
+
+<file path=ppt/notesSlides/notesSlide2.xml><?xml version="1.0" encoding="utf-8"?>
+<p:notes xmlns:a="http://schemas.openxmlformats.org/drawingml/2006/main" xmlns:r="http://schemas.openxmlformats.org/officeDocument/2006/relationships" xmlns:mc="http://schemas.openxmlformats.org/markup-compatibility/2006" xmlns:mv="urn:schemas-microsoft-com:mac:vml" xmlns:p="http://schemas.openxmlformats.org/presentationml/2006/main" xmlns:c="http://schemas.openxmlformats.org/drawingml/2006/chart" xmlns:dgm="http://schemas.openxmlformats.org/drawingml/2006/diagram" xmlns:o="urn:schemas-microsoft-com:office:office" xmlns:v="urn:schemas-microsoft-com:vml" xmlns:pvml="urn:schemas-microsoft-com:office:powerpoint" xmlns:com="http://schemas.openxmlformats.org/drawingml/2006/compatibility" xmlns:p14="http://schemas.microsoft.com/office/powerpoint/2010/main" xmlns:p15="http://schemas.microsoft.com/office/powerpoint/2012/main" showMasterPhAnim="0" showMasterSp="0">
+  <p:cSld>
+    <p:spTree>
+      <p:nvGrpSpPr>
+        <p:cNvPr id="207" name="Shape 207"/>
+        <p:cNvGrpSpPr/>
+        <p:nvPr/>
+      </p:nvGrpSpPr>
+      <p:grpSpPr>
+        <a:xfrm>
+          <a:off x="0" y="0"/>
+          <a:ext cx="0" cy="0"/>
+          <a:chOff x="0" y="0"/>
+          <a:chExt cx="0" cy="0"/>
+        </a:xfrm>
+      </p:grpSpPr>
+      <p:sp>
+        <p:nvSpPr>
+          <p:cNvPr id="208" name="Google Shape;208;g4499e2c750_0_123:notes"/>
+          <p:cNvSpPr/>
+          <p:nvPr>
+            <p:ph idx="2" type="sldImg"/>
+          </p:nvPr>
+        </p:nvSpPr>
+        <p:spPr>
+          <a:xfrm>
+            <a:off x="381300" y="685800"/>
+            <a:ext cx="6096000" cy="3429000"/>
+          </a:xfrm>
+          <a:custGeom>
+            <a:rect b="b" l="l" r="r" t="t"/>
+            <a:pathLst>
+              <a:path extrusionOk="0" h="120000" w="120000">
+                <a:moveTo>
+                  <a:pt x="0" y="0"/>
+                </a:moveTo>
+                <a:lnTo>
+                  <a:pt x="120000" y="0"/>
+                </a:lnTo>
+                <a:lnTo>
+                  <a:pt x="120000" y="120000"/>
+                </a:lnTo>
+                <a:lnTo>
+                  <a:pt x="0" y="120000"/>
+                </a:lnTo>
+                <a:close/>
+              </a:path>
+            </a:pathLst>
+          </a:custGeom>
+        </p:spPr>
+      </p:sp>
+      <p:sp>
+        <p:nvSpPr>
+          <p:cNvPr id="209" name="Google Shape;209;g4499e2c750_0_123:notes"/>
+          <p:cNvSpPr txBox="1"/>
+          <p:nvPr>
+            <p:ph idx="1" type="body"/>
+          </p:nvPr>
+        </p:nvSpPr>
+        <p:spPr>
+          <a:xfrm>
+            <a:off x="685800" y="4343400"/>
+            <a:ext cx="5486400" cy="4114800"/>
+          </a:xfrm>
+          <a:prstGeom prst="rect">
+            <a:avLst/>
+          </a:prstGeom>
+        </p:spPr>
+        <p:txBody>
+          <a:bodyPr anchorCtr="0" anchor="t" bIns="91425" lIns="91425" spcFirstLastPara="1" rIns="91425" wrap="square" tIns="91425">
+            <a:noAutofit/>
+          </a:bodyPr>
+          <a:lstStyle/>
+          <a:p>
+            <a:pPr indent="0" lvl="0" marL="0" rtl="0" algn="l">
+              <a:spcBef>
+                <a:spcPts val="0"/>
+              </a:spcBef>
+              <a:spcAft>
+                <a:spcPts val="0"/>
+              </a:spcAft>
+              <a:buNone/>
+            </a:pPr>
+            <a:r>
+              <a:t/>
+            </a:r>
+            <a:endParaRPr/>
+          </a:p>
+        </p:txBody>
+      </p:sp>
+    </p:spTree>
+  </p:cSld>
+  <p:clrMapOvr>
+    <a:masterClrMapping/>
+  </p:clrMapOvr>
+</p:notes>
+</file>
+
+<file path=ppt/notesSlides/notesSlide20.xml><?xml version="1.0" encoding="utf-8"?>
+<p:notes xmlns:a="http://schemas.openxmlformats.org/drawingml/2006/main" xmlns:r="http://schemas.openxmlformats.org/officeDocument/2006/relationships" xmlns:mc="http://schemas.openxmlformats.org/markup-compatibility/2006" xmlns:mv="urn:schemas-microsoft-com:mac:vml" xmlns:p="http://schemas.openxmlformats.org/presentationml/2006/main" xmlns:c="http://schemas.openxmlformats.org/drawingml/2006/chart" xmlns:dgm="http://schemas.openxmlformats.org/drawingml/2006/diagram" xmlns:o="urn:schemas-microsoft-com:office:office" xmlns:v="urn:schemas-microsoft-com:vml" xmlns:pvml="urn:schemas-microsoft-com:office:powerpoint" xmlns:com="http://schemas.openxmlformats.org/drawingml/2006/compatibility" xmlns:p14="http://schemas.microsoft.com/office/powerpoint/2010/main" xmlns:p15="http://schemas.microsoft.com/office/powerpoint/2012/main" showMasterPhAnim="0" showMasterSp="0">
+  <p:cSld>
+    <p:spTree>
+      <p:nvGrpSpPr>
+        <p:cNvPr id="344" name="Shape 344"/>
+        <p:cNvGrpSpPr/>
+        <p:nvPr/>
+      </p:nvGrpSpPr>
+      <p:grpSpPr>
+        <a:xfrm>
+          <a:off x="0" y="0"/>
+          <a:ext cx="0" cy="0"/>
+          <a:chOff x="0" y="0"/>
+          <a:chExt cx="0" cy="0"/>
+        </a:xfrm>
+      </p:grpSpPr>
+      <p:sp>
+        <p:nvSpPr>
+          <p:cNvPr id="345" name="Google Shape;345;g4563e4ce49_1_20:notes"/>
+          <p:cNvSpPr/>
+          <p:nvPr>
+            <p:ph idx="2" type="sldImg"/>
+          </p:nvPr>
+        </p:nvSpPr>
+        <p:spPr>
+          <a:xfrm>
+            <a:off x="381300" y="685800"/>
+            <a:ext cx="6096000" cy="3429000"/>
+          </a:xfrm>
+          <a:custGeom>
+            <a:rect b="b" l="l" r="r" t="t"/>
+            <a:pathLst>
+              <a:path extrusionOk="0" h="120000" w="120000">
+                <a:moveTo>
+                  <a:pt x="0" y="0"/>
+                </a:moveTo>
+                <a:lnTo>
+                  <a:pt x="120000" y="0"/>
+                </a:lnTo>
+                <a:lnTo>
+                  <a:pt x="120000" y="120000"/>
+                </a:lnTo>
+                <a:lnTo>
+                  <a:pt x="0" y="120000"/>
+                </a:lnTo>
+                <a:close/>
+              </a:path>
+            </a:pathLst>
+          </a:custGeom>
+        </p:spPr>
+      </p:sp>
+      <p:sp>
+        <p:nvSpPr>
+          <p:cNvPr id="346" name="Google Shape;346;g4563e4ce49_1_20:notes"/>
+          <p:cNvSpPr txBox="1"/>
+          <p:nvPr>
+            <p:ph idx="1" type="body"/>
+          </p:nvPr>
+        </p:nvSpPr>
+        <p:spPr>
+          <a:xfrm>
+            <a:off x="685800" y="4343400"/>
+            <a:ext cx="5486400" cy="4114800"/>
+          </a:xfrm>
+          <a:prstGeom prst="rect">
+            <a:avLst/>
+          </a:prstGeom>
+        </p:spPr>
+        <p:txBody>
+          <a:bodyPr anchorCtr="0" anchor="t" bIns="91425" lIns="91425" spcFirstLastPara="1" rIns="91425" wrap="square" tIns="91425">
+            <a:noAutofit/>
+          </a:bodyPr>
+          <a:lstStyle/>
+          <a:p>
+            <a:pPr indent="0" lvl="0" marL="0" rtl="0" algn="l">
+              <a:spcBef>
+                <a:spcPts val="0"/>
+              </a:spcBef>
+              <a:spcAft>
+                <a:spcPts val="0"/>
+              </a:spcAft>
+              <a:buNone/>
+            </a:pPr>
+            <a:r>
+              <a:t/>
+            </a:r>
+            <a:endParaRPr/>
+          </a:p>
+        </p:txBody>
+      </p:sp>
+    </p:spTree>
+  </p:cSld>
+  <p:clrMapOvr>
+    <a:masterClrMapping/>
+  </p:clrMapOvr>
+</p:notes>
+</file>
+
+<file path=ppt/notesSlides/notesSlide21.xml><?xml version="1.0" encoding="utf-8"?>
+<p:notes xmlns:a="http://schemas.openxmlformats.org/drawingml/2006/main" xmlns:r="http://schemas.openxmlformats.org/officeDocument/2006/relationships" xmlns:mc="http://schemas.openxmlformats.org/markup-compatibility/2006" xmlns:mv="urn:schemas-microsoft-com:mac:vml" xmlns:p="http://schemas.openxmlformats.org/presentationml/2006/main" xmlns:c="http://schemas.openxmlformats.org/drawingml/2006/chart" xmlns:dgm="http://schemas.openxmlformats.org/drawingml/2006/diagram" xmlns:o="urn:schemas-microsoft-com:office:office" xmlns:v="urn:schemas-microsoft-com:vml" xmlns:pvml="urn:schemas-microsoft-com:office:powerpoint" xmlns:com="http://schemas.openxmlformats.org/drawingml/2006/compatibility" xmlns:p14="http://schemas.microsoft.com/office/powerpoint/2010/main" xmlns:p15="http://schemas.microsoft.com/office/powerpoint/2012/main" showMasterPhAnim="0" showMasterSp="0">
+  <p:cSld>
+    <p:spTree>
+      <p:nvGrpSpPr>
+        <p:cNvPr id="350" name="Shape 350"/>
+        <p:cNvGrpSpPr/>
+        <p:nvPr/>
+      </p:nvGrpSpPr>
+      <p:grpSpPr>
+        <a:xfrm>
+          <a:off x="0" y="0"/>
+          <a:ext cx="0" cy="0"/>
+          <a:chOff x="0" y="0"/>
+          <a:chExt cx="0" cy="0"/>
+        </a:xfrm>
+      </p:grpSpPr>
+      <p:sp>
+        <p:nvSpPr>
+          <p:cNvPr id="351" name="Google Shape;351;g4563e4ce49_1_35:notes"/>
+          <p:cNvSpPr/>
+          <p:nvPr>
+            <p:ph idx="2" type="sldImg"/>
+          </p:nvPr>
+        </p:nvSpPr>
+        <p:spPr>
+          <a:xfrm>
+            <a:off x="381300" y="685800"/>
+            <a:ext cx="6096000" cy="3429000"/>
+          </a:xfrm>
+          <a:custGeom>
+            <a:rect b="b" l="l" r="r" t="t"/>
+            <a:pathLst>
+              <a:path extrusionOk="0" h="120000" w="120000">
+                <a:moveTo>
+                  <a:pt x="0" y="0"/>
+                </a:moveTo>
+                <a:lnTo>
+                  <a:pt x="120000" y="0"/>
+                </a:lnTo>
+                <a:lnTo>
+                  <a:pt x="120000" y="120000"/>
+                </a:lnTo>
+                <a:lnTo>
+                  <a:pt x="0" y="120000"/>
+                </a:lnTo>
+                <a:close/>
+              </a:path>
+            </a:pathLst>
+          </a:custGeom>
+        </p:spPr>
+      </p:sp>
+      <p:sp>
+        <p:nvSpPr>
+          <p:cNvPr id="352" name="Google Shape;352;g4563e4ce49_1_35:notes"/>
+          <p:cNvSpPr txBox="1"/>
+          <p:nvPr>
+            <p:ph idx="1" type="body"/>
+          </p:nvPr>
+        </p:nvSpPr>
+        <p:spPr>
+          <a:xfrm>
+            <a:off x="685800" y="4343400"/>
+            <a:ext cx="5486400" cy="4114800"/>
+          </a:xfrm>
+          <a:prstGeom prst="rect">
+            <a:avLst/>
+          </a:prstGeom>
+        </p:spPr>
+        <p:txBody>
+          <a:bodyPr anchorCtr="0" anchor="t" bIns="91425" lIns="91425" spcFirstLastPara="1" rIns="91425" wrap="square" tIns="91425">
+            <a:noAutofit/>
+          </a:bodyPr>
+          <a:lstStyle/>
+          <a:p>
+            <a:pPr indent="0" lvl="0" marL="0" rtl="0" algn="l">
+              <a:spcBef>
+                <a:spcPts val="0"/>
+              </a:spcBef>
+              <a:spcAft>
+                <a:spcPts val="0"/>
+              </a:spcAft>
+              <a:buNone/>
+            </a:pPr>
+            <a:r>
+              <a:t/>
+            </a:r>
+            <a:endParaRPr/>
+          </a:p>
+        </p:txBody>
+      </p:sp>
+    </p:spTree>
+  </p:cSld>
+  <p:clrMapOvr>
+    <a:masterClrMapping/>
+  </p:clrMapOvr>
+</p:notes>
+</file>
+
+<file path=ppt/notesSlides/notesSlide22.xml><?xml version="1.0" encoding="utf-8"?>
+<p:notes xmlns:a="http://schemas.openxmlformats.org/drawingml/2006/main" xmlns:r="http://schemas.openxmlformats.org/officeDocument/2006/relationships" xmlns:mc="http://schemas.openxmlformats.org/markup-compatibility/2006" xmlns:mv="urn:schemas-microsoft-com:mac:vml" xmlns:p="http://schemas.openxmlformats.org/presentationml/2006/main" xmlns:c="http://schemas.openxmlformats.org/drawingml/2006/chart" xmlns:dgm="http://schemas.openxmlformats.org/drawingml/2006/diagram" xmlns:o="urn:schemas-microsoft-com:office:office" xmlns:v="urn:schemas-microsoft-com:vml" xmlns:pvml="urn:schemas-microsoft-com:office:powerpoint" xmlns:com="http://schemas.openxmlformats.org/drawingml/2006/compatibility" xmlns:p14="http://schemas.microsoft.com/office/powerpoint/2010/main" xmlns:p15="http://schemas.microsoft.com/office/powerpoint/2012/main" showMasterPhAnim="0" showMasterSp="0">
+  <p:cSld>
+    <p:spTree>
+      <p:nvGrpSpPr>
+        <p:cNvPr id="356" name="Shape 356"/>
+        <p:cNvGrpSpPr/>
+        <p:nvPr/>
+      </p:nvGrpSpPr>
+      <p:grpSpPr>
+        <a:xfrm>
+          <a:off x="0" y="0"/>
+          <a:ext cx="0" cy="0"/>
+          <a:chOff x="0" y="0"/>
+          <a:chExt cx="0" cy="0"/>
+        </a:xfrm>
+      </p:grpSpPr>
+      <p:sp>
+        <p:nvSpPr>
+          <p:cNvPr id="357" name="Google Shape;357;g467b6db7c0_0_0:notes"/>
+          <p:cNvSpPr/>
+          <p:nvPr>
+            <p:ph idx="2" type="sldImg"/>
+          </p:nvPr>
+        </p:nvSpPr>
+        <p:spPr>
+          <a:xfrm>
+            <a:off x="381300" y="685800"/>
+            <a:ext cx="6096000" cy="3429000"/>
+          </a:xfrm>
+          <a:custGeom>
+            <a:rect b="b" l="l" r="r" t="t"/>
+            <a:pathLst>
+              <a:path extrusionOk="0" h="120000" w="120000">
+                <a:moveTo>
+                  <a:pt x="0" y="0"/>
+                </a:moveTo>
+                <a:lnTo>
+                  <a:pt x="120000" y="0"/>
+                </a:lnTo>
+                <a:lnTo>
+                  <a:pt x="120000" y="120000"/>
+                </a:lnTo>
+                <a:lnTo>
+                  <a:pt x="0" y="120000"/>
+                </a:lnTo>
+                <a:close/>
+              </a:path>
+            </a:pathLst>
+          </a:custGeom>
+        </p:spPr>
+      </p:sp>
+      <p:sp>
+        <p:nvSpPr>
+          <p:cNvPr id="358" name="Google Shape;358;g467b6db7c0_0_0:notes"/>
+          <p:cNvSpPr txBox="1"/>
+          <p:nvPr>
+            <p:ph idx="1" type="body"/>
+          </p:nvPr>
+        </p:nvSpPr>
+        <p:spPr>
+          <a:xfrm>
+            <a:off x="685800" y="4343400"/>
+            <a:ext cx="5486400" cy="4114800"/>
+          </a:xfrm>
+          <a:prstGeom prst="rect">
+            <a:avLst/>
+          </a:prstGeom>
+        </p:spPr>
+        <p:txBody>
+          <a:bodyPr anchorCtr="0" anchor="t" bIns="91425" lIns="91425" spcFirstLastPara="1" rIns="91425" wrap="square" tIns="91425">
+            <a:noAutofit/>
+          </a:bodyPr>
+          <a:lstStyle/>
+          <a:p>
+            <a:pPr indent="0" lvl="0" marL="0" rtl="0" algn="l">
+              <a:spcBef>
+                <a:spcPts val="0"/>
+              </a:spcBef>
+              <a:spcAft>
+                <a:spcPts val="0"/>
+              </a:spcAft>
+              <a:buNone/>
+            </a:pPr>
+            <a:r>
+              <a:t/>
+            </a:r>
+            <a:endParaRPr/>
+          </a:p>
+        </p:txBody>
+      </p:sp>
+    </p:spTree>
+  </p:cSld>
+  <p:clrMapOvr>
+    <a:masterClrMapping/>
+  </p:clrMapOvr>
+</p:notes>
+</file>
+
+<file path=ppt/notesSlides/notesSlide23.xml><?xml version="1.0" encoding="utf-8"?>
+<p:notes xmlns:a="http://schemas.openxmlformats.org/drawingml/2006/main" xmlns:r="http://schemas.openxmlformats.org/officeDocument/2006/relationships" xmlns:mc="http://schemas.openxmlformats.org/markup-compatibility/2006" xmlns:mv="urn:schemas-microsoft-com:mac:vml" xmlns:p="http://schemas.openxmlformats.org/presentationml/2006/main" xmlns:c="http://schemas.openxmlformats.org/drawingml/2006/chart" xmlns:dgm="http://schemas.openxmlformats.org/drawingml/2006/diagram" xmlns:o="urn:schemas-microsoft-com:office:office" xmlns:v="urn:schemas-microsoft-com:vml" xmlns:pvml="urn:schemas-microsoft-com:office:powerpoint" xmlns:com="http://schemas.openxmlformats.org/drawingml/2006/compatibility" xmlns:p14="http://schemas.microsoft.com/office/powerpoint/2010/main" xmlns:p15="http://schemas.microsoft.com/office/powerpoint/2012/main" showMasterPhAnim="0" showMasterSp="0">
+  <p:cSld>
+    <p:spTree>
+      <p:nvGrpSpPr>
+        <p:cNvPr id="363" name="Shape 363"/>
+        <p:cNvGrpSpPr/>
+        <p:nvPr/>
+      </p:nvGrpSpPr>
+      <p:grpSpPr>
+        <a:xfrm>
+          <a:off x="0" y="0"/>
+          <a:ext cx="0" cy="0"/>
+          <a:chOff x="0" y="0"/>
+          <a:chExt cx="0" cy="0"/>
+        </a:xfrm>
+      </p:grpSpPr>
+      <p:sp>
+        <p:nvSpPr>
+          <p:cNvPr id="364" name="Google Shape;364;g4563e4ce49_1_0:notes"/>
+          <p:cNvSpPr/>
+          <p:nvPr>
+            <p:ph idx="2" type="sldImg"/>
+          </p:nvPr>
+        </p:nvSpPr>
+        <p:spPr>
+          <a:xfrm>
+            <a:off x="381300" y="685800"/>
+            <a:ext cx="6096000" cy="3429000"/>
+          </a:xfrm>
+          <a:custGeom>
+            <a:rect b="b" l="l" r="r" t="t"/>
+            <a:pathLst>
+              <a:path extrusionOk="0" h="120000" w="120000">
+                <a:moveTo>
+                  <a:pt x="0" y="0"/>
+                </a:moveTo>
+                <a:lnTo>
+                  <a:pt x="120000" y="0"/>
+                </a:lnTo>
+                <a:lnTo>
+                  <a:pt x="120000" y="120000"/>
+                </a:lnTo>
+                <a:lnTo>
+                  <a:pt x="0" y="120000"/>
+                </a:lnTo>
+                <a:close/>
+              </a:path>
+            </a:pathLst>
+          </a:custGeom>
+        </p:spPr>
+      </p:sp>
+      <p:sp>
+        <p:nvSpPr>
+          <p:cNvPr id="365" name="Google Shape;365;g4563e4ce49_1_0:notes"/>
+          <p:cNvSpPr txBox="1"/>
+          <p:nvPr>
+            <p:ph idx="1" type="body"/>
+          </p:nvPr>
+        </p:nvSpPr>
+        <p:spPr>
+          <a:xfrm>
+            <a:off x="685800" y="4343400"/>
+            <a:ext cx="5486400" cy="4114800"/>
+          </a:xfrm>
+          <a:prstGeom prst="rect">
+            <a:avLst/>
+          </a:prstGeom>
+        </p:spPr>
+        <p:txBody>
+          <a:bodyPr anchorCtr="0" anchor="t" bIns="91425" lIns="91425" spcFirstLastPara="1" rIns="91425" wrap="square" tIns="91425">
+            <a:noAutofit/>
+          </a:bodyPr>
+          <a:lstStyle/>
+          <a:p>
+            <a:pPr indent="0" lvl="0" marL="0" rtl="0" algn="l">
+              <a:spcBef>
+                <a:spcPts val="0"/>
+              </a:spcBef>
+              <a:spcAft>
+                <a:spcPts val="0"/>
+              </a:spcAft>
+              <a:buNone/>
+            </a:pPr>
+            <a:r>
+              <a:t/>
+            </a:r>
+            <a:endParaRPr/>
+          </a:p>
+        </p:txBody>
+      </p:sp>
+    </p:spTree>
+  </p:cSld>
+  <p:clrMapOvr>
+    <a:masterClrMapping/>
+  </p:clrMapOvr>
+</p:notes>
+</file>
+
+<file path=ppt/notesSlides/notesSlide24.xml><?xml version="1.0" encoding="utf-8"?>
+<p:notes xmlns:a="http://schemas.openxmlformats.org/drawingml/2006/main" xmlns:r="http://schemas.openxmlformats.org/officeDocument/2006/relationships" xmlns:mc="http://schemas.openxmlformats.org/markup-compatibility/2006" xmlns:mv="urn:schemas-microsoft-com:mac:vml" xmlns:p="http://schemas.openxmlformats.org/presentationml/2006/main" xmlns:c="http://schemas.openxmlformats.org/drawingml/2006/chart" xmlns:dgm="http://schemas.openxmlformats.org/drawingml/2006/diagram" xmlns:o="urn:schemas-microsoft-com:office:office" xmlns:v="urn:schemas-microsoft-com:vml" xmlns:pvml="urn:schemas-microsoft-com:office:powerpoint" xmlns:com="http://schemas.openxmlformats.org/drawingml/2006/compatibility" xmlns:p14="http://schemas.microsoft.com/office/powerpoint/2010/main" xmlns:p15="http://schemas.microsoft.com/office/powerpoint/2012/main" showMasterPhAnim="0" showMasterSp="0">
+  <p:cSld>
+    <p:spTree>
+      <p:nvGrpSpPr>
+        <p:cNvPr id="374" name="Shape 374"/>
+        <p:cNvGrpSpPr/>
+        <p:nvPr/>
+      </p:nvGrpSpPr>
+      <p:grpSpPr>
+        <a:xfrm>
+          <a:off x="0" y="0"/>
+          <a:ext cx="0" cy="0"/>
+          <a:chOff x="0" y="0"/>
+          <a:chExt cx="0" cy="0"/>
+        </a:xfrm>
+      </p:grpSpPr>
+      <p:sp>
+        <p:nvSpPr>
+          <p:cNvPr id="375" name="Google Shape;375;g4499e2c750_0_39:notes"/>
+          <p:cNvSpPr/>
+          <p:nvPr>
+            <p:ph idx="2" type="sldImg"/>
+          </p:nvPr>
+        </p:nvSpPr>
+        <p:spPr>
+          <a:xfrm>
+            <a:off x="381300" y="685800"/>
+            <a:ext cx="6096000" cy="3429000"/>
+          </a:xfrm>
+          <a:custGeom>
+            <a:rect b="b" l="l" r="r" t="t"/>
+            <a:pathLst>
+              <a:path extrusionOk="0" h="120000" w="120000">
+                <a:moveTo>
+                  <a:pt x="0" y="0"/>
+                </a:moveTo>
+                <a:lnTo>
+                  <a:pt x="120000" y="0"/>
+                </a:lnTo>
+                <a:lnTo>
+                  <a:pt x="120000" y="120000"/>
+                </a:lnTo>
+                <a:lnTo>
+                  <a:pt x="0" y="120000"/>
+                </a:lnTo>
+                <a:close/>
+              </a:path>
+            </a:pathLst>
+          </a:custGeom>
+        </p:spPr>
+      </p:sp>
+      <p:sp>
+        <p:nvSpPr>
+          <p:cNvPr id="376" name="Google Shape;376;g4499e2c750_0_39:notes"/>
+          <p:cNvSpPr txBox="1"/>
+          <p:nvPr>
+            <p:ph idx="1" type="body"/>
+          </p:nvPr>
+        </p:nvSpPr>
+        <p:spPr>
+          <a:xfrm>
+            <a:off x="685800" y="4343400"/>
+            <a:ext cx="5486400" cy="4114800"/>
+          </a:xfrm>
+          <a:prstGeom prst="rect">
+            <a:avLst/>
+          </a:prstGeom>
+        </p:spPr>
+        <p:txBody>
+          <a:bodyPr anchorCtr="0" anchor="t" bIns="91425" lIns="91425" spcFirstLastPara="1" rIns="91425" wrap="square" tIns="91425">
+            <a:noAutofit/>
+          </a:bodyPr>
+          <a:lstStyle/>
+          <a:p>
+            <a:pPr indent="0" lvl="0" marL="0" rtl="0" algn="l">
+              <a:spcBef>
+                <a:spcPts val="0"/>
+              </a:spcBef>
+              <a:spcAft>
+                <a:spcPts val="0"/>
+              </a:spcAft>
+              <a:buNone/>
+            </a:pPr>
+            <a:r>
+              <a:t/>
+            </a:r>
+            <a:endParaRPr/>
+          </a:p>
+        </p:txBody>
+      </p:sp>
+    </p:spTree>
+  </p:cSld>
+  <p:clrMapOvr>
+    <a:masterClrMapping/>
+  </p:clrMapOvr>
+</p:notes>
+</file>
+
+<file path=ppt/notesSlides/notesSlide25.xml><?xml version="1.0" encoding="utf-8"?>
+<p:notes xmlns:a="http://schemas.openxmlformats.org/drawingml/2006/main" xmlns:r="http://schemas.openxmlformats.org/officeDocument/2006/relationships" xmlns:mc="http://schemas.openxmlformats.org/markup-compatibility/2006" xmlns:mv="urn:schemas-microsoft-com:mac:vml" xmlns:p="http://schemas.openxmlformats.org/presentationml/2006/main" xmlns:c="http://schemas.openxmlformats.org/drawingml/2006/chart" xmlns:dgm="http://schemas.openxmlformats.org/drawingml/2006/diagram" xmlns:o="urn:schemas-microsoft-com:office:office" xmlns:v="urn:schemas-microsoft-com:vml" xmlns:pvml="urn:schemas-microsoft-com:office:powerpoint" xmlns:com="http://schemas.openxmlformats.org/drawingml/2006/compatibility" xmlns:p14="http://schemas.microsoft.com/office/powerpoint/2010/main" xmlns:p15="http://schemas.microsoft.com/office/powerpoint/2012/main" showMasterPhAnim="0" showMasterSp="0">
+  <p:cSld>
+    <p:spTree>
+      <p:nvGrpSpPr>
+        <p:cNvPr id="380" name="Shape 380"/>
+        <p:cNvGrpSpPr/>
+        <p:nvPr/>
+      </p:nvGrpSpPr>
+      <p:grpSpPr>
+        <a:xfrm>
+          <a:off x="0" y="0"/>
+          <a:ext cx="0" cy="0"/>
+          <a:chOff x="0" y="0"/>
+          <a:chExt cx="0" cy="0"/>
+        </a:xfrm>
+      </p:grpSpPr>
+      <p:sp>
+        <p:nvSpPr>
+          <p:cNvPr id="381" name="Google Shape;381;g4499e2c750_0_216:notes"/>
+          <p:cNvSpPr/>
+          <p:nvPr>
+            <p:ph idx="2" type="sldImg"/>
+          </p:nvPr>
+        </p:nvSpPr>
+        <p:spPr>
+          <a:xfrm>
+            <a:off x="381300" y="685800"/>
+            <a:ext cx="6096000" cy="3429000"/>
+          </a:xfrm>
+          <a:custGeom>
+            <a:rect b="b" l="l" r="r" t="t"/>
+            <a:pathLst>
+              <a:path extrusionOk="0" h="120000" w="120000">
+                <a:moveTo>
+                  <a:pt x="0" y="0"/>
+                </a:moveTo>
+                <a:lnTo>
+                  <a:pt x="120000" y="0"/>
+                </a:lnTo>
+                <a:lnTo>
+                  <a:pt x="120000" y="120000"/>
+                </a:lnTo>
+                <a:lnTo>
+                  <a:pt x="0" y="120000"/>
+                </a:lnTo>
+                <a:close/>
+              </a:path>
+            </a:pathLst>
+          </a:custGeom>
+        </p:spPr>
+      </p:sp>
+      <p:sp>
+        <p:nvSpPr>
+          <p:cNvPr id="382" name="Google Shape;382;g4499e2c750_0_216:notes"/>
+          <p:cNvSpPr txBox="1"/>
+          <p:nvPr>
+            <p:ph idx="1" type="body"/>
+          </p:nvPr>
+        </p:nvSpPr>
+        <p:spPr>
+          <a:xfrm>
+            <a:off x="685800" y="4343400"/>
+            <a:ext cx="5486400" cy="4114800"/>
+          </a:xfrm>
+          <a:prstGeom prst="rect">
+            <a:avLst/>
+          </a:prstGeom>
+        </p:spPr>
+        <p:txBody>
+          <a:bodyPr anchorCtr="0" anchor="t" bIns="91425" lIns="91425" spcFirstLastPara="1" rIns="91425" wrap="square" tIns="91425">
+            <a:noAutofit/>
+          </a:bodyPr>
+          <a:lstStyle/>
+          <a:p>
+            <a:pPr indent="0" lvl="0" marL="0" rtl="0" algn="l">
+              <a:spcBef>
+                <a:spcPts val="0"/>
+              </a:spcBef>
+              <a:spcAft>
+                <a:spcPts val="0"/>
+              </a:spcAft>
+              <a:buNone/>
+            </a:pPr>
+            <a:r>
+              <a:t/>
+            </a:r>
+            <a:endParaRPr/>
+          </a:p>
+        </p:txBody>
+      </p:sp>
+    </p:spTree>
+  </p:cSld>
+  <p:clrMapOvr>
+    <a:masterClrMapping/>
+  </p:clrMapOvr>
+</p:notes>
+</file>
+
+<file path=ppt/notesSlides/notesSlide26.xml><?xml version="1.0" encoding="utf-8"?>
+<p:notes xmlns:a="http://schemas.openxmlformats.org/drawingml/2006/main" xmlns:r="http://schemas.openxmlformats.org/officeDocument/2006/relationships" xmlns:mc="http://schemas.openxmlformats.org/markup-compatibility/2006" xmlns:mv="urn:schemas-microsoft-com:mac:vml" xmlns:p="http://schemas.openxmlformats.org/presentationml/2006/main" xmlns:c="http://schemas.openxmlformats.org/drawingml/2006/chart" xmlns:dgm="http://schemas.openxmlformats.org/drawingml/2006/diagram" xmlns:o="urn:schemas-microsoft-com:office:office" xmlns:v="urn:schemas-microsoft-com:vml" xmlns:pvml="urn:schemas-microsoft-com:office:powerpoint" xmlns:com="http://schemas.openxmlformats.org/drawingml/2006/compatibility" xmlns:p14="http://schemas.microsoft.com/office/powerpoint/2010/main" xmlns:p15="http://schemas.microsoft.com/office/powerpoint/2012/main" showMasterPhAnim="0" showMasterSp="0">
+  <p:cSld>
+    <p:spTree>
+      <p:nvGrpSpPr>
+        <p:cNvPr id="385" name="Shape 385"/>
+        <p:cNvGrpSpPr/>
+        <p:nvPr/>
+      </p:nvGrpSpPr>
+      <p:grpSpPr>
+        <a:xfrm>
+          <a:off x="0" y="0"/>
+          <a:ext cx="0" cy="0"/>
+          <a:chOff x="0" y="0"/>
+          <a:chExt cx="0" cy="0"/>
+        </a:xfrm>
+      </p:grpSpPr>
+      <p:sp>
+        <p:nvSpPr>
+          <p:cNvPr id="386" name="Google Shape;386;g467b6db7c0_0_10:notes"/>
+          <p:cNvSpPr/>
+          <p:nvPr>
+            <p:ph idx="2" type="sldImg"/>
+          </p:nvPr>
+        </p:nvSpPr>
+        <p:spPr>
+          <a:xfrm>
+            <a:off x="381300" y="685800"/>
+            <a:ext cx="6096000" cy="3429000"/>
+          </a:xfrm>
+          <a:custGeom>
+            <a:rect b="b" l="l" r="r" t="t"/>
+            <a:pathLst>
+              <a:path extrusionOk="0" h="120000" w="120000">
+                <a:moveTo>
+                  <a:pt x="0" y="0"/>
+                </a:moveTo>
+                <a:lnTo>
+                  <a:pt x="120000" y="0"/>
+                </a:lnTo>
+                <a:lnTo>
+                  <a:pt x="120000" y="120000"/>
+                </a:lnTo>
+                <a:lnTo>
+                  <a:pt x="0" y="120000"/>
+                </a:lnTo>
+                <a:close/>
+              </a:path>
+            </a:pathLst>
+          </a:custGeom>
+        </p:spPr>
+      </p:sp>
+      <p:sp>
+        <p:nvSpPr>
+          <p:cNvPr id="387" name="Google Shape;387;g467b6db7c0_0_10:notes"/>
+          <p:cNvSpPr txBox="1"/>
+          <p:nvPr>
+            <p:ph idx="1" type="body"/>
+          </p:nvPr>
+        </p:nvSpPr>
+        <p:spPr>
+          <a:xfrm>
+            <a:off x="685800" y="4343400"/>
+            <a:ext cx="5486400" cy="4114800"/>
+          </a:xfrm>
+          <a:prstGeom prst="rect">
+            <a:avLst/>
+          </a:prstGeom>
+        </p:spPr>
+        <p:txBody>
+          <a:bodyPr anchorCtr="0" anchor="t" bIns="91425" lIns="91425" spcFirstLastPara="1" rIns="91425" wrap="square" tIns="91425">
+            <a:noAutofit/>
+          </a:bodyPr>
+          <a:lstStyle/>
+          <a:p>
+            <a:pPr indent="0" lvl="0" marL="0" rtl="0" algn="l">
+              <a:spcBef>
+                <a:spcPts val="0"/>
+              </a:spcBef>
+              <a:spcAft>
+                <a:spcPts val="0"/>
+              </a:spcAft>
+              <a:buNone/>
+            </a:pPr>
+            <a:r>
+              <a:t/>
+            </a:r>
+            <a:endParaRPr/>
+          </a:p>
+        </p:txBody>
+      </p:sp>
+    </p:spTree>
+  </p:cSld>
+  <p:clrMapOvr>
+    <a:masterClrMapping/>
+  </p:clrMapOvr>
+</p:notes>
+</file>
+
+<file path=ppt/notesSlides/notesSlide27.xml><?xml version="1.0" encoding="utf-8"?>
+<p:notes xmlns:a="http://schemas.openxmlformats.org/drawingml/2006/main" xmlns:r="http://schemas.openxmlformats.org/officeDocument/2006/relationships" xmlns:mc="http://schemas.openxmlformats.org/markup-compatibility/2006" xmlns:mv="urn:schemas-microsoft-com:mac:vml" xmlns:p="http://schemas.openxmlformats.org/presentationml/2006/main" xmlns:c="http://schemas.openxmlformats.org/drawingml/2006/chart" xmlns:dgm="http://schemas.openxmlformats.org/drawingml/2006/diagram" xmlns:o="urn:schemas-microsoft-com:office:office" xmlns:v="urn:schemas-microsoft-com:vml" xmlns:pvml="urn:schemas-microsoft-com:office:powerpoint" xmlns:com="http://schemas.openxmlformats.org/drawingml/2006/compatibility" xmlns:p14="http://schemas.microsoft.com/office/powerpoint/2010/main" xmlns:p15="http://schemas.microsoft.com/office/powerpoint/2012/main" showMasterPhAnim="0" showMasterSp="0">
+  <p:cSld>
+    <p:spTree>
+      <p:nvGrpSpPr>
+        <p:cNvPr id="392" name="Shape 392"/>
+        <p:cNvGrpSpPr/>
+        <p:nvPr/>
+      </p:nvGrpSpPr>
+      <p:grpSpPr>
+        <a:xfrm>
+          <a:off x="0" y="0"/>
+          <a:ext cx="0" cy="0"/>
+          <a:chOff x="0" y="0"/>
+          <a:chExt cx="0" cy="0"/>
+        </a:xfrm>
+      </p:grpSpPr>
+      <p:sp>
+        <p:nvSpPr>
+          <p:cNvPr id="393" name="Google Shape;393;g467b6db7c0_0_15:notes"/>
+          <p:cNvSpPr/>
+          <p:nvPr>
+            <p:ph idx="2" type="sldImg"/>
+          </p:nvPr>
+        </p:nvSpPr>
+        <p:spPr>
+          <a:xfrm>
+            <a:off x="381300" y="685800"/>
+            <a:ext cx="6096000" cy="3429000"/>
+          </a:xfrm>
+          <a:custGeom>
+            <a:rect b="b" l="l" r="r" t="t"/>
+            <a:pathLst>
+              <a:path extrusionOk="0" h="120000" w="120000">
+                <a:moveTo>
+                  <a:pt x="0" y="0"/>
+                </a:moveTo>
+                <a:lnTo>
+                  <a:pt x="120000" y="0"/>
+                </a:lnTo>
+                <a:lnTo>
+                  <a:pt x="120000" y="120000"/>
+                </a:lnTo>
+                <a:lnTo>
+                  <a:pt x="0" y="120000"/>
+                </a:lnTo>
+                <a:close/>
+              </a:path>
+            </a:pathLst>
+          </a:custGeom>
+        </p:spPr>
+      </p:sp>
+      <p:sp>
+        <p:nvSpPr>
+          <p:cNvPr id="394" name="Google Shape;394;g467b6db7c0_0_15:notes"/>
+          <p:cNvSpPr txBox="1"/>
+          <p:nvPr>
+            <p:ph idx="1" type="body"/>
+          </p:nvPr>
+        </p:nvSpPr>
+        <p:spPr>
+          <a:xfrm>
+            <a:off x="685800" y="4343400"/>
+            <a:ext cx="5486400" cy="4114800"/>
+          </a:xfrm>
+          <a:prstGeom prst="rect">
+            <a:avLst/>
+          </a:prstGeom>
+        </p:spPr>
+        <p:txBody>
+          <a:bodyPr anchorCtr="0" anchor="t" bIns="91425" lIns="91425" spcFirstLastPara="1" rIns="91425" wrap="square" tIns="91425">
+            <a:noAutofit/>
+          </a:bodyPr>
+          <a:lstStyle/>
+          <a:p>
+            <a:pPr indent="0" lvl="0" marL="0" rtl="0" algn="l">
+              <a:spcBef>
+                <a:spcPts val="0"/>
+              </a:spcBef>
+              <a:spcAft>
+                <a:spcPts val="0"/>
+              </a:spcAft>
+              <a:buNone/>
+            </a:pPr>
+            <a:r>
+              <a:t/>
+            </a:r>
+            <a:endParaRPr/>
+          </a:p>
+        </p:txBody>
+      </p:sp>
+    </p:spTree>
+  </p:cSld>
+  <p:clrMapOvr>
+    <a:masterClrMapping/>
+  </p:clrMapOvr>
+</p:notes>
+</file>
+
+<file path=ppt/notesSlides/notesSlide28.xml><?xml version="1.0" encoding="utf-8"?>
+<p:notes xmlns:a="http://schemas.openxmlformats.org/drawingml/2006/main" xmlns:r="http://schemas.openxmlformats.org/officeDocument/2006/relationships" xmlns:mc="http://schemas.openxmlformats.org/markup-compatibility/2006" xmlns:mv="urn:schemas-microsoft-com:mac:vml" xmlns:p="http://schemas.openxmlformats.org/presentationml/2006/main" xmlns:c="http://schemas.openxmlformats.org/drawingml/2006/chart" xmlns:dgm="http://schemas.openxmlformats.org/drawingml/2006/diagram" xmlns:o="urn:schemas-microsoft-com:office:office" xmlns:v="urn:schemas-microsoft-com:vml" xmlns:pvml="urn:schemas-microsoft-com:office:powerpoint" xmlns:com="http://schemas.openxmlformats.org/drawingml/2006/compatibility" xmlns:p14="http://schemas.microsoft.com/office/powerpoint/2010/main" xmlns:p15="http://schemas.microsoft.com/office/powerpoint/2012/main" showMasterPhAnim="0" showMasterSp="0">
+  <p:cSld>
+    <p:spTree>
+      <p:nvGrpSpPr>
+        <p:cNvPr id="400" name="Shape 400"/>
+        <p:cNvGrpSpPr/>
+        <p:nvPr/>
+      </p:nvGrpSpPr>
+      <p:grpSpPr>
+        <a:xfrm>
+          <a:off x="0" y="0"/>
+          <a:ext cx="0" cy="0"/>
+          <a:chOff x="0" y="0"/>
+          <a:chExt cx="0" cy="0"/>
+        </a:xfrm>
+      </p:grpSpPr>
+      <p:sp>
+        <p:nvSpPr>
+          <p:cNvPr id="401" name="Google Shape;401;g467b6db7c0_0_26:notes"/>
+          <p:cNvSpPr/>
+          <p:nvPr>
+            <p:ph idx="2" type="sldImg"/>
+          </p:nvPr>
+        </p:nvSpPr>
+        <p:spPr>
+          <a:xfrm>
+            <a:off x="381300" y="685800"/>
+            <a:ext cx="6096000" cy="3429000"/>
+          </a:xfrm>
+          <a:custGeom>
+            <a:rect b="b" l="l" r="r" t="t"/>
+            <a:pathLst>
+              <a:path extrusionOk="0" h="120000" w="120000">
+                <a:moveTo>
+                  <a:pt x="0" y="0"/>
+                </a:moveTo>
+                <a:lnTo>
+                  <a:pt x="120000" y="0"/>
+                </a:lnTo>
+                <a:lnTo>
+                  <a:pt x="120000" y="120000"/>
+                </a:lnTo>
+                <a:lnTo>
+                  <a:pt x="0" y="120000"/>
+                </a:lnTo>
+                <a:close/>
+              </a:path>
+            </a:pathLst>
+          </a:custGeom>
+        </p:spPr>
+      </p:sp>
+      <p:sp>
+        <p:nvSpPr>
+          <p:cNvPr id="402" name="Google Shape;402;g467b6db7c0_0_26:notes"/>
+          <p:cNvSpPr txBox="1"/>
+          <p:nvPr>
+            <p:ph idx="1" type="body"/>
+          </p:nvPr>
+        </p:nvSpPr>
+        <p:spPr>
+          <a:xfrm>
+            <a:off x="685800" y="4343400"/>
+            <a:ext cx="5486400" cy="4114800"/>
+          </a:xfrm>
+          <a:prstGeom prst="rect">
+            <a:avLst/>
+          </a:prstGeom>
+        </p:spPr>
+        <p:txBody>
+          <a:bodyPr anchorCtr="0" anchor="t" bIns="91425" lIns="91425" spcFirstLastPara="1" rIns="91425" wrap="square" tIns="91425">
+            <a:noAutofit/>
+          </a:bodyPr>
+          <a:lstStyle/>
+          <a:p>
+            <a:pPr indent="0" lvl="0" marL="0" rtl="0" algn="l">
+              <a:spcBef>
+                <a:spcPts val="0"/>
+              </a:spcBef>
+              <a:spcAft>
+                <a:spcPts val="0"/>
+              </a:spcAft>
+              <a:buNone/>
+            </a:pPr>
+            <a:r>
+              <a:t/>
+            </a:r>
+            <a:endParaRPr/>
+          </a:p>
+        </p:txBody>
+      </p:sp>
+    </p:spTree>
+  </p:cSld>
+  <p:clrMapOvr>
+    <a:masterClrMapping/>
+  </p:clrMapOvr>
+</p:notes>
+</file>
+
+<file path=ppt/notesSlides/notesSlide29.xml><?xml version="1.0" encoding="utf-8"?>
+<p:notes xmlns:a="http://schemas.openxmlformats.org/drawingml/2006/main" xmlns:r="http://schemas.openxmlformats.org/officeDocument/2006/relationships" xmlns:mc="http://schemas.openxmlformats.org/markup-compatibility/2006" xmlns:mv="urn:schemas-microsoft-com:mac:vml" xmlns:p="http://schemas.openxmlformats.org/presentationml/2006/main" xmlns:c="http://schemas.openxmlformats.org/drawingml/2006/chart" xmlns:dgm="http://schemas.openxmlformats.org/drawingml/2006/diagram" xmlns:o="urn:schemas-microsoft-com:office:office" xmlns:v="urn:schemas-microsoft-com:vml" xmlns:pvml="urn:schemas-microsoft-com:office:powerpoint" xmlns:com="http://schemas.openxmlformats.org/drawingml/2006/compatibility" xmlns:p14="http://schemas.microsoft.com/office/powerpoint/2010/main" xmlns:p15="http://schemas.microsoft.com/office/powerpoint/2012/main" showMasterPhAnim="0" showMasterSp="0">
+  <p:cSld>
+    <p:spTree>
+      <p:nvGrpSpPr>
+        <p:cNvPr id="409" name="Shape 409"/>
+        <p:cNvGrpSpPr/>
+        <p:nvPr/>
+      </p:nvGrpSpPr>
+      <p:grpSpPr>
+        <a:xfrm>
+          <a:off x="0" y="0"/>
+          <a:ext cx="0" cy="0"/>
+          <a:chOff x="0" y="0"/>
+          <a:chExt cx="0" cy="0"/>
+        </a:xfrm>
+      </p:grpSpPr>
+      <p:sp>
+        <p:nvSpPr>
+          <p:cNvPr id="410" name="Google Shape;410;g4499e2c750_0_211:notes"/>
+          <p:cNvSpPr/>
+          <p:nvPr>
+            <p:ph idx="2" type="sldImg"/>
+          </p:nvPr>
+        </p:nvSpPr>
+        <p:spPr>
+          <a:xfrm>
+            <a:off x="381300" y="685800"/>
+            <a:ext cx="6096000" cy="3429000"/>
+          </a:xfrm>
+          <a:custGeom>
+            <a:rect b="b" l="l" r="r" t="t"/>
+            <a:pathLst>
+              <a:path extrusionOk="0" h="120000" w="120000">
+                <a:moveTo>
+                  <a:pt x="0" y="0"/>
+                </a:moveTo>
+                <a:lnTo>
+                  <a:pt x="120000" y="0"/>
+                </a:lnTo>
+                <a:lnTo>
+                  <a:pt x="120000" y="120000"/>
+                </a:lnTo>
+                <a:lnTo>
+                  <a:pt x="0" y="120000"/>
+                </a:lnTo>
+                <a:close/>
+              </a:path>
+            </a:pathLst>
+          </a:custGeom>
+        </p:spPr>
+      </p:sp>
+      <p:sp>
+        <p:nvSpPr>
+          <p:cNvPr id="411" name="Google Shape;411;g4499e2c750_0_211:notes"/>
+          <p:cNvSpPr txBox="1"/>
+          <p:nvPr>
+            <p:ph idx="1" type="body"/>
+          </p:nvPr>
+        </p:nvSpPr>
+        <p:spPr>
+          <a:xfrm>
+            <a:off x="685800" y="4343400"/>
+            <a:ext cx="5486400" cy="4114800"/>
+          </a:xfrm>
+          <a:prstGeom prst="rect">
+            <a:avLst/>
+          </a:prstGeom>
+        </p:spPr>
+        <p:txBody>
+          <a:bodyPr anchorCtr="0" anchor="t" bIns="91425" lIns="91425" spcFirstLastPara="1" rIns="91425" wrap="square" tIns="91425">
+            <a:noAutofit/>
+          </a:bodyPr>
+          <a:lstStyle/>
+          <a:p>
+            <a:pPr indent="0" lvl="0" marL="0" rtl="0" algn="l">
+              <a:spcBef>
+                <a:spcPts val="0"/>
+              </a:spcBef>
+              <a:spcAft>
+                <a:spcPts val="0"/>
+              </a:spcAft>
+              <a:buNone/>
+            </a:pPr>
+            <a:r>
+              <a:t/>
+            </a:r>
+            <a:endParaRPr/>
+          </a:p>
+        </p:txBody>
+      </p:sp>
+    </p:spTree>
+  </p:cSld>
+  <p:clrMapOvr>
+    <a:masterClrMapping/>
+  </p:clrMapOvr>
+</p:notes>
+</file>
+
+<file path=ppt/notesSlides/notesSlide3.xml><?xml version="1.0" encoding="utf-8"?>
+<p:notes xmlns:a="http://schemas.openxmlformats.org/drawingml/2006/main" xmlns:r="http://schemas.openxmlformats.org/officeDocument/2006/relationships" xmlns:mc="http://schemas.openxmlformats.org/markup-compatibility/2006" xmlns:mv="urn:schemas-microsoft-com:mac:vml" xmlns:p="http://schemas.openxmlformats.org/presentationml/2006/main" xmlns:c="http://schemas.openxmlformats.org/drawingml/2006/chart" xmlns:dgm="http://schemas.openxmlformats.org/drawingml/2006/diagram" xmlns:o="urn:schemas-microsoft-com:office:office" xmlns:v="urn:schemas-microsoft-com:vml" xmlns:pvml="urn:schemas-microsoft-com:office:powerpoint" xmlns:com="http://schemas.openxmlformats.org/drawingml/2006/compatibility" xmlns:p14="http://schemas.microsoft.com/office/powerpoint/2010/main" xmlns:p15="http://schemas.microsoft.com/office/powerpoint/2012/main" showMasterPhAnim="0" showMasterSp="0">
+  <p:cSld>
+    <p:spTree>
+      <p:nvGrpSpPr>
+        <p:cNvPr id="213" name="Shape 213"/>
+        <p:cNvGrpSpPr/>
+        <p:nvPr/>
+      </p:nvGrpSpPr>
+      <p:grpSpPr>
+        <a:xfrm>
+          <a:off x="0" y="0"/>
+          <a:ext cx="0" cy="0"/>
+          <a:chOff x="0" y="0"/>
+          <a:chExt cx="0" cy="0"/>
+        </a:xfrm>
+      </p:grpSpPr>
+      <p:sp>
+        <p:nvSpPr>
+          <p:cNvPr id="214" name="Google Shape;214;g4499e2c750_0_137:notes"/>
+          <p:cNvSpPr/>
+          <p:nvPr>
+            <p:ph idx="2" type="sldImg"/>
+          </p:nvPr>
+        </p:nvSpPr>
+        <p:spPr>
+          <a:xfrm>
+            <a:off x="381300" y="685800"/>
+            <a:ext cx="6096000" cy="3429000"/>
+          </a:xfrm>
+          <a:custGeom>
+            <a:rect b="b" l="l" r="r" t="t"/>
+            <a:pathLst>
+              <a:path extrusionOk="0" h="120000" w="120000">
+                <a:moveTo>
+                  <a:pt x="0" y="0"/>
+                </a:moveTo>
+                <a:lnTo>
+                  <a:pt x="120000" y="0"/>
+                </a:lnTo>
+                <a:lnTo>
+                  <a:pt x="120000" y="120000"/>
+                </a:lnTo>
+                <a:lnTo>
+                  <a:pt x="0" y="120000"/>
+                </a:lnTo>
+                <a:close/>
+              </a:path>
+            </a:pathLst>
+          </a:custGeom>
+        </p:spPr>
+      </p:sp>
+      <p:sp>
+        <p:nvSpPr>
+          <p:cNvPr id="215" name="Google Shape;215;g4499e2c750_0_137:notes"/>
+          <p:cNvSpPr txBox="1"/>
+          <p:nvPr>
+            <p:ph idx="1" type="body"/>
+          </p:nvPr>
+        </p:nvSpPr>
+        <p:spPr>
+          <a:xfrm>
+            <a:off x="685800" y="4343400"/>
+            <a:ext cx="5486400" cy="4114800"/>
+          </a:xfrm>
+          <a:prstGeom prst="rect">
+            <a:avLst/>
+          </a:prstGeom>
+        </p:spPr>
+        <p:txBody>
+          <a:bodyPr anchorCtr="0" anchor="t" bIns="91425" lIns="91425" spcFirstLastPara="1" rIns="91425" wrap="square" tIns="91425">
+            <a:noAutofit/>
+          </a:bodyPr>
+          <a:lstStyle/>
+          <a:p>
+            <a:pPr indent="0" lvl="0" marL="0" rtl="0" algn="l">
+              <a:spcBef>
+                <a:spcPts val="0"/>
+              </a:spcBef>
+              <a:spcAft>
+                <a:spcPts val="0"/>
+              </a:spcAft>
+              <a:buNone/>
+            </a:pPr>
+            <a:r>
+              <a:t/>
+            </a:r>
+            <a:endParaRPr/>
+          </a:p>
+        </p:txBody>
+      </p:sp>
+    </p:spTree>
+  </p:cSld>
+  <p:clrMapOvr>
+    <a:masterClrMapping/>
+  </p:clrMapOvr>
+</p:notes>
+</file>
+
+<file path=ppt/notesSlides/notesSlide30.xml><?xml version="1.0" encoding="utf-8"?>
+<p:notes xmlns:a="http://schemas.openxmlformats.org/drawingml/2006/main" xmlns:r="http://schemas.openxmlformats.org/officeDocument/2006/relationships" xmlns:mc="http://schemas.openxmlformats.org/markup-compatibility/2006" xmlns:mv="urn:schemas-microsoft-com:mac:vml" xmlns:p="http://schemas.openxmlformats.org/presentationml/2006/main" xmlns:c="http://schemas.openxmlformats.org/drawingml/2006/chart" xmlns:dgm="http://schemas.openxmlformats.org/drawingml/2006/diagram" xmlns:o="urn:schemas-microsoft-com:office:office" xmlns:v="urn:schemas-microsoft-com:vml" xmlns:pvml="urn:schemas-microsoft-com:office:powerpoint" xmlns:com="http://schemas.openxmlformats.org/drawingml/2006/compatibility" xmlns:p14="http://schemas.microsoft.com/office/powerpoint/2010/main" xmlns:p15="http://schemas.microsoft.com/office/powerpoint/2012/main" showMasterPhAnim="0" showMasterSp="0">
+  <p:cSld>
+    <p:spTree>
+      <p:nvGrpSpPr>
+        <p:cNvPr id="415" name="Shape 415"/>
+        <p:cNvGrpSpPr/>
+        <p:nvPr/>
+      </p:nvGrpSpPr>
+      <p:grpSpPr>
+        <a:xfrm>
+          <a:off x="0" y="0"/>
+          <a:ext cx="0" cy="0"/>
+          <a:chOff x="0" y="0"/>
+          <a:chExt cx="0" cy="0"/>
+        </a:xfrm>
+      </p:grpSpPr>
+      <p:sp>
+        <p:nvSpPr>
+          <p:cNvPr id="416" name="Google Shape;416;g467b6db7c0_0_37:notes"/>
+          <p:cNvSpPr/>
+          <p:nvPr>
+            <p:ph idx="2" type="sldImg"/>
+          </p:nvPr>
+        </p:nvSpPr>
+        <p:spPr>
+          <a:xfrm>
+            <a:off x="381300" y="685800"/>
+            <a:ext cx="6096000" cy="3429000"/>
+          </a:xfrm>
+          <a:custGeom>
+            <a:rect b="b" l="l" r="r" t="t"/>
+            <a:pathLst>
+              <a:path extrusionOk="0" h="120000" w="120000">
+                <a:moveTo>
+                  <a:pt x="0" y="0"/>
+                </a:moveTo>
+                <a:lnTo>
+                  <a:pt x="120000" y="0"/>
+                </a:lnTo>
+                <a:lnTo>
+                  <a:pt x="120000" y="120000"/>
+                </a:lnTo>
+                <a:lnTo>
+                  <a:pt x="0" y="120000"/>
+                </a:lnTo>
+                <a:close/>
+              </a:path>
+            </a:pathLst>
+          </a:custGeom>
+        </p:spPr>
+      </p:sp>
+      <p:sp>
+        <p:nvSpPr>
+          <p:cNvPr id="417" name="Google Shape;417;g467b6db7c0_0_37:notes"/>
+          <p:cNvSpPr txBox="1"/>
+          <p:nvPr>
+            <p:ph idx="1" type="body"/>
+          </p:nvPr>
+        </p:nvSpPr>
+        <p:spPr>
+          <a:xfrm>
+            <a:off x="685800" y="4343400"/>
+            <a:ext cx="5486400" cy="4114800"/>
+          </a:xfrm>
+          <a:prstGeom prst="rect">
+            <a:avLst/>
+          </a:prstGeom>
+        </p:spPr>
+        <p:txBody>
+          <a:bodyPr anchorCtr="0" anchor="t" bIns="91425" lIns="91425" spcFirstLastPara="1" rIns="91425" wrap="square" tIns="91425">
+            <a:noAutofit/>
+          </a:bodyPr>
+          <a:lstStyle/>
+          <a:p>
+            <a:pPr indent="0" lvl="0" marL="0" rtl="0" algn="l">
+              <a:spcBef>
+                <a:spcPts val="0"/>
+              </a:spcBef>
+              <a:spcAft>
+                <a:spcPts val="0"/>
+              </a:spcAft>
+              <a:buNone/>
+            </a:pPr>
+            <a:r>
+              <a:t/>
+            </a:r>
+            <a:endParaRPr/>
+          </a:p>
+        </p:txBody>
+      </p:sp>
+    </p:spTree>
+  </p:cSld>
+  <p:clrMapOvr>
+    <a:masterClrMapping/>
+  </p:clrMapOvr>
+</p:notes>
+</file>
+
+<file path=ppt/notesSlides/notesSlide4.xml><?xml version="1.0" encoding="utf-8"?>
+<p:notes xmlns:a="http://schemas.openxmlformats.org/drawingml/2006/main" xmlns:r="http://schemas.openxmlformats.org/officeDocument/2006/relationships" xmlns:mc="http://schemas.openxmlformats.org/markup-compatibility/2006" xmlns:mv="urn:schemas-microsoft-com:mac:vml" xmlns:p="http://schemas.openxmlformats.org/presentationml/2006/main" xmlns:c="http://schemas.openxmlformats.org/drawingml/2006/chart" xmlns:dgm="http://schemas.openxmlformats.org/drawingml/2006/diagram" xmlns:o="urn:schemas-microsoft-com:office:office" xmlns:v="urn:schemas-microsoft-com:vml" xmlns:pvml="urn:schemas-microsoft-com:office:powerpoint" xmlns:com="http://schemas.openxmlformats.org/drawingml/2006/compatibility" xmlns:p14="http://schemas.microsoft.com/office/powerpoint/2010/main" xmlns:p15="http://schemas.microsoft.com/office/powerpoint/2012/main" showMasterPhAnim="0" showMasterSp="0">
+  <p:cSld>
+    <p:spTree>
+      <p:nvGrpSpPr>
+        <p:cNvPr id="220" name="Shape 220"/>
+        <p:cNvGrpSpPr/>
+        <p:nvPr/>
+      </p:nvGrpSpPr>
+      <p:grpSpPr>
+        <a:xfrm>
+          <a:off x="0" y="0"/>
+          <a:ext cx="0" cy="0"/>
+          <a:chOff x="0" y="0"/>
+          <a:chExt cx="0" cy="0"/>
+        </a:xfrm>
+      </p:grpSpPr>
+      <p:sp>
+        <p:nvSpPr>
+          <p:cNvPr id="221" name="Google Shape;221;g4499e2c750_0_145:notes"/>
+          <p:cNvSpPr/>
+          <p:nvPr>
+            <p:ph idx="2" type="sldImg"/>
+          </p:nvPr>
+        </p:nvSpPr>
+        <p:spPr>
+          <a:xfrm>
+            <a:off x="381300" y="685800"/>
+            <a:ext cx="6096000" cy="3429000"/>
+          </a:xfrm>
+          <a:custGeom>
+            <a:rect b="b" l="l" r="r" t="t"/>
+            <a:pathLst>
+              <a:path extrusionOk="0" h="120000" w="120000">
+                <a:moveTo>
+                  <a:pt x="0" y="0"/>
+                </a:moveTo>
+                <a:lnTo>
+                  <a:pt x="120000" y="0"/>
+                </a:lnTo>
+                <a:lnTo>
+                  <a:pt x="120000" y="120000"/>
+                </a:lnTo>
+                <a:lnTo>
+                  <a:pt x="0" y="120000"/>
+                </a:lnTo>
+                <a:close/>
+              </a:path>
+            </a:pathLst>
+          </a:custGeom>
+        </p:spPr>
+      </p:sp>
+      <p:sp>
+        <p:nvSpPr>
+          <p:cNvPr id="222" name="Google Shape;222;g4499e2c750_0_145:notes"/>
+          <p:cNvSpPr txBox="1"/>
+          <p:nvPr>
+            <p:ph idx="1" type="body"/>
+          </p:nvPr>
+        </p:nvSpPr>
+        <p:spPr>
+          <a:xfrm>
+            <a:off x="685800" y="4343400"/>
+            <a:ext cx="5486400" cy="4114800"/>
+          </a:xfrm>
+          <a:prstGeom prst="rect">
+            <a:avLst/>
+          </a:prstGeom>
+        </p:spPr>
+        <p:txBody>
+          <a:bodyPr anchorCtr="0" anchor="t" bIns="91425" lIns="91425" spcFirstLastPara="1" rIns="91425" wrap="square" tIns="91425">
+            <a:noAutofit/>
+          </a:bodyPr>
+          <a:lstStyle/>
+          <a:p>
+            <a:pPr indent="0" lvl="0" marL="0" rtl="0" algn="l">
+              <a:spcBef>
+                <a:spcPts val="0"/>
+              </a:spcBef>
+              <a:spcAft>
+                <a:spcPts val="0"/>
+              </a:spcAft>
+              <a:buNone/>
+            </a:pPr>
+            <a:r>
+              <a:t/>
+            </a:r>
+            <a:endParaRPr/>
+          </a:p>
+        </p:txBody>
+      </p:sp>
+    </p:spTree>
+  </p:cSld>
+  <p:clrMapOvr>
+    <a:masterClrMapping/>
+  </p:clrMapOvr>
+</p:notes>
+</file>
+
+<file path=ppt/notesSlides/notesSlide5.xml><?xml version="1.0" encoding="utf-8"?>
+<p:notes xmlns:a="http://schemas.openxmlformats.org/drawingml/2006/main" xmlns:r="http://schemas.openxmlformats.org/officeDocument/2006/relationships" xmlns:mc="http://schemas.openxmlformats.org/markup-compatibility/2006" xmlns:mv="urn:schemas-microsoft-com:mac:vml" xmlns:p="http://schemas.openxmlformats.org/presentationml/2006/main" xmlns:c="http://schemas.openxmlformats.org/drawingml/2006/chart" xmlns:dgm="http://schemas.openxmlformats.org/drawingml/2006/diagram" xmlns:o="urn:schemas-microsoft-com:office:office" xmlns:v="urn:schemas-microsoft-com:vml" xmlns:pvml="urn:schemas-microsoft-com:office:powerpoint" xmlns:com="http://schemas.openxmlformats.org/drawingml/2006/compatibility" xmlns:p14="http://schemas.microsoft.com/office/powerpoint/2010/main" xmlns:p15="http://schemas.microsoft.com/office/powerpoint/2012/main" showMasterPhAnim="0" showMasterSp="0">
+  <p:cSld>
+    <p:spTree>
+      <p:nvGrpSpPr>
+        <p:cNvPr id="226" name="Shape 226"/>
+        <p:cNvGrpSpPr/>
+        <p:nvPr/>
+      </p:nvGrpSpPr>
+      <p:grpSpPr>
+        <a:xfrm>
+          <a:off x="0" y="0"/>
+          <a:ext cx="0" cy="0"/>
+          <a:chOff x="0" y="0"/>
+          <a:chExt cx="0" cy="0"/>
+        </a:xfrm>
+      </p:grpSpPr>
+      <p:sp>
+        <p:nvSpPr>
+          <p:cNvPr id="227" name="Google Shape;227;g4499e2c750_0_158:notes"/>
+          <p:cNvSpPr/>
+          <p:nvPr>
+            <p:ph idx="2" type="sldImg"/>
+          </p:nvPr>
+        </p:nvSpPr>
+        <p:spPr>
+          <a:xfrm>
+            <a:off x="381300" y="685800"/>
+            <a:ext cx="6096000" cy="3429000"/>
+          </a:xfrm>
+          <a:custGeom>
+            <a:rect b="b" l="l" r="r" t="t"/>
+            <a:pathLst>
+              <a:path extrusionOk="0" h="120000" w="120000">
+                <a:moveTo>
+                  <a:pt x="0" y="0"/>
+                </a:moveTo>
+                <a:lnTo>
+                  <a:pt x="120000" y="0"/>
+                </a:lnTo>
+                <a:lnTo>
+                  <a:pt x="120000" y="120000"/>
+                </a:lnTo>
+                <a:lnTo>
+                  <a:pt x="0" y="120000"/>
+                </a:lnTo>
+                <a:close/>
+              </a:path>
+            </a:pathLst>
+          </a:custGeom>
+        </p:spPr>
+      </p:sp>
+      <p:sp>
+        <p:nvSpPr>
+          <p:cNvPr id="228" name="Google Shape;228;g4499e2c750_0_158:notes"/>
+          <p:cNvSpPr txBox="1"/>
+          <p:nvPr>
+            <p:ph idx="1" type="body"/>
+          </p:nvPr>
+        </p:nvSpPr>
+        <p:spPr>
+          <a:xfrm>
+            <a:off x="685800" y="4343400"/>
+            <a:ext cx="5486400" cy="4114800"/>
+          </a:xfrm>
+          <a:prstGeom prst="rect">
+            <a:avLst/>
+          </a:prstGeom>
+        </p:spPr>
+        <p:txBody>
+          <a:bodyPr anchorCtr="0" anchor="t" bIns="91425" lIns="91425" spcFirstLastPara="1" rIns="91425" wrap="square" tIns="91425">
+            <a:noAutofit/>
+          </a:bodyPr>
+          <a:lstStyle/>
+          <a:p>
+            <a:pPr indent="0" lvl="0" marL="0" rtl="0" algn="l">
+              <a:spcBef>
+                <a:spcPts val="0"/>
+              </a:spcBef>
+              <a:spcAft>
+                <a:spcPts val="0"/>
+              </a:spcAft>
+              <a:buNone/>
+            </a:pPr>
+            <a:r>
+              <a:t/>
+            </a:r>
+            <a:endParaRPr/>
+          </a:p>
+        </p:txBody>
+      </p:sp>
+    </p:spTree>
+  </p:cSld>
+  <p:clrMapOvr>
+    <a:masterClrMapping/>
+  </p:clrMapOvr>
+</p:notes>
+</file>
+
+<file path=ppt/notesSlides/notesSlide6.xml><?xml version="1.0" encoding="utf-8"?>
+<p:notes xmlns:a="http://schemas.openxmlformats.org/drawingml/2006/main" xmlns:r="http://schemas.openxmlformats.org/officeDocument/2006/relationships" xmlns:mc="http://schemas.openxmlformats.org/markup-compatibility/2006" xmlns:mv="urn:schemas-microsoft-com:mac:vml" xmlns:p="http://schemas.openxmlformats.org/presentationml/2006/main" xmlns:c="http://schemas.openxmlformats.org/drawingml/2006/chart" xmlns:dgm="http://schemas.openxmlformats.org/drawingml/2006/diagram" xmlns:o="urn:schemas-microsoft-com:office:office" xmlns:v="urn:schemas-microsoft-com:vml" xmlns:pvml="urn:schemas-microsoft-com:office:powerpoint" xmlns:com="http://schemas.openxmlformats.org/drawingml/2006/compatibility" xmlns:p14="http://schemas.microsoft.com/office/powerpoint/2010/main" xmlns:p15="http://schemas.microsoft.com/office/powerpoint/2012/main" showMasterPhAnim="0" showMasterSp="0">
+  <p:cSld>
+    <p:spTree>
+      <p:nvGrpSpPr>
         <p:cNvPr id="233" name="Shape 233"/>
         <p:cNvGrpSpPr/>
         <p:nvPr/>
@@ -907,7 +3382,7 @@
 </p:notes>
 </file>
 
-<file path=ppt/notesSlides/notesSlide11.xml><?xml version="1.0" encoding="utf-8"?>
+<file path=ppt/notesSlides/notesSlide7.xml><?xml version="1.0" encoding="utf-8"?>
 <p:notes xmlns:a="http://schemas.openxmlformats.org/drawingml/2006/main" xmlns:r="http://schemas.openxmlformats.org/officeDocument/2006/relationships" xmlns:mc="http://schemas.openxmlformats.org/markup-compatibility/2006" xmlns:mv="urn:schemas-microsoft-com:mac:vml" xmlns:p="http://schemas.openxmlformats.org/presentationml/2006/main" xmlns:c="http://schemas.openxmlformats.org/drawingml/2006/chart" xmlns:dgm="http://schemas.openxmlformats.org/drawingml/2006/diagram" xmlns:o="urn:schemas-microsoft-com:office:office" xmlns:v="urn:schemas-microsoft-com:vml" xmlns:pvml="urn:schemas-microsoft-com:office:powerpoint" xmlns:com="http://schemas.openxmlformats.org/drawingml/2006/compatibility" xmlns:p14="http://schemas.microsoft.com/office/powerpoint/2010/main" xmlns:p15="http://schemas.microsoft.com/office/powerpoint/2012/main" showMasterPhAnim="0" showMasterSp="0">
   <p:cSld>
     <p:spTree>
@@ -1006,7 +3481,7 @@
 </p:notes>
 </file>
 
-<file path=ppt/notesSlides/notesSlide12.xml><?xml version="1.0" encoding="utf-8"?>
+<file path=ppt/notesSlides/notesSlide8.xml><?xml version="1.0" encoding="utf-8"?>
 <p:notes xmlns:a="http://schemas.openxmlformats.org/drawingml/2006/main" xmlns:r="http://schemas.openxmlformats.org/officeDocument/2006/relationships" xmlns:mc="http://schemas.openxmlformats.org/markup-compatibility/2006" xmlns:mv="urn:schemas-microsoft-com:mac:vml" xmlns:p="http://schemas.openxmlformats.org/presentationml/2006/main" xmlns:c="http://schemas.openxmlformats.org/drawingml/2006/chart" xmlns:dgm="http://schemas.openxmlformats.org/drawingml/2006/diagram" xmlns:o="urn:schemas-microsoft-com:office:office" xmlns:v="urn:schemas-microsoft-com:vml" xmlns:pvml="urn:schemas-microsoft-com:office:powerpoint" xmlns:com="http://schemas.openxmlformats.org/drawingml/2006/compatibility" xmlns:p14="http://schemas.microsoft.com/office/powerpoint/2010/main" xmlns:p15="http://schemas.microsoft.com/office/powerpoint/2012/main" showMasterPhAnim="0" showMasterSp="0">
   <p:cSld>
     <p:spTree>
@@ -1105,7 +3580,7 @@
 </p:notes>
 </file>
 
-<file path=ppt/notesSlides/notesSlide13.xml><?xml version="1.0" encoding="utf-8"?>
+<file path=ppt/notesSlides/notesSlide9.xml><?xml version="1.0" encoding="utf-8"?>
 <p:notes xmlns:a="http://schemas.openxmlformats.org/drawingml/2006/main" xmlns:r="http://schemas.openxmlformats.org/officeDocument/2006/relationships" xmlns:mc="http://schemas.openxmlformats.org/markup-compatibility/2006" xmlns:mv="urn:schemas-microsoft-com:mac:vml" xmlns:p="http://schemas.openxmlformats.org/presentationml/2006/main" xmlns:c="http://schemas.openxmlformats.org/drawingml/2006/chart" xmlns:dgm="http://schemas.openxmlformats.org/drawingml/2006/diagram" xmlns:o="urn:schemas-microsoft-com:office:office" xmlns:v="urn:schemas-microsoft-com:vml" xmlns:pvml="urn:schemas-microsoft-com:office:powerpoint" xmlns:com="http://schemas.openxmlformats.org/drawingml/2006/compatibility" xmlns:p14="http://schemas.microsoft.com/office/powerpoint/2010/main" xmlns:p15="http://schemas.microsoft.com/office/powerpoint/2012/main" showMasterPhAnim="0" showMasterSp="0">
   <p:cSld>
     <p:spTree>
@@ -1160,2877 +3635,6 @@
       <p:sp>
         <p:nvSpPr>
           <p:cNvPr id="260" name="Google Shape;260;g4499e2c750_0_182:notes"/>
-          <p:cNvSpPr txBox="1"/>
-          <p:nvPr>
-            <p:ph idx="1" type="body"/>
-          </p:nvPr>
-        </p:nvSpPr>
-        <p:spPr>
-          <a:xfrm>
-            <a:off x="685800" y="4343400"/>
-            <a:ext cx="5486400" cy="4114800"/>
-          </a:xfrm>
-          <a:prstGeom prst="rect">
-            <a:avLst/>
-          </a:prstGeom>
-        </p:spPr>
-        <p:txBody>
-          <a:bodyPr anchorCtr="0" anchor="t" bIns="91425" lIns="91425" spcFirstLastPara="1" rIns="91425" wrap="square" tIns="91425">
-            <a:noAutofit/>
-          </a:bodyPr>
-          <a:lstStyle/>
-          <a:p>
-            <a:pPr indent="0" lvl="0" marL="0" rtl="0" algn="l">
-              <a:spcBef>
-                <a:spcPts val="0"/>
-              </a:spcBef>
-              <a:spcAft>
-                <a:spcPts val="0"/>
-              </a:spcAft>
-              <a:buNone/>
-            </a:pPr>
-            <a:r>
-              <a:t/>
-            </a:r>
-            <a:endParaRPr/>
-          </a:p>
-        </p:txBody>
-      </p:sp>
-    </p:spTree>
-  </p:cSld>
-  <p:clrMapOvr>
-    <a:masterClrMapping/>
-  </p:clrMapOvr>
-</p:notes>
-</file>
-
-<file path=ppt/notesSlides/notesSlide14.xml><?xml version="1.0" encoding="utf-8"?>
-<p:notes xmlns:a="http://schemas.openxmlformats.org/drawingml/2006/main" xmlns:r="http://schemas.openxmlformats.org/officeDocument/2006/relationships" xmlns:mc="http://schemas.openxmlformats.org/markup-compatibility/2006" xmlns:mv="urn:schemas-microsoft-com:mac:vml" xmlns:p="http://schemas.openxmlformats.org/presentationml/2006/main" xmlns:c="http://schemas.openxmlformats.org/drawingml/2006/chart" xmlns:dgm="http://schemas.openxmlformats.org/drawingml/2006/diagram" xmlns:o="urn:schemas-microsoft-com:office:office" xmlns:v="urn:schemas-microsoft-com:vml" xmlns:pvml="urn:schemas-microsoft-com:office:powerpoint" xmlns:com="http://schemas.openxmlformats.org/drawingml/2006/compatibility" xmlns:p14="http://schemas.microsoft.com/office/powerpoint/2010/main" xmlns:p15="http://schemas.microsoft.com/office/powerpoint/2012/main" showMasterPhAnim="0" showMasterSp="0">
-  <p:cSld>
-    <p:spTree>
-      <p:nvGrpSpPr>
-        <p:cNvPr id="265" name="Shape 265"/>
-        <p:cNvGrpSpPr/>
-        <p:nvPr/>
-      </p:nvGrpSpPr>
-      <p:grpSpPr>
-        <a:xfrm>
-          <a:off x="0" y="0"/>
-          <a:ext cx="0" cy="0"/>
-          <a:chOff x="0" y="0"/>
-          <a:chExt cx="0" cy="0"/>
-        </a:xfrm>
-      </p:grpSpPr>
-      <p:sp>
-        <p:nvSpPr>
-          <p:cNvPr id="266" name="Google Shape;266;g4499e2c750_0_173:notes"/>
-          <p:cNvSpPr/>
-          <p:nvPr>
-            <p:ph idx="2" type="sldImg"/>
-          </p:nvPr>
-        </p:nvSpPr>
-        <p:spPr>
-          <a:xfrm>
-            <a:off x="381300" y="685800"/>
-            <a:ext cx="6096000" cy="3429000"/>
-          </a:xfrm>
-          <a:custGeom>
-            <a:rect b="b" l="l" r="r" t="t"/>
-            <a:pathLst>
-              <a:path extrusionOk="0" h="120000" w="120000">
-                <a:moveTo>
-                  <a:pt x="0" y="0"/>
-                </a:moveTo>
-                <a:lnTo>
-                  <a:pt x="120000" y="0"/>
-                </a:lnTo>
-                <a:lnTo>
-                  <a:pt x="120000" y="120000"/>
-                </a:lnTo>
-                <a:lnTo>
-                  <a:pt x="0" y="120000"/>
-                </a:lnTo>
-                <a:close/>
-              </a:path>
-            </a:pathLst>
-          </a:custGeom>
-        </p:spPr>
-      </p:sp>
-      <p:sp>
-        <p:nvSpPr>
-          <p:cNvPr id="267" name="Google Shape;267;g4499e2c750_0_173:notes"/>
-          <p:cNvSpPr txBox="1"/>
-          <p:nvPr>
-            <p:ph idx="1" type="body"/>
-          </p:nvPr>
-        </p:nvSpPr>
-        <p:spPr>
-          <a:xfrm>
-            <a:off x="685800" y="4343400"/>
-            <a:ext cx="5486400" cy="4114800"/>
-          </a:xfrm>
-          <a:prstGeom prst="rect">
-            <a:avLst/>
-          </a:prstGeom>
-        </p:spPr>
-        <p:txBody>
-          <a:bodyPr anchorCtr="0" anchor="t" bIns="91425" lIns="91425" spcFirstLastPara="1" rIns="91425" wrap="square" tIns="91425">
-            <a:noAutofit/>
-          </a:bodyPr>
-          <a:lstStyle/>
-          <a:p>
-            <a:pPr indent="0" lvl="0" marL="0" rtl="0" algn="l">
-              <a:spcBef>
-                <a:spcPts val="0"/>
-              </a:spcBef>
-              <a:spcAft>
-                <a:spcPts val="0"/>
-              </a:spcAft>
-              <a:buNone/>
-            </a:pPr>
-            <a:r>
-              <a:t/>
-            </a:r>
-            <a:endParaRPr/>
-          </a:p>
-        </p:txBody>
-      </p:sp>
-    </p:spTree>
-  </p:cSld>
-  <p:clrMapOvr>
-    <a:masterClrMapping/>
-  </p:clrMapOvr>
-</p:notes>
-</file>
-
-<file path=ppt/notesSlides/notesSlide15.xml><?xml version="1.0" encoding="utf-8"?>
-<p:notes xmlns:a="http://schemas.openxmlformats.org/drawingml/2006/main" xmlns:r="http://schemas.openxmlformats.org/officeDocument/2006/relationships" xmlns:mc="http://schemas.openxmlformats.org/markup-compatibility/2006" xmlns:mv="urn:schemas-microsoft-com:mac:vml" xmlns:p="http://schemas.openxmlformats.org/presentationml/2006/main" xmlns:c="http://schemas.openxmlformats.org/drawingml/2006/chart" xmlns:dgm="http://schemas.openxmlformats.org/drawingml/2006/diagram" xmlns:o="urn:schemas-microsoft-com:office:office" xmlns:v="urn:schemas-microsoft-com:vml" xmlns:pvml="urn:schemas-microsoft-com:office:powerpoint" xmlns:com="http://schemas.openxmlformats.org/drawingml/2006/compatibility" xmlns:p14="http://schemas.microsoft.com/office/powerpoint/2010/main" xmlns:p15="http://schemas.microsoft.com/office/powerpoint/2012/main" showMasterPhAnim="0" showMasterSp="0">
-  <p:cSld>
-    <p:spTree>
-      <p:nvGrpSpPr>
-        <p:cNvPr id="271" name="Shape 271"/>
-        <p:cNvGrpSpPr/>
-        <p:nvPr/>
-      </p:nvGrpSpPr>
-      <p:grpSpPr>
-        <a:xfrm>
-          <a:off x="0" y="0"/>
-          <a:ext cx="0" cy="0"/>
-          <a:chOff x="0" y="0"/>
-          <a:chExt cx="0" cy="0"/>
-        </a:xfrm>
-      </p:grpSpPr>
-      <p:sp>
-        <p:nvSpPr>
-          <p:cNvPr id="272" name="Google Shape;272;g4499e2c750_0_190:notes"/>
-          <p:cNvSpPr/>
-          <p:nvPr>
-            <p:ph idx="2" type="sldImg"/>
-          </p:nvPr>
-        </p:nvSpPr>
-        <p:spPr>
-          <a:xfrm>
-            <a:off x="381300" y="685800"/>
-            <a:ext cx="6096000" cy="3429000"/>
-          </a:xfrm>
-          <a:custGeom>
-            <a:rect b="b" l="l" r="r" t="t"/>
-            <a:pathLst>
-              <a:path extrusionOk="0" h="120000" w="120000">
-                <a:moveTo>
-                  <a:pt x="0" y="0"/>
-                </a:moveTo>
-                <a:lnTo>
-                  <a:pt x="120000" y="0"/>
-                </a:lnTo>
-                <a:lnTo>
-                  <a:pt x="120000" y="120000"/>
-                </a:lnTo>
-                <a:lnTo>
-                  <a:pt x="0" y="120000"/>
-                </a:lnTo>
-                <a:close/>
-              </a:path>
-            </a:pathLst>
-          </a:custGeom>
-        </p:spPr>
-      </p:sp>
-      <p:sp>
-        <p:nvSpPr>
-          <p:cNvPr id="273" name="Google Shape;273;g4499e2c750_0_190:notes"/>
-          <p:cNvSpPr txBox="1"/>
-          <p:nvPr>
-            <p:ph idx="1" type="body"/>
-          </p:nvPr>
-        </p:nvSpPr>
-        <p:spPr>
-          <a:xfrm>
-            <a:off x="685800" y="4343400"/>
-            <a:ext cx="5486400" cy="4114800"/>
-          </a:xfrm>
-          <a:prstGeom prst="rect">
-            <a:avLst/>
-          </a:prstGeom>
-        </p:spPr>
-        <p:txBody>
-          <a:bodyPr anchorCtr="0" anchor="t" bIns="91425" lIns="91425" spcFirstLastPara="1" rIns="91425" wrap="square" tIns="91425">
-            <a:noAutofit/>
-          </a:bodyPr>
-          <a:lstStyle/>
-          <a:p>
-            <a:pPr indent="0" lvl="0" marL="0" rtl="0" algn="l">
-              <a:spcBef>
-                <a:spcPts val="0"/>
-              </a:spcBef>
-              <a:spcAft>
-                <a:spcPts val="0"/>
-              </a:spcAft>
-              <a:buNone/>
-            </a:pPr>
-            <a:r>
-              <a:t/>
-            </a:r>
-            <a:endParaRPr/>
-          </a:p>
-        </p:txBody>
-      </p:sp>
-    </p:spTree>
-  </p:cSld>
-  <p:clrMapOvr>
-    <a:masterClrMapping/>
-  </p:clrMapOvr>
-</p:notes>
-</file>
-
-<file path=ppt/notesSlides/notesSlide16.xml><?xml version="1.0" encoding="utf-8"?>
-<p:notes xmlns:a="http://schemas.openxmlformats.org/drawingml/2006/main" xmlns:r="http://schemas.openxmlformats.org/officeDocument/2006/relationships" xmlns:mc="http://schemas.openxmlformats.org/markup-compatibility/2006" xmlns:mv="urn:schemas-microsoft-com:mac:vml" xmlns:p="http://schemas.openxmlformats.org/presentationml/2006/main" xmlns:c="http://schemas.openxmlformats.org/drawingml/2006/chart" xmlns:dgm="http://schemas.openxmlformats.org/drawingml/2006/diagram" xmlns:o="urn:schemas-microsoft-com:office:office" xmlns:v="urn:schemas-microsoft-com:vml" xmlns:pvml="urn:schemas-microsoft-com:office:powerpoint" xmlns:com="http://schemas.openxmlformats.org/drawingml/2006/compatibility" xmlns:p14="http://schemas.microsoft.com/office/powerpoint/2010/main" xmlns:p15="http://schemas.microsoft.com/office/powerpoint/2012/main" showMasterPhAnim="0" showMasterSp="0">
-  <p:cSld>
-    <p:spTree>
-      <p:nvGrpSpPr>
-        <p:cNvPr id="279" name="Shape 279"/>
-        <p:cNvGrpSpPr/>
-        <p:nvPr/>
-      </p:nvGrpSpPr>
-      <p:grpSpPr>
-        <a:xfrm>
-          <a:off x="0" y="0"/>
-          <a:ext cx="0" cy="0"/>
-          <a:chOff x="0" y="0"/>
-          <a:chExt cx="0" cy="0"/>
-        </a:xfrm>
-      </p:grpSpPr>
-      <p:sp>
-        <p:nvSpPr>
-          <p:cNvPr id="280" name="Google Shape;280;g4499e2c750_0_74:notes"/>
-          <p:cNvSpPr/>
-          <p:nvPr>
-            <p:ph idx="2" type="sldImg"/>
-          </p:nvPr>
-        </p:nvSpPr>
-        <p:spPr>
-          <a:xfrm>
-            <a:off x="381300" y="685800"/>
-            <a:ext cx="6096000" cy="3429000"/>
-          </a:xfrm>
-          <a:custGeom>
-            <a:rect b="b" l="l" r="r" t="t"/>
-            <a:pathLst>
-              <a:path extrusionOk="0" h="120000" w="120000">
-                <a:moveTo>
-                  <a:pt x="0" y="0"/>
-                </a:moveTo>
-                <a:lnTo>
-                  <a:pt x="120000" y="0"/>
-                </a:lnTo>
-                <a:lnTo>
-                  <a:pt x="120000" y="120000"/>
-                </a:lnTo>
-                <a:lnTo>
-                  <a:pt x="0" y="120000"/>
-                </a:lnTo>
-                <a:close/>
-              </a:path>
-            </a:pathLst>
-          </a:custGeom>
-        </p:spPr>
-      </p:sp>
-      <p:sp>
-        <p:nvSpPr>
-          <p:cNvPr id="281" name="Google Shape;281;g4499e2c750_0_74:notes"/>
-          <p:cNvSpPr txBox="1"/>
-          <p:nvPr>
-            <p:ph idx="1" type="body"/>
-          </p:nvPr>
-        </p:nvSpPr>
-        <p:spPr>
-          <a:xfrm>
-            <a:off x="685800" y="4343400"/>
-            <a:ext cx="5486400" cy="4114800"/>
-          </a:xfrm>
-          <a:prstGeom prst="rect">
-            <a:avLst/>
-          </a:prstGeom>
-        </p:spPr>
-        <p:txBody>
-          <a:bodyPr anchorCtr="0" anchor="t" bIns="91425" lIns="91425" spcFirstLastPara="1" rIns="91425" wrap="square" tIns="91425">
-            <a:noAutofit/>
-          </a:bodyPr>
-          <a:lstStyle/>
-          <a:p>
-            <a:pPr indent="0" lvl="0" marL="0" rtl="0" algn="l">
-              <a:spcBef>
-                <a:spcPts val="0"/>
-              </a:spcBef>
-              <a:spcAft>
-                <a:spcPts val="0"/>
-              </a:spcAft>
-              <a:buNone/>
-            </a:pPr>
-            <a:r>
-              <a:t/>
-            </a:r>
-            <a:endParaRPr/>
-          </a:p>
-        </p:txBody>
-      </p:sp>
-    </p:spTree>
-  </p:cSld>
-  <p:clrMapOvr>
-    <a:masterClrMapping/>
-  </p:clrMapOvr>
-</p:notes>
-</file>
-
-<file path=ppt/notesSlides/notesSlide17.xml><?xml version="1.0" encoding="utf-8"?>
-<p:notes xmlns:a="http://schemas.openxmlformats.org/drawingml/2006/main" xmlns:r="http://schemas.openxmlformats.org/officeDocument/2006/relationships" xmlns:mc="http://schemas.openxmlformats.org/markup-compatibility/2006" xmlns:mv="urn:schemas-microsoft-com:mac:vml" xmlns:p="http://schemas.openxmlformats.org/presentationml/2006/main" xmlns:c="http://schemas.openxmlformats.org/drawingml/2006/chart" xmlns:dgm="http://schemas.openxmlformats.org/drawingml/2006/diagram" xmlns:o="urn:schemas-microsoft-com:office:office" xmlns:v="urn:schemas-microsoft-com:vml" xmlns:pvml="urn:schemas-microsoft-com:office:powerpoint" xmlns:com="http://schemas.openxmlformats.org/drawingml/2006/compatibility" xmlns:p14="http://schemas.microsoft.com/office/powerpoint/2010/main" xmlns:p15="http://schemas.microsoft.com/office/powerpoint/2012/main" showMasterPhAnim="0" showMasterSp="0">
-  <p:cSld>
-    <p:spTree>
-      <p:nvGrpSpPr>
-        <p:cNvPr id="288" name="Shape 288"/>
-        <p:cNvGrpSpPr/>
-        <p:nvPr/>
-      </p:nvGrpSpPr>
-      <p:grpSpPr>
-        <a:xfrm>
-          <a:off x="0" y="0"/>
-          <a:ext cx="0" cy="0"/>
-          <a:chOff x="0" y="0"/>
-          <a:chExt cx="0" cy="0"/>
-        </a:xfrm>
-      </p:grpSpPr>
-      <p:sp>
-        <p:nvSpPr>
-          <p:cNvPr id="289" name="Google Shape;289;g4499e2c750_0_88:notes"/>
-          <p:cNvSpPr/>
-          <p:nvPr>
-            <p:ph idx="2" type="sldImg"/>
-          </p:nvPr>
-        </p:nvSpPr>
-        <p:spPr>
-          <a:xfrm>
-            <a:off x="381300" y="685800"/>
-            <a:ext cx="6096000" cy="3429000"/>
-          </a:xfrm>
-          <a:custGeom>
-            <a:rect b="b" l="l" r="r" t="t"/>
-            <a:pathLst>
-              <a:path extrusionOk="0" h="120000" w="120000">
-                <a:moveTo>
-                  <a:pt x="0" y="0"/>
-                </a:moveTo>
-                <a:lnTo>
-                  <a:pt x="120000" y="0"/>
-                </a:lnTo>
-                <a:lnTo>
-                  <a:pt x="120000" y="120000"/>
-                </a:lnTo>
-                <a:lnTo>
-                  <a:pt x="0" y="120000"/>
-                </a:lnTo>
-                <a:close/>
-              </a:path>
-            </a:pathLst>
-          </a:custGeom>
-        </p:spPr>
-      </p:sp>
-      <p:sp>
-        <p:nvSpPr>
-          <p:cNvPr id="290" name="Google Shape;290;g4499e2c750_0_88:notes"/>
-          <p:cNvSpPr txBox="1"/>
-          <p:nvPr>
-            <p:ph idx="1" type="body"/>
-          </p:nvPr>
-        </p:nvSpPr>
-        <p:spPr>
-          <a:xfrm>
-            <a:off x="685800" y="4343400"/>
-            <a:ext cx="5486400" cy="4114800"/>
-          </a:xfrm>
-          <a:prstGeom prst="rect">
-            <a:avLst/>
-          </a:prstGeom>
-        </p:spPr>
-        <p:txBody>
-          <a:bodyPr anchorCtr="0" anchor="t" bIns="91425" lIns="91425" spcFirstLastPara="1" rIns="91425" wrap="square" tIns="91425">
-            <a:noAutofit/>
-          </a:bodyPr>
-          <a:lstStyle/>
-          <a:p>
-            <a:pPr indent="0" lvl="0" marL="0" rtl="0" algn="l">
-              <a:spcBef>
-                <a:spcPts val="0"/>
-              </a:spcBef>
-              <a:spcAft>
-                <a:spcPts val="0"/>
-              </a:spcAft>
-              <a:buNone/>
-            </a:pPr>
-            <a:r>
-              <a:t/>
-            </a:r>
-            <a:endParaRPr/>
-          </a:p>
-        </p:txBody>
-      </p:sp>
-    </p:spTree>
-  </p:cSld>
-  <p:clrMapOvr>
-    <a:masterClrMapping/>
-  </p:clrMapOvr>
-</p:notes>
-</file>
-
-<file path=ppt/notesSlides/notesSlide18.xml><?xml version="1.0" encoding="utf-8"?>
-<p:notes xmlns:a="http://schemas.openxmlformats.org/drawingml/2006/main" xmlns:r="http://schemas.openxmlformats.org/officeDocument/2006/relationships" xmlns:mc="http://schemas.openxmlformats.org/markup-compatibility/2006" xmlns:mv="urn:schemas-microsoft-com:mac:vml" xmlns:p="http://schemas.openxmlformats.org/presentationml/2006/main" xmlns:c="http://schemas.openxmlformats.org/drawingml/2006/chart" xmlns:dgm="http://schemas.openxmlformats.org/drawingml/2006/diagram" xmlns:o="urn:schemas-microsoft-com:office:office" xmlns:v="urn:schemas-microsoft-com:vml" xmlns:pvml="urn:schemas-microsoft-com:office:powerpoint" xmlns:com="http://schemas.openxmlformats.org/drawingml/2006/compatibility" xmlns:p14="http://schemas.microsoft.com/office/powerpoint/2010/main" xmlns:p15="http://schemas.microsoft.com/office/powerpoint/2012/main" showMasterPhAnim="0" showMasterSp="0">
-  <p:cSld>
-    <p:spTree>
-      <p:nvGrpSpPr>
-        <p:cNvPr id="294" name="Shape 294"/>
-        <p:cNvGrpSpPr/>
-        <p:nvPr/>
-      </p:nvGrpSpPr>
-      <p:grpSpPr>
-        <a:xfrm>
-          <a:off x="0" y="0"/>
-          <a:ext cx="0" cy="0"/>
-          <a:chOff x="0" y="0"/>
-          <a:chExt cx="0" cy="0"/>
-        </a:xfrm>
-      </p:grpSpPr>
-      <p:sp>
-        <p:nvSpPr>
-          <p:cNvPr id="295" name="Google Shape;295;g4499e2c750_0_199:notes"/>
-          <p:cNvSpPr/>
-          <p:nvPr>
-            <p:ph idx="2" type="sldImg"/>
-          </p:nvPr>
-        </p:nvSpPr>
-        <p:spPr>
-          <a:xfrm>
-            <a:off x="381300" y="685800"/>
-            <a:ext cx="6096000" cy="3429000"/>
-          </a:xfrm>
-          <a:custGeom>
-            <a:rect b="b" l="l" r="r" t="t"/>
-            <a:pathLst>
-              <a:path extrusionOk="0" h="120000" w="120000">
-                <a:moveTo>
-                  <a:pt x="0" y="0"/>
-                </a:moveTo>
-                <a:lnTo>
-                  <a:pt x="120000" y="0"/>
-                </a:lnTo>
-                <a:lnTo>
-                  <a:pt x="120000" y="120000"/>
-                </a:lnTo>
-                <a:lnTo>
-                  <a:pt x="0" y="120000"/>
-                </a:lnTo>
-                <a:close/>
-              </a:path>
-            </a:pathLst>
-          </a:custGeom>
-        </p:spPr>
-      </p:sp>
-      <p:sp>
-        <p:nvSpPr>
-          <p:cNvPr id="296" name="Google Shape;296;g4499e2c750_0_199:notes"/>
-          <p:cNvSpPr txBox="1"/>
-          <p:nvPr>
-            <p:ph idx="1" type="body"/>
-          </p:nvPr>
-        </p:nvSpPr>
-        <p:spPr>
-          <a:xfrm>
-            <a:off x="685800" y="4343400"/>
-            <a:ext cx="5486400" cy="4114800"/>
-          </a:xfrm>
-          <a:prstGeom prst="rect">
-            <a:avLst/>
-          </a:prstGeom>
-        </p:spPr>
-        <p:txBody>
-          <a:bodyPr anchorCtr="0" anchor="t" bIns="91425" lIns="91425" spcFirstLastPara="1" rIns="91425" wrap="square" tIns="91425">
-            <a:noAutofit/>
-          </a:bodyPr>
-          <a:lstStyle/>
-          <a:p>
-            <a:pPr indent="0" lvl="0" marL="0" rtl="0" algn="l">
-              <a:spcBef>
-                <a:spcPts val="0"/>
-              </a:spcBef>
-              <a:spcAft>
-                <a:spcPts val="0"/>
-              </a:spcAft>
-              <a:buNone/>
-            </a:pPr>
-            <a:r>
-              <a:t/>
-            </a:r>
-            <a:endParaRPr/>
-          </a:p>
-        </p:txBody>
-      </p:sp>
-    </p:spTree>
-  </p:cSld>
-  <p:clrMapOvr>
-    <a:masterClrMapping/>
-  </p:clrMapOvr>
-</p:notes>
-</file>
-
-<file path=ppt/notesSlides/notesSlide19.xml><?xml version="1.0" encoding="utf-8"?>
-<p:notes xmlns:a="http://schemas.openxmlformats.org/drawingml/2006/main" xmlns:r="http://schemas.openxmlformats.org/officeDocument/2006/relationships" xmlns:mc="http://schemas.openxmlformats.org/markup-compatibility/2006" xmlns:mv="urn:schemas-microsoft-com:mac:vml" xmlns:p="http://schemas.openxmlformats.org/presentationml/2006/main" xmlns:c="http://schemas.openxmlformats.org/drawingml/2006/chart" xmlns:dgm="http://schemas.openxmlformats.org/drawingml/2006/diagram" xmlns:o="urn:schemas-microsoft-com:office:office" xmlns:v="urn:schemas-microsoft-com:vml" xmlns:pvml="urn:schemas-microsoft-com:office:powerpoint" xmlns:com="http://schemas.openxmlformats.org/drawingml/2006/compatibility" xmlns:p14="http://schemas.microsoft.com/office/powerpoint/2010/main" xmlns:p15="http://schemas.microsoft.com/office/powerpoint/2012/main" showMasterPhAnim="0" showMasterSp="0">
-  <p:cSld>
-    <p:spTree>
-      <p:nvGrpSpPr>
-        <p:cNvPr id="305" name="Shape 305"/>
-        <p:cNvGrpSpPr/>
-        <p:nvPr/>
-      </p:nvGrpSpPr>
-      <p:grpSpPr>
-        <a:xfrm>
-          <a:off x="0" y="0"/>
-          <a:ext cx="0" cy="0"/>
-          <a:chOff x="0" y="0"/>
-          <a:chExt cx="0" cy="0"/>
-        </a:xfrm>
-      </p:grpSpPr>
-      <p:sp>
-        <p:nvSpPr>
-          <p:cNvPr id="306" name="Google Shape;306;g4499e2c750_0_232:notes"/>
-          <p:cNvSpPr/>
-          <p:nvPr>
-            <p:ph idx="2" type="sldImg"/>
-          </p:nvPr>
-        </p:nvSpPr>
-        <p:spPr>
-          <a:xfrm>
-            <a:off x="381300" y="685800"/>
-            <a:ext cx="6096000" cy="3429000"/>
-          </a:xfrm>
-          <a:custGeom>
-            <a:rect b="b" l="l" r="r" t="t"/>
-            <a:pathLst>
-              <a:path extrusionOk="0" h="120000" w="120000">
-                <a:moveTo>
-                  <a:pt x="0" y="0"/>
-                </a:moveTo>
-                <a:lnTo>
-                  <a:pt x="120000" y="0"/>
-                </a:lnTo>
-                <a:lnTo>
-                  <a:pt x="120000" y="120000"/>
-                </a:lnTo>
-                <a:lnTo>
-                  <a:pt x="0" y="120000"/>
-                </a:lnTo>
-                <a:close/>
-              </a:path>
-            </a:pathLst>
-          </a:custGeom>
-        </p:spPr>
-      </p:sp>
-      <p:sp>
-        <p:nvSpPr>
-          <p:cNvPr id="307" name="Google Shape;307;g4499e2c750_0_232:notes"/>
-          <p:cNvSpPr txBox="1"/>
-          <p:nvPr>
-            <p:ph idx="1" type="body"/>
-          </p:nvPr>
-        </p:nvSpPr>
-        <p:spPr>
-          <a:xfrm>
-            <a:off x="685800" y="4343400"/>
-            <a:ext cx="5486400" cy="4114800"/>
-          </a:xfrm>
-          <a:prstGeom prst="rect">
-            <a:avLst/>
-          </a:prstGeom>
-        </p:spPr>
-        <p:txBody>
-          <a:bodyPr anchorCtr="0" anchor="t" bIns="91425" lIns="91425" spcFirstLastPara="1" rIns="91425" wrap="square" tIns="91425">
-            <a:noAutofit/>
-          </a:bodyPr>
-          <a:lstStyle/>
-          <a:p>
-            <a:pPr indent="0" lvl="0" marL="0" rtl="0" algn="l">
-              <a:spcBef>
-                <a:spcPts val="0"/>
-              </a:spcBef>
-              <a:spcAft>
-                <a:spcPts val="0"/>
-              </a:spcAft>
-              <a:buNone/>
-            </a:pPr>
-            <a:r>
-              <a:t/>
-            </a:r>
-            <a:endParaRPr/>
-          </a:p>
-        </p:txBody>
-      </p:sp>
-    </p:spTree>
-  </p:cSld>
-  <p:clrMapOvr>
-    <a:masterClrMapping/>
-  </p:clrMapOvr>
-</p:notes>
-</file>
-
-<file path=ppt/notesSlides/notesSlide2.xml><?xml version="1.0" encoding="utf-8"?>
-<p:notes xmlns:a="http://schemas.openxmlformats.org/drawingml/2006/main" xmlns:r="http://schemas.openxmlformats.org/officeDocument/2006/relationships" xmlns:mc="http://schemas.openxmlformats.org/markup-compatibility/2006" xmlns:mv="urn:schemas-microsoft-com:mac:vml" xmlns:p="http://schemas.openxmlformats.org/presentationml/2006/main" xmlns:c="http://schemas.openxmlformats.org/drawingml/2006/chart" xmlns:dgm="http://schemas.openxmlformats.org/drawingml/2006/diagram" xmlns:o="urn:schemas-microsoft-com:office:office" xmlns:v="urn:schemas-microsoft-com:vml" xmlns:pvml="urn:schemas-microsoft-com:office:powerpoint" xmlns:com="http://schemas.openxmlformats.org/drawingml/2006/compatibility" xmlns:p14="http://schemas.microsoft.com/office/powerpoint/2010/main" xmlns:p15="http://schemas.microsoft.com/office/powerpoint/2012/main" showMasterPhAnim="0" showMasterSp="0">
-  <p:cSld>
-    <p:spTree>
-      <p:nvGrpSpPr>
-        <p:cNvPr id="174" name="Shape 174"/>
-        <p:cNvGrpSpPr/>
-        <p:nvPr/>
-      </p:nvGrpSpPr>
-      <p:grpSpPr>
-        <a:xfrm>
-          <a:off x="0" y="0"/>
-          <a:ext cx="0" cy="0"/>
-          <a:chOff x="0" y="0"/>
-          <a:chExt cx="0" cy="0"/>
-        </a:xfrm>
-      </p:grpSpPr>
-      <p:sp>
-        <p:nvSpPr>
-          <p:cNvPr id="175" name="Google Shape;175;g4499e2c750_0_62:notes"/>
-          <p:cNvSpPr/>
-          <p:nvPr>
-            <p:ph idx="2" type="sldImg"/>
-          </p:nvPr>
-        </p:nvSpPr>
-        <p:spPr>
-          <a:xfrm>
-            <a:off x="381300" y="685800"/>
-            <a:ext cx="6096000" cy="3429000"/>
-          </a:xfrm>
-          <a:custGeom>
-            <a:rect b="b" l="l" r="r" t="t"/>
-            <a:pathLst>
-              <a:path extrusionOk="0" h="120000" w="120000">
-                <a:moveTo>
-                  <a:pt x="0" y="0"/>
-                </a:moveTo>
-                <a:lnTo>
-                  <a:pt x="120000" y="0"/>
-                </a:lnTo>
-                <a:lnTo>
-                  <a:pt x="120000" y="120000"/>
-                </a:lnTo>
-                <a:lnTo>
-                  <a:pt x="0" y="120000"/>
-                </a:lnTo>
-                <a:close/>
-              </a:path>
-            </a:pathLst>
-          </a:custGeom>
-        </p:spPr>
-      </p:sp>
-      <p:sp>
-        <p:nvSpPr>
-          <p:cNvPr id="176" name="Google Shape;176;g4499e2c750_0_62:notes"/>
-          <p:cNvSpPr txBox="1"/>
-          <p:nvPr>
-            <p:ph idx="1" type="body"/>
-          </p:nvPr>
-        </p:nvSpPr>
-        <p:spPr>
-          <a:xfrm>
-            <a:off x="685800" y="4343400"/>
-            <a:ext cx="5486400" cy="4114800"/>
-          </a:xfrm>
-          <a:prstGeom prst="rect">
-            <a:avLst/>
-          </a:prstGeom>
-        </p:spPr>
-        <p:txBody>
-          <a:bodyPr anchorCtr="0" anchor="t" bIns="91425" lIns="91425" spcFirstLastPara="1" rIns="91425" wrap="square" tIns="91425">
-            <a:noAutofit/>
-          </a:bodyPr>
-          <a:lstStyle/>
-          <a:p>
-            <a:pPr indent="0" lvl="0" marL="0" rtl="0" algn="l">
-              <a:spcBef>
-                <a:spcPts val="0"/>
-              </a:spcBef>
-              <a:spcAft>
-                <a:spcPts val="0"/>
-              </a:spcAft>
-              <a:buNone/>
-            </a:pPr>
-            <a:r>
-              <a:t/>
-            </a:r>
-            <a:endParaRPr/>
-          </a:p>
-        </p:txBody>
-      </p:sp>
-    </p:spTree>
-  </p:cSld>
-  <p:clrMapOvr>
-    <a:masterClrMapping/>
-  </p:clrMapOvr>
-</p:notes>
-</file>
-
-<file path=ppt/notesSlides/notesSlide20.xml><?xml version="1.0" encoding="utf-8"?>
-<p:notes xmlns:a="http://schemas.openxmlformats.org/drawingml/2006/main" xmlns:r="http://schemas.openxmlformats.org/officeDocument/2006/relationships" xmlns:mc="http://schemas.openxmlformats.org/markup-compatibility/2006" xmlns:mv="urn:schemas-microsoft-com:mac:vml" xmlns:p="http://schemas.openxmlformats.org/presentationml/2006/main" xmlns:c="http://schemas.openxmlformats.org/drawingml/2006/chart" xmlns:dgm="http://schemas.openxmlformats.org/drawingml/2006/diagram" xmlns:o="urn:schemas-microsoft-com:office:office" xmlns:v="urn:schemas-microsoft-com:vml" xmlns:pvml="urn:schemas-microsoft-com:office:powerpoint" xmlns:com="http://schemas.openxmlformats.org/drawingml/2006/compatibility" xmlns:p14="http://schemas.microsoft.com/office/powerpoint/2010/main" xmlns:p15="http://schemas.microsoft.com/office/powerpoint/2012/main" showMasterPhAnim="0" showMasterSp="0">
-  <p:cSld>
-    <p:spTree>
-      <p:nvGrpSpPr>
-        <p:cNvPr id="310" name="Shape 310"/>
-        <p:cNvGrpSpPr/>
-        <p:nvPr/>
-      </p:nvGrpSpPr>
-      <p:grpSpPr>
-        <a:xfrm>
-          <a:off x="0" y="0"/>
-          <a:ext cx="0" cy="0"/>
-          <a:chOff x="0" y="0"/>
-          <a:chExt cx="0" cy="0"/>
-        </a:xfrm>
-      </p:grpSpPr>
-      <p:sp>
-        <p:nvSpPr>
-          <p:cNvPr id="311" name="Google Shape;311;g4499e2c750_0_222:notes"/>
-          <p:cNvSpPr/>
-          <p:nvPr>
-            <p:ph idx="2" type="sldImg"/>
-          </p:nvPr>
-        </p:nvSpPr>
-        <p:spPr>
-          <a:xfrm>
-            <a:off x="381300" y="685800"/>
-            <a:ext cx="6096000" cy="3429000"/>
-          </a:xfrm>
-          <a:custGeom>
-            <a:rect b="b" l="l" r="r" t="t"/>
-            <a:pathLst>
-              <a:path extrusionOk="0" h="120000" w="120000">
-                <a:moveTo>
-                  <a:pt x="0" y="0"/>
-                </a:moveTo>
-                <a:lnTo>
-                  <a:pt x="120000" y="0"/>
-                </a:lnTo>
-                <a:lnTo>
-                  <a:pt x="120000" y="120000"/>
-                </a:lnTo>
-                <a:lnTo>
-                  <a:pt x="0" y="120000"/>
-                </a:lnTo>
-                <a:close/>
-              </a:path>
-            </a:pathLst>
-          </a:custGeom>
-        </p:spPr>
-      </p:sp>
-      <p:sp>
-        <p:nvSpPr>
-          <p:cNvPr id="312" name="Google Shape;312;g4499e2c750_0_222:notes"/>
-          <p:cNvSpPr txBox="1"/>
-          <p:nvPr>
-            <p:ph idx="1" type="body"/>
-          </p:nvPr>
-        </p:nvSpPr>
-        <p:spPr>
-          <a:xfrm>
-            <a:off x="685800" y="4343400"/>
-            <a:ext cx="5486400" cy="4114800"/>
-          </a:xfrm>
-          <a:prstGeom prst="rect">
-            <a:avLst/>
-          </a:prstGeom>
-        </p:spPr>
-        <p:txBody>
-          <a:bodyPr anchorCtr="0" anchor="t" bIns="91425" lIns="91425" spcFirstLastPara="1" rIns="91425" wrap="square" tIns="91425">
-            <a:noAutofit/>
-          </a:bodyPr>
-          <a:lstStyle/>
-          <a:p>
-            <a:pPr indent="0" lvl="0" marL="0" rtl="0" algn="l">
-              <a:spcBef>
-                <a:spcPts val="0"/>
-              </a:spcBef>
-              <a:spcAft>
-                <a:spcPts val="0"/>
-              </a:spcAft>
-              <a:buNone/>
-            </a:pPr>
-            <a:r>
-              <a:t/>
-            </a:r>
-            <a:endParaRPr/>
-          </a:p>
-        </p:txBody>
-      </p:sp>
-    </p:spTree>
-  </p:cSld>
-  <p:clrMapOvr>
-    <a:masterClrMapping/>
-  </p:clrMapOvr>
-</p:notes>
-</file>
-
-<file path=ppt/notesSlides/notesSlide21.xml><?xml version="1.0" encoding="utf-8"?>
-<p:notes xmlns:a="http://schemas.openxmlformats.org/drawingml/2006/main" xmlns:r="http://schemas.openxmlformats.org/officeDocument/2006/relationships" xmlns:mc="http://schemas.openxmlformats.org/markup-compatibility/2006" xmlns:mv="urn:schemas-microsoft-com:mac:vml" xmlns:p="http://schemas.openxmlformats.org/presentationml/2006/main" xmlns:c="http://schemas.openxmlformats.org/drawingml/2006/chart" xmlns:dgm="http://schemas.openxmlformats.org/drawingml/2006/diagram" xmlns:o="urn:schemas-microsoft-com:office:office" xmlns:v="urn:schemas-microsoft-com:vml" xmlns:pvml="urn:schemas-microsoft-com:office:powerpoint" xmlns:com="http://schemas.openxmlformats.org/drawingml/2006/compatibility" xmlns:p14="http://schemas.microsoft.com/office/powerpoint/2010/main" xmlns:p15="http://schemas.microsoft.com/office/powerpoint/2012/main" showMasterPhAnim="0" showMasterSp="0">
-  <p:cSld>
-    <p:spTree>
-      <p:nvGrpSpPr>
-        <p:cNvPr id="321" name="Shape 321"/>
-        <p:cNvGrpSpPr/>
-        <p:nvPr/>
-      </p:nvGrpSpPr>
-      <p:grpSpPr>
-        <a:xfrm>
-          <a:off x="0" y="0"/>
-          <a:ext cx="0" cy="0"/>
-          <a:chOff x="0" y="0"/>
-          <a:chExt cx="0" cy="0"/>
-        </a:xfrm>
-      </p:grpSpPr>
-      <p:sp>
-        <p:nvSpPr>
-          <p:cNvPr id="322" name="Google Shape;322;g4563e4ce49_1_30:notes"/>
-          <p:cNvSpPr/>
-          <p:nvPr>
-            <p:ph idx="2" type="sldImg"/>
-          </p:nvPr>
-        </p:nvSpPr>
-        <p:spPr>
-          <a:xfrm>
-            <a:off x="381300" y="685800"/>
-            <a:ext cx="6096000" cy="3429000"/>
-          </a:xfrm>
-          <a:custGeom>
-            <a:rect b="b" l="l" r="r" t="t"/>
-            <a:pathLst>
-              <a:path extrusionOk="0" h="120000" w="120000">
-                <a:moveTo>
-                  <a:pt x="0" y="0"/>
-                </a:moveTo>
-                <a:lnTo>
-                  <a:pt x="120000" y="0"/>
-                </a:lnTo>
-                <a:lnTo>
-                  <a:pt x="120000" y="120000"/>
-                </a:lnTo>
-                <a:lnTo>
-                  <a:pt x="0" y="120000"/>
-                </a:lnTo>
-                <a:close/>
-              </a:path>
-            </a:pathLst>
-          </a:custGeom>
-        </p:spPr>
-      </p:sp>
-      <p:sp>
-        <p:nvSpPr>
-          <p:cNvPr id="323" name="Google Shape;323;g4563e4ce49_1_30:notes"/>
-          <p:cNvSpPr txBox="1"/>
-          <p:nvPr>
-            <p:ph idx="1" type="body"/>
-          </p:nvPr>
-        </p:nvSpPr>
-        <p:spPr>
-          <a:xfrm>
-            <a:off x="685800" y="4343400"/>
-            <a:ext cx="5486400" cy="4114800"/>
-          </a:xfrm>
-          <a:prstGeom prst="rect">
-            <a:avLst/>
-          </a:prstGeom>
-        </p:spPr>
-        <p:txBody>
-          <a:bodyPr anchorCtr="0" anchor="t" bIns="91425" lIns="91425" spcFirstLastPara="1" rIns="91425" wrap="square" tIns="91425">
-            <a:noAutofit/>
-          </a:bodyPr>
-          <a:lstStyle/>
-          <a:p>
-            <a:pPr indent="0" lvl="0" marL="0" rtl="0" algn="l">
-              <a:spcBef>
-                <a:spcPts val="0"/>
-              </a:spcBef>
-              <a:spcAft>
-                <a:spcPts val="0"/>
-              </a:spcAft>
-              <a:buNone/>
-            </a:pPr>
-            <a:r>
-              <a:t/>
-            </a:r>
-            <a:endParaRPr/>
-          </a:p>
-        </p:txBody>
-      </p:sp>
-    </p:spTree>
-  </p:cSld>
-  <p:clrMapOvr>
-    <a:masterClrMapping/>
-  </p:clrMapOvr>
-</p:notes>
-</file>
-
-<file path=ppt/notesSlides/notesSlide22.xml><?xml version="1.0" encoding="utf-8"?>
-<p:notes xmlns:a="http://schemas.openxmlformats.org/drawingml/2006/main" xmlns:r="http://schemas.openxmlformats.org/officeDocument/2006/relationships" xmlns:mc="http://schemas.openxmlformats.org/markup-compatibility/2006" xmlns:mv="urn:schemas-microsoft-com:mac:vml" xmlns:p="http://schemas.openxmlformats.org/presentationml/2006/main" xmlns:c="http://schemas.openxmlformats.org/drawingml/2006/chart" xmlns:dgm="http://schemas.openxmlformats.org/drawingml/2006/diagram" xmlns:o="urn:schemas-microsoft-com:office:office" xmlns:v="urn:schemas-microsoft-com:vml" xmlns:pvml="urn:schemas-microsoft-com:office:powerpoint" xmlns:com="http://schemas.openxmlformats.org/drawingml/2006/compatibility" xmlns:p14="http://schemas.microsoft.com/office/powerpoint/2010/main" xmlns:p15="http://schemas.microsoft.com/office/powerpoint/2012/main" showMasterPhAnim="0" showMasterSp="0">
-  <p:cSld>
-    <p:spTree>
-      <p:nvGrpSpPr>
-        <p:cNvPr id="330" name="Shape 330"/>
-        <p:cNvGrpSpPr/>
-        <p:nvPr/>
-      </p:nvGrpSpPr>
-      <p:grpSpPr>
-        <a:xfrm>
-          <a:off x="0" y="0"/>
-          <a:ext cx="0" cy="0"/>
-          <a:chOff x="0" y="0"/>
-          <a:chExt cx="0" cy="0"/>
-        </a:xfrm>
-      </p:grpSpPr>
-      <p:sp>
-        <p:nvSpPr>
-          <p:cNvPr id="331" name="Google Shape;331;g4563e4ce49_1_10:notes"/>
-          <p:cNvSpPr/>
-          <p:nvPr>
-            <p:ph idx="2" type="sldImg"/>
-          </p:nvPr>
-        </p:nvSpPr>
-        <p:spPr>
-          <a:xfrm>
-            <a:off x="381300" y="685800"/>
-            <a:ext cx="6096000" cy="3429000"/>
-          </a:xfrm>
-          <a:custGeom>
-            <a:rect b="b" l="l" r="r" t="t"/>
-            <a:pathLst>
-              <a:path extrusionOk="0" h="120000" w="120000">
-                <a:moveTo>
-                  <a:pt x="0" y="0"/>
-                </a:moveTo>
-                <a:lnTo>
-                  <a:pt x="120000" y="0"/>
-                </a:lnTo>
-                <a:lnTo>
-                  <a:pt x="120000" y="120000"/>
-                </a:lnTo>
-                <a:lnTo>
-                  <a:pt x="0" y="120000"/>
-                </a:lnTo>
-                <a:close/>
-              </a:path>
-            </a:pathLst>
-          </a:custGeom>
-        </p:spPr>
-      </p:sp>
-      <p:sp>
-        <p:nvSpPr>
-          <p:cNvPr id="332" name="Google Shape;332;g4563e4ce49_1_10:notes"/>
-          <p:cNvSpPr txBox="1"/>
-          <p:nvPr>
-            <p:ph idx="1" type="body"/>
-          </p:nvPr>
-        </p:nvSpPr>
-        <p:spPr>
-          <a:xfrm>
-            <a:off x="685800" y="4343400"/>
-            <a:ext cx="5486400" cy="4114800"/>
-          </a:xfrm>
-          <a:prstGeom prst="rect">
-            <a:avLst/>
-          </a:prstGeom>
-        </p:spPr>
-        <p:txBody>
-          <a:bodyPr anchorCtr="0" anchor="t" bIns="91425" lIns="91425" spcFirstLastPara="1" rIns="91425" wrap="square" tIns="91425">
-            <a:noAutofit/>
-          </a:bodyPr>
-          <a:lstStyle/>
-          <a:p>
-            <a:pPr indent="0" lvl="0" marL="0" rtl="0" algn="l">
-              <a:spcBef>
-                <a:spcPts val="0"/>
-              </a:spcBef>
-              <a:spcAft>
-                <a:spcPts val="0"/>
-              </a:spcAft>
-              <a:buNone/>
-            </a:pPr>
-            <a:r>
-              <a:t/>
-            </a:r>
-            <a:endParaRPr/>
-          </a:p>
-        </p:txBody>
-      </p:sp>
-    </p:spTree>
-  </p:cSld>
-  <p:clrMapOvr>
-    <a:masterClrMapping/>
-  </p:clrMapOvr>
-</p:notes>
-</file>
-
-<file path=ppt/notesSlides/notesSlide23.xml><?xml version="1.0" encoding="utf-8"?>
-<p:notes xmlns:a="http://schemas.openxmlformats.org/drawingml/2006/main" xmlns:r="http://schemas.openxmlformats.org/officeDocument/2006/relationships" xmlns:mc="http://schemas.openxmlformats.org/markup-compatibility/2006" xmlns:mv="urn:schemas-microsoft-com:mac:vml" xmlns:p="http://schemas.openxmlformats.org/presentationml/2006/main" xmlns:c="http://schemas.openxmlformats.org/drawingml/2006/chart" xmlns:dgm="http://schemas.openxmlformats.org/drawingml/2006/diagram" xmlns:o="urn:schemas-microsoft-com:office:office" xmlns:v="urn:schemas-microsoft-com:vml" xmlns:pvml="urn:schemas-microsoft-com:office:powerpoint" xmlns:com="http://schemas.openxmlformats.org/drawingml/2006/compatibility" xmlns:p14="http://schemas.microsoft.com/office/powerpoint/2010/main" xmlns:p15="http://schemas.microsoft.com/office/powerpoint/2012/main" showMasterPhAnim="0" showMasterSp="0">
-  <p:cSld>
-    <p:spTree>
-      <p:nvGrpSpPr>
-        <p:cNvPr id="337" name="Shape 337"/>
-        <p:cNvGrpSpPr/>
-        <p:nvPr/>
-      </p:nvGrpSpPr>
-      <p:grpSpPr>
-        <a:xfrm>
-          <a:off x="0" y="0"/>
-          <a:ext cx="0" cy="0"/>
-          <a:chOff x="0" y="0"/>
-          <a:chExt cx="0" cy="0"/>
-        </a:xfrm>
-      </p:grpSpPr>
-      <p:sp>
-        <p:nvSpPr>
-          <p:cNvPr id="338" name="Google Shape;338;g4563e4ce49_1_15:notes"/>
-          <p:cNvSpPr/>
-          <p:nvPr>
-            <p:ph idx="2" type="sldImg"/>
-          </p:nvPr>
-        </p:nvSpPr>
-        <p:spPr>
-          <a:xfrm>
-            <a:off x="381300" y="685800"/>
-            <a:ext cx="6096000" cy="3429000"/>
-          </a:xfrm>
-          <a:custGeom>
-            <a:rect b="b" l="l" r="r" t="t"/>
-            <a:pathLst>
-              <a:path extrusionOk="0" h="120000" w="120000">
-                <a:moveTo>
-                  <a:pt x="0" y="0"/>
-                </a:moveTo>
-                <a:lnTo>
-                  <a:pt x="120000" y="0"/>
-                </a:lnTo>
-                <a:lnTo>
-                  <a:pt x="120000" y="120000"/>
-                </a:lnTo>
-                <a:lnTo>
-                  <a:pt x="0" y="120000"/>
-                </a:lnTo>
-                <a:close/>
-              </a:path>
-            </a:pathLst>
-          </a:custGeom>
-        </p:spPr>
-      </p:sp>
-      <p:sp>
-        <p:nvSpPr>
-          <p:cNvPr id="339" name="Google Shape;339;g4563e4ce49_1_15:notes"/>
-          <p:cNvSpPr txBox="1"/>
-          <p:nvPr>
-            <p:ph idx="1" type="body"/>
-          </p:nvPr>
-        </p:nvSpPr>
-        <p:spPr>
-          <a:xfrm>
-            <a:off x="685800" y="4343400"/>
-            <a:ext cx="5486400" cy="4114800"/>
-          </a:xfrm>
-          <a:prstGeom prst="rect">
-            <a:avLst/>
-          </a:prstGeom>
-        </p:spPr>
-        <p:txBody>
-          <a:bodyPr anchorCtr="0" anchor="t" bIns="91425" lIns="91425" spcFirstLastPara="1" rIns="91425" wrap="square" tIns="91425">
-            <a:noAutofit/>
-          </a:bodyPr>
-          <a:lstStyle/>
-          <a:p>
-            <a:pPr indent="0" lvl="0" marL="0" rtl="0" algn="l">
-              <a:spcBef>
-                <a:spcPts val="0"/>
-              </a:spcBef>
-              <a:spcAft>
-                <a:spcPts val="0"/>
-              </a:spcAft>
-              <a:buNone/>
-            </a:pPr>
-            <a:r>
-              <a:t/>
-            </a:r>
-            <a:endParaRPr/>
-          </a:p>
-        </p:txBody>
-      </p:sp>
-    </p:spTree>
-  </p:cSld>
-  <p:clrMapOvr>
-    <a:masterClrMapping/>
-  </p:clrMapOvr>
-</p:notes>
-</file>
-
-<file path=ppt/notesSlides/notesSlide24.xml><?xml version="1.0" encoding="utf-8"?>
-<p:notes xmlns:a="http://schemas.openxmlformats.org/drawingml/2006/main" xmlns:r="http://schemas.openxmlformats.org/officeDocument/2006/relationships" xmlns:mc="http://schemas.openxmlformats.org/markup-compatibility/2006" xmlns:mv="urn:schemas-microsoft-com:mac:vml" xmlns:p="http://schemas.openxmlformats.org/presentationml/2006/main" xmlns:c="http://schemas.openxmlformats.org/drawingml/2006/chart" xmlns:dgm="http://schemas.openxmlformats.org/drawingml/2006/diagram" xmlns:o="urn:schemas-microsoft-com:office:office" xmlns:v="urn:schemas-microsoft-com:vml" xmlns:pvml="urn:schemas-microsoft-com:office:powerpoint" xmlns:com="http://schemas.openxmlformats.org/drawingml/2006/compatibility" xmlns:p14="http://schemas.microsoft.com/office/powerpoint/2010/main" xmlns:p15="http://schemas.microsoft.com/office/powerpoint/2012/main" showMasterPhAnim="0" showMasterSp="0">
-  <p:cSld>
-    <p:spTree>
-      <p:nvGrpSpPr>
-        <p:cNvPr id="344" name="Shape 344"/>
-        <p:cNvGrpSpPr/>
-        <p:nvPr/>
-      </p:nvGrpSpPr>
-      <p:grpSpPr>
-        <a:xfrm>
-          <a:off x="0" y="0"/>
-          <a:ext cx="0" cy="0"/>
-          <a:chOff x="0" y="0"/>
-          <a:chExt cx="0" cy="0"/>
-        </a:xfrm>
-      </p:grpSpPr>
-      <p:sp>
-        <p:nvSpPr>
-          <p:cNvPr id="345" name="Google Shape;345;g4563e4ce49_1_20:notes"/>
-          <p:cNvSpPr/>
-          <p:nvPr>
-            <p:ph idx="2" type="sldImg"/>
-          </p:nvPr>
-        </p:nvSpPr>
-        <p:spPr>
-          <a:xfrm>
-            <a:off x="381300" y="685800"/>
-            <a:ext cx="6096000" cy="3429000"/>
-          </a:xfrm>
-          <a:custGeom>
-            <a:rect b="b" l="l" r="r" t="t"/>
-            <a:pathLst>
-              <a:path extrusionOk="0" h="120000" w="120000">
-                <a:moveTo>
-                  <a:pt x="0" y="0"/>
-                </a:moveTo>
-                <a:lnTo>
-                  <a:pt x="120000" y="0"/>
-                </a:lnTo>
-                <a:lnTo>
-                  <a:pt x="120000" y="120000"/>
-                </a:lnTo>
-                <a:lnTo>
-                  <a:pt x="0" y="120000"/>
-                </a:lnTo>
-                <a:close/>
-              </a:path>
-            </a:pathLst>
-          </a:custGeom>
-        </p:spPr>
-      </p:sp>
-      <p:sp>
-        <p:nvSpPr>
-          <p:cNvPr id="346" name="Google Shape;346;g4563e4ce49_1_20:notes"/>
-          <p:cNvSpPr txBox="1"/>
-          <p:nvPr>
-            <p:ph idx="1" type="body"/>
-          </p:nvPr>
-        </p:nvSpPr>
-        <p:spPr>
-          <a:xfrm>
-            <a:off x="685800" y="4343400"/>
-            <a:ext cx="5486400" cy="4114800"/>
-          </a:xfrm>
-          <a:prstGeom prst="rect">
-            <a:avLst/>
-          </a:prstGeom>
-        </p:spPr>
-        <p:txBody>
-          <a:bodyPr anchorCtr="0" anchor="t" bIns="91425" lIns="91425" spcFirstLastPara="1" rIns="91425" wrap="square" tIns="91425">
-            <a:noAutofit/>
-          </a:bodyPr>
-          <a:lstStyle/>
-          <a:p>
-            <a:pPr indent="0" lvl="0" marL="0" rtl="0" algn="l">
-              <a:spcBef>
-                <a:spcPts val="0"/>
-              </a:spcBef>
-              <a:spcAft>
-                <a:spcPts val="0"/>
-              </a:spcAft>
-              <a:buNone/>
-            </a:pPr>
-            <a:r>
-              <a:t/>
-            </a:r>
-            <a:endParaRPr/>
-          </a:p>
-        </p:txBody>
-      </p:sp>
-    </p:spTree>
-  </p:cSld>
-  <p:clrMapOvr>
-    <a:masterClrMapping/>
-  </p:clrMapOvr>
-</p:notes>
-</file>
-
-<file path=ppt/notesSlides/notesSlide25.xml><?xml version="1.0" encoding="utf-8"?>
-<p:notes xmlns:a="http://schemas.openxmlformats.org/drawingml/2006/main" xmlns:r="http://schemas.openxmlformats.org/officeDocument/2006/relationships" xmlns:mc="http://schemas.openxmlformats.org/markup-compatibility/2006" xmlns:mv="urn:schemas-microsoft-com:mac:vml" xmlns:p="http://schemas.openxmlformats.org/presentationml/2006/main" xmlns:c="http://schemas.openxmlformats.org/drawingml/2006/chart" xmlns:dgm="http://schemas.openxmlformats.org/drawingml/2006/diagram" xmlns:o="urn:schemas-microsoft-com:office:office" xmlns:v="urn:schemas-microsoft-com:vml" xmlns:pvml="urn:schemas-microsoft-com:office:powerpoint" xmlns:com="http://schemas.openxmlformats.org/drawingml/2006/compatibility" xmlns:p14="http://schemas.microsoft.com/office/powerpoint/2010/main" xmlns:p15="http://schemas.microsoft.com/office/powerpoint/2012/main" showMasterPhAnim="0" showMasterSp="0">
-  <p:cSld>
-    <p:spTree>
-      <p:nvGrpSpPr>
-        <p:cNvPr id="350" name="Shape 350"/>
-        <p:cNvGrpSpPr/>
-        <p:nvPr/>
-      </p:nvGrpSpPr>
-      <p:grpSpPr>
-        <a:xfrm>
-          <a:off x="0" y="0"/>
-          <a:ext cx="0" cy="0"/>
-          <a:chOff x="0" y="0"/>
-          <a:chExt cx="0" cy="0"/>
-        </a:xfrm>
-      </p:grpSpPr>
-      <p:sp>
-        <p:nvSpPr>
-          <p:cNvPr id="351" name="Google Shape;351;g4563e4ce49_1_35:notes"/>
-          <p:cNvSpPr/>
-          <p:nvPr>
-            <p:ph idx="2" type="sldImg"/>
-          </p:nvPr>
-        </p:nvSpPr>
-        <p:spPr>
-          <a:xfrm>
-            <a:off x="381300" y="685800"/>
-            <a:ext cx="6096000" cy="3429000"/>
-          </a:xfrm>
-          <a:custGeom>
-            <a:rect b="b" l="l" r="r" t="t"/>
-            <a:pathLst>
-              <a:path extrusionOk="0" h="120000" w="120000">
-                <a:moveTo>
-                  <a:pt x="0" y="0"/>
-                </a:moveTo>
-                <a:lnTo>
-                  <a:pt x="120000" y="0"/>
-                </a:lnTo>
-                <a:lnTo>
-                  <a:pt x="120000" y="120000"/>
-                </a:lnTo>
-                <a:lnTo>
-                  <a:pt x="0" y="120000"/>
-                </a:lnTo>
-                <a:close/>
-              </a:path>
-            </a:pathLst>
-          </a:custGeom>
-        </p:spPr>
-      </p:sp>
-      <p:sp>
-        <p:nvSpPr>
-          <p:cNvPr id="352" name="Google Shape;352;g4563e4ce49_1_35:notes"/>
-          <p:cNvSpPr txBox="1"/>
-          <p:nvPr>
-            <p:ph idx="1" type="body"/>
-          </p:nvPr>
-        </p:nvSpPr>
-        <p:spPr>
-          <a:xfrm>
-            <a:off x="685800" y="4343400"/>
-            <a:ext cx="5486400" cy="4114800"/>
-          </a:xfrm>
-          <a:prstGeom prst="rect">
-            <a:avLst/>
-          </a:prstGeom>
-        </p:spPr>
-        <p:txBody>
-          <a:bodyPr anchorCtr="0" anchor="t" bIns="91425" lIns="91425" spcFirstLastPara="1" rIns="91425" wrap="square" tIns="91425">
-            <a:noAutofit/>
-          </a:bodyPr>
-          <a:lstStyle/>
-          <a:p>
-            <a:pPr indent="0" lvl="0" marL="0" rtl="0" algn="l">
-              <a:spcBef>
-                <a:spcPts val="0"/>
-              </a:spcBef>
-              <a:spcAft>
-                <a:spcPts val="0"/>
-              </a:spcAft>
-              <a:buNone/>
-            </a:pPr>
-            <a:r>
-              <a:t/>
-            </a:r>
-            <a:endParaRPr/>
-          </a:p>
-        </p:txBody>
-      </p:sp>
-    </p:spTree>
-  </p:cSld>
-  <p:clrMapOvr>
-    <a:masterClrMapping/>
-  </p:clrMapOvr>
-</p:notes>
-</file>
-
-<file path=ppt/notesSlides/notesSlide26.xml><?xml version="1.0" encoding="utf-8"?>
-<p:notes xmlns:a="http://schemas.openxmlformats.org/drawingml/2006/main" xmlns:r="http://schemas.openxmlformats.org/officeDocument/2006/relationships" xmlns:mc="http://schemas.openxmlformats.org/markup-compatibility/2006" xmlns:mv="urn:schemas-microsoft-com:mac:vml" xmlns:p="http://schemas.openxmlformats.org/presentationml/2006/main" xmlns:c="http://schemas.openxmlformats.org/drawingml/2006/chart" xmlns:dgm="http://schemas.openxmlformats.org/drawingml/2006/diagram" xmlns:o="urn:schemas-microsoft-com:office:office" xmlns:v="urn:schemas-microsoft-com:vml" xmlns:pvml="urn:schemas-microsoft-com:office:powerpoint" xmlns:com="http://schemas.openxmlformats.org/drawingml/2006/compatibility" xmlns:p14="http://schemas.microsoft.com/office/powerpoint/2010/main" xmlns:p15="http://schemas.microsoft.com/office/powerpoint/2012/main" showMasterPhAnim="0" showMasterSp="0">
-  <p:cSld>
-    <p:spTree>
-      <p:nvGrpSpPr>
-        <p:cNvPr id="356" name="Shape 356"/>
-        <p:cNvGrpSpPr/>
-        <p:nvPr/>
-      </p:nvGrpSpPr>
-      <p:grpSpPr>
-        <a:xfrm>
-          <a:off x="0" y="0"/>
-          <a:ext cx="0" cy="0"/>
-          <a:chOff x="0" y="0"/>
-          <a:chExt cx="0" cy="0"/>
-        </a:xfrm>
-      </p:grpSpPr>
-      <p:sp>
-        <p:nvSpPr>
-          <p:cNvPr id="357" name="Google Shape;357;g467b6db7c0_0_0:notes"/>
-          <p:cNvSpPr/>
-          <p:nvPr>
-            <p:ph idx="2" type="sldImg"/>
-          </p:nvPr>
-        </p:nvSpPr>
-        <p:spPr>
-          <a:xfrm>
-            <a:off x="381300" y="685800"/>
-            <a:ext cx="6096000" cy="3429000"/>
-          </a:xfrm>
-          <a:custGeom>
-            <a:rect b="b" l="l" r="r" t="t"/>
-            <a:pathLst>
-              <a:path extrusionOk="0" h="120000" w="120000">
-                <a:moveTo>
-                  <a:pt x="0" y="0"/>
-                </a:moveTo>
-                <a:lnTo>
-                  <a:pt x="120000" y="0"/>
-                </a:lnTo>
-                <a:lnTo>
-                  <a:pt x="120000" y="120000"/>
-                </a:lnTo>
-                <a:lnTo>
-                  <a:pt x="0" y="120000"/>
-                </a:lnTo>
-                <a:close/>
-              </a:path>
-            </a:pathLst>
-          </a:custGeom>
-        </p:spPr>
-      </p:sp>
-      <p:sp>
-        <p:nvSpPr>
-          <p:cNvPr id="358" name="Google Shape;358;g467b6db7c0_0_0:notes"/>
-          <p:cNvSpPr txBox="1"/>
-          <p:nvPr>
-            <p:ph idx="1" type="body"/>
-          </p:nvPr>
-        </p:nvSpPr>
-        <p:spPr>
-          <a:xfrm>
-            <a:off x="685800" y="4343400"/>
-            <a:ext cx="5486400" cy="4114800"/>
-          </a:xfrm>
-          <a:prstGeom prst="rect">
-            <a:avLst/>
-          </a:prstGeom>
-        </p:spPr>
-        <p:txBody>
-          <a:bodyPr anchorCtr="0" anchor="t" bIns="91425" lIns="91425" spcFirstLastPara="1" rIns="91425" wrap="square" tIns="91425">
-            <a:noAutofit/>
-          </a:bodyPr>
-          <a:lstStyle/>
-          <a:p>
-            <a:pPr indent="0" lvl="0" marL="0" rtl="0" algn="l">
-              <a:spcBef>
-                <a:spcPts val="0"/>
-              </a:spcBef>
-              <a:spcAft>
-                <a:spcPts val="0"/>
-              </a:spcAft>
-              <a:buNone/>
-            </a:pPr>
-            <a:r>
-              <a:t/>
-            </a:r>
-            <a:endParaRPr/>
-          </a:p>
-        </p:txBody>
-      </p:sp>
-    </p:spTree>
-  </p:cSld>
-  <p:clrMapOvr>
-    <a:masterClrMapping/>
-  </p:clrMapOvr>
-</p:notes>
-</file>
-
-<file path=ppt/notesSlides/notesSlide27.xml><?xml version="1.0" encoding="utf-8"?>
-<p:notes xmlns:a="http://schemas.openxmlformats.org/drawingml/2006/main" xmlns:r="http://schemas.openxmlformats.org/officeDocument/2006/relationships" xmlns:mc="http://schemas.openxmlformats.org/markup-compatibility/2006" xmlns:mv="urn:schemas-microsoft-com:mac:vml" xmlns:p="http://schemas.openxmlformats.org/presentationml/2006/main" xmlns:c="http://schemas.openxmlformats.org/drawingml/2006/chart" xmlns:dgm="http://schemas.openxmlformats.org/drawingml/2006/diagram" xmlns:o="urn:schemas-microsoft-com:office:office" xmlns:v="urn:schemas-microsoft-com:vml" xmlns:pvml="urn:schemas-microsoft-com:office:powerpoint" xmlns:com="http://schemas.openxmlformats.org/drawingml/2006/compatibility" xmlns:p14="http://schemas.microsoft.com/office/powerpoint/2010/main" xmlns:p15="http://schemas.microsoft.com/office/powerpoint/2012/main" showMasterPhAnim="0" showMasterSp="0">
-  <p:cSld>
-    <p:spTree>
-      <p:nvGrpSpPr>
-        <p:cNvPr id="363" name="Shape 363"/>
-        <p:cNvGrpSpPr/>
-        <p:nvPr/>
-      </p:nvGrpSpPr>
-      <p:grpSpPr>
-        <a:xfrm>
-          <a:off x="0" y="0"/>
-          <a:ext cx="0" cy="0"/>
-          <a:chOff x="0" y="0"/>
-          <a:chExt cx="0" cy="0"/>
-        </a:xfrm>
-      </p:grpSpPr>
-      <p:sp>
-        <p:nvSpPr>
-          <p:cNvPr id="364" name="Google Shape;364;g4563e4ce49_1_0:notes"/>
-          <p:cNvSpPr/>
-          <p:nvPr>
-            <p:ph idx="2" type="sldImg"/>
-          </p:nvPr>
-        </p:nvSpPr>
-        <p:spPr>
-          <a:xfrm>
-            <a:off x="381300" y="685800"/>
-            <a:ext cx="6096000" cy="3429000"/>
-          </a:xfrm>
-          <a:custGeom>
-            <a:rect b="b" l="l" r="r" t="t"/>
-            <a:pathLst>
-              <a:path extrusionOk="0" h="120000" w="120000">
-                <a:moveTo>
-                  <a:pt x="0" y="0"/>
-                </a:moveTo>
-                <a:lnTo>
-                  <a:pt x="120000" y="0"/>
-                </a:lnTo>
-                <a:lnTo>
-                  <a:pt x="120000" y="120000"/>
-                </a:lnTo>
-                <a:lnTo>
-                  <a:pt x="0" y="120000"/>
-                </a:lnTo>
-                <a:close/>
-              </a:path>
-            </a:pathLst>
-          </a:custGeom>
-        </p:spPr>
-      </p:sp>
-      <p:sp>
-        <p:nvSpPr>
-          <p:cNvPr id="365" name="Google Shape;365;g4563e4ce49_1_0:notes"/>
-          <p:cNvSpPr txBox="1"/>
-          <p:nvPr>
-            <p:ph idx="1" type="body"/>
-          </p:nvPr>
-        </p:nvSpPr>
-        <p:spPr>
-          <a:xfrm>
-            <a:off x="685800" y="4343400"/>
-            <a:ext cx="5486400" cy="4114800"/>
-          </a:xfrm>
-          <a:prstGeom prst="rect">
-            <a:avLst/>
-          </a:prstGeom>
-        </p:spPr>
-        <p:txBody>
-          <a:bodyPr anchorCtr="0" anchor="t" bIns="91425" lIns="91425" spcFirstLastPara="1" rIns="91425" wrap="square" tIns="91425">
-            <a:noAutofit/>
-          </a:bodyPr>
-          <a:lstStyle/>
-          <a:p>
-            <a:pPr indent="0" lvl="0" marL="0" rtl="0" algn="l">
-              <a:spcBef>
-                <a:spcPts val="0"/>
-              </a:spcBef>
-              <a:spcAft>
-                <a:spcPts val="0"/>
-              </a:spcAft>
-              <a:buNone/>
-            </a:pPr>
-            <a:r>
-              <a:t/>
-            </a:r>
-            <a:endParaRPr/>
-          </a:p>
-        </p:txBody>
-      </p:sp>
-    </p:spTree>
-  </p:cSld>
-  <p:clrMapOvr>
-    <a:masterClrMapping/>
-  </p:clrMapOvr>
-</p:notes>
-</file>
-
-<file path=ppt/notesSlides/notesSlide28.xml><?xml version="1.0" encoding="utf-8"?>
-<p:notes xmlns:a="http://schemas.openxmlformats.org/drawingml/2006/main" xmlns:r="http://schemas.openxmlformats.org/officeDocument/2006/relationships" xmlns:mc="http://schemas.openxmlformats.org/markup-compatibility/2006" xmlns:mv="urn:schemas-microsoft-com:mac:vml" xmlns:p="http://schemas.openxmlformats.org/presentationml/2006/main" xmlns:c="http://schemas.openxmlformats.org/drawingml/2006/chart" xmlns:dgm="http://schemas.openxmlformats.org/drawingml/2006/diagram" xmlns:o="urn:schemas-microsoft-com:office:office" xmlns:v="urn:schemas-microsoft-com:vml" xmlns:pvml="urn:schemas-microsoft-com:office:powerpoint" xmlns:com="http://schemas.openxmlformats.org/drawingml/2006/compatibility" xmlns:p14="http://schemas.microsoft.com/office/powerpoint/2010/main" xmlns:p15="http://schemas.microsoft.com/office/powerpoint/2012/main" showMasterPhAnim="0" showMasterSp="0">
-  <p:cSld>
-    <p:spTree>
-      <p:nvGrpSpPr>
-        <p:cNvPr id="374" name="Shape 374"/>
-        <p:cNvGrpSpPr/>
-        <p:nvPr/>
-      </p:nvGrpSpPr>
-      <p:grpSpPr>
-        <a:xfrm>
-          <a:off x="0" y="0"/>
-          <a:ext cx="0" cy="0"/>
-          <a:chOff x="0" y="0"/>
-          <a:chExt cx="0" cy="0"/>
-        </a:xfrm>
-      </p:grpSpPr>
-      <p:sp>
-        <p:nvSpPr>
-          <p:cNvPr id="375" name="Google Shape;375;g4499e2c750_0_39:notes"/>
-          <p:cNvSpPr/>
-          <p:nvPr>
-            <p:ph idx="2" type="sldImg"/>
-          </p:nvPr>
-        </p:nvSpPr>
-        <p:spPr>
-          <a:xfrm>
-            <a:off x="381300" y="685800"/>
-            <a:ext cx="6096000" cy="3429000"/>
-          </a:xfrm>
-          <a:custGeom>
-            <a:rect b="b" l="l" r="r" t="t"/>
-            <a:pathLst>
-              <a:path extrusionOk="0" h="120000" w="120000">
-                <a:moveTo>
-                  <a:pt x="0" y="0"/>
-                </a:moveTo>
-                <a:lnTo>
-                  <a:pt x="120000" y="0"/>
-                </a:lnTo>
-                <a:lnTo>
-                  <a:pt x="120000" y="120000"/>
-                </a:lnTo>
-                <a:lnTo>
-                  <a:pt x="0" y="120000"/>
-                </a:lnTo>
-                <a:close/>
-              </a:path>
-            </a:pathLst>
-          </a:custGeom>
-        </p:spPr>
-      </p:sp>
-      <p:sp>
-        <p:nvSpPr>
-          <p:cNvPr id="376" name="Google Shape;376;g4499e2c750_0_39:notes"/>
-          <p:cNvSpPr txBox="1"/>
-          <p:nvPr>
-            <p:ph idx="1" type="body"/>
-          </p:nvPr>
-        </p:nvSpPr>
-        <p:spPr>
-          <a:xfrm>
-            <a:off x="685800" y="4343400"/>
-            <a:ext cx="5486400" cy="4114800"/>
-          </a:xfrm>
-          <a:prstGeom prst="rect">
-            <a:avLst/>
-          </a:prstGeom>
-        </p:spPr>
-        <p:txBody>
-          <a:bodyPr anchorCtr="0" anchor="t" bIns="91425" lIns="91425" spcFirstLastPara="1" rIns="91425" wrap="square" tIns="91425">
-            <a:noAutofit/>
-          </a:bodyPr>
-          <a:lstStyle/>
-          <a:p>
-            <a:pPr indent="0" lvl="0" marL="0" rtl="0" algn="l">
-              <a:spcBef>
-                <a:spcPts val="0"/>
-              </a:spcBef>
-              <a:spcAft>
-                <a:spcPts val="0"/>
-              </a:spcAft>
-              <a:buNone/>
-            </a:pPr>
-            <a:r>
-              <a:t/>
-            </a:r>
-            <a:endParaRPr/>
-          </a:p>
-        </p:txBody>
-      </p:sp>
-    </p:spTree>
-  </p:cSld>
-  <p:clrMapOvr>
-    <a:masterClrMapping/>
-  </p:clrMapOvr>
-</p:notes>
-</file>
-
-<file path=ppt/notesSlides/notesSlide29.xml><?xml version="1.0" encoding="utf-8"?>
-<p:notes xmlns:a="http://schemas.openxmlformats.org/drawingml/2006/main" xmlns:r="http://schemas.openxmlformats.org/officeDocument/2006/relationships" xmlns:mc="http://schemas.openxmlformats.org/markup-compatibility/2006" xmlns:mv="urn:schemas-microsoft-com:mac:vml" xmlns:p="http://schemas.openxmlformats.org/presentationml/2006/main" xmlns:c="http://schemas.openxmlformats.org/drawingml/2006/chart" xmlns:dgm="http://schemas.openxmlformats.org/drawingml/2006/diagram" xmlns:o="urn:schemas-microsoft-com:office:office" xmlns:v="urn:schemas-microsoft-com:vml" xmlns:pvml="urn:schemas-microsoft-com:office:powerpoint" xmlns:com="http://schemas.openxmlformats.org/drawingml/2006/compatibility" xmlns:p14="http://schemas.microsoft.com/office/powerpoint/2010/main" xmlns:p15="http://schemas.microsoft.com/office/powerpoint/2012/main" showMasterPhAnim="0" showMasterSp="0">
-  <p:cSld>
-    <p:spTree>
-      <p:nvGrpSpPr>
-        <p:cNvPr id="380" name="Shape 380"/>
-        <p:cNvGrpSpPr/>
-        <p:nvPr/>
-      </p:nvGrpSpPr>
-      <p:grpSpPr>
-        <a:xfrm>
-          <a:off x="0" y="0"/>
-          <a:ext cx="0" cy="0"/>
-          <a:chOff x="0" y="0"/>
-          <a:chExt cx="0" cy="0"/>
-        </a:xfrm>
-      </p:grpSpPr>
-      <p:sp>
-        <p:nvSpPr>
-          <p:cNvPr id="381" name="Google Shape;381;g4499e2c750_0_216:notes"/>
-          <p:cNvSpPr/>
-          <p:nvPr>
-            <p:ph idx="2" type="sldImg"/>
-          </p:nvPr>
-        </p:nvSpPr>
-        <p:spPr>
-          <a:xfrm>
-            <a:off x="381300" y="685800"/>
-            <a:ext cx="6096000" cy="3429000"/>
-          </a:xfrm>
-          <a:custGeom>
-            <a:rect b="b" l="l" r="r" t="t"/>
-            <a:pathLst>
-              <a:path extrusionOk="0" h="120000" w="120000">
-                <a:moveTo>
-                  <a:pt x="0" y="0"/>
-                </a:moveTo>
-                <a:lnTo>
-                  <a:pt x="120000" y="0"/>
-                </a:lnTo>
-                <a:lnTo>
-                  <a:pt x="120000" y="120000"/>
-                </a:lnTo>
-                <a:lnTo>
-                  <a:pt x="0" y="120000"/>
-                </a:lnTo>
-                <a:close/>
-              </a:path>
-            </a:pathLst>
-          </a:custGeom>
-        </p:spPr>
-      </p:sp>
-      <p:sp>
-        <p:nvSpPr>
-          <p:cNvPr id="382" name="Google Shape;382;g4499e2c750_0_216:notes"/>
-          <p:cNvSpPr txBox="1"/>
-          <p:nvPr>
-            <p:ph idx="1" type="body"/>
-          </p:nvPr>
-        </p:nvSpPr>
-        <p:spPr>
-          <a:xfrm>
-            <a:off x="685800" y="4343400"/>
-            <a:ext cx="5486400" cy="4114800"/>
-          </a:xfrm>
-          <a:prstGeom prst="rect">
-            <a:avLst/>
-          </a:prstGeom>
-        </p:spPr>
-        <p:txBody>
-          <a:bodyPr anchorCtr="0" anchor="t" bIns="91425" lIns="91425" spcFirstLastPara="1" rIns="91425" wrap="square" tIns="91425">
-            <a:noAutofit/>
-          </a:bodyPr>
-          <a:lstStyle/>
-          <a:p>
-            <a:pPr indent="0" lvl="0" marL="0" rtl="0" algn="l">
-              <a:spcBef>
-                <a:spcPts val="0"/>
-              </a:spcBef>
-              <a:spcAft>
-                <a:spcPts val="0"/>
-              </a:spcAft>
-              <a:buNone/>
-            </a:pPr>
-            <a:r>
-              <a:t/>
-            </a:r>
-            <a:endParaRPr/>
-          </a:p>
-        </p:txBody>
-      </p:sp>
-    </p:spTree>
-  </p:cSld>
-  <p:clrMapOvr>
-    <a:masterClrMapping/>
-  </p:clrMapOvr>
-</p:notes>
-</file>
-
-<file path=ppt/notesSlides/notesSlide3.xml><?xml version="1.0" encoding="utf-8"?>
-<p:notes xmlns:a="http://schemas.openxmlformats.org/drawingml/2006/main" xmlns:r="http://schemas.openxmlformats.org/officeDocument/2006/relationships" xmlns:mc="http://schemas.openxmlformats.org/markup-compatibility/2006" xmlns:mv="urn:schemas-microsoft-com:mac:vml" xmlns:p="http://schemas.openxmlformats.org/presentationml/2006/main" xmlns:c="http://schemas.openxmlformats.org/drawingml/2006/chart" xmlns:dgm="http://schemas.openxmlformats.org/drawingml/2006/diagram" xmlns:o="urn:schemas-microsoft-com:office:office" xmlns:v="urn:schemas-microsoft-com:vml" xmlns:pvml="urn:schemas-microsoft-com:office:powerpoint" xmlns:com="http://schemas.openxmlformats.org/drawingml/2006/compatibility" xmlns:p14="http://schemas.microsoft.com/office/powerpoint/2010/main" xmlns:p15="http://schemas.microsoft.com/office/powerpoint/2012/main" showMasterPhAnim="0" showMasterSp="0">
-  <p:cSld>
-    <p:spTree>
-      <p:nvGrpSpPr>
-        <p:cNvPr id="184" name="Shape 184"/>
-        <p:cNvGrpSpPr/>
-        <p:nvPr/>
-      </p:nvGrpSpPr>
-      <p:grpSpPr>
-        <a:xfrm>
-          <a:off x="0" y="0"/>
-          <a:ext cx="0" cy="0"/>
-          <a:chOff x="0" y="0"/>
-          <a:chExt cx="0" cy="0"/>
-        </a:xfrm>
-      </p:grpSpPr>
-      <p:sp>
-        <p:nvSpPr>
-          <p:cNvPr id="185" name="Google Shape;185;g4499e2c750_0_99:notes"/>
-          <p:cNvSpPr/>
-          <p:nvPr>
-            <p:ph idx="2" type="sldImg"/>
-          </p:nvPr>
-        </p:nvSpPr>
-        <p:spPr>
-          <a:xfrm>
-            <a:off x="381300" y="685800"/>
-            <a:ext cx="6096000" cy="3429000"/>
-          </a:xfrm>
-          <a:custGeom>
-            <a:rect b="b" l="l" r="r" t="t"/>
-            <a:pathLst>
-              <a:path extrusionOk="0" h="120000" w="120000">
-                <a:moveTo>
-                  <a:pt x="0" y="0"/>
-                </a:moveTo>
-                <a:lnTo>
-                  <a:pt x="120000" y="0"/>
-                </a:lnTo>
-                <a:lnTo>
-                  <a:pt x="120000" y="120000"/>
-                </a:lnTo>
-                <a:lnTo>
-                  <a:pt x="0" y="120000"/>
-                </a:lnTo>
-                <a:close/>
-              </a:path>
-            </a:pathLst>
-          </a:custGeom>
-        </p:spPr>
-      </p:sp>
-      <p:sp>
-        <p:nvSpPr>
-          <p:cNvPr id="186" name="Google Shape;186;g4499e2c750_0_99:notes"/>
-          <p:cNvSpPr txBox="1"/>
-          <p:nvPr>
-            <p:ph idx="1" type="body"/>
-          </p:nvPr>
-        </p:nvSpPr>
-        <p:spPr>
-          <a:xfrm>
-            <a:off x="685800" y="4343400"/>
-            <a:ext cx="5486400" cy="4114800"/>
-          </a:xfrm>
-          <a:prstGeom prst="rect">
-            <a:avLst/>
-          </a:prstGeom>
-        </p:spPr>
-        <p:txBody>
-          <a:bodyPr anchorCtr="0" anchor="t" bIns="91425" lIns="91425" spcFirstLastPara="1" rIns="91425" wrap="square" tIns="91425">
-            <a:noAutofit/>
-          </a:bodyPr>
-          <a:lstStyle/>
-          <a:p>
-            <a:pPr indent="0" lvl="0" marL="0" rtl="0" algn="l">
-              <a:spcBef>
-                <a:spcPts val="0"/>
-              </a:spcBef>
-              <a:spcAft>
-                <a:spcPts val="0"/>
-              </a:spcAft>
-              <a:buNone/>
-            </a:pPr>
-            <a:r>
-              <a:t/>
-            </a:r>
-            <a:endParaRPr/>
-          </a:p>
-        </p:txBody>
-      </p:sp>
-    </p:spTree>
-  </p:cSld>
-  <p:clrMapOvr>
-    <a:masterClrMapping/>
-  </p:clrMapOvr>
-</p:notes>
-</file>
-
-<file path=ppt/notesSlides/notesSlide30.xml><?xml version="1.0" encoding="utf-8"?>
-<p:notes xmlns:a="http://schemas.openxmlformats.org/drawingml/2006/main" xmlns:r="http://schemas.openxmlformats.org/officeDocument/2006/relationships" xmlns:mc="http://schemas.openxmlformats.org/markup-compatibility/2006" xmlns:mv="urn:schemas-microsoft-com:mac:vml" xmlns:p="http://schemas.openxmlformats.org/presentationml/2006/main" xmlns:c="http://schemas.openxmlformats.org/drawingml/2006/chart" xmlns:dgm="http://schemas.openxmlformats.org/drawingml/2006/diagram" xmlns:o="urn:schemas-microsoft-com:office:office" xmlns:v="urn:schemas-microsoft-com:vml" xmlns:pvml="urn:schemas-microsoft-com:office:powerpoint" xmlns:com="http://schemas.openxmlformats.org/drawingml/2006/compatibility" xmlns:p14="http://schemas.microsoft.com/office/powerpoint/2010/main" xmlns:p15="http://schemas.microsoft.com/office/powerpoint/2012/main" showMasterPhAnim="0" showMasterSp="0">
-  <p:cSld>
-    <p:spTree>
-      <p:nvGrpSpPr>
-        <p:cNvPr id="385" name="Shape 385"/>
-        <p:cNvGrpSpPr/>
-        <p:nvPr/>
-      </p:nvGrpSpPr>
-      <p:grpSpPr>
-        <a:xfrm>
-          <a:off x="0" y="0"/>
-          <a:ext cx="0" cy="0"/>
-          <a:chOff x="0" y="0"/>
-          <a:chExt cx="0" cy="0"/>
-        </a:xfrm>
-      </p:grpSpPr>
-      <p:sp>
-        <p:nvSpPr>
-          <p:cNvPr id="386" name="Google Shape;386;g467b6db7c0_0_10:notes"/>
-          <p:cNvSpPr/>
-          <p:nvPr>
-            <p:ph idx="2" type="sldImg"/>
-          </p:nvPr>
-        </p:nvSpPr>
-        <p:spPr>
-          <a:xfrm>
-            <a:off x="381300" y="685800"/>
-            <a:ext cx="6096000" cy="3429000"/>
-          </a:xfrm>
-          <a:custGeom>
-            <a:rect b="b" l="l" r="r" t="t"/>
-            <a:pathLst>
-              <a:path extrusionOk="0" h="120000" w="120000">
-                <a:moveTo>
-                  <a:pt x="0" y="0"/>
-                </a:moveTo>
-                <a:lnTo>
-                  <a:pt x="120000" y="0"/>
-                </a:lnTo>
-                <a:lnTo>
-                  <a:pt x="120000" y="120000"/>
-                </a:lnTo>
-                <a:lnTo>
-                  <a:pt x="0" y="120000"/>
-                </a:lnTo>
-                <a:close/>
-              </a:path>
-            </a:pathLst>
-          </a:custGeom>
-        </p:spPr>
-      </p:sp>
-      <p:sp>
-        <p:nvSpPr>
-          <p:cNvPr id="387" name="Google Shape;387;g467b6db7c0_0_10:notes"/>
-          <p:cNvSpPr txBox="1"/>
-          <p:nvPr>
-            <p:ph idx="1" type="body"/>
-          </p:nvPr>
-        </p:nvSpPr>
-        <p:spPr>
-          <a:xfrm>
-            <a:off x="685800" y="4343400"/>
-            <a:ext cx="5486400" cy="4114800"/>
-          </a:xfrm>
-          <a:prstGeom prst="rect">
-            <a:avLst/>
-          </a:prstGeom>
-        </p:spPr>
-        <p:txBody>
-          <a:bodyPr anchorCtr="0" anchor="t" bIns="91425" lIns="91425" spcFirstLastPara="1" rIns="91425" wrap="square" tIns="91425">
-            <a:noAutofit/>
-          </a:bodyPr>
-          <a:lstStyle/>
-          <a:p>
-            <a:pPr indent="0" lvl="0" marL="0" rtl="0" algn="l">
-              <a:spcBef>
-                <a:spcPts val="0"/>
-              </a:spcBef>
-              <a:spcAft>
-                <a:spcPts val="0"/>
-              </a:spcAft>
-              <a:buNone/>
-            </a:pPr>
-            <a:r>
-              <a:t/>
-            </a:r>
-            <a:endParaRPr/>
-          </a:p>
-        </p:txBody>
-      </p:sp>
-    </p:spTree>
-  </p:cSld>
-  <p:clrMapOvr>
-    <a:masterClrMapping/>
-  </p:clrMapOvr>
-</p:notes>
-</file>
-
-<file path=ppt/notesSlides/notesSlide31.xml><?xml version="1.0" encoding="utf-8"?>
-<p:notes xmlns:a="http://schemas.openxmlformats.org/drawingml/2006/main" xmlns:r="http://schemas.openxmlformats.org/officeDocument/2006/relationships" xmlns:mc="http://schemas.openxmlformats.org/markup-compatibility/2006" xmlns:mv="urn:schemas-microsoft-com:mac:vml" xmlns:p="http://schemas.openxmlformats.org/presentationml/2006/main" xmlns:c="http://schemas.openxmlformats.org/drawingml/2006/chart" xmlns:dgm="http://schemas.openxmlformats.org/drawingml/2006/diagram" xmlns:o="urn:schemas-microsoft-com:office:office" xmlns:v="urn:schemas-microsoft-com:vml" xmlns:pvml="urn:schemas-microsoft-com:office:powerpoint" xmlns:com="http://schemas.openxmlformats.org/drawingml/2006/compatibility" xmlns:p14="http://schemas.microsoft.com/office/powerpoint/2010/main" xmlns:p15="http://schemas.microsoft.com/office/powerpoint/2012/main" showMasterPhAnim="0" showMasterSp="0">
-  <p:cSld>
-    <p:spTree>
-      <p:nvGrpSpPr>
-        <p:cNvPr id="392" name="Shape 392"/>
-        <p:cNvGrpSpPr/>
-        <p:nvPr/>
-      </p:nvGrpSpPr>
-      <p:grpSpPr>
-        <a:xfrm>
-          <a:off x="0" y="0"/>
-          <a:ext cx="0" cy="0"/>
-          <a:chOff x="0" y="0"/>
-          <a:chExt cx="0" cy="0"/>
-        </a:xfrm>
-      </p:grpSpPr>
-      <p:sp>
-        <p:nvSpPr>
-          <p:cNvPr id="393" name="Google Shape;393;g467b6db7c0_0_15:notes"/>
-          <p:cNvSpPr/>
-          <p:nvPr>
-            <p:ph idx="2" type="sldImg"/>
-          </p:nvPr>
-        </p:nvSpPr>
-        <p:spPr>
-          <a:xfrm>
-            <a:off x="381300" y="685800"/>
-            <a:ext cx="6096000" cy="3429000"/>
-          </a:xfrm>
-          <a:custGeom>
-            <a:rect b="b" l="l" r="r" t="t"/>
-            <a:pathLst>
-              <a:path extrusionOk="0" h="120000" w="120000">
-                <a:moveTo>
-                  <a:pt x="0" y="0"/>
-                </a:moveTo>
-                <a:lnTo>
-                  <a:pt x="120000" y="0"/>
-                </a:lnTo>
-                <a:lnTo>
-                  <a:pt x="120000" y="120000"/>
-                </a:lnTo>
-                <a:lnTo>
-                  <a:pt x="0" y="120000"/>
-                </a:lnTo>
-                <a:close/>
-              </a:path>
-            </a:pathLst>
-          </a:custGeom>
-        </p:spPr>
-      </p:sp>
-      <p:sp>
-        <p:nvSpPr>
-          <p:cNvPr id="394" name="Google Shape;394;g467b6db7c0_0_15:notes"/>
-          <p:cNvSpPr txBox="1"/>
-          <p:nvPr>
-            <p:ph idx="1" type="body"/>
-          </p:nvPr>
-        </p:nvSpPr>
-        <p:spPr>
-          <a:xfrm>
-            <a:off x="685800" y="4343400"/>
-            <a:ext cx="5486400" cy="4114800"/>
-          </a:xfrm>
-          <a:prstGeom prst="rect">
-            <a:avLst/>
-          </a:prstGeom>
-        </p:spPr>
-        <p:txBody>
-          <a:bodyPr anchorCtr="0" anchor="t" bIns="91425" lIns="91425" spcFirstLastPara="1" rIns="91425" wrap="square" tIns="91425">
-            <a:noAutofit/>
-          </a:bodyPr>
-          <a:lstStyle/>
-          <a:p>
-            <a:pPr indent="0" lvl="0" marL="0" rtl="0" algn="l">
-              <a:spcBef>
-                <a:spcPts val="0"/>
-              </a:spcBef>
-              <a:spcAft>
-                <a:spcPts val="0"/>
-              </a:spcAft>
-              <a:buNone/>
-            </a:pPr>
-            <a:r>
-              <a:t/>
-            </a:r>
-            <a:endParaRPr/>
-          </a:p>
-        </p:txBody>
-      </p:sp>
-    </p:spTree>
-  </p:cSld>
-  <p:clrMapOvr>
-    <a:masterClrMapping/>
-  </p:clrMapOvr>
-</p:notes>
-</file>
-
-<file path=ppt/notesSlides/notesSlide32.xml><?xml version="1.0" encoding="utf-8"?>
-<p:notes xmlns:a="http://schemas.openxmlformats.org/drawingml/2006/main" xmlns:r="http://schemas.openxmlformats.org/officeDocument/2006/relationships" xmlns:mc="http://schemas.openxmlformats.org/markup-compatibility/2006" xmlns:mv="urn:schemas-microsoft-com:mac:vml" xmlns:p="http://schemas.openxmlformats.org/presentationml/2006/main" xmlns:c="http://schemas.openxmlformats.org/drawingml/2006/chart" xmlns:dgm="http://schemas.openxmlformats.org/drawingml/2006/diagram" xmlns:o="urn:schemas-microsoft-com:office:office" xmlns:v="urn:schemas-microsoft-com:vml" xmlns:pvml="urn:schemas-microsoft-com:office:powerpoint" xmlns:com="http://schemas.openxmlformats.org/drawingml/2006/compatibility" xmlns:p14="http://schemas.microsoft.com/office/powerpoint/2010/main" xmlns:p15="http://schemas.microsoft.com/office/powerpoint/2012/main" showMasterPhAnim="0" showMasterSp="0">
-  <p:cSld>
-    <p:spTree>
-      <p:nvGrpSpPr>
-        <p:cNvPr id="400" name="Shape 400"/>
-        <p:cNvGrpSpPr/>
-        <p:nvPr/>
-      </p:nvGrpSpPr>
-      <p:grpSpPr>
-        <a:xfrm>
-          <a:off x="0" y="0"/>
-          <a:ext cx="0" cy="0"/>
-          <a:chOff x="0" y="0"/>
-          <a:chExt cx="0" cy="0"/>
-        </a:xfrm>
-      </p:grpSpPr>
-      <p:sp>
-        <p:nvSpPr>
-          <p:cNvPr id="401" name="Google Shape;401;g467b6db7c0_0_26:notes"/>
-          <p:cNvSpPr/>
-          <p:nvPr>
-            <p:ph idx="2" type="sldImg"/>
-          </p:nvPr>
-        </p:nvSpPr>
-        <p:spPr>
-          <a:xfrm>
-            <a:off x="381300" y="685800"/>
-            <a:ext cx="6096000" cy="3429000"/>
-          </a:xfrm>
-          <a:custGeom>
-            <a:rect b="b" l="l" r="r" t="t"/>
-            <a:pathLst>
-              <a:path extrusionOk="0" h="120000" w="120000">
-                <a:moveTo>
-                  <a:pt x="0" y="0"/>
-                </a:moveTo>
-                <a:lnTo>
-                  <a:pt x="120000" y="0"/>
-                </a:lnTo>
-                <a:lnTo>
-                  <a:pt x="120000" y="120000"/>
-                </a:lnTo>
-                <a:lnTo>
-                  <a:pt x="0" y="120000"/>
-                </a:lnTo>
-                <a:close/>
-              </a:path>
-            </a:pathLst>
-          </a:custGeom>
-        </p:spPr>
-      </p:sp>
-      <p:sp>
-        <p:nvSpPr>
-          <p:cNvPr id="402" name="Google Shape;402;g467b6db7c0_0_26:notes"/>
-          <p:cNvSpPr txBox="1"/>
-          <p:nvPr>
-            <p:ph idx="1" type="body"/>
-          </p:nvPr>
-        </p:nvSpPr>
-        <p:spPr>
-          <a:xfrm>
-            <a:off x="685800" y="4343400"/>
-            <a:ext cx="5486400" cy="4114800"/>
-          </a:xfrm>
-          <a:prstGeom prst="rect">
-            <a:avLst/>
-          </a:prstGeom>
-        </p:spPr>
-        <p:txBody>
-          <a:bodyPr anchorCtr="0" anchor="t" bIns="91425" lIns="91425" spcFirstLastPara="1" rIns="91425" wrap="square" tIns="91425">
-            <a:noAutofit/>
-          </a:bodyPr>
-          <a:lstStyle/>
-          <a:p>
-            <a:pPr indent="0" lvl="0" marL="0" rtl="0" algn="l">
-              <a:spcBef>
-                <a:spcPts val="0"/>
-              </a:spcBef>
-              <a:spcAft>
-                <a:spcPts val="0"/>
-              </a:spcAft>
-              <a:buNone/>
-            </a:pPr>
-            <a:r>
-              <a:t/>
-            </a:r>
-            <a:endParaRPr/>
-          </a:p>
-        </p:txBody>
-      </p:sp>
-    </p:spTree>
-  </p:cSld>
-  <p:clrMapOvr>
-    <a:masterClrMapping/>
-  </p:clrMapOvr>
-</p:notes>
-</file>
-
-<file path=ppt/notesSlides/notesSlide33.xml><?xml version="1.0" encoding="utf-8"?>
-<p:notes xmlns:a="http://schemas.openxmlformats.org/drawingml/2006/main" xmlns:r="http://schemas.openxmlformats.org/officeDocument/2006/relationships" xmlns:mc="http://schemas.openxmlformats.org/markup-compatibility/2006" xmlns:mv="urn:schemas-microsoft-com:mac:vml" xmlns:p="http://schemas.openxmlformats.org/presentationml/2006/main" xmlns:c="http://schemas.openxmlformats.org/drawingml/2006/chart" xmlns:dgm="http://schemas.openxmlformats.org/drawingml/2006/diagram" xmlns:o="urn:schemas-microsoft-com:office:office" xmlns:v="urn:schemas-microsoft-com:vml" xmlns:pvml="urn:schemas-microsoft-com:office:powerpoint" xmlns:com="http://schemas.openxmlformats.org/drawingml/2006/compatibility" xmlns:p14="http://schemas.microsoft.com/office/powerpoint/2010/main" xmlns:p15="http://schemas.microsoft.com/office/powerpoint/2012/main" showMasterPhAnim="0" showMasterSp="0">
-  <p:cSld>
-    <p:spTree>
-      <p:nvGrpSpPr>
-        <p:cNvPr id="409" name="Shape 409"/>
-        <p:cNvGrpSpPr/>
-        <p:nvPr/>
-      </p:nvGrpSpPr>
-      <p:grpSpPr>
-        <a:xfrm>
-          <a:off x="0" y="0"/>
-          <a:ext cx="0" cy="0"/>
-          <a:chOff x="0" y="0"/>
-          <a:chExt cx="0" cy="0"/>
-        </a:xfrm>
-      </p:grpSpPr>
-      <p:sp>
-        <p:nvSpPr>
-          <p:cNvPr id="410" name="Google Shape;410;g4499e2c750_0_211:notes"/>
-          <p:cNvSpPr/>
-          <p:nvPr>
-            <p:ph idx="2" type="sldImg"/>
-          </p:nvPr>
-        </p:nvSpPr>
-        <p:spPr>
-          <a:xfrm>
-            <a:off x="381300" y="685800"/>
-            <a:ext cx="6096000" cy="3429000"/>
-          </a:xfrm>
-          <a:custGeom>
-            <a:rect b="b" l="l" r="r" t="t"/>
-            <a:pathLst>
-              <a:path extrusionOk="0" h="120000" w="120000">
-                <a:moveTo>
-                  <a:pt x="0" y="0"/>
-                </a:moveTo>
-                <a:lnTo>
-                  <a:pt x="120000" y="0"/>
-                </a:lnTo>
-                <a:lnTo>
-                  <a:pt x="120000" y="120000"/>
-                </a:lnTo>
-                <a:lnTo>
-                  <a:pt x="0" y="120000"/>
-                </a:lnTo>
-                <a:close/>
-              </a:path>
-            </a:pathLst>
-          </a:custGeom>
-        </p:spPr>
-      </p:sp>
-      <p:sp>
-        <p:nvSpPr>
-          <p:cNvPr id="411" name="Google Shape;411;g4499e2c750_0_211:notes"/>
-          <p:cNvSpPr txBox="1"/>
-          <p:nvPr>
-            <p:ph idx="1" type="body"/>
-          </p:nvPr>
-        </p:nvSpPr>
-        <p:spPr>
-          <a:xfrm>
-            <a:off x="685800" y="4343400"/>
-            <a:ext cx="5486400" cy="4114800"/>
-          </a:xfrm>
-          <a:prstGeom prst="rect">
-            <a:avLst/>
-          </a:prstGeom>
-        </p:spPr>
-        <p:txBody>
-          <a:bodyPr anchorCtr="0" anchor="t" bIns="91425" lIns="91425" spcFirstLastPara="1" rIns="91425" wrap="square" tIns="91425">
-            <a:noAutofit/>
-          </a:bodyPr>
-          <a:lstStyle/>
-          <a:p>
-            <a:pPr indent="0" lvl="0" marL="0" rtl="0" algn="l">
-              <a:spcBef>
-                <a:spcPts val="0"/>
-              </a:spcBef>
-              <a:spcAft>
-                <a:spcPts val="0"/>
-              </a:spcAft>
-              <a:buNone/>
-            </a:pPr>
-            <a:r>
-              <a:t/>
-            </a:r>
-            <a:endParaRPr/>
-          </a:p>
-        </p:txBody>
-      </p:sp>
-    </p:spTree>
-  </p:cSld>
-  <p:clrMapOvr>
-    <a:masterClrMapping/>
-  </p:clrMapOvr>
-</p:notes>
-</file>
-
-<file path=ppt/notesSlides/notesSlide34.xml><?xml version="1.0" encoding="utf-8"?>
-<p:notes xmlns:a="http://schemas.openxmlformats.org/drawingml/2006/main" xmlns:r="http://schemas.openxmlformats.org/officeDocument/2006/relationships" xmlns:mc="http://schemas.openxmlformats.org/markup-compatibility/2006" xmlns:mv="urn:schemas-microsoft-com:mac:vml" xmlns:p="http://schemas.openxmlformats.org/presentationml/2006/main" xmlns:c="http://schemas.openxmlformats.org/drawingml/2006/chart" xmlns:dgm="http://schemas.openxmlformats.org/drawingml/2006/diagram" xmlns:o="urn:schemas-microsoft-com:office:office" xmlns:v="urn:schemas-microsoft-com:vml" xmlns:pvml="urn:schemas-microsoft-com:office:powerpoint" xmlns:com="http://schemas.openxmlformats.org/drawingml/2006/compatibility" xmlns:p14="http://schemas.microsoft.com/office/powerpoint/2010/main" xmlns:p15="http://schemas.microsoft.com/office/powerpoint/2012/main" showMasterPhAnim="0" showMasterSp="0">
-  <p:cSld>
-    <p:spTree>
-      <p:nvGrpSpPr>
-        <p:cNvPr id="415" name="Shape 415"/>
-        <p:cNvGrpSpPr/>
-        <p:nvPr/>
-      </p:nvGrpSpPr>
-      <p:grpSpPr>
-        <a:xfrm>
-          <a:off x="0" y="0"/>
-          <a:ext cx="0" cy="0"/>
-          <a:chOff x="0" y="0"/>
-          <a:chExt cx="0" cy="0"/>
-        </a:xfrm>
-      </p:grpSpPr>
-      <p:sp>
-        <p:nvSpPr>
-          <p:cNvPr id="416" name="Google Shape;416;g467b6db7c0_0_37:notes"/>
-          <p:cNvSpPr/>
-          <p:nvPr>
-            <p:ph idx="2" type="sldImg"/>
-          </p:nvPr>
-        </p:nvSpPr>
-        <p:spPr>
-          <a:xfrm>
-            <a:off x="381300" y="685800"/>
-            <a:ext cx="6096000" cy="3429000"/>
-          </a:xfrm>
-          <a:custGeom>
-            <a:rect b="b" l="l" r="r" t="t"/>
-            <a:pathLst>
-              <a:path extrusionOk="0" h="120000" w="120000">
-                <a:moveTo>
-                  <a:pt x="0" y="0"/>
-                </a:moveTo>
-                <a:lnTo>
-                  <a:pt x="120000" y="0"/>
-                </a:lnTo>
-                <a:lnTo>
-                  <a:pt x="120000" y="120000"/>
-                </a:lnTo>
-                <a:lnTo>
-                  <a:pt x="0" y="120000"/>
-                </a:lnTo>
-                <a:close/>
-              </a:path>
-            </a:pathLst>
-          </a:custGeom>
-        </p:spPr>
-      </p:sp>
-      <p:sp>
-        <p:nvSpPr>
-          <p:cNvPr id="417" name="Google Shape;417;g467b6db7c0_0_37:notes"/>
-          <p:cNvSpPr txBox="1"/>
-          <p:nvPr>
-            <p:ph idx="1" type="body"/>
-          </p:nvPr>
-        </p:nvSpPr>
-        <p:spPr>
-          <a:xfrm>
-            <a:off x="685800" y="4343400"/>
-            <a:ext cx="5486400" cy="4114800"/>
-          </a:xfrm>
-          <a:prstGeom prst="rect">
-            <a:avLst/>
-          </a:prstGeom>
-        </p:spPr>
-        <p:txBody>
-          <a:bodyPr anchorCtr="0" anchor="t" bIns="91425" lIns="91425" spcFirstLastPara="1" rIns="91425" wrap="square" tIns="91425">
-            <a:noAutofit/>
-          </a:bodyPr>
-          <a:lstStyle/>
-          <a:p>
-            <a:pPr indent="0" lvl="0" marL="0" rtl="0" algn="l">
-              <a:spcBef>
-                <a:spcPts val="0"/>
-              </a:spcBef>
-              <a:spcAft>
-                <a:spcPts val="0"/>
-              </a:spcAft>
-              <a:buNone/>
-            </a:pPr>
-            <a:r>
-              <a:t/>
-            </a:r>
-            <a:endParaRPr/>
-          </a:p>
-        </p:txBody>
-      </p:sp>
-    </p:spTree>
-  </p:cSld>
-  <p:clrMapOvr>
-    <a:masterClrMapping/>
-  </p:clrMapOvr>
-</p:notes>
-</file>
-
-<file path=ppt/notesSlides/notesSlide4.xml><?xml version="1.0" encoding="utf-8"?>
-<p:notes xmlns:a="http://schemas.openxmlformats.org/drawingml/2006/main" xmlns:r="http://schemas.openxmlformats.org/officeDocument/2006/relationships" xmlns:mc="http://schemas.openxmlformats.org/markup-compatibility/2006" xmlns:mv="urn:schemas-microsoft-com:mac:vml" xmlns:p="http://schemas.openxmlformats.org/presentationml/2006/main" xmlns:c="http://schemas.openxmlformats.org/drawingml/2006/chart" xmlns:dgm="http://schemas.openxmlformats.org/drawingml/2006/diagram" xmlns:o="urn:schemas-microsoft-com:office:office" xmlns:v="urn:schemas-microsoft-com:vml" xmlns:pvml="urn:schemas-microsoft-com:office:powerpoint" xmlns:com="http://schemas.openxmlformats.org/drawingml/2006/compatibility" xmlns:p14="http://schemas.microsoft.com/office/powerpoint/2010/main" xmlns:p15="http://schemas.microsoft.com/office/powerpoint/2012/main" showMasterPhAnim="0" showMasterSp="0">
-  <p:cSld>
-    <p:spTree>
-      <p:nvGrpSpPr>
-        <p:cNvPr id="190" name="Shape 190"/>
-        <p:cNvGrpSpPr/>
-        <p:nvPr/>
-      </p:nvGrpSpPr>
-      <p:grpSpPr>
-        <a:xfrm>
-          <a:off x="0" y="0"/>
-          <a:ext cx="0" cy="0"/>
-          <a:chOff x="0" y="0"/>
-          <a:chExt cx="0" cy="0"/>
-        </a:xfrm>
-      </p:grpSpPr>
-      <p:sp>
-        <p:nvSpPr>
-          <p:cNvPr id="191" name="Google Shape;191;g4499e2c750_0_104:notes"/>
-          <p:cNvSpPr/>
-          <p:nvPr>
-            <p:ph idx="2" type="sldImg"/>
-          </p:nvPr>
-        </p:nvSpPr>
-        <p:spPr>
-          <a:xfrm>
-            <a:off x="381300" y="685800"/>
-            <a:ext cx="6096000" cy="3429000"/>
-          </a:xfrm>
-          <a:custGeom>
-            <a:rect b="b" l="l" r="r" t="t"/>
-            <a:pathLst>
-              <a:path extrusionOk="0" h="120000" w="120000">
-                <a:moveTo>
-                  <a:pt x="0" y="0"/>
-                </a:moveTo>
-                <a:lnTo>
-                  <a:pt x="120000" y="0"/>
-                </a:lnTo>
-                <a:lnTo>
-                  <a:pt x="120000" y="120000"/>
-                </a:lnTo>
-                <a:lnTo>
-                  <a:pt x="0" y="120000"/>
-                </a:lnTo>
-                <a:close/>
-              </a:path>
-            </a:pathLst>
-          </a:custGeom>
-        </p:spPr>
-      </p:sp>
-      <p:sp>
-        <p:nvSpPr>
-          <p:cNvPr id="192" name="Google Shape;192;g4499e2c750_0_104:notes"/>
-          <p:cNvSpPr txBox="1"/>
-          <p:nvPr>
-            <p:ph idx="1" type="body"/>
-          </p:nvPr>
-        </p:nvSpPr>
-        <p:spPr>
-          <a:xfrm>
-            <a:off x="685800" y="4343400"/>
-            <a:ext cx="5486400" cy="4114800"/>
-          </a:xfrm>
-          <a:prstGeom prst="rect">
-            <a:avLst/>
-          </a:prstGeom>
-        </p:spPr>
-        <p:txBody>
-          <a:bodyPr anchorCtr="0" anchor="t" bIns="91425" lIns="91425" spcFirstLastPara="1" rIns="91425" wrap="square" tIns="91425">
-            <a:noAutofit/>
-          </a:bodyPr>
-          <a:lstStyle/>
-          <a:p>
-            <a:pPr indent="0" lvl="0" marL="0" rtl="0" algn="l">
-              <a:spcBef>
-                <a:spcPts val="0"/>
-              </a:spcBef>
-              <a:spcAft>
-                <a:spcPts val="0"/>
-              </a:spcAft>
-              <a:buNone/>
-            </a:pPr>
-            <a:r>
-              <a:t/>
-            </a:r>
-            <a:endParaRPr/>
-          </a:p>
-        </p:txBody>
-      </p:sp>
-    </p:spTree>
-  </p:cSld>
-  <p:clrMapOvr>
-    <a:masterClrMapping/>
-  </p:clrMapOvr>
-</p:notes>
-</file>
-
-<file path=ppt/notesSlides/notesSlide5.xml><?xml version="1.0" encoding="utf-8"?>
-<p:notes xmlns:a="http://schemas.openxmlformats.org/drawingml/2006/main" xmlns:r="http://schemas.openxmlformats.org/officeDocument/2006/relationships" xmlns:mc="http://schemas.openxmlformats.org/markup-compatibility/2006" xmlns:mv="urn:schemas-microsoft-com:mac:vml" xmlns:p="http://schemas.openxmlformats.org/presentationml/2006/main" xmlns:c="http://schemas.openxmlformats.org/drawingml/2006/chart" xmlns:dgm="http://schemas.openxmlformats.org/drawingml/2006/diagram" xmlns:o="urn:schemas-microsoft-com:office:office" xmlns:v="urn:schemas-microsoft-com:vml" xmlns:pvml="urn:schemas-microsoft-com:office:powerpoint" xmlns:com="http://schemas.openxmlformats.org/drawingml/2006/compatibility" xmlns:p14="http://schemas.microsoft.com/office/powerpoint/2010/main" xmlns:p15="http://schemas.microsoft.com/office/powerpoint/2012/main" showMasterPhAnim="0" showMasterSp="0">
-  <p:cSld>
-    <p:spTree>
-      <p:nvGrpSpPr>
-        <p:cNvPr id="200" name="Shape 200"/>
-        <p:cNvGrpSpPr/>
-        <p:nvPr/>
-      </p:nvGrpSpPr>
-      <p:grpSpPr>
-        <a:xfrm>
-          <a:off x="0" y="0"/>
-          <a:ext cx="0" cy="0"/>
-          <a:chOff x="0" y="0"/>
-          <a:chExt cx="0" cy="0"/>
-        </a:xfrm>
-      </p:grpSpPr>
-      <p:sp>
-        <p:nvSpPr>
-          <p:cNvPr id="201" name="Google Shape;201;g4499e2c750_0_116:notes"/>
-          <p:cNvSpPr/>
-          <p:nvPr>
-            <p:ph idx="2" type="sldImg"/>
-          </p:nvPr>
-        </p:nvSpPr>
-        <p:spPr>
-          <a:xfrm>
-            <a:off x="381300" y="685800"/>
-            <a:ext cx="6096000" cy="3429000"/>
-          </a:xfrm>
-          <a:custGeom>
-            <a:rect b="b" l="l" r="r" t="t"/>
-            <a:pathLst>
-              <a:path extrusionOk="0" h="120000" w="120000">
-                <a:moveTo>
-                  <a:pt x="0" y="0"/>
-                </a:moveTo>
-                <a:lnTo>
-                  <a:pt x="120000" y="0"/>
-                </a:lnTo>
-                <a:lnTo>
-                  <a:pt x="120000" y="120000"/>
-                </a:lnTo>
-                <a:lnTo>
-                  <a:pt x="0" y="120000"/>
-                </a:lnTo>
-                <a:close/>
-              </a:path>
-            </a:pathLst>
-          </a:custGeom>
-        </p:spPr>
-      </p:sp>
-      <p:sp>
-        <p:nvSpPr>
-          <p:cNvPr id="202" name="Google Shape;202;g4499e2c750_0_116:notes"/>
-          <p:cNvSpPr txBox="1"/>
-          <p:nvPr>
-            <p:ph idx="1" type="body"/>
-          </p:nvPr>
-        </p:nvSpPr>
-        <p:spPr>
-          <a:xfrm>
-            <a:off x="685800" y="4343400"/>
-            <a:ext cx="5486400" cy="4114800"/>
-          </a:xfrm>
-          <a:prstGeom prst="rect">
-            <a:avLst/>
-          </a:prstGeom>
-        </p:spPr>
-        <p:txBody>
-          <a:bodyPr anchorCtr="0" anchor="t" bIns="91425" lIns="91425" spcFirstLastPara="1" rIns="91425" wrap="square" tIns="91425">
-            <a:noAutofit/>
-          </a:bodyPr>
-          <a:lstStyle/>
-          <a:p>
-            <a:pPr indent="0" lvl="0" marL="0" rtl="0" algn="l">
-              <a:spcBef>
-                <a:spcPts val="0"/>
-              </a:spcBef>
-              <a:spcAft>
-                <a:spcPts val="0"/>
-              </a:spcAft>
-              <a:buNone/>
-            </a:pPr>
-            <a:r>
-              <a:t/>
-            </a:r>
-            <a:endParaRPr/>
-          </a:p>
-        </p:txBody>
-      </p:sp>
-    </p:spTree>
-  </p:cSld>
-  <p:clrMapOvr>
-    <a:masterClrMapping/>
-  </p:clrMapOvr>
-</p:notes>
-</file>
-
-<file path=ppt/notesSlides/notesSlide6.xml><?xml version="1.0" encoding="utf-8"?>
-<p:notes xmlns:a="http://schemas.openxmlformats.org/drawingml/2006/main" xmlns:r="http://schemas.openxmlformats.org/officeDocument/2006/relationships" xmlns:mc="http://schemas.openxmlformats.org/markup-compatibility/2006" xmlns:mv="urn:schemas-microsoft-com:mac:vml" xmlns:p="http://schemas.openxmlformats.org/presentationml/2006/main" xmlns:c="http://schemas.openxmlformats.org/drawingml/2006/chart" xmlns:dgm="http://schemas.openxmlformats.org/drawingml/2006/diagram" xmlns:o="urn:schemas-microsoft-com:office:office" xmlns:v="urn:schemas-microsoft-com:vml" xmlns:pvml="urn:schemas-microsoft-com:office:powerpoint" xmlns:com="http://schemas.openxmlformats.org/drawingml/2006/compatibility" xmlns:p14="http://schemas.microsoft.com/office/powerpoint/2010/main" xmlns:p15="http://schemas.microsoft.com/office/powerpoint/2012/main" showMasterPhAnim="0" showMasterSp="0">
-  <p:cSld>
-    <p:spTree>
-      <p:nvGrpSpPr>
-        <p:cNvPr id="207" name="Shape 207"/>
-        <p:cNvGrpSpPr/>
-        <p:nvPr/>
-      </p:nvGrpSpPr>
-      <p:grpSpPr>
-        <a:xfrm>
-          <a:off x="0" y="0"/>
-          <a:ext cx="0" cy="0"/>
-          <a:chOff x="0" y="0"/>
-          <a:chExt cx="0" cy="0"/>
-        </a:xfrm>
-      </p:grpSpPr>
-      <p:sp>
-        <p:nvSpPr>
-          <p:cNvPr id="208" name="Google Shape;208;g4499e2c750_0_123:notes"/>
-          <p:cNvSpPr/>
-          <p:nvPr>
-            <p:ph idx="2" type="sldImg"/>
-          </p:nvPr>
-        </p:nvSpPr>
-        <p:spPr>
-          <a:xfrm>
-            <a:off x="381300" y="685800"/>
-            <a:ext cx="6096000" cy="3429000"/>
-          </a:xfrm>
-          <a:custGeom>
-            <a:rect b="b" l="l" r="r" t="t"/>
-            <a:pathLst>
-              <a:path extrusionOk="0" h="120000" w="120000">
-                <a:moveTo>
-                  <a:pt x="0" y="0"/>
-                </a:moveTo>
-                <a:lnTo>
-                  <a:pt x="120000" y="0"/>
-                </a:lnTo>
-                <a:lnTo>
-                  <a:pt x="120000" y="120000"/>
-                </a:lnTo>
-                <a:lnTo>
-                  <a:pt x="0" y="120000"/>
-                </a:lnTo>
-                <a:close/>
-              </a:path>
-            </a:pathLst>
-          </a:custGeom>
-        </p:spPr>
-      </p:sp>
-      <p:sp>
-        <p:nvSpPr>
-          <p:cNvPr id="209" name="Google Shape;209;g4499e2c750_0_123:notes"/>
-          <p:cNvSpPr txBox="1"/>
-          <p:nvPr>
-            <p:ph idx="1" type="body"/>
-          </p:nvPr>
-        </p:nvSpPr>
-        <p:spPr>
-          <a:xfrm>
-            <a:off x="685800" y="4343400"/>
-            <a:ext cx="5486400" cy="4114800"/>
-          </a:xfrm>
-          <a:prstGeom prst="rect">
-            <a:avLst/>
-          </a:prstGeom>
-        </p:spPr>
-        <p:txBody>
-          <a:bodyPr anchorCtr="0" anchor="t" bIns="91425" lIns="91425" spcFirstLastPara="1" rIns="91425" wrap="square" tIns="91425">
-            <a:noAutofit/>
-          </a:bodyPr>
-          <a:lstStyle/>
-          <a:p>
-            <a:pPr indent="0" lvl="0" marL="0" rtl="0" algn="l">
-              <a:spcBef>
-                <a:spcPts val="0"/>
-              </a:spcBef>
-              <a:spcAft>
-                <a:spcPts val="0"/>
-              </a:spcAft>
-              <a:buNone/>
-            </a:pPr>
-            <a:r>
-              <a:t/>
-            </a:r>
-            <a:endParaRPr/>
-          </a:p>
-        </p:txBody>
-      </p:sp>
-    </p:spTree>
-  </p:cSld>
-  <p:clrMapOvr>
-    <a:masterClrMapping/>
-  </p:clrMapOvr>
-</p:notes>
-</file>
-
-<file path=ppt/notesSlides/notesSlide7.xml><?xml version="1.0" encoding="utf-8"?>
-<p:notes xmlns:a="http://schemas.openxmlformats.org/drawingml/2006/main" xmlns:r="http://schemas.openxmlformats.org/officeDocument/2006/relationships" xmlns:mc="http://schemas.openxmlformats.org/markup-compatibility/2006" xmlns:mv="urn:schemas-microsoft-com:mac:vml" xmlns:p="http://schemas.openxmlformats.org/presentationml/2006/main" xmlns:c="http://schemas.openxmlformats.org/drawingml/2006/chart" xmlns:dgm="http://schemas.openxmlformats.org/drawingml/2006/diagram" xmlns:o="urn:schemas-microsoft-com:office:office" xmlns:v="urn:schemas-microsoft-com:vml" xmlns:pvml="urn:schemas-microsoft-com:office:powerpoint" xmlns:com="http://schemas.openxmlformats.org/drawingml/2006/compatibility" xmlns:p14="http://schemas.microsoft.com/office/powerpoint/2010/main" xmlns:p15="http://schemas.microsoft.com/office/powerpoint/2012/main" showMasterPhAnim="0" showMasterSp="0">
-  <p:cSld>
-    <p:spTree>
-      <p:nvGrpSpPr>
-        <p:cNvPr id="213" name="Shape 213"/>
-        <p:cNvGrpSpPr/>
-        <p:nvPr/>
-      </p:nvGrpSpPr>
-      <p:grpSpPr>
-        <a:xfrm>
-          <a:off x="0" y="0"/>
-          <a:ext cx="0" cy="0"/>
-          <a:chOff x="0" y="0"/>
-          <a:chExt cx="0" cy="0"/>
-        </a:xfrm>
-      </p:grpSpPr>
-      <p:sp>
-        <p:nvSpPr>
-          <p:cNvPr id="214" name="Google Shape;214;g4499e2c750_0_137:notes"/>
-          <p:cNvSpPr/>
-          <p:nvPr>
-            <p:ph idx="2" type="sldImg"/>
-          </p:nvPr>
-        </p:nvSpPr>
-        <p:spPr>
-          <a:xfrm>
-            <a:off x="381300" y="685800"/>
-            <a:ext cx="6096000" cy="3429000"/>
-          </a:xfrm>
-          <a:custGeom>
-            <a:rect b="b" l="l" r="r" t="t"/>
-            <a:pathLst>
-              <a:path extrusionOk="0" h="120000" w="120000">
-                <a:moveTo>
-                  <a:pt x="0" y="0"/>
-                </a:moveTo>
-                <a:lnTo>
-                  <a:pt x="120000" y="0"/>
-                </a:lnTo>
-                <a:lnTo>
-                  <a:pt x="120000" y="120000"/>
-                </a:lnTo>
-                <a:lnTo>
-                  <a:pt x="0" y="120000"/>
-                </a:lnTo>
-                <a:close/>
-              </a:path>
-            </a:pathLst>
-          </a:custGeom>
-        </p:spPr>
-      </p:sp>
-      <p:sp>
-        <p:nvSpPr>
-          <p:cNvPr id="215" name="Google Shape;215;g4499e2c750_0_137:notes"/>
-          <p:cNvSpPr txBox="1"/>
-          <p:nvPr>
-            <p:ph idx="1" type="body"/>
-          </p:nvPr>
-        </p:nvSpPr>
-        <p:spPr>
-          <a:xfrm>
-            <a:off x="685800" y="4343400"/>
-            <a:ext cx="5486400" cy="4114800"/>
-          </a:xfrm>
-          <a:prstGeom prst="rect">
-            <a:avLst/>
-          </a:prstGeom>
-        </p:spPr>
-        <p:txBody>
-          <a:bodyPr anchorCtr="0" anchor="t" bIns="91425" lIns="91425" spcFirstLastPara="1" rIns="91425" wrap="square" tIns="91425">
-            <a:noAutofit/>
-          </a:bodyPr>
-          <a:lstStyle/>
-          <a:p>
-            <a:pPr indent="0" lvl="0" marL="0" rtl="0" algn="l">
-              <a:spcBef>
-                <a:spcPts val="0"/>
-              </a:spcBef>
-              <a:spcAft>
-                <a:spcPts val="0"/>
-              </a:spcAft>
-              <a:buNone/>
-            </a:pPr>
-            <a:r>
-              <a:t/>
-            </a:r>
-            <a:endParaRPr/>
-          </a:p>
-        </p:txBody>
-      </p:sp>
-    </p:spTree>
-  </p:cSld>
-  <p:clrMapOvr>
-    <a:masterClrMapping/>
-  </p:clrMapOvr>
-</p:notes>
-</file>
-
-<file path=ppt/notesSlides/notesSlide8.xml><?xml version="1.0" encoding="utf-8"?>
-<p:notes xmlns:a="http://schemas.openxmlformats.org/drawingml/2006/main" xmlns:r="http://schemas.openxmlformats.org/officeDocument/2006/relationships" xmlns:mc="http://schemas.openxmlformats.org/markup-compatibility/2006" xmlns:mv="urn:schemas-microsoft-com:mac:vml" xmlns:p="http://schemas.openxmlformats.org/presentationml/2006/main" xmlns:c="http://schemas.openxmlformats.org/drawingml/2006/chart" xmlns:dgm="http://schemas.openxmlformats.org/drawingml/2006/diagram" xmlns:o="urn:schemas-microsoft-com:office:office" xmlns:v="urn:schemas-microsoft-com:vml" xmlns:pvml="urn:schemas-microsoft-com:office:powerpoint" xmlns:com="http://schemas.openxmlformats.org/drawingml/2006/compatibility" xmlns:p14="http://schemas.microsoft.com/office/powerpoint/2010/main" xmlns:p15="http://schemas.microsoft.com/office/powerpoint/2012/main" showMasterPhAnim="0" showMasterSp="0">
-  <p:cSld>
-    <p:spTree>
-      <p:nvGrpSpPr>
-        <p:cNvPr id="220" name="Shape 220"/>
-        <p:cNvGrpSpPr/>
-        <p:nvPr/>
-      </p:nvGrpSpPr>
-      <p:grpSpPr>
-        <a:xfrm>
-          <a:off x="0" y="0"/>
-          <a:ext cx="0" cy="0"/>
-          <a:chOff x="0" y="0"/>
-          <a:chExt cx="0" cy="0"/>
-        </a:xfrm>
-      </p:grpSpPr>
-      <p:sp>
-        <p:nvSpPr>
-          <p:cNvPr id="221" name="Google Shape;221;g4499e2c750_0_145:notes"/>
-          <p:cNvSpPr/>
-          <p:nvPr>
-            <p:ph idx="2" type="sldImg"/>
-          </p:nvPr>
-        </p:nvSpPr>
-        <p:spPr>
-          <a:xfrm>
-            <a:off x="381300" y="685800"/>
-            <a:ext cx="6096000" cy="3429000"/>
-          </a:xfrm>
-          <a:custGeom>
-            <a:rect b="b" l="l" r="r" t="t"/>
-            <a:pathLst>
-              <a:path extrusionOk="0" h="120000" w="120000">
-                <a:moveTo>
-                  <a:pt x="0" y="0"/>
-                </a:moveTo>
-                <a:lnTo>
-                  <a:pt x="120000" y="0"/>
-                </a:lnTo>
-                <a:lnTo>
-                  <a:pt x="120000" y="120000"/>
-                </a:lnTo>
-                <a:lnTo>
-                  <a:pt x="0" y="120000"/>
-                </a:lnTo>
-                <a:close/>
-              </a:path>
-            </a:pathLst>
-          </a:custGeom>
-        </p:spPr>
-      </p:sp>
-      <p:sp>
-        <p:nvSpPr>
-          <p:cNvPr id="222" name="Google Shape;222;g4499e2c750_0_145:notes"/>
-          <p:cNvSpPr txBox="1"/>
-          <p:nvPr>
-            <p:ph idx="1" type="body"/>
-          </p:nvPr>
-        </p:nvSpPr>
-        <p:spPr>
-          <a:xfrm>
-            <a:off x="685800" y="4343400"/>
-            <a:ext cx="5486400" cy="4114800"/>
-          </a:xfrm>
-          <a:prstGeom prst="rect">
-            <a:avLst/>
-          </a:prstGeom>
-        </p:spPr>
-        <p:txBody>
-          <a:bodyPr anchorCtr="0" anchor="t" bIns="91425" lIns="91425" spcFirstLastPara="1" rIns="91425" wrap="square" tIns="91425">
-            <a:noAutofit/>
-          </a:bodyPr>
-          <a:lstStyle/>
-          <a:p>
-            <a:pPr indent="0" lvl="0" marL="0" rtl="0" algn="l">
-              <a:spcBef>
-                <a:spcPts val="0"/>
-              </a:spcBef>
-              <a:spcAft>
-                <a:spcPts val="0"/>
-              </a:spcAft>
-              <a:buNone/>
-            </a:pPr>
-            <a:r>
-              <a:t/>
-            </a:r>
-            <a:endParaRPr/>
-          </a:p>
-        </p:txBody>
-      </p:sp>
-    </p:spTree>
-  </p:cSld>
-  <p:clrMapOvr>
-    <a:masterClrMapping/>
-  </p:clrMapOvr>
-</p:notes>
-</file>
-
-<file path=ppt/notesSlides/notesSlide9.xml><?xml version="1.0" encoding="utf-8"?>
-<p:notes xmlns:a="http://schemas.openxmlformats.org/drawingml/2006/main" xmlns:r="http://schemas.openxmlformats.org/officeDocument/2006/relationships" xmlns:mc="http://schemas.openxmlformats.org/markup-compatibility/2006" xmlns:mv="urn:schemas-microsoft-com:mac:vml" xmlns:p="http://schemas.openxmlformats.org/presentationml/2006/main" xmlns:c="http://schemas.openxmlformats.org/drawingml/2006/chart" xmlns:dgm="http://schemas.openxmlformats.org/drawingml/2006/diagram" xmlns:o="urn:schemas-microsoft-com:office:office" xmlns:v="urn:schemas-microsoft-com:vml" xmlns:pvml="urn:schemas-microsoft-com:office:powerpoint" xmlns:com="http://schemas.openxmlformats.org/drawingml/2006/compatibility" xmlns:p14="http://schemas.microsoft.com/office/powerpoint/2010/main" xmlns:p15="http://schemas.microsoft.com/office/powerpoint/2012/main" showMasterPhAnim="0" showMasterSp="0">
-  <p:cSld>
-    <p:spTree>
-      <p:nvGrpSpPr>
-        <p:cNvPr id="226" name="Shape 226"/>
-        <p:cNvGrpSpPr/>
-        <p:nvPr/>
-      </p:nvGrpSpPr>
-      <p:grpSpPr>
-        <a:xfrm>
-          <a:off x="0" y="0"/>
-          <a:ext cx="0" cy="0"/>
-          <a:chOff x="0" y="0"/>
-          <a:chExt cx="0" cy="0"/>
-        </a:xfrm>
-      </p:grpSpPr>
-      <p:sp>
-        <p:nvSpPr>
-          <p:cNvPr id="227" name="Google Shape;227;g4499e2c750_0_158:notes"/>
-          <p:cNvSpPr/>
-          <p:nvPr>
-            <p:ph idx="2" type="sldImg"/>
-          </p:nvPr>
-        </p:nvSpPr>
-        <p:spPr>
-          <a:xfrm>
-            <a:off x="381300" y="685800"/>
-            <a:ext cx="6096000" cy="3429000"/>
-          </a:xfrm>
-          <a:custGeom>
-            <a:rect b="b" l="l" r="r" t="t"/>
-            <a:pathLst>
-              <a:path extrusionOk="0" h="120000" w="120000">
-                <a:moveTo>
-                  <a:pt x="0" y="0"/>
-                </a:moveTo>
-                <a:lnTo>
-                  <a:pt x="120000" y="0"/>
-                </a:lnTo>
-                <a:lnTo>
-                  <a:pt x="120000" y="120000"/>
-                </a:lnTo>
-                <a:lnTo>
-                  <a:pt x="0" y="120000"/>
-                </a:lnTo>
-                <a:close/>
-              </a:path>
-            </a:pathLst>
-          </a:custGeom>
-        </p:spPr>
-      </p:sp>
-      <p:sp>
-        <p:nvSpPr>
-          <p:cNvPr id="228" name="Google Shape;228;g4499e2c750_0_158:notes"/>
           <p:cNvSpPr txBox="1"/>
           <p:nvPr>
             <p:ph idx="1" type="body"/>
@@ -15310,11 +14914,11 @@
 </file>
 
 <file path=ppt/slides/slide18.xml><?xml version="1.0" encoding="utf-8"?>
-<p:sld xmlns:a="http://schemas.openxmlformats.org/drawingml/2006/main" xmlns:r="http://schemas.openxmlformats.org/officeDocument/2006/relationships" xmlns:mc="http://schemas.openxmlformats.org/markup-compatibility/2006" xmlns:mv="urn:schemas-microsoft-com:mac:vml" xmlns:p="http://schemas.openxmlformats.org/presentationml/2006/main" xmlns:c="http://schemas.openxmlformats.org/drawingml/2006/chart" xmlns:dgm="http://schemas.openxmlformats.org/drawingml/2006/diagram" xmlns:o="urn:schemas-microsoft-com:office:office" xmlns:v="urn:schemas-microsoft-com:vml" xmlns:pvml="urn:schemas-microsoft-com:office:powerpoint" xmlns:com="http://schemas.openxmlformats.org/drawingml/2006/compatibility" xmlns:p14="http://schemas.microsoft.com/office/powerpoint/2010/main" xmlns:p15="http://schemas.microsoft.com/office/powerpoint/2012/main">
+<p:sld xmlns:r="http://schemas.openxmlformats.org/officeDocument/2006/relationships" xmlns:c="http://schemas.openxmlformats.org/drawingml/2006/chart" xmlns:a="http://schemas.openxmlformats.org/drawingml/2006/main" xmlns:dgm="http://schemas.openxmlformats.org/drawingml/2006/diagram" xmlns:dsp="http://schemas.microsoft.com/office/drawing/2008/diagram" xmlns:p="http://schemas.openxmlformats.org/presentationml/2006/main">
   <p:cSld>
     <p:spTree>
       <p:nvGrpSpPr>
-        <p:cNvPr id="177" name="Shape 177"/>
+        <p:cNvPr id="1" name=""/>
         <p:cNvGrpSpPr/>
         <p:nvPr/>
       </p:nvGrpSpPr>
@@ -15329,9 +14933,11 @@
       <p:sp>
         <p:nvSpPr>
           <p:cNvPr id="178" name="Google Shape;178;p30"/>
-          <p:cNvSpPr txBox="1"/>
+          <p:cNvSpPr txBox="1">
+            <a:spLocks noGrp="1"/>
+          </p:cNvSpPr>
           <p:nvPr>
-            <p:ph type="ctrTitle"/>
+            <p:ph type="ctrTitle" idx="0"/>
           </p:nvPr>
         </p:nvSpPr>
         <p:spPr>
@@ -15344,50 +14950,54 @@
           </a:prstGeom>
         </p:spPr>
         <p:txBody>
-          <a:bodyPr anchorCtr="0" anchor="b" bIns="91425" lIns="91425" spcFirstLastPara="1" rIns="91425" wrap="square" tIns="91425">
+          <a:bodyPr wrap="square" lIns="91425" tIns="91425" rIns="91425" bIns="91425" anchor="b" anchorCtr="0">
             <a:noAutofit/>
           </a:bodyPr>
           <a:lstStyle/>
           <a:p>
-            <a:pPr indent="0" lvl="0" marL="0" rtl="0" algn="ctr">
-              <a:spcBef>
-                <a:spcPts val="0"/>
-              </a:spcBef>
-              <a:spcAft>
-                <a:spcPts val="0"/>
-              </a:spcAft>
-              <a:buNone/>
-            </a:pPr>
-            <a:r>
-              <a:rPr b="1" lang="ko" sz="6000"/>
+            <a:pPr marL="0" lvl="0" indent="0" algn="ctr">
+              <a:spcBef>
+                <a:spcPct val="0"/>
+              </a:spcBef>
+              <a:spcAft>
+                <a:spcPct val="0"/>
+              </a:spcAft>
+              <a:buNone/>
+              <a:defRPr lang="ko-KR" altLang="en-US"/>
+            </a:pPr>
+            <a:r>
+              <a:rPr lang="ko" sz="6000" b="1"/>
               <a:t>Node &amp; Vue 시작하기</a:t>
             </a:r>
-            <a:endParaRPr b="1" sz="6000"/>
-          </a:p>
-          <a:p>
-            <a:pPr indent="0" lvl="0" marL="0" rtl="0" algn="ctr">
-              <a:spcBef>
-                <a:spcPts val="0"/>
-              </a:spcBef>
-              <a:spcAft>
-                <a:spcPts val="0"/>
-              </a:spcAft>
-              <a:buNone/>
+            <a:endParaRPr lang="ko" sz="6000" b="1"/>
+          </a:p>
+          <a:p>
+            <a:pPr marL="0" lvl="0" indent="0" algn="ctr">
+              <a:spcBef>
+                <a:spcPct val="0"/>
+              </a:spcBef>
+              <a:spcAft>
+                <a:spcPct val="0"/>
+              </a:spcAft>
+              <a:buNone/>
+              <a:defRPr lang="ko-KR" altLang="en-US"/>
             </a:pPr>
             <a:r>
               <a:rPr lang="ko" sz="3600"/>
               <a:t>(NodeJS, Vue.js, MySQL)</a:t>
             </a:r>
-            <a:endParaRPr sz="3600"/>
+            <a:endParaRPr lang="ko-KR" sz="3600"/>
           </a:p>
         </p:txBody>
       </p:sp>
       <p:sp>
         <p:nvSpPr>
           <p:cNvPr id="179" name="Google Shape;179;p30"/>
-          <p:cNvSpPr txBox="1"/>
+          <p:cNvSpPr txBox="1">
+            <a:spLocks noGrp="1"/>
+          </p:cNvSpPr>
           <p:nvPr>
-            <p:ph idx="1" type="subTitle"/>
+            <p:ph type="subTitle" idx="1"/>
           </p:nvPr>
         </p:nvSpPr>
         <p:spPr>
@@ -15400,25 +15010,26 @@
           </a:prstGeom>
         </p:spPr>
         <p:txBody>
-          <a:bodyPr anchorCtr="0" anchor="t" bIns="91425" lIns="91425" spcFirstLastPara="1" rIns="91425" wrap="square" tIns="91425">
+          <a:bodyPr wrap="square" lIns="91425" tIns="91425" rIns="91425" bIns="91425" anchor="t" anchorCtr="0">
             <a:noAutofit/>
           </a:bodyPr>
           <a:lstStyle/>
           <a:p>
-            <a:pPr indent="0" lvl="0" marL="0" rtl="0" algn="r">
-              <a:spcBef>
-                <a:spcPts val="0"/>
-              </a:spcBef>
-              <a:spcAft>
-                <a:spcPts val="0"/>
-              </a:spcAft>
-              <a:buNone/>
+            <a:pPr marL="0" lvl="0" indent="0" algn="r">
+              <a:spcBef>
+                <a:spcPct val="0"/>
+              </a:spcBef>
+              <a:spcAft>
+                <a:spcPct val="0"/>
+              </a:spcAft>
+              <a:buNone/>
+              <a:defRPr lang="ko-KR" altLang="en-US"/>
             </a:pPr>
             <a:r>
               <a:rPr lang="ko"/>
               <a:t>Jade</a:t>
             </a:r>
-            <a:endParaRPr/>
+            <a:endParaRPr lang="ko-KR"/>
           </a:p>
         </p:txBody>
       </p:sp>
@@ -15437,14 +15048,12 @@
             <a:avLst/>
           </a:prstGeom>
           <a:noFill/>
-          <a:ln cap="flat" cmpd="sng" w="9525">
+          <a:ln w="9525" cap="flat" cmpd="sng">
             <a:solidFill>
-              <a:srgbClr val="D9D9D9"/>
+              <a:srgbClr val="d9d9d9"/>
             </a:solidFill>
             <a:prstDash val="solid"/>
             <a:round/>
-            <a:headEnd len="med" w="med" type="none"/>
-            <a:tailEnd len="med" w="med" type="none"/>
           </a:ln>
         </p:spPr>
       </p:cxnSp>
@@ -15463,35 +15072,34 @@
             <a:avLst/>
           </a:prstGeom>
           <a:noFill/>
-          <a:ln cap="flat" cmpd="sng" w="38100">
+          <a:ln w="38100" cap="flat" cmpd="sng">
             <a:solidFill>
-              <a:srgbClr val="FFFF00"/>
+              <a:srgbClr val="ffff00"/>
             </a:solidFill>
             <a:prstDash val="solid"/>
             <a:round/>
-            <a:headEnd len="sm" w="sm" type="none"/>
-            <a:tailEnd len="sm" w="sm" type="none"/>
           </a:ln>
         </p:spPr>
         <p:txBody>
-          <a:bodyPr anchorCtr="0" anchor="ctr" bIns="91425" lIns="91425" spcFirstLastPara="1" rIns="91425" wrap="square" tIns="91425">
+          <a:bodyPr wrap="square" lIns="91425" tIns="91425" rIns="91425" bIns="91425" anchor="ctr" anchorCtr="0">
             <a:noAutofit/>
           </a:bodyPr>
           <a:lstStyle/>
           <a:p>
-            <a:pPr indent="0" lvl="0" marL="0" rtl="0" algn="ctr">
-              <a:spcBef>
-                <a:spcPts val="0"/>
-              </a:spcBef>
-              <a:spcAft>
-                <a:spcPts val="0"/>
-              </a:spcAft>
-              <a:buNone/>
-            </a:pPr>
-            <a:r>
-              <a:rPr b="1" lang="ko" sz="7200">
-                <a:solidFill>
-                  <a:srgbClr val="FFFF00"/>
+            <a:pPr marL="0" lvl="0" indent="0" algn="ctr">
+              <a:spcBef>
+                <a:spcPct val="0"/>
+              </a:spcBef>
+              <a:spcAft>
+                <a:spcPct val="0"/>
+              </a:spcAft>
+              <a:buNone/>
+              <a:defRPr lang="ko-KR" altLang="en-US"/>
+            </a:pPr>
+            <a:r>
+              <a:rPr lang="ko" sz="7200" b="1">
+                <a:solidFill>
+                  <a:srgbClr val="ffff00"/>
                 </a:solidFill>
                 <a:latin typeface="Comic Sans MS"/>
                 <a:ea typeface="Comic Sans MS"/>
@@ -15500,9 +15108,9 @@
               </a:rPr>
               <a:t>3</a:t>
             </a:r>
-            <a:endParaRPr b="1" sz="7200">
-              <a:solidFill>
-                <a:srgbClr val="FFFF00"/>
+            <a:endParaRPr lang="ko-KR" sz="7200" b="1">
+              <a:solidFill>
+                <a:srgbClr val="ffff00"/>
               </a:solidFill>
               <a:latin typeface="Comic Sans MS"/>
               <a:ea typeface="Comic Sans MS"/>
@@ -15515,9 +15123,11 @@
       <p:sp>
         <p:nvSpPr>
           <p:cNvPr id="182" name="Google Shape;182;p30"/>
-          <p:cNvSpPr txBox="1"/>
+          <p:cNvSpPr txBox="1">
+            <a:spLocks noGrp="1"/>
+          </p:cNvSpPr>
           <p:nvPr>
-            <p:ph type="ctrTitle"/>
+            <p:ph type="ctrTitle" idx="0"/>
           </p:nvPr>
         </p:nvSpPr>
         <p:spPr>
@@ -15530,39 +15140,32 @@
           </a:prstGeom>
         </p:spPr>
         <p:txBody>
-          <a:bodyPr anchorCtr="0" anchor="b" bIns="91425" lIns="91425" spcFirstLastPara="1" rIns="91425" wrap="square" tIns="91425">
+          <a:bodyPr wrap="square" lIns="91425" tIns="91425" rIns="91425" bIns="91425" anchor="b" anchorCtr="0">
             <a:noAutofit/>
           </a:bodyPr>
           <a:lstStyle/>
           <a:p>
-            <a:pPr indent="0" lvl="0" marL="0" rtl="0" algn="ctr">
-              <a:spcBef>
-                <a:spcPts val="0"/>
-              </a:spcBef>
-              <a:spcAft>
-                <a:spcPts val="0"/>
-              </a:spcAft>
-              <a:buNone/>
+            <a:pPr marL="0" lvl="0" indent="0" algn="ctr">
+              <a:spcBef>
+                <a:spcPct val="0"/>
+              </a:spcBef>
+              <a:spcAft>
+                <a:spcPct val="0"/>
+              </a:spcAft>
+              <a:buNone/>
+              <a:defRPr lang="ko-KR" altLang="en-US"/>
             </a:pPr>
             <a:r>
               <a:rPr lang="ko">
                 <a:solidFill>
-                  <a:srgbClr val="FF0000"/>
-                </a:solidFill>
-              </a:rPr>
-              <a:t>socket.io 채</a:t>
-            </a:r>
-            <a:r>
-              <a:rPr lang="ko">
-                <a:solidFill>
-                  <a:srgbClr val="FF0000"/>
-                </a:solidFill>
-              </a:rPr>
-              <a:t>팅 만들기</a:t>
-            </a:r>
-            <a:endParaRPr>
-              <a:solidFill>
-                <a:srgbClr val="FF0000"/>
+                  <a:srgbClr val="ff0000"/>
+                </a:solidFill>
+              </a:rPr>
+              <a:t>socket.io 채팅 만들기</a:t>
+            </a:r>
+            <a:endParaRPr lang="ko-KR">
+              <a:solidFill>
+                <a:srgbClr val="ff0000"/>
               </a:solidFill>
             </a:endParaRPr>
           </a:p>
@@ -15571,11 +15174,11 @@
       <p:pic>
         <p:nvPicPr>
           <p:cNvPr id="183" name="Google Shape;183;p30"/>
-          <p:cNvPicPr preferRelativeResize="0"/>
+          <p:cNvPicPr/>
           <p:nvPr/>
         </p:nvPicPr>
-        <p:blipFill>
-          <a:blip r:embed="rId3">
+        <p:blipFill rotWithShape="1">
+          <a:blip r:embed="rId2">
             <a:alphaModFix/>
           </a:blip>
           <a:stretch>
@@ -15601,15 +15204,16 @@
   <p:clrMapOvr>
     <a:masterClrMapping/>
   </p:clrMapOvr>
+  <p:transition xmlns:mc="http://schemas.openxmlformats.org/markup-compatibility/2006" xmlns:hp="http://schemas.haansoft.com/office/presentation/8.0" mc:Ignorable="hp" hp:hslDur="500"/>
 </p:sld>
 </file>
 
 <file path=ppt/slides/slide19.xml><?xml version="1.0" encoding="utf-8"?>
-<p:sld xmlns:a="http://schemas.openxmlformats.org/drawingml/2006/main" xmlns:r="http://schemas.openxmlformats.org/officeDocument/2006/relationships" xmlns:mc="http://schemas.openxmlformats.org/markup-compatibility/2006" xmlns:mv="urn:schemas-microsoft-com:mac:vml" xmlns:p="http://schemas.openxmlformats.org/presentationml/2006/main" xmlns:c="http://schemas.openxmlformats.org/drawingml/2006/chart" xmlns:dgm="http://schemas.openxmlformats.org/drawingml/2006/diagram" xmlns:o="urn:schemas-microsoft-com:office:office" xmlns:v="urn:schemas-microsoft-com:vml" xmlns:pvml="urn:schemas-microsoft-com:office:powerpoint" xmlns:com="http://schemas.openxmlformats.org/drawingml/2006/compatibility" xmlns:p14="http://schemas.microsoft.com/office/powerpoint/2010/main" xmlns:p15="http://schemas.microsoft.com/office/powerpoint/2012/main">
+<p:sld xmlns:r="http://schemas.openxmlformats.org/officeDocument/2006/relationships" xmlns:c="http://schemas.openxmlformats.org/drawingml/2006/chart" xmlns:a="http://schemas.openxmlformats.org/drawingml/2006/main" xmlns:dgm="http://schemas.openxmlformats.org/drawingml/2006/diagram" xmlns:dsp="http://schemas.microsoft.com/office/drawing/2008/diagram" xmlns:p="http://schemas.openxmlformats.org/presentationml/2006/main">
   <p:cSld>
     <p:spTree>
       <p:nvGrpSpPr>
-        <p:cNvPr id="187" name="Shape 187"/>
+        <p:cNvPr id="1" name=""/>
         <p:cNvGrpSpPr/>
         <p:nvPr/>
       </p:nvGrpSpPr>
@@ -15624,9 +15228,11 @@
       <p:sp>
         <p:nvSpPr>
           <p:cNvPr id="188" name="Google Shape;188;p31"/>
-          <p:cNvSpPr txBox="1"/>
+          <p:cNvSpPr txBox="1">
+            <a:spLocks noGrp="1"/>
+          </p:cNvSpPr>
           <p:nvPr>
-            <p:ph type="ctrTitle"/>
+            <p:ph type="ctrTitle" idx="0"/>
           </p:nvPr>
         </p:nvSpPr>
         <p:spPr>
@@ -15639,34 +15245,37 @@
           </a:prstGeom>
         </p:spPr>
         <p:txBody>
-          <a:bodyPr anchorCtr="0" anchor="b" bIns="91425" lIns="91425" spcFirstLastPara="1" rIns="91425" wrap="square" tIns="91425">
+          <a:bodyPr wrap="square" lIns="91425" tIns="91425" rIns="91425" bIns="91425" anchor="b" anchorCtr="0">
             <a:noAutofit/>
           </a:bodyPr>
           <a:lstStyle/>
           <a:p>
-            <a:pPr indent="0" lvl="0" marL="0" rtl="0" algn="ctr">
-              <a:spcBef>
-                <a:spcPts val="0"/>
-              </a:spcBef>
-              <a:spcAft>
-                <a:spcPts val="0"/>
-              </a:spcAft>
-              <a:buNone/>
+            <a:pPr marL="0" lvl="0" indent="0" algn="ctr">
+              <a:spcBef>
+                <a:spcPct val="0"/>
+              </a:spcBef>
+              <a:spcAft>
+                <a:spcPct val="0"/>
+              </a:spcAft>
+              <a:buNone/>
+              <a:defRPr lang="ko-KR" altLang="en-US"/>
             </a:pPr>
             <a:r>
               <a:rPr lang="ko" sz="7200"/>
               <a:t>socket.io</a:t>
             </a:r>
-            <a:endParaRPr sz="7200"/>
+            <a:endParaRPr lang="ko-KR" sz="7200"/>
           </a:p>
         </p:txBody>
       </p:sp>
       <p:sp>
         <p:nvSpPr>
           <p:cNvPr id="189" name="Google Shape;189;p31"/>
-          <p:cNvSpPr txBox="1"/>
+          <p:cNvSpPr txBox="1">
+            <a:spLocks noGrp="1"/>
+          </p:cNvSpPr>
           <p:nvPr>
-            <p:ph idx="1" type="subTitle"/>
+            <p:ph type="subTitle" idx="1"/>
           </p:nvPr>
         </p:nvSpPr>
         <p:spPr>
@@ -15679,29 +15288,68 @@
           </a:prstGeom>
         </p:spPr>
         <p:txBody>
-          <a:bodyPr anchorCtr="0" anchor="t" bIns="91425" lIns="91425" spcFirstLastPara="1" rIns="91425" wrap="square" tIns="91425">
+          <a:bodyPr wrap="square" lIns="91425" tIns="91425" rIns="91425" bIns="91425" anchor="t" anchorCtr="0">
             <a:noAutofit/>
           </a:bodyPr>
           <a:lstStyle/>
           <a:p>
-            <a:pPr indent="0" lvl="0" marL="0" rtl="0" algn="ctr">
-              <a:spcBef>
-                <a:spcPts val="0"/>
-              </a:spcBef>
-              <a:spcAft>
-                <a:spcPts val="0"/>
-              </a:spcAft>
-              <a:buNone/>
+            <a:pPr marL="0" lvl="0" indent="0" algn="ctr">
+              <a:spcBef>
+                <a:spcPct val="0"/>
+              </a:spcBef>
+              <a:spcAft>
+                <a:spcPct val="0"/>
+              </a:spcAft>
+              <a:buNone/>
+              <a:defRPr lang="ko-KR" altLang="en-US"/>
             </a:pPr>
             <a:r>
               <a:rPr lang="ko"/>
-              <a:t>실시</a:t>
-            </a:r>
-            <a:r>
-              <a:rPr lang="ko"/>
-              <a:t>간 처리</a:t>
-            </a:r>
-            <a:endParaRPr/>
+              <a:t>실시간 처리</a:t>
+            </a:r>
+            <a:endParaRPr lang="ko"/>
+          </a:p>
+          <a:p>
+            <a:pPr marL="0" lvl="0" indent="0" algn="ctr">
+              <a:spcBef>
+                <a:spcPct val="0"/>
+              </a:spcBef>
+              <a:spcAft>
+                <a:spcPct val="0"/>
+              </a:spcAft>
+              <a:buNone/>
+              <a:defRPr lang="ko-KR" altLang="en-US"/>
+            </a:pPr>
+            <a:r>
+              <a:rPr lang="ko-KR" altLang="en-US"/>
+              <a:t>노드의 정점이라고 할 수 있는 모듈</a:t>
+            </a:r>
+            <a:endParaRPr lang="ko-KR" altLang="en-US"/>
+          </a:p>
+          <a:p>
+            <a:pPr marL="0" lvl="0" indent="0" algn="ctr">
+              <a:spcBef>
+                <a:spcPct val="0"/>
+              </a:spcBef>
+              <a:spcAft>
+                <a:spcPct val="0"/>
+              </a:spcAft>
+              <a:buNone/>
+              <a:defRPr lang="ko-KR" altLang="en-US"/>
+            </a:pPr>
+            <a:r>
+              <a:rPr lang="ko-KR" altLang="en-US"/>
+              <a:t>실제로 </a:t>
+            </a:r>
+            <a:r>
+              <a:rPr lang="en-US" altLang="ko-KR"/>
+              <a:t>socket.io</a:t>
+            </a:r>
+            <a:r>
+              <a:rPr lang="ko-KR" altLang="en-US"/>
+              <a:t>로 노드가 유명해짐</a:t>
+            </a:r>
+            <a:endParaRPr lang="ko-KR" altLang="en-US"/>
           </a:p>
         </p:txBody>
       </p:sp>
@@ -15710,6 +15358,7 @@
   <p:clrMapOvr>
     <a:masterClrMapping/>
   </p:clrMapOvr>
+  <p:transition xmlns:mc="http://schemas.openxmlformats.org/markup-compatibility/2006" xmlns:hp="http://schemas.haansoft.com/office/presentation/8.0" mc:Ignorable="hp" hp:hslDur="500"/>
 </p:sld>
 </file>
 
@@ -15843,11 +15492,11 @@
 </file>
 
 <file path=ppt/slides/slide20.xml><?xml version="1.0" encoding="utf-8"?>
-<p:sld xmlns:a="http://schemas.openxmlformats.org/drawingml/2006/main" xmlns:r="http://schemas.openxmlformats.org/officeDocument/2006/relationships" xmlns:mc="http://schemas.openxmlformats.org/markup-compatibility/2006" xmlns:mv="urn:schemas-microsoft-com:mac:vml" xmlns:p="http://schemas.openxmlformats.org/presentationml/2006/main" xmlns:c="http://schemas.openxmlformats.org/drawingml/2006/chart" xmlns:dgm="http://schemas.openxmlformats.org/drawingml/2006/diagram" xmlns:o="urn:schemas-microsoft-com:office:office" xmlns:v="urn:schemas-microsoft-com:vml" xmlns:pvml="urn:schemas-microsoft-com:office:powerpoint" xmlns:com="http://schemas.openxmlformats.org/drawingml/2006/compatibility" xmlns:p14="http://schemas.microsoft.com/office/powerpoint/2010/main" xmlns:p15="http://schemas.microsoft.com/office/powerpoint/2012/main">
+<p:sld xmlns:r="http://schemas.openxmlformats.org/officeDocument/2006/relationships" xmlns:c="http://schemas.openxmlformats.org/drawingml/2006/chart" xmlns:a="http://schemas.openxmlformats.org/drawingml/2006/main" xmlns:dgm="http://schemas.openxmlformats.org/drawingml/2006/diagram" xmlns:dsp="http://schemas.microsoft.com/office/drawing/2008/diagram" xmlns:p="http://schemas.openxmlformats.org/presentationml/2006/main">
   <p:cSld>
     <p:spTree>
       <p:nvGrpSpPr>
-        <p:cNvPr id="193" name="Shape 193"/>
+        <p:cNvPr id="1" name=""/>
         <p:cNvGrpSpPr/>
         <p:nvPr/>
       </p:nvGrpSpPr>
@@ -15862,9 +15511,11 @@
       <p:sp>
         <p:nvSpPr>
           <p:cNvPr id="194" name="Google Shape;194;p32"/>
-          <p:cNvSpPr txBox="1"/>
+          <p:cNvSpPr txBox="1">
+            <a:spLocks noGrp="1"/>
+          </p:cNvSpPr>
           <p:nvPr>
-            <p:ph type="title"/>
+            <p:ph type="title" idx="0"/>
           </p:nvPr>
         </p:nvSpPr>
         <p:spPr>
@@ -15877,34 +15528,37 @@
           </a:prstGeom>
         </p:spPr>
         <p:txBody>
-          <a:bodyPr anchorCtr="0" anchor="t" bIns="91425" lIns="91425" spcFirstLastPara="1" rIns="91425" wrap="square" tIns="91425">
+          <a:bodyPr wrap="square" lIns="91425" tIns="91425" rIns="91425" bIns="91425" anchor="t" anchorCtr="0">
             <a:noAutofit/>
           </a:bodyPr>
           <a:lstStyle/>
           <a:p>
-            <a:pPr indent="0" lvl="0" marL="0" rtl="0" algn="l">
-              <a:spcBef>
-                <a:spcPts val="0"/>
-              </a:spcBef>
-              <a:spcAft>
-                <a:spcPts val="0"/>
-              </a:spcAft>
-              <a:buNone/>
+            <a:pPr marL="0" lvl="0" indent="0" algn="l">
+              <a:spcBef>
+                <a:spcPct val="0"/>
+              </a:spcBef>
+              <a:spcAft>
+                <a:spcPct val="0"/>
+              </a:spcAft>
+              <a:buNone/>
+              <a:defRPr lang="ko-KR" altLang="en-US"/>
             </a:pPr>
             <a:r>
               <a:rPr lang="ko"/>
               <a:t>socket.io </a:t>
             </a:r>
-            <a:endParaRPr/>
+            <a:endParaRPr lang="ko-KR"/>
           </a:p>
         </p:txBody>
       </p:sp>
       <p:sp>
         <p:nvSpPr>
           <p:cNvPr id="195" name="Google Shape;195;p32"/>
-          <p:cNvSpPr txBox="1"/>
+          <p:cNvSpPr txBox="1">
+            <a:spLocks noGrp="1"/>
+          </p:cNvSpPr>
           <p:nvPr>
-            <p:ph idx="1" type="body"/>
+            <p:ph type="body" idx="1"/>
           </p:nvPr>
         </p:nvSpPr>
         <p:spPr>
@@ -15917,56 +15571,56 @@
           </a:prstGeom>
         </p:spPr>
         <p:txBody>
-          <a:bodyPr anchorCtr="0" anchor="t" bIns="91425" lIns="91425" spcFirstLastPara="1" rIns="91425" wrap="square" tIns="91425">
+          <a:bodyPr wrap="square" lIns="91425" tIns="91425" rIns="91425" bIns="91425" anchor="t" anchorCtr="0">
             <a:noAutofit/>
           </a:bodyPr>
           <a:lstStyle/>
           <a:p>
-            <a:pPr indent="0" lvl="0" marL="0" rtl="0" algn="l">
-              <a:spcBef>
-                <a:spcPts val="0"/>
-              </a:spcBef>
-              <a:spcAft>
-                <a:spcPts val="0"/>
-              </a:spcAft>
-              <a:buNone/>
+            <a:pPr marL="0" lvl="0" indent="0" algn="l">
+              <a:spcBef>
+                <a:spcPct val="0"/>
+              </a:spcBef>
+              <a:spcAft>
+                <a:spcPct val="0"/>
+              </a:spcAft>
+              <a:buNone/>
+              <a:defRPr lang="ko-KR" altLang="en-US"/>
             </a:pPr>
             <a:r>
               <a:rPr lang="ko"/>
               <a:t>Socket Server</a:t>
             </a:r>
-            <a:endParaRPr/>
-          </a:p>
-          <a:p>
-            <a:pPr indent="0" lvl="0" marL="0" rtl="0" algn="l">
-              <a:spcBef>
-                <a:spcPts val="1600"/>
-              </a:spcBef>
-              <a:spcAft>
-                <a:spcPts val="0"/>
-              </a:spcAft>
-              <a:buNone/>
+            <a:endParaRPr lang="ko"/>
+          </a:p>
+          <a:p>
+            <a:pPr marL="0" lvl="0" indent="0" algn="l">
+              <a:spcBef>
+                <a:spcPct val="74000"/>
+              </a:spcBef>
+              <a:spcAft>
+                <a:spcPct val="0"/>
+              </a:spcAft>
+              <a:buNone/>
+              <a:defRPr lang="ko-KR" altLang="en-US"/>
             </a:pPr>
             <a:r>
               <a:rPr lang="ko"/>
               <a:t>    for AnyWhere.</a:t>
             </a:r>
-            <a:endParaRPr/>
-          </a:p>
-          <a:p>
-            <a:pPr indent="0" lvl="0" marL="0" rtl="0" algn="l">
-              <a:spcBef>
-                <a:spcPts val="1600"/>
-              </a:spcBef>
-              <a:spcAft>
-                <a:spcPts val="1600"/>
-              </a:spcAft>
-              <a:buNone/>
-            </a:pPr>
-            <a:r>
-              <a:t/>
-            </a:r>
-            <a:endParaRPr/>
+            <a:endParaRPr lang="ko"/>
+          </a:p>
+          <a:p>
+            <a:pPr marL="0" lvl="0" indent="0" algn="l">
+              <a:spcBef>
+                <a:spcPct val="74000"/>
+              </a:spcBef>
+              <a:spcAft>
+                <a:spcPct val="16000"/>
+              </a:spcAft>
+              <a:buNone/>
+              <a:defRPr lang="ko-KR" altLang="en-US"/>
+            </a:pPr>
+            <a:endParaRPr lang="ko-KR"/>
           </a:p>
         </p:txBody>
       </p:sp>
@@ -15990,51 +15644,50 @@
           </a:ln>
         </p:spPr>
         <p:txBody>
-          <a:bodyPr anchorCtr="0" anchor="ctr" bIns="91425" lIns="91425" spcFirstLastPara="1" rIns="91425" wrap="square" tIns="91425">
+          <a:bodyPr wrap="square" lIns="91425" tIns="91425" rIns="91425" bIns="91425" anchor="ctr" anchorCtr="0">
             <a:noAutofit/>
           </a:bodyPr>
           <a:lstStyle/>
           <a:p>
-            <a:pPr indent="0" lvl="0" marL="0" rtl="0" algn="r">
-              <a:spcBef>
-                <a:spcPts val="0"/>
-              </a:spcBef>
-              <a:spcAft>
-                <a:spcPts val="0"/>
-              </a:spcAft>
-              <a:buNone/>
+            <a:pPr marL="0" lvl="0" indent="0" algn="r">
+              <a:spcBef>
+                <a:spcPct val="0"/>
+              </a:spcBef>
+              <a:spcAft>
+                <a:spcPct val="0"/>
+              </a:spcAft>
+              <a:buNone/>
+              <a:defRPr lang="ko-KR" altLang="en-US"/>
             </a:pPr>
             <a:r>
               <a:rPr lang="ko" u="sng">
                 <a:solidFill>
                   <a:schemeClr val="hlink"/>
                 </a:solidFill>
-                <a:hlinkClick r:id="rId3"/>
+                <a:hlinkClick r:id="rId2"/>
               </a:rPr>
               <a:t>https://www.npmjs.com/package/socket.io</a:t>
             </a:r>
-            <a:endParaRPr>
-              <a:solidFill>
-                <a:srgbClr val="FFFFFF"/>
-              </a:solidFill>
-            </a:endParaRPr>
-          </a:p>
-          <a:p>
-            <a:pPr indent="0" lvl="0" marL="0" rtl="0" algn="r">
-              <a:spcBef>
-                <a:spcPts val="0"/>
-              </a:spcBef>
-              <a:spcAft>
-                <a:spcPts val="0"/>
-              </a:spcAft>
-              <a:buNone/>
-            </a:pPr>
-            <a:r>
-              <a:t/>
-            </a:r>
-            <a:endParaRPr>
-              <a:solidFill>
-                <a:srgbClr val="FFFFFF"/>
+            <a:endParaRPr lang="ko" u="sng">
+              <a:solidFill>
+                <a:schemeClr val="hlink"/>
+              </a:solidFill>
+            </a:endParaRPr>
+          </a:p>
+          <a:p>
+            <a:pPr marL="0" lvl="0" indent="0" algn="r">
+              <a:spcBef>
+                <a:spcPct val="0"/>
+              </a:spcBef>
+              <a:spcAft>
+                <a:spcPct val="0"/>
+              </a:spcAft>
+              <a:buNone/>
+              <a:defRPr lang="ko-KR" altLang="en-US"/>
+            </a:pPr>
+            <a:endParaRPr lang="ko-KR">
+              <a:solidFill>
+                <a:srgbClr val="ffffff"/>
               </a:solidFill>
             </a:endParaRPr>
           </a:p>
@@ -16043,11 +15696,11 @@
       <p:pic>
         <p:nvPicPr>
           <p:cNvPr id="197" name="Google Shape;197;p32"/>
-          <p:cNvPicPr preferRelativeResize="0"/>
+          <p:cNvPicPr/>
           <p:nvPr/>
         </p:nvPicPr>
-        <p:blipFill>
-          <a:blip r:embed="rId4">
+        <p:blipFill rotWithShape="1">
+          <a:blip r:embed="rId3">
             <a:alphaModFix/>
           </a:blip>
           <a:stretch>
@@ -16071,11 +15724,11 @@
       <p:pic>
         <p:nvPicPr>
           <p:cNvPr id="198" name="Google Shape;198;p32"/>
-          <p:cNvPicPr preferRelativeResize="0"/>
+          <p:cNvPicPr/>
           <p:nvPr/>
         </p:nvPicPr>
-        <p:blipFill>
-          <a:blip r:embed="rId5">
+        <p:blipFill rotWithShape="1">
+          <a:blip r:embed="rId4">
             <a:alphaModFix/>
           </a:blip>
           <a:stretch>
@@ -16099,9 +15752,11 @@
       <p:sp>
         <p:nvSpPr>
           <p:cNvPr id="199" name="Google Shape;199;p32"/>
-          <p:cNvSpPr txBox="1"/>
+          <p:cNvSpPr txBox="1">
+            <a:spLocks noGrp="1"/>
+          </p:cNvSpPr>
           <p:nvPr>
-            <p:ph type="title"/>
+            <p:ph type="title" idx="0"/>
           </p:nvPr>
         </p:nvSpPr>
         <p:spPr>
@@ -16114,29 +15769,26 @@
           </a:prstGeom>
         </p:spPr>
         <p:txBody>
-          <a:bodyPr anchorCtr="0" anchor="t" bIns="91425" lIns="91425" spcFirstLastPara="1" rIns="91425" wrap="square" tIns="91425">
+          <a:bodyPr wrap="square" lIns="91425" tIns="91425" rIns="91425" bIns="91425" anchor="t" anchorCtr="0">
             <a:noAutofit/>
           </a:bodyPr>
           <a:lstStyle/>
           <a:p>
-            <a:pPr indent="0" lvl="0" marL="0" rtl="0" algn="l">
-              <a:spcBef>
-                <a:spcPts val="0"/>
-              </a:spcBef>
-              <a:spcAft>
-                <a:spcPts val="0"/>
-              </a:spcAft>
-              <a:buNone/>
+            <a:pPr marL="0" lvl="0" indent="0" algn="l">
+              <a:spcBef>
+                <a:spcPct val="0"/>
+              </a:spcBef>
+              <a:spcAft>
+                <a:spcPct val="0"/>
+              </a:spcAft>
+              <a:buNone/>
+              <a:defRPr lang="ko-KR" altLang="en-US"/>
             </a:pPr>
             <a:r>
               <a:rPr lang="ko"/>
-              <a:t>* </a:t>
-            </a:r>
-            <a:r>
-              <a:rPr lang="ko"/>
-              <a:t>client</a:t>
-            </a:r>
-            <a:endParaRPr/>
+              <a:t>* client</a:t>
+            </a:r>
+            <a:endParaRPr lang="ko-KR"/>
           </a:p>
         </p:txBody>
       </p:sp>
@@ -16145,15 +15797,16 @@
   <p:clrMapOvr>
     <a:masterClrMapping/>
   </p:clrMapOvr>
+  <p:transition xmlns:mc="http://schemas.openxmlformats.org/markup-compatibility/2006" xmlns:hp="http://schemas.haansoft.com/office/presentation/8.0" mc:Ignorable="hp" hp:hslDur="500"/>
 </p:sld>
 </file>
 
 <file path=ppt/slides/slide21.xml><?xml version="1.0" encoding="utf-8"?>
-<p:sld xmlns:a="http://schemas.openxmlformats.org/drawingml/2006/main" xmlns:r="http://schemas.openxmlformats.org/officeDocument/2006/relationships" xmlns:mc="http://schemas.openxmlformats.org/markup-compatibility/2006" xmlns:mv="urn:schemas-microsoft-com:mac:vml" xmlns:p="http://schemas.openxmlformats.org/presentationml/2006/main" xmlns:c="http://schemas.openxmlformats.org/drawingml/2006/chart" xmlns:dgm="http://schemas.openxmlformats.org/drawingml/2006/diagram" xmlns:o="urn:schemas-microsoft-com:office:office" xmlns:v="urn:schemas-microsoft-com:vml" xmlns:pvml="urn:schemas-microsoft-com:office:powerpoint" xmlns:com="http://schemas.openxmlformats.org/drawingml/2006/compatibility" xmlns:p14="http://schemas.microsoft.com/office/powerpoint/2010/main" xmlns:p15="http://schemas.microsoft.com/office/powerpoint/2012/main">
+<p:sld xmlns:r="http://schemas.openxmlformats.org/officeDocument/2006/relationships" xmlns:c="http://schemas.openxmlformats.org/drawingml/2006/chart" xmlns:a="http://schemas.openxmlformats.org/drawingml/2006/main" xmlns:dgm="http://schemas.openxmlformats.org/drawingml/2006/diagram" xmlns:dsp="http://schemas.microsoft.com/office/drawing/2008/diagram" xmlns:p="http://schemas.openxmlformats.org/presentationml/2006/main">
   <p:cSld>
     <p:spTree>
       <p:nvGrpSpPr>
-        <p:cNvPr id="203" name="Shape 203"/>
+        <p:cNvPr id="1" name=""/>
         <p:cNvGrpSpPr/>
         <p:nvPr/>
       </p:nvGrpSpPr>
@@ -16168,9 +15821,11 @@
       <p:sp>
         <p:nvSpPr>
           <p:cNvPr id="204" name="Google Shape;204;p33"/>
-          <p:cNvSpPr txBox="1"/>
+          <p:cNvSpPr txBox="1">
+            <a:spLocks noGrp="1"/>
+          </p:cNvSpPr>
           <p:nvPr>
-            <p:ph type="title"/>
+            <p:ph type="title" idx="0"/>
           </p:nvPr>
         </p:nvSpPr>
         <p:spPr>
@@ -16183,34 +15838,37 @@
           </a:prstGeom>
         </p:spPr>
         <p:txBody>
-          <a:bodyPr anchorCtr="0" anchor="t" bIns="91425" lIns="91425" spcFirstLastPara="1" rIns="91425" wrap="square" tIns="91425">
+          <a:bodyPr wrap="square" lIns="91425" tIns="91425" rIns="91425" bIns="91425" anchor="t" anchorCtr="0">
             <a:noAutofit/>
           </a:bodyPr>
           <a:lstStyle/>
           <a:p>
-            <a:pPr indent="0" lvl="0" marL="0" rtl="0" algn="l">
-              <a:spcBef>
-                <a:spcPts val="0"/>
-              </a:spcBef>
-              <a:spcAft>
-                <a:spcPts val="0"/>
-              </a:spcAft>
-              <a:buNone/>
+            <a:pPr marL="0" lvl="0" indent="0" algn="l">
+              <a:spcBef>
+                <a:spcPct val="0"/>
+              </a:spcBef>
+              <a:spcAft>
+                <a:spcPct val="0"/>
+              </a:spcAft>
+              <a:buNone/>
+              <a:defRPr lang="ko-KR" altLang="en-US"/>
             </a:pPr>
             <a:r>
               <a:rPr lang="ko"/>
               <a:t>socket.io </a:t>
             </a:r>
-            <a:endParaRPr/>
+            <a:endParaRPr lang="ko-KR"/>
           </a:p>
         </p:txBody>
       </p:sp>
       <p:sp>
         <p:nvSpPr>
           <p:cNvPr id="205" name="Google Shape;205;p33"/>
-          <p:cNvSpPr txBox="1"/>
+          <p:cNvSpPr txBox="1">
+            <a:spLocks noGrp="1"/>
+          </p:cNvSpPr>
           <p:nvPr>
-            <p:ph idx="1" type="body"/>
+            <p:ph type="body" idx="1"/>
           </p:nvPr>
         </p:nvSpPr>
         <p:spPr>
@@ -16223,50 +15881,49 @@
           </a:prstGeom>
         </p:spPr>
         <p:txBody>
-          <a:bodyPr anchorCtr="0" anchor="t" bIns="91425" lIns="91425" spcFirstLastPara="1" rIns="91425" wrap="square" tIns="91425">
+          <a:bodyPr wrap="square" lIns="91425" tIns="91425" rIns="91425" bIns="91425" anchor="t" anchorCtr="0">
             <a:noAutofit/>
           </a:bodyPr>
           <a:lstStyle/>
           <a:p>
-            <a:pPr indent="0" lvl="0" marL="0" rtl="0" algn="l">
-              <a:spcBef>
-                <a:spcPts val="0"/>
-              </a:spcBef>
-              <a:spcAft>
-                <a:spcPts val="0"/>
-              </a:spcAft>
-              <a:buNone/>
+            <a:pPr marL="0" lvl="0" indent="0" algn="l">
+              <a:spcBef>
+                <a:spcPct val="0"/>
+              </a:spcBef>
+              <a:spcAft>
+                <a:spcPct val="0"/>
+              </a:spcAft>
+              <a:buNone/>
+              <a:defRPr lang="ko-KR" altLang="en-US"/>
             </a:pPr>
             <a:r>
               <a:rPr lang="ko">
                 <a:solidFill>
-                  <a:srgbClr val="FF9900"/>
+                  <a:srgbClr val="ff9900"/>
                 </a:solidFill>
               </a:rPr>
               <a:t>$nodevue&gt; npm i socket.io --save</a:t>
             </a:r>
-            <a:endParaRPr>
-              <a:solidFill>
-                <a:srgbClr val="FF9900"/>
-              </a:solidFill>
-            </a:endParaRPr>
-          </a:p>
-          <a:p>
-            <a:pPr indent="0" lvl="0" marL="0" rtl="0" algn="l">
-              <a:spcBef>
-                <a:spcPts val="1600"/>
-              </a:spcBef>
-              <a:spcAft>
-                <a:spcPts val="1600"/>
-              </a:spcAft>
-              <a:buNone/>
-            </a:pPr>
-            <a:r>
-              <a:t/>
-            </a:r>
-            <a:endParaRPr>
-              <a:solidFill>
-                <a:srgbClr val="FF9900"/>
+            <a:endParaRPr lang="ko">
+              <a:solidFill>
+                <a:srgbClr val="ff9900"/>
+              </a:solidFill>
+            </a:endParaRPr>
+          </a:p>
+          <a:p>
+            <a:pPr marL="0" lvl="0" indent="0" algn="l">
+              <a:spcBef>
+                <a:spcPct val="74000"/>
+              </a:spcBef>
+              <a:spcAft>
+                <a:spcPct val="16000"/>
+              </a:spcAft>
+              <a:buNone/>
+              <a:defRPr lang="ko-KR" altLang="en-US"/>
+            </a:pPr>
+            <a:endParaRPr lang="ko-KR">
+              <a:solidFill>
+                <a:srgbClr val="ff9900"/>
               </a:solidFill>
             </a:endParaRPr>
           </a:p>
@@ -16275,9 +15932,11 @@
       <p:sp>
         <p:nvSpPr>
           <p:cNvPr id="206" name="Google Shape;206;p33"/>
-          <p:cNvSpPr txBox="1"/>
+          <p:cNvSpPr txBox="1">
+            <a:spLocks noGrp="1"/>
+          </p:cNvSpPr>
           <p:nvPr>
-            <p:ph idx="1" type="body"/>
+            <p:ph type="body" idx="1"/>
           </p:nvPr>
         </p:nvSpPr>
         <p:spPr>
@@ -16290,27 +15949,28 @@
           </a:prstGeom>
         </p:spPr>
         <p:txBody>
-          <a:bodyPr anchorCtr="0" anchor="t" bIns="91425" lIns="91425" spcFirstLastPara="1" rIns="91425" wrap="square" tIns="91425">
+          <a:bodyPr wrap="square" lIns="91425" tIns="91425" rIns="91425" bIns="91425" anchor="t" anchorCtr="0">
             <a:noAutofit/>
           </a:bodyPr>
           <a:lstStyle/>
           <a:p>
-            <a:pPr indent="-342900" lvl="0" marL="457200" rtl="0" algn="l">
-              <a:spcBef>
-                <a:spcPts val="0"/>
-              </a:spcBef>
-              <a:spcAft>
-                <a:spcPts val="0"/>
-              </a:spcAft>
-              <a:buSzPts val="1800"/>
+            <a:pPr marL="457200" lvl="0" indent="-342900" algn="l">
+              <a:spcBef>
+                <a:spcPct val="0"/>
+              </a:spcBef>
+              <a:spcAft>
+                <a:spcPct val="0"/>
+              </a:spcAft>
+              <a:buSzPct val="25000"/>
               <a:buChar char="●"/>
+              <a:defRPr lang="ko-KR" altLang="en-US"/>
             </a:pPr>
             <a:r>
               <a:rPr lang="ko"/>
               <a:t>Events: </a:t>
             </a:r>
             <a:r>
-              <a:rPr b="1" lang="ko"/>
+              <a:rPr lang="ko" b="1"/>
               <a:t>connection</a:t>
             </a:r>
             <a:r>
@@ -16318,7 +15978,7 @@
               <a:t>, </a:t>
             </a:r>
             <a:r>
-              <a:rPr b="1" lang="ko"/>
+              <a:rPr lang="ko" b="1"/>
               <a:t>disconnecting</a:t>
             </a:r>
             <a:r>
@@ -16326,27 +15986,28 @@
               <a:t>(cf. disconnect), </a:t>
             </a:r>
             <a:r>
-              <a:rPr b="1" lang="ko"/>
+              <a:rPr lang="ko" b="1"/>
               <a:t>error</a:t>
             </a:r>
             <a:br>
-              <a:rPr b="1" lang="ko"/>
+              <a:rPr lang="ko" b="1"/>
             </a:br>
-            <a:endParaRPr b="1"/>
-          </a:p>
-          <a:p>
-            <a:pPr indent="-342900" lvl="0" marL="457200" rtl="0" algn="l">
-              <a:spcBef>
-                <a:spcPts val="0"/>
-              </a:spcBef>
-              <a:spcAft>
-                <a:spcPts val="0"/>
-              </a:spcAft>
-              <a:buSzPts val="1800"/>
+            <a:endParaRPr lang="ko" b="1"/>
+          </a:p>
+          <a:p>
+            <a:pPr marL="457200" lvl="0" indent="-342900" algn="l">
+              <a:spcBef>
+                <a:spcPct val="0"/>
+              </a:spcBef>
+              <a:spcAft>
+                <a:spcPct val="0"/>
+              </a:spcAft>
+              <a:buSzPct val="25000"/>
               <a:buChar char="●"/>
-            </a:pPr>
-            <a:r>
-              <a:rPr b="1" lang="ko"/>
+              <a:defRPr lang="ko-KR" altLang="en-US"/>
+            </a:pPr>
+            <a:r>
+              <a:rPr lang="ko" b="1"/>
               <a:t>socket</a:t>
             </a:r>
             <a:r>
@@ -16365,30 +16026,27 @@
             </a:br>
             <a:r>
               <a:rPr lang="ko"/>
-              <a:t>- handshake (</a:t>
-            </a:r>
-            <a:r>
-              <a:rPr lang="ko"/>
-              <a:t>query, host, url, user-agent, cookie)</a:t>
+              <a:t>- handshake (query, host, url, user-agent, cookie)</a:t>
             </a:r>
             <a:br>
               <a:rPr lang="ko"/>
             </a:br>
-            <a:endParaRPr/>
-          </a:p>
-          <a:p>
-            <a:pPr indent="-342900" lvl="0" marL="457200" rtl="0" algn="l">
-              <a:spcBef>
-                <a:spcPts val="0"/>
-              </a:spcBef>
-              <a:spcAft>
-                <a:spcPts val="0"/>
-              </a:spcAft>
-              <a:buSzPts val="1800"/>
+            <a:endParaRPr lang="ko"/>
+          </a:p>
+          <a:p>
+            <a:pPr marL="457200" lvl="0" indent="-342900" algn="l">
+              <a:spcBef>
+                <a:spcPct val="0"/>
+              </a:spcBef>
+              <a:spcAft>
+                <a:spcPct val="0"/>
+              </a:spcAft>
+              <a:buSzPct val="25000"/>
               <a:buChar char="●"/>
-            </a:pPr>
-            <a:r>
-              <a:rPr b="1" lang="ko"/>
+              <a:defRPr lang="ko-KR" altLang="en-US"/>
+            </a:pPr>
+            <a:r>
+              <a:rPr lang="ko" b="1"/>
               <a:t>room</a:t>
             </a:r>
             <a:br>
@@ -16436,7 +16094,7 @@
               </a:rPr>
               <a:t>// 이 roomId 방 모두에게(나 포함)!!</a:t>
             </a:r>
-            <a:endParaRPr/>
+            <a:endParaRPr lang="ko-KR"/>
           </a:p>
         </p:txBody>
       </p:sp>
@@ -16445,6 +16103,7 @@
   <p:clrMapOvr>
     <a:masterClrMapping/>
   </p:clrMapOvr>
+  <p:transition xmlns:mc="http://schemas.openxmlformats.org/markup-compatibility/2006" xmlns:hp="http://schemas.haansoft.com/office/presentation/8.0" mc:Ignorable="hp" hp:hslDur="500"/>
 </p:sld>
 </file>
 

--- a/Node & Vue 시작하기.pptx
+++ b/Node & Vue 시작하기.pptx
@@ -813,6 +813,1887 @@
   <p:cSld>
     <p:spTree>
       <p:nvGrpSpPr>
+        <p:cNvPr id="305" name="Shape 305"/>
+        <p:cNvGrpSpPr/>
+        <p:nvPr/>
+      </p:nvGrpSpPr>
+      <p:grpSpPr>
+        <a:xfrm>
+          <a:off x="0" y="0"/>
+          <a:ext cx="0" cy="0"/>
+          <a:chOff x="0" y="0"/>
+          <a:chExt cx="0" cy="0"/>
+        </a:xfrm>
+      </p:grpSpPr>
+      <p:sp>
+        <p:nvSpPr>
+          <p:cNvPr id="306" name="Google Shape;306;g4499e2c750_0_232:notes"/>
+          <p:cNvSpPr/>
+          <p:nvPr>
+            <p:ph idx="2" type="sldImg"/>
+          </p:nvPr>
+        </p:nvSpPr>
+        <p:spPr>
+          <a:xfrm>
+            <a:off x="381300" y="685800"/>
+            <a:ext cx="6096000" cy="3429000"/>
+          </a:xfrm>
+          <a:custGeom>
+            <a:rect b="b" l="l" r="r" t="t"/>
+            <a:pathLst>
+              <a:path extrusionOk="0" h="120000" w="120000">
+                <a:moveTo>
+                  <a:pt x="0" y="0"/>
+                </a:moveTo>
+                <a:lnTo>
+                  <a:pt x="120000" y="0"/>
+                </a:lnTo>
+                <a:lnTo>
+                  <a:pt x="120000" y="120000"/>
+                </a:lnTo>
+                <a:lnTo>
+                  <a:pt x="0" y="120000"/>
+                </a:lnTo>
+                <a:close/>
+              </a:path>
+            </a:pathLst>
+          </a:custGeom>
+        </p:spPr>
+      </p:sp>
+      <p:sp>
+        <p:nvSpPr>
+          <p:cNvPr id="307" name="Google Shape;307;g4499e2c750_0_232:notes"/>
+          <p:cNvSpPr txBox="1"/>
+          <p:nvPr>
+            <p:ph idx="1" type="body"/>
+          </p:nvPr>
+        </p:nvSpPr>
+        <p:spPr>
+          <a:xfrm>
+            <a:off x="685800" y="4343400"/>
+            <a:ext cx="5486400" cy="4114800"/>
+          </a:xfrm>
+          <a:prstGeom prst="rect">
+            <a:avLst/>
+          </a:prstGeom>
+        </p:spPr>
+        <p:txBody>
+          <a:bodyPr anchorCtr="0" anchor="t" bIns="91425" lIns="91425" spcFirstLastPara="1" rIns="91425" wrap="square" tIns="91425">
+            <a:noAutofit/>
+          </a:bodyPr>
+          <a:lstStyle/>
+          <a:p>
+            <a:pPr indent="0" lvl="0" marL="0" rtl="0" algn="l">
+              <a:spcBef>
+                <a:spcPts val="0"/>
+              </a:spcBef>
+              <a:spcAft>
+                <a:spcPts val="0"/>
+              </a:spcAft>
+              <a:buNone/>
+            </a:pPr>
+            <a:r>
+              <a:t/>
+            </a:r>
+            <a:endParaRPr/>
+          </a:p>
+        </p:txBody>
+      </p:sp>
+    </p:spTree>
+  </p:cSld>
+  <p:clrMapOvr>
+    <a:masterClrMapping/>
+  </p:clrMapOvr>
+</p:notes>
+</file>
+
+<file path=ppt/notesSlides/notesSlide11.xml><?xml version="1.0" encoding="utf-8"?>
+<p:notes xmlns:a="http://schemas.openxmlformats.org/drawingml/2006/main" xmlns:r="http://schemas.openxmlformats.org/officeDocument/2006/relationships" xmlns:mc="http://schemas.openxmlformats.org/markup-compatibility/2006" xmlns:mv="urn:schemas-microsoft-com:mac:vml" xmlns:p="http://schemas.openxmlformats.org/presentationml/2006/main" xmlns:c="http://schemas.openxmlformats.org/drawingml/2006/chart" xmlns:dgm="http://schemas.openxmlformats.org/drawingml/2006/diagram" xmlns:o="urn:schemas-microsoft-com:office:office" xmlns:v="urn:schemas-microsoft-com:vml" xmlns:pvml="urn:schemas-microsoft-com:office:powerpoint" xmlns:com="http://schemas.openxmlformats.org/drawingml/2006/compatibility" xmlns:p14="http://schemas.microsoft.com/office/powerpoint/2010/main" xmlns:p15="http://schemas.microsoft.com/office/powerpoint/2012/main" showMasterPhAnim="0" showMasterSp="0">
+  <p:cSld>
+    <p:spTree>
+      <p:nvGrpSpPr>
+        <p:cNvPr id="310" name="Shape 310"/>
+        <p:cNvGrpSpPr/>
+        <p:nvPr/>
+      </p:nvGrpSpPr>
+      <p:grpSpPr>
+        <a:xfrm>
+          <a:off x="0" y="0"/>
+          <a:ext cx="0" cy="0"/>
+          <a:chOff x="0" y="0"/>
+          <a:chExt cx="0" cy="0"/>
+        </a:xfrm>
+      </p:grpSpPr>
+      <p:sp>
+        <p:nvSpPr>
+          <p:cNvPr id="311" name="Google Shape;311;g4499e2c750_0_222:notes"/>
+          <p:cNvSpPr/>
+          <p:nvPr>
+            <p:ph idx="2" type="sldImg"/>
+          </p:nvPr>
+        </p:nvSpPr>
+        <p:spPr>
+          <a:xfrm>
+            <a:off x="381300" y="685800"/>
+            <a:ext cx="6096000" cy="3429000"/>
+          </a:xfrm>
+          <a:custGeom>
+            <a:rect b="b" l="l" r="r" t="t"/>
+            <a:pathLst>
+              <a:path extrusionOk="0" h="120000" w="120000">
+                <a:moveTo>
+                  <a:pt x="0" y="0"/>
+                </a:moveTo>
+                <a:lnTo>
+                  <a:pt x="120000" y="0"/>
+                </a:lnTo>
+                <a:lnTo>
+                  <a:pt x="120000" y="120000"/>
+                </a:lnTo>
+                <a:lnTo>
+                  <a:pt x="0" y="120000"/>
+                </a:lnTo>
+                <a:close/>
+              </a:path>
+            </a:pathLst>
+          </a:custGeom>
+        </p:spPr>
+      </p:sp>
+      <p:sp>
+        <p:nvSpPr>
+          <p:cNvPr id="312" name="Google Shape;312;g4499e2c750_0_222:notes"/>
+          <p:cNvSpPr txBox="1"/>
+          <p:nvPr>
+            <p:ph idx="1" type="body"/>
+          </p:nvPr>
+        </p:nvSpPr>
+        <p:spPr>
+          <a:xfrm>
+            <a:off x="685800" y="4343400"/>
+            <a:ext cx="5486400" cy="4114800"/>
+          </a:xfrm>
+          <a:prstGeom prst="rect">
+            <a:avLst/>
+          </a:prstGeom>
+        </p:spPr>
+        <p:txBody>
+          <a:bodyPr anchorCtr="0" anchor="t" bIns="91425" lIns="91425" spcFirstLastPara="1" rIns="91425" wrap="square" tIns="91425">
+            <a:noAutofit/>
+          </a:bodyPr>
+          <a:lstStyle/>
+          <a:p>
+            <a:pPr indent="0" lvl="0" marL="0" rtl="0" algn="l">
+              <a:spcBef>
+                <a:spcPts val="0"/>
+              </a:spcBef>
+              <a:spcAft>
+                <a:spcPts val="0"/>
+              </a:spcAft>
+              <a:buNone/>
+            </a:pPr>
+            <a:r>
+              <a:t/>
+            </a:r>
+            <a:endParaRPr/>
+          </a:p>
+        </p:txBody>
+      </p:sp>
+    </p:spTree>
+  </p:cSld>
+  <p:clrMapOvr>
+    <a:masterClrMapping/>
+  </p:clrMapOvr>
+</p:notes>
+</file>
+
+<file path=ppt/notesSlides/notesSlide12.xml><?xml version="1.0" encoding="utf-8"?>
+<p:notes xmlns:a="http://schemas.openxmlformats.org/drawingml/2006/main" xmlns:r="http://schemas.openxmlformats.org/officeDocument/2006/relationships" xmlns:mc="http://schemas.openxmlformats.org/markup-compatibility/2006" xmlns:mv="urn:schemas-microsoft-com:mac:vml" xmlns:p="http://schemas.openxmlformats.org/presentationml/2006/main" xmlns:c="http://schemas.openxmlformats.org/drawingml/2006/chart" xmlns:dgm="http://schemas.openxmlformats.org/drawingml/2006/diagram" xmlns:o="urn:schemas-microsoft-com:office:office" xmlns:v="urn:schemas-microsoft-com:vml" xmlns:pvml="urn:schemas-microsoft-com:office:powerpoint" xmlns:com="http://schemas.openxmlformats.org/drawingml/2006/compatibility" xmlns:p14="http://schemas.microsoft.com/office/powerpoint/2010/main" xmlns:p15="http://schemas.microsoft.com/office/powerpoint/2012/main" showMasterPhAnim="0" showMasterSp="0">
+  <p:cSld>
+    <p:spTree>
+      <p:nvGrpSpPr>
+        <p:cNvPr id="321" name="Shape 321"/>
+        <p:cNvGrpSpPr/>
+        <p:nvPr/>
+      </p:nvGrpSpPr>
+      <p:grpSpPr>
+        <a:xfrm>
+          <a:off x="0" y="0"/>
+          <a:ext cx="0" cy="0"/>
+          <a:chOff x="0" y="0"/>
+          <a:chExt cx="0" cy="0"/>
+        </a:xfrm>
+      </p:grpSpPr>
+      <p:sp>
+        <p:nvSpPr>
+          <p:cNvPr id="322" name="Google Shape;322;g4563e4ce49_1_30:notes"/>
+          <p:cNvSpPr/>
+          <p:nvPr>
+            <p:ph idx="2" type="sldImg"/>
+          </p:nvPr>
+        </p:nvSpPr>
+        <p:spPr>
+          <a:xfrm>
+            <a:off x="381300" y="685800"/>
+            <a:ext cx="6096000" cy="3429000"/>
+          </a:xfrm>
+          <a:custGeom>
+            <a:rect b="b" l="l" r="r" t="t"/>
+            <a:pathLst>
+              <a:path extrusionOk="0" h="120000" w="120000">
+                <a:moveTo>
+                  <a:pt x="0" y="0"/>
+                </a:moveTo>
+                <a:lnTo>
+                  <a:pt x="120000" y="0"/>
+                </a:lnTo>
+                <a:lnTo>
+                  <a:pt x="120000" y="120000"/>
+                </a:lnTo>
+                <a:lnTo>
+                  <a:pt x="0" y="120000"/>
+                </a:lnTo>
+                <a:close/>
+              </a:path>
+            </a:pathLst>
+          </a:custGeom>
+        </p:spPr>
+      </p:sp>
+      <p:sp>
+        <p:nvSpPr>
+          <p:cNvPr id="323" name="Google Shape;323;g4563e4ce49_1_30:notes"/>
+          <p:cNvSpPr txBox="1"/>
+          <p:nvPr>
+            <p:ph idx="1" type="body"/>
+          </p:nvPr>
+        </p:nvSpPr>
+        <p:spPr>
+          <a:xfrm>
+            <a:off x="685800" y="4343400"/>
+            <a:ext cx="5486400" cy="4114800"/>
+          </a:xfrm>
+          <a:prstGeom prst="rect">
+            <a:avLst/>
+          </a:prstGeom>
+        </p:spPr>
+        <p:txBody>
+          <a:bodyPr anchorCtr="0" anchor="t" bIns="91425" lIns="91425" spcFirstLastPara="1" rIns="91425" wrap="square" tIns="91425">
+            <a:noAutofit/>
+          </a:bodyPr>
+          <a:lstStyle/>
+          <a:p>
+            <a:pPr indent="0" lvl="0" marL="0" rtl="0" algn="l">
+              <a:spcBef>
+                <a:spcPts val="0"/>
+              </a:spcBef>
+              <a:spcAft>
+                <a:spcPts val="0"/>
+              </a:spcAft>
+              <a:buNone/>
+            </a:pPr>
+            <a:r>
+              <a:t/>
+            </a:r>
+            <a:endParaRPr/>
+          </a:p>
+        </p:txBody>
+      </p:sp>
+    </p:spTree>
+  </p:cSld>
+  <p:clrMapOvr>
+    <a:masterClrMapping/>
+  </p:clrMapOvr>
+</p:notes>
+</file>
+
+<file path=ppt/notesSlides/notesSlide13.xml><?xml version="1.0" encoding="utf-8"?>
+<p:notes xmlns:a="http://schemas.openxmlformats.org/drawingml/2006/main" xmlns:r="http://schemas.openxmlformats.org/officeDocument/2006/relationships" xmlns:mc="http://schemas.openxmlformats.org/markup-compatibility/2006" xmlns:mv="urn:schemas-microsoft-com:mac:vml" xmlns:p="http://schemas.openxmlformats.org/presentationml/2006/main" xmlns:c="http://schemas.openxmlformats.org/drawingml/2006/chart" xmlns:dgm="http://schemas.openxmlformats.org/drawingml/2006/diagram" xmlns:o="urn:schemas-microsoft-com:office:office" xmlns:v="urn:schemas-microsoft-com:vml" xmlns:pvml="urn:schemas-microsoft-com:office:powerpoint" xmlns:com="http://schemas.openxmlformats.org/drawingml/2006/compatibility" xmlns:p14="http://schemas.microsoft.com/office/powerpoint/2010/main" xmlns:p15="http://schemas.microsoft.com/office/powerpoint/2012/main" showMasterPhAnim="0" showMasterSp="0">
+  <p:cSld>
+    <p:spTree>
+      <p:nvGrpSpPr>
+        <p:cNvPr id="330" name="Shape 330"/>
+        <p:cNvGrpSpPr/>
+        <p:nvPr/>
+      </p:nvGrpSpPr>
+      <p:grpSpPr>
+        <a:xfrm>
+          <a:off x="0" y="0"/>
+          <a:ext cx="0" cy="0"/>
+          <a:chOff x="0" y="0"/>
+          <a:chExt cx="0" cy="0"/>
+        </a:xfrm>
+      </p:grpSpPr>
+      <p:sp>
+        <p:nvSpPr>
+          <p:cNvPr id="331" name="Google Shape;331;g4563e4ce49_1_10:notes"/>
+          <p:cNvSpPr/>
+          <p:nvPr>
+            <p:ph idx="2" type="sldImg"/>
+          </p:nvPr>
+        </p:nvSpPr>
+        <p:spPr>
+          <a:xfrm>
+            <a:off x="381300" y="685800"/>
+            <a:ext cx="6096000" cy="3429000"/>
+          </a:xfrm>
+          <a:custGeom>
+            <a:rect b="b" l="l" r="r" t="t"/>
+            <a:pathLst>
+              <a:path extrusionOk="0" h="120000" w="120000">
+                <a:moveTo>
+                  <a:pt x="0" y="0"/>
+                </a:moveTo>
+                <a:lnTo>
+                  <a:pt x="120000" y="0"/>
+                </a:lnTo>
+                <a:lnTo>
+                  <a:pt x="120000" y="120000"/>
+                </a:lnTo>
+                <a:lnTo>
+                  <a:pt x="0" y="120000"/>
+                </a:lnTo>
+                <a:close/>
+              </a:path>
+            </a:pathLst>
+          </a:custGeom>
+        </p:spPr>
+      </p:sp>
+      <p:sp>
+        <p:nvSpPr>
+          <p:cNvPr id="332" name="Google Shape;332;g4563e4ce49_1_10:notes"/>
+          <p:cNvSpPr txBox="1"/>
+          <p:nvPr>
+            <p:ph idx="1" type="body"/>
+          </p:nvPr>
+        </p:nvSpPr>
+        <p:spPr>
+          <a:xfrm>
+            <a:off x="685800" y="4343400"/>
+            <a:ext cx="5486400" cy="4114800"/>
+          </a:xfrm>
+          <a:prstGeom prst="rect">
+            <a:avLst/>
+          </a:prstGeom>
+        </p:spPr>
+        <p:txBody>
+          <a:bodyPr anchorCtr="0" anchor="t" bIns="91425" lIns="91425" spcFirstLastPara="1" rIns="91425" wrap="square" tIns="91425">
+            <a:noAutofit/>
+          </a:bodyPr>
+          <a:lstStyle/>
+          <a:p>
+            <a:pPr indent="0" lvl="0" marL="0" rtl="0" algn="l">
+              <a:spcBef>
+                <a:spcPts val="0"/>
+              </a:spcBef>
+              <a:spcAft>
+                <a:spcPts val="0"/>
+              </a:spcAft>
+              <a:buNone/>
+            </a:pPr>
+            <a:r>
+              <a:t/>
+            </a:r>
+            <a:endParaRPr/>
+          </a:p>
+        </p:txBody>
+      </p:sp>
+    </p:spTree>
+  </p:cSld>
+  <p:clrMapOvr>
+    <a:masterClrMapping/>
+  </p:clrMapOvr>
+</p:notes>
+</file>
+
+<file path=ppt/notesSlides/notesSlide14.xml><?xml version="1.0" encoding="utf-8"?>
+<p:notes xmlns:a="http://schemas.openxmlformats.org/drawingml/2006/main" xmlns:r="http://schemas.openxmlformats.org/officeDocument/2006/relationships" xmlns:mc="http://schemas.openxmlformats.org/markup-compatibility/2006" xmlns:mv="urn:schemas-microsoft-com:mac:vml" xmlns:p="http://schemas.openxmlformats.org/presentationml/2006/main" xmlns:c="http://schemas.openxmlformats.org/drawingml/2006/chart" xmlns:dgm="http://schemas.openxmlformats.org/drawingml/2006/diagram" xmlns:o="urn:schemas-microsoft-com:office:office" xmlns:v="urn:schemas-microsoft-com:vml" xmlns:pvml="urn:schemas-microsoft-com:office:powerpoint" xmlns:com="http://schemas.openxmlformats.org/drawingml/2006/compatibility" xmlns:p14="http://schemas.microsoft.com/office/powerpoint/2010/main" xmlns:p15="http://schemas.microsoft.com/office/powerpoint/2012/main" showMasterPhAnim="0" showMasterSp="0">
+  <p:cSld>
+    <p:spTree>
+      <p:nvGrpSpPr>
+        <p:cNvPr id="337" name="Shape 337"/>
+        <p:cNvGrpSpPr/>
+        <p:nvPr/>
+      </p:nvGrpSpPr>
+      <p:grpSpPr>
+        <a:xfrm>
+          <a:off x="0" y="0"/>
+          <a:ext cx="0" cy="0"/>
+          <a:chOff x="0" y="0"/>
+          <a:chExt cx="0" cy="0"/>
+        </a:xfrm>
+      </p:grpSpPr>
+      <p:sp>
+        <p:nvSpPr>
+          <p:cNvPr id="338" name="Google Shape;338;g4563e4ce49_1_15:notes"/>
+          <p:cNvSpPr/>
+          <p:nvPr>
+            <p:ph idx="2" type="sldImg"/>
+          </p:nvPr>
+        </p:nvSpPr>
+        <p:spPr>
+          <a:xfrm>
+            <a:off x="381300" y="685800"/>
+            <a:ext cx="6096000" cy="3429000"/>
+          </a:xfrm>
+          <a:custGeom>
+            <a:rect b="b" l="l" r="r" t="t"/>
+            <a:pathLst>
+              <a:path extrusionOk="0" h="120000" w="120000">
+                <a:moveTo>
+                  <a:pt x="0" y="0"/>
+                </a:moveTo>
+                <a:lnTo>
+                  <a:pt x="120000" y="0"/>
+                </a:lnTo>
+                <a:lnTo>
+                  <a:pt x="120000" y="120000"/>
+                </a:lnTo>
+                <a:lnTo>
+                  <a:pt x="0" y="120000"/>
+                </a:lnTo>
+                <a:close/>
+              </a:path>
+            </a:pathLst>
+          </a:custGeom>
+        </p:spPr>
+      </p:sp>
+      <p:sp>
+        <p:nvSpPr>
+          <p:cNvPr id="339" name="Google Shape;339;g4563e4ce49_1_15:notes"/>
+          <p:cNvSpPr txBox="1"/>
+          <p:nvPr>
+            <p:ph idx="1" type="body"/>
+          </p:nvPr>
+        </p:nvSpPr>
+        <p:spPr>
+          <a:xfrm>
+            <a:off x="685800" y="4343400"/>
+            <a:ext cx="5486400" cy="4114800"/>
+          </a:xfrm>
+          <a:prstGeom prst="rect">
+            <a:avLst/>
+          </a:prstGeom>
+        </p:spPr>
+        <p:txBody>
+          <a:bodyPr anchorCtr="0" anchor="t" bIns="91425" lIns="91425" spcFirstLastPara="1" rIns="91425" wrap="square" tIns="91425">
+            <a:noAutofit/>
+          </a:bodyPr>
+          <a:lstStyle/>
+          <a:p>
+            <a:pPr indent="0" lvl="0" marL="0" rtl="0" algn="l">
+              <a:spcBef>
+                <a:spcPts val="0"/>
+              </a:spcBef>
+              <a:spcAft>
+                <a:spcPts val="0"/>
+              </a:spcAft>
+              <a:buNone/>
+            </a:pPr>
+            <a:r>
+              <a:t/>
+            </a:r>
+            <a:endParaRPr/>
+          </a:p>
+        </p:txBody>
+      </p:sp>
+    </p:spTree>
+  </p:cSld>
+  <p:clrMapOvr>
+    <a:masterClrMapping/>
+  </p:clrMapOvr>
+</p:notes>
+</file>
+
+<file path=ppt/notesSlides/notesSlide15.xml><?xml version="1.0" encoding="utf-8"?>
+<p:notes xmlns:a="http://schemas.openxmlformats.org/drawingml/2006/main" xmlns:r="http://schemas.openxmlformats.org/officeDocument/2006/relationships" xmlns:mc="http://schemas.openxmlformats.org/markup-compatibility/2006" xmlns:mv="urn:schemas-microsoft-com:mac:vml" xmlns:p="http://schemas.openxmlformats.org/presentationml/2006/main" xmlns:c="http://schemas.openxmlformats.org/drawingml/2006/chart" xmlns:dgm="http://schemas.openxmlformats.org/drawingml/2006/diagram" xmlns:o="urn:schemas-microsoft-com:office:office" xmlns:v="urn:schemas-microsoft-com:vml" xmlns:pvml="urn:schemas-microsoft-com:office:powerpoint" xmlns:com="http://schemas.openxmlformats.org/drawingml/2006/compatibility" xmlns:p14="http://schemas.microsoft.com/office/powerpoint/2010/main" xmlns:p15="http://schemas.microsoft.com/office/powerpoint/2012/main" showMasterPhAnim="0" showMasterSp="0">
+  <p:cSld>
+    <p:spTree>
+      <p:nvGrpSpPr>
+        <p:cNvPr id="344" name="Shape 344"/>
+        <p:cNvGrpSpPr/>
+        <p:nvPr/>
+      </p:nvGrpSpPr>
+      <p:grpSpPr>
+        <a:xfrm>
+          <a:off x="0" y="0"/>
+          <a:ext cx="0" cy="0"/>
+          <a:chOff x="0" y="0"/>
+          <a:chExt cx="0" cy="0"/>
+        </a:xfrm>
+      </p:grpSpPr>
+      <p:sp>
+        <p:nvSpPr>
+          <p:cNvPr id="345" name="Google Shape;345;g4563e4ce49_1_20:notes"/>
+          <p:cNvSpPr/>
+          <p:nvPr>
+            <p:ph idx="2" type="sldImg"/>
+          </p:nvPr>
+        </p:nvSpPr>
+        <p:spPr>
+          <a:xfrm>
+            <a:off x="381300" y="685800"/>
+            <a:ext cx="6096000" cy="3429000"/>
+          </a:xfrm>
+          <a:custGeom>
+            <a:rect b="b" l="l" r="r" t="t"/>
+            <a:pathLst>
+              <a:path extrusionOk="0" h="120000" w="120000">
+                <a:moveTo>
+                  <a:pt x="0" y="0"/>
+                </a:moveTo>
+                <a:lnTo>
+                  <a:pt x="120000" y="0"/>
+                </a:lnTo>
+                <a:lnTo>
+                  <a:pt x="120000" y="120000"/>
+                </a:lnTo>
+                <a:lnTo>
+                  <a:pt x="0" y="120000"/>
+                </a:lnTo>
+                <a:close/>
+              </a:path>
+            </a:pathLst>
+          </a:custGeom>
+        </p:spPr>
+      </p:sp>
+      <p:sp>
+        <p:nvSpPr>
+          <p:cNvPr id="346" name="Google Shape;346;g4563e4ce49_1_20:notes"/>
+          <p:cNvSpPr txBox="1"/>
+          <p:nvPr>
+            <p:ph idx="1" type="body"/>
+          </p:nvPr>
+        </p:nvSpPr>
+        <p:spPr>
+          <a:xfrm>
+            <a:off x="685800" y="4343400"/>
+            <a:ext cx="5486400" cy="4114800"/>
+          </a:xfrm>
+          <a:prstGeom prst="rect">
+            <a:avLst/>
+          </a:prstGeom>
+        </p:spPr>
+        <p:txBody>
+          <a:bodyPr anchorCtr="0" anchor="t" bIns="91425" lIns="91425" spcFirstLastPara="1" rIns="91425" wrap="square" tIns="91425">
+            <a:noAutofit/>
+          </a:bodyPr>
+          <a:lstStyle/>
+          <a:p>
+            <a:pPr indent="0" lvl="0" marL="0" rtl="0" algn="l">
+              <a:spcBef>
+                <a:spcPts val="0"/>
+              </a:spcBef>
+              <a:spcAft>
+                <a:spcPts val="0"/>
+              </a:spcAft>
+              <a:buNone/>
+            </a:pPr>
+            <a:r>
+              <a:t/>
+            </a:r>
+            <a:endParaRPr/>
+          </a:p>
+        </p:txBody>
+      </p:sp>
+    </p:spTree>
+  </p:cSld>
+  <p:clrMapOvr>
+    <a:masterClrMapping/>
+  </p:clrMapOvr>
+</p:notes>
+</file>
+
+<file path=ppt/notesSlides/notesSlide16.xml><?xml version="1.0" encoding="utf-8"?>
+<p:notes xmlns:a="http://schemas.openxmlformats.org/drawingml/2006/main" xmlns:r="http://schemas.openxmlformats.org/officeDocument/2006/relationships" xmlns:mc="http://schemas.openxmlformats.org/markup-compatibility/2006" xmlns:mv="urn:schemas-microsoft-com:mac:vml" xmlns:p="http://schemas.openxmlformats.org/presentationml/2006/main" xmlns:c="http://schemas.openxmlformats.org/drawingml/2006/chart" xmlns:dgm="http://schemas.openxmlformats.org/drawingml/2006/diagram" xmlns:o="urn:schemas-microsoft-com:office:office" xmlns:v="urn:schemas-microsoft-com:vml" xmlns:pvml="urn:schemas-microsoft-com:office:powerpoint" xmlns:com="http://schemas.openxmlformats.org/drawingml/2006/compatibility" xmlns:p14="http://schemas.microsoft.com/office/powerpoint/2010/main" xmlns:p15="http://schemas.microsoft.com/office/powerpoint/2012/main" showMasterPhAnim="0" showMasterSp="0">
+  <p:cSld>
+    <p:spTree>
+      <p:nvGrpSpPr>
+        <p:cNvPr id="350" name="Shape 350"/>
+        <p:cNvGrpSpPr/>
+        <p:nvPr/>
+      </p:nvGrpSpPr>
+      <p:grpSpPr>
+        <a:xfrm>
+          <a:off x="0" y="0"/>
+          <a:ext cx="0" cy="0"/>
+          <a:chOff x="0" y="0"/>
+          <a:chExt cx="0" cy="0"/>
+        </a:xfrm>
+      </p:grpSpPr>
+      <p:sp>
+        <p:nvSpPr>
+          <p:cNvPr id="351" name="Google Shape;351;g4563e4ce49_1_35:notes"/>
+          <p:cNvSpPr/>
+          <p:nvPr>
+            <p:ph idx="2" type="sldImg"/>
+          </p:nvPr>
+        </p:nvSpPr>
+        <p:spPr>
+          <a:xfrm>
+            <a:off x="381300" y="685800"/>
+            <a:ext cx="6096000" cy="3429000"/>
+          </a:xfrm>
+          <a:custGeom>
+            <a:rect b="b" l="l" r="r" t="t"/>
+            <a:pathLst>
+              <a:path extrusionOk="0" h="120000" w="120000">
+                <a:moveTo>
+                  <a:pt x="0" y="0"/>
+                </a:moveTo>
+                <a:lnTo>
+                  <a:pt x="120000" y="0"/>
+                </a:lnTo>
+                <a:lnTo>
+                  <a:pt x="120000" y="120000"/>
+                </a:lnTo>
+                <a:lnTo>
+                  <a:pt x="0" y="120000"/>
+                </a:lnTo>
+                <a:close/>
+              </a:path>
+            </a:pathLst>
+          </a:custGeom>
+        </p:spPr>
+      </p:sp>
+      <p:sp>
+        <p:nvSpPr>
+          <p:cNvPr id="352" name="Google Shape;352;g4563e4ce49_1_35:notes"/>
+          <p:cNvSpPr txBox="1"/>
+          <p:nvPr>
+            <p:ph idx="1" type="body"/>
+          </p:nvPr>
+        </p:nvSpPr>
+        <p:spPr>
+          <a:xfrm>
+            <a:off x="685800" y="4343400"/>
+            <a:ext cx="5486400" cy="4114800"/>
+          </a:xfrm>
+          <a:prstGeom prst="rect">
+            <a:avLst/>
+          </a:prstGeom>
+        </p:spPr>
+        <p:txBody>
+          <a:bodyPr anchorCtr="0" anchor="t" bIns="91425" lIns="91425" spcFirstLastPara="1" rIns="91425" wrap="square" tIns="91425">
+            <a:noAutofit/>
+          </a:bodyPr>
+          <a:lstStyle/>
+          <a:p>
+            <a:pPr indent="0" lvl="0" marL="0" rtl="0" algn="l">
+              <a:spcBef>
+                <a:spcPts val="0"/>
+              </a:spcBef>
+              <a:spcAft>
+                <a:spcPts val="0"/>
+              </a:spcAft>
+              <a:buNone/>
+            </a:pPr>
+            <a:r>
+              <a:t/>
+            </a:r>
+            <a:endParaRPr/>
+          </a:p>
+        </p:txBody>
+      </p:sp>
+    </p:spTree>
+  </p:cSld>
+  <p:clrMapOvr>
+    <a:masterClrMapping/>
+  </p:clrMapOvr>
+</p:notes>
+</file>
+
+<file path=ppt/notesSlides/notesSlide17.xml><?xml version="1.0" encoding="utf-8"?>
+<p:notes xmlns:a="http://schemas.openxmlformats.org/drawingml/2006/main" xmlns:r="http://schemas.openxmlformats.org/officeDocument/2006/relationships" xmlns:mc="http://schemas.openxmlformats.org/markup-compatibility/2006" xmlns:mv="urn:schemas-microsoft-com:mac:vml" xmlns:p="http://schemas.openxmlformats.org/presentationml/2006/main" xmlns:c="http://schemas.openxmlformats.org/drawingml/2006/chart" xmlns:dgm="http://schemas.openxmlformats.org/drawingml/2006/diagram" xmlns:o="urn:schemas-microsoft-com:office:office" xmlns:v="urn:schemas-microsoft-com:vml" xmlns:pvml="urn:schemas-microsoft-com:office:powerpoint" xmlns:com="http://schemas.openxmlformats.org/drawingml/2006/compatibility" xmlns:p14="http://schemas.microsoft.com/office/powerpoint/2010/main" xmlns:p15="http://schemas.microsoft.com/office/powerpoint/2012/main" showMasterPhAnim="0" showMasterSp="0">
+  <p:cSld>
+    <p:spTree>
+      <p:nvGrpSpPr>
+        <p:cNvPr id="356" name="Shape 356"/>
+        <p:cNvGrpSpPr/>
+        <p:nvPr/>
+      </p:nvGrpSpPr>
+      <p:grpSpPr>
+        <a:xfrm>
+          <a:off x="0" y="0"/>
+          <a:ext cx="0" cy="0"/>
+          <a:chOff x="0" y="0"/>
+          <a:chExt cx="0" cy="0"/>
+        </a:xfrm>
+      </p:grpSpPr>
+      <p:sp>
+        <p:nvSpPr>
+          <p:cNvPr id="357" name="Google Shape;357;g467b6db7c0_0_0:notes"/>
+          <p:cNvSpPr/>
+          <p:nvPr>
+            <p:ph idx="2" type="sldImg"/>
+          </p:nvPr>
+        </p:nvSpPr>
+        <p:spPr>
+          <a:xfrm>
+            <a:off x="381300" y="685800"/>
+            <a:ext cx="6096000" cy="3429000"/>
+          </a:xfrm>
+          <a:custGeom>
+            <a:rect b="b" l="l" r="r" t="t"/>
+            <a:pathLst>
+              <a:path extrusionOk="0" h="120000" w="120000">
+                <a:moveTo>
+                  <a:pt x="0" y="0"/>
+                </a:moveTo>
+                <a:lnTo>
+                  <a:pt x="120000" y="0"/>
+                </a:lnTo>
+                <a:lnTo>
+                  <a:pt x="120000" y="120000"/>
+                </a:lnTo>
+                <a:lnTo>
+                  <a:pt x="0" y="120000"/>
+                </a:lnTo>
+                <a:close/>
+              </a:path>
+            </a:pathLst>
+          </a:custGeom>
+        </p:spPr>
+      </p:sp>
+      <p:sp>
+        <p:nvSpPr>
+          <p:cNvPr id="358" name="Google Shape;358;g467b6db7c0_0_0:notes"/>
+          <p:cNvSpPr txBox="1"/>
+          <p:nvPr>
+            <p:ph idx="1" type="body"/>
+          </p:nvPr>
+        </p:nvSpPr>
+        <p:spPr>
+          <a:xfrm>
+            <a:off x="685800" y="4343400"/>
+            <a:ext cx="5486400" cy="4114800"/>
+          </a:xfrm>
+          <a:prstGeom prst="rect">
+            <a:avLst/>
+          </a:prstGeom>
+        </p:spPr>
+        <p:txBody>
+          <a:bodyPr anchorCtr="0" anchor="t" bIns="91425" lIns="91425" spcFirstLastPara="1" rIns="91425" wrap="square" tIns="91425">
+            <a:noAutofit/>
+          </a:bodyPr>
+          <a:lstStyle/>
+          <a:p>
+            <a:pPr indent="0" lvl="0" marL="0" rtl="0" algn="l">
+              <a:spcBef>
+                <a:spcPts val="0"/>
+              </a:spcBef>
+              <a:spcAft>
+                <a:spcPts val="0"/>
+              </a:spcAft>
+              <a:buNone/>
+            </a:pPr>
+            <a:r>
+              <a:t/>
+            </a:r>
+            <a:endParaRPr/>
+          </a:p>
+        </p:txBody>
+      </p:sp>
+    </p:spTree>
+  </p:cSld>
+  <p:clrMapOvr>
+    <a:masterClrMapping/>
+  </p:clrMapOvr>
+</p:notes>
+</file>
+
+<file path=ppt/notesSlides/notesSlide18.xml><?xml version="1.0" encoding="utf-8"?>
+<p:notes xmlns:a="http://schemas.openxmlformats.org/drawingml/2006/main" xmlns:r="http://schemas.openxmlformats.org/officeDocument/2006/relationships" xmlns:mc="http://schemas.openxmlformats.org/markup-compatibility/2006" xmlns:mv="urn:schemas-microsoft-com:mac:vml" xmlns:p="http://schemas.openxmlformats.org/presentationml/2006/main" xmlns:c="http://schemas.openxmlformats.org/drawingml/2006/chart" xmlns:dgm="http://schemas.openxmlformats.org/drawingml/2006/diagram" xmlns:o="urn:schemas-microsoft-com:office:office" xmlns:v="urn:schemas-microsoft-com:vml" xmlns:pvml="urn:schemas-microsoft-com:office:powerpoint" xmlns:com="http://schemas.openxmlformats.org/drawingml/2006/compatibility" xmlns:p14="http://schemas.microsoft.com/office/powerpoint/2010/main" xmlns:p15="http://schemas.microsoft.com/office/powerpoint/2012/main" showMasterPhAnim="0" showMasterSp="0">
+  <p:cSld>
+    <p:spTree>
+      <p:nvGrpSpPr>
+        <p:cNvPr id="363" name="Shape 363"/>
+        <p:cNvGrpSpPr/>
+        <p:nvPr/>
+      </p:nvGrpSpPr>
+      <p:grpSpPr>
+        <a:xfrm>
+          <a:off x="0" y="0"/>
+          <a:ext cx="0" cy="0"/>
+          <a:chOff x="0" y="0"/>
+          <a:chExt cx="0" cy="0"/>
+        </a:xfrm>
+      </p:grpSpPr>
+      <p:sp>
+        <p:nvSpPr>
+          <p:cNvPr id="364" name="Google Shape;364;g4563e4ce49_1_0:notes"/>
+          <p:cNvSpPr/>
+          <p:nvPr>
+            <p:ph idx="2" type="sldImg"/>
+          </p:nvPr>
+        </p:nvSpPr>
+        <p:spPr>
+          <a:xfrm>
+            <a:off x="381300" y="685800"/>
+            <a:ext cx="6096000" cy="3429000"/>
+          </a:xfrm>
+          <a:custGeom>
+            <a:rect b="b" l="l" r="r" t="t"/>
+            <a:pathLst>
+              <a:path extrusionOk="0" h="120000" w="120000">
+                <a:moveTo>
+                  <a:pt x="0" y="0"/>
+                </a:moveTo>
+                <a:lnTo>
+                  <a:pt x="120000" y="0"/>
+                </a:lnTo>
+                <a:lnTo>
+                  <a:pt x="120000" y="120000"/>
+                </a:lnTo>
+                <a:lnTo>
+                  <a:pt x="0" y="120000"/>
+                </a:lnTo>
+                <a:close/>
+              </a:path>
+            </a:pathLst>
+          </a:custGeom>
+        </p:spPr>
+      </p:sp>
+      <p:sp>
+        <p:nvSpPr>
+          <p:cNvPr id="365" name="Google Shape;365;g4563e4ce49_1_0:notes"/>
+          <p:cNvSpPr txBox="1"/>
+          <p:nvPr>
+            <p:ph idx="1" type="body"/>
+          </p:nvPr>
+        </p:nvSpPr>
+        <p:spPr>
+          <a:xfrm>
+            <a:off x="685800" y="4343400"/>
+            <a:ext cx="5486400" cy="4114800"/>
+          </a:xfrm>
+          <a:prstGeom prst="rect">
+            <a:avLst/>
+          </a:prstGeom>
+        </p:spPr>
+        <p:txBody>
+          <a:bodyPr anchorCtr="0" anchor="t" bIns="91425" lIns="91425" spcFirstLastPara="1" rIns="91425" wrap="square" tIns="91425">
+            <a:noAutofit/>
+          </a:bodyPr>
+          <a:lstStyle/>
+          <a:p>
+            <a:pPr indent="0" lvl="0" marL="0" rtl="0" algn="l">
+              <a:spcBef>
+                <a:spcPts val="0"/>
+              </a:spcBef>
+              <a:spcAft>
+                <a:spcPts val="0"/>
+              </a:spcAft>
+              <a:buNone/>
+            </a:pPr>
+            <a:r>
+              <a:t/>
+            </a:r>
+            <a:endParaRPr/>
+          </a:p>
+        </p:txBody>
+      </p:sp>
+    </p:spTree>
+  </p:cSld>
+  <p:clrMapOvr>
+    <a:masterClrMapping/>
+  </p:clrMapOvr>
+</p:notes>
+</file>
+
+<file path=ppt/notesSlides/notesSlide19.xml><?xml version="1.0" encoding="utf-8"?>
+<p:notes xmlns:a="http://schemas.openxmlformats.org/drawingml/2006/main" xmlns:r="http://schemas.openxmlformats.org/officeDocument/2006/relationships" xmlns:mc="http://schemas.openxmlformats.org/markup-compatibility/2006" xmlns:mv="urn:schemas-microsoft-com:mac:vml" xmlns:p="http://schemas.openxmlformats.org/presentationml/2006/main" xmlns:c="http://schemas.openxmlformats.org/drawingml/2006/chart" xmlns:dgm="http://schemas.openxmlformats.org/drawingml/2006/diagram" xmlns:o="urn:schemas-microsoft-com:office:office" xmlns:v="urn:schemas-microsoft-com:vml" xmlns:pvml="urn:schemas-microsoft-com:office:powerpoint" xmlns:com="http://schemas.openxmlformats.org/drawingml/2006/compatibility" xmlns:p14="http://schemas.microsoft.com/office/powerpoint/2010/main" xmlns:p15="http://schemas.microsoft.com/office/powerpoint/2012/main" showMasterPhAnim="0" showMasterSp="0">
+  <p:cSld>
+    <p:spTree>
+      <p:nvGrpSpPr>
+        <p:cNvPr id="374" name="Shape 374"/>
+        <p:cNvGrpSpPr/>
+        <p:nvPr/>
+      </p:nvGrpSpPr>
+      <p:grpSpPr>
+        <a:xfrm>
+          <a:off x="0" y="0"/>
+          <a:ext cx="0" cy="0"/>
+          <a:chOff x="0" y="0"/>
+          <a:chExt cx="0" cy="0"/>
+        </a:xfrm>
+      </p:grpSpPr>
+      <p:sp>
+        <p:nvSpPr>
+          <p:cNvPr id="375" name="Google Shape;375;g4499e2c750_0_39:notes"/>
+          <p:cNvSpPr/>
+          <p:nvPr>
+            <p:ph idx="2" type="sldImg"/>
+          </p:nvPr>
+        </p:nvSpPr>
+        <p:spPr>
+          <a:xfrm>
+            <a:off x="381300" y="685800"/>
+            <a:ext cx="6096000" cy="3429000"/>
+          </a:xfrm>
+          <a:custGeom>
+            <a:rect b="b" l="l" r="r" t="t"/>
+            <a:pathLst>
+              <a:path extrusionOk="0" h="120000" w="120000">
+                <a:moveTo>
+                  <a:pt x="0" y="0"/>
+                </a:moveTo>
+                <a:lnTo>
+                  <a:pt x="120000" y="0"/>
+                </a:lnTo>
+                <a:lnTo>
+                  <a:pt x="120000" y="120000"/>
+                </a:lnTo>
+                <a:lnTo>
+                  <a:pt x="0" y="120000"/>
+                </a:lnTo>
+                <a:close/>
+              </a:path>
+            </a:pathLst>
+          </a:custGeom>
+        </p:spPr>
+      </p:sp>
+      <p:sp>
+        <p:nvSpPr>
+          <p:cNvPr id="376" name="Google Shape;376;g4499e2c750_0_39:notes"/>
+          <p:cNvSpPr txBox="1"/>
+          <p:nvPr>
+            <p:ph idx="1" type="body"/>
+          </p:nvPr>
+        </p:nvSpPr>
+        <p:spPr>
+          <a:xfrm>
+            <a:off x="685800" y="4343400"/>
+            <a:ext cx="5486400" cy="4114800"/>
+          </a:xfrm>
+          <a:prstGeom prst="rect">
+            <a:avLst/>
+          </a:prstGeom>
+        </p:spPr>
+        <p:txBody>
+          <a:bodyPr anchorCtr="0" anchor="t" bIns="91425" lIns="91425" spcFirstLastPara="1" rIns="91425" wrap="square" tIns="91425">
+            <a:noAutofit/>
+          </a:bodyPr>
+          <a:lstStyle/>
+          <a:p>
+            <a:pPr indent="0" lvl="0" marL="0" rtl="0" algn="l">
+              <a:spcBef>
+                <a:spcPts val="0"/>
+              </a:spcBef>
+              <a:spcAft>
+                <a:spcPts val="0"/>
+              </a:spcAft>
+              <a:buNone/>
+            </a:pPr>
+            <a:r>
+              <a:t/>
+            </a:r>
+            <a:endParaRPr/>
+          </a:p>
+        </p:txBody>
+      </p:sp>
+    </p:spTree>
+  </p:cSld>
+  <p:clrMapOvr>
+    <a:masterClrMapping/>
+  </p:clrMapOvr>
+</p:notes>
+</file>
+
+<file path=ppt/notesSlides/notesSlide2.xml><?xml version="1.0" encoding="utf-8"?>
+<p:notes xmlns:a="http://schemas.openxmlformats.org/drawingml/2006/main" xmlns:r="http://schemas.openxmlformats.org/officeDocument/2006/relationships" xmlns:mc="http://schemas.openxmlformats.org/markup-compatibility/2006" xmlns:mv="urn:schemas-microsoft-com:mac:vml" xmlns:p="http://schemas.openxmlformats.org/presentationml/2006/main" xmlns:c="http://schemas.openxmlformats.org/drawingml/2006/chart" xmlns:dgm="http://schemas.openxmlformats.org/drawingml/2006/diagram" xmlns:o="urn:schemas-microsoft-com:office:office" xmlns:v="urn:schemas-microsoft-com:vml" xmlns:pvml="urn:schemas-microsoft-com:office:powerpoint" xmlns:com="http://schemas.openxmlformats.org/drawingml/2006/compatibility" xmlns:p14="http://schemas.microsoft.com/office/powerpoint/2010/main" xmlns:p15="http://schemas.microsoft.com/office/powerpoint/2012/main" showMasterPhAnim="0" showMasterSp="0">
+  <p:cSld>
+    <p:spTree>
+      <p:nvGrpSpPr>
+        <p:cNvPr id="243" name="Shape 243"/>
+        <p:cNvGrpSpPr/>
+        <p:nvPr/>
+      </p:nvGrpSpPr>
+      <p:grpSpPr>
+        <a:xfrm>
+          <a:off x="0" y="0"/>
+          <a:ext cx="0" cy="0"/>
+          <a:chOff x="0" y="0"/>
+          <a:chExt cx="0" cy="0"/>
+        </a:xfrm>
+      </p:grpSpPr>
+      <p:sp>
+        <p:nvSpPr>
+          <p:cNvPr id="244" name="Google Shape;244;g4499e2c750_0_79:notes"/>
+          <p:cNvSpPr/>
+          <p:nvPr>
+            <p:ph idx="2" type="sldImg"/>
+          </p:nvPr>
+        </p:nvSpPr>
+        <p:spPr>
+          <a:xfrm>
+            <a:off x="381300" y="685800"/>
+            <a:ext cx="6096000" cy="3429000"/>
+          </a:xfrm>
+          <a:custGeom>
+            <a:rect b="b" l="l" r="r" t="t"/>
+            <a:pathLst>
+              <a:path extrusionOk="0" h="120000" w="120000">
+                <a:moveTo>
+                  <a:pt x="0" y="0"/>
+                </a:moveTo>
+                <a:lnTo>
+                  <a:pt x="120000" y="0"/>
+                </a:lnTo>
+                <a:lnTo>
+                  <a:pt x="120000" y="120000"/>
+                </a:lnTo>
+                <a:lnTo>
+                  <a:pt x="0" y="120000"/>
+                </a:lnTo>
+                <a:close/>
+              </a:path>
+            </a:pathLst>
+          </a:custGeom>
+        </p:spPr>
+      </p:sp>
+      <p:sp>
+        <p:nvSpPr>
+          <p:cNvPr id="245" name="Google Shape;245;g4499e2c750_0_79:notes"/>
+          <p:cNvSpPr txBox="1"/>
+          <p:nvPr>
+            <p:ph idx="1" type="body"/>
+          </p:nvPr>
+        </p:nvSpPr>
+        <p:spPr>
+          <a:xfrm>
+            <a:off x="685800" y="4343400"/>
+            <a:ext cx="5486400" cy="4114800"/>
+          </a:xfrm>
+          <a:prstGeom prst="rect">
+            <a:avLst/>
+          </a:prstGeom>
+        </p:spPr>
+        <p:txBody>
+          <a:bodyPr anchorCtr="0" anchor="t" bIns="91425" lIns="91425" spcFirstLastPara="1" rIns="91425" wrap="square" tIns="91425">
+            <a:noAutofit/>
+          </a:bodyPr>
+          <a:lstStyle/>
+          <a:p>
+            <a:pPr indent="0" lvl="0" marL="0" rtl="0" algn="l">
+              <a:spcBef>
+                <a:spcPts val="0"/>
+              </a:spcBef>
+              <a:spcAft>
+                <a:spcPts val="0"/>
+              </a:spcAft>
+              <a:buNone/>
+            </a:pPr>
+            <a:r>
+              <a:t/>
+            </a:r>
+            <a:endParaRPr/>
+          </a:p>
+        </p:txBody>
+      </p:sp>
+    </p:spTree>
+  </p:cSld>
+  <p:clrMapOvr>
+    <a:masterClrMapping/>
+  </p:clrMapOvr>
+</p:notes>
+</file>
+
+<file path=ppt/notesSlides/notesSlide20.xml><?xml version="1.0" encoding="utf-8"?>
+<p:notes xmlns:a="http://schemas.openxmlformats.org/drawingml/2006/main" xmlns:r="http://schemas.openxmlformats.org/officeDocument/2006/relationships" xmlns:mc="http://schemas.openxmlformats.org/markup-compatibility/2006" xmlns:mv="urn:schemas-microsoft-com:mac:vml" xmlns:p="http://schemas.openxmlformats.org/presentationml/2006/main" xmlns:c="http://schemas.openxmlformats.org/drawingml/2006/chart" xmlns:dgm="http://schemas.openxmlformats.org/drawingml/2006/diagram" xmlns:o="urn:schemas-microsoft-com:office:office" xmlns:v="urn:schemas-microsoft-com:vml" xmlns:pvml="urn:schemas-microsoft-com:office:powerpoint" xmlns:com="http://schemas.openxmlformats.org/drawingml/2006/compatibility" xmlns:p14="http://schemas.microsoft.com/office/powerpoint/2010/main" xmlns:p15="http://schemas.microsoft.com/office/powerpoint/2012/main" showMasterPhAnim="0" showMasterSp="0">
+  <p:cSld>
+    <p:spTree>
+      <p:nvGrpSpPr>
+        <p:cNvPr id="380" name="Shape 380"/>
+        <p:cNvGrpSpPr/>
+        <p:nvPr/>
+      </p:nvGrpSpPr>
+      <p:grpSpPr>
+        <a:xfrm>
+          <a:off x="0" y="0"/>
+          <a:ext cx="0" cy="0"/>
+          <a:chOff x="0" y="0"/>
+          <a:chExt cx="0" cy="0"/>
+        </a:xfrm>
+      </p:grpSpPr>
+      <p:sp>
+        <p:nvSpPr>
+          <p:cNvPr id="381" name="Google Shape;381;g4499e2c750_0_216:notes"/>
+          <p:cNvSpPr/>
+          <p:nvPr>
+            <p:ph idx="2" type="sldImg"/>
+          </p:nvPr>
+        </p:nvSpPr>
+        <p:spPr>
+          <a:xfrm>
+            <a:off x="381300" y="685800"/>
+            <a:ext cx="6096000" cy="3429000"/>
+          </a:xfrm>
+          <a:custGeom>
+            <a:rect b="b" l="l" r="r" t="t"/>
+            <a:pathLst>
+              <a:path extrusionOk="0" h="120000" w="120000">
+                <a:moveTo>
+                  <a:pt x="0" y="0"/>
+                </a:moveTo>
+                <a:lnTo>
+                  <a:pt x="120000" y="0"/>
+                </a:lnTo>
+                <a:lnTo>
+                  <a:pt x="120000" y="120000"/>
+                </a:lnTo>
+                <a:lnTo>
+                  <a:pt x="0" y="120000"/>
+                </a:lnTo>
+                <a:close/>
+              </a:path>
+            </a:pathLst>
+          </a:custGeom>
+        </p:spPr>
+      </p:sp>
+      <p:sp>
+        <p:nvSpPr>
+          <p:cNvPr id="382" name="Google Shape;382;g4499e2c750_0_216:notes"/>
+          <p:cNvSpPr txBox="1"/>
+          <p:nvPr>
+            <p:ph idx="1" type="body"/>
+          </p:nvPr>
+        </p:nvSpPr>
+        <p:spPr>
+          <a:xfrm>
+            <a:off x="685800" y="4343400"/>
+            <a:ext cx="5486400" cy="4114800"/>
+          </a:xfrm>
+          <a:prstGeom prst="rect">
+            <a:avLst/>
+          </a:prstGeom>
+        </p:spPr>
+        <p:txBody>
+          <a:bodyPr anchorCtr="0" anchor="t" bIns="91425" lIns="91425" spcFirstLastPara="1" rIns="91425" wrap="square" tIns="91425">
+            <a:noAutofit/>
+          </a:bodyPr>
+          <a:lstStyle/>
+          <a:p>
+            <a:pPr indent="0" lvl="0" marL="0" rtl="0" algn="l">
+              <a:spcBef>
+                <a:spcPts val="0"/>
+              </a:spcBef>
+              <a:spcAft>
+                <a:spcPts val="0"/>
+              </a:spcAft>
+              <a:buNone/>
+            </a:pPr>
+            <a:r>
+              <a:t/>
+            </a:r>
+            <a:endParaRPr/>
+          </a:p>
+        </p:txBody>
+      </p:sp>
+    </p:spTree>
+  </p:cSld>
+  <p:clrMapOvr>
+    <a:masterClrMapping/>
+  </p:clrMapOvr>
+</p:notes>
+</file>
+
+<file path=ppt/notesSlides/notesSlide21.xml><?xml version="1.0" encoding="utf-8"?>
+<p:notes xmlns:a="http://schemas.openxmlformats.org/drawingml/2006/main" xmlns:r="http://schemas.openxmlformats.org/officeDocument/2006/relationships" xmlns:mc="http://schemas.openxmlformats.org/markup-compatibility/2006" xmlns:mv="urn:schemas-microsoft-com:mac:vml" xmlns:p="http://schemas.openxmlformats.org/presentationml/2006/main" xmlns:c="http://schemas.openxmlformats.org/drawingml/2006/chart" xmlns:dgm="http://schemas.openxmlformats.org/drawingml/2006/diagram" xmlns:o="urn:schemas-microsoft-com:office:office" xmlns:v="urn:schemas-microsoft-com:vml" xmlns:pvml="urn:schemas-microsoft-com:office:powerpoint" xmlns:com="http://schemas.openxmlformats.org/drawingml/2006/compatibility" xmlns:p14="http://schemas.microsoft.com/office/powerpoint/2010/main" xmlns:p15="http://schemas.microsoft.com/office/powerpoint/2012/main" showMasterPhAnim="0" showMasterSp="0">
+  <p:cSld>
+    <p:spTree>
+      <p:nvGrpSpPr>
+        <p:cNvPr id="385" name="Shape 385"/>
+        <p:cNvGrpSpPr/>
+        <p:nvPr/>
+      </p:nvGrpSpPr>
+      <p:grpSpPr>
+        <a:xfrm>
+          <a:off x="0" y="0"/>
+          <a:ext cx="0" cy="0"/>
+          <a:chOff x="0" y="0"/>
+          <a:chExt cx="0" cy="0"/>
+        </a:xfrm>
+      </p:grpSpPr>
+      <p:sp>
+        <p:nvSpPr>
+          <p:cNvPr id="386" name="Google Shape;386;g467b6db7c0_0_10:notes"/>
+          <p:cNvSpPr/>
+          <p:nvPr>
+            <p:ph idx="2" type="sldImg"/>
+          </p:nvPr>
+        </p:nvSpPr>
+        <p:spPr>
+          <a:xfrm>
+            <a:off x="381300" y="685800"/>
+            <a:ext cx="6096000" cy="3429000"/>
+          </a:xfrm>
+          <a:custGeom>
+            <a:rect b="b" l="l" r="r" t="t"/>
+            <a:pathLst>
+              <a:path extrusionOk="0" h="120000" w="120000">
+                <a:moveTo>
+                  <a:pt x="0" y="0"/>
+                </a:moveTo>
+                <a:lnTo>
+                  <a:pt x="120000" y="0"/>
+                </a:lnTo>
+                <a:lnTo>
+                  <a:pt x="120000" y="120000"/>
+                </a:lnTo>
+                <a:lnTo>
+                  <a:pt x="0" y="120000"/>
+                </a:lnTo>
+                <a:close/>
+              </a:path>
+            </a:pathLst>
+          </a:custGeom>
+        </p:spPr>
+      </p:sp>
+      <p:sp>
+        <p:nvSpPr>
+          <p:cNvPr id="387" name="Google Shape;387;g467b6db7c0_0_10:notes"/>
+          <p:cNvSpPr txBox="1"/>
+          <p:nvPr>
+            <p:ph idx="1" type="body"/>
+          </p:nvPr>
+        </p:nvSpPr>
+        <p:spPr>
+          <a:xfrm>
+            <a:off x="685800" y="4343400"/>
+            <a:ext cx="5486400" cy="4114800"/>
+          </a:xfrm>
+          <a:prstGeom prst="rect">
+            <a:avLst/>
+          </a:prstGeom>
+        </p:spPr>
+        <p:txBody>
+          <a:bodyPr anchorCtr="0" anchor="t" bIns="91425" lIns="91425" spcFirstLastPara="1" rIns="91425" wrap="square" tIns="91425">
+            <a:noAutofit/>
+          </a:bodyPr>
+          <a:lstStyle/>
+          <a:p>
+            <a:pPr indent="0" lvl="0" marL="0" rtl="0" algn="l">
+              <a:spcBef>
+                <a:spcPts val="0"/>
+              </a:spcBef>
+              <a:spcAft>
+                <a:spcPts val="0"/>
+              </a:spcAft>
+              <a:buNone/>
+            </a:pPr>
+            <a:r>
+              <a:t/>
+            </a:r>
+            <a:endParaRPr/>
+          </a:p>
+        </p:txBody>
+      </p:sp>
+    </p:spTree>
+  </p:cSld>
+  <p:clrMapOvr>
+    <a:masterClrMapping/>
+  </p:clrMapOvr>
+</p:notes>
+</file>
+
+<file path=ppt/notesSlides/notesSlide22.xml><?xml version="1.0" encoding="utf-8"?>
+<p:notes xmlns:a="http://schemas.openxmlformats.org/drawingml/2006/main" xmlns:r="http://schemas.openxmlformats.org/officeDocument/2006/relationships" xmlns:mc="http://schemas.openxmlformats.org/markup-compatibility/2006" xmlns:mv="urn:schemas-microsoft-com:mac:vml" xmlns:p="http://schemas.openxmlformats.org/presentationml/2006/main" xmlns:c="http://schemas.openxmlformats.org/drawingml/2006/chart" xmlns:dgm="http://schemas.openxmlformats.org/drawingml/2006/diagram" xmlns:o="urn:schemas-microsoft-com:office:office" xmlns:v="urn:schemas-microsoft-com:vml" xmlns:pvml="urn:schemas-microsoft-com:office:powerpoint" xmlns:com="http://schemas.openxmlformats.org/drawingml/2006/compatibility" xmlns:p14="http://schemas.microsoft.com/office/powerpoint/2010/main" xmlns:p15="http://schemas.microsoft.com/office/powerpoint/2012/main" showMasterPhAnim="0" showMasterSp="0">
+  <p:cSld>
+    <p:spTree>
+      <p:nvGrpSpPr>
+        <p:cNvPr id="392" name="Shape 392"/>
+        <p:cNvGrpSpPr/>
+        <p:nvPr/>
+      </p:nvGrpSpPr>
+      <p:grpSpPr>
+        <a:xfrm>
+          <a:off x="0" y="0"/>
+          <a:ext cx="0" cy="0"/>
+          <a:chOff x="0" y="0"/>
+          <a:chExt cx="0" cy="0"/>
+        </a:xfrm>
+      </p:grpSpPr>
+      <p:sp>
+        <p:nvSpPr>
+          <p:cNvPr id="393" name="Google Shape;393;g467b6db7c0_0_15:notes"/>
+          <p:cNvSpPr/>
+          <p:nvPr>
+            <p:ph idx="2" type="sldImg"/>
+          </p:nvPr>
+        </p:nvSpPr>
+        <p:spPr>
+          <a:xfrm>
+            <a:off x="381300" y="685800"/>
+            <a:ext cx="6096000" cy="3429000"/>
+          </a:xfrm>
+          <a:custGeom>
+            <a:rect b="b" l="l" r="r" t="t"/>
+            <a:pathLst>
+              <a:path extrusionOk="0" h="120000" w="120000">
+                <a:moveTo>
+                  <a:pt x="0" y="0"/>
+                </a:moveTo>
+                <a:lnTo>
+                  <a:pt x="120000" y="0"/>
+                </a:lnTo>
+                <a:lnTo>
+                  <a:pt x="120000" y="120000"/>
+                </a:lnTo>
+                <a:lnTo>
+                  <a:pt x="0" y="120000"/>
+                </a:lnTo>
+                <a:close/>
+              </a:path>
+            </a:pathLst>
+          </a:custGeom>
+        </p:spPr>
+      </p:sp>
+      <p:sp>
+        <p:nvSpPr>
+          <p:cNvPr id="394" name="Google Shape;394;g467b6db7c0_0_15:notes"/>
+          <p:cNvSpPr txBox="1"/>
+          <p:nvPr>
+            <p:ph idx="1" type="body"/>
+          </p:nvPr>
+        </p:nvSpPr>
+        <p:spPr>
+          <a:xfrm>
+            <a:off x="685800" y="4343400"/>
+            <a:ext cx="5486400" cy="4114800"/>
+          </a:xfrm>
+          <a:prstGeom prst="rect">
+            <a:avLst/>
+          </a:prstGeom>
+        </p:spPr>
+        <p:txBody>
+          <a:bodyPr anchorCtr="0" anchor="t" bIns="91425" lIns="91425" spcFirstLastPara="1" rIns="91425" wrap="square" tIns="91425">
+            <a:noAutofit/>
+          </a:bodyPr>
+          <a:lstStyle/>
+          <a:p>
+            <a:pPr indent="0" lvl="0" marL="0" rtl="0" algn="l">
+              <a:spcBef>
+                <a:spcPts val="0"/>
+              </a:spcBef>
+              <a:spcAft>
+                <a:spcPts val="0"/>
+              </a:spcAft>
+              <a:buNone/>
+            </a:pPr>
+            <a:r>
+              <a:t/>
+            </a:r>
+            <a:endParaRPr/>
+          </a:p>
+        </p:txBody>
+      </p:sp>
+    </p:spTree>
+  </p:cSld>
+  <p:clrMapOvr>
+    <a:masterClrMapping/>
+  </p:clrMapOvr>
+</p:notes>
+</file>
+
+<file path=ppt/notesSlides/notesSlide23.xml><?xml version="1.0" encoding="utf-8"?>
+<p:notes xmlns:a="http://schemas.openxmlformats.org/drawingml/2006/main" xmlns:r="http://schemas.openxmlformats.org/officeDocument/2006/relationships" xmlns:mc="http://schemas.openxmlformats.org/markup-compatibility/2006" xmlns:mv="urn:schemas-microsoft-com:mac:vml" xmlns:p="http://schemas.openxmlformats.org/presentationml/2006/main" xmlns:c="http://schemas.openxmlformats.org/drawingml/2006/chart" xmlns:dgm="http://schemas.openxmlformats.org/drawingml/2006/diagram" xmlns:o="urn:schemas-microsoft-com:office:office" xmlns:v="urn:schemas-microsoft-com:vml" xmlns:pvml="urn:schemas-microsoft-com:office:powerpoint" xmlns:com="http://schemas.openxmlformats.org/drawingml/2006/compatibility" xmlns:p14="http://schemas.microsoft.com/office/powerpoint/2010/main" xmlns:p15="http://schemas.microsoft.com/office/powerpoint/2012/main" showMasterPhAnim="0" showMasterSp="0">
+  <p:cSld>
+    <p:spTree>
+      <p:nvGrpSpPr>
+        <p:cNvPr id="400" name="Shape 400"/>
+        <p:cNvGrpSpPr/>
+        <p:nvPr/>
+      </p:nvGrpSpPr>
+      <p:grpSpPr>
+        <a:xfrm>
+          <a:off x="0" y="0"/>
+          <a:ext cx="0" cy="0"/>
+          <a:chOff x="0" y="0"/>
+          <a:chExt cx="0" cy="0"/>
+        </a:xfrm>
+      </p:grpSpPr>
+      <p:sp>
+        <p:nvSpPr>
+          <p:cNvPr id="401" name="Google Shape;401;g467b6db7c0_0_26:notes"/>
+          <p:cNvSpPr/>
+          <p:nvPr>
+            <p:ph idx="2" type="sldImg"/>
+          </p:nvPr>
+        </p:nvSpPr>
+        <p:spPr>
+          <a:xfrm>
+            <a:off x="381300" y="685800"/>
+            <a:ext cx="6096000" cy="3429000"/>
+          </a:xfrm>
+          <a:custGeom>
+            <a:rect b="b" l="l" r="r" t="t"/>
+            <a:pathLst>
+              <a:path extrusionOk="0" h="120000" w="120000">
+                <a:moveTo>
+                  <a:pt x="0" y="0"/>
+                </a:moveTo>
+                <a:lnTo>
+                  <a:pt x="120000" y="0"/>
+                </a:lnTo>
+                <a:lnTo>
+                  <a:pt x="120000" y="120000"/>
+                </a:lnTo>
+                <a:lnTo>
+                  <a:pt x="0" y="120000"/>
+                </a:lnTo>
+                <a:close/>
+              </a:path>
+            </a:pathLst>
+          </a:custGeom>
+        </p:spPr>
+      </p:sp>
+      <p:sp>
+        <p:nvSpPr>
+          <p:cNvPr id="402" name="Google Shape;402;g467b6db7c0_0_26:notes"/>
+          <p:cNvSpPr txBox="1"/>
+          <p:nvPr>
+            <p:ph idx="1" type="body"/>
+          </p:nvPr>
+        </p:nvSpPr>
+        <p:spPr>
+          <a:xfrm>
+            <a:off x="685800" y="4343400"/>
+            <a:ext cx="5486400" cy="4114800"/>
+          </a:xfrm>
+          <a:prstGeom prst="rect">
+            <a:avLst/>
+          </a:prstGeom>
+        </p:spPr>
+        <p:txBody>
+          <a:bodyPr anchorCtr="0" anchor="t" bIns="91425" lIns="91425" spcFirstLastPara="1" rIns="91425" wrap="square" tIns="91425">
+            <a:noAutofit/>
+          </a:bodyPr>
+          <a:lstStyle/>
+          <a:p>
+            <a:pPr indent="0" lvl="0" marL="0" rtl="0" algn="l">
+              <a:spcBef>
+                <a:spcPts val="0"/>
+              </a:spcBef>
+              <a:spcAft>
+                <a:spcPts val="0"/>
+              </a:spcAft>
+              <a:buNone/>
+            </a:pPr>
+            <a:r>
+              <a:t/>
+            </a:r>
+            <a:endParaRPr/>
+          </a:p>
+        </p:txBody>
+      </p:sp>
+    </p:spTree>
+  </p:cSld>
+  <p:clrMapOvr>
+    <a:masterClrMapping/>
+  </p:clrMapOvr>
+</p:notes>
+</file>
+
+<file path=ppt/notesSlides/notesSlide24.xml><?xml version="1.0" encoding="utf-8"?>
+<p:notes xmlns:a="http://schemas.openxmlformats.org/drawingml/2006/main" xmlns:r="http://schemas.openxmlformats.org/officeDocument/2006/relationships" xmlns:mc="http://schemas.openxmlformats.org/markup-compatibility/2006" xmlns:mv="urn:schemas-microsoft-com:mac:vml" xmlns:p="http://schemas.openxmlformats.org/presentationml/2006/main" xmlns:c="http://schemas.openxmlformats.org/drawingml/2006/chart" xmlns:dgm="http://schemas.openxmlformats.org/drawingml/2006/diagram" xmlns:o="urn:schemas-microsoft-com:office:office" xmlns:v="urn:schemas-microsoft-com:vml" xmlns:pvml="urn:schemas-microsoft-com:office:powerpoint" xmlns:com="http://schemas.openxmlformats.org/drawingml/2006/compatibility" xmlns:p14="http://schemas.microsoft.com/office/powerpoint/2010/main" xmlns:p15="http://schemas.microsoft.com/office/powerpoint/2012/main" showMasterPhAnim="0" showMasterSp="0">
+  <p:cSld>
+    <p:spTree>
+      <p:nvGrpSpPr>
+        <p:cNvPr id="409" name="Shape 409"/>
+        <p:cNvGrpSpPr/>
+        <p:nvPr/>
+      </p:nvGrpSpPr>
+      <p:grpSpPr>
+        <a:xfrm>
+          <a:off x="0" y="0"/>
+          <a:ext cx="0" cy="0"/>
+          <a:chOff x="0" y="0"/>
+          <a:chExt cx="0" cy="0"/>
+        </a:xfrm>
+      </p:grpSpPr>
+      <p:sp>
+        <p:nvSpPr>
+          <p:cNvPr id="410" name="Google Shape;410;g4499e2c750_0_211:notes"/>
+          <p:cNvSpPr/>
+          <p:nvPr>
+            <p:ph idx="2" type="sldImg"/>
+          </p:nvPr>
+        </p:nvSpPr>
+        <p:spPr>
+          <a:xfrm>
+            <a:off x="381300" y="685800"/>
+            <a:ext cx="6096000" cy="3429000"/>
+          </a:xfrm>
+          <a:custGeom>
+            <a:rect b="b" l="l" r="r" t="t"/>
+            <a:pathLst>
+              <a:path extrusionOk="0" h="120000" w="120000">
+                <a:moveTo>
+                  <a:pt x="0" y="0"/>
+                </a:moveTo>
+                <a:lnTo>
+                  <a:pt x="120000" y="0"/>
+                </a:lnTo>
+                <a:lnTo>
+                  <a:pt x="120000" y="120000"/>
+                </a:lnTo>
+                <a:lnTo>
+                  <a:pt x="0" y="120000"/>
+                </a:lnTo>
+                <a:close/>
+              </a:path>
+            </a:pathLst>
+          </a:custGeom>
+        </p:spPr>
+      </p:sp>
+      <p:sp>
+        <p:nvSpPr>
+          <p:cNvPr id="411" name="Google Shape;411;g4499e2c750_0_211:notes"/>
+          <p:cNvSpPr txBox="1"/>
+          <p:nvPr>
+            <p:ph idx="1" type="body"/>
+          </p:nvPr>
+        </p:nvSpPr>
+        <p:spPr>
+          <a:xfrm>
+            <a:off x="685800" y="4343400"/>
+            <a:ext cx="5486400" cy="4114800"/>
+          </a:xfrm>
+          <a:prstGeom prst="rect">
+            <a:avLst/>
+          </a:prstGeom>
+        </p:spPr>
+        <p:txBody>
+          <a:bodyPr anchorCtr="0" anchor="t" bIns="91425" lIns="91425" spcFirstLastPara="1" rIns="91425" wrap="square" tIns="91425">
+            <a:noAutofit/>
+          </a:bodyPr>
+          <a:lstStyle/>
+          <a:p>
+            <a:pPr indent="0" lvl="0" marL="0" rtl="0" algn="l">
+              <a:spcBef>
+                <a:spcPts val="0"/>
+              </a:spcBef>
+              <a:spcAft>
+                <a:spcPts val="0"/>
+              </a:spcAft>
+              <a:buNone/>
+            </a:pPr>
+            <a:r>
+              <a:t/>
+            </a:r>
+            <a:endParaRPr/>
+          </a:p>
+        </p:txBody>
+      </p:sp>
+    </p:spTree>
+  </p:cSld>
+  <p:clrMapOvr>
+    <a:masterClrMapping/>
+  </p:clrMapOvr>
+</p:notes>
+</file>
+
+<file path=ppt/notesSlides/notesSlide25.xml><?xml version="1.0" encoding="utf-8"?>
+<p:notes xmlns:a="http://schemas.openxmlformats.org/drawingml/2006/main" xmlns:r="http://schemas.openxmlformats.org/officeDocument/2006/relationships" xmlns:mc="http://schemas.openxmlformats.org/markup-compatibility/2006" xmlns:mv="urn:schemas-microsoft-com:mac:vml" xmlns:p="http://schemas.openxmlformats.org/presentationml/2006/main" xmlns:c="http://schemas.openxmlformats.org/drawingml/2006/chart" xmlns:dgm="http://schemas.openxmlformats.org/drawingml/2006/diagram" xmlns:o="urn:schemas-microsoft-com:office:office" xmlns:v="urn:schemas-microsoft-com:vml" xmlns:pvml="urn:schemas-microsoft-com:office:powerpoint" xmlns:com="http://schemas.openxmlformats.org/drawingml/2006/compatibility" xmlns:p14="http://schemas.microsoft.com/office/powerpoint/2010/main" xmlns:p15="http://schemas.microsoft.com/office/powerpoint/2012/main" showMasterPhAnim="0" showMasterSp="0">
+  <p:cSld>
+    <p:spTree>
+      <p:nvGrpSpPr>
+        <p:cNvPr id="415" name="Shape 415"/>
+        <p:cNvGrpSpPr/>
+        <p:nvPr/>
+      </p:nvGrpSpPr>
+      <p:grpSpPr>
+        <a:xfrm>
+          <a:off x="0" y="0"/>
+          <a:ext cx="0" cy="0"/>
+          <a:chOff x="0" y="0"/>
+          <a:chExt cx="0" cy="0"/>
+        </a:xfrm>
+      </p:grpSpPr>
+      <p:sp>
+        <p:nvSpPr>
+          <p:cNvPr id="416" name="Google Shape;416;g467b6db7c0_0_37:notes"/>
+          <p:cNvSpPr/>
+          <p:nvPr>
+            <p:ph idx="2" type="sldImg"/>
+          </p:nvPr>
+        </p:nvSpPr>
+        <p:spPr>
+          <a:xfrm>
+            <a:off x="381300" y="685800"/>
+            <a:ext cx="6096000" cy="3429000"/>
+          </a:xfrm>
+          <a:custGeom>
+            <a:rect b="b" l="l" r="r" t="t"/>
+            <a:pathLst>
+              <a:path extrusionOk="0" h="120000" w="120000">
+                <a:moveTo>
+                  <a:pt x="0" y="0"/>
+                </a:moveTo>
+                <a:lnTo>
+                  <a:pt x="120000" y="0"/>
+                </a:lnTo>
+                <a:lnTo>
+                  <a:pt x="120000" y="120000"/>
+                </a:lnTo>
+                <a:lnTo>
+                  <a:pt x="0" y="120000"/>
+                </a:lnTo>
+                <a:close/>
+              </a:path>
+            </a:pathLst>
+          </a:custGeom>
+        </p:spPr>
+      </p:sp>
+      <p:sp>
+        <p:nvSpPr>
+          <p:cNvPr id="417" name="Google Shape;417;g467b6db7c0_0_37:notes"/>
+          <p:cNvSpPr txBox="1"/>
+          <p:nvPr>
+            <p:ph idx="1" type="body"/>
+          </p:nvPr>
+        </p:nvSpPr>
+        <p:spPr>
+          <a:xfrm>
+            <a:off x="685800" y="4343400"/>
+            <a:ext cx="5486400" cy="4114800"/>
+          </a:xfrm>
+          <a:prstGeom prst="rect">
+            <a:avLst/>
+          </a:prstGeom>
+        </p:spPr>
+        <p:txBody>
+          <a:bodyPr anchorCtr="0" anchor="t" bIns="91425" lIns="91425" spcFirstLastPara="1" rIns="91425" wrap="square" tIns="91425">
+            <a:noAutofit/>
+          </a:bodyPr>
+          <a:lstStyle/>
+          <a:p>
+            <a:pPr indent="0" lvl="0" marL="0" rtl="0" algn="l">
+              <a:spcBef>
+                <a:spcPts val="0"/>
+              </a:spcBef>
+              <a:spcAft>
+                <a:spcPts val="0"/>
+              </a:spcAft>
+              <a:buNone/>
+            </a:pPr>
+            <a:r>
+              <a:t/>
+            </a:r>
+            <a:endParaRPr/>
+          </a:p>
+        </p:txBody>
+      </p:sp>
+    </p:spTree>
+  </p:cSld>
+  <p:clrMapOvr>
+    <a:masterClrMapping/>
+  </p:clrMapOvr>
+</p:notes>
+</file>
+
+<file path=ppt/notesSlides/notesSlide3.xml><?xml version="1.0" encoding="utf-8"?>
+<p:notes xmlns:a="http://schemas.openxmlformats.org/drawingml/2006/main" xmlns:r="http://schemas.openxmlformats.org/officeDocument/2006/relationships" xmlns:mc="http://schemas.openxmlformats.org/markup-compatibility/2006" xmlns:mv="urn:schemas-microsoft-com:mac:vml" xmlns:p="http://schemas.openxmlformats.org/presentationml/2006/main" xmlns:c="http://schemas.openxmlformats.org/drawingml/2006/chart" xmlns:dgm="http://schemas.openxmlformats.org/drawingml/2006/diagram" xmlns:o="urn:schemas-microsoft-com:office:office" xmlns:v="urn:schemas-microsoft-com:vml" xmlns:pvml="urn:schemas-microsoft-com:office:powerpoint" xmlns:com="http://schemas.openxmlformats.org/drawingml/2006/compatibility" xmlns:p14="http://schemas.microsoft.com/office/powerpoint/2010/main" xmlns:p15="http://schemas.microsoft.com/office/powerpoint/2012/main" showMasterPhAnim="0" showMasterSp="0">
+  <p:cSld>
+    <p:spTree>
+      <p:nvGrpSpPr>
+        <p:cNvPr id="251" name="Shape 251"/>
+        <p:cNvGrpSpPr/>
+        <p:nvPr/>
+      </p:nvGrpSpPr>
+      <p:grpSpPr>
+        <a:xfrm>
+          <a:off x="0" y="0"/>
+          <a:ext cx="0" cy="0"/>
+          <a:chOff x="0" y="0"/>
+          <a:chExt cx="0" cy="0"/>
+        </a:xfrm>
+      </p:grpSpPr>
+      <p:sp>
+        <p:nvSpPr>
+          <p:cNvPr id="252" name="Google Shape;252;g4499e2c750_0_167:notes"/>
+          <p:cNvSpPr/>
+          <p:nvPr>
+            <p:ph idx="2" type="sldImg"/>
+          </p:nvPr>
+        </p:nvSpPr>
+        <p:spPr>
+          <a:xfrm>
+            <a:off x="381300" y="685800"/>
+            <a:ext cx="6096000" cy="3429000"/>
+          </a:xfrm>
+          <a:custGeom>
+            <a:rect b="b" l="l" r="r" t="t"/>
+            <a:pathLst>
+              <a:path extrusionOk="0" h="120000" w="120000">
+                <a:moveTo>
+                  <a:pt x="0" y="0"/>
+                </a:moveTo>
+                <a:lnTo>
+                  <a:pt x="120000" y="0"/>
+                </a:lnTo>
+                <a:lnTo>
+                  <a:pt x="120000" y="120000"/>
+                </a:lnTo>
+                <a:lnTo>
+                  <a:pt x="0" y="120000"/>
+                </a:lnTo>
+                <a:close/>
+              </a:path>
+            </a:pathLst>
+          </a:custGeom>
+        </p:spPr>
+      </p:sp>
+      <p:sp>
+        <p:nvSpPr>
+          <p:cNvPr id="253" name="Google Shape;253;g4499e2c750_0_167:notes"/>
+          <p:cNvSpPr txBox="1"/>
+          <p:nvPr>
+            <p:ph idx="1" type="body"/>
+          </p:nvPr>
+        </p:nvSpPr>
+        <p:spPr>
+          <a:xfrm>
+            <a:off x="685800" y="4343400"/>
+            <a:ext cx="5486400" cy="4114800"/>
+          </a:xfrm>
+          <a:prstGeom prst="rect">
+            <a:avLst/>
+          </a:prstGeom>
+        </p:spPr>
+        <p:txBody>
+          <a:bodyPr anchorCtr="0" anchor="t" bIns="91425" lIns="91425" spcFirstLastPara="1" rIns="91425" wrap="square" tIns="91425">
+            <a:noAutofit/>
+          </a:bodyPr>
+          <a:lstStyle/>
+          <a:p>
+            <a:pPr indent="0" lvl="0" marL="0" rtl="0" algn="l">
+              <a:spcBef>
+                <a:spcPts val="0"/>
+              </a:spcBef>
+              <a:spcAft>
+                <a:spcPts val="0"/>
+              </a:spcAft>
+              <a:buNone/>
+            </a:pPr>
+            <a:r>
+              <a:t/>
+            </a:r>
+            <a:endParaRPr/>
+          </a:p>
+        </p:txBody>
+      </p:sp>
+    </p:spTree>
+  </p:cSld>
+  <p:clrMapOvr>
+    <a:masterClrMapping/>
+  </p:clrMapOvr>
+</p:notes>
+</file>
+
+<file path=ppt/notesSlides/notesSlide4.xml><?xml version="1.0" encoding="utf-8"?>
+<p:notes xmlns:a="http://schemas.openxmlformats.org/drawingml/2006/main" xmlns:r="http://schemas.openxmlformats.org/officeDocument/2006/relationships" xmlns:mc="http://schemas.openxmlformats.org/markup-compatibility/2006" xmlns:mv="urn:schemas-microsoft-com:mac:vml" xmlns:p="http://schemas.openxmlformats.org/presentationml/2006/main" xmlns:c="http://schemas.openxmlformats.org/drawingml/2006/chart" xmlns:dgm="http://schemas.openxmlformats.org/drawingml/2006/diagram" xmlns:o="urn:schemas-microsoft-com:office:office" xmlns:v="urn:schemas-microsoft-com:vml" xmlns:pvml="urn:schemas-microsoft-com:office:powerpoint" xmlns:com="http://schemas.openxmlformats.org/drawingml/2006/compatibility" xmlns:p14="http://schemas.microsoft.com/office/powerpoint/2010/main" xmlns:p15="http://schemas.microsoft.com/office/powerpoint/2012/main" showMasterPhAnim="0" showMasterSp="0">
+  <p:cSld>
+    <p:spTree>
+      <p:nvGrpSpPr>
+        <p:cNvPr id="258" name="Shape 258"/>
+        <p:cNvGrpSpPr/>
+        <p:nvPr/>
+      </p:nvGrpSpPr>
+      <p:grpSpPr>
+        <a:xfrm>
+          <a:off x="0" y="0"/>
+          <a:ext cx="0" cy="0"/>
+          <a:chOff x="0" y="0"/>
+          <a:chExt cx="0" cy="0"/>
+        </a:xfrm>
+      </p:grpSpPr>
+      <p:sp>
+        <p:nvSpPr>
+          <p:cNvPr id="259" name="Google Shape;259;g4499e2c750_0_182:notes"/>
+          <p:cNvSpPr/>
+          <p:nvPr>
+            <p:ph idx="2" type="sldImg"/>
+          </p:nvPr>
+        </p:nvSpPr>
+        <p:spPr>
+          <a:xfrm>
+            <a:off x="381300" y="685800"/>
+            <a:ext cx="6096000" cy="3429000"/>
+          </a:xfrm>
+          <a:custGeom>
+            <a:rect b="b" l="l" r="r" t="t"/>
+            <a:pathLst>
+              <a:path extrusionOk="0" h="120000" w="120000">
+                <a:moveTo>
+                  <a:pt x="0" y="0"/>
+                </a:moveTo>
+                <a:lnTo>
+                  <a:pt x="120000" y="0"/>
+                </a:lnTo>
+                <a:lnTo>
+                  <a:pt x="120000" y="120000"/>
+                </a:lnTo>
+                <a:lnTo>
+                  <a:pt x="0" y="120000"/>
+                </a:lnTo>
+                <a:close/>
+              </a:path>
+            </a:pathLst>
+          </a:custGeom>
+        </p:spPr>
+      </p:sp>
+      <p:sp>
+        <p:nvSpPr>
+          <p:cNvPr id="260" name="Google Shape;260;g4499e2c750_0_182:notes"/>
+          <p:cNvSpPr txBox="1"/>
+          <p:nvPr>
+            <p:ph idx="1" type="body"/>
+          </p:nvPr>
+        </p:nvSpPr>
+        <p:spPr>
+          <a:xfrm>
+            <a:off x="685800" y="4343400"/>
+            <a:ext cx="5486400" cy="4114800"/>
+          </a:xfrm>
+          <a:prstGeom prst="rect">
+            <a:avLst/>
+          </a:prstGeom>
+        </p:spPr>
+        <p:txBody>
+          <a:bodyPr anchorCtr="0" anchor="t" bIns="91425" lIns="91425" spcFirstLastPara="1" rIns="91425" wrap="square" tIns="91425">
+            <a:noAutofit/>
+          </a:bodyPr>
+          <a:lstStyle/>
+          <a:p>
+            <a:pPr indent="0" lvl="0" marL="0" rtl="0" algn="l">
+              <a:spcBef>
+                <a:spcPts val="0"/>
+              </a:spcBef>
+              <a:spcAft>
+                <a:spcPts val="0"/>
+              </a:spcAft>
+              <a:buNone/>
+            </a:pPr>
+            <a:r>
+              <a:t/>
+            </a:r>
+            <a:endParaRPr/>
+          </a:p>
+        </p:txBody>
+      </p:sp>
+    </p:spTree>
+  </p:cSld>
+  <p:clrMapOvr>
+    <a:masterClrMapping/>
+  </p:clrMapOvr>
+</p:notes>
+</file>
+
+<file path=ppt/notesSlides/notesSlide5.xml><?xml version="1.0" encoding="utf-8"?>
+<p:notes xmlns:a="http://schemas.openxmlformats.org/drawingml/2006/main" xmlns:r="http://schemas.openxmlformats.org/officeDocument/2006/relationships" xmlns:mc="http://schemas.openxmlformats.org/markup-compatibility/2006" xmlns:mv="urn:schemas-microsoft-com:mac:vml" xmlns:p="http://schemas.openxmlformats.org/presentationml/2006/main" xmlns:c="http://schemas.openxmlformats.org/drawingml/2006/chart" xmlns:dgm="http://schemas.openxmlformats.org/drawingml/2006/diagram" xmlns:o="urn:schemas-microsoft-com:office:office" xmlns:v="urn:schemas-microsoft-com:vml" xmlns:pvml="urn:schemas-microsoft-com:office:powerpoint" xmlns:com="http://schemas.openxmlformats.org/drawingml/2006/compatibility" xmlns:p14="http://schemas.microsoft.com/office/powerpoint/2010/main" xmlns:p15="http://schemas.microsoft.com/office/powerpoint/2012/main" showMasterPhAnim="0" showMasterSp="0">
+  <p:cSld>
+    <p:spTree>
+      <p:nvGrpSpPr>
         <p:cNvPr id="265" name="Shape 265"/>
         <p:cNvGrpSpPr/>
         <p:nvPr/>
@@ -907,7 +2788,7 @@
 </p:notes>
 </file>
 
-<file path=ppt/notesSlides/notesSlide11.xml><?xml version="1.0" encoding="utf-8"?>
+<file path=ppt/notesSlides/notesSlide6.xml><?xml version="1.0" encoding="utf-8"?>
 <p:notes xmlns:a="http://schemas.openxmlformats.org/drawingml/2006/main" xmlns:r="http://schemas.openxmlformats.org/officeDocument/2006/relationships" xmlns:mc="http://schemas.openxmlformats.org/markup-compatibility/2006" xmlns:mv="urn:schemas-microsoft-com:mac:vml" xmlns:p="http://schemas.openxmlformats.org/presentationml/2006/main" xmlns:c="http://schemas.openxmlformats.org/drawingml/2006/chart" xmlns:dgm="http://schemas.openxmlformats.org/drawingml/2006/diagram" xmlns:o="urn:schemas-microsoft-com:office:office" xmlns:v="urn:schemas-microsoft-com:vml" xmlns:pvml="urn:schemas-microsoft-com:office:powerpoint" xmlns:com="http://schemas.openxmlformats.org/drawingml/2006/compatibility" xmlns:p14="http://schemas.microsoft.com/office/powerpoint/2010/main" xmlns:p15="http://schemas.microsoft.com/office/powerpoint/2012/main" showMasterPhAnim="0" showMasterSp="0">
   <p:cSld>
     <p:spTree>
@@ -1006,7 +2887,7 @@
 </p:notes>
 </file>
 
-<file path=ppt/notesSlides/notesSlide12.xml><?xml version="1.0" encoding="utf-8"?>
+<file path=ppt/notesSlides/notesSlide7.xml><?xml version="1.0" encoding="utf-8"?>
 <p:notes xmlns:a="http://schemas.openxmlformats.org/drawingml/2006/main" xmlns:r="http://schemas.openxmlformats.org/officeDocument/2006/relationships" xmlns:mc="http://schemas.openxmlformats.org/markup-compatibility/2006" xmlns:mv="urn:schemas-microsoft-com:mac:vml" xmlns:p="http://schemas.openxmlformats.org/presentationml/2006/main" xmlns:c="http://schemas.openxmlformats.org/drawingml/2006/chart" xmlns:dgm="http://schemas.openxmlformats.org/drawingml/2006/diagram" xmlns:o="urn:schemas-microsoft-com:office:office" xmlns:v="urn:schemas-microsoft-com:vml" xmlns:pvml="urn:schemas-microsoft-com:office:powerpoint" xmlns:com="http://schemas.openxmlformats.org/drawingml/2006/compatibility" xmlns:p14="http://schemas.microsoft.com/office/powerpoint/2010/main" xmlns:p15="http://schemas.microsoft.com/office/powerpoint/2012/main" showMasterPhAnim="0" showMasterSp="0">
   <p:cSld>
     <p:spTree>
@@ -1105,7 +2986,7 @@
 </p:notes>
 </file>
 
-<file path=ppt/notesSlides/notesSlide13.xml><?xml version="1.0" encoding="utf-8"?>
+<file path=ppt/notesSlides/notesSlide8.xml><?xml version="1.0" encoding="utf-8"?>
 <p:notes xmlns:a="http://schemas.openxmlformats.org/drawingml/2006/main" xmlns:r="http://schemas.openxmlformats.org/officeDocument/2006/relationships" xmlns:mc="http://schemas.openxmlformats.org/markup-compatibility/2006" xmlns:mv="urn:schemas-microsoft-com:mac:vml" xmlns:p="http://schemas.openxmlformats.org/presentationml/2006/main" xmlns:c="http://schemas.openxmlformats.org/drawingml/2006/chart" xmlns:dgm="http://schemas.openxmlformats.org/drawingml/2006/diagram" xmlns:o="urn:schemas-microsoft-com:office:office" xmlns:v="urn:schemas-microsoft-com:vml" xmlns:pvml="urn:schemas-microsoft-com:office:powerpoint" xmlns:com="http://schemas.openxmlformats.org/drawingml/2006/compatibility" xmlns:p14="http://schemas.microsoft.com/office/powerpoint/2010/main" xmlns:p15="http://schemas.microsoft.com/office/powerpoint/2012/main" showMasterPhAnim="0" showMasterSp="0">
   <p:cSld>
     <p:spTree>
@@ -1204,7 +3085,7 @@
 </p:notes>
 </file>
 
-<file path=ppt/notesSlides/notesSlide14.xml><?xml version="1.0" encoding="utf-8"?>
+<file path=ppt/notesSlides/notesSlide9.xml><?xml version="1.0" encoding="utf-8"?>
 <p:notes xmlns:a="http://schemas.openxmlformats.org/drawingml/2006/main" xmlns:r="http://schemas.openxmlformats.org/officeDocument/2006/relationships" xmlns:mc="http://schemas.openxmlformats.org/markup-compatibility/2006" xmlns:mv="urn:schemas-microsoft-com:mac:vml" xmlns:p="http://schemas.openxmlformats.org/presentationml/2006/main" xmlns:c="http://schemas.openxmlformats.org/drawingml/2006/chart" xmlns:dgm="http://schemas.openxmlformats.org/drawingml/2006/diagram" xmlns:o="urn:schemas-microsoft-com:office:office" xmlns:v="urn:schemas-microsoft-com:vml" xmlns:pvml="urn:schemas-microsoft-com:office:powerpoint" xmlns:com="http://schemas.openxmlformats.org/drawingml/2006/compatibility" xmlns:p14="http://schemas.microsoft.com/office/powerpoint/2010/main" xmlns:p15="http://schemas.microsoft.com/office/powerpoint/2012/main" showMasterPhAnim="0" showMasterSp="0">
   <p:cSld>
     <p:spTree>
@@ -1259,2382 +3140,6 @@
       <p:sp>
         <p:nvSpPr>
           <p:cNvPr id="296" name="Google Shape;296;g4499e2c750_0_199:notes"/>
-          <p:cNvSpPr txBox="1"/>
-          <p:nvPr>
-            <p:ph idx="1" type="body"/>
-          </p:nvPr>
-        </p:nvSpPr>
-        <p:spPr>
-          <a:xfrm>
-            <a:off x="685800" y="4343400"/>
-            <a:ext cx="5486400" cy="4114800"/>
-          </a:xfrm>
-          <a:prstGeom prst="rect">
-            <a:avLst/>
-          </a:prstGeom>
-        </p:spPr>
-        <p:txBody>
-          <a:bodyPr anchorCtr="0" anchor="t" bIns="91425" lIns="91425" spcFirstLastPara="1" rIns="91425" wrap="square" tIns="91425">
-            <a:noAutofit/>
-          </a:bodyPr>
-          <a:lstStyle/>
-          <a:p>
-            <a:pPr indent="0" lvl="0" marL="0" rtl="0" algn="l">
-              <a:spcBef>
-                <a:spcPts val="0"/>
-              </a:spcBef>
-              <a:spcAft>
-                <a:spcPts val="0"/>
-              </a:spcAft>
-              <a:buNone/>
-            </a:pPr>
-            <a:r>
-              <a:t/>
-            </a:r>
-            <a:endParaRPr/>
-          </a:p>
-        </p:txBody>
-      </p:sp>
-    </p:spTree>
-  </p:cSld>
-  <p:clrMapOvr>
-    <a:masterClrMapping/>
-  </p:clrMapOvr>
-</p:notes>
-</file>
-
-<file path=ppt/notesSlides/notesSlide15.xml><?xml version="1.0" encoding="utf-8"?>
-<p:notes xmlns:a="http://schemas.openxmlformats.org/drawingml/2006/main" xmlns:r="http://schemas.openxmlformats.org/officeDocument/2006/relationships" xmlns:mc="http://schemas.openxmlformats.org/markup-compatibility/2006" xmlns:mv="urn:schemas-microsoft-com:mac:vml" xmlns:p="http://schemas.openxmlformats.org/presentationml/2006/main" xmlns:c="http://schemas.openxmlformats.org/drawingml/2006/chart" xmlns:dgm="http://schemas.openxmlformats.org/drawingml/2006/diagram" xmlns:o="urn:schemas-microsoft-com:office:office" xmlns:v="urn:schemas-microsoft-com:vml" xmlns:pvml="urn:schemas-microsoft-com:office:powerpoint" xmlns:com="http://schemas.openxmlformats.org/drawingml/2006/compatibility" xmlns:p14="http://schemas.microsoft.com/office/powerpoint/2010/main" xmlns:p15="http://schemas.microsoft.com/office/powerpoint/2012/main" showMasterPhAnim="0" showMasterSp="0">
-  <p:cSld>
-    <p:spTree>
-      <p:nvGrpSpPr>
-        <p:cNvPr id="305" name="Shape 305"/>
-        <p:cNvGrpSpPr/>
-        <p:nvPr/>
-      </p:nvGrpSpPr>
-      <p:grpSpPr>
-        <a:xfrm>
-          <a:off x="0" y="0"/>
-          <a:ext cx="0" cy="0"/>
-          <a:chOff x="0" y="0"/>
-          <a:chExt cx="0" cy="0"/>
-        </a:xfrm>
-      </p:grpSpPr>
-      <p:sp>
-        <p:nvSpPr>
-          <p:cNvPr id="306" name="Google Shape;306;g4499e2c750_0_232:notes"/>
-          <p:cNvSpPr/>
-          <p:nvPr>
-            <p:ph idx="2" type="sldImg"/>
-          </p:nvPr>
-        </p:nvSpPr>
-        <p:spPr>
-          <a:xfrm>
-            <a:off x="381300" y="685800"/>
-            <a:ext cx="6096000" cy="3429000"/>
-          </a:xfrm>
-          <a:custGeom>
-            <a:rect b="b" l="l" r="r" t="t"/>
-            <a:pathLst>
-              <a:path extrusionOk="0" h="120000" w="120000">
-                <a:moveTo>
-                  <a:pt x="0" y="0"/>
-                </a:moveTo>
-                <a:lnTo>
-                  <a:pt x="120000" y="0"/>
-                </a:lnTo>
-                <a:lnTo>
-                  <a:pt x="120000" y="120000"/>
-                </a:lnTo>
-                <a:lnTo>
-                  <a:pt x="0" y="120000"/>
-                </a:lnTo>
-                <a:close/>
-              </a:path>
-            </a:pathLst>
-          </a:custGeom>
-        </p:spPr>
-      </p:sp>
-      <p:sp>
-        <p:nvSpPr>
-          <p:cNvPr id="307" name="Google Shape;307;g4499e2c750_0_232:notes"/>
-          <p:cNvSpPr txBox="1"/>
-          <p:nvPr>
-            <p:ph idx="1" type="body"/>
-          </p:nvPr>
-        </p:nvSpPr>
-        <p:spPr>
-          <a:xfrm>
-            <a:off x="685800" y="4343400"/>
-            <a:ext cx="5486400" cy="4114800"/>
-          </a:xfrm>
-          <a:prstGeom prst="rect">
-            <a:avLst/>
-          </a:prstGeom>
-        </p:spPr>
-        <p:txBody>
-          <a:bodyPr anchorCtr="0" anchor="t" bIns="91425" lIns="91425" spcFirstLastPara="1" rIns="91425" wrap="square" tIns="91425">
-            <a:noAutofit/>
-          </a:bodyPr>
-          <a:lstStyle/>
-          <a:p>
-            <a:pPr indent="0" lvl="0" marL="0" rtl="0" algn="l">
-              <a:spcBef>
-                <a:spcPts val="0"/>
-              </a:spcBef>
-              <a:spcAft>
-                <a:spcPts val="0"/>
-              </a:spcAft>
-              <a:buNone/>
-            </a:pPr>
-            <a:r>
-              <a:t/>
-            </a:r>
-            <a:endParaRPr/>
-          </a:p>
-        </p:txBody>
-      </p:sp>
-    </p:spTree>
-  </p:cSld>
-  <p:clrMapOvr>
-    <a:masterClrMapping/>
-  </p:clrMapOvr>
-</p:notes>
-</file>
-
-<file path=ppt/notesSlides/notesSlide16.xml><?xml version="1.0" encoding="utf-8"?>
-<p:notes xmlns:a="http://schemas.openxmlformats.org/drawingml/2006/main" xmlns:r="http://schemas.openxmlformats.org/officeDocument/2006/relationships" xmlns:mc="http://schemas.openxmlformats.org/markup-compatibility/2006" xmlns:mv="urn:schemas-microsoft-com:mac:vml" xmlns:p="http://schemas.openxmlformats.org/presentationml/2006/main" xmlns:c="http://schemas.openxmlformats.org/drawingml/2006/chart" xmlns:dgm="http://schemas.openxmlformats.org/drawingml/2006/diagram" xmlns:o="urn:schemas-microsoft-com:office:office" xmlns:v="urn:schemas-microsoft-com:vml" xmlns:pvml="urn:schemas-microsoft-com:office:powerpoint" xmlns:com="http://schemas.openxmlformats.org/drawingml/2006/compatibility" xmlns:p14="http://schemas.microsoft.com/office/powerpoint/2010/main" xmlns:p15="http://schemas.microsoft.com/office/powerpoint/2012/main" showMasterPhAnim="0" showMasterSp="0">
-  <p:cSld>
-    <p:spTree>
-      <p:nvGrpSpPr>
-        <p:cNvPr id="310" name="Shape 310"/>
-        <p:cNvGrpSpPr/>
-        <p:nvPr/>
-      </p:nvGrpSpPr>
-      <p:grpSpPr>
-        <a:xfrm>
-          <a:off x="0" y="0"/>
-          <a:ext cx="0" cy="0"/>
-          <a:chOff x="0" y="0"/>
-          <a:chExt cx="0" cy="0"/>
-        </a:xfrm>
-      </p:grpSpPr>
-      <p:sp>
-        <p:nvSpPr>
-          <p:cNvPr id="311" name="Google Shape;311;g4499e2c750_0_222:notes"/>
-          <p:cNvSpPr/>
-          <p:nvPr>
-            <p:ph idx="2" type="sldImg"/>
-          </p:nvPr>
-        </p:nvSpPr>
-        <p:spPr>
-          <a:xfrm>
-            <a:off x="381300" y="685800"/>
-            <a:ext cx="6096000" cy="3429000"/>
-          </a:xfrm>
-          <a:custGeom>
-            <a:rect b="b" l="l" r="r" t="t"/>
-            <a:pathLst>
-              <a:path extrusionOk="0" h="120000" w="120000">
-                <a:moveTo>
-                  <a:pt x="0" y="0"/>
-                </a:moveTo>
-                <a:lnTo>
-                  <a:pt x="120000" y="0"/>
-                </a:lnTo>
-                <a:lnTo>
-                  <a:pt x="120000" y="120000"/>
-                </a:lnTo>
-                <a:lnTo>
-                  <a:pt x="0" y="120000"/>
-                </a:lnTo>
-                <a:close/>
-              </a:path>
-            </a:pathLst>
-          </a:custGeom>
-        </p:spPr>
-      </p:sp>
-      <p:sp>
-        <p:nvSpPr>
-          <p:cNvPr id="312" name="Google Shape;312;g4499e2c750_0_222:notes"/>
-          <p:cNvSpPr txBox="1"/>
-          <p:nvPr>
-            <p:ph idx="1" type="body"/>
-          </p:nvPr>
-        </p:nvSpPr>
-        <p:spPr>
-          <a:xfrm>
-            <a:off x="685800" y="4343400"/>
-            <a:ext cx="5486400" cy="4114800"/>
-          </a:xfrm>
-          <a:prstGeom prst="rect">
-            <a:avLst/>
-          </a:prstGeom>
-        </p:spPr>
-        <p:txBody>
-          <a:bodyPr anchorCtr="0" anchor="t" bIns="91425" lIns="91425" spcFirstLastPara="1" rIns="91425" wrap="square" tIns="91425">
-            <a:noAutofit/>
-          </a:bodyPr>
-          <a:lstStyle/>
-          <a:p>
-            <a:pPr indent="0" lvl="0" marL="0" rtl="0" algn="l">
-              <a:spcBef>
-                <a:spcPts val="0"/>
-              </a:spcBef>
-              <a:spcAft>
-                <a:spcPts val="0"/>
-              </a:spcAft>
-              <a:buNone/>
-            </a:pPr>
-            <a:r>
-              <a:t/>
-            </a:r>
-            <a:endParaRPr/>
-          </a:p>
-        </p:txBody>
-      </p:sp>
-    </p:spTree>
-  </p:cSld>
-  <p:clrMapOvr>
-    <a:masterClrMapping/>
-  </p:clrMapOvr>
-</p:notes>
-</file>
-
-<file path=ppt/notesSlides/notesSlide17.xml><?xml version="1.0" encoding="utf-8"?>
-<p:notes xmlns:a="http://schemas.openxmlformats.org/drawingml/2006/main" xmlns:r="http://schemas.openxmlformats.org/officeDocument/2006/relationships" xmlns:mc="http://schemas.openxmlformats.org/markup-compatibility/2006" xmlns:mv="urn:schemas-microsoft-com:mac:vml" xmlns:p="http://schemas.openxmlformats.org/presentationml/2006/main" xmlns:c="http://schemas.openxmlformats.org/drawingml/2006/chart" xmlns:dgm="http://schemas.openxmlformats.org/drawingml/2006/diagram" xmlns:o="urn:schemas-microsoft-com:office:office" xmlns:v="urn:schemas-microsoft-com:vml" xmlns:pvml="urn:schemas-microsoft-com:office:powerpoint" xmlns:com="http://schemas.openxmlformats.org/drawingml/2006/compatibility" xmlns:p14="http://schemas.microsoft.com/office/powerpoint/2010/main" xmlns:p15="http://schemas.microsoft.com/office/powerpoint/2012/main" showMasterPhAnim="0" showMasterSp="0">
-  <p:cSld>
-    <p:spTree>
-      <p:nvGrpSpPr>
-        <p:cNvPr id="321" name="Shape 321"/>
-        <p:cNvGrpSpPr/>
-        <p:nvPr/>
-      </p:nvGrpSpPr>
-      <p:grpSpPr>
-        <a:xfrm>
-          <a:off x="0" y="0"/>
-          <a:ext cx="0" cy="0"/>
-          <a:chOff x="0" y="0"/>
-          <a:chExt cx="0" cy="0"/>
-        </a:xfrm>
-      </p:grpSpPr>
-      <p:sp>
-        <p:nvSpPr>
-          <p:cNvPr id="322" name="Google Shape;322;g4563e4ce49_1_30:notes"/>
-          <p:cNvSpPr/>
-          <p:nvPr>
-            <p:ph idx="2" type="sldImg"/>
-          </p:nvPr>
-        </p:nvSpPr>
-        <p:spPr>
-          <a:xfrm>
-            <a:off x="381300" y="685800"/>
-            <a:ext cx="6096000" cy="3429000"/>
-          </a:xfrm>
-          <a:custGeom>
-            <a:rect b="b" l="l" r="r" t="t"/>
-            <a:pathLst>
-              <a:path extrusionOk="0" h="120000" w="120000">
-                <a:moveTo>
-                  <a:pt x="0" y="0"/>
-                </a:moveTo>
-                <a:lnTo>
-                  <a:pt x="120000" y="0"/>
-                </a:lnTo>
-                <a:lnTo>
-                  <a:pt x="120000" y="120000"/>
-                </a:lnTo>
-                <a:lnTo>
-                  <a:pt x="0" y="120000"/>
-                </a:lnTo>
-                <a:close/>
-              </a:path>
-            </a:pathLst>
-          </a:custGeom>
-        </p:spPr>
-      </p:sp>
-      <p:sp>
-        <p:nvSpPr>
-          <p:cNvPr id="323" name="Google Shape;323;g4563e4ce49_1_30:notes"/>
-          <p:cNvSpPr txBox="1"/>
-          <p:nvPr>
-            <p:ph idx="1" type="body"/>
-          </p:nvPr>
-        </p:nvSpPr>
-        <p:spPr>
-          <a:xfrm>
-            <a:off x="685800" y="4343400"/>
-            <a:ext cx="5486400" cy="4114800"/>
-          </a:xfrm>
-          <a:prstGeom prst="rect">
-            <a:avLst/>
-          </a:prstGeom>
-        </p:spPr>
-        <p:txBody>
-          <a:bodyPr anchorCtr="0" anchor="t" bIns="91425" lIns="91425" spcFirstLastPara="1" rIns="91425" wrap="square" tIns="91425">
-            <a:noAutofit/>
-          </a:bodyPr>
-          <a:lstStyle/>
-          <a:p>
-            <a:pPr indent="0" lvl="0" marL="0" rtl="0" algn="l">
-              <a:spcBef>
-                <a:spcPts val="0"/>
-              </a:spcBef>
-              <a:spcAft>
-                <a:spcPts val="0"/>
-              </a:spcAft>
-              <a:buNone/>
-            </a:pPr>
-            <a:r>
-              <a:t/>
-            </a:r>
-            <a:endParaRPr/>
-          </a:p>
-        </p:txBody>
-      </p:sp>
-    </p:spTree>
-  </p:cSld>
-  <p:clrMapOvr>
-    <a:masterClrMapping/>
-  </p:clrMapOvr>
-</p:notes>
-</file>
-
-<file path=ppt/notesSlides/notesSlide18.xml><?xml version="1.0" encoding="utf-8"?>
-<p:notes xmlns:a="http://schemas.openxmlformats.org/drawingml/2006/main" xmlns:r="http://schemas.openxmlformats.org/officeDocument/2006/relationships" xmlns:mc="http://schemas.openxmlformats.org/markup-compatibility/2006" xmlns:mv="urn:schemas-microsoft-com:mac:vml" xmlns:p="http://schemas.openxmlformats.org/presentationml/2006/main" xmlns:c="http://schemas.openxmlformats.org/drawingml/2006/chart" xmlns:dgm="http://schemas.openxmlformats.org/drawingml/2006/diagram" xmlns:o="urn:schemas-microsoft-com:office:office" xmlns:v="urn:schemas-microsoft-com:vml" xmlns:pvml="urn:schemas-microsoft-com:office:powerpoint" xmlns:com="http://schemas.openxmlformats.org/drawingml/2006/compatibility" xmlns:p14="http://schemas.microsoft.com/office/powerpoint/2010/main" xmlns:p15="http://schemas.microsoft.com/office/powerpoint/2012/main" showMasterPhAnim="0" showMasterSp="0">
-  <p:cSld>
-    <p:spTree>
-      <p:nvGrpSpPr>
-        <p:cNvPr id="330" name="Shape 330"/>
-        <p:cNvGrpSpPr/>
-        <p:nvPr/>
-      </p:nvGrpSpPr>
-      <p:grpSpPr>
-        <a:xfrm>
-          <a:off x="0" y="0"/>
-          <a:ext cx="0" cy="0"/>
-          <a:chOff x="0" y="0"/>
-          <a:chExt cx="0" cy="0"/>
-        </a:xfrm>
-      </p:grpSpPr>
-      <p:sp>
-        <p:nvSpPr>
-          <p:cNvPr id="331" name="Google Shape;331;g4563e4ce49_1_10:notes"/>
-          <p:cNvSpPr/>
-          <p:nvPr>
-            <p:ph idx="2" type="sldImg"/>
-          </p:nvPr>
-        </p:nvSpPr>
-        <p:spPr>
-          <a:xfrm>
-            <a:off x="381300" y="685800"/>
-            <a:ext cx="6096000" cy="3429000"/>
-          </a:xfrm>
-          <a:custGeom>
-            <a:rect b="b" l="l" r="r" t="t"/>
-            <a:pathLst>
-              <a:path extrusionOk="0" h="120000" w="120000">
-                <a:moveTo>
-                  <a:pt x="0" y="0"/>
-                </a:moveTo>
-                <a:lnTo>
-                  <a:pt x="120000" y="0"/>
-                </a:lnTo>
-                <a:lnTo>
-                  <a:pt x="120000" y="120000"/>
-                </a:lnTo>
-                <a:lnTo>
-                  <a:pt x="0" y="120000"/>
-                </a:lnTo>
-                <a:close/>
-              </a:path>
-            </a:pathLst>
-          </a:custGeom>
-        </p:spPr>
-      </p:sp>
-      <p:sp>
-        <p:nvSpPr>
-          <p:cNvPr id="332" name="Google Shape;332;g4563e4ce49_1_10:notes"/>
-          <p:cNvSpPr txBox="1"/>
-          <p:nvPr>
-            <p:ph idx="1" type="body"/>
-          </p:nvPr>
-        </p:nvSpPr>
-        <p:spPr>
-          <a:xfrm>
-            <a:off x="685800" y="4343400"/>
-            <a:ext cx="5486400" cy="4114800"/>
-          </a:xfrm>
-          <a:prstGeom prst="rect">
-            <a:avLst/>
-          </a:prstGeom>
-        </p:spPr>
-        <p:txBody>
-          <a:bodyPr anchorCtr="0" anchor="t" bIns="91425" lIns="91425" spcFirstLastPara="1" rIns="91425" wrap="square" tIns="91425">
-            <a:noAutofit/>
-          </a:bodyPr>
-          <a:lstStyle/>
-          <a:p>
-            <a:pPr indent="0" lvl="0" marL="0" rtl="0" algn="l">
-              <a:spcBef>
-                <a:spcPts val="0"/>
-              </a:spcBef>
-              <a:spcAft>
-                <a:spcPts val="0"/>
-              </a:spcAft>
-              <a:buNone/>
-            </a:pPr>
-            <a:r>
-              <a:t/>
-            </a:r>
-            <a:endParaRPr/>
-          </a:p>
-        </p:txBody>
-      </p:sp>
-    </p:spTree>
-  </p:cSld>
-  <p:clrMapOvr>
-    <a:masterClrMapping/>
-  </p:clrMapOvr>
-</p:notes>
-</file>
-
-<file path=ppt/notesSlides/notesSlide19.xml><?xml version="1.0" encoding="utf-8"?>
-<p:notes xmlns:a="http://schemas.openxmlformats.org/drawingml/2006/main" xmlns:r="http://schemas.openxmlformats.org/officeDocument/2006/relationships" xmlns:mc="http://schemas.openxmlformats.org/markup-compatibility/2006" xmlns:mv="urn:schemas-microsoft-com:mac:vml" xmlns:p="http://schemas.openxmlformats.org/presentationml/2006/main" xmlns:c="http://schemas.openxmlformats.org/drawingml/2006/chart" xmlns:dgm="http://schemas.openxmlformats.org/drawingml/2006/diagram" xmlns:o="urn:schemas-microsoft-com:office:office" xmlns:v="urn:schemas-microsoft-com:vml" xmlns:pvml="urn:schemas-microsoft-com:office:powerpoint" xmlns:com="http://schemas.openxmlformats.org/drawingml/2006/compatibility" xmlns:p14="http://schemas.microsoft.com/office/powerpoint/2010/main" xmlns:p15="http://schemas.microsoft.com/office/powerpoint/2012/main" showMasterPhAnim="0" showMasterSp="0">
-  <p:cSld>
-    <p:spTree>
-      <p:nvGrpSpPr>
-        <p:cNvPr id="337" name="Shape 337"/>
-        <p:cNvGrpSpPr/>
-        <p:nvPr/>
-      </p:nvGrpSpPr>
-      <p:grpSpPr>
-        <a:xfrm>
-          <a:off x="0" y="0"/>
-          <a:ext cx="0" cy="0"/>
-          <a:chOff x="0" y="0"/>
-          <a:chExt cx="0" cy="0"/>
-        </a:xfrm>
-      </p:grpSpPr>
-      <p:sp>
-        <p:nvSpPr>
-          <p:cNvPr id="338" name="Google Shape;338;g4563e4ce49_1_15:notes"/>
-          <p:cNvSpPr/>
-          <p:nvPr>
-            <p:ph idx="2" type="sldImg"/>
-          </p:nvPr>
-        </p:nvSpPr>
-        <p:spPr>
-          <a:xfrm>
-            <a:off x="381300" y="685800"/>
-            <a:ext cx="6096000" cy="3429000"/>
-          </a:xfrm>
-          <a:custGeom>
-            <a:rect b="b" l="l" r="r" t="t"/>
-            <a:pathLst>
-              <a:path extrusionOk="0" h="120000" w="120000">
-                <a:moveTo>
-                  <a:pt x="0" y="0"/>
-                </a:moveTo>
-                <a:lnTo>
-                  <a:pt x="120000" y="0"/>
-                </a:lnTo>
-                <a:lnTo>
-                  <a:pt x="120000" y="120000"/>
-                </a:lnTo>
-                <a:lnTo>
-                  <a:pt x="0" y="120000"/>
-                </a:lnTo>
-                <a:close/>
-              </a:path>
-            </a:pathLst>
-          </a:custGeom>
-        </p:spPr>
-      </p:sp>
-      <p:sp>
-        <p:nvSpPr>
-          <p:cNvPr id="339" name="Google Shape;339;g4563e4ce49_1_15:notes"/>
-          <p:cNvSpPr txBox="1"/>
-          <p:nvPr>
-            <p:ph idx="1" type="body"/>
-          </p:nvPr>
-        </p:nvSpPr>
-        <p:spPr>
-          <a:xfrm>
-            <a:off x="685800" y="4343400"/>
-            <a:ext cx="5486400" cy="4114800"/>
-          </a:xfrm>
-          <a:prstGeom prst="rect">
-            <a:avLst/>
-          </a:prstGeom>
-        </p:spPr>
-        <p:txBody>
-          <a:bodyPr anchorCtr="0" anchor="t" bIns="91425" lIns="91425" spcFirstLastPara="1" rIns="91425" wrap="square" tIns="91425">
-            <a:noAutofit/>
-          </a:bodyPr>
-          <a:lstStyle/>
-          <a:p>
-            <a:pPr indent="0" lvl="0" marL="0" rtl="0" algn="l">
-              <a:spcBef>
-                <a:spcPts val="0"/>
-              </a:spcBef>
-              <a:spcAft>
-                <a:spcPts val="0"/>
-              </a:spcAft>
-              <a:buNone/>
-            </a:pPr>
-            <a:r>
-              <a:t/>
-            </a:r>
-            <a:endParaRPr/>
-          </a:p>
-        </p:txBody>
-      </p:sp>
-    </p:spTree>
-  </p:cSld>
-  <p:clrMapOvr>
-    <a:masterClrMapping/>
-  </p:clrMapOvr>
-</p:notes>
-</file>
-
-<file path=ppt/notesSlides/notesSlide2.xml><?xml version="1.0" encoding="utf-8"?>
-<p:notes xmlns:a="http://schemas.openxmlformats.org/drawingml/2006/main" xmlns:r="http://schemas.openxmlformats.org/officeDocument/2006/relationships" xmlns:mc="http://schemas.openxmlformats.org/markup-compatibility/2006" xmlns:mv="urn:schemas-microsoft-com:mac:vml" xmlns:p="http://schemas.openxmlformats.org/presentationml/2006/main" xmlns:c="http://schemas.openxmlformats.org/drawingml/2006/chart" xmlns:dgm="http://schemas.openxmlformats.org/drawingml/2006/diagram" xmlns:o="urn:schemas-microsoft-com:office:office" xmlns:v="urn:schemas-microsoft-com:vml" xmlns:pvml="urn:schemas-microsoft-com:office:powerpoint" xmlns:com="http://schemas.openxmlformats.org/drawingml/2006/compatibility" xmlns:p14="http://schemas.microsoft.com/office/powerpoint/2010/main" xmlns:p15="http://schemas.microsoft.com/office/powerpoint/2012/main" showMasterPhAnim="0" showMasterSp="0">
-  <p:cSld>
-    <p:spTree>
-      <p:nvGrpSpPr>
-        <p:cNvPr id="207" name="Shape 207"/>
-        <p:cNvGrpSpPr/>
-        <p:nvPr/>
-      </p:nvGrpSpPr>
-      <p:grpSpPr>
-        <a:xfrm>
-          <a:off x="0" y="0"/>
-          <a:ext cx="0" cy="0"/>
-          <a:chOff x="0" y="0"/>
-          <a:chExt cx="0" cy="0"/>
-        </a:xfrm>
-      </p:grpSpPr>
-      <p:sp>
-        <p:nvSpPr>
-          <p:cNvPr id="208" name="Google Shape;208;g4499e2c750_0_123:notes"/>
-          <p:cNvSpPr/>
-          <p:nvPr>
-            <p:ph idx="2" type="sldImg"/>
-          </p:nvPr>
-        </p:nvSpPr>
-        <p:spPr>
-          <a:xfrm>
-            <a:off x="381300" y="685800"/>
-            <a:ext cx="6096000" cy="3429000"/>
-          </a:xfrm>
-          <a:custGeom>
-            <a:rect b="b" l="l" r="r" t="t"/>
-            <a:pathLst>
-              <a:path extrusionOk="0" h="120000" w="120000">
-                <a:moveTo>
-                  <a:pt x="0" y="0"/>
-                </a:moveTo>
-                <a:lnTo>
-                  <a:pt x="120000" y="0"/>
-                </a:lnTo>
-                <a:lnTo>
-                  <a:pt x="120000" y="120000"/>
-                </a:lnTo>
-                <a:lnTo>
-                  <a:pt x="0" y="120000"/>
-                </a:lnTo>
-                <a:close/>
-              </a:path>
-            </a:pathLst>
-          </a:custGeom>
-        </p:spPr>
-      </p:sp>
-      <p:sp>
-        <p:nvSpPr>
-          <p:cNvPr id="209" name="Google Shape;209;g4499e2c750_0_123:notes"/>
-          <p:cNvSpPr txBox="1"/>
-          <p:nvPr>
-            <p:ph idx="1" type="body"/>
-          </p:nvPr>
-        </p:nvSpPr>
-        <p:spPr>
-          <a:xfrm>
-            <a:off x="685800" y="4343400"/>
-            <a:ext cx="5486400" cy="4114800"/>
-          </a:xfrm>
-          <a:prstGeom prst="rect">
-            <a:avLst/>
-          </a:prstGeom>
-        </p:spPr>
-        <p:txBody>
-          <a:bodyPr anchorCtr="0" anchor="t" bIns="91425" lIns="91425" spcFirstLastPara="1" rIns="91425" wrap="square" tIns="91425">
-            <a:noAutofit/>
-          </a:bodyPr>
-          <a:lstStyle/>
-          <a:p>
-            <a:pPr indent="0" lvl="0" marL="0" rtl="0" algn="l">
-              <a:spcBef>
-                <a:spcPts val="0"/>
-              </a:spcBef>
-              <a:spcAft>
-                <a:spcPts val="0"/>
-              </a:spcAft>
-              <a:buNone/>
-            </a:pPr>
-            <a:r>
-              <a:t/>
-            </a:r>
-            <a:endParaRPr/>
-          </a:p>
-        </p:txBody>
-      </p:sp>
-    </p:spTree>
-  </p:cSld>
-  <p:clrMapOvr>
-    <a:masterClrMapping/>
-  </p:clrMapOvr>
-</p:notes>
-</file>
-
-<file path=ppt/notesSlides/notesSlide20.xml><?xml version="1.0" encoding="utf-8"?>
-<p:notes xmlns:a="http://schemas.openxmlformats.org/drawingml/2006/main" xmlns:r="http://schemas.openxmlformats.org/officeDocument/2006/relationships" xmlns:mc="http://schemas.openxmlformats.org/markup-compatibility/2006" xmlns:mv="urn:schemas-microsoft-com:mac:vml" xmlns:p="http://schemas.openxmlformats.org/presentationml/2006/main" xmlns:c="http://schemas.openxmlformats.org/drawingml/2006/chart" xmlns:dgm="http://schemas.openxmlformats.org/drawingml/2006/diagram" xmlns:o="urn:schemas-microsoft-com:office:office" xmlns:v="urn:schemas-microsoft-com:vml" xmlns:pvml="urn:schemas-microsoft-com:office:powerpoint" xmlns:com="http://schemas.openxmlformats.org/drawingml/2006/compatibility" xmlns:p14="http://schemas.microsoft.com/office/powerpoint/2010/main" xmlns:p15="http://schemas.microsoft.com/office/powerpoint/2012/main" showMasterPhAnim="0" showMasterSp="0">
-  <p:cSld>
-    <p:spTree>
-      <p:nvGrpSpPr>
-        <p:cNvPr id="344" name="Shape 344"/>
-        <p:cNvGrpSpPr/>
-        <p:nvPr/>
-      </p:nvGrpSpPr>
-      <p:grpSpPr>
-        <a:xfrm>
-          <a:off x="0" y="0"/>
-          <a:ext cx="0" cy="0"/>
-          <a:chOff x="0" y="0"/>
-          <a:chExt cx="0" cy="0"/>
-        </a:xfrm>
-      </p:grpSpPr>
-      <p:sp>
-        <p:nvSpPr>
-          <p:cNvPr id="345" name="Google Shape;345;g4563e4ce49_1_20:notes"/>
-          <p:cNvSpPr/>
-          <p:nvPr>
-            <p:ph idx="2" type="sldImg"/>
-          </p:nvPr>
-        </p:nvSpPr>
-        <p:spPr>
-          <a:xfrm>
-            <a:off x="381300" y="685800"/>
-            <a:ext cx="6096000" cy="3429000"/>
-          </a:xfrm>
-          <a:custGeom>
-            <a:rect b="b" l="l" r="r" t="t"/>
-            <a:pathLst>
-              <a:path extrusionOk="0" h="120000" w="120000">
-                <a:moveTo>
-                  <a:pt x="0" y="0"/>
-                </a:moveTo>
-                <a:lnTo>
-                  <a:pt x="120000" y="0"/>
-                </a:lnTo>
-                <a:lnTo>
-                  <a:pt x="120000" y="120000"/>
-                </a:lnTo>
-                <a:lnTo>
-                  <a:pt x="0" y="120000"/>
-                </a:lnTo>
-                <a:close/>
-              </a:path>
-            </a:pathLst>
-          </a:custGeom>
-        </p:spPr>
-      </p:sp>
-      <p:sp>
-        <p:nvSpPr>
-          <p:cNvPr id="346" name="Google Shape;346;g4563e4ce49_1_20:notes"/>
-          <p:cNvSpPr txBox="1"/>
-          <p:nvPr>
-            <p:ph idx="1" type="body"/>
-          </p:nvPr>
-        </p:nvSpPr>
-        <p:spPr>
-          <a:xfrm>
-            <a:off x="685800" y="4343400"/>
-            <a:ext cx="5486400" cy="4114800"/>
-          </a:xfrm>
-          <a:prstGeom prst="rect">
-            <a:avLst/>
-          </a:prstGeom>
-        </p:spPr>
-        <p:txBody>
-          <a:bodyPr anchorCtr="0" anchor="t" bIns="91425" lIns="91425" spcFirstLastPara="1" rIns="91425" wrap="square" tIns="91425">
-            <a:noAutofit/>
-          </a:bodyPr>
-          <a:lstStyle/>
-          <a:p>
-            <a:pPr indent="0" lvl="0" marL="0" rtl="0" algn="l">
-              <a:spcBef>
-                <a:spcPts val="0"/>
-              </a:spcBef>
-              <a:spcAft>
-                <a:spcPts val="0"/>
-              </a:spcAft>
-              <a:buNone/>
-            </a:pPr>
-            <a:r>
-              <a:t/>
-            </a:r>
-            <a:endParaRPr/>
-          </a:p>
-        </p:txBody>
-      </p:sp>
-    </p:spTree>
-  </p:cSld>
-  <p:clrMapOvr>
-    <a:masterClrMapping/>
-  </p:clrMapOvr>
-</p:notes>
-</file>
-
-<file path=ppt/notesSlides/notesSlide21.xml><?xml version="1.0" encoding="utf-8"?>
-<p:notes xmlns:a="http://schemas.openxmlformats.org/drawingml/2006/main" xmlns:r="http://schemas.openxmlformats.org/officeDocument/2006/relationships" xmlns:mc="http://schemas.openxmlformats.org/markup-compatibility/2006" xmlns:mv="urn:schemas-microsoft-com:mac:vml" xmlns:p="http://schemas.openxmlformats.org/presentationml/2006/main" xmlns:c="http://schemas.openxmlformats.org/drawingml/2006/chart" xmlns:dgm="http://schemas.openxmlformats.org/drawingml/2006/diagram" xmlns:o="urn:schemas-microsoft-com:office:office" xmlns:v="urn:schemas-microsoft-com:vml" xmlns:pvml="urn:schemas-microsoft-com:office:powerpoint" xmlns:com="http://schemas.openxmlformats.org/drawingml/2006/compatibility" xmlns:p14="http://schemas.microsoft.com/office/powerpoint/2010/main" xmlns:p15="http://schemas.microsoft.com/office/powerpoint/2012/main" showMasterPhAnim="0" showMasterSp="0">
-  <p:cSld>
-    <p:spTree>
-      <p:nvGrpSpPr>
-        <p:cNvPr id="350" name="Shape 350"/>
-        <p:cNvGrpSpPr/>
-        <p:nvPr/>
-      </p:nvGrpSpPr>
-      <p:grpSpPr>
-        <a:xfrm>
-          <a:off x="0" y="0"/>
-          <a:ext cx="0" cy="0"/>
-          <a:chOff x="0" y="0"/>
-          <a:chExt cx="0" cy="0"/>
-        </a:xfrm>
-      </p:grpSpPr>
-      <p:sp>
-        <p:nvSpPr>
-          <p:cNvPr id="351" name="Google Shape;351;g4563e4ce49_1_35:notes"/>
-          <p:cNvSpPr/>
-          <p:nvPr>
-            <p:ph idx="2" type="sldImg"/>
-          </p:nvPr>
-        </p:nvSpPr>
-        <p:spPr>
-          <a:xfrm>
-            <a:off x="381300" y="685800"/>
-            <a:ext cx="6096000" cy="3429000"/>
-          </a:xfrm>
-          <a:custGeom>
-            <a:rect b="b" l="l" r="r" t="t"/>
-            <a:pathLst>
-              <a:path extrusionOk="0" h="120000" w="120000">
-                <a:moveTo>
-                  <a:pt x="0" y="0"/>
-                </a:moveTo>
-                <a:lnTo>
-                  <a:pt x="120000" y="0"/>
-                </a:lnTo>
-                <a:lnTo>
-                  <a:pt x="120000" y="120000"/>
-                </a:lnTo>
-                <a:lnTo>
-                  <a:pt x="0" y="120000"/>
-                </a:lnTo>
-                <a:close/>
-              </a:path>
-            </a:pathLst>
-          </a:custGeom>
-        </p:spPr>
-      </p:sp>
-      <p:sp>
-        <p:nvSpPr>
-          <p:cNvPr id="352" name="Google Shape;352;g4563e4ce49_1_35:notes"/>
-          <p:cNvSpPr txBox="1"/>
-          <p:nvPr>
-            <p:ph idx="1" type="body"/>
-          </p:nvPr>
-        </p:nvSpPr>
-        <p:spPr>
-          <a:xfrm>
-            <a:off x="685800" y="4343400"/>
-            <a:ext cx="5486400" cy="4114800"/>
-          </a:xfrm>
-          <a:prstGeom prst="rect">
-            <a:avLst/>
-          </a:prstGeom>
-        </p:spPr>
-        <p:txBody>
-          <a:bodyPr anchorCtr="0" anchor="t" bIns="91425" lIns="91425" spcFirstLastPara="1" rIns="91425" wrap="square" tIns="91425">
-            <a:noAutofit/>
-          </a:bodyPr>
-          <a:lstStyle/>
-          <a:p>
-            <a:pPr indent="0" lvl="0" marL="0" rtl="0" algn="l">
-              <a:spcBef>
-                <a:spcPts val="0"/>
-              </a:spcBef>
-              <a:spcAft>
-                <a:spcPts val="0"/>
-              </a:spcAft>
-              <a:buNone/>
-            </a:pPr>
-            <a:r>
-              <a:t/>
-            </a:r>
-            <a:endParaRPr/>
-          </a:p>
-        </p:txBody>
-      </p:sp>
-    </p:spTree>
-  </p:cSld>
-  <p:clrMapOvr>
-    <a:masterClrMapping/>
-  </p:clrMapOvr>
-</p:notes>
-</file>
-
-<file path=ppt/notesSlides/notesSlide22.xml><?xml version="1.0" encoding="utf-8"?>
-<p:notes xmlns:a="http://schemas.openxmlformats.org/drawingml/2006/main" xmlns:r="http://schemas.openxmlformats.org/officeDocument/2006/relationships" xmlns:mc="http://schemas.openxmlformats.org/markup-compatibility/2006" xmlns:mv="urn:schemas-microsoft-com:mac:vml" xmlns:p="http://schemas.openxmlformats.org/presentationml/2006/main" xmlns:c="http://schemas.openxmlformats.org/drawingml/2006/chart" xmlns:dgm="http://schemas.openxmlformats.org/drawingml/2006/diagram" xmlns:o="urn:schemas-microsoft-com:office:office" xmlns:v="urn:schemas-microsoft-com:vml" xmlns:pvml="urn:schemas-microsoft-com:office:powerpoint" xmlns:com="http://schemas.openxmlformats.org/drawingml/2006/compatibility" xmlns:p14="http://schemas.microsoft.com/office/powerpoint/2010/main" xmlns:p15="http://schemas.microsoft.com/office/powerpoint/2012/main" showMasterPhAnim="0" showMasterSp="0">
-  <p:cSld>
-    <p:spTree>
-      <p:nvGrpSpPr>
-        <p:cNvPr id="356" name="Shape 356"/>
-        <p:cNvGrpSpPr/>
-        <p:nvPr/>
-      </p:nvGrpSpPr>
-      <p:grpSpPr>
-        <a:xfrm>
-          <a:off x="0" y="0"/>
-          <a:ext cx="0" cy="0"/>
-          <a:chOff x="0" y="0"/>
-          <a:chExt cx="0" cy="0"/>
-        </a:xfrm>
-      </p:grpSpPr>
-      <p:sp>
-        <p:nvSpPr>
-          <p:cNvPr id="357" name="Google Shape;357;g467b6db7c0_0_0:notes"/>
-          <p:cNvSpPr/>
-          <p:nvPr>
-            <p:ph idx="2" type="sldImg"/>
-          </p:nvPr>
-        </p:nvSpPr>
-        <p:spPr>
-          <a:xfrm>
-            <a:off x="381300" y="685800"/>
-            <a:ext cx="6096000" cy="3429000"/>
-          </a:xfrm>
-          <a:custGeom>
-            <a:rect b="b" l="l" r="r" t="t"/>
-            <a:pathLst>
-              <a:path extrusionOk="0" h="120000" w="120000">
-                <a:moveTo>
-                  <a:pt x="0" y="0"/>
-                </a:moveTo>
-                <a:lnTo>
-                  <a:pt x="120000" y="0"/>
-                </a:lnTo>
-                <a:lnTo>
-                  <a:pt x="120000" y="120000"/>
-                </a:lnTo>
-                <a:lnTo>
-                  <a:pt x="0" y="120000"/>
-                </a:lnTo>
-                <a:close/>
-              </a:path>
-            </a:pathLst>
-          </a:custGeom>
-        </p:spPr>
-      </p:sp>
-      <p:sp>
-        <p:nvSpPr>
-          <p:cNvPr id="358" name="Google Shape;358;g467b6db7c0_0_0:notes"/>
-          <p:cNvSpPr txBox="1"/>
-          <p:nvPr>
-            <p:ph idx="1" type="body"/>
-          </p:nvPr>
-        </p:nvSpPr>
-        <p:spPr>
-          <a:xfrm>
-            <a:off x="685800" y="4343400"/>
-            <a:ext cx="5486400" cy="4114800"/>
-          </a:xfrm>
-          <a:prstGeom prst="rect">
-            <a:avLst/>
-          </a:prstGeom>
-        </p:spPr>
-        <p:txBody>
-          <a:bodyPr anchorCtr="0" anchor="t" bIns="91425" lIns="91425" spcFirstLastPara="1" rIns="91425" wrap="square" tIns="91425">
-            <a:noAutofit/>
-          </a:bodyPr>
-          <a:lstStyle/>
-          <a:p>
-            <a:pPr indent="0" lvl="0" marL="0" rtl="0" algn="l">
-              <a:spcBef>
-                <a:spcPts val="0"/>
-              </a:spcBef>
-              <a:spcAft>
-                <a:spcPts val="0"/>
-              </a:spcAft>
-              <a:buNone/>
-            </a:pPr>
-            <a:r>
-              <a:t/>
-            </a:r>
-            <a:endParaRPr/>
-          </a:p>
-        </p:txBody>
-      </p:sp>
-    </p:spTree>
-  </p:cSld>
-  <p:clrMapOvr>
-    <a:masterClrMapping/>
-  </p:clrMapOvr>
-</p:notes>
-</file>
-
-<file path=ppt/notesSlides/notesSlide23.xml><?xml version="1.0" encoding="utf-8"?>
-<p:notes xmlns:a="http://schemas.openxmlformats.org/drawingml/2006/main" xmlns:r="http://schemas.openxmlformats.org/officeDocument/2006/relationships" xmlns:mc="http://schemas.openxmlformats.org/markup-compatibility/2006" xmlns:mv="urn:schemas-microsoft-com:mac:vml" xmlns:p="http://schemas.openxmlformats.org/presentationml/2006/main" xmlns:c="http://schemas.openxmlformats.org/drawingml/2006/chart" xmlns:dgm="http://schemas.openxmlformats.org/drawingml/2006/diagram" xmlns:o="urn:schemas-microsoft-com:office:office" xmlns:v="urn:schemas-microsoft-com:vml" xmlns:pvml="urn:schemas-microsoft-com:office:powerpoint" xmlns:com="http://schemas.openxmlformats.org/drawingml/2006/compatibility" xmlns:p14="http://schemas.microsoft.com/office/powerpoint/2010/main" xmlns:p15="http://schemas.microsoft.com/office/powerpoint/2012/main" showMasterPhAnim="0" showMasterSp="0">
-  <p:cSld>
-    <p:spTree>
-      <p:nvGrpSpPr>
-        <p:cNvPr id="363" name="Shape 363"/>
-        <p:cNvGrpSpPr/>
-        <p:nvPr/>
-      </p:nvGrpSpPr>
-      <p:grpSpPr>
-        <a:xfrm>
-          <a:off x="0" y="0"/>
-          <a:ext cx="0" cy="0"/>
-          <a:chOff x="0" y="0"/>
-          <a:chExt cx="0" cy="0"/>
-        </a:xfrm>
-      </p:grpSpPr>
-      <p:sp>
-        <p:nvSpPr>
-          <p:cNvPr id="364" name="Google Shape;364;g4563e4ce49_1_0:notes"/>
-          <p:cNvSpPr/>
-          <p:nvPr>
-            <p:ph idx="2" type="sldImg"/>
-          </p:nvPr>
-        </p:nvSpPr>
-        <p:spPr>
-          <a:xfrm>
-            <a:off x="381300" y="685800"/>
-            <a:ext cx="6096000" cy="3429000"/>
-          </a:xfrm>
-          <a:custGeom>
-            <a:rect b="b" l="l" r="r" t="t"/>
-            <a:pathLst>
-              <a:path extrusionOk="0" h="120000" w="120000">
-                <a:moveTo>
-                  <a:pt x="0" y="0"/>
-                </a:moveTo>
-                <a:lnTo>
-                  <a:pt x="120000" y="0"/>
-                </a:lnTo>
-                <a:lnTo>
-                  <a:pt x="120000" y="120000"/>
-                </a:lnTo>
-                <a:lnTo>
-                  <a:pt x="0" y="120000"/>
-                </a:lnTo>
-                <a:close/>
-              </a:path>
-            </a:pathLst>
-          </a:custGeom>
-        </p:spPr>
-      </p:sp>
-      <p:sp>
-        <p:nvSpPr>
-          <p:cNvPr id="365" name="Google Shape;365;g4563e4ce49_1_0:notes"/>
-          <p:cNvSpPr txBox="1"/>
-          <p:nvPr>
-            <p:ph idx="1" type="body"/>
-          </p:nvPr>
-        </p:nvSpPr>
-        <p:spPr>
-          <a:xfrm>
-            <a:off x="685800" y="4343400"/>
-            <a:ext cx="5486400" cy="4114800"/>
-          </a:xfrm>
-          <a:prstGeom prst="rect">
-            <a:avLst/>
-          </a:prstGeom>
-        </p:spPr>
-        <p:txBody>
-          <a:bodyPr anchorCtr="0" anchor="t" bIns="91425" lIns="91425" spcFirstLastPara="1" rIns="91425" wrap="square" tIns="91425">
-            <a:noAutofit/>
-          </a:bodyPr>
-          <a:lstStyle/>
-          <a:p>
-            <a:pPr indent="0" lvl="0" marL="0" rtl="0" algn="l">
-              <a:spcBef>
-                <a:spcPts val="0"/>
-              </a:spcBef>
-              <a:spcAft>
-                <a:spcPts val="0"/>
-              </a:spcAft>
-              <a:buNone/>
-            </a:pPr>
-            <a:r>
-              <a:t/>
-            </a:r>
-            <a:endParaRPr/>
-          </a:p>
-        </p:txBody>
-      </p:sp>
-    </p:spTree>
-  </p:cSld>
-  <p:clrMapOvr>
-    <a:masterClrMapping/>
-  </p:clrMapOvr>
-</p:notes>
-</file>
-
-<file path=ppt/notesSlides/notesSlide24.xml><?xml version="1.0" encoding="utf-8"?>
-<p:notes xmlns:a="http://schemas.openxmlformats.org/drawingml/2006/main" xmlns:r="http://schemas.openxmlformats.org/officeDocument/2006/relationships" xmlns:mc="http://schemas.openxmlformats.org/markup-compatibility/2006" xmlns:mv="urn:schemas-microsoft-com:mac:vml" xmlns:p="http://schemas.openxmlformats.org/presentationml/2006/main" xmlns:c="http://schemas.openxmlformats.org/drawingml/2006/chart" xmlns:dgm="http://schemas.openxmlformats.org/drawingml/2006/diagram" xmlns:o="urn:schemas-microsoft-com:office:office" xmlns:v="urn:schemas-microsoft-com:vml" xmlns:pvml="urn:schemas-microsoft-com:office:powerpoint" xmlns:com="http://schemas.openxmlformats.org/drawingml/2006/compatibility" xmlns:p14="http://schemas.microsoft.com/office/powerpoint/2010/main" xmlns:p15="http://schemas.microsoft.com/office/powerpoint/2012/main" showMasterPhAnim="0" showMasterSp="0">
-  <p:cSld>
-    <p:spTree>
-      <p:nvGrpSpPr>
-        <p:cNvPr id="374" name="Shape 374"/>
-        <p:cNvGrpSpPr/>
-        <p:nvPr/>
-      </p:nvGrpSpPr>
-      <p:grpSpPr>
-        <a:xfrm>
-          <a:off x="0" y="0"/>
-          <a:ext cx="0" cy="0"/>
-          <a:chOff x="0" y="0"/>
-          <a:chExt cx="0" cy="0"/>
-        </a:xfrm>
-      </p:grpSpPr>
-      <p:sp>
-        <p:nvSpPr>
-          <p:cNvPr id="375" name="Google Shape;375;g4499e2c750_0_39:notes"/>
-          <p:cNvSpPr/>
-          <p:nvPr>
-            <p:ph idx="2" type="sldImg"/>
-          </p:nvPr>
-        </p:nvSpPr>
-        <p:spPr>
-          <a:xfrm>
-            <a:off x="381300" y="685800"/>
-            <a:ext cx="6096000" cy="3429000"/>
-          </a:xfrm>
-          <a:custGeom>
-            <a:rect b="b" l="l" r="r" t="t"/>
-            <a:pathLst>
-              <a:path extrusionOk="0" h="120000" w="120000">
-                <a:moveTo>
-                  <a:pt x="0" y="0"/>
-                </a:moveTo>
-                <a:lnTo>
-                  <a:pt x="120000" y="0"/>
-                </a:lnTo>
-                <a:lnTo>
-                  <a:pt x="120000" y="120000"/>
-                </a:lnTo>
-                <a:lnTo>
-                  <a:pt x="0" y="120000"/>
-                </a:lnTo>
-                <a:close/>
-              </a:path>
-            </a:pathLst>
-          </a:custGeom>
-        </p:spPr>
-      </p:sp>
-      <p:sp>
-        <p:nvSpPr>
-          <p:cNvPr id="376" name="Google Shape;376;g4499e2c750_0_39:notes"/>
-          <p:cNvSpPr txBox="1"/>
-          <p:nvPr>
-            <p:ph idx="1" type="body"/>
-          </p:nvPr>
-        </p:nvSpPr>
-        <p:spPr>
-          <a:xfrm>
-            <a:off x="685800" y="4343400"/>
-            <a:ext cx="5486400" cy="4114800"/>
-          </a:xfrm>
-          <a:prstGeom prst="rect">
-            <a:avLst/>
-          </a:prstGeom>
-        </p:spPr>
-        <p:txBody>
-          <a:bodyPr anchorCtr="0" anchor="t" bIns="91425" lIns="91425" spcFirstLastPara="1" rIns="91425" wrap="square" tIns="91425">
-            <a:noAutofit/>
-          </a:bodyPr>
-          <a:lstStyle/>
-          <a:p>
-            <a:pPr indent="0" lvl="0" marL="0" rtl="0" algn="l">
-              <a:spcBef>
-                <a:spcPts val="0"/>
-              </a:spcBef>
-              <a:spcAft>
-                <a:spcPts val="0"/>
-              </a:spcAft>
-              <a:buNone/>
-            </a:pPr>
-            <a:r>
-              <a:t/>
-            </a:r>
-            <a:endParaRPr/>
-          </a:p>
-        </p:txBody>
-      </p:sp>
-    </p:spTree>
-  </p:cSld>
-  <p:clrMapOvr>
-    <a:masterClrMapping/>
-  </p:clrMapOvr>
-</p:notes>
-</file>
-
-<file path=ppt/notesSlides/notesSlide25.xml><?xml version="1.0" encoding="utf-8"?>
-<p:notes xmlns:a="http://schemas.openxmlformats.org/drawingml/2006/main" xmlns:r="http://schemas.openxmlformats.org/officeDocument/2006/relationships" xmlns:mc="http://schemas.openxmlformats.org/markup-compatibility/2006" xmlns:mv="urn:schemas-microsoft-com:mac:vml" xmlns:p="http://schemas.openxmlformats.org/presentationml/2006/main" xmlns:c="http://schemas.openxmlformats.org/drawingml/2006/chart" xmlns:dgm="http://schemas.openxmlformats.org/drawingml/2006/diagram" xmlns:o="urn:schemas-microsoft-com:office:office" xmlns:v="urn:schemas-microsoft-com:vml" xmlns:pvml="urn:schemas-microsoft-com:office:powerpoint" xmlns:com="http://schemas.openxmlformats.org/drawingml/2006/compatibility" xmlns:p14="http://schemas.microsoft.com/office/powerpoint/2010/main" xmlns:p15="http://schemas.microsoft.com/office/powerpoint/2012/main" showMasterPhAnim="0" showMasterSp="0">
-  <p:cSld>
-    <p:spTree>
-      <p:nvGrpSpPr>
-        <p:cNvPr id="380" name="Shape 380"/>
-        <p:cNvGrpSpPr/>
-        <p:nvPr/>
-      </p:nvGrpSpPr>
-      <p:grpSpPr>
-        <a:xfrm>
-          <a:off x="0" y="0"/>
-          <a:ext cx="0" cy="0"/>
-          <a:chOff x="0" y="0"/>
-          <a:chExt cx="0" cy="0"/>
-        </a:xfrm>
-      </p:grpSpPr>
-      <p:sp>
-        <p:nvSpPr>
-          <p:cNvPr id="381" name="Google Shape;381;g4499e2c750_0_216:notes"/>
-          <p:cNvSpPr/>
-          <p:nvPr>
-            <p:ph idx="2" type="sldImg"/>
-          </p:nvPr>
-        </p:nvSpPr>
-        <p:spPr>
-          <a:xfrm>
-            <a:off x="381300" y="685800"/>
-            <a:ext cx="6096000" cy="3429000"/>
-          </a:xfrm>
-          <a:custGeom>
-            <a:rect b="b" l="l" r="r" t="t"/>
-            <a:pathLst>
-              <a:path extrusionOk="0" h="120000" w="120000">
-                <a:moveTo>
-                  <a:pt x="0" y="0"/>
-                </a:moveTo>
-                <a:lnTo>
-                  <a:pt x="120000" y="0"/>
-                </a:lnTo>
-                <a:lnTo>
-                  <a:pt x="120000" y="120000"/>
-                </a:lnTo>
-                <a:lnTo>
-                  <a:pt x="0" y="120000"/>
-                </a:lnTo>
-                <a:close/>
-              </a:path>
-            </a:pathLst>
-          </a:custGeom>
-        </p:spPr>
-      </p:sp>
-      <p:sp>
-        <p:nvSpPr>
-          <p:cNvPr id="382" name="Google Shape;382;g4499e2c750_0_216:notes"/>
-          <p:cNvSpPr txBox="1"/>
-          <p:nvPr>
-            <p:ph idx="1" type="body"/>
-          </p:nvPr>
-        </p:nvSpPr>
-        <p:spPr>
-          <a:xfrm>
-            <a:off x="685800" y="4343400"/>
-            <a:ext cx="5486400" cy="4114800"/>
-          </a:xfrm>
-          <a:prstGeom prst="rect">
-            <a:avLst/>
-          </a:prstGeom>
-        </p:spPr>
-        <p:txBody>
-          <a:bodyPr anchorCtr="0" anchor="t" bIns="91425" lIns="91425" spcFirstLastPara="1" rIns="91425" wrap="square" tIns="91425">
-            <a:noAutofit/>
-          </a:bodyPr>
-          <a:lstStyle/>
-          <a:p>
-            <a:pPr indent="0" lvl="0" marL="0" rtl="0" algn="l">
-              <a:spcBef>
-                <a:spcPts val="0"/>
-              </a:spcBef>
-              <a:spcAft>
-                <a:spcPts val="0"/>
-              </a:spcAft>
-              <a:buNone/>
-            </a:pPr>
-            <a:r>
-              <a:t/>
-            </a:r>
-            <a:endParaRPr/>
-          </a:p>
-        </p:txBody>
-      </p:sp>
-    </p:spTree>
-  </p:cSld>
-  <p:clrMapOvr>
-    <a:masterClrMapping/>
-  </p:clrMapOvr>
-</p:notes>
-</file>
-
-<file path=ppt/notesSlides/notesSlide26.xml><?xml version="1.0" encoding="utf-8"?>
-<p:notes xmlns:a="http://schemas.openxmlformats.org/drawingml/2006/main" xmlns:r="http://schemas.openxmlformats.org/officeDocument/2006/relationships" xmlns:mc="http://schemas.openxmlformats.org/markup-compatibility/2006" xmlns:mv="urn:schemas-microsoft-com:mac:vml" xmlns:p="http://schemas.openxmlformats.org/presentationml/2006/main" xmlns:c="http://schemas.openxmlformats.org/drawingml/2006/chart" xmlns:dgm="http://schemas.openxmlformats.org/drawingml/2006/diagram" xmlns:o="urn:schemas-microsoft-com:office:office" xmlns:v="urn:schemas-microsoft-com:vml" xmlns:pvml="urn:schemas-microsoft-com:office:powerpoint" xmlns:com="http://schemas.openxmlformats.org/drawingml/2006/compatibility" xmlns:p14="http://schemas.microsoft.com/office/powerpoint/2010/main" xmlns:p15="http://schemas.microsoft.com/office/powerpoint/2012/main" showMasterPhAnim="0" showMasterSp="0">
-  <p:cSld>
-    <p:spTree>
-      <p:nvGrpSpPr>
-        <p:cNvPr id="385" name="Shape 385"/>
-        <p:cNvGrpSpPr/>
-        <p:nvPr/>
-      </p:nvGrpSpPr>
-      <p:grpSpPr>
-        <a:xfrm>
-          <a:off x="0" y="0"/>
-          <a:ext cx="0" cy="0"/>
-          <a:chOff x="0" y="0"/>
-          <a:chExt cx="0" cy="0"/>
-        </a:xfrm>
-      </p:grpSpPr>
-      <p:sp>
-        <p:nvSpPr>
-          <p:cNvPr id="386" name="Google Shape;386;g467b6db7c0_0_10:notes"/>
-          <p:cNvSpPr/>
-          <p:nvPr>
-            <p:ph idx="2" type="sldImg"/>
-          </p:nvPr>
-        </p:nvSpPr>
-        <p:spPr>
-          <a:xfrm>
-            <a:off x="381300" y="685800"/>
-            <a:ext cx="6096000" cy="3429000"/>
-          </a:xfrm>
-          <a:custGeom>
-            <a:rect b="b" l="l" r="r" t="t"/>
-            <a:pathLst>
-              <a:path extrusionOk="0" h="120000" w="120000">
-                <a:moveTo>
-                  <a:pt x="0" y="0"/>
-                </a:moveTo>
-                <a:lnTo>
-                  <a:pt x="120000" y="0"/>
-                </a:lnTo>
-                <a:lnTo>
-                  <a:pt x="120000" y="120000"/>
-                </a:lnTo>
-                <a:lnTo>
-                  <a:pt x="0" y="120000"/>
-                </a:lnTo>
-                <a:close/>
-              </a:path>
-            </a:pathLst>
-          </a:custGeom>
-        </p:spPr>
-      </p:sp>
-      <p:sp>
-        <p:nvSpPr>
-          <p:cNvPr id="387" name="Google Shape;387;g467b6db7c0_0_10:notes"/>
-          <p:cNvSpPr txBox="1"/>
-          <p:nvPr>
-            <p:ph idx="1" type="body"/>
-          </p:nvPr>
-        </p:nvSpPr>
-        <p:spPr>
-          <a:xfrm>
-            <a:off x="685800" y="4343400"/>
-            <a:ext cx="5486400" cy="4114800"/>
-          </a:xfrm>
-          <a:prstGeom prst="rect">
-            <a:avLst/>
-          </a:prstGeom>
-        </p:spPr>
-        <p:txBody>
-          <a:bodyPr anchorCtr="0" anchor="t" bIns="91425" lIns="91425" spcFirstLastPara="1" rIns="91425" wrap="square" tIns="91425">
-            <a:noAutofit/>
-          </a:bodyPr>
-          <a:lstStyle/>
-          <a:p>
-            <a:pPr indent="0" lvl="0" marL="0" rtl="0" algn="l">
-              <a:spcBef>
-                <a:spcPts val="0"/>
-              </a:spcBef>
-              <a:spcAft>
-                <a:spcPts val="0"/>
-              </a:spcAft>
-              <a:buNone/>
-            </a:pPr>
-            <a:r>
-              <a:t/>
-            </a:r>
-            <a:endParaRPr/>
-          </a:p>
-        </p:txBody>
-      </p:sp>
-    </p:spTree>
-  </p:cSld>
-  <p:clrMapOvr>
-    <a:masterClrMapping/>
-  </p:clrMapOvr>
-</p:notes>
-</file>
-
-<file path=ppt/notesSlides/notesSlide27.xml><?xml version="1.0" encoding="utf-8"?>
-<p:notes xmlns:a="http://schemas.openxmlformats.org/drawingml/2006/main" xmlns:r="http://schemas.openxmlformats.org/officeDocument/2006/relationships" xmlns:mc="http://schemas.openxmlformats.org/markup-compatibility/2006" xmlns:mv="urn:schemas-microsoft-com:mac:vml" xmlns:p="http://schemas.openxmlformats.org/presentationml/2006/main" xmlns:c="http://schemas.openxmlformats.org/drawingml/2006/chart" xmlns:dgm="http://schemas.openxmlformats.org/drawingml/2006/diagram" xmlns:o="urn:schemas-microsoft-com:office:office" xmlns:v="urn:schemas-microsoft-com:vml" xmlns:pvml="urn:schemas-microsoft-com:office:powerpoint" xmlns:com="http://schemas.openxmlformats.org/drawingml/2006/compatibility" xmlns:p14="http://schemas.microsoft.com/office/powerpoint/2010/main" xmlns:p15="http://schemas.microsoft.com/office/powerpoint/2012/main" showMasterPhAnim="0" showMasterSp="0">
-  <p:cSld>
-    <p:spTree>
-      <p:nvGrpSpPr>
-        <p:cNvPr id="392" name="Shape 392"/>
-        <p:cNvGrpSpPr/>
-        <p:nvPr/>
-      </p:nvGrpSpPr>
-      <p:grpSpPr>
-        <a:xfrm>
-          <a:off x="0" y="0"/>
-          <a:ext cx="0" cy="0"/>
-          <a:chOff x="0" y="0"/>
-          <a:chExt cx="0" cy="0"/>
-        </a:xfrm>
-      </p:grpSpPr>
-      <p:sp>
-        <p:nvSpPr>
-          <p:cNvPr id="393" name="Google Shape;393;g467b6db7c0_0_15:notes"/>
-          <p:cNvSpPr/>
-          <p:nvPr>
-            <p:ph idx="2" type="sldImg"/>
-          </p:nvPr>
-        </p:nvSpPr>
-        <p:spPr>
-          <a:xfrm>
-            <a:off x="381300" y="685800"/>
-            <a:ext cx="6096000" cy="3429000"/>
-          </a:xfrm>
-          <a:custGeom>
-            <a:rect b="b" l="l" r="r" t="t"/>
-            <a:pathLst>
-              <a:path extrusionOk="0" h="120000" w="120000">
-                <a:moveTo>
-                  <a:pt x="0" y="0"/>
-                </a:moveTo>
-                <a:lnTo>
-                  <a:pt x="120000" y="0"/>
-                </a:lnTo>
-                <a:lnTo>
-                  <a:pt x="120000" y="120000"/>
-                </a:lnTo>
-                <a:lnTo>
-                  <a:pt x="0" y="120000"/>
-                </a:lnTo>
-                <a:close/>
-              </a:path>
-            </a:pathLst>
-          </a:custGeom>
-        </p:spPr>
-      </p:sp>
-      <p:sp>
-        <p:nvSpPr>
-          <p:cNvPr id="394" name="Google Shape;394;g467b6db7c0_0_15:notes"/>
-          <p:cNvSpPr txBox="1"/>
-          <p:nvPr>
-            <p:ph idx="1" type="body"/>
-          </p:nvPr>
-        </p:nvSpPr>
-        <p:spPr>
-          <a:xfrm>
-            <a:off x="685800" y="4343400"/>
-            <a:ext cx="5486400" cy="4114800"/>
-          </a:xfrm>
-          <a:prstGeom prst="rect">
-            <a:avLst/>
-          </a:prstGeom>
-        </p:spPr>
-        <p:txBody>
-          <a:bodyPr anchorCtr="0" anchor="t" bIns="91425" lIns="91425" spcFirstLastPara="1" rIns="91425" wrap="square" tIns="91425">
-            <a:noAutofit/>
-          </a:bodyPr>
-          <a:lstStyle/>
-          <a:p>
-            <a:pPr indent="0" lvl="0" marL="0" rtl="0" algn="l">
-              <a:spcBef>
-                <a:spcPts val="0"/>
-              </a:spcBef>
-              <a:spcAft>
-                <a:spcPts val="0"/>
-              </a:spcAft>
-              <a:buNone/>
-            </a:pPr>
-            <a:r>
-              <a:t/>
-            </a:r>
-            <a:endParaRPr/>
-          </a:p>
-        </p:txBody>
-      </p:sp>
-    </p:spTree>
-  </p:cSld>
-  <p:clrMapOvr>
-    <a:masterClrMapping/>
-  </p:clrMapOvr>
-</p:notes>
-</file>
-
-<file path=ppt/notesSlides/notesSlide28.xml><?xml version="1.0" encoding="utf-8"?>
-<p:notes xmlns:a="http://schemas.openxmlformats.org/drawingml/2006/main" xmlns:r="http://schemas.openxmlformats.org/officeDocument/2006/relationships" xmlns:mc="http://schemas.openxmlformats.org/markup-compatibility/2006" xmlns:mv="urn:schemas-microsoft-com:mac:vml" xmlns:p="http://schemas.openxmlformats.org/presentationml/2006/main" xmlns:c="http://schemas.openxmlformats.org/drawingml/2006/chart" xmlns:dgm="http://schemas.openxmlformats.org/drawingml/2006/diagram" xmlns:o="urn:schemas-microsoft-com:office:office" xmlns:v="urn:schemas-microsoft-com:vml" xmlns:pvml="urn:schemas-microsoft-com:office:powerpoint" xmlns:com="http://schemas.openxmlformats.org/drawingml/2006/compatibility" xmlns:p14="http://schemas.microsoft.com/office/powerpoint/2010/main" xmlns:p15="http://schemas.microsoft.com/office/powerpoint/2012/main" showMasterPhAnim="0" showMasterSp="0">
-  <p:cSld>
-    <p:spTree>
-      <p:nvGrpSpPr>
-        <p:cNvPr id="400" name="Shape 400"/>
-        <p:cNvGrpSpPr/>
-        <p:nvPr/>
-      </p:nvGrpSpPr>
-      <p:grpSpPr>
-        <a:xfrm>
-          <a:off x="0" y="0"/>
-          <a:ext cx="0" cy="0"/>
-          <a:chOff x="0" y="0"/>
-          <a:chExt cx="0" cy="0"/>
-        </a:xfrm>
-      </p:grpSpPr>
-      <p:sp>
-        <p:nvSpPr>
-          <p:cNvPr id="401" name="Google Shape;401;g467b6db7c0_0_26:notes"/>
-          <p:cNvSpPr/>
-          <p:nvPr>
-            <p:ph idx="2" type="sldImg"/>
-          </p:nvPr>
-        </p:nvSpPr>
-        <p:spPr>
-          <a:xfrm>
-            <a:off x="381300" y="685800"/>
-            <a:ext cx="6096000" cy="3429000"/>
-          </a:xfrm>
-          <a:custGeom>
-            <a:rect b="b" l="l" r="r" t="t"/>
-            <a:pathLst>
-              <a:path extrusionOk="0" h="120000" w="120000">
-                <a:moveTo>
-                  <a:pt x="0" y="0"/>
-                </a:moveTo>
-                <a:lnTo>
-                  <a:pt x="120000" y="0"/>
-                </a:lnTo>
-                <a:lnTo>
-                  <a:pt x="120000" y="120000"/>
-                </a:lnTo>
-                <a:lnTo>
-                  <a:pt x="0" y="120000"/>
-                </a:lnTo>
-                <a:close/>
-              </a:path>
-            </a:pathLst>
-          </a:custGeom>
-        </p:spPr>
-      </p:sp>
-      <p:sp>
-        <p:nvSpPr>
-          <p:cNvPr id="402" name="Google Shape;402;g467b6db7c0_0_26:notes"/>
-          <p:cNvSpPr txBox="1"/>
-          <p:nvPr>
-            <p:ph idx="1" type="body"/>
-          </p:nvPr>
-        </p:nvSpPr>
-        <p:spPr>
-          <a:xfrm>
-            <a:off x="685800" y="4343400"/>
-            <a:ext cx="5486400" cy="4114800"/>
-          </a:xfrm>
-          <a:prstGeom prst="rect">
-            <a:avLst/>
-          </a:prstGeom>
-        </p:spPr>
-        <p:txBody>
-          <a:bodyPr anchorCtr="0" anchor="t" bIns="91425" lIns="91425" spcFirstLastPara="1" rIns="91425" wrap="square" tIns="91425">
-            <a:noAutofit/>
-          </a:bodyPr>
-          <a:lstStyle/>
-          <a:p>
-            <a:pPr indent="0" lvl="0" marL="0" rtl="0" algn="l">
-              <a:spcBef>
-                <a:spcPts val="0"/>
-              </a:spcBef>
-              <a:spcAft>
-                <a:spcPts val="0"/>
-              </a:spcAft>
-              <a:buNone/>
-            </a:pPr>
-            <a:r>
-              <a:t/>
-            </a:r>
-            <a:endParaRPr/>
-          </a:p>
-        </p:txBody>
-      </p:sp>
-    </p:spTree>
-  </p:cSld>
-  <p:clrMapOvr>
-    <a:masterClrMapping/>
-  </p:clrMapOvr>
-</p:notes>
-</file>
-
-<file path=ppt/notesSlides/notesSlide29.xml><?xml version="1.0" encoding="utf-8"?>
-<p:notes xmlns:a="http://schemas.openxmlformats.org/drawingml/2006/main" xmlns:r="http://schemas.openxmlformats.org/officeDocument/2006/relationships" xmlns:mc="http://schemas.openxmlformats.org/markup-compatibility/2006" xmlns:mv="urn:schemas-microsoft-com:mac:vml" xmlns:p="http://schemas.openxmlformats.org/presentationml/2006/main" xmlns:c="http://schemas.openxmlformats.org/drawingml/2006/chart" xmlns:dgm="http://schemas.openxmlformats.org/drawingml/2006/diagram" xmlns:o="urn:schemas-microsoft-com:office:office" xmlns:v="urn:schemas-microsoft-com:vml" xmlns:pvml="urn:schemas-microsoft-com:office:powerpoint" xmlns:com="http://schemas.openxmlformats.org/drawingml/2006/compatibility" xmlns:p14="http://schemas.microsoft.com/office/powerpoint/2010/main" xmlns:p15="http://schemas.microsoft.com/office/powerpoint/2012/main" showMasterPhAnim="0" showMasterSp="0">
-  <p:cSld>
-    <p:spTree>
-      <p:nvGrpSpPr>
-        <p:cNvPr id="409" name="Shape 409"/>
-        <p:cNvGrpSpPr/>
-        <p:nvPr/>
-      </p:nvGrpSpPr>
-      <p:grpSpPr>
-        <a:xfrm>
-          <a:off x="0" y="0"/>
-          <a:ext cx="0" cy="0"/>
-          <a:chOff x="0" y="0"/>
-          <a:chExt cx="0" cy="0"/>
-        </a:xfrm>
-      </p:grpSpPr>
-      <p:sp>
-        <p:nvSpPr>
-          <p:cNvPr id="410" name="Google Shape;410;g4499e2c750_0_211:notes"/>
-          <p:cNvSpPr/>
-          <p:nvPr>
-            <p:ph idx="2" type="sldImg"/>
-          </p:nvPr>
-        </p:nvSpPr>
-        <p:spPr>
-          <a:xfrm>
-            <a:off x="381300" y="685800"/>
-            <a:ext cx="6096000" cy="3429000"/>
-          </a:xfrm>
-          <a:custGeom>
-            <a:rect b="b" l="l" r="r" t="t"/>
-            <a:pathLst>
-              <a:path extrusionOk="0" h="120000" w="120000">
-                <a:moveTo>
-                  <a:pt x="0" y="0"/>
-                </a:moveTo>
-                <a:lnTo>
-                  <a:pt x="120000" y="0"/>
-                </a:lnTo>
-                <a:lnTo>
-                  <a:pt x="120000" y="120000"/>
-                </a:lnTo>
-                <a:lnTo>
-                  <a:pt x="0" y="120000"/>
-                </a:lnTo>
-                <a:close/>
-              </a:path>
-            </a:pathLst>
-          </a:custGeom>
-        </p:spPr>
-      </p:sp>
-      <p:sp>
-        <p:nvSpPr>
-          <p:cNvPr id="411" name="Google Shape;411;g4499e2c750_0_211:notes"/>
-          <p:cNvSpPr txBox="1"/>
-          <p:nvPr>
-            <p:ph idx="1" type="body"/>
-          </p:nvPr>
-        </p:nvSpPr>
-        <p:spPr>
-          <a:xfrm>
-            <a:off x="685800" y="4343400"/>
-            <a:ext cx="5486400" cy="4114800"/>
-          </a:xfrm>
-          <a:prstGeom prst="rect">
-            <a:avLst/>
-          </a:prstGeom>
-        </p:spPr>
-        <p:txBody>
-          <a:bodyPr anchorCtr="0" anchor="t" bIns="91425" lIns="91425" spcFirstLastPara="1" rIns="91425" wrap="square" tIns="91425">
-            <a:noAutofit/>
-          </a:bodyPr>
-          <a:lstStyle/>
-          <a:p>
-            <a:pPr indent="0" lvl="0" marL="0" rtl="0" algn="l">
-              <a:spcBef>
-                <a:spcPts val="0"/>
-              </a:spcBef>
-              <a:spcAft>
-                <a:spcPts val="0"/>
-              </a:spcAft>
-              <a:buNone/>
-            </a:pPr>
-            <a:r>
-              <a:t/>
-            </a:r>
-            <a:endParaRPr/>
-          </a:p>
-        </p:txBody>
-      </p:sp>
-    </p:spTree>
-  </p:cSld>
-  <p:clrMapOvr>
-    <a:masterClrMapping/>
-  </p:clrMapOvr>
-</p:notes>
-</file>
-
-<file path=ppt/notesSlides/notesSlide3.xml><?xml version="1.0" encoding="utf-8"?>
-<p:notes xmlns:a="http://schemas.openxmlformats.org/drawingml/2006/main" xmlns:r="http://schemas.openxmlformats.org/officeDocument/2006/relationships" xmlns:mc="http://schemas.openxmlformats.org/markup-compatibility/2006" xmlns:mv="urn:schemas-microsoft-com:mac:vml" xmlns:p="http://schemas.openxmlformats.org/presentationml/2006/main" xmlns:c="http://schemas.openxmlformats.org/drawingml/2006/chart" xmlns:dgm="http://schemas.openxmlformats.org/drawingml/2006/diagram" xmlns:o="urn:schemas-microsoft-com:office:office" xmlns:v="urn:schemas-microsoft-com:vml" xmlns:pvml="urn:schemas-microsoft-com:office:powerpoint" xmlns:com="http://schemas.openxmlformats.org/drawingml/2006/compatibility" xmlns:p14="http://schemas.microsoft.com/office/powerpoint/2010/main" xmlns:p15="http://schemas.microsoft.com/office/powerpoint/2012/main" showMasterPhAnim="0" showMasterSp="0">
-  <p:cSld>
-    <p:spTree>
-      <p:nvGrpSpPr>
-        <p:cNvPr id="213" name="Shape 213"/>
-        <p:cNvGrpSpPr/>
-        <p:nvPr/>
-      </p:nvGrpSpPr>
-      <p:grpSpPr>
-        <a:xfrm>
-          <a:off x="0" y="0"/>
-          <a:ext cx="0" cy="0"/>
-          <a:chOff x="0" y="0"/>
-          <a:chExt cx="0" cy="0"/>
-        </a:xfrm>
-      </p:grpSpPr>
-      <p:sp>
-        <p:nvSpPr>
-          <p:cNvPr id="214" name="Google Shape;214;g4499e2c750_0_137:notes"/>
-          <p:cNvSpPr/>
-          <p:nvPr>
-            <p:ph idx="2" type="sldImg"/>
-          </p:nvPr>
-        </p:nvSpPr>
-        <p:spPr>
-          <a:xfrm>
-            <a:off x="381300" y="685800"/>
-            <a:ext cx="6096000" cy="3429000"/>
-          </a:xfrm>
-          <a:custGeom>
-            <a:rect b="b" l="l" r="r" t="t"/>
-            <a:pathLst>
-              <a:path extrusionOk="0" h="120000" w="120000">
-                <a:moveTo>
-                  <a:pt x="0" y="0"/>
-                </a:moveTo>
-                <a:lnTo>
-                  <a:pt x="120000" y="0"/>
-                </a:lnTo>
-                <a:lnTo>
-                  <a:pt x="120000" y="120000"/>
-                </a:lnTo>
-                <a:lnTo>
-                  <a:pt x="0" y="120000"/>
-                </a:lnTo>
-                <a:close/>
-              </a:path>
-            </a:pathLst>
-          </a:custGeom>
-        </p:spPr>
-      </p:sp>
-      <p:sp>
-        <p:nvSpPr>
-          <p:cNvPr id="215" name="Google Shape;215;g4499e2c750_0_137:notes"/>
-          <p:cNvSpPr txBox="1"/>
-          <p:nvPr>
-            <p:ph idx="1" type="body"/>
-          </p:nvPr>
-        </p:nvSpPr>
-        <p:spPr>
-          <a:xfrm>
-            <a:off x="685800" y="4343400"/>
-            <a:ext cx="5486400" cy="4114800"/>
-          </a:xfrm>
-          <a:prstGeom prst="rect">
-            <a:avLst/>
-          </a:prstGeom>
-        </p:spPr>
-        <p:txBody>
-          <a:bodyPr anchorCtr="0" anchor="t" bIns="91425" lIns="91425" spcFirstLastPara="1" rIns="91425" wrap="square" tIns="91425">
-            <a:noAutofit/>
-          </a:bodyPr>
-          <a:lstStyle/>
-          <a:p>
-            <a:pPr indent="0" lvl="0" marL="0" rtl="0" algn="l">
-              <a:spcBef>
-                <a:spcPts val="0"/>
-              </a:spcBef>
-              <a:spcAft>
-                <a:spcPts val="0"/>
-              </a:spcAft>
-              <a:buNone/>
-            </a:pPr>
-            <a:r>
-              <a:t/>
-            </a:r>
-            <a:endParaRPr/>
-          </a:p>
-        </p:txBody>
-      </p:sp>
-    </p:spTree>
-  </p:cSld>
-  <p:clrMapOvr>
-    <a:masterClrMapping/>
-  </p:clrMapOvr>
-</p:notes>
-</file>
-
-<file path=ppt/notesSlides/notesSlide30.xml><?xml version="1.0" encoding="utf-8"?>
-<p:notes xmlns:a="http://schemas.openxmlformats.org/drawingml/2006/main" xmlns:r="http://schemas.openxmlformats.org/officeDocument/2006/relationships" xmlns:mc="http://schemas.openxmlformats.org/markup-compatibility/2006" xmlns:mv="urn:schemas-microsoft-com:mac:vml" xmlns:p="http://schemas.openxmlformats.org/presentationml/2006/main" xmlns:c="http://schemas.openxmlformats.org/drawingml/2006/chart" xmlns:dgm="http://schemas.openxmlformats.org/drawingml/2006/diagram" xmlns:o="urn:schemas-microsoft-com:office:office" xmlns:v="urn:schemas-microsoft-com:vml" xmlns:pvml="urn:schemas-microsoft-com:office:powerpoint" xmlns:com="http://schemas.openxmlformats.org/drawingml/2006/compatibility" xmlns:p14="http://schemas.microsoft.com/office/powerpoint/2010/main" xmlns:p15="http://schemas.microsoft.com/office/powerpoint/2012/main" showMasterPhAnim="0" showMasterSp="0">
-  <p:cSld>
-    <p:spTree>
-      <p:nvGrpSpPr>
-        <p:cNvPr id="415" name="Shape 415"/>
-        <p:cNvGrpSpPr/>
-        <p:nvPr/>
-      </p:nvGrpSpPr>
-      <p:grpSpPr>
-        <a:xfrm>
-          <a:off x="0" y="0"/>
-          <a:ext cx="0" cy="0"/>
-          <a:chOff x="0" y="0"/>
-          <a:chExt cx="0" cy="0"/>
-        </a:xfrm>
-      </p:grpSpPr>
-      <p:sp>
-        <p:nvSpPr>
-          <p:cNvPr id="416" name="Google Shape;416;g467b6db7c0_0_37:notes"/>
-          <p:cNvSpPr/>
-          <p:nvPr>
-            <p:ph idx="2" type="sldImg"/>
-          </p:nvPr>
-        </p:nvSpPr>
-        <p:spPr>
-          <a:xfrm>
-            <a:off x="381300" y="685800"/>
-            <a:ext cx="6096000" cy="3429000"/>
-          </a:xfrm>
-          <a:custGeom>
-            <a:rect b="b" l="l" r="r" t="t"/>
-            <a:pathLst>
-              <a:path extrusionOk="0" h="120000" w="120000">
-                <a:moveTo>
-                  <a:pt x="0" y="0"/>
-                </a:moveTo>
-                <a:lnTo>
-                  <a:pt x="120000" y="0"/>
-                </a:lnTo>
-                <a:lnTo>
-                  <a:pt x="120000" y="120000"/>
-                </a:lnTo>
-                <a:lnTo>
-                  <a:pt x="0" y="120000"/>
-                </a:lnTo>
-                <a:close/>
-              </a:path>
-            </a:pathLst>
-          </a:custGeom>
-        </p:spPr>
-      </p:sp>
-      <p:sp>
-        <p:nvSpPr>
-          <p:cNvPr id="417" name="Google Shape;417;g467b6db7c0_0_37:notes"/>
-          <p:cNvSpPr txBox="1"/>
-          <p:nvPr>
-            <p:ph idx="1" type="body"/>
-          </p:nvPr>
-        </p:nvSpPr>
-        <p:spPr>
-          <a:xfrm>
-            <a:off x="685800" y="4343400"/>
-            <a:ext cx="5486400" cy="4114800"/>
-          </a:xfrm>
-          <a:prstGeom prst="rect">
-            <a:avLst/>
-          </a:prstGeom>
-        </p:spPr>
-        <p:txBody>
-          <a:bodyPr anchorCtr="0" anchor="t" bIns="91425" lIns="91425" spcFirstLastPara="1" rIns="91425" wrap="square" tIns="91425">
-            <a:noAutofit/>
-          </a:bodyPr>
-          <a:lstStyle/>
-          <a:p>
-            <a:pPr indent="0" lvl="0" marL="0" rtl="0" algn="l">
-              <a:spcBef>
-                <a:spcPts val="0"/>
-              </a:spcBef>
-              <a:spcAft>
-                <a:spcPts val="0"/>
-              </a:spcAft>
-              <a:buNone/>
-            </a:pPr>
-            <a:r>
-              <a:t/>
-            </a:r>
-            <a:endParaRPr/>
-          </a:p>
-        </p:txBody>
-      </p:sp>
-    </p:spTree>
-  </p:cSld>
-  <p:clrMapOvr>
-    <a:masterClrMapping/>
-  </p:clrMapOvr>
-</p:notes>
-</file>
-
-<file path=ppt/notesSlides/notesSlide4.xml><?xml version="1.0" encoding="utf-8"?>
-<p:notes xmlns:a="http://schemas.openxmlformats.org/drawingml/2006/main" xmlns:r="http://schemas.openxmlformats.org/officeDocument/2006/relationships" xmlns:mc="http://schemas.openxmlformats.org/markup-compatibility/2006" xmlns:mv="urn:schemas-microsoft-com:mac:vml" xmlns:p="http://schemas.openxmlformats.org/presentationml/2006/main" xmlns:c="http://schemas.openxmlformats.org/drawingml/2006/chart" xmlns:dgm="http://schemas.openxmlformats.org/drawingml/2006/diagram" xmlns:o="urn:schemas-microsoft-com:office:office" xmlns:v="urn:schemas-microsoft-com:vml" xmlns:pvml="urn:schemas-microsoft-com:office:powerpoint" xmlns:com="http://schemas.openxmlformats.org/drawingml/2006/compatibility" xmlns:p14="http://schemas.microsoft.com/office/powerpoint/2010/main" xmlns:p15="http://schemas.microsoft.com/office/powerpoint/2012/main" showMasterPhAnim="0" showMasterSp="0">
-  <p:cSld>
-    <p:spTree>
-      <p:nvGrpSpPr>
-        <p:cNvPr id="220" name="Shape 220"/>
-        <p:cNvGrpSpPr/>
-        <p:nvPr/>
-      </p:nvGrpSpPr>
-      <p:grpSpPr>
-        <a:xfrm>
-          <a:off x="0" y="0"/>
-          <a:ext cx="0" cy="0"/>
-          <a:chOff x="0" y="0"/>
-          <a:chExt cx="0" cy="0"/>
-        </a:xfrm>
-      </p:grpSpPr>
-      <p:sp>
-        <p:nvSpPr>
-          <p:cNvPr id="221" name="Google Shape;221;g4499e2c750_0_145:notes"/>
-          <p:cNvSpPr/>
-          <p:nvPr>
-            <p:ph idx="2" type="sldImg"/>
-          </p:nvPr>
-        </p:nvSpPr>
-        <p:spPr>
-          <a:xfrm>
-            <a:off x="381300" y="685800"/>
-            <a:ext cx="6096000" cy="3429000"/>
-          </a:xfrm>
-          <a:custGeom>
-            <a:rect b="b" l="l" r="r" t="t"/>
-            <a:pathLst>
-              <a:path extrusionOk="0" h="120000" w="120000">
-                <a:moveTo>
-                  <a:pt x="0" y="0"/>
-                </a:moveTo>
-                <a:lnTo>
-                  <a:pt x="120000" y="0"/>
-                </a:lnTo>
-                <a:lnTo>
-                  <a:pt x="120000" y="120000"/>
-                </a:lnTo>
-                <a:lnTo>
-                  <a:pt x="0" y="120000"/>
-                </a:lnTo>
-                <a:close/>
-              </a:path>
-            </a:pathLst>
-          </a:custGeom>
-        </p:spPr>
-      </p:sp>
-      <p:sp>
-        <p:nvSpPr>
-          <p:cNvPr id="222" name="Google Shape;222;g4499e2c750_0_145:notes"/>
-          <p:cNvSpPr txBox="1"/>
-          <p:nvPr>
-            <p:ph idx="1" type="body"/>
-          </p:nvPr>
-        </p:nvSpPr>
-        <p:spPr>
-          <a:xfrm>
-            <a:off x="685800" y="4343400"/>
-            <a:ext cx="5486400" cy="4114800"/>
-          </a:xfrm>
-          <a:prstGeom prst="rect">
-            <a:avLst/>
-          </a:prstGeom>
-        </p:spPr>
-        <p:txBody>
-          <a:bodyPr anchorCtr="0" anchor="t" bIns="91425" lIns="91425" spcFirstLastPara="1" rIns="91425" wrap="square" tIns="91425">
-            <a:noAutofit/>
-          </a:bodyPr>
-          <a:lstStyle/>
-          <a:p>
-            <a:pPr indent="0" lvl="0" marL="0" rtl="0" algn="l">
-              <a:spcBef>
-                <a:spcPts val="0"/>
-              </a:spcBef>
-              <a:spcAft>
-                <a:spcPts val="0"/>
-              </a:spcAft>
-              <a:buNone/>
-            </a:pPr>
-            <a:r>
-              <a:t/>
-            </a:r>
-            <a:endParaRPr/>
-          </a:p>
-        </p:txBody>
-      </p:sp>
-    </p:spTree>
-  </p:cSld>
-  <p:clrMapOvr>
-    <a:masterClrMapping/>
-  </p:clrMapOvr>
-</p:notes>
-</file>
-
-<file path=ppt/notesSlides/notesSlide5.xml><?xml version="1.0" encoding="utf-8"?>
-<p:notes xmlns:a="http://schemas.openxmlformats.org/drawingml/2006/main" xmlns:r="http://schemas.openxmlformats.org/officeDocument/2006/relationships" xmlns:mc="http://schemas.openxmlformats.org/markup-compatibility/2006" xmlns:mv="urn:schemas-microsoft-com:mac:vml" xmlns:p="http://schemas.openxmlformats.org/presentationml/2006/main" xmlns:c="http://schemas.openxmlformats.org/drawingml/2006/chart" xmlns:dgm="http://schemas.openxmlformats.org/drawingml/2006/diagram" xmlns:o="urn:schemas-microsoft-com:office:office" xmlns:v="urn:schemas-microsoft-com:vml" xmlns:pvml="urn:schemas-microsoft-com:office:powerpoint" xmlns:com="http://schemas.openxmlformats.org/drawingml/2006/compatibility" xmlns:p14="http://schemas.microsoft.com/office/powerpoint/2010/main" xmlns:p15="http://schemas.microsoft.com/office/powerpoint/2012/main" showMasterPhAnim="0" showMasterSp="0">
-  <p:cSld>
-    <p:spTree>
-      <p:nvGrpSpPr>
-        <p:cNvPr id="226" name="Shape 226"/>
-        <p:cNvGrpSpPr/>
-        <p:nvPr/>
-      </p:nvGrpSpPr>
-      <p:grpSpPr>
-        <a:xfrm>
-          <a:off x="0" y="0"/>
-          <a:ext cx="0" cy="0"/>
-          <a:chOff x="0" y="0"/>
-          <a:chExt cx="0" cy="0"/>
-        </a:xfrm>
-      </p:grpSpPr>
-      <p:sp>
-        <p:nvSpPr>
-          <p:cNvPr id="227" name="Google Shape;227;g4499e2c750_0_158:notes"/>
-          <p:cNvSpPr/>
-          <p:nvPr>
-            <p:ph idx="2" type="sldImg"/>
-          </p:nvPr>
-        </p:nvSpPr>
-        <p:spPr>
-          <a:xfrm>
-            <a:off x="381300" y="685800"/>
-            <a:ext cx="6096000" cy="3429000"/>
-          </a:xfrm>
-          <a:custGeom>
-            <a:rect b="b" l="l" r="r" t="t"/>
-            <a:pathLst>
-              <a:path extrusionOk="0" h="120000" w="120000">
-                <a:moveTo>
-                  <a:pt x="0" y="0"/>
-                </a:moveTo>
-                <a:lnTo>
-                  <a:pt x="120000" y="0"/>
-                </a:lnTo>
-                <a:lnTo>
-                  <a:pt x="120000" y="120000"/>
-                </a:lnTo>
-                <a:lnTo>
-                  <a:pt x="0" y="120000"/>
-                </a:lnTo>
-                <a:close/>
-              </a:path>
-            </a:pathLst>
-          </a:custGeom>
-        </p:spPr>
-      </p:sp>
-      <p:sp>
-        <p:nvSpPr>
-          <p:cNvPr id="228" name="Google Shape;228;g4499e2c750_0_158:notes"/>
-          <p:cNvSpPr txBox="1"/>
-          <p:nvPr>
-            <p:ph idx="1" type="body"/>
-          </p:nvPr>
-        </p:nvSpPr>
-        <p:spPr>
-          <a:xfrm>
-            <a:off x="685800" y="4343400"/>
-            <a:ext cx="5486400" cy="4114800"/>
-          </a:xfrm>
-          <a:prstGeom prst="rect">
-            <a:avLst/>
-          </a:prstGeom>
-        </p:spPr>
-        <p:txBody>
-          <a:bodyPr anchorCtr="0" anchor="t" bIns="91425" lIns="91425" spcFirstLastPara="1" rIns="91425" wrap="square" tIns="91425">
-            <a:noAutofit/>
-          </a:bodyPr>
-          <a:lstStyle/>
-          <a:p>
-            <a:pPr indent="0" lvl="0" marL="0" rtl="0" algn="l">
-              <a:spcBef>
-                <a:spcPts val="0"/>
-              </a:spcBef>
-              <a:spcAft>
-                <a:spcPts val="0"/>
-              </a:spcAft>
-              <a:buNone/>
-            </a:pPr>
-            <a:r>
-              <a:t/>
-            </a:r>
-            <a:endParaRPr/>
-          </a:p>
-        </p:txBody>
-      </p:sp>
-    </p:spTree>
-  </p:cSld>
-  <p:clrMapOvr>
-    <a:masterClrMapping/>
-  </p:clrMapOvr>
-</p:notes>
-</file>
-
-<file path=ppt/notesSlides/notesSlide6.xml><?xml version="1.0" encoding="utf-8"?>
-<p:notes xmlns:a="http://schemas.openxmlformats.org/drawingml/2006/main" xmlns:r="http://schemas.openxmlformats.org/officeDocument/2006/relationships" xmlns:mc="http://schemas.openxmlformats.org/markup-compatibility/2006" xmlns:mv="urn:schemas-microsoft-com:mac:vml" xmlns:p="http://schemas.openxmlformats.org/presentationml/2006/main" xmlns:c="http://schemas.openxmlformats.org/drawingml/2006/chart" xmlns:dgm="http://schemas.openxmlformats.org/drawingml/2006/diagram" xmlns:o="urn:schemas-microsoft-com:office:office" xmlns:v="urn:schemas-microsoft-com:vml" xmlns:pvml="urn:schemas-microsoft-com:office:powerpoint" xmlns:com="http://schemas.openxmlformats.org/drawingml/2006/compatibility" xmlns:p14="http://schemas.microsoft.com/office/powerpoint/2010/main" xmlns:p15="http://schemas.microsoft.com/office/powerpoint/2012/main" showMasterPhAnim="0" showMasterSp="0">
-  <p:cSld>
-    <p:spTree>
-      <p:nvGrpSpPr>
-        <p:cNvPr id="233" name="Shape 233"/>
-        <p:cNvGrpSpPr/>
-        <p:nvPr/>
-      </p:nvGrpSpPr>
-      <p:grpSpPr>
-        <a:xfrm>
-          <a:off x="0" y="0"/>
-          <a:ext cx="0" cy="0"/>
-          <a:chOff x="0" y="0"/>
-          <a:chExt cx="0" cy="0"/>
-        </a:xfrm>
-      </p:grpSpPr>
-      <p:sp>
-        <p:nvSpPr>
-          <p:cNvPr id="234" name="Google Shape;234;g4499e2c750_0_150:notes"/>
-          <p:cNvSpPr/>
-          <p:nvPr>
-            <p:ph idx="2" type="sldImg"/>
-          </p:nvPr>
-        </p:nvSpPr>
-        <p:spPr>
-          <a:xfrm>
-            <a:off x="381300" y="685800"/>
-            <a:ext cx="6096000" cy="3429000"/>
-          </a:xfrm>
-          <a:custGeom>
-            <a:rect b="b" l="l" r="r" t="t"/>
-            <a:pathLst>
-              <a:path extrusionOk="0" h="120000" w="120000">
-                <a:moveTo>
-                  <a:pt x="0" y="0"/>
-                </a:moveTo>
-                <a:lnTo>
-                  <a:pt x="120000" y="0"/>
-                </a:lnTo>
-                <a:lnTo>
-                  <a:pt x="120000" y="120000"/>
-                </a:lnTo>
-                <a:lnTo>
-                  <a:pt x="0" y="120000"/>
-                </a:lnTo>
-                <a:close/>
-              </a:path>
-            </a:pathLst>
-          </a:custGeom>
-        </p:spPr>
-      </p:sp>
-      <p:sp>
-        <p:nvSpPr>
-          <p:cNvPr id="235" name="Google Shape;235;g4499e2c750_0_150:notes"/>
-          <p:cNvSpPr txBox="1"/>
-          <p:nvPr>
-            <p:ph idx="1" type="body"/>
-          </p:nvPr>
-        </p:nvSpPr>
-        <p:spPr>
-          <a:xfrm>
-            <a:off x="685800" y="4343400"/>
-            <a:ext cx="5486400" cy="4114800"/>
-          </a:xfrm>
-          <a:prstGeom prst="rect">
-            <a:avLst/>
-          </a:prstGeom>
-        </p:spPr>
-        <p:txBody>
-          <a:bodyPr anchorCtr="0" anchor="t" bIns="91425" lIns="91425" spcFirstLastPara="1" rIns="91425" wrap="square" tIns="91425">
-            <a:noAutofit/>
-          </a:bodyPr>
-          <a:lstStyle/>
-          <a:p>
-            <a:pPr indent="0" lvl="0" marL="0" rtl="0" algn="l">
-              <a:spcBef>
-                <a:spcPts val="0"/>
-              </a:spcBef>
-              <a:spcAft>
-                <a:spcPts val="0"/>
-              </a:spcAft>
-              <a:buNone/>
-            </a:pPr>
-            <a:r>
-              <a:t/>
-            </a:r>
-            <a:endParaRPr/>
-          </a:p>
-        </p:txBody>
-      </p:sp>
-    </p:spTree>
-  </p:cSld>
-  <p:clrMapOvr>
-    <a:masterClrMapping/>
-  </p:clrMapOvr>
-</p:notes>
-</file>
-
-<file path=ppt/notesSlides/notesSlide7.xml><?xml version="1.0" encoding="utf-8"?>
-<p:notes xmlns:a="http://schemas.openxmlformats.org/drawingml/2006/main" xmlns:r="http://schemas.openxmlformats.org/officeDocument/2006/relationships" xmlns:mc="http://schemas.openxmlformats.org/markup-compatibility/2006" xmlns:mv="urn:schemas-microsoft-com:mac:vml" xmlns:p="http://schemas.openxmlformats.org/presentationml/2006/main" xmlns:c="http://schemas.openxmlformats.org/drawingml/2006/chart" xmlns:dgm="http://schemas.openxmlformats.org/drawingml/2006/diagram" xmlns:o="urn:schemas-microsoft-com:office:office" xmlns:v="urn:schemas-microsoft-com:vml" xmlns:pvml="urn:schemas-microsoft-com:office:powerpoint" xmlns:com="http://schemas.openxmlformats.org/drawingml/2006/compatibility" xmlns:p14="http://schemas.microsoft.com/office/powerpoint/2010/main" xmlns:p15="http://schemas.microsoft.com/office/powerpoint/2012/main" showMasterPhAnim="0" showMasterSp="0">
-  <p:cSld>
-    <p:spTree>
-      <p:nvGrpSpPr>
-        <p:cNvPr id="243" name="Shape 243"/>
-        <p:cNvGrpSpPr/>
-        <p:nvPr/>
-      </p:nvGrpSpPr>
-      <p:grpSpPr>
-        <a:xfrm>
-          <a:off x="0" y="0"/>
-          <a:ext cx="0" cy="0"/>
-          <a:chOff x="0" y="0"/>
-          <a:chExt cx="0" cy="0"/>
-        </a:xfrm>
-      </p:grpSpPr>
-      <p:sp>
-        <p:nvSpPr>
-          <p:cNvPr id="244" name="Google Shape;244;g4499e2c750_0_79:notes"/>
-          <p:cNvSpPr/>
-          <p:nvPr>
-            <p:ph idx="2" type="sldImg"/>
-          </p:nvPr>
-        </p:nvSpPr>
-        <p:spPr>
-          <a:xfrm>
-            <a:off x="381300" y="685800"/>
-            <a:ext cx="6096000" cy="3429000"/>
-          </a:xfrm>
-          <a:custGeom>
-            <a:rect b="b" l="l" r="r" t="t"/>
-            <a:pathLst>
-              <a:path extrusionOk="0" h="120000" w="120000">
-                <a:moveTo>
-                  <a:pt x="0" y="0"/>
-                </a:moveTo>
-                <a:lnTo>
-                  <a:pt x="120000" y="0"/>
-                </a:lnTo>
-                <a:lnTo>
-                  <a:pt x="120000" y="120000"/>
-                </a:lnTo>
-                <a:lnTo>
-                  <a:pt x="0" y="120000"/>
-                </a:lnTo>
-                <a:close/>
-              </a:path>
-            </a:pathLst>
-          </a:custGeom>
-        </p:spPr>
-      </p:sp>
-      <p:sp>
-        <p:nvSpPr>
-          <p:cNvPr id="245" name="Google Shape;245;g4499e2c750_0_79:notes"/>
-          <p:cNvSpPr txBox="1"/>
-          <p:nvPr>
-            <p:ph idx="1" type="body"/>
-          </p:nvPr>
-        </p:nvSpPr>
-        <p:spPr>
-          <a:xfrm>
-            <a:off x="685800" y="4343400"/>
-            <a:ext cx="5486400" cy="4114800"/>
-          </a:xfrm>
-          <a:prstGeom prst="rect">
-            <a:avLst/>
-          </a:prstGeom>
-        </p:spPr>
-        <p:txBody>
-          <a:bodyPr anchorCtr="0" anchor="t" bIns="91425" lIns="91425" spcFirstLastPara="1" rIns="91425" wrap="square" tIns="91425">
-            <a:noAutofit/>
-          </a:bodyPr>
-          <a:lstStyle/>
-          <a:p>
-            <a:pPr indent="0" lvl="0" marL="0" rtl="0" algn="l">
-              <a:spcBef>
-                <a:spcPts val="0"/>
-              </a:spcBef>
-              <a:spcAft>
-                <a:spcPts val="0"/>
-              </a:spcAft>
-              <a:buNone/>
-            </a:pPr>
-            <a:r>
-              <a:t/>
-            </a:r>
-            <a:endParaRPr/>
-          </a:p>
-        </p:txBody>
-      </p:sp>
-    </p:spTree>
-  </p:cSld>
-  <p:clrMapOvr>
-    <a:masterClrMapping/>
-  </p:clrMapOvr>
-</p:notes>
-</file>
-
-<file path=ppt/notesSlides/notesSlide8.xml><?xml version="1.0" encoding="utf-8"?>
-<p:notes xmlns:a="http://schemas.openxmlformats.org/drawingml/2006/main" xmlns:r="http://schemas.openxmlformats.org/officeDocument/2006/relationships" xmlns:mc="http://schemas.openxmlformats.org/markup-compatibility/2006" xmlns:mv="urn:schemas-microsoft-com:mac:vml" xmlns:p="http://schemas.openxmlformats.org/presentationml/2006/main" xmlns:c="http://schemas.openxmlformats.org/drawingml/2006/chart" xmlns:dgm="http://schemas.openxmlformats.org/drawingml/2006/diagram" xmlns:o="urn:schemas-microsoft-com:office:office" xmlns:v="urn:schemas-microsoft-com:vml" xmlns:pvml="urn:schemas-microsoft-com:office:powerpoint" xmlns:com="http://schemas.openxmlformats.org/drawingml/2006/compatibility" xmlns:p14="http://schemas.microsoft.com/office/powerpoint/2010/main" xmlns:p15="http://schemas.microsoft.com/office/powerpoint/2012/main" showMasterPhAnim="0" showMasterSp="0">
-  <p:cSld>
-    <p:spTree>
-      <p:nvGrpSpPr>
-        <p:cNvPr id="251" name="Shape 251"/>
-        <p:cNvGrpSpPr/>
-        <p:nvPr/>
-      </p:nvGrpSpPr>
-      <p:grpSpPr>
-        <a:xfrm>
-          <a:off x="0" y="0"/>
-          <a:ext cx="0" cy="0"/>
-          <a:chOff x="0" y="0"/>
-          <a:chExt cx="0" cy="0"/>
-        </a:xfrm>
-      </p:grpSpPr>
-      <p:sp>
-        <p:nvSpPr>
-          <p:cNvPr id="252" name="Google Shape;252;g4499e2c750_0_167:notes"/>
-          <p:cNvSpPr/>
-          <p:nvPr>
-            <p:ph idx="2" type="sldImg"/>
-          </p:nvPr>
-        </p:nvSpPr>
-        <p:spPr>
-          <a:xfrm>
-            <a:off x="381300" y="685800"/>
-            <a:ext cx="6096000" cy="3429000"/>
-          </a:xfrm>
-          <a:custGeom>
-            <a:rect b="b" l="l" r="r" t="t"/>
-            <a:pathLst>
-              <a:path extrusionOk="0" h="120000" w="120000">
-                <a:moveTo>
-                  <a:pt x="0" y="0"/>
-                </a:moveTo>
-                <a:lnTo>
-                  <a:pt x="120000" y="0"/>
-                </a:lnTo>
-                <a:lnTo>
-                  <a:pt x="120000" y="120000"/>
-                </a:lnTo>
-                <a:lnTo>
-                  <a:pt x="0" y="120000"/>
-                </a:lnTo>
-                <a:close/>
-              </a:path>
-            </a:pathLst>
-          </a:custGeom>
-        </p:spPr>
-      </p:sp>
-      <p:sp>
-        <p:nvSpPr>
-          <p:cNvPr id="253" name="Google Shape;253;g4499e2c750_0_167:notes"/>
-          <p:cNvSpPr txBox="1"/>
-          <p:nvPr>
-            <p:ph idx="1" type="body"/>
-          </p:nvPr>
-        </p:nvSpPr>
-        <p:spPr>
-          <a:xfrm>
-            <a:off x="685800" y="4343400"/>
-            <a:ext cx="5486400" cy="4114800"/>
-          </a:xfrm>
-          <a:prstGeom prst="rect">
-            <a:avLst/>
-          </a:prstGeom>
-        </p:spPr>
-        <p:txBody>
-          <a:bodyPr anchorCtr="0" anchor="t" bIns="91425" lIns="91425" spcFirstLastPara="1" rIns="91425" wrap="square" tIns="91425">
-            <a:noAutofit/>
-          </a:bodyPr>
-          <a:lstStyle/>
-          <a:p>
-            <a:pPr indent="0" lvl="0" marL="0" rtl="0" algn="l">
-              <a:spcBef>
-                <a:spcPts val="0"/>
-              </a:spcBef>
-              <a:spcAft>
-                <a:spcPts val="0"/>
-              </a:spcAft>
-              <a:buNone/>
-            </a:pPr>
-            <a:r>
-              <a:t/>
-            </a:r>
-            <a:endParaRPr/>
-          </a:p>
-        </p:txBody>
-      </p:sp>
-    </p:spTree>
-  </p:cSld>
-  <p:clrMapOvr>
-    <a:masterClrMapping/>
-  </p:clrMapOvr>
-</p:notes>
-</file>
-
-<file path=ppt/notesSlides/notesSlide9.xml><?xml version="1.0" encoding="utf-8"?>
-<p:notes xmlns:a="http://schemas.openxmlformats.org/drawingml/2006/main" xmlns:r="http://schemas.openxmlformats.org/officeDocument/2006/relationships" xmlns:mc="http://schemas.openxmlformats.org/markup-compatibility/2006" xmlns:mv="urn:schemas-microsoft-com:mac:vml" xmlns:p="http://schemas.openxmlformats.org/presentationml/2006/main" xmlns:c="http://schemas.openxmlformats.org/drawingml/2006/chart" xmlns:dgm="http://schemas.openxmlformats.org/drawingml/2006/diagram" xmlns:o="urn:schemas-microsoft-com:office:office" xmlns:v="urn:schemas-microsoft-com:vml" xmlns:pvml="urn:schemas-microsoft-com:office:powerpoint" xmlns:com="http://schemas.openxmlformats.org/drawingml/2006/compatibility" xmlns:p14="http://schemas.microsoft.com/office/powerpoint/2010/main" xmlns:p15="http://schemas.microsoft.com/office/powerpoint/2012/main" showMasterPhAnim="0" showMasterSp="0">
-  <p:cSld>
-    <p:spTree>
-      <p:nvGrpSpPr>
-        <p:cNvPr id="258" name="Shape 258"/>
-        <p:cNvGrpSpPr/>
-        <p:nvPr/>
-      </p:nvGrpSpPr>
-      <p:grpSpPr>
-        <a:xfrm>
-          <a:off x="0" y="0"/>
-          <a:ext cx="0" cy="0"/>
-          <a:chOff x="0" y="0"/>
-          <a:chExt cx="0" cy="0"/>
-        </a:xfrm>
-      </p:grpSpPr>
-      <p:sp>
-        <p:nvSpPr>
-          <p:cNvPr id="259" name="Google Shape;259;g4499e2c750_0_182:notes"/>
-          <p:cNvSpPr/>
-          <p:nvPr>
-            <p:ph idx="2" type="sldImg"/>
-          </p:nvPr>
-        </p:nvSpPr>
-        <p:spPr>
-          <a:xfrm>
-            <a:off x="381300" y="685800"/>
-            <a:ext cx="6096000" cy="3429000"/>
-          </a:xfrm>
-          <a:custGeom>
-            <a:rect b="b" l="l" r="r" t="t"/>
-            <a:pathLst>
-              <a:path extrusionOk="0" h="120000" w="120000">
-                <a:moveTo>
-                  <a:pt x="0" y="0"/>
-                </a:moveTo>
-                <a:lnTo>
-                  <a:pt x="120000" y="0"/>
-                </a:lnTo>
-                <a:lnTo>
-                  <a:pt x="120000" y="120000"/>
-                </a:lnTo>
-                <a:lnTo>
-                  <a:pt x="0" y="120000"/>
-                </a:lnTo>
-                <a:close/>
-              </a:path>
-            </a:pathLst>
-          </a:custGeom>
-        </p:spPr>
-      </p:sp>
-      <p:sp>
-        <p:nvSpPr>
-          <p:cNvPr id="260" name="Google Shape;260;g4499e2c750_0_182:notes"/>
           <p:cNvSpPr txBox="1"/>
           <p:nvPr>
             <p:ph idx="1" type="body"/>
@@ -15830,7 +15335,7 @@
         </p:nvSpPr>
         <p:spPr>
           <a:xfrm>
-            <a:off x="311700" y="445025"/>
+            <a:off x="0" y="-286350"/>
             <a:ext cx="3693000" cy="572700"/>
           </a:xfrm>
           <a:prstGeom prst="rect">
@@ -15873,7 +15378,7 @@
         </p:nvSpPr>
         <p:spPr>
           <a:xfrm>
-            <a:off x="3816900" y="542875"/>
+            <a:off x="3197774" y="-268050"/>
             <a:ext cx="5053500" cy="536100"/>
           </a:xfrm>
           <a:prstGeom prst="rect">
@@ -15932,6 +15437,353 @@
       <p:sp>
         <p:nvSpPr>
           <p:cNvPr id="206" name="Google Shape;206;p33"/>
+          <p:cNvSpPr txBox="1">
+            <a:spLocks noGrp="1"/>
+          </p:cNvSpPr>
+          <p:nvPr>
+            <p:ph type="body" idx="1"/>
+          </p:nvPr>
+        </p:nvSpPr>
+        <p:spPr>
+          <a:xfrm>
+            <a:off x="121200" y="314275"/>
+            <a:ext cx="8520600" cy="3416400"/>
+          </a:xfrm>
+          <a:prstGeom prst="rect">
+            <a:avLst/>
+          </a:prstGeom>
+        </p:spPr>
+        <p:txBody>
+          <a:bodyPr wrap="square" lIns="91425" tIns="91425" rIns="91425" bIns="91425" anchor="t" anchorCtr="0">
+            <a:noAutofit/>
+          </a:bodyPr>
+          <a:lstStyle/>
+          <a:p>
+            <a:pPr marL="457200" lvl="0" indent="-342900" algn="l">
+              <a:spcBef>
+                <a:spcPct val="0"/>
+              </a:spcBef>
+              <a:spcAft>
+                <a:spcPct val="0"/>
+              </a:spcAft>
+              <a:buSzPct val="25000"/>
+              <a:buChar char="●"/>
+              <a:defRPr lang="ko-KR" altLang="en-US"/>
+            </a:pPr>
+            <a:r>
+              <a:rPr lang="ko"/>
+              <a:t>Events: </a:t>
+            </a:r>
+            <a:r>
+              <a:rPr lang="ko" b="1"/>
+              <a:t>connection</a:t>
+            </a:r>
+            <a:r>
+              <a:rPr lang="ko-KR" altLang="en-US" b="1"/>
+              <a:t>(연결이 되었을 때 발생하는 이벤트)</a:t>
+            </a:r>
+            <a:r>
+              <a:rPr lang="ko"/>
+              <a:t>,</a:t>
+            </a:r>
+            <a:endParaRPr lang="ko"/>
+          </a:p>
+          <a:p>
+            <a:pPr marL="457200" lvl="0" indent="-342900" algn="l">
+              <a:spcBef>
+                <a:spcPct val="0"/>
+              </a:spcBef>
+              <a:spcAft>
+                <a:spcPct val="0"/>
+              </a:spcAft>
+              <a:buSzPct val="25000"/>
+              <a:buChar char="●"/>
+              <a:defRPr lang="ko-KR" altLang="en-US"/>
+            </a:pPr>
+            <a:r>
+              <a:rPr lang="ko" b="1"/>
+              <a:t>disconnecting</a:t>
+            </a:r>
+            <a:r>
+              <a:rPr lang="ko"/>
+              <a:t>(cf. disconnect)</a:t>
+            </a:r>
+            <a:r>
+              <a:rPr lang="ko-KR" altLang="en-US"/>
+              <a:t>, 주로 </a:t>
+            </a:r>
+            <a:r>
+              <a:rPr lang="en-US" altLang="ko-KR"/>
+              <a:t>disconnecting</a:t>
+            </a:r>
+            <a:r>
+              <a:rPr lang="ko-KR" altLang="en-US"/>
+              <a:t>을 사용</a:t>
+            </a:r>
+            <a:endParaRPr lang="ko-KR" altLang="en-US"/>
+          </a:p>
+          <a:p>
+            <a:pPr marL="457200" lvl="0" indent="-342900" algn="l">
+              <a:spcBef>
+                <a:spcPct val="0"/>
+              </a:spcBef>
+              <a:spcAft>
+                <a:spcPct val="0"/>
+              </a:spcAft>
+              <a:buSzPct val="25000"/>
+              <a:buChar char="●"/>
+              <a:defRPr lang="ko-KR" altLang="en-US"/>
+            </a:pPr>
+            <a:r>
+              <a:rPr lang="ko-KR" altLang="en-US"/>
+              <a:t>그래야 끊어지고 있는 소켓의 정보를 알 수 있음</a:t>
+            </a:r>
+            <a:endParaRPr lang="ko-KR" altLang="en-US"/>
+          </a:p>
+          <a:p>
+            <a:pPr marL="457200" lvl="0" indent="-342900" algn="l">
+              <a:spcBef>
+                <a:spcPct val="0"/>
+              </a:spcBef>
+              <a:spcAft>
+                <a:spcPct val="0"/>
+              </a:spcAft>
+              <a:buSzPct val="25000"/>
+              <a:buChar char="●"/>
+              <a:defRPr lang="ko-KR" altLang="en-US"/>
+            </a:pPr>
+            <a:r>
+              <a:rPr lang="ko" b="1"/>
+              <a:t>error</a:t>
+            </a:r>
+            <a:r>
+              <a:rPr lang="ko-KR" altLang="en-US" b="1"/>
+              <a:t> 통신 중 물리적인 에러가 발생할 때 일어나는 이벤트</a:t>
+            </a:r>
+            <a:br>
+              <a:rPr lang="ko" b="1"/>
+            </a:br>
+            <a:endParaRPr lang="ko" b="1"/>
+          </a:p>
+          <a:p>
+            <a:pPr marL="457200" lvl="0" indent="-342900" algn="l">
+              <a:spcBef>
+                <a:spcPct val="0"/>
+              </a:spcBef>
+              <a:spcAft>
+                <a:spcPct val="0"/>
+              </a:spcAft>
+              <a:buSzPct val="25000"/>
+              <a:buChar char="●"/>
+              <a:defRPr lang="ko-KR" altLang="en-US"/>
+            </a:pPr>
+            <a:r>
+              <a:rPr lang="ko" b="1"/>
+              <a:t>socket</a:t>
+            </a:r>
+            <a:r>
+              <a:rPr lang="ko"/>
+              <a:t> object</a:t>
+            </a:r>
+            <a:br>
+              <a:rPr lang="ko"/>
+            </a:br>
+            <a:r>
+              <a:rPr lang="ko"/>
+              <a:t>- </a:t>
+            </a:r>
+            <a:r>
+              <a:rPr lang="ko" b="1"/>
+              <a:t>id</a:t>
+            </a:r>
+            <a:r>
+              <a:rPr lang="ko"/>
+              <a:t>, rooms</a:t>
+            </a:r>
+            <a:r>
+              <a:rPr lang="ko-KR" altLang="en-US"/>
+              <a:t>(클라이언트 소켓이 어느 방에 접속해 있는지)</a:t>
+            </a:r>
+            <a:br>
+              <a:rPr lang="ko-KR" altLang="en-US"/>
+            </a:br>
+            <a:r>
+              <a:rPr lang="en-US" altLang="ko-KR"/>
+              <a:t>ult, </a:t>
+            </a:r>
+            <a:r>
+              <a:rPr lang="ko-KR" altLang="en-US"/>
+              <a:t>클라이언트마다 유일하게 갖게 되는 세션 </a:t>
+            </a:r>
+            <a:r>
+              <a:rPr lang="en-US" altLang="ko-KR"/>
+              <a:t>id</a:t>
+            </a:r>
+            <a:br>
+              <a:rPr lang="ko"/>
+            </a:br>
+            <a:r>
+              <a:rPr lang="ko"/>
+              <a:t>- handshake (query, host, url, user-agent, cookie)</a:t>
+            </a:r>
+            <a:br>
+              <a:rPr lang="ko"/>
+            </a:br>
+            <a:endParaRPr lang="ko"/>
+          </a:p>
+          <a:p>
+            <a:pPr marL="457200" lvl="0" indent="-342900" algn="l">
+              <a:spcBef>
+                <a:spcPct val="0"/>
+              </a:spcBef>
+              <a:spcAft>
+                <a:spcPct val="0"/>
+              </a:spcAft>
+              <a:buSzPct val="25000"/>
+              <a:buChar char="●"/>
+              <a:defRPr lang="ko-KR" altLang="en-US"/>
+            </a:pPr>
+            <a:r>
+              <a:rPr lang="ko" b="1"/>
+              <a:t>room</a:t>
+            </a:r>
+            <a:br>
+              <a:rPr lang="ko"/>
+            </a:br>
+            <a:r>
+              <a:rPr lang="ko"/>
+              <a:t>- socket.broadcast.emit(...)  </a:t>
+            </a:r>
+            <a:r>
+              <a:rPr lang="ko" sz="1400">
+                <a:solidFill>
+                  <a:srgbClr val="666666"/>
+                </a:solidFill>
+              </a:rPr>
+              <a:t>// 챗서버에 접속한 모든이에게 (방 무관, 나 제외)</a:t>
+            </a:r>
+            <a:br>
+              <a:rPr lang="ko"/>
+            </a:br>
+            <a:r>
+              <a:rPr lang="ko"/>
+              <a:t>- socket.broadcast.to('roomId').emit(...) </a:t>
+            </a:r>
+            <a:r>
+              <a:rPr lang="ko" sz="1400">
+                <a:solidFill>
+                  <a:srgbClr val="666666"/>
+                </a:solidFill>
+              </a:rPr>
+              <a:t>// 이 roomId 방에서 나를 제외한 모두에게!!</a:t>
+            </a:r>
+            <a:br>
+              <a:rPr lang="ko"/>
+            </a:br>
+            <a:r>
+              <a:rPr lang="ko"/>
+              <a:t>- io.to('roomId').emit(...); </a:t>
+            </a:r>
+            <a:r>
+              <a:rPr lang="ko" sz="1400">
+                <a:solidFill>
+                  <a:srgbClr val="666666"/>
+                </a:solidFill>
+              </a:rPr>
+              <a:t>// 이 roomId 방 모두에게(나 포함)!!</a:t>
+            </a:r>
+            <a:endParaRPr lang="ko-KR"/>
+          </a:p>
+        </p:txBody>
+      </p:sp>
+    </p:spTree>
+  </p:cSld>
+  <p:clrMapOvr>
+    <a:masterClrMapping/>
+  </p:clrMapOvr>
+  <p:transition xmlns:mc="http://schemas.openxmlformats.org/markup-compatibility/2006" xmlns:hp="http://schemas.haansoft.com/office/presentation/8.0" mc:Ignorable="hp" hp:hslDur="500"/>
+</p:sld>
+</file>
+
+<file path=ppt/slides/slide22.xml><?xml version="1.0" encoding="utf-8"?>
+<p:sld xmlns:r="http://schemas.openxmlformats.org/officeDocument/2006/relationships" xmlns:c="http://schemas.openxmlformats.org/drawingml/2006/chart" xmlns:a="http://schemas.openxmlformats.org/drawingml/2006/main" xmlns:dgm="http://schemas.openxmlformats.org/drawingml/2006/diagram" xmlns:dsp="http://schemas.microsoft.com/office/drawing/2008/diagram" xmlns:p="http://schemas.openxmlformats.org/presentationml/2006/main">
+  <p:cSld>
+    <p:spTree>
+      <p:nvGrpSpPr>
+        <p:cNvPr id="1" name=""/>
+        <p:cNvGrpSpPr/>
+        <p:nvPr/>
+      </p:nvGrpSpPr>
+      <p:grpSpPr>
+        <a:xfrm>
+          <a:off x="0" y="0"/>
+          <a:ext cx="0" cy="0"/>
+          <a:chOff x="0" y="0"/>
+          <a:chExt cx="0" cy="0"/>
+        </a:xfrm>
+      </p:grpSpPr>
+      <p:sp>
+        <p:nvSpPr>
+          <p:cNvPr id="211" name="Google Shape;211;p34"/>
+          <p:cNvSpPr txBox="1">
+            <a:spLocks noGrp="1"/>
+          </p:cNvSpPr>
+          <p:nvPr>
+            <p:ph type="title" idx="0"/>
+          </p:nvPr>
+        </p:nvSpPr>
+        <p:spPr>
+          <a:xfrm>
+            <a:off x="311700" y="445025"/>
+            <a:ext cx="8520600" cy="572700"/>
+          </a:xfrm>
+          <a:prstGeom prst="rect">
+            <a:avLst/>
+          </a:prstGeom>
+        </p:spPr>
+        <p:txBody>
+          <a:bodyPr wrap="square" lIns="91425" tIns="91425" rIns="91425" bIns="91425" anchor="t" anchorCtr="0">
+            <a:noAutofit/>
+          </a:bodyPr>
+          <a:lstStyle/>
+          <a:p>
+            <a:pPr marL="0" lvl="0" indent="0" algn="l">
+              <a:spcBef>
+                <a:spcPct val="0"/>
+              </a:spcBef>
+              <a:spcAft>
+                <a:spcPct val="0"/>
+              </a:spcAft>
+              <a:buNone/>
+              <a:defRPr lang="ko-KR" altLang="en-US"/>
+            </a:pPr>
+            <a:r>
+              <a:rPr lang="ko" sz="3000" b="1"/>
+              <a:t>chat server</a:t>
+            </a:r>
+            <a:r>
+              <a:rPr lang="ko"/>
+              <a:t>       </a:t>
+            </a:r>
+            <a:r>
+              <a:rPr lang="ko">
+                <a:solidFill>
+                  <a:srgbClr val="b7b7b7"/>
+                </a:solidFill>
+              </a:rPr>
+              <a:t>index.js</a:t>
+            </a:r>
+            <a:endParaRPr lang="ko-KR">
+              <a:solidFill>
+                <a:srgbClr val="b7b7b7"/>
+              </a:solidFill>
+            </a:endParaRPr>
+          </a:p>
+        </p:txBody>
+      </p:sp>
+      <p:sp>
+        <p:nvSpPr>
+          <p:cNvPr id="212" name="Google Shape;212;p34"/>
           <p:cNvSpPr txBox="1">
             <a:spLocks noGrp="1"/>
           </p:cNvSpPr>
@@ -15954,147 +15806,565 @@
           </a:bodyPr>
           <a:lstStyle/>
           <a:p>
-            <a:pPr marL="457200" lvl="0" indent="-342900" algn="l">
-              <a:spcBef>
-                <a:spcPct val="0"/>
-              </a:spcBef>
-              <a:spcAft>
-                <a:spcPct val="0"/>
-              </a:spcAft>
-              <a:buSzPct val="25000"/>
-              <a:buChar char="●"/>
-              <a:defRPr lang="ko-KR" altLang="en-US"/>
-            </a:pPr>
-            <a:r>
-              <a:rPr lang="ko"/>
-              <a:t>Events: </a:t>
-            </a:r>
-            <a:r>
-              <a:rPr lang="ko" b="1"/>
-              <a:t>connection</a:t>
-            </a:r>
-            <a:r>
-              <a:rPr lang="ko"/>
-              <a:t>, </a:t>
-            </a:r>
-            <a:r>
-              <a:rPr lang="ko" b="1"/>
-              <a:t>disconnecting</a:t>
-            </a:r>
-            <a:r>
-              <a:rPr lang="ko"/>
-              <a:t>(cf. disconnect), </a:t>
-            </a:r>
-            <a:r>
-              <a:rPr lang="ko" b="1"/>
-              <a:t>error</a:t>
-            </a:r>
-            <a:br>
-              <a:rPr lang="ko" b="1"/>
-            </a:br>
-            <a:endParaRPr lang="ko" b="1"/>
-          </a:p>
-          <a:p>
-            <a:pPr marL="457200" lvl="0" indent="-342900" algn="l">
-              <a:spcBef>
-                <a:spcPct val="0"/>
-              </a:spcBef>
-              <a:spcAft>
-                <a:spcPct val="0"/>
-              </a:spcAft>
-              <a:buSzPct val="25000"/>
-              <a:buChar char="●"/>
-              <a:defRPr lang="ko-KR" altLang="en-US"/>
-            </a:pPr>
-            <a:r>
-              <a:rPr lang="ko" b="1"/>
-              <a:t>socket</a:t>
-            </a:r>
-            <a:r>
-              <a:rPr lang="ko"/>
-              <a:t> object</a:t>
-            </a:r>
-            <a:br>
-              <a:rPr lang="ko"/>
-            </a:br>
-            <a:r>
-              <a:rPr lang="ko"/>
-              <a:t>- id, rooms</a:t>
-            </a:r>
-            <a:br>
-              <a:rPr lang="ko"/>
-            </a:br>
-            <a:r>
-              <a:rPr lang="ko"/>
-              <a:t>- handshake (query, host, url, user-agent, cookie)</a:t>
-            </a:r>
-            <a:br>
-              <a:rPr lang="ko"/>
-            </a:br>
-            <a:endParaRPr lang="ko"/>
-          </a:p>
-          <a:p>
-            <a:pPr marL="457200" lvl="0" indent="-342900" algn="l">
-              <a:spcBef>
-                <a:spcPct val="0"/>
-              </a:spcBef>
-              <a:spcAft>
-                <a:spcPct val="0"/>
-              </a:spcAft>
-              <a:buSzPct val="25000"/>
-              <a:buChar char="●"/>
-              <a:defRPr lang="ko-KR" altLang="en-US"/>
-            </a:pPr>
-            <a:r>
-              <a:rPr lang="ko" b="1"/>
-              <a:t>room</a:t>
-            </a:r>
-            <a:br>
-              <a:rPr lang="ko"/>
-            </a:br>
-            <a:r>
-              <a:rPr lang="ko"/>
-              <a:t>- socket.broadcast.emit(...)  </a:t>
-            </a:r>
-            <a:r>
-              <a:rPr lang="ko" sz="1400">
-                <a:solidFill>
-                  <a:srgbClr val="666666"/>
-                </a:solidFill>
-              </a:rPr>
-              <a:t>// 챗서버에 접속한 모든이에게 (방 무관, 나 제외)</a:t>
-            </a:r>
-            <a:br>
-              <a:rPr lang="ko"/>
-            </a:br>
-            <a:r>
-              <a:rPr lang="ko"/>
-              <a:t>- socket.broadcast.to('roomId').emit(...) </a:t>
-            </a:r>
-            <a:r>
-              <a:rPr lang="ko" sz="1400">
-                <a:solidFill>
-                  <a:srgbClr val="666666"/>
-                </a:solidFill>
-              </a:rPr>
-              <a:t>// 이 roomId 방에서 나를 제외한 모두에게!!</a:t>
-            </a:r>
-            <a:br>
-              <a:rPr lang="ko"/>
-            </a:br>
-            <a:r>
-              <a:rPr lang="ko"/>
-              <a:t>- io.to('roomId').emit(...); </a:t>
-            </a:r>
-            <a:r>
-              <a:rPr lang="ko" sz="1400">
-                <a:solidFill>
-                  <a:srgbClr val="666666"/>
-                </a:solidFill>
-              </a:rPr>
-              <a:t>// 이 roomId 방 모두에게(나 포함)!!</a:t>
-            </a:r>
-            <a:endParaRPr lang="ko-KR"/>
+            <a:pPr marL="0" lvl="0" indent="304800" algn="l">
+              <a:spcBef>
+                <a:spcPct val="0"/>
+              </a:spcBef>
+              <a:spcAft>
+                <a:spcPct val="0"/>
+              </a:spcAft>
+              <a:buNone/>
+              <a:defRPr lang="ko-KR" altLang="en-US"/>
+            </a:pPr>
+            <a:r>
+              <a:rPr lang="ko" sz="1200">
+                <a:solidFill>
+                  <a:srgbClr val="b7b7b7"/>
+                </a:solidFill>
+                <a:latin typeface="Source Code Pro"/>
+                <a:ea typeface="Source Code Pro"/>
+                <a:cs typeface="Source Code Pro"/>
+                <a:sym typeface="Source Code Pro"/>
+              </a:rPr>
+              <a:t>const </a:t>
+            </a:r>
+            <a:r>
+              <a:rPr lang="ko" sz="1200" b="1">
+                <a:solidFill>
+                  <a:srgbClr val="b7b7b7"/>
+                </a:solidFill>
+                <a:latin typeface="Source Code Pro"/>
+                <a:ea typeface="Source Code Pro"/>
+                <a:cs typeface="Source Code Pro"/>
+                <a:sym typeface="Source Code Pro"/>
+              </a:rPr>
+              <a:t>webserver</a:t>
+            </a:r>
+            <a:r>
+              <a:rPr lang="ko" sz="1200">
+                <a:solidFill>
+                  <a:srgbClr val="b7b7b7"/>
+                </a:solidFill>
+                <a:latin typeface="Source Code Pro"/>
+                <a:ea typeface="Source Code Pro"/>
+                <a:cs typeface="Source Code Pro"/>
+                <a:sym typeface="Source Code Pro"/>
+              </a:rPr>
+              <a:t> = app.listen(7000, ....</a:t>
+            </a:r>
+            <a:endParaRPr lang="ko" sz="1200">
+              <a:solidFill>
+                <a:srgbClr val="b7b7b7"/>
+              </a:solidFill>
+              <a:latin typeface="Source Code Pro"/>
+              <a:ea typeface="Source Code Pro"/>
+              <a:cs typeface="Source Code Pro"/>
+              <a:sym typeface="Source Code Pro"/>
+            </a:endParaRPr>
+          </a:p>
+          <a:p>
+            <a:pPr marL="0" lvl="0" indent="304800" algn="l">
+              <a:spcBef>
+                <a:spcPct val="0"/>
+              </a:spcBef>
+              <a:spcAft>
+                <a:spcPct val="0"/>
+              </a:spcAft>
+              <a:buNone/>
+              <a:defRPr lang="ko-KR" altLang="en-US"/>
+            </a:pPr>
+            <a:endParaRPr lang="ko-KR" sz="1200">
+              <a:solidFill>
+                <a:srgbClr val="b7b7b7"/>
+              </a:solidFill>
+              <a:latin typeface="Source Code Pro"/>
+              <a:ea typeface="Source Code Pro"/>
+              <a:cs typeface="Source Code Pro"/>
+              <a:sym typeface="Source Code Pro"/>
+            </a:endParaRPr>
+          </a:p>
+          <a:p>
+            <a:pPr marL="0" lvl="0" indent="304800" algn="l">
+              <a:spcBef>
+                <a:spcPct val="0"/>
+              </a:spcBef>
+              <a:spcAft>
+                <a:spcPct val="0"/>
+              </a:spcAft>
+              <a:buNone/>
+              <a:defRPr lang="ko-KR" altLang="en-US"/>
+            </a:pPr>
+            <a:r>
+              <a:rPr lang="ko" sz="1200">
+                <a:solidFill>
+                  <a:srgbClr val="b7b7b7"/>
+                </a:solidFill>
+                <a:latin typeface="Source Code Pro"/>
+                <a:ea typeface="Source Code Pro"/>
+                <a:cs typeface="Source Code Pro"/>
+                <a:sym typeface="Source Code Pro"/>
+              </a:rPr>
+              <a:t>const io = require('socket.io').listen(</a:t>
+            </a:r>
+            <a:r>
+              <a:rPr lang="ko" sz="1200" b="1">
+                <a:solidFill>
+                  <a:srgbClr val="b7b7b7"/>
+                </a:solidFill>
+                <a:latin typeface="Source Code Pro"/>
+                <a:ea typeface="Source Code Pro"/>
+                <a:cs typeface="Source Code Pro"/>
+                <a:sym typeface="Source Code Pro"/>
+              </a:rPr>
+              <a:t>webserver</a:t>
+            </a:r>
+            <a:r>
+              <a:rPr lang="ko" sz="1200">
+                <a:solidFill>
+                  <a:srgbClr val="b7b7b7"/>
+                </a:solidFill>
+                <a:latin typeface="Source Code Pro"/>
+                <a:ea typeface="Source Code Pro"/>
+                <a:cs typeface="Source Code Pro"/>
+                <a:sym typeface="Source Code Pro"/>
+              </a:rPr>
+              <a:t>, {</a:t>
+            </a:r>
+            <a:endParaRPr lang="ko" sz="1200">
+              <a:solidFill>
+                <a:srgbClr val="b7b7b7"/>
+              </a:solidFill>
+              <a:latin typeface="Source Code Pro"/>
+              <a:ea typeface="Source Code Pro"/>
+              <a:cs typeface="Source Code Pro"/>
+              <a:sym typeface="Source Code Pro"/>
+            </a:endParaRPr>
+          </a:p>
+          <a:p>
+            <a:pPr marL="0" lvl="0" indent="304800" algn="l">
+              <a:spcBef>
+                <a:spcPct val="0"/>
+              </a:spcBef>
+              <a:spcAft>
+                <a:spcPct val="0"/>
+              </a:spcAft>
+              <a:buNone/>
+              <a:defRPr lang="ko-KR" altLang="en-US"/>
+            </a:pPr>
+            <a:r>
+              <a:rPr lang="ko" sz="1200">
+                <a:solidFill>
+                  <a:srgbClr val="b7b7b7"/>
+                </a:solidFill>
+                <a:latin typeface="Source Code Pro"/>
+                <a:ea typeface="Source Code Pro"/>
+                <a:cs typeface="Source Code Pro"/>
+                <a:sym typeface="Source Code Pro"/>
+              </a:rPr>
+              <a:t>  log: false,</a:t>
+            </a:r>
+            <a:endParaRPr lang="ko" sz="1200">
+              <a:solidFill>
+                <a:srgbClr val="b7b7b7"/>
+              </a:solidFill>
+              <a:latin typeface="Source Code Pro"/>
+              <a:ea typeface="Source Code Pro"/>
+              <a:cs typeface="Source Code Pro"/>
+              <a:sym typeface="Source Code Pro"/>
+            </a:endParaRPr>
+          </a:p>
+          <a:p>
+            <a:pPr marL="0" lvl="0" indent="304800" algn="l">
+              <a:spcBef>
+                <a:spcPct val="0"/>
+              </a:spcBef>
+              <a:spcAft>
+                <a:spcPct val="0"/>
+              </a:spcAft>
+              <a:buNone/>
+              <a:defRPr lang="ko-KR" altLang="en-US"/>
+            </a:pPr>
+            <a:r>
+              <a:rPr lang="ko" sz="1200">
+                <a:solidFill>
+                  <a:srgbClr val="b7b7b7"/>
+                </a:solidFill>
+                <a:latin typeface="Source Code Pro"/>
+                <a:ea typeface="Source Code Pro"/>
+                <a:cs typeface="Source Code Pro"/>
+                <a:sym typeface="Source Code Pro"/>
+              </a:rPr>
+              <a:t>  origins: '*:*',</a:t>
+            </a:r>
+            <a:endParaRPr lang="ko" sz="1200">
+              <a:solidFill>
+                <a:srgbClr val="b7b7b7"/>
+              </a:solidFill>
+              <a:latin typeface="Source Code Pro"/>
+              <a:ea typeface="Source Code Pro"/>
+              <a:cs typeface="Source Code Pro"/>
+              <a:sym typeface="Source Code Pro"/>
+            </a:endParaRPr>
+          </a:p>
+          <a:p>
+            <a:pPr marL="0" lvl="0" indent="304800" algn="l">
+              <a:spcBef>
+                <a:spcPct val="0"/>
+              </a:spcBef>
+              <a:spcAft>
+                <a:spcPct val="0"/>
+              </a:spcAft>
+              <a:buNone/>
+              <a:defRPr lang="ko-KR" altLang="en-US"/>
+            </a:pPr>
+            <a:r>
+              <a:rPr lang="ko" sz="1200">
+                <a:solidFill>
+                  <a:srgbClr val="b7b7b7"/>
+                </a:solidFill>
+                <a:latin typeface="Source Code Pro"/>
+                <a:ea typeface="Source Code Pro"/>
+                <a:cs typeface="Source Code Pro"/>
+                <a:sym typeface="Source Code Pro"/>
+              </a:rPr>
+              <a:t>  pingInterval: 3000,</a:t>
+            </a:r>
+            <a:endParaRPr lang="ko" sz="1200">
+              <a:solidFill>
+                <a:srgbClr val="b7b7b7"/>
+              </a:solidFill>
+              <a:latin typeface="Source Code Pro"/>
+              <a:ea typeface="Source Code Pro"/>
+              <a:cs typeface="Source Code Pro"/>
+              <a:sym typeface="Source Code Pro"/>
+            </a:endParaRPr>
+          </a:p>
+          <a:p>
+            <a:pPr marL="0" lvl="0" indent="304800" algn="l">
+              <a:spcBef>
+                <a:spcPct val="0"/>
+              </a:spcBef>
+              <a:spcAft>
+                <a:spcPct val="0"/>
+              </a:spcAft>
+              <a:buNone/>
+              <a:defRPr lang="ko-KR" altLang="en-US"/>
+            </a:pPr>
+            <a:r>
+              <a:rPr lang="ko" sz="1200">
+                <a:solidFill>
+                  <a:srgbClr val="b7b7b7"/>
+                </a:solidFill>
+                <a:latin typeface="Source Code Pro"/>
+                <a:ea typeface="Source Code Pro"/>
+                <a:cs typeface="Source Code Pro"/>
+                <a:sym typeface="Source Code Pro"/>
+              </a:rPr>
+              <a:t>  pingTimeout: 5000</a:t>
+            </a:r>
+            <a:endParaRPr lang="ko" sz="1200">
+              <a:solidFill>
+                <a:srgbClr val="b7b7b7"/>
+              </a:solidFill>
+              <a:latin typeface="Source Code Pro"/>
+              <a:ea typeface="Source Code Pro"/>
+              <a:cs typeface="Source Code Pro"/>
+              <a:sym typeface="Source Code Pro"/>
+            </a:endParaRPr>
+          </a:p>
+          <a:p>
+            <a:pPr marL="0" lvl="0" indent="304800" algn="l">
+              <a:spcBef>
+                <a:spcPct val="0"/>
+              </a:spcBef>
+              <a:spcAft>
+                <a:spcPct val="0"/>
+              </a:spcAft>
+              <a:buNone/>
+              <a:defRPr lang="ko-KR" altLang="en-US"/>
+            </a:pPr>
+            <a:r>
+              <a:rPr lang="ko" sz="1200">
+                <a:solidFill>
+                  <a:srgbClr val="b7b7b7"/>
+                </a:solidFill>
+                <a:latin typeface="Source Code Pro"/>
+                <a:ea typeface="Source Code Pro"/>
+                <a:cs typeface="Source Code Pro"/>
+                <a:sym typeface="Source Code Pro"/>
+              </a:rPr>
+              <a:t>});</a:t>
+            </a:r>
+            <a:endParaRPr lang="ko" sz="1200">
+              <a:solidFill>
+                <a:srgbClr val="b7b7b7"/>
+              </a:solidFill>
+              <a:latin typeface="Source Code Pro"/>
+              <a:ea typeface="Source Code Pro"/>
+              <a:cs typeface="Source Code Pro"/>
+              <a:sym typeface="Source Code Pro"/>
+            </a:endParaRPr>
+          </a:p>
+          <a:p>
+            <a:pPr marL="0" lvl="0" indent="304800" algn="l">
+              <a:spcBef>
+                <a:spcPct val="0"/>
+              </a:spcBef>
+              <a:spcAft>
+                <a:spcPct val="0"/>
+              </a:spcAft>
+              <a:buNone/>
+              <a:defRPr lang="ko-KR" altLang="en-US"/>
+            </a:pPr>
+            <a:endParaRPr lang="ko-KR" sz="1200">
+              <a:solidFill>
+                <a:srgbClr val="b7b7b7"/>
+              </a:solidFill>
+              <a:latin typeface="Source Code Pro"/>
+              <a:ea typeface="Source Code Pro"/>
+              <a:cs typeface="Source Code Pro"/>
+              <a:sym typeface="Source Code Pro"/>
+            </a:endParaRPr>
+          </a:p>
+          <a:p>
+            <a:pPr marL="0" lvl="0" indent="304800" algn="l">
+              <a:spcBef>
+                <a:spcPct val="0"/>
+              </a:spcBef>
+              <a:spcAft>
+                <a:spcPct val="0"/>
+              </a:spcAft>
+              <a:buNone/>
+              <a:defRPr lang="ko-KR" altLang="en-US"/>
+            </a:pPr>
+            <a:r>
+              <a:rPr lang="ko" sz="1200">
+                <a:solidFill>
+                  <a:srgbClr val="b7b7b7"/>
+                </a:solidFill>
+                <a:latin typeface="Source Code Pro"/>
+                <a:ea typeface="Source Code Pro"/>
+                <a:cs typeface="Source Code Pro"/>
+                <a:sym typeface="Source Code Pro"/>
+              </a:rPr>
+              <a:t>io.sockets.on('connection', (socket, opt) =&gt; {</a:t>
+            </a:r>
+            <a:endParaRPr lang="ko" sz="1200">
+              <a:solidFill>
+                <a:srgbClr val="b7b7b7"/>
+              </a:solidFill>
+              <a:latin typeface="Source Code Pro"/>
+              <a:ea typeface="Source Code Pro"/>
+              <a:cs typeface="Source Code Pro"/>
+              <a:sym typeface="Source Code Pro"/>
+            </a:endParaRPr>
+          </a:p>
+          <a:p>
+            <a:pPr marL="0" lvl="0" indent="304800" algn="l">
+              <a:spcBef>
+                <a:spcPct val="0"/>
+              </a:spcBef>
+              <a:spcAft>
+                <a:spcPct val="0"/>
+              </a:spcAft>
+              <a:buNone/>
+              <a:defRPr lang="ko-KR" altLang="en-US"/>
+            </a:pPr>
+            <a:r>
+              <a:rPr lang="ko" sz="1200">
+                <a:solidFill>
+                  <a:srgbClr val="b7b7b7"/>
+                </a:solidFill>
+                <a:latin typeface="Source Code Pro"/>
+                <a:ea typeface="Source Code Pro"/>
+                <a:cs typeface="Source Code Pro"/>
+                <a:sym typeface="Source Code Pro"/>
+              </a:rPr>
+              <a:t>	socket.emit('message', {msg: 'Welcome!!'});</a:t>
+            </a:r>
+            <a:endParaRPr lang="ko" sz="1200">
+              <a:solidFill>
+                <a:srgbClr val="b7b7b7"/>
+              </a:solidFill>
+              <a:latin typeface="Source Code Pro"/>
+              <a:ea typeface="Source Code Pro"/>
+              <a:cs typeface="Source Code Pro"/>
+              <a:sym typeface="Source Code Pro"/>
+            </a:endParaRPr>
+          </a:p>
+          <a:p>
+            <a:pPr marL="0" lvl="0" indent="304800" algn="l">
+              <a:spcBef>
+                <a:spcPct val="0"/>
+              </a:spcBef>
+              <a:spcAft>
+                <a:spcPct val="0"/>
+              </a:spcAft>
+              <a:buNone/>
+              <a:defRPr lang="ko-KR" altLang="en-US"/>
+            </a:pPr>
+            <a:endParaRPr lang="ko-KR" sz="1200">
+              <a:solidFill>
+                <a:srgbClr val="b7b7b7"/>
+              </a:solidFill>
+              <a:latin typeface="Source Code Pro"/>
+              <a:ea typeface="Source Code Pro"/>
+              <a:cs typeface="Source Code Pro"/>
+              <a:sym typeface="Source Code Pro"/>
+            </a:endParaRPr>
+          </a:p>
+          <a:p>
+            <a:pPr marL="0" lvl="0" indent="304800" algn="l">
+              <a:spcBef>
+                <a:spcPct val="0"/>
+              </a:spcBef>
+              <a:spcAft>
+                <a:spcPct val="0"/>
+              </a:spcAft>
+              <a:buNone/>
+              <a:defRPr lang="ko-KR" altLang="en-US"/>
+            </a:pPr>
+            <a:r>
+              <a:rPr lang="ko" sz="1200">
+                <a:solidFill>
+                  <a:srgbClr val="b7b7b7"/>
+                </a:solidFill>
+                <a:latin typeface="Source Code Pro"/>
+                <a:ea typeface="Source Code Pro"/>
+                <a:cs typeface="Source Code Pro"/>
+                <a:sym typeface="Source Code Pro"/>
+              </a:rPr>
+              <a:t>  socket.on('message', (data, fn) =&gt; {</a:t>
+            </a:r>
+            <a:endParaRPr lang="ko" sz="1200">
+              <a:solidFill>
+                <a:srgbClr val="b7b7b7"/>
+              </a:solidFill>
+              <a:latin typeface="Source Code Pro"/>
+              <a:ea typeface="Source Code Pro"/>
+              <a:cs typeface="Source Code Pro"/>
+              <a:sym typeface="Source Code Pro"/>
+            </a:endParaRPr>
+          </a:p>
+          <a:p>
+            <a:pPr marL="0" lvl="0" indent="304800" algn="l">
+              <a:spcBef>
+                <a:spcPct val="0"/>
+              </a:spcBef>
+              <a:spcAft>
+                <a:spcPct val="0"/>
+              </a:spcAft>
+              <a:buNone/>
+              <a:defRPr lang="ko-KR" altLang="en-US"/>
+            </a:pPr>
+            <a:r>
+              <a:rPr lang="ko" sz="1200">
+                <a:solidFill>
+                  <a:srgbClr val="b7b7b7"/>
+                </a:solidFill>
+                <a:latin typeface="Source Code Pro"/>
+                <a:ea typeface="Source Code Pro"/>
+                <a:cs typeface="Source Code Pro"/>
+                <a:sym typeface="Source Code Pro"/>
+              </a:rPr>
+              <a:t>    util.log("message&gt;&gt;", data.msg, Object.keys(socket.rooms));</a:t>
+            </a:r>
+            <a:endParaRPr lang="ko" sz="1200">
+              <a:solidFill>
+                <a:srgbClr val="b7b7b7"/>
+              </a:solidFill>
+              <a:latin typeface="Source Code Pro"/>
+              <a:ea typeface="Source Code Pro"/>
+              <a:cs typeface="Source Code Pro"/>
+              <a:sym typeface="Source Code Pro"/>
+            </a:endParaRPr>
+          </a:p>
+          <a:p>
+            <a:pPr marL="0" lvl="0" indent="304800" algn="l">
+              <a:spcBef>
+                <a:spcPct val="0"/>
+              </a:spcBef>
+              <a:spcAft>
+                <a:spcPct val="0"/>
+              </a:spcAft>
+              <a:buNone/>
+              <a:defRPr lang="ko-KR" altLang="en-US"/>
+            </a:pPr>
+            <a:r>
+              <a:rPr lang="ko" sz="1200">
+                <a:solidFill>
+                  <a:srgbClr val="b7b7b7"/>
+                </a:solidFill>
+                <a:latin typeface="Source Code Pro"/>
+                <a:ea typeface="Source Code Pro"/>
+                <a:cs typeface="Source Code Pro"/>
+                <a:sym typeface="Source Code Pro"/>
+              </a:rPr>
+              <a:t>  });</a:t>
+            </a:r>
+            <a:endParaRPr lang="ko" sz="1200">
+              <a:solidFill>
+                <a:srgbClr val="b7b7b7"/>
+              </a:solidFill>
+              <a:latin typeface="Source Code Pro"/>
+              <a:ea typeface="Source Code Pro"/>
+              <a:cs typeface="Source Code Pro"/>
+              <a:sym typeface="Source Code Pro"/>
+            </a:endParaRPr>
+          </a:p>
+          <a:p>
+            <a:pPr marL="0" lvl="0" indent="304800" algn="l">
+              <a:spcBef>
+                <a:spcPct val="0"/>
+              </a:spcBef>
+              <a:spcAft>
+                <a:spcPct val="0"/>
+              </a:spcAft>
+              <a:buNone/>
+              <a:defRPr lang="ko-KR" altLang="en-US"/>
+            </a:pPr>
+            <a:r>
+              <a:rPr lang="ko" sz="1200">
+                <a:solidFill>
+                  <a:srgbClr val="b7b7b7"/>
+                </a:solidFill>
+                <a:latin typeface="Source Code Pro"/>
+                <a:ea typeface="Source Code Pro"/>
+                <a:cs typeface="Source Code Pro"/>
+                <a:sym typeface="Source Code Pro"/>
+              </a:rPr>
+              <a:t>});</a:t>
+            </a:r>
+            <a:endParaRPr lang="ko" sz="1200">
+              <a:solidFill>
+                <a:srgbClr val="b7b7b7"/>
+              </a:solidFill>
+              <a:latin typeface="Source Code Pro"/>
+              <a:ea typeface="Source Code Pro"/>
+              <a:cs typeface="Source Code Pro"/>
+              <a:sym typeface="Source Code Pro"/>
+            </a:endParaRPr>
+          </a:p>
+          <a:p>
+            <a:pPr marL="0" lvl="0" indent="0" algn="l">
+              <a:spcBef>
+                <a:spcPct val="0"/>
+              </a:spcBef>
+              <a:spcAft>
+                <a:spcPct val="16000"/>
+              </a:spcAft>
+              <a:buNone/>
+              <a:defRPr lang="ko-KR" altLang="en-US"/>
+            </a:pPr>
+            <a:endParaRPr lang="ko-KR" sz="1200">
+              <a:solidFill>
+                <a:srgbClr val="b7b7b7"/>
+              </a:solidFill>
+              <a:latin typeface="Source Code Pro"/>
+              <a:ea typeface="Source Code Pro"/>
+              <a:cs typeface="Source Code Pro"/>
+              <a:sym typeface="Source Code Pro"/>
+            </a:endParaRPr>
           </a:p>
         </p:txBody>
       </p:sp>
@@ -16107,697 +16377,12 @@
 </p:sld>
 </file>
 
-<file path=ppt/slides/slide22.xml><?xml version="1.0" encoding="utf-8"?>
-<p:sld xmlns:a="http://schemas.openxmlformats.org/drawingml/2006/main" xmlns:r="http://schemas.openxmlformats.org/officeDocument/2006/relationships" xmlns:mc="http://schemas.openxmlformats.org/markup-compatibility/2006" xmlns:mv="urn:schemas-microsoft-com:mac:vml" xmlns:p="http://schemas.openxmlformats.org/presentationml/2006/main" xmlns:c="http://schemas.openxmlformats.org/drawingml/2006/chart" xmlns:dgm="http://schemas.openxmlformats.org/drawingml/2006/diagram" xmlns:o="urn:schemas-microsoft-com:office:office" xmlns:v="urn:schemas-microsoft-com:vml" xmlns:pvml="urn:schemas-microsoft-com:office:powerpoint" xmlns:com="http://schemas.openxmlformats.org/drawingml/2006/compatibility" xmlns:p14="http://schemas.microsoft.com/office/powerpoint/2010/main" xmlns:p15="http://schemas.microsoft.com/office/powerpoint/2012/main">
+<file path=ppt/slides/slide23.xml><?xml version="1.0" encoding="utf-8"?>
+<p:sld xmlns:r="http://schemas.openxmlformats.org/officeDocument/2006/relationships" xmlns:c="http://schemas.openxmlformats.org/drawingml/2006/chart" xmlns:a="http://schemas.openxmlformats.org/drawingml/2006/main" xmlns:dgm="http://schemas.openxmlformats.org/drawingml/2006/diagram" xmlns:dsp="http://schemas.microsoft.com/office/drawing/2008/diagram" xmlns:p="http://schemas.openxmlformats.org/presentationml/2006/main">
   <p:cSld>
     <p:spTree>
       <p:nvGrpSpPr>
-        <p:cNvPr id="210" name="Shape 210"/>
-        <p:cNvGrpSpPr/>
-        <p:nvPr/>
-      </p:nvGrpSpPr>
-      <p:grpSpPr>
-        <a:xfrm>
-          <a:off x="0" y="0"/>
-          <a:ext cx="0" cy="0"/>
-          <a:chOff x="0" y="0"/>
-          <a:chExt cx="0" cy="0"/>
-        </a:xfrm>
-      </p:grpSpPr>
-      <p:sp>
-        <p:nvSpPr>
-          <p:cNvPr id="211" name="Google Shape;211;p34"/>
-          <p:cNvSpPr txBox="1"/>
-          <p:nvPr>
-            <p:ph type="title"/>
-          </p:nvPr>
-        </p:nvSpPr>
-        <p:spPr>
-          <a:xfrm>
-            <a:off x="311700" y="445025"/>
-            <a:ext cx="8520600" cy="572700"/>
-          </a:xfrm>
-          <a:prstGeom prst="rect">
-            <a:avLst/>
-          </a:prstGeom>
-        </p:spPr>
-        <p:txBody>
-          <a:bodyPr anchorCtr="0" anchor="t" bIns="91425" lIns="91425" spcFirstLastPara="1" rIns="91425" wrap="square" tIns="91425">
-            <a:noAutofit/>
-          </a:bodyPr>
-          <a:lstStyle/>
-          <a:p>
-            <a:pPr indent="0" lvl="0" marL="0" rtl="0" algn="l">
-              <a:spcBef>
-                <a:spcPts val="0"/>
-              </a:spcBef>
-              <a:spcAft>
-                <a:spcPts val="0"/>
-              </a:spcAft>
-              <a:buNone/>
-            </a:pPr>
-            <a:r>
-              <a:rPr b="1" lang="ko" sz="3000"/>
-              <a:t>chat server</a:t>
-            </a:r>
-            <a:r>
-              <a:rPr lang="ko"/>
-              <a:t>       </a:t>
-            </a:r>
-            <a:r>
-              <a:rPr lang="ko">
-                <a:solidFill>
-                  <a:srgbClr val="B7B7B7"/>
-                </a:solidFill>
-              </a:rPr>
-              <a:t>index.js</a:t>
-            </a:r>
-            <a:endParaRPr>
-              <a:solidFill>
-                <a:srgbClr val="B7B7B7"/>
-              </a:solidFill>
-            </a:endParaRPr>
-          </a:p>
-        </p:txBody>
-      </p:sp>
-      <p:sp>
-        <p:nvSpPr>
-          <p:cNvPr id="212" name="Google Shape;212;p34"/>
-          <p:cNvSpPr txBox="1"/>
-          <p:nvPr>
-            <p:ph idx="1" type="body"/>
-          </p:nvPr>
-        </p:nvSpPr>
-        <p:spPr>
-          <a:xfrm>
-            <a:off x="311700" y="1152475"/>
-            <a:ext cx="8520600" cy="3416400"/>
-          </a:xfrm>
-          <a:prstGeom prst="rect">
-            <a:avLst/>
-          </a:prstGeom>
-        </p:spPr>
-        <p:txBody>
-          <a:bodyPr anchorCtr="0" anchor="t" bIns="91425" lIns="91425" spcFirstLastPara="1" rIns="91425" wrap="square" tIns="91425">
-            <a:noAutofit/>
-          </a:bodyPr>
-          <a:lstStyle/>
-          <a:p>
-            <a:pPr indent="304800" lvl="0" marL="0" rtl="0" algn="l">
-              <a:spcBef>
-                <a:spcPts val="0"/>
-              </a:spcBef>
-              <a:spcAft>
-                <a:spcPts val="0"/>
-              </a:spcAft>
-              <a:buNone/>
-            </a:pPr>
-            <a:r>
-              <a:rPr lang="ko" sz="1200">
-                <a:solidFill>
-                  <a:srgbClr val="B7B7B7"/>
-                </a:solidFill>
-                <a:latin typeface="Source Code Pro"/>
-                <a:ea typeface="Source Code Pro"/>
-                <a:cs typeface="Source Code Pro"/>
-                <a:sym typeface="Source Code Pro"/>
-              </a:rPr>
-              <a:t>const </a:t>
-            </a:r>
-            <a:r>
-              <a:rPr b="1" lang="ko" sz="1200">
-                <a:solidFill>
-                  <a:srgbClr val="B7B7B7"/>
-                </a:solidFill>
-                <a:latin typeface="Source Code Pro"/>
-                <a:ea typeface="Source Code Pro"/>
-                <a:cs typeface="Source Code Pro"/>
-                <a:sym typeface="Source Code Pro"/>
-              </a:rPr>
-              <a:t>webserver</a:t>
-            </a:r>
-            <a:r>
-              <a:rPr lang="ko" sz="1200">
-                <a:solidFill>
-                  <a:srgbClr val="B7B7B7"/>
-                </a:solidFill>
-                <a:latin typeface="Source Code Pro"/>
-                <a:ea typeface="Source Code Pro"/>
-                <a:cs typeface="Source Code Pro"/>
-                <a:sym typeface="Source Code Pro"/>
-              </a:rPr>
-              <a:t> = app.listen(7000, </a:t>
-            </a:r>
-            <a:r>
-              <a:rPr lang="ko" sz="1200">
-                <a:solidFill>
-                  <a:srgbClr val="B7B7B7"/>
-                </a:solidFill>
-                <a:latin typeface="Source Code Pro"/>
-                <a:ea typeface="Source Code Pro"/>
-                <a:cs typeface="Source Code Pro"/>
-                <a:sym typeface="Source Code Pro"/>
-              </a:rPr>
-              <a:t>...</a:t>
-            </a:r>
-            <a:r>
-              <a:rPr lang="ko" sz="1200">
-                <a:solidFill>
-                  <a:srgbClr val="B7B7B7"/>
-                </a:solidFill>
-                <a:latin typeface="Source Code Pro"/>
-                <a:ea typeface="Source Code Pro"/>
-                <a:cs typeface="Source Code Pro"/>
-                <a:sym typeface="Source Code Pro"/>
-              </a:rPr>
-              <a:t>.</a:t>
-            </a:r>
-            <a:endParaRPr sz="1200">
-              <a:solidFill>
-                <a:srgbClr val="B7B7B7"/>
-              </a:solidFill>
-              <a:latin typeface="Source Code Pro"/>
-              <a:ea typeface="Source Code Pro"/>
-              <a:cs typeface="Source Code Pro"/>
-              <a:sym typeface="Source Code Pro"/>
-            </a:endParaRPr>
-          </a:p>
-          <a:p>
-            <a:pPr indent="304800" lvl="0" marL="0" rtl="0" algn="l">
-              <a:spcBef>
-                <a:spcPts val="0"/>
-              </a:spcBef>
-              <a:spcAft>
-                <a:spcPts val="0"/>
-              </a:spcAft>
-              <a:buNone/>
-            </a:pPr>
-            <a:r>
-              <a:t/>
-            </a:r>
-            <a:endParaRPr sz="1200">
-              <a:solidFill>
-                <a:srgbClr val="B7B7B7"/>
-              </a:solidFill>
-              <a:latin typeface="Source Code Pro"/>
-              <a:ea typeface="Source Code Pro"/>
-              <a:cs typeface="Source Code Pro"/>
-              <a:sym typeface="Source Code Pro"/>
-            </a:endParaRPr>
-          </a:p>
-          <a:p>
-            <a:pPr indent="304800" lvl="0" marL="0" rtl="0" algn="l">
-              <a:spcBef>
-                <a:spcPts val="0"/>
-              </a:spcBef>
-              <a:spcAft>
-                <a:spcPts val="0"/>
-              </a:spcAft>
-              <a:buNone/>
-            </a:pPr>
-            <a:r>
-              <a:rPr lang="ko" sz="1200">
-                <a:solidFill>
-                  <a:srgbClr val="B7B7B7"/>
-                </a:solidFill>
-                <a:latin typeface="Source Code Pro"/>
-                <a:ea typeface="Source Code Pro"/>
-                <a:cs typeface="Source Code Pro"/>
-                <a:sym typeface="Source Code Pro"/>
-              </a:rPr>
-              <a:t>const io = require('socket.io').listen(</a:t>
-            </a:r>
-            <a:r>
-              <a:rPr b="1" lang="ko" sz="1200">
-                <a:solidFill>
-                  <a:srgbClr val="B7B7B7"/>
-                </a:solidFill>
-                <a:latin typeface="Source Code Pro"/>
-                <a:ea typeface="Source Code Pro"/>
-                <a:cs typeface="Source Code Pro"/>
-                <a:sym typeface="Source Code Pro"/>
-              </a:rPr>
-              <a:t>webserver</a:t>
-            </a:r>
-            <a:r>
-              <a:rPr lang="ko" sz="1200">
-                <a:solidFill>
-                  <a:srgbClr val="B7B7B7"/>
-                </a:solidFill>
-                <a:latin typeface="Source Code Pro"/>
-                <a:ea typeface="Source Code Pro"/>
-                <a:cs typeface="Source Code Pro"/>
-                <a:sym typeface="Source Code Pro"/>
-              </a:rPr>
-              <a:t>, {</a:t>
-            </a:r>
-            <a:endParaRPr sz="1200">
-              <a:solidFill>
-                <a:srgbClr val="B7B7B7"/>
-              </a:solidFill>
-              <a:latin typeface="Source Code Pro"/>
-              <a:ea typeface="Source Code Pro"/>
-              <a:cs typeface="Source Code Pro"/>
-              <a:sym typeface="Source Code Pro"/>
-            </a:endParaRPr>
-          </a:p>
-          <a:p>
-            <a:pPr indent="304800" lvl="0" marL="0" rtl="0" algn="l">
-              <a:spcBef>
-                <a:spcPts val="0"/>
-              </a:spcBef>
-              <a:spcAft>
-                <a:spcPts val="0"/>
-              </a:spcAft>
-              <a:buNone/>
-            </a:pPr>
-            <a:r>
-              <a:rPr lang="ko" sz="1200">
-                <a:solidFill>
-                  <a:srgbClr val="B7B7B7"/>
-                </a:solidFill>
-                <a:latin typeface="Source Code Pro"/>
-                <a:ea typeface="Source Code Pro"/>
-                <a:cs typeface="Source Code Pro"/>
-                <a:sym typeface="Source Code Pro"/>
-              </a:rPr>
-              <a:t>  log: false,</a:t>
-            </a:r>
-            <a:endParaRPr sz="1200">
-              <a:solidFill>
-                <a:srgbClr val="B7B7B7"/>
-              </a:solidFill>
-              <a:latin typeface="Source Code Pro"/>
-              <a:ea typeface="Source Code Pro"/>
-              <a:cs typeface="Source Code Pro"/>
-              <a:sym typeface="Source Code Pro"/>
-            </a:endParaRPr>
-          </a:p>
-          <a:p>
-            <a:pPr indent="304800" lvl="0" marL="0" rtl="0" algn="l">
-              <a:spcBef>
-                <a:spcPts val="0"/>
-              </a:spcBef>
-              <a:spcAft>
-                <a:spcPts val="0"/>
-              </a:spcAft>
-              <a:buNone/>
-            </a:pPr>
-            <a:r>
-              <a:rPr lang="ko" sz="1200">
-                <a:solidFill>
-                  <a:srgbClr val="B7B7B7"/>
-                </a:solidFill>
-                <a:latin typeface="Source Code Pro"/>
-                <a:ea typeface="Source Code Pro"/>
-                <a:cs typeface="Source Code Pro"/>
-                <a:sym typeface="Source Code Pro"/>
-              </a:rPr>
-              <a:t>  origins: '*:*',</a:t>
-            </a:r>
-            <a:endParaRPr sz="1200">
-              <a:solidFill>
-                <a:srgbClr val="B7B7B7"/>
-              </a:solidFill>
-              <a:latin typeface="Source Code Pro"/>
-              <a:ea typeface="Source Code Pro"/>
-              <a:cs typeface="Source Code Pro"/>
-              <a:sym typeface="Source Code Pro"/>
-            </a:endParaRPr>
-          </a:p>
-          <a:p>
-            <a:pPr indent="304800" lvl="0" marL="0" rtl="0" algn="l">
-              <a:spcBef>
-                <a:spcPts val="0"/>
-              </a:spcBef>
-              <a:spcAft>
-                <a:spcPts val="0"/>
-              </a:spcAft>
-              <a:buNone/>
-            </a:pPr>
-            <a:r>
-              <a:rPr lang="ko" sz="1200">
-                <a:solidFill>
-                  <a:srgbClr val="B7B7B7"/>
-                </a:solidFill>
-                <a:latin typeface="Source Code Pro"/>
-                <a:ea typeface="Source Code Pro"/>
-                <a:cs typeface="Source Code Pro"/>
-                <a:sym typeface="Source Code Pro"/>
-              </a:rPr>
-              <a:t>  pingInterval: 3000,</a:t>
-            </a:r>
-            <a:endParaRPr sz="1200">
-              <a:solidFill>
-                <a:srgbClr val="B7B7B7"/>
-              </a:solidFill>
-              <a:latin typeface="Source Code Pro"/>
-              <a:ea typeface="Source Code Pro"/>
-              <a:cs typeface="Source Code Pro"/>
-              <a:sym typeface="Source Code Pro"/>
-            </a:endParaRPr>
-          </a:p>
-          <a:p>
-            <a:pPr indent="304800" lvl="0" marL="0" rtl="0" algn="l">
-              <a:spcBef>
-                <a:spcPts val="0"/>
-              </a:spcBef>
-              <a:spcAft>
-                <a:spcPts val="0"/>
-              </a:spcAft>
-              <a:buNone/>
-            </a:pPr>
-            <a:r>
-              <a:rPr lang="ko" sz="1200">
-                <a:solidFill>
-                  <a:srgbClr val="B7B7B7"/>
-                </a:solidFill>
-                <a:latin typeface="Source Code Pro"/>
-                <a:ea typeface="Source Code Pro"/>
-                <a:cs typeface="Source Code Pro"/>
-                <a:sym typeface="Source Code Pro"/>
-              </a:rPr>
-              <a:t>  pingTimeout: 5000</a:t>
-            </a:r>
-            <a:endParaRPr sz="1200">
-              <a:solidFill>
-                <a:srgbClr val="B7B7B7"/>
-              </a:solidFill>
-              <a:latin typeface="Source Code Pro"/>
-              <a:ea typeface="Source Code Pro"/>
-              <a:cs typeface="Source Code Pro"/>
-              <a:sym typeface="Source Code Pro"/>
-            </a:endParaRPr>
-          </a:p>
-          <a:p>
-            <a:pPr indent="304800" lvl="0" marL="0" rtl="0" algn="l">
-              <a:spcBef>
-                <a:spcPts val="0"/>
-              </a:spcBef>
-              <a:spcAft>
-                <a:spcPts val="0"/>
-              </a:spcAft>
-              <a:buNone/>
-            </a:pPr>
-            <a:r>
-              <a:rPr lang="ko" sz="1200">
-                <a:solidFill>
-                  <a:srgbClr val="B7B7B7"/>
-                </a:solidFill>
-                <a:latin typeface="Source Code Pro"/>
-                <a:ea typeface="Source Code Pro"/>
-                <a:cs typeface="Source Code Pro"/>
-                <a:sym typeface="Source Code Pro"/>
-              </a:rPr>
-              <a:t>});</a:t>
-            </a:r>
-            <a:endParaRPr sz="1200">
-              <a:solidFill>
-                <a:srgbClr val="B7B7B7"/>
-              </a:solidFill>
-              <a:latin typeface="Source Code Pro"/>
-              <a:ea typeface="Source Code Pro"/>
-              <a:cs typeface="Source Code Pro"/>
-              <a:sym typeface="Source Code Pro"/>
-            </a:endParaRPr>
-          </a:p>
-          <a:p>
-            <a:pPr indent="304800" lvl="0" marL="0" rtl="0" algn="l">
-              <a:spcBef>
-                <a:spcPts val="0"/>
-              </a:spcBef>
-              <a:spcAft>
-                <a:spcPts val="0"/>
-              </a:spcAft>
-              <a:buNone/>
-            </a:pPr>
-            <a:r>
-              <a:t/>
-            </a:r>
-            <a:endParaRPr sz="1200">
-              <a:solidFill>
-                <a:srgbClr val="B7B7B7"/>
-              </a:solidFill>
-              <a:latin typeface="Source Code Pro"/>
-              <a:ea typeface="Source Code Pro"/>
-              <a:cs typeface="Source Code Pro"/>
-              <a:sym typeface="Source Code Pro"/>
-            </a:endParaRPr>
-          </a:p>
-          <a:p>
-            <a:pPr indent="304800" lvl="0" marL="0" rtl="0" algn="l">
-              <a:spcBef>
-                <a:spcPts val="0"/>
-              </a:spcBef>
-              <a:spcAft>
-                <a:spcPts val="0"/>
-              </a:spcAft>
-              <a:buNone/>
-            </a:pPr>
-            <a:r>
-              <a:rPr lang="ko" sz="1200">
-                <a:solidFill>
-                  <a:srgbClr val="B7B7B7"/>
-                </a:solidFill>
-                <a:latin typeface="Source Code Pro"/>
-                <a:ea typeface="Source Code Pro"/>
-                <a:cs typeface="Source Code Pro"/>
-                <a:sym typeface="Source Code Pro"/>
-              </a:rPr>
-              <a:t>io.sockets.on('connection', (socket, opt) =&gt; {</a:t>
-            </a:r>
-            <a:endParaRPr sz="1200">
-              <a:solidFill>
-                <a:srgbClr val="B7B7B7"/>
-              </a:solidFill>
-              <a:latin typeface="Source Code Pro"/>
-              <a:ea typeface="Source Code Pro"/>
-              <a:cs typeface="Source Code Pro"/>
-              <a:sym typeface="Source Code Pro"/>
-            </a:endParaRPr>
-          </a:p>
-          <a:p>
-            <a:pPr indent="304800" lvl="0" marL="0" rtl="0" algn="l">
-              <a:spcBef>
-                <a:spcPts val="0"/>
-              </a:spcBef>
-              <a:spcAft>
-                <a:spcPts val="0"/>
-              </a:spcAft>
-              <a:buNone/>
-            </a:pPr>
-            <a:r>
-              <a:rPr lang="ko" sz="1200">
-                <a:solidFill>
-                  <a:srgbClr val="B7B7B7"/>
-                </a:solidFill>
-                <a:latin typeface="Source Code Pro"/>
-                <a:ea typeface="Source Code Pro"/>
-                <a:cs typeface="Source Code Pro"/>
-                <a:sym typeface="Source Code Pro"/>
-              </a:rPr>
-              <a:t>	socket.emit('message', {msg: 'Welcome!!'});</a:t>
-            </a:r>
-            <a:endParaRPr sz="1200">
-              <a:solidFill>
-                <a:srgbClr val="B7B7B7"/>
-              </a:solidFill>
-              <a:latin typeface="Source Code Pro"/>
-              <a:ea typeface="Source Code Pro"/>
-              <a:cs typeface="Source Code Pro"/>
-              <a:sym typeface="Source Code Pro"/>
-            </a:endParaRPr>
-          </a:p>
-          <a:p>
-            <a:pPr indent="304800" lvl="0" marL="0" rtl="0" algn="l">
-              <a:spcBef>
-                <a:spcPts val="0"/>
-              </a:spcBef>
-              <a:spcAft>
-                <a:spcPts val="0"/>
-              </a:spcAft>
-              <a:buNone/>
-            </a:pPr>
-            <a:r>
-              <a:t/>
-            </a:r>
-            <a:endParaRPr sz="1200">
-              <a:solidFill>
-                <a:srgbClr val="B7B7B7"/>
-              </a:solidFill>
-              <a:latin typeface="Source Code Pro"/>
-              <a:ea typeface="Source Code Pro"/>
-              <a:cs typeface="Source Code Pro"/>
-              <a:sym typeface="Source Code Pro"/>
-            </a:endParaRPr>
-          </a:p>
-          <a:p>
-            <a:pPr indent="304800" lvl="0" marL="0" rtl="0" algn="l">
-              <a:spcBef>
-                <a:spcPts val="0"/>
-              </a:spcBef>
-              <a:spcAft>
-                <a:spcPts val="0"/>
-              </a:spcAft>
-              <a:buNone/>
-            </a:pPr>
-            <a:r>
-              <a:rPr lang="ko" sz="1200">
-                <a:solidFill>
-                  <a:srgbClr val="B7B7B7"/>
-                </a:solidFill>
-                <a:latin typeface="Source Code Pro"/>
-                <a:ea typeface="Source Code Pro"/>
-                <a:cs typeface="Source Code Pro"/>
-                <a:sym typeface="Source Code Pro"/>
-              </a:rPr>
-              <a:t>  socket.on('message', (data, fn) =&gt; {</a:t>
-            </a:r>
-            <a:endParaRPr sz="1200">
-              <a:solidFill>
-                <a:srgbClr val="B7B7B7"/>
-              </a:solidFill>
-              <a:latin typeface="Source Code Pro"/>
-              <a:ea typeface="Source Code Pro"/>
-              <a:cs typeface="Source Code Pro"/>
-              <a:sym typeface="Source Code Pro"/>
-            </a:endParaRPr>
-          </a:p>
-          <a:p>
-            <a:pPr indent="304800" lvl="0" marL="0" rtl="0" algn="l">
-              <a:spcBef>
-                <a:spcPts val="0"/>
-              </a:spcBef>
-              <a:spcAft>
-                <a:spcPts val="0"/>
-              </a:spcAft>
-              <a:buNone/>
-            </a:pPr>
-            <a:r>
-              <a:rPr lang="ko" sz="1200">
-                <a:solidFill>
-                  <a:srgbClr val="B7B7B7"/>
-                </a:solidFill>
-                <a:latin typeface="Source Code Pro"/>
-                <a:ea typeface="Source Code Pro"/>
-                <a:cs typeface="Source Code Pro"/>
-                <a:sym typeface="Source Code Pro"/>
-              </a:rPr>
-              <a:t>    util.log("message&gt;&gt;", data.msg, Object.keys(socket.rooms));</a:t>
-            </a:r>
-            <a:endParaRPr sz="1200">
-              <a:solidFill>
-                <a:srgbClr val="B7B7B7"/>
-              </a:solidFill>
-              <a:latin typeface="Source Code Pro"/>
-              <a:ea typeface="Source Code Pro"/>
-              <a:cs typeface="Source Code Pro"/>
-              <a:sym typeface="Source Code Pro"/>
-            </a:endParaRPr>
-          </a:p>
-          <a:p>
-            <a:pPr indent="304800" lvl="0" marL="0" rtl="0" algn="l">
-              <a:spcBef>
-                <a:spcPts val="0"/>
-              </a:spcBef>
-              <a:spcAft>
-                <a:spcPts val="0"/>
-              </a:spcAft>
-              <a:buNone/>
-            </a:pPr>
-            <a:r>
-              <a:rPr lang="ko" sz="1200">
-                <a:solidFill>
-                  <a:srgbClr val="B7B7B7"/>
-                </a:solidFill>
-                <a:latin typeface="Source Code Pro"/>
-                <a:ea typeface="Source Code Pro"/>
-                <a:cs typeface="Source Code Pro"/>
-                <a:sym typeface="Source Code Pro"/>
-              </a:rPr>
-              <a:t>  });</a:t>
-            </a:r>
-            <a:endParaRPr sz="1200">
-              <a:solidFill>
-                <a:srgbClr val="B7B7B7"/>
-              </a:solidFill>
-              <a:latin typeface="Source Code Pro"/>
-              <a:ea typeface="Source Code Pro"/>
-              <a:cs typeface="Source Code Pro"/>
-              <a:sym typeface="Source Code Pro"/>
-            </a:endParaRPr>
-          </a:p>
-          <a:p>
-            <a:pPr indent="304800" lvl="0" marL="0" rtl="0" algn="l">
-              <a:spcBef>
-                <a:spcPts val="0"/>
-              </a:spcBef>
-              <a:spcAft>
-                <a:spcPts val="0"/>
-              </a:spcAft>
-              <a:buNone/>
-            </a:pPr>
-            <a:r>
-              <a:rPr lang="ko" sz="1200">
-                <a:solidFill>
-                  <a:srgbClr val="B7B7B7"/>
-                </a:solidFill>
-                <a:latin typeface="Source Code Pro"/>
-                <a:ea typeface="Source Code Pro"/>
-                <a:cs typeface="Source Code Pro"/>
-                <a:sym typeface="Source Code Pro"/>
-              </a:rPr>
-              <a:t>});</a:t>
-            </a:r>
-            <a:endParaRPr sz="1200">
-              <a:solidFill>
-                <a:srgbClr val="B7B7B7"/>
-              </a:solidFill>
-              <a:latin typeface="Source Code Pro"/>
-              <a:ea typeface="Source Code Pro"/>
-              <a:cs typeface="Source Code Pro"/>
-              <a:sym typeface="Source Code Pro"/>
-            </a:endParaRPr>
-          </a:p>
-          <a:p>
-            <a:pPr indent="0" lvl="0" marL="0" rtl="0" algn="l">
-              <a:spcBef>
-                <a:spcPts val="0"/>
-              </a:spcBef>
-              <a:spcAft>
-                <a:spcPts val="1600"/>
-              </a:spcAft>
-              <a:buNone/>
-            </a:pPr>
-            <a:r>
-              <a:t/>
-            </a:r>
-            <a:endParaRPr sz="1200">
-              <a:solidFill>
-                <a:srgbClr val="B7B7B7"/>
-              </a:solidFill>
-              <a:latin typeface="Source Code Pro"/>
-              <a:ea typeface="Source Code Pro"/>
-              <a:cs typeface="Source Code Pro"/>
-              <a:sym typeface="Source Code Pro"/>
-            </a:endParaRPr>
-          </a:p>
-        </p:txBody>
-      </p:sp>
-    </p:spTree>
-  </p:cSld>
-  <p:clrMapOvr>
-    <a:masterClrMapping/>
-  </p:clrMapOvr>
-</p:sld>
-</file>
-
-<file path=ppt/slides/slide23.xml><?xml version="1.0" encoding="utf-8"?>
-<p:sld xmlns:a="http://schemas.openxmlformats.org/drawingml/2006/main" xmlns:r="http://schemas.openxmlformats.org/officeDocument/2006/relationships" xmlns:mc="http://schemas.openxmlformats.org/markup-compatibility/2006" xmlns:mv="urn:schemas-microsoft-com:mac:vml" xmlns:p="http://schemas.openxmlformats.org/presentationml/2006/main" xmlns:c="http://schemas.openxmlformats.org/drawingml/2006/chart" xmlns:dgm="http://schemas.openxmlformats.org/drawingml/2006/diagram" xmlns:o="urn:schemas-microsoft-com:office:office" xmlns:v="urn:schemas-microsoft-com:vml" xmlns:pvml="urn:schemas-microsoft-com:office:powerpoint" xmlns:com="http://schemas.openxmlformats.org/drawingml/2006/compatibility" xmlns:p14="http://schemas.microsoft.com/office/powerpoint/2010/main" xmlns:p15="http://schemas.microsoft.com/office/powerpoint/2012/main">
-  <p:cSld>
-    <p:spTree>
-      <p:nvGrpSpPr>
-        <p:cNvPr id="216" name="Shape 216"/>
+        <p:cNvPr id="1" name=""/>
         <p:cNvGrpSpPr/>
         <p:nvPr/>
       </p:nvGrpSpPr>
@@ -16812,9 +16397,11 @@
       <p:sp>
         <p:nvSpPr>
           <p:cNvPr id="217" name="Google Shape;217;p35"/>
-          <p:cNvSpPr txBox="1"/>
+          <p:cNvSpPr txBox="1">
+            <a:spLocks noGrp="1"/>
+          </p:cNvSpPr>
           <p:nvPr>
-            <p:ph type="title"/>
+            <p:ph type="title" idx="0"/>
           </p:nvPr>
         </p:nvSpPr>
         <p:spPr>
@@ -16827,22 +16414,23 @@
           </a:prstGeom>
         </p:spPr>
         <p:txBody>
-          <a:bodyPr anchorCtr="0" anchor="t" bIns="91425" lIns="91425" spcFirstLastPara="1" rIns="91425" wrap="square" tIns="91425">
+          <a:bodyPr wrap="square" lIns="91425" tIns="91425" rIns="91425" bIns="91425" anchor="t" anchorCtr="0">
             <a:noAutofit/>
           </a:bodyPr>
           <a:lstStyle/>
           <a:p>
-            <a:pPr indent="0" lvl="0" marL="0" rtl="0" algn="l">
-              <a:spcBef>
-                <a:spcPts val="0"/>
-              </a:spcBef>
-              <a:spcAft>
-                <a:spcPts val="0"/>
-              </a:spcAft>
-              <a:buNone/>
-            </a:pPr>
-            <a:r>
-              <a:rPr b="1" lang="ko" sz="3000"/>
+            <a:pPr marL="0" lvl="0" indent="0" algn="l">
+              <a:spcBef>
+                <a:spcPct val="0"/>
+              </a:spcBef>
+              <a:spcAft>
+                <a:spcPct val="0"/>
+              </a:spcAft>
+              <a:buNone/>
+              <a:defRPr lang="ko-KR" altLang="en-US"/>
+            </a:pPr>
+            <a:r>
+              <a:rPr lang="ko" sz="3000" b="1"/>
               <a:t>chat client</a:t>
             </a:r>
             <a:r>
@@ -16852,14 +16440,14 @@
             <a:r>
               <a:rPr lang="ko">
                 <a:solidFill>
-                  <a:srgbClr val="B7B7B7"/>
+                  <a:srgbClr val="b7b7b7"/>
                 </a:solidFill>
               </a:rPr>
               <a:t>public/chat-client.html</a:t>
             </a:r>
-            <a:endParaRPr>
-              <a:solidFill>
-                <a:srgbClr val="B7B7B7"/>
+            <a:endParaRPr lang="ko-KR">
+              <a:solidFill>
+                <a:srgbClr val="b7b7b7"/>
               </a:solidFill>
             </a:endParaRPr>
           </a:p>
@@ -16868,9 +16456,11 @@
       <p:sp>
         <p:nvSpPr>
           <p:cNvPr id="218" name="Google Shape;218;p35"/>
-          <p:cNvSpPr txBox="1"/>
+          <p:cNvSpPr txBox="1">
+            <a:spLocks noGrp="1"/>
+          </p:cNvSpPr>
           <p:nvPr>
-            <p:ph idx="1" type="body"/>
+            <p:ph type="body" idx="1"/>
           </p:nvPr>
         </p:nvSpPr>
         <p:spPr>
@@ -16883,24 +16473,25 @@
           </a:prstGeom>
         </p:spPr>
         <p:txBody>
-          <a:bodyPr anchorCtr="0" anchor="t" bIns="91425" lIns="91425" spcFirstLastPara="1" rIns="91425" wrap="square" tIns="91425">
+          <a:bodyPr wrap="square" lIns="91425" tIns="91425" rIns="91425" bIns="91425" anchor="t" anchorCtr="0">
             <a:noAutofit/>
           </a:bodyPr>
           <a:lstStyle/>
           <a:p>
-            <a:pPr indent="304800" lvl="0" marL="0" rtl="0" algn="l">
-              <a:spcBef>
-                <a:spcPts val="0"/>
-              </a:spcBef>
-              <a:spcAft>
-                <a:spcPts val="0"/>
-              </a:spcAft>
-              <a:buNone/>
+            <a:pPr marL="0" lvl="0" indent="304800" algn="l">
+              <a:spcBef>
+                <a:spcPct val="0"/>
+              </a:spcBef>
+              <a:spcAft>
+                <a:spcPct val="0"/>
+              </a:spcAft>
+              <a:buNone/>
+              <a:defRPr lang="ko-KR" altLang="en-US"/>
             </a:pPr>
             <a:r>
               <a:rPr lang="ko" sz="1200">
                 <a:solidFill>
-                  <a:srgbClr val="CCCCCC"/>
+                  <a:srgbClr val="cccccc"/>
                 </a:solidFill>
                 <a:latin typeface="Source Code Pro"/>
                 <a:ea typeface="Source Code Pro"/>
@@ -16909,9 +16500,9 @@
               </a:rPr>
               <a:t>&lt;script src="/socket.io/socket.io.js"&gt;&lt;/script&gt;</a:t>
             </a:r>
-            <a:endParaRPr sz="1200">
-              <a:solidFill>
-                <a:srgbClr val="CCCCCC"/>
+            <a:endParaRPr lang="ko" sz="1200">
+              <a:solidFill>
+                <a:srgbClr val="cccccc"/>
               </a:solidFill>
               <a:latin typeface="Source Code Pro"/>
               <a:ea typeface="Source Code Pro"/>
@@ -16920,19 +16511,20 @@
             </a:endParaRPr>
           </a:p>
           <a:p>
-            <a:pPr indent="304800" lvl="0" marL="0" rtl="0" algn="l">
-              <a:spcBef>
-                <a:spcPts val="0"/>
-              </a:spcBef>
-              <a:spcAft>
-                <a:spcPts val="0"/>
-              </a:spcAft>
-              <a:buNone/>
+            <a:pPr marL="0" lvl="0" indent="304800" algn="l">
+              <a:spcBef>
+                <a:spcPct val="0"/>
+              </a:spcBef>
+              <a:spcAft>
+                <a:spcPct val="0"/>
+              </a:spcAft>
+              <a:buNone/>
+              <a:defRPr lang="ko-KR" altLang="en-US"/>
             </a:pPr>
             <a:r>
               <a:rPr lang="ko" sz="1200">
                 <a:solidFill>
-                  <a:srgbClr val="CCCCCC"/>
+                  <a:srgbClr val="cccccc"/>
                 </a:solidFill>
                 <a:latin typeface="Source Code Pro"/>
                 <a:ea typeface="Source Code Pro"/>
@@ -16941,9 +16533,9 @@
               </a:rPr>
               <a:t>&lt;script&gt;</a:t>
             </a:r>
-            <a:endParaRPr sz="1200">
-              <a:solidFill>
-                <a:srgbClr val="CCCCCC"/>
+            <a:endParaRPr lang="ko" sz="1200">
+              <a:solidFill>
+                <a:srgbClr val="cccccc"/>
               </a:solidFill>
               <a:latin typeface="Source Code Pro"/>
               <a:ea typeface="Source Code Pro"/>
@@ -16952,19 +16544,20 @@
             </a:endParaRPr>
           </a:p>
           <a:p>
-            <a:pPr indent="304800" lvl="0" marL="0" rtl="0" algn="l">
-              <a:spcBef>
-                <a:spcPts val="0"/>
-              </a:spcBef>
-              <a:spcAft>
-                <a:spcPts val="0"/>
-              </a:spcAft>
-              <a:buNone/>
+            <a:pPr marL="0" lvl="0" indent="304800" algn="l">
+              <a:spcBef>
+                <a:spcPct val="0"/>
+              </a:spcBef>
+              <a:spcAft>
+                <a:spcPct val="0"/>
+              </a:spcAft>
+              <a:buNone/>
+              <a:defRPr lang="ko-KR" altLang="en-US"/>
             </a:pPr>
             <a:r>
               <a:rPr lang="ko" sz="1200">
                 <a:solidFill>
-                  <a:srgbClr val="CCCCCC"/>
+                  <a:srgbClr val="cccccc"/>
                 </a:solidFill>
                 <a:latin typeface="Source Code Pro"/>
                 <a:ea typeface="Source Code Pro"/>
@@ -16973,9 +16566,9 @@
               </a:rPr>
               <a:t>  var socket = io('http://localhost:7000');</a:t>
             </a:r>
-            <a:endParaRPr sz="1200">
-              <a:solidFill>
-                <a:srgbClr val="CCCCCC"/>
+            <a:endParaRPr lang="ko" sz="1200">
+              <a:solidFill>
+                <a:srgbClr val="cccccc"/>
               </a:solidFill>
               <a:latin typeface="Source Code Pro"/>
               <a:ea typeface="Source Code Pro"/>
@@ -16984,21 +16577,19 @@
             </a:endParaRPr>
           </a:p>
           <a:p>
-            <a:pPr indent="304800" lvl="0" marL="0" rtl="0" algn="l">
-              <a:spcBef>
-                <a:spcPts val="0"/>
-              </a:spcBef>
-              <a:spcAft>
-                <a:spcPts val="0"/>
-              </a:spcAft>
-              <a:buNone/>
-            </a:pPr>
-            <a:r>
-              <a:t/>
-            </a:r>
-            <a:endParaRPr sz="1200">
-              <a:solidFill>
-                <a:srgbClr val="CCCCCC"/>
+            <a:pPr marL="0" lvl="0" indent="304800" algn="l">
+              <a:spcBef>
+                <a:spcPct val="0"/>
+              </a:spcBef>
+              <a:spcAft>
+                <a:spcPct val="0"/>
+              </a:spcAft>
+              <a:buNone/>
+              <a:defRPr lang="ko-KR" altLang="en-US"/>
+            </a:pPr>
+            <a:endParaRPr lang="ko-KR" sz="1200">
+              <a:solidFill>
+                <a:srgbClr val="cccccc"/>
               </a:solidFill>
               <a:latin typeface="Source Code Pro"/>
               <a:ea typeface="Source Code Pro"/>
@@ -17007,19 +16598,20 @@
             </a:endParaRPr>
           </a:p>
           <a:p>
-            <a:pPr indent="304800" lvl="0" marL="0" rtl="0" algn="l">
-              <a:spcBef>
-                <a:spcPts val="0"/>
-              </a:spcBef>
-              <a:spcAft>
-                <a:spcPts val="0"/>
-              </a:spcAft>
-              <a:buNone/>
+            <a:pPr marL="0" lvl="0" indent="304800" algn="l">
+              <a:spcBef>
+                <a:spcPct val="0"/>
+              </a:spcBef>
+              <a:spcAft>
+                <a:spcPct val="0"/>
+              </a:spcAft>
+              <a:buNone/>
+              <a:defRPr lang="ko-KR" altLang="en-US"/>
             </a:pPr>
             <a:r>
               <a:rPr lang="ko" sz="1200">
                 <a:solidFill>
-                  <a:srgbClr val="CCCCCC"/>
+                  <a:srgbClr val="cccccc"/>
                 </a:solidFill>
                 <a:latin typeface="Source Code Pro"/>
                 <a:ea typeface="Source Code Pro"/>
@@ -17028,9 +16620,9 @@
               </a:rPr>
               <a:t>  socket.on('connect', function(){</a:t>
             </a:r>
-            <a:endParaRPr sz="1200">
-              <a:solidFill>
-                <a:srgbClr val="CCCCCC"/>
+            <a:endParaRPr lang="ko" sz="1200">
+              <a:solidFill>
+                <a:srgbClr val="cccccc"/>
               </a:solidFill>
               <a:latin typeface="Source Code Pro"/>
               <a:ea typeface="Source Code Pro"/>
@@ -17039,19 +16631,20 @@
             </a:endParaRPr>
           </a:p>
           <a:p>
-            <a:pPr indent="304800" lvl="0" marL="0" rtl="0" algn="l">
-              <a:spcBef>
-                <a:spcPts val="0"/>
-              </a:spcBef>
-              <a:spcAft>
-                <a:spcPts val="0"/>
-              </a:spcAft>
-              <a:buNone/>
+            <a:pPr marL="0" lvl="0" indent="304800" algn="l">
+              <a:spcBef>
+                <a:spcPct val="0"/>
+              </a:spcBef>
+              <a:spcAft>
+                <a:spcPct val="0"/>
+              </a:spcAft>
+              <a:buNone/>
+              <a:defRPr lang="ko-KR" altLang="en-US"/>
             </a:pPr>
             <a:r>
               <a:rPr lang="ko" sz="1200">
                 <a:solidFill>
-                  <a:srgbClr val="CCCCCC"/>
+                  <a:srgbClr val="cccccc"/>
                 </a:solidFill>
                 <a:latin typeface="Source Code Pro"/>
                 <a:ea typeface="Source Code Pro"/>
@@ -17060,9 +16653,9 @@
               </a:rPr>
               <a:t>  });</a:t>
             </a:r>
-            <a:endParaRPr sz="1200">
-              <a:solidFill>
-                <a:srgbClr val="CCCCCC"/>
+            <a:endParaRPr lang="ko" sz="1200">
+              <a:solidFill>
+                <a:srgbClr val="cccccc"/>
               </a:solidFill>
               <a:latin typeface="Source Code Pro"/>
               <a:ea typeface="Source Code Pro"/>
@@ -17071,21 +16664,19 @@
             </a:endParaRPr>
           </a:p>
           <a:p>
-            <a:pPr indent="304800" lvl="0" marL="0" rtl="0" algn="l">
-              <a:spcBef>
-                <a:spcPts val="0"/>
-              </a:spcBef>
-              <a:spcAft>
-                <a:spcPts val="0"/>
-              </a:spcAft>
-              <a:buNone/>
-            </a:pPr>
-            <a:r>
-              <a:t/>
-            </a:r>
-            <a:endParaRPr sz="1200">
-              <a:solidFill>
-                <a:srgbClr val="CCCCCC"/>
+            <a:pPr marL="0" lvl="0" indent="304800" algn="l">
+              <a:spcBef>
+                <a:spcPct val="0"/>
+              </a:spcBef>
+              <a:spcAft>
+                <a:spcPct val="0"/>
+              </a:spcAft>
+              <a:buNone/>
+              <a:defRPr lang="ko-KR" altLang="en-US"/>
+            </a:pPr>
+            <a:endParaRPr lang="ko-KR" sz="1200">
+              <a:solidFill>
+                <a:srgbClr val="cccccc"/>
               </a:solidFill>
               <a:latin typeface="Source Code Pro"/>
               <a:ea typeface="Source Code Pro"/>
@@ -17094,19 +16685,20 @@
             </a:endParaRPr>
           </a:p>
           <a:p>
-            <a:pPr indent="304800" lvl="0" marL="0" rtl="0" algn="l">
-              <a:spcBef>
-                <a:spcPts val="0"/>
-              </a:spcBef>
-              <a:spcAft>
-                <a:spcPts val="0"/>
-              </a:spcAft>
-              <a:buNone/>
+            <a:pPr marL="0" lvl="0" indent="304800" algn="l">
+              <a:spcBef>
+                <a:spcPct val="0"/>
+              </a:spcBef>
+              <a:spcAft>
+                <a:spcPct val="0"/>
+              </a:spcAft>
+              <a:buNone/>
+              <a:defRPr lang="ko-KR" altLang="en-US"/>
             </a:pPr>
             <a:r>
               <a:rPr lang="ko" sz="1200">
                 <a:solidFill>
-                  <a:srgbClr val="CCCCCC"/>
+                  <a:srgbClr val="cccccc"/>
                 </a:solidFill>
                 <a:latin typeface="Source Code Pro"/>
                 <a:ea typeface="Source Code Pro"/>
@@ -17115,9 +16707,9 @@
               </a:rPr>
               <a:t>  socket.on('message', function(data){</a:t>
             </a:r>
-            <a:endParaRPr sz="1200">
-              <a:solidFill>
-                <a:srgbClr val="CCCCCC"/>
+            <a:endParaRPr lang="ko" sz="1200">
+              <a:solidFill>
+                <a:srgbClr val="cccccc"/>
               </a:solidFill>
               <a:latin typeface="Source Code Pro"/>
               <a:ea typeface="Source Code Pro"/>
@@ -17126,19 +16718,20 @@
             </a:endParaRPr>
           </a:p>
           <a:p>
-            <a:pPr indent="304800" lvl="0" marL="0" rtl="0" algn="l">
-              <a:spcBef>
-                <a:spcPts val="0"/>
-              </a:spcBef>
-              <a:spcAft>
-                <a:spcPts val="0"/>
-              </a:spcAft>
-              <a:buNone/>
+            <a:pPr marL="0" lvl="0" indent="304800" algn="l">
+              <a:spcBef>
+                <a:spcPct val="0"/>
+              </a:spcBef>
+              <a:spcAft>
+                <a:spcPct val="0"/>
+              </a:spcAft>
+              <a:buNone/>
+              <a:defRPr lang="ko-KR" altLang="en-US"/>
             </a:pPr>
             <a:r>
               <a:rPr lang="ko" sz="1200">
                 <a:solidFill>
-                  <a:srgbClr val="CCCCCC"/>
+                  <a:srgbClr val="cccccc"/>
                 </a:solidFill>
                 <a:latin typeface="Source Code Pro"/>
                 <a:ea typeface="Source Code Pro"/>
@@ -17147,9 +16740,9 @@
               </a:rPr>
               <a:t>  });</a:t>
             </a:r>
-            <a:endParaRPr sz="1200">
-              <a:solidFill>
-                <a:srgbClr val="CCCCCC"/>
+            <a:endParaRPr lang="ko" sz="1200">
+              <a:solidFill>
+                <a:srgbClr val="cccccc"/>
               </a:solidFill>
               <a:latin typeface="Source Code Pro"/>
               <a:ea typeface="Source Code Pro"/>
@@ -17158,21 +16751,19 @@
             </a:endParaRPr>
           </a:p>
           <a:p>
-            <a:pPr indent="304800" lvl="0" marL="0" rtl="0" algn="l">
-              <a:spcBef>
-                <a:spcPts val="0"/>
-              </a:spcBef>
-              <a:spcAft>
-                <a:spcPts val="0"/>
-              </a:spcAft>
-              <a:buNone/>
-            </a:pPr>
-            <a:r>
-              <a:t/>
-            </a:r>
-            <a:endParaRPr sz="1200">
-              <a:solidFill>
-                <a:srgbClr val="CCCCCC"/>
+            <a:pPr marL="0" lvl="0" indent="304800" algn="l">
+              <a:spcBef>
+                <a:spcPct val="0"/>
+              </a:spcBef>
+              <a:spcAft>
+                <a:spcPct val="0"/>
+              </a:spcAft>
+              <a:buNone/>
+              <a:defRPr lang="ko-KR" altLang="en-US"/>
+            </a:pPr>
+            <a:endParaRPr lang="ko-KR" sz="1200">
+              <a:solidFill>
+                <a:srgbClr val="cccccc"/>
               </a:solidFill>
               <a:latin typeface="Source Code Pro"/>
               <a:ea typeface="Source Code Pro"/>
@@ -17181,19 +16772,20 @@
             </a:endParaRPr>
           </a:p>
           <a:p>
-            <a:pPr indent="304800" lvl="0" marL="0" rtl="0" algn="l">
-              <a:spcBef>
-                <a:spcPts val="0"/>
-              </a:spcBef>
-              <a:spcAft>
-                <a:spcPts val="0"/>
-              </a:spcAft>
-              <a:buNone/>
+            <a:pPr marL="0" lvl="0" indent="304800" algn="l">
+              <a:spcBef>
+                <a:spcPct val="0"/>
+              </a:spcBef>
+              <a:spcAft>
+                <a:spcPct val="0"/>
+              </a:spcAft>
+              <a:buNone/>
+              <a:defRPr lang="ko-KR" altLang="en-US"/>
             </a:pPr>
             <a:r>
               <a:rPr lang="ko" sz="1200">
                 <a:solidFill>
-                  <a:srgbClr val="CCCCCC"/>
+                  <a:srgbClr val="cccccc"/>
                 </a:solidFill>
                 <a:latin typeface="Source Code Pro"/>
                 <a:ea typeface="Source Code Pro"/>
@@ -17202,9 +16794,9 @@
               </a:rPr>
               <a:t>  socket.on('disconnect', function(){</a:t>
             </a:r>
-            <a:endParaRPr sz="1200">
-              <a:solidFill>
-                <a:srgbClr val="CCCCCC"/>
+            <a:endParaRPr lang="ko" sz="1200">
+              <a:solidFill>
+                <a:srgbClr val="cccccc"/>
               </a:solidFill>
               <a:latin typeface="Source Code Pro"/>
               <a:ea typeface="Source Code Pro"/>
@@ -17213,19 +16805,20 @@
             </a:endParaRPr>
           </a:p>
           <a:p>
-            <a:pPr indent="304800" lvl="0" marL="0" rtl="0" algn="l">
-              <a:spcBef>
-                <a:spcPts val="0"/>
-              </a:spcBef>
-              <a:spcAft>
-                <a:spcPts val="0"/>
-              </a:spcAft>
-              <a:buNone/>
+            <a:pPr marL="0" lvl="0" indent="304800" algn="l">
+              <a:spcBef>
+                <a:spcPct val="0"/>
+              </a:spcBef>
+              <a:spcAft>
+                <a:spcPct val="0"/>
+              </a:spcAft>
+              <a:buNone/>
+              <a:defRPr lang="ko-KR" altLang="en-US"/>
             </a:pPr>
             <a:r>
               <a:rPr lang="ko" sz="1200">
                 <a:solidFill>
-                  <a:srgbClr val="CCCCCC"/>
+                  <a:srgbClr val="cccccc"/>
                 </a:solidFill>
                 <a:latin typeface="Source Code Pro"/>
                 <a:ea typeface="Source Code Pro"/>
@@ -17234,9 +16827,9 @@
               </a:rPr>
               <a:t>    console.log("disconnected!!");</a:t>
             </a:r>
-            <a:endParaRPr sz="1200">
-              <a:solidFill>
-                <a:srgbClr val="CCCCCC"/>
+            <a:endParaRPr lang="ko" sz="1200">
+              <a:solidFill>
+                <a:srgbClr val="cccccc"/>
               </a:solidFill>
               <a:latin typeface="Source Code Pro"/>
               <a:ea typeface="Source Code Pro"/>
@@ -17245,19 +16838,20 @@
             </a:endParaRPr>
           </a:p>
           <a:p>
-            <a:pPr indent="304800" lvl="0" marL="0" rtl="0" algn="l">
-              <a:spcBef>
-                <a:spcPts val="0"/>
-              </a:spcBef>
-              <a:spcAft>
-                <a:spcPts val="0"/>
-              </a:spcAft>
-              <a:buNone/>
+            <a:pPr marL="0" lvl="0" indent="304800" algn="l">
+              <a:spcBef>
+                <a:spcPct val="0"/>
+              </a:spcBef>
+              <a:spcAft>
+                <a:spcPct val="0"/>
+              </a:spcAft>
+              <a:buNone/>
+              <a:defRPr lang="ko-KR" altLang="en-US"/>
             </a:pPr>
             <a:r>
               <a:rPr lang="ko" sz="1200">
                 <a:solidFill>
-                  <a:srgbClr val="CCCCCC"/>
+                  <a:srgbClr val="cccccc"/>
                 </a:solidFill>
                 <a:latin typeface="Source Code Pro"/>
                 <a:ea typeface="Source Code Pro"/>
@@ -17266,9 +16860,9 @@
               </a:rPr>
               <a:t>  });</a:t>
             </a:r>
-            <a:endParaRPr sz="1200">
-              <a:solidFill>
-                <a:srgbClr val="CCCCCC"/>
+            <a:endParaRPr lang="ko" sz="1200">
+              <a:solidFill>
+                <a:srgbClr val="cccccc"/>
               </a:solidFill>
               <a:latin typeface="Source Code Pro"/>
               <a:ea typeface="Source Code Pro"/>
@@ -17277,21 +16871,19 @@
             </a:endParaRPr>
           </a:p>
           <a:p>
-            <a:pPr indent="304800" lvl="0" marL="0" rtl="0" algn="l">
-              <a:spcBef>
-                <a:spcPts val="0"/>
-              </a:spcBef>
-              <a:spcAft>
-                <a:spcPts val="0"/>
-              </a:spcAft>
-              <a:buNone/>
-            </a:pPr>
-            <a:r>
-              <a:t/>
-            </a:r>
-            <a:endParaRPr sz="1200">
-              <a:solidFill>
-                <a:srgbClr val="CCCCCC"/>
+            <a:pPr marL="0" lvl="0" indent="304800" algn="l">
+              <a:spcBef>
+                <a:spcPct val="0"/>
+              </a:spcBef>
+              <a:spcAft>
+                <a:spcPct val="0"/>
+              </a:spcAft>
+              <a:buNone/>
+              <a:defRPr lang="ko-KR" altLang="en-US"/>
+            </a:pPr>
+            <a:endParaRPr lang="ko-KR" sz="1200">
+              <a:solidFill>
+                <a:srgbClr val="cccccc"/>
               </a:solidFill>
               <a:latin typeface="Source Code Pro"/>
               <a:ea typeface="Source Code Pro"/>
@@ -17300,19 +16892,20 @@
             </a:endParaRPr>
           </a:p>
           <a:p>
-            <a:pPr indent="304800" lvl="0" marL="0" rtl="0" algn="l">
-              <a:spcBef>
-                <a:spcPts val="0"/>
-              </a:spcBef>
-              <a:spcAft>
-                <a:spcPts val="0"/>
-              </a:spcAft>
-              <a:buNone/>
+            <a:pPr marL="0" lvl="0" indent="304800" algn="l">
+              <a:spcBef>
+                <a:spcPct val="0"/>
+              </a:spcBef>
+              <a:spcAft>
+                <a:spcPct val="0"/>
+              </a:spcAft>
+              <a:buNone/>
+              <a:defRPr lang="ko-KR" altLang="en-US"/>
             </a:pPr>
             <a:r>
               <a:rPr lang="ko" sz="1200">
                 <a:solidFill>
-                  <a:srgbClr val="CCCCCC"/>
+                  <a:srgbClr val="cccccc"/>
                 </a:solidFill>
                 <a:latin typeface="Source Code Pro"/>
                 <a:ea typeface="Source Code Pro"/>
@@ -17321,9 +16914,9 @@
               </a:rPr>
               <a:t>  function send() {</a:t>
             </a:r>
-            <a:endParaRPr sz="1200">
-              <a:solidFill>
-                <a:srgbClr val="CCCCCC"/>
+            <a:endParaRPr lang="ko" sz="1200">
+              <a:solidFill>
+                <a:srgbClr val="cccccc"/>
               </a:solidFill>
               <a:latin typeface="Source Code Pro"/>
               <a:ea typeface="Source Code Pro"/>
@@ -17332,19 +16925,20 @@
             </a:endParaRPr>
           </a:p>
           <a:p>
-            <a:pPr indent="304800" lvl="0" marL="0" rtl="0" algn="l">
-              <a:spcBef>
-                <a:spcPts val="0"/>
-              </a:spcBef>
-              <a:spcAft>
-                <a:spcPts val="0"/>
-              </a:spcAft>
-              <a:buNone/>
+            <a:pPr marL="0" lvl="0" indent="304800" algn="l">
+              <a:spcBef>
+                <a:spcPct val="0"/>
+              </a:spcBef>
+              <a:spcAft>
+                <a:spcPct val="0"/>
+              </a:spcAft>
+              <a:buNone/>
+              <a:defRPr lang="ko-KR" altLang="en-US"/>
             </a:pPr>
             <a:r>
               <a:rPr lang="ko" sz="1200">
                 <a:solidFill>
-                  <a:srgbClr val="CCCCCC"/>
+                  <a:srgbClr val="cccccc"/>
                 </a:solidFill>
                 <a:latin typeface="Source Code Pro"/>
                 <a:ea typeface="Source Code Pro"/>
@@ -17353,9 +16947,9 @@
               </a:rPr>
               <a:t>    socket.emit('message', {room: joinedRoom, msg: msg}, function(ret) {...});</a:t>
             </a:r>
-            <a:endParaRPr sz="1200">
-              <a:solidFill>
-                <a:srgbClr val="CCCCCC"/>
+            <a:endParaRPr lang="ko" sz="1200">
+              <a:solidFill>
+                <a:srgbClr val="cccccc"/>
               </a:solidFill>
               <a:latin typeface="Source Code Pro"/>
               <a:ea typeface="Source Code Pro"/>
@@ -17364,19 +16958,20 @@
             </a:endParaRPr>
           </a:p>
           <a:p>
-            <a:pPr indent="304800" lvl="0" marL="0" rtl="0" algn="l">
-              <a:spcBef>
-                <a:spcPts val="0"/>
-              </a:spcBef>
-              <a:spcAft>
-                <a:spcPts val="0"/>
-              </a:spcAft>
-              <a:buNone/>
+            <a:pPr marL="0" lvl="0" indent="304800" algn="l">
+              <a:spcBef>
+                <a:spcPct val="0"/>
+              </a:spcBef>
+              <a:spcAft>
+                <a:spcPct val="0"/>
+              </a:spcAft>
+              <a:buNone/>
+              <a:defRPr lang="ko-KR" altLang="en-US"/>
             </a:pPr>
             <a:r>
               <a:rPr lang="ko" sz="1200">
                 <a:solidFill>
-                  <a:srgbClr val="CCCCCC"/>
+                  <a:srgbClr val="cccccc"/>
                 </a:solidFill>
                 <a:latin typeface="Source Code Pro"/>
                 <a:ea typeface="Source Code Pro"/>
@@ -17385,9 +16980,9 @@
               </a:rPr>
               <a:t>  }</a:t>
             </a:r>
-            <a:endParaRPr sz="1200">
-              <a:solidFill>
-                <a:srgbClr val="CCCCCC"/>
+            <a:endParaRPr lang="ko" sz="1200">
+              <a:solidFill>
+                <a:srgbClr val="cccccc"/>
               </a:solidFill>
               <a:latin typeface="Source Code Pro"/>
               <a:ea typeface="Source Code Pro"/>
@@ -17396,21 +16991,52 @@
             </a:endParaRPr>
           </a:p>
           <a:p>
-            <a:pPr indent="0" lvl="0" marL="0" rtl="0" algn="l">
-              <a:spcBef>
-                <a:spcPts val="0"/>
-              </a:spcBef>
-              <a:spcAft>
-                <a:spcPts val="1600"/>
-              </a:spcAft>
-              <a:buNone/>
-            </a:pPr>
-            <a:r>
-              <a:t/>
-            </a:r>
-            <a:endParaRPr sz="1200">
-              <a:solidFill>
-                <a:srgbClr val="CCCCCC"/>
+            <a:pPr marL="0" lvl="0" indent="304800" algn="l">
+              <a:spcBef>
+                <a:spcPct val="0"/>
+              </a:spcBef>
+              <a:spcAft>
+                <a:spcPct val="0"/>
+              </a:spcAft>
+              <a:buNone/>
+              <a:defRPr lang="ko-KR" altLang="en-US"/>
+            </a:pPr>
+            <a:r>
+              <a:rPr lang="ko" sz="1200">
+                <a:solidFill>
+                  <a:srgbClr val="cccccc"/>
+                </a:solidFill>
+                <a:latin typeface="Source Code Pro"/>
+                <a:ea typeface="Source Code Pro"/>
+                <a:cs typeface="Source Code Pro"/>
+                <a:sym typeface="Source Code Pro"/>
+              </a:rPr>
+              <a:t>&lt;/script&gt;</a:t>
+            </a:r>
+            <a:endParaRPr lang="ko" sz="1200">
+              <a:solidFill>
+                <a:srgbClr val="cccccc"/>
+              </a:solidFill>
+              <a:latin typeface="Source Code Pro"/>
+              <a:ea typeface="Source Code Pro"/>
+              <a:cs typeface="Source Code Pro"/>
+              <a:sym typeface="Source Code Pro"/>
+            </a:endParaRPr>
+          </a:p>
+          <a:p>
+            <a:pPr marL="0" lvl="0" indent="0" algn="l">
+              <a:spcBef>
+                <a:spcPct val="0"/>
+              </a:spcBef>
+              <a:spcAft>
+                <a:spcPct val="16000"/>
+              </a:spcAft>
+              <a:buNone/>
+              <a:defRPr lang="ko-KR" altLang="en-US"/>
+            </a:pPr>
+            <a:endParaRPr lang="ko-KR" sz="1200">
+              <a:solidFill>
+                <a:srgbClr val="cccccc"/>
               </a:solidFill>
               <a:latin typeface="Source Code Pro"/>
               <a:ea typeface="Source Code Pro"/>
@@ -17440,51 +17066,50 @@
           </a:ln>
         </p:spPr>
         <p:txBody>
-          <a:bodyPr anchorCtr="0" anchor="ctr" bIns="91425" lIns="91425" spcFirstLastPara="1" rIns="91425" wrap="square" tIns="91425">
+          <a:bodyPr wrap="square" lIns="91425" tIns="91425" rIns="91425" bIns="91425" anchor="ctr" anchorCtr="0">
             <a:noAutofit/>
           </a:bodyPr>
           <a:lstStyle/>
           <a:p>
-            <a:pPr indent="0" lvl="0" marL="0" rtl="0" algn="r">
-              <a:spcBef>
-                <a:spcPts val="0"/>
-              </a:spcBef>
-              <a:spcAft>
-                <a:spcPts val="0"/>
-              </a:spcAft>
-              <a:buNone/>
+            <a:pPr marL="0" lvl="0" indent="0" algn="r">
+              <a:spcBef>
+                <a:spcPct val="0"/>
+              </a:spcBef>
+              <a:spcAft>
+                <a:spcPct val="0"/>
+              </a:spcAft>
+              <a:buNone/>
+              <a:defRPr lang="ko-KR" altLang="en-US"/>
             </a:pPr>
             <a:r>
               <a:rPr lang="ko" u="sng">
                 <a:solidFill>
                   <a:schemeClr val="hlink"/>
                 </a:solidFill>
-                <a:hlinkClick r:id="rId3"/>
+                <a:hlinkClick r:id="rId2"/>
               </a:rPr>
               <a:t>http://localhost:7000/chat-client.html</a:t>
             </a:r>
-            <a:endParaRPr>
-              <a:solidFill>
-                <a:srgbClr val="FFFFFF"/>
-              </a:solidFill>
-            </a:endParaRPr>
-          </a:p>
-          <a:p>
-            <a:pPr indent="0" lvl="0" marL="0" rtl="0" algn="r">
-              <a:spcBef>
-                <a:spcPts val="0"/>
-              </a:spcBef>
-              <a:spcAft>
-                <a:spcPts val="0"/>
-              </a:spcAft>
-              <a:buNone/>
-            </a:pPr>
-            <a:r>
-              <a:t/>
-            </a:r>
-            <a:endParaRPr>
-              <a:solidFill>
-                <a:srgbClr val="FFFFFF"/>
+            <a:endParaRPr lang="ko" u="sng">
+              <a:solidFill>
+                <a:schemeClr val="hlink"/>
+              </a:solidFill>
+            </a:endParaRPr>
+          </a:p>
+          <a:p>
+            <a:pPr marL="0" lvl="0" indent="0" algn="r">
+              <a:spcBef>
+                <a:spcPct val="0"/>
+              </a:spcBef>
+              <a:spcAft>
+                <a:spcPct val="0"/>
+              </a:spcAft>
+              <a:buNone/>
+              <a:defRPr lang="ko-KR" altLang="en-US"/>
+            </a:pPr>
+            <a:endParaRPr lang="ko-KR">
+              <a:solidFill>
+                <a:srgbClr val="ffffff"/>
               </a:solidFill>
             </a:endParaRPr>
           </a:p>
@@ -17495,15 +17120,16 @@
   <p:clrMapOvr>
     <a:masterClrMapping/>
   </p:clrMapOvr>
+  <p:transition xmlns:mc="http://schemas.openxmlformats.org/markup-compatibility/2006" xmlns:hp="http://schemas.haansoft.com/office/presentation/8.0" mc:Ignorable="hp" hp:hslDur="500"/>
 </p:sld>
 </file>
 
 <file path=ppt/slides/slide24.xml><?xml version="1.0" encoding="utf-8"?>
-<p:sld xmlns:a="http://schemas.openxmlformats.org/drawingml/2006/main" xmlns:r="http://schemas.openxmlformats.org/officeDocument/2006/relationships" xmlns:mc="http://schemas.openxmlformats.org/markup-compatibility/2006" xmlns:mv="urn:schemas-microsoft-com:mac:vml" xmlns:p="http://schemas.openxmlformats.org/presentationml/2006/main" xmlns:c="http://schemas.openxmlformats.org/drawingml/2006/chart" xmlns:dgm="http://schemas.openxmlformats.org/drawingml/2006/diagram" xmlns:o="urn:schemas-microsoft-com:office:office" xmlns:v="urn:schemas-microsoft-com:vml" xmlns:pvml="urn:schemas-microsoft-com:office:powerpoint" xmlns:com="http://schemas.openxmlformats.org/drawingml/2006/compatibility" xmlns:p14="http://schemas.microsoft.com/office/powerpoint/2010/main" xmlns:p15="http://schemas.microsoft.com/office/powerpoint/2012/main">
+<p:sld xmlns:r="http://schemas.openxmlformats.org/officeDocument/2006/relationships" xmlns:c="http://schemas.openxmlformats.org/drawingml/2006/chart" xmlns:a="http://schemas.openxmlformats.org/drawingml/2006/main" xmlns:dgm="http://schemas.openxmlformats.org/drawingml/2006/diagram" xmlns:dsp="http://schemas.microsoft.com/office/drawing/2008/diagram" xmlns:p="http://schemas.openxmlformats.org/presentationml/2006/main">
   <p:cSld>
     <p:spTree>
       <p:nvGrpSpPr>
-        <p:cNvPr id="223" name="Shape 223"/>
+        <p:cNvPr id="1" name=""/>
         <p:cNvGrpSpPr/>
         <p:nvPr/>
       </p:nvGrpSpPr>
@@ -17518,9 +17144,11 @@
       <p:sp>
         <p:nvSpPr>
           <p:cNvPr id="224" name="Google Shape;224;p36"/>
-          <p:cNvSpPr txBox="1"/>
+          <p:cNvSpPr txBox="1">
+            <a:spLocks noGrp="1"/>
+          </p:cNvSpPr>
           <p:nvPr>
-            <p:ph type="title"/>
+            <p:ph type="title" idx="0"/>
           </p:nvPr>
         </p:nvSpPr>
         <p:spPr>
@@ -17533,34 +17161,37 @@
           </a:prstGeom>
         </p:spPr>
         <p:txBody>
-          <a:bodyPr anchorCtr="0" anchor="t" bIns="91425" lIns="91425" spcFirstLastPara="1" rIns="91425" wrap="square" tIns="91425">
+          <a:bodyPr wrap="square" lIns="91425" tIns="91425" rIns="91425" bIns="91425" anchor="t" anchorCtr="0">
             <a:noAutofit/>
           </a:bodyPr>
           <a:lstStyle/>
           <a:p>
-            <a:pPr indent="0" lvl="0" marL="0" rtl="0" algn="l">
-              <a:spcBef>
-                <a:spcPts val="0"/>
-              </a:spcBef>
-              <a:spcAft>
-                <a:spcPts val="0"/>
-              </a:spcAft>
-              <a:buNone/>
+            <a:pPr marL="0" lvl="0" indent="0" algn="l">
+              <a:spcBef>
+                <a:spcPct val="0"/>
+              </a:spcBef>
+              <a:spcAft>
+                <a:spcPct val="0"/>
+              </a:spcAft>
+              <a:buNone/>
+              <a:defRPr lang="ko-KR" altLang="en-US"/>
             </a:pPr>
             <a:r>
               <a:rPr lang="ko"/>
               <a:t>Simple Chat Site</a:t>
             </a:r>
-            <a:endParaRPr/>
+            <a:endParaRPr lang="ko-KR"/>
           </a:p>
         </p:txBody>
       </p:sp>
       <p:sp>
         <p:nvSpPr>
           <p:cNvPr id="225" name="Google Shape;225;p36"/>
-          <p:cNvSpPr txBox="1"/>
+          <p:cNvSpPr txBox="1">
+            <a:spLocks noGrp="1"/>
+          </p:cNvSpPr>
           <p:nvPr>
-            <p:ph idx="1" type="body"/>
+            <p:ph type="body" idx="1"/>
           </p:nvPr>
         </p:nvSpPr>
         <p:spPr>
@@ -17573,88 +17204,90 @@
           </a:prstGeom>
         </p:spPr>
         <p:txBody>
-          <a:bodyPr anchorCtr="0" anchor="t" bIns="91425" lIns="91425" spcFirstLastPara="1" rIns="91425" wrap="square" tIns="91425">
+          <a:bodyPr wrap="square" lIns="91425" tIns="91425" rIns="91425" bIns="91425" anchor="t" anchorCtr="0">
             <a:noAutofit/>
           </a:bodyPr>
           <a:lstStyle/>
           <a:p>
-            <a:pPr indent="0" lvl="0" marL="0" rtl="0" algn="l">
-              <a:spcBef>
-                <a:spcPts val="0"/>
-              </a:spcBef>
-              <a:spcAft>
-                <a:spcPts val="0"/>
-              </a:spcAft>
-              <a:buNone/>
+            <a:pPr marL="0" lvl="0" indent="0" algn="l">
+              <a:spcBef>
+                <a:spcPct val="0"/>
+              </a:spcBef>
+              <a:spcAft>
+                <a:spcPct val="0"/>
+              </a:spcAft>
+              <a:buNone/>
+              <a:defRPr lang="ko-KR" altLang="en-US"/>
             </a:pPr>
             <a:r>
               <a:rPr lang="ko"/>
               <a:t>최초 연결시 기본방(default room) 자동 join</a:t>
             </a:r>
-            <a:endParaRPr/>
-          </a:p>
-          <a:p>
-            <a:pPr indent="0" lvl="0" marL="0" rtl="0" algn="l">
-              <a:spcBef>
-                <a:spcPts val="1600"/>
-              </a:spcBef>
-              <a:spcAft>
-                <a:spcPts val="0"/>
-              </a:spcAft>
-              <a:buNone/>
+            <a:endParaRPr lang="ko"/>
+          </a:p>
+          <a:p>
+            <a:pPr marL="0" lvl="0" indent="0" algn="l">
+              <a:spcBef>
+                <a:spcPct val="74000"/>
+              </a:spcBef>
+              <a:spcAft>
+                <a:spcPct val="0"/>
+              </a:spcAft>
+              <a:buNone/>
+              <a:defRPr lang="ko-KR" altLang="en-US"/>
             </a:pPr>
             <a:r>
               <a:rPr lang="ko"/>
               <a:t>특정 방 조인 / 나가기 기능</a:t>
             </a:r>
-            <a:endParaRPr/>
-          </a:p>
-          <a:p>
-            <a:pPr indent="0" lvl="0" marL="0" rtl="0" algn="l">
-              <a:spcBef>
-                <a:spcPts val="1600"/>
-              </a:spcBef>
-              <a:spcAft>
-                <a:spcPts val="0"/>
-              </a:spcAft>
-              <a:buNone/>
+            <a:endParaRPr lang="ko"/>
+          </a:p>
+          <a:p>
+            <a:pPr marL="0" lvl="0" indent="0" algn="l">
+              <a:spcBef>
+                <a:spcPct val="74000"/>
+              </a:spcBef>
+              <a:spcAft>
+                <a:spcPct val="0"/>
+              </a:spcAft>
+              <a:buNone/>
+              <a:defRPr lang="ko-KR" altLang="en-US"/>
             </a:pPr>
             <a:r>
               <a:rPr lang="ko"/>
               <a:t>조인된 방 사람들에게 메시지 보내기</a:t>
             </a:r>
-            <a:endParaRPr/>
-          </a:p>
-          <a:p>
-            <a:pPr indent="0" lvl="0" marL="0" rtl="0" algn="l">
-              <a:spcBef>
-                <a:spcPts val="1600"/>
-              </a:spcBef>
-              <a:spcAft>
-                <a:spcPts val="0"/>
-              </a:spcAft>
-              <a:buNone/>
+            <a:endParaRPr lang="ko"/>
+          </a:p>
+          <a:p>
+            <a:pPr marL="0" lvl="0" indent="0" algn="l">
+              <a:spcBef>
+                <a:spcPct val="74000"/>
+              </a:spcBef>
+              <a:spcAft>
+                <a:spcPct val="0"/>
+              </a:spcAft>
+              <a:buNone/>
+              <a:defRPr lang="ko-KR" altLang="en-US"/>
             </a:pPr>
             <a:r>
               <a:rPr lang="ko"/>
               <a:t>귓속말</a:t>
             </a:r>
-            <a:endParaRPr/>
-          </a:p>
-          <a:p>
-            <a:pPr indent="0" lvl="0" marL="0" rtl="0" algn="l">
-              <a:spcBef>
-                <a:spcPts val="1600"/>
-              </a:spcBef>
-              <a:spcAft>
-                <a:spcPts val="1600"/>
-              </a:spcAft>
-              <a:buNone/>
-            </a:pPr>
-            <a:r>
-              <a:t/>
-            </a:r>
-            <a:endParaRPr/>
+            <a:endParaRPr lang="ko"/>
+          </a:p>
+          <a:p>
+            <a:pPr marL="0" lvl="0" indent="0" algn="l">
+              <a:spcBef>
+                <a:spcPct val="74000"/>
+              </a:spcBef>
+              <a:spcAft>
+                <a:spcPct val="16000"/>
+              </a:spcAft>
+              <a:buNone/>
+              <a:defRPr lang="ko-KR" altLang="en-US"/>
+            </a:pPr>
+            <a:endParaRPr lang="ko-KR"/>
           </a:p>
         </p:txBody>
       </p:sp>
@@ -17663,15 +17296,16 @@
   <p:clrMapOvr>
     <a:masterClrMapping/>
   </p:clrMapOvr>
+  <p:transition xmlns:mc="http://schemas.openxmlformats.org/markup-compatibility/2006" xmlns:hp="http://schemas.haansoft.com/office/presentation/8.0" mc:Ignorable="hp" hp:hslDur="500"/>
 </p:sld>
 </file>
 
 <file path=ppt/slides/slide25.xml><?xml version="1.0" encoding="utf-8"?>
-<p:sld xmlns:a="http://schemas.openxmlformats.org/drawingml/2006/main" xmlns:r="http://schemas.openxmlformats.org/officeDocument/2006/relationships" xmlns:mc="http://schemas.openxmlformats.org/markup-compatibility/2006" xmlns:mv="urn:schemas-microsoft-com:mac:vml" xmlns:p="http://schemas.openxmlformats.org/presentationml/2006/main" xmlns:c="http://schemas.openxmlformats.org/drawingml/2006/chart" xmlns:dgm="http://schemas.openxmlformats.org/drawingml/2006/diagram" xmlns:o="urn:schemas-microsoft-com:office:office" xmlns:v="urn:schemas-microsoft-com:vml" xmlns:pvml="urn:schemas-microsoft-com:office:powerpoint" xmlns:com="http://schemas.openxmlformats.org/drawingml/2006/compatibility" xmlns:p14="http://schemas.microsoft.com/office/powerpoint/2010/main" xmlns:p15="http://schemas.microsoft.com/office/powerpoint/2012/main">
+<p:sld xmlns:r="http://schemas.openxmlformats.org/officeDocument/2006/relationships" xmlns:c="http://schemas.openxmlformats.org/drawingml/2006/chart" xmlns:a="http://schemas.openxmlformats.org/drawingml/2006/main" xmlns:dgm="http://schemas.openxmlformats.org/drawingml/2006/diagram" xmlns:dsp="http://schemas.microsoft.com/office/drawing/2008/diagram" xmlns:p="http://schemas.openxmlformats.org/presentationml/2006/main">
   <p:cSld>
     <p:spTree>
       <p:nvGrpSpPr>
-        <p:cNvPr id="229" name="Shape 229"/>
+        <p:cNvPr id="1" name=""/>
         <p:cNvGrpSpPr/>
         <p:nvPr/>
       </p:nvGrpSpPr>
@@ -17686,9 +17320,11 @@
       <p:sp>
         <p:nvSpPr>
           <p:cNvPr id="230" name="Google Shape;230;p37"/>
-          <p:cNvSpPr txBox="1"/>
+          <p:cNvSpPr txBox="1">
+            <a:spLocks noGrp="1"/>
+          </p:cNvSpPr>
           <p:nvPr>
-            <p:ph type="title"/>
+            <p:ph type="title" idx="0"/>
           </p:nvPr>
         </p:nvSpPr>
         <p:spPr>
@@ -17701,79 +17337,80 @@
           </a:prstGeom>
         </p:spPr>
         <p:txBody>
-          <a:bodyPr anchorCtr="0" anchor="b" bIns="91425" lIns="91425" spcFirstLastPara="1" rIns="91425" wrap="square" tIns="91425">
+          <a:bodyPr wrap="square" lIns="91425" tIns="91425" rIns="91425" bIns="91425" anchor="b" anchorCtr="0">
             <a:noAutofit/>
           </a:bodyPr>
           <a:lstStyle/>
           <a:p>
-            <a:pPr indent="0" lvl="0" marL="0" rtl="0" algn="ctr">
+            <a:pPr marL="0" lvl="0" indent="0" algn="ctr">
               <a:lnSpc>
                 <a:spcPct val="150000"/>
               </a:lnSpc>
               <a:spcBef>
-                <a:spcPts val="0"/>
-              </a:spcBef>
-              <a:spcAft>
-                <a:spcPts val="0"/>
-              </a:spcAft>
-              <a:buNone/>
+                <a:spcPct val="0"/>
+              </a:spcBef>
+              <a:spcAft>
+                <a:spcPct val="0"/>
+              </a:spcAft>
+              <a:buNone/>
+              <a:defRPr lang="ko-KR" altLang="en-US"/>
             </a:pPr>
             <a:r>
               <a:rPr lang="ko" sz="3600"/>
-              <a:t>수</a:t>
-            </a:r>
-            <a:r>
-              <a:rPr lang="ko" sz="3600"/>
-              <a:t>업 내용을 토대로</a:t>
-            </a:r>
-            <a:endParaRPr sz="3600"/>
-          </a:p>
-          <a:p>
-            <a:pPr indent="0" lvl="0" marL="0" rtl="0" algn="ctr">
+              <a:t>수업 내용을 토대로</a:t>
+            </a:r>
+            <a:endParaRPr lang="ko" sz="3600"/>
+          </a:p>
+          <a:p>
+            <a:pPr marL="0" lvl="0" indent="0" algn="ctr">
               <a:lnSpc>
                 <a:spcPct val="150000"/>
               </a:lnSpc>
               <a:spcBef>
-                <a:spcPts val="0"/>
-              </a:spcBef>
-              <a:spcAft>
-                <a:spcPts val="0"/>
-              </a:spcAft>
-              <a:buNone/>
+                <a:spcPct val="0"/>
+              </a:spcBef>
+              <a:spcAft>
+                <a:spcPct val="0"/>
+              </a:spcAft>
+              <a:buNone/>
+              <a:defRPr lang="ko-KR" altLang="en-US"/>
             </a:pPr>
             <a:r>
               <a:rPr lang="ko" sz="3600"/>
               <a:t>본인만의 채팅서비스를</a:t>
             </a:r>
-            <a:endParaRPr sz="3600"/>
-          </a:p>
-          <a:p>
-            <a:pPr indent="0" lvl="0" marL="0" rtl="0" algn="ctr">
+            <a:endParaRPr lang="ko" sz="3600"/>
+          </a:p>
+          <a:p>
+            <a:pPr marL="0" lvl="0" indent="0" algn="ctr">
               <a:lnSpc>
                 <a:spcPct val="150000"/>
               </a:lnSpc>
               <a:spcBef>
-                <a:spcPts val="0"/>
-              </a:spcBef>
-              <a:spcAft>
-                <a:spcPts val="0"/>
-              </a:spcAft>
-              <a:buNone/>
+                <a:spcPct val="0"/>
+              </a:spcBef>
+              <a:spcAft>
+                <a:spcPct val="0"/>
+              </a:spcAft>
+              <a:buNone/>
+              <a:defRPr lang="ko-KR" altLang="en-US"/>
             </a:pPr>
             <a:r>
               <a:rPr lang="ko" sz="3600"/>
               <a:t>만들어 보는건 어떨까요?!</a:t>
             </a:r>
-            <a:endParaRPr sz="3600"/>
+            <a:endParaRPr lang="ko-KR" sz="3600"/>
           </a:p>
         </p:txBody>
       </p:sp>
       <p:sp>
         <p:nvSpPr>
           <p:cNvPr id="231" name="Google Shape;231;p37"/>
-          <p:cNvSpPr txBox="1"/>
+          <p:cNvSpPr txBox="1">
+            <a:spLocks noGrp="1"/>
+          </p:cNvSpPr>
           <p:nvPr>
-            <p:ph idx="1" type="body"/>
+            <p:ph type="body" idx="1"/>
           </p:nvPr>
         </p:nvSpPr>
         <p:spPr>
@@ -17786,29 +17423,26 @@
           </a:prstGeom>
         </p:spPr>
         <p:txBody>
-          <a:bodyPr anchorCtr="0" anchor="t" bIns="91425" lIns="91425" spcFirstLastPara="1" rIns="91425" wrap="square" tIns="91425">
+          <a:bodyPr wrap="square" lIns="91425" tIns="91425" rIns="91425" bIns="91425" anchor="t" anchorCtr="0">
             <a:noAutofit/>
           </a:bodyPr>
           <a:lstStyle/>
           <a:p>
-            <a:pPr indent="0" lvl="0" marL="0" rtl="0" algn="ctr">
-              <a:spcBef>
-                <a:spcPts val="0"/>
-              </a:spcBef>
-              <a:spcAft>
-                <a:spcPts val="1600"/>
-              </a:spcAft>
-              <a:buNone/>
+            <a:pPr marL="0" lvl="0" indent="0" algn="ctr">
+              <a:spcBef>
+                <a:spcPct val="0"/>
+              </a:spcBef>
+              <a:spcAft>
+                <a:spcPct val="16000"/>
+              </a:spcAft>
+              <a:buNone/>
+              <a:defRPr lang="ko-KR" altLang="en-US"/>
             </a:pPr>
             <a:r>
               <a:rPr lang="ko"/>
-              <a:t>수고 많으셨습니</a:t>
-            </a:r>
-            <a:r>
-              <a:rPr lang="ko"/>
-              <a:t>다~</a:t>
-            </a:r>
-            <a:endParaRPr/>
+              <a:t>수고 많으셨습니다~</a:t>
+            </a:r>
+            <a:endParaRPr lang="ko-KR"/>
           </a:p>
         </p:txBody>
       </p:sp>
@@ -17832,19 +17466,20 @@
           </a:ln>
         </p:spPr>
         <p:txBody>
-          <a:bodyPr anchorCtr="0" anchor="t" bIns="91425" lIns="91425" spcFirstLastPara="1" rIns="91425" wrap="square" tIns="91425">
+          <a:bodyPr wrap="square" lIns="91425" tIns="91425" rIns="91425" bIns="91425" anchor="t" anchorCtr="0">
             <a:noAutofit/>
           </a:bodyPr>
           <a:lstStyle/>
           <a:p>
-            <a:pPr indent="0" lvl="0" marL="0" rtl="0" algn="ctr">
-              <a:spcBef>
-                <a:spcPts val="0"/>
-              </a:spcBef>
-              <a:spcAft>
-                <a:spcPts val="0"/>
-              </a:spcAft>
-              <a:buNone/>
+            <a:pPr marL="0" lvl="0" indent="0" algn="ctr">
+              <a:spcBef>
+                <a:spcPct val="0"/>
+              </a:spcBef>
+              <a:spcAft>
+                <a:spcPct val="0"/>
+              </a:spcAft>
+              <a:buNone/>
+              <a:defRPr lang="ko-KR" altLang="en-US"/>
             </a:pPr>
             <a:r>
               <a:rPr lang="ko">
@@ -17856,33 +17491,9 @@
                 <a:cs typeface="Pilgi"/>
                 <a:sym typeface="Pilgi"/>
               </a:rPr>
-              <a:t>Indiflex (</a:t>
-            </a:r>
-            <a:r>
-              <a:rPr lang="ko">
-                <a:solidFill>
-                  <a:srgbClr val="999999"/>
-                </a:solidFill>
-                <a:latin typeface="Pilgi"/>
-                <a:ea typeface="Pilgi"/>
-                <a:cs typeface="Pilgi"/>
-                <a:sym typeface="Pilgi"/>
-              </a:rPr>
-              <a:t>시니</a:t>
-            </a:r>
-            <a:r>
-              <a:rPr lang="ko">
-                <a:solidFill>
-                  <a:srgbClr val="999999"/>
-                </a:solidFill>
-                <a:latin typeface="Pilgi"/>
-                <a:ea typeface="Pilgi"/>
-                <a:cs typeface="Pilgi"/>
-                <a:sym typeface="Pilgi"/>
-              </a:rPr>
-              <a:t>어 코딩)</a:t>
-            </a:r>
-            <a:endParaRPr>
+              <a:t>Indiflex (시니어 코딩)</a:t>
+            </a:r>
+            <a:endParaRPr lang="ko-KR">
               <a:solidFill>
                 <a:srgbClr val="999999"/>
               </a:solidFill>
@@ -17899,15 +17510,16 @@
   <p:clrMapOvr>
     <a:masterClrMapping/>
   </p:clrMapOvr>
+  <p:transition xmlns:mc="http://schemas.openxmlformats.org/markup-compatibility/2006" xmlns:hp="http://schemas.haansoft.com/office/presentation/8.0" mc:Ignorable="hp" hp:hslDur="500"/>
 </p:sld>
 </file>
 
 <file path=ppt/slides/slide26.xml><?xml version="1.0" encoding="utf-8"?>
-<p:sld xmlns:a="http://schemas.openxmlformats.org/drawingml/2006/main" xmlns:r="http://schemas.openxmlformats.org/officeDocument/2006/relationships" xmlns:mc="http://schemas.openxmlformats.org/markup-compatibility/2006" xmlns:mv="urn:schemas-microsoft-com:mac:vml" xmlns:p="http://schemas.openxmlformats.org/presentationml/2006/main" xmlns:c="http://schemas.openxmlformats.org/drawingml/2006/chart" xmlns:dgm="http://schemas.openxmlformats.org/drawingml/2006/diagram" xmlns:o="urn:schemas-microsoft-com:office:office" xmlns:v="urn:schemas-microsoft-com:vml" xmlns:pvml="urn:schemas-microsoft-com:office:powerpoint" xmlns:com="http://schemas.openxmlformats.org/drawingml/2006/compatibility" xmlns:p14="http://schemas.microsoft.com/office/powerpoint/2010/main" xmlns:p15="http://schemas.microsoft.com/office/powerpoint/2012/main">
+<p:sld xmlns:r="http://schemas.openxmlformats.org/officeDocument/2006/relationships" xmlns:c="http://schemas.openxmlformats.org/drawingml/2006/chart" xmlns:a="http://schemas.openxmlformats.org/drawingml/2006/main" xmlns:dgm="http://schemas.openxmlformats.org/drawingml/2006/diagram" xmlns:dsp="http://schemas.microsoft.com/office/drawing/2008/diagram" xmlns:p="http://schemas.openxmlformats.org/presentationml/2006/main">
   <p:cSld>
     <p:spTree>
       <p:nvGrpSpPr>
-        <p:cNvPr id="236" name="Shape 236"/>
+        <p:cNvPr id="1" name=""/>
         <p:cNvGrpSpPr/>
         <p:nvPr/>
       </p:nvGrpSpPr>
@@ -17922,11 +17534,11 @@
       <p:pic>
         <p:nvPicPr>
           <p:cNvPr id="237" name="Google Shape;237;p38"/>
-          <p:cNvPicPr preferRelativeResize="0"/>
+          <p:cNvPicPr/>
           <p:nvPr/>
         </p:nvPicPr>
-        <p:blipFill>
-          <a:blip r:embed="rId3">
+        <p:blipFill rotWithShape="1">
+          <a:blip r:embed="rId2">
             <a:alphaModFix/>
           </a:blip>
           <a:stretch>
@@ -17950,9 +17562,11 @@
       <p:sp>
         <p:nvSpPr>
           <p:cNvPr id="238" name="Google Shape;238;p38"/>
-          <p:cNvSpPr txBox="1"/>
+          <p:cNvSpPr txBox="1">
+            <a:spLocks noGrp="1"/>
+          </p:cNvSpPr>
           <p:nvPr>
-            <p:ph type="ctrTitle"/>
+            <p:ph type="ctrTitle" idx="0"/>
           </p:nvPr>
         </p:nvSpPr>
         <p:spPr>
@@ -17965,50 +17579,54 @@
           </a:prstGeom>
         </p:spPr>
         <p:txBody>
-          <a:bodyPr anchorCtr="0" anchor="b" bIns="91425" lIns="91425" spcFirstLastPara="1" rIns="91425" wrap="square" tIns="91425">
+          <a:bodyPr wrap="square" lIns="91425" tIns="91425" rIns="91425" bIns="91425" anchor="b" anchorCtr="0">
             <a:noAutofit/>
           </a:bodyPr>
           <a:lstStyle/>
           <a:p>
-            <a:pPr indent="0" lvl="0" marL="0" rtl="0" algn="ctr">
-              <a:spcBef>
-                <a:spcPts val="0"/>
-              </a:spcBef>
-              <a:spcAft>
-                <a:spcPts val="0"/>
-              </a:spcAft>
-              <a:buNone/>
-            </a:pPr>
-            <a:r>
-              <a:rPr b="1" lang="ko" sz="5500"/>
+            <a:pPr marL="0" lvl="0" indent="0" algn="ctr">
+              <a:spcBef>
+                <a:spcPct val="0"/>
+              </a:spcBef>
+              <a:spcAft>
+                <a:spcPct val="0"/>
+              </a:spcAft>
+              <a:buNone/>
+              <a:defRPr lang="ko-KR" altLang="en-US"/>
+            </a:pPr>
+            <a:r>
+              <a:rPr lang="ko" sz="5500" b="1"/>
               <a:t>Node &amp; Vue 시작하기</a:t>
             </a:r>
-            <a:endParaRPr b="1" sz="5500"/>
-          </a:p>
-          <a:p>
-            <a:pPr indent="0" lvl="0" marL="0" rtl="0" algn="ctr">
-              <a:spcBef>
-                <a:spcPts val="0"/>
-              </a:spcBef>
-              <a:spcAft>
-                <a:spcPts val="0"/>
-              </a:spcAft>
-              <a:buNone/>
+            <a:endParaRPr lang="ko" sz="5500" b="1"/>
+          </a:p>
+          <a:p>
+            <a:pPr marL="0" lvl="0" indent="0" algn="ctr">
+              <a:spcBef>
+                <a:spcPct val="0"/>
+              </a:spcBef>
+              <a:spcAft>
+                <a:spcPct val="0"/>
+              </a:spcAft>
+              <a:buNone/>
+              <a:defRPr lang="ko-KR" altLang="en-US"/>
             </a:pPr>
             <a:r>
               <a:rPr lang="ko" sz="3600"/>
               <a:t>(NodeJS, Vue.js, MySQL)</a:t>
             </a:r>
-            <a:endParaRPr sz="3600"/>
+            <a:endParaRPr lang="ko-KR" sz="3600"/>
           </a:p>
         </p:txBody>
       </p:sp>
       <p:sp>
         <p:nvSpPr>
           <p:cNvPr id="239" name="Google Shape;239;p38"/>
-          <p:cNvSpPr txBox="1"/>
+          <p:cNvSpPr txBox="1">
+            <a:spLocks noGrp="1"/>
+          </p:cNvSpPr>
           <p:nvPr>
-            <p:ph idx="1" type="subTitle"/>
+            <p:ph type="subTitle" idx="1"/>
           </p:nvPr>
         </p:nvSpPr>
         <p:spPr>
@@ -18021,25 +17639,26 @@
           </a:prstGeom>
         </p:spPr>
         <p:txBody>
-          <a:bodyPr anchorCtr="0" anchor="t" bIns="91425" lIns="91425" spcFirstLastPara="1" rIns="91425" wrap="square" tIns="91425">
+          <a:bodyPr wrap="square" lIns="91425" tIns="91425" rIns="91425" bIns="91425" anchor="t" anchorCtr="0">
             <a:noAutofit/>
           </a:bodyPr>
           <a:lstStyle/>
           <a:p>
-            <a:pPr indent="0" lvl="0" marL="0" rtl="0" algn="r">
-              <a:spcBef>
-                <a:spcPts val="0"/>
-              </a:spcBef>
-              <a:spcAft>
-                <a:spcPts val="0"/>
-              </a:spcAft>
-              <a:buNone/>
+            <a:pPr marL="0" lvl="0" indent="0" algn="r">
+              <a:spcBef>
+                <a:spcPct val="0"/>
+              </a:spcBef>
+              <a:spcAft>
+                <a:spcPct val="0"/>
+              </a:spcAft>
+              <a:buNone/>
+              <a:defRPr lang="ko-KR" altLang="en-US"/>
             </a:pPr>
             <a:r>
               <a:rPr lang="ko"/>
               <a:t>Jade</a:t>
             </a:r>
-            <a:endParaRPr/>
+            <a:endParaRPr lang="ko-KR"/>
           </a:p>
         </p:txBody>
       </p:sp>
@@ -18058,14 +17677,12 @@
             <a:avLst/>
           </a:prstGeom>
           <a:noFill/>
-          <a:ln cap="flat" cmpd="sng" w="9525">
+          <a:ln w="9525" cap="flat" cmpd="sng">
             <a:solidFill>
-              <a:srgbClr val="D9D9D9"/>
+              <a:srgbClr val="d9d9d9"/>
             </a:solidFill>
             <a:prstDash val="solid"/>
             <a:round/>
-            <a:headEnd len="med" w="med" type="none"/>
-            <a:tailEnd len="med" w="med" type="none"/>
           </a:ln>
         </p:spPr>
       </p:cxnSp>
@@ -18084,35 +17701,34 @@
             <a:avLst/>
           </a:prstGeom>
           <a:noFill/>
-          <a:ln cap="flat" cmpd="sng" w="38100">
+          <a:ln w="38100" cap="flat" cmpd="sng">
             <a:solidFill>
-              <a:srgbClr val="FFFF00"/>
+              <a:srgbClr val="ffff00"/>
             </a:solidFill>
             <a:prstDash val="solid"/>
             <a:round/>
-            <a:headEnd len="sm" w="sm" type="none"/>
-            <a:tailEnd len="sm" w="sm" type="none"/>
           </a:ln>
         </p:spPr>
         <p:txBody>
-          <a:bodyPr anchorCtr="0" anchor="ctr" bIns="91425" lIns="91425" spcFirstLastPara="1" rIns="91425" wrap="square" tIns="91425">
+          <a:bodyPr wrap="square" lIns="91425" tIns="91425" rIns="91425" bIns="91425" anchor="ctr" anchorCtr="0">
             <a:noAutofit/>
           </a:bodyPr>
           <a:lstStyle/>
           <a:p>
-            <a:pPr indent="0" lvl="0" marL="0" rtl="0" algn="ctr">
-              <a:spcBef>
-                <a:spcPts val="0"/>
-              </a:spcBef>
-              <a:spcAft>
-                <a:spcPts val="0"/>
-              </a:spcAft>
-              <a:buNone/>
-            </a:pPr>
-            <a:r>
-              <a:rPr b="1" lang="ko" sz="7200">
-                <a:solidFill>
-                  <a:srgbClr val="FFFF00"/>
+            <a:pPr marL="0" lvl="0" indent="0" algn="ctr">
+              <a:spcBef>
+                <a:spcPct val="0"/>
+              </a:spcBef>
+              <a:spcAft>
+                <a:spcPct val="0"/>
+              </a:spcAft>
+              <a:buNone/>
+              <a:defRPr lang="ko-KR" altLang="en-US"/>
+            </a:pPr>
+            <a:r>
+              <a:rPr lang="ko" sz="7200" b="1">
+                <a:solidFill>
+                  <a:srgbClr val="ffff00"/>
                 </a:solidFill>
                 <a:latin typeface="Comic Sans MS"/>
                 <a:ea typeface="Comic Sans MS"/>
@@ -18121,9 +17737,9 @@
               </a:rPr>
               <a:t>4</a:t>
             </a:r>
-            <a:endParaRPr b="1" sz="7200">
-              <a:solidFill>
-                <a:srgbClr val="FFFF00"/>
+            <a:endParaRPr lang="ko-KR" sz="7200" b="1">
+              <a:solidFill>
+                <a:srgbClr val="ffff00"/>
               </a:solidFill>
               <a:latin typeface="Comic Sans MS"/>
               <a:ea typeface="Comic Sans MS"/>
@@ -18136,9 +17752,11 @@
       <p:sp>
         <p:nvSpPr>
           <p:cNvPr id="242" name="Google Shape;242;p38"/>
-          <p:cNvSpPr txBox="1"/>
+          <p:cNvSpPr txBox="1">
+            <a:spLocks noGrp="1"/>
+          </p:cNvSpPr>
           <p:nvPr>
-            <p:ph type="ctrTitle"/>
+            <p:ph type="ctrTitle" idx="0"/>
           </p:nvPr>
         </p:nvSpPr>
         <p:spPr>
@@ -18151,31 +17769,32 @@
           </a:prstGeom>
         </p:spPr>
         <p:txBody>
-          <a:bodyPr anchorCtr="0" anchor="b" bIns="91425" lIns="91425" spcFirstLastPara="1" rIns="91425" wrap="square" tIns="91425">
+          <a:bodyPr wrap="square" lIns="91425" tIns="91425" rIns="91425" bIns="91425" anchor="b" anchorCtr="0">
             <a:noAutofit/>
           </a:bodyPr>
           <a:lstStyle/>
           <a:p>
-            <a:pPr indent="0" lvl="0" marL="0" rtl="0" algn="ctr">
-              <a:spcBef>
-                <a:spcPts val="0"/>
-              </a:spcBef>
-              <a:spcAft>
-                <a:spcPts val="0"/>
-              </a:spcAft>
-              <a:buNone/>
+            <a:pPr marL="0" lvl="0" indent="0" algn="ctr">
+              <a:spcBef>
+                <a:spcPct val="0"/>
+              </a:spcBef>
+              <a:spcAft>
+                <a:spcPct val="0"/>
+              </a:spcAft>
+              <a:buNone/>
+              <a:defRPr lang="ko-KR" altLang="en-US"/>
             </a:pPr>
             <a:r>
               <a:rPr lang="ko" sz="6000">
                 <a:solidFill>
-                  <a:srgbClr val="FF9900"/>
+                  <a:srgbClr val="ff9900"/>
                 </a:solidFill>
               </a:rPr>
               <a:t>vue.js 시작하기</a:t>
             </a:r>
-            <a:endParaRPr sz="6000">
-              <a:solidFill>
-                <a:srgbClr val="FF9900"/>
+            <a:endParaRPr lang="ko-KR" sz="6000">
+              <a:solidFill>
+                <a:srgbClr val="ff9900"/>
               </a:solidFill>
             </a:endParaRPr>
           </a:p>
@@ -18186,6 +17805,7 @@
   <p:clrMapOvr>
     <a:masterClrMapping/>
   </p:clrMapOvr>
+  <p:transition xmlns:mc="http://schemas.openxmlformats.org/markup-compatibility/2006" xmlns:hp="http://schemas.haansoft.com/office/presentation/8.0" mc:Ignorable="hp" hp:hslDur="500"/>
 </p:sld>
 </file>
 

--- a/Node & Vue 시작하기.pptx
+++ b/Node & Vue 시작하기.pptx
@@ -813,7 +813,7 @@
   <p:cSld>
     <p:spTree>
       <p:nvGrpSpPr>
-        <p:cNvPr id="305" name="Shape 305"/>
+        <p:cNvPr id="409" name="Shape 409"/>
         <p:cNvGrpSpPr/>
         <p:nvPr/>
       </p:nvGrpSpPr>
@@ -827,7 +827,7 @@
       </p:grpSpPr>
       <p:sp>
         <p:nvSpPr>
-          <p:cNvPr id="306" name="Google Shape;306;g4499e2c750_0_232:notes"/>
+          <p:cNvPr id="410" name="Google Shape;410;g4499e2c750_0_211:notes"/>
           <p:cNvSpPr/>
           <p:nvPr>
             <p:ph idx="2" type="sldImg"/>
@@ -862,7 +862,7 @@
       </p:sp>
       <p:sp>
         <p:nvSpPr>
-          <p:cNvPr id="307" name="Google Shape;307;g4499e2c750_0_232:notes"/>
+          <p:cNvPr id="411" name="Google Shape;411;g4499e2c750_0_211:notes"/>
           <p:cNvSpPr txBox="1"/>
           <p:nvPr>
             <p:ph idx="1" type="body"/>
@@ -912,7 +912,7 @@
   <p:cSld>
     <p:spTree>
       <p:nvGrpSpPr>
-        <p:cNvPr id="310" name="Shape 310"/>
+        <p:cNvPr id="415" name="Shape 415"/>
         <p:cNvGrpSpPr/>
         <p:nvPr/>
       </p:nvGrpSpPr>
@@ -926,7 +926,7 @@
       </p:grpSpPr>
       <p:sp>
         <p:nvSpPr>
-          <p:cNvPr id="311" name="Google Shape;311;g4499e2c750_0_222:notes"/>
+          <p:cNvPr id="416" name="Google Shape;416;g467b6db7c0_0_37:notes"/>
           <p:cNvSpPr/>
           <p:nvPr>
             <p:ph idx="2" type="sldImg"/>
@@ -961,7 +961,7 @@
       </p:sp>
       <p:sp>
         <p:nvSpPr>
-          <p:cNvPr id="312" name="Google Shape;312;g4499e2c750_0_222:notes"/>
+          <p:cNvPr id="417" name="Google Shape;417;g467b6db7c0_0_37:notes"/>
           <p:cNvSpPr txBox="1"/>
           <p:nvPr>
             <p:ph idx="1" type="body"/>
@@ -1006,12 +1006,12 @@
 </p:notes>
 </file>
 
-<file path=ppt/notesSlides/notesSlide12.xml><?xml version="1.0" encoding="utf-8"?>
-<p:notes xmlns:a="http://schemas.openxmlformats.org/drawingml/2006/main" xmlns:r="http://schemas.openxmlformats.org/officeDocument/2006/relationships" xmlns:mc="http://schemas.openxmlformats.org/markup-compatibility/2006" xmlns:mv="urn:schemas-microsoft-com:mac:vml" xmlns:p="http://schemas.openxmlformats.org/presentationml/2006/main" xmlns:c="http://schemas.openxmlformats.org/drawingml/2006/chart" xmlns:dgm="http://schemas.openxmlformats.org/drawingml/2006/diagram" xmlns:o="urn:schemas-microsoft-com:office:office" xmlns:v="urn:schemas-microsoft-com:vml" xmlns:pvml="urn:schemas-microsoft-com:office:powerpoint" xmlns:com="http://schemas.openxmlformats.org/drawingml/2006/compatibility" xmlns:p14="http://schemas.microsoft.com/office/powerpoint/2010/main" xmlns:p15="http://schemas.microsoft.com/office/powerpoint/2012/main" showMasterPhAnim="0" showMasterSp="0">
+<file path=ppt/notesSlides/notesSlide2.xml><?xml version="1.0" encoding="utf-8"?>
+<p:notes xmlns:r="http://schemas.openxmlformats.org/officeDocument/2006/relationships" xmlns:c="http://schemas.openxmlformats.org/drawingml/2006/chart" xmlns:a="http://schemas.openxmlformats.org/drawingml/2006/main" xmlns:dgm="http://schemas.openxmlformats.org/drawingml/2006/diagram" xmlns:dsp="http://schemas.microsoft.com/office/drawing/2008/diagram" xmlns:p="http://schemas.openxmlformats.org/presentationml/2006/main">
   <p:cSld>
     <p:spTree>
       <p:nvGrpSpPr>
-        <p:cNvPr id="321" name="Shape 321"/>
+        <p:cNvPr id="1" name=""/>
         <p:cNvGrpSpPr/>
         <p:nvPr/>
       </p:nvGrpSpPr>
@@ -1025,92 +1025,63 @@
       </p:grpSpPr>
       <p:sp>
         <p:nvSpPr>
-          <p:cNvPr id="322" name="Google Shape;322;g4563e4ce49_1_30:notes"/>
-          <p:cNvSpPr/>
+          <p:cNvPr id="2" name="Google Shape;3;n"/>
+          <p:cNvSpPr>
+            <a:spLocks noGrp="1" noRot="1" noChangeAspect="1" noTextEdit="1"/>
+          </p:cNvSpPr>
           <p:nvPr>
-            <p:ph idx="2" type="sldImg"/>
+            <p:ph type="sldImg" idx="2"/>
           </p:nvPr>
         </p:nvSpPr>
-        <p:spPr>
-          <a:xfrm>
-            <a:off x="381300" y="685800"/>
-            <a:ext cx="6096000" cy="3429000"/>
-          </a:xfrm>
-          <a:custGeom>
-            <a:rect b="b" l="l" r="r" t="t"/>
-            <a:pathLst>
-              <a:path extrusionOk="0" h="120000" w="120000">
-                <a:moveTo>
-                  <a:pt x="0" y="0"/>
-                </a:moveTo>
-                <a:lnTo>
-                  <a:pt x="120000" y="0"/>
-                </a:lnTo>
-                <a:lnTo>
-                  <a:pt x="120000" y="120000"/>
-                </a:lnTo>
-                <a:lnTo>
-                  <a:pt x="0" y="120000"/>
-                </a:lnTo>
-                <a:close/>
-              </a:path>
-            </a:pathLst>
-          </a:custGeom>
-        </p:spPr>
+        <p:spPr/>
+        <p:txBody>
+          <a:bodyPr/>
+          <a:lstStyle/>
+          <a:p>
+            <a:pPr>
+              <a:defRPr lang="ko-KR" altLang="en-US"/>
+            </a:pPr>
+            <a:endParaRPr lang="ko-KR" altLang="en-US"/>
+          </a:p>
+        </p:txBody>
       </p:sp>
       <p:sp>
         <p:nvSpPr>
-          <p:cNvPr id="323" name="Google Shape;323;g4563e4ce49_1_30:notes"/>
-          <p:cNvSpPr txBox="1"/>
+          <p:cNvPr id="3" name="Google Shape;4;n"/>
+          <p:cNvSpPr>
+            <a:spLocks noGrp="1"/>
+          </p:cNvSpPr>
           <p:nvPr>
-            <p:ph idx="1" type="body"/>
+            <p:ph type="body" idx="1"/>
           </p:nvPr>
         </p:nvSpPr>
-        <p:spPr>
-          <a:xfrm>
-            <a:off x="685800" y="4343400"/>
-            <a:ext cx="5486400" cy="4114800"/>
-          </a:xfrm>
-          <a:prstGeom prst="rect">
-            <a:avLst/>
-          </a:prstGeom>
-        </p:spPr>
+        <p:spPr/>
         <p:txBody>
-          <a:bodyPr anchorCtr="0" anchor="t" bIns="91425" lIns="91425" spcFirstLastPara="1" rIns="91425" wrap="square" tIns="91425">
-            <a:noAutofit/>
-          </a:bodyPr>
+          <a:bodyPr/>
           <a:lstStyle/>
           <a:p>
-            <a:pPr indent="0" lvl="0" marL="0" rtl="0" algn="l">
-              <a:spcBef>
-                <a:spcPts val="0"/>
-              </a:spcBef>
-              <a:spcAft>
-                <a:spcPts val="0"/>
-              </a:spcAft>
-              <a:buNone/>
-            </a:pPr>
-            <a:r>
+            <a:pPr>
+              <a:defRPr lang="ko-KR" altLang="en-US"/>
+            </a:pPr>
+            <a:r>
+              <a:rPr lang="ko-KR" altLang="en-US"/>
               <a:t/>
             </a:r>
-            <a:endParaRPr/>
+            <a:endParaRPr lang="ko-KR" altLang="en-US"/>
           </a:p>
         </p:txBody>
       </p:sp>
     </p:spTree>
   </p:cSld>
-  <p:clrMapOvr>
-    <a:masterClrMapping/>
-  </p:clrMapOvr>
 </p:notes>
 </file>
 
-<file path=ppt/notesSlides/notesSlide13.xml><?xml version="1.0" encoding="utf-8"?>
-<p:notes xmlns:a="http://schemas.openxmlformats.org/drawingml/2006/main" xmlns:r="http://schemas.openxmlformats.org/officeDocument/2006/relationships" xmlns:mc="http://schemas.openxmlformats.org/markup-compatibility/2006" xmlns:mv="urn:schemas-microsoft-com:mac:vml" xmlns:p="http://schemas.openxmlformats.org/presentationml/2006/main" xmlns:c="http://schemas.openxmlformats.org/drawingml/2006/chart" xmlns:dgm="http://schemas.openxmlformats.org/drawingml/2006/diagram" xmlns:o="urn:schemas-microsoft-com:office:office" xmlns:v="urn:schemas-microsoft-com:vml" xmlns:pvml="urn:schemas-microsoft-com:office:powerpoint" xmlns:com="http://schemas.openxmlformats.org/drawingml/2006/compatibility" xmlns:p14="http://schemas.microsoft.com/office/powerpoint/2010/main" xmlns:p15="http://schemas.microsoft.com/office/powerpoint/2012/main" showMasterPhAnim="0" showMasterSp="0">
+<file path=ppt/notesSlides/notesSlide3.xml><?xml version="1.0" encoding="utf-8"?>
+<p:notes xmlns:r="http://schemas.openxmlformats.org/officeDocument/2006/relationships" xmlns:c="http://schemas.openxmlformats.org/drawingml/2006/chart" xmlns:a="http://schemas.openxmlformats.org/drawingml/2006/main" xmlns:dgm="http://schemas.openxmlformats.org/drawingml/2006/diagram" xmlns:dsp="http://schemas.microsoft.com/office/drawing/2008/diagram" xmlns:p="http://schemas.openxmlformats.org/presentationml/2006/main">
   <p:cSld>
     <p:spTree>
       <p:nvGrpSpPr>
-        <p:cNvPr id="330" name="Shape 330"/>
+        <p:cNvPr id="1" name=""/>
         <p:cNvGrpSpPr/>
         <p:nvPr/>
       </p:nvGrpSpPr>
@@ -1124,483 +1095,58 @@
       </p:grpSpPr>
       <p:sp>
         <p:nvSpPr>
-          <p:cNvPr id="331" name="Google Shape;331;g4563e4ce49_1_10:notes"/>
-          <p:cNvSpPr/>
+          <p:cNvPr id="2" name="Google Shape;3;n"/>
+          <p:cNvSpPr>
+            <a:spLocks noGrp="1" noRot="1" noChangeAspect="1" noTextEdit="1"/>
+          </p:cNvSpPr>
           <p:nvPr>
-            <p:ph idx="2" type="sldImg"/>
+            <p:ph type="sldImg" idx="2"/>
           </p:nvPr>
         </p:nvSpPr>
-        <p:spPr>
-          <a:xfrm>
-            <a:off x="381300" y="685800"/>
-            <a:ext cx="6096000" cy="3429000"/>
-          </a:xfrm>
-          <a:custGeom>
-            <a:rect b="b" l="l" r="r" t="t"/>
-            <a:pathLst>
-              <a:path extrusionOk="0" h="120000" w="120000">
-                <a:moveTo>
-                  <a:pt x="0" y="0"/>
-                </a:moveTo>
-                <a:lnTo>
-                  <a:pt x="120000" y="0"/>
-                </a:lnTo>
-                <a:lnTo>
-                  <a:pt x="120000" y="120000"/>
-                </a:lnTo>
-                <a:lnTo>
-                  <a:pt x="0" y="120000"/>
-                </a:lnTo>
-                <a:close/>
-              </a:path>
-            </a:pathLst>
-          </a:custGeom>
-        </p:spPr>
+        <p:spPr/>
+        <p:txBody>
+          <a:bodyPr/>
+          <a:lstStyle/>
+          <a:p>
+            <a:pPr>
+              <a:defRPr lang="ko-KR" altLang="en-US"/>
+            </a:pPr>
+            <a:endParaRPr lang="en-US" altLang="ko-KR"/>
+          </a:p>
+        </p:txBody>
       </p:sp>
       <p:sp>
         <p:nvSpPr>
-          <p:cNvPr id="332" name="Google Shape;332;g4563e4ce49_1_10:notes"/>
-          <p:cNvSpPr txBox="1"/>
+          <p:cNvPr id="3" name="Google Shape;4;n"/>
+          <p:cNvSpPr>
+            <a:spLocks noGrp="1"/>
+          </p:cNvSpPr>
           <p:nvPr>
-            <p:ph idx="1" type="body"/>
+            <p:ph type="body" idx="1"/>
           </p:nvPr>
         </p:nvSpPr>
-        <p:spPr>
-          <a:xfrm>
-            <a:off x="685800" y="4343400"/>
-            <a:ext cx="5486400" cy="4114800"/>
-          </a:xfrm>
-          <a:prstGeom prst="rect">
-            <a:avLst/>
-          </a:prstGeom>
-        </p:spPr>
+        <p:spPr/>
         <p:txBody>
-          <a:bodyPr anchorCtr="0" anchor="t" bIns="91425" lIns="91425" spcFirstLastPara="1" rIns="91425" wrap="square" tIns="91425">
-            <a:noAutofit/>
-          </a:bodyPr>
+          <a:bodyPr/>
           <a:lstStyle/>
           <a:p>
-            <a:pPr indent="0" lvl="0" marL="0" rtl="0" algn="l">
-              <a:spcBef>
-                <a:spcPts val="0"/>
-              </a:spcBef>
-              <a:spcAft>
-                <a:spcPts val="0"/>
-              </a:spcAft>
-              <a:buNone/>
-            </a:pPr>
-            <a:r>
+            <a:pPr>
+              <a:defRPr lang="ko-KR" altLang="en-US"/>
+            </a:pPr>
+            <a:r>
+              <a:rPr lang="ko-KR" altLang="en-US"/>
               <a:t/>
             </a:r>
-            <a:endParaRPr/>
+            <a:endParaRPr lang="ko-KR" altLang="en-US"/>
           </a:p>
         </p:txBody>
       </p:sp>
     </p:spTree>
   </p:cSld>
-  <p:clrMapOvr>
-    <a:masterClrMapping/>
-  </p:clrMapOvr>
 </p:notes>
 </file>
 
-<file path=ppt/notesSlides/notesSlide14.xml><?xml version="1.0" encoding="utf-8"?>
-<p:notes xmlns:a="http://schemas.openxmlformats.org/drawingml/2006/main" xmlns:r="http://schemas.openxmlformats.org/officeDocument/2006/relationships" xmlns:mc="http://schemas.openxmlformats.org/markup-compatibility/2006" xmlns:mv="urn:schemas-microsoft-com:mac:vml" xmlns:p="http://schemas.openxmlformats.org/presentationml/2006/main" xmlns:c="http://schemas.openxmlformats.org/drawingml/2006/chart" xmlns:dgm="http://schemas.openxmlformats.org/drawingml/2006/diagram" xmlns:o="urn:schemas-microsoft-com:office:office" xmlns:v="urn:schemas-microsoft-com:vml" xmlns:pvml="urn:schemas-microsoft-com:office:powerpoint" xmlns:com="http://schemas.openxmlformats.org/drawingml/2006/compatibility" xmlns:p14="http://schemas.microsoft.com/office/powerpoint/2010/main" xmlns:p15="http://schemas.microsoft.com/office/powerpoint/2012/main" showMasterPhAnim="0" showMasterSp="0">
-  <p:cSld>
-    <p:spTree>
-      <p:nvGrpSpPr>
-        <p:cNvPr id="337" name="Shape 337"/>
-        <p:cNvGrpSpPr/>
-        <p:nvPr/>
-      </p:nvGrpSpPr>
-      <p:grpSpPr>
-        <a:xfrm>
-          <a:off x="0" y="0"/>
-          <a:ext cx="0" cy="0"/>
-          <a:chOff x="0" y="0"/>
-          <a:chExt cx="0" cy="0"/>
-        </a:xfrm>
-      </p:grpSpPr>
-      <p:sp>
-        <p:nvSpPr>
-          <p:cNvPr id="338" name="Google Shape;338;g4563e4ce49_1_15:notes"/>
-          <p:cNvSpPr/>
-          <p:nvPr>
-            <p:ph idx="2" type="sldImg"/>
-          </p:nvPr>
-        </p:nvSpPr>
-        <p:spPr>
-          <a:xfrm>
-            <a:off x="381300" y="685800"/>
-            <a:ext cx="6096000" cy="3429000"/>
-          </a:xfrm>
-          <a:custGeom>
-            <a:rect b="b" l="l" r="r" t="t"/>
-            <a:pathLst>
-              <a:path extrusionOk="0" h="120000" w="120000">
-                <a:moveTo>
-                  <a:pt x="0" y="0"/>
-                </a:moveTo>
-                <a:lnTo>
-                  <a:pt x="120000" y="0"/>
-                </a:lnTo>
-                <a:lnTo>
-                  <a:pt x="120000" y="120000"/>
-                </a:lnTo>
-                <a:lnTo>
-                  <a:pt x="0" y="120000"/>
-                </a:lnTo>
-                <a:close/>
-              </a:path>
-            </a:pathLst>
-          </a:custGeom>
-        </p:spPr>
-      </p:sp>
-      <p:sp>
-        <p:nvSpPr>
-          <p:cNvPr id="339" name="Google Shape;339;g4563e4ce49_1_15:notes"/>
-          <p:cNvSpPr txBox="1"/>
-          <p:nvPr>
-            <p:ph idx="1" type="body"/>
-          </p:nvPr>
-        </p:nvSpPr>
-        <p:spPr>
-          <a:xfrm>
-            <a:off x="685800" y="4343400"/>
-            <a:ext cx="5486400" cy="4114800"/>
-          </a:xfrm>
-          <a:prstGeom prst="rect">
-            <a:avLst/>
-          </a:prstGeom>
-        </p:spPr>
-        <p:txBody>
-          <a:bodyPr anchorCtr="0" anchor="t" bIns="91425" lIns="91425" spcFirstLastPara="1" rIns="91425" wrap="square" tIns="91425">
-            <a:noAutofit/>
-          </a:bodyPr>
-          <a:lstStyle/>
-          <a:p>
-            <a:pPr indent="0" lvl="0" marL="0" rtl="0" algn="l">
-              <a:spcBef>
-                <a:spcPts val="0"/>
-              </a:spcBef>
-              <a:spcAft>
-                <a:spcPts val="0"/>
-              </a:spcAft>
-              <a:buNone/>
-            </a:pPr>
-            <a:r>
-              <a:t/>
-            </a:r>
-            <a:endParaRPr/>
-          </a:p>
-        </p:txBody>
-      </p:sp>
-    </p:spTree>
-  </p:cSld>
-  <p:clrMapOvr>
-    <a:masterClrMapping/>
-  </p:clrMapOvr>
-</p:notes>
-</file>
-
-<file path=ppt/notesSlides/notesSlide15.xml><?xml version="1.0" encoding="utf-8"?>
-<p:notes xmlns:a="http://schemas.openxmlformats.org/drawingml/2006/main" xmlns:r="http://schemas.openxmlformats.org/officeDocument/2006/relationships" xmlns:mc="http://schemas.openxmlformats.org/markup-compatibility/2006" xmlns:mv="urn:schemas-microsoft-com:mac:vml" xmlns:p="http://schemas.openxmlformats.org/presentationml/2006/main" xmlns:c="http://schemas.openxmlformats.org/drawingml/2006/chart" xmlns:dgm="http://schemas.openxmlformats.org/drawingml/2006/diagram" xmlns:o="urn:schemas-microsoft-com:office:office" xmlns:v="urn:schemas-microsoft-com:vml" xmlns:pvml="urn:schemas-microsoft-com:office:powerpoint" xmlns:com="http://schemas.openxmlformats.org/drawingml/2006/compatibility" xmlns:p14="http://schemas.microsoft.com/office/powerpoint/2010/main" xmlns:p15="http://schemas.microsoft.com/office/powerpoint/2012/main" showMasterPhAnim="0" showMasterSp="0">
-  <p:cSld>
-    <p:spTree>
-      <p:nvGrpSpPr>
-        <p:cNvPr id="344" name="Shape 344"/>
-        <p:cNvGrpSpPr/>
-        <p:nvPr/>
-      </p:nvGrpSpPr>
-      <p:grpSpPr>
-        <a:xfrm>
-          <a:off x="0" y="0"/>
-          <a:ext cx="0" cy="0"/>
-          <a:chOff x="0" y="0"/>
-          <a:chExt cx="0" cy="0"/>
-        </a:xfrm>
-      </p:grpSpPr>
-      <p:sp>
-        <p:nvSpPr>
-          <p:cNvPr id="345" name="Google Shape;345;g4563e4ce49_1_20:notes"/>
-          <p:cNvSpPr/>
-          <p:nvPr>
-            <p:ph idx="2" type="sldImg"/>
-          </p:nvPr>
-        </p:nvSpPr>
-        <p:spPr>
-          <a:xfrm>
-            <a:off x="381300" y="685800"/>
-            <a:ext cx="6096000" cy="3429000"/>
-          </a:xfrm>
-          <a:custGeom>
-            <a:rect b="b" l="l" r="r" t="t"/>
-            <a:pathLst>
-              <a:path extrusionOk="0" h="120000" w="120000">
-                <a:moveTo>
-                  <a:pt x="0" y="0"/>
-                </a:moveTo>
-                <a:lnTo>
-                  <a:pt x="120000" y="0"/>
-                </a:lnTo>
-                <a:lnTo>
-                  <a:pt x="120000" y="120000"/>
-                </a:lnTo>
-                <a:lnTo>
-                  <a:pt x="0" y="120000"/>
-                </a:lnTo>
-                <a:close/>
-              </a:path>
-            </a:pathLst>
-          </a:custGeom>
-        </p:spPr>
-      </p:sp>
-      <p:sp>
-        <p:nvSpPr>
-          <p:cNvPr id="346" name="Google Shape;346;g4563e4ce49_1_20:notes"/>
-          <p:cNvSpPr txBox="1"/>
-          <p:nvPr>
-            <p:ph idx="1" type="body"/>
-          </p:nvPr>
-        </p:nvSpPr>
-        <p:spPr>
-          <a:xfrm>
-            <a:off x="685800" y="4343400"/>
-            <a:ext cx="5486400" cy="4114800"/>
-          </a:xfrm>
-          <a:prstGeom prst="rect">
-            <a:avLst/>
-          </a:prstGeom>
-        </p:spPr>
-        <p:txBody>
-          <a:bodyPr anchorCtr="0" anchor="t" bIns="91425" lIns="91425" spcFirstLastPara="1" rIns="91425" wrap="square" tIns="91425">
-            <a:noAutofit/>
-          </a:bodyPr>
-          <a:lstStyle/>
-          <a:p>
-            <a:pPr indent="0" lvl="0" marL="0" rtl="0" algn="l">
-              <a:spcBef>
-                <a:spcPts val="0"/>
-              </a:spcBef>
-              <a:spcAft>
-                <a:spcPts val="0"/>
-              </a:spcAft>
-              <a:buNone/>
-            </a:pPr>
-            <a:r>
-              <a:t/>
-            </a:r>
-            <a:endParaRPr/>
-          </a:p>
-        </p:txBody>
-      </p:sp>
-    </p:spTree>
-  </p:cSld>
-  <p:clrMapOvr>
-    <a:masterClrMapping/>
-  </p:clrMapOvr>
-</p:notes>
-</file>
-
-<file path=ppt/notesSlides/notesSlide16.xml><?xml version="1.0" encoding="utf-8"?>
-<p:notes xmlns:a="http://schemas.openxmlformats.org/drawingml/2006/main" xmlns:r="http://schemas.openxmlformats.org/officeDocument/2006/relationships" xmlns:mc="http://schemas.openxmlformats.org/markup-compatibility/2006" xmlns:mv="urn:schemas-microsoft-com:mac:vml" xmlns:p="http://schemas.openxmlformats.org/presentationml/2006/main" xmlns:c="http://schemas.openxmlformats.org/drawingml/2006/chart" xmlns:dgm="http://schemas.openxmlformats.org/drawingml/2006/diagram" xmlns:o="urn:schemas-microsoft-com:office:office" xmlns:v="urn:schemas-microsoft-com:vml" xmlns:pvml="urn:schemas-microsoft-com:office:powerpoint" xmlns:com="http://schemas.openxmlformats.org/drawingml/2006/compatibility" xmlns:p14="http://schemas.microsoft.com/office/powerpoint/2010/main" xmlns:p15="http://schemas.microsoft.com/office/powerpoint/2012/main" showMasterPhAnim="0" showMasterSp="0">
-  <p:cSld>
-    <p:spTree>
-      <p:nvGrpSpPr>
-        <p:cNvPr id="350" name="Shape 350"/>
-        <p:cNvGrpSpPr/>
-        <p:nvPr/>
-      </p:nvGrpSpPr>
-      <p:grpSpPr>
-        <a:xfrm>
-          <a:off x="0" y="0"/>
-          <a:ext cx="0" cy="0"/>
-          <a:chOff x="0" y="0"/>
-          <a:chExt cx="0" cy="0"/>
-        </a:xfrm>
-      </p:grpSpPr>
-      <p:sp>
-        <p:nvSpPr>
-          <p:cNvPr id="351" name="Google Shape;351;g4563e4ce49_1_35:notes"/>
-          <p:cNvSpPr/>
-          <p:nvPr>
-            <p:ph idx="2" type="sldImg"/>
-          </p:nvPr>
-        </p:nvSpPr>
-        <p:spPr>
-          <a:xfrm>
-            <a:off x="381300" y="685800"/>
-            <a:ext cx="6096000" cy="3429000"/>
-          </a:xfrm>
-          <a:custGeom>
-            <a:rect b="b" l="l" r="r" t="t"/>
-            <a:pathLst>
-              <a:path extrusionOk="0" h="120000" w="120000">
-                <a:moveTo>
-                  <a:pt x="0" y="0"/>
-                </a:moveTo>
-                <a:lnTo>
-                  <a:pt x="120000" y="0"/>
-                </a:lnTo>
-                <a:lnTo>
-                  <a:pt x="120000" y="120000"/>
-                </a:lnTo>
-                <a:lnTo>
-                  <a:pt x="0" y="120000"/>
-                </a:lnTo>
-                <a:close/>
-              </a:path>
-            </a:pathLst>
-          </a:custGeom>
-        </p:spPr>
-      </p:sp>
-      <p:sp>
-        <p:nvSpPr>
-          <p:cNvPr id="352" name="Google Shape;352;g4563e4ce49_1_35:notes"/>
-          <p:cNvSpPr txBox="1"/>
-          <p:nvPr>
-            <p:ph idx="1" type="body"/>
-          </p:nvPr>
-        </p:nvSpPr>
-        <p:spPr>
-          <a:xfrm>
-            <a:off x="685800" y="4343400"/>
-            <a:ext cx="5486400" cy="4114800"/>
-          </a:xfrm>
-          <a:prstGeom prst="rect">
-            <a:avLst/>
-          </a:prstGeom>
-        </p:spPr>
-        <p:txBody>
-          <a:bodyPr anchorCtr="0" anchor="t" bIns="91425" lIns="91425" spcFirstLastPara="1" rIns="91425" wrap="square" tIns="91425">
-            <a:noAutofit/>
-          </a:bodyPr>
-          <a:lstStyle/>
-          <a:p>
-            <a:pPr indent="0" lvl="0" marL="0" rtl="0" algn="l">
-              <a:spcBef>
-                <a:spcPts val="0"/>
-              </a:spcBef>
-              <a:spcAft>
-                <a:spcPts val="0"/>
-              </a:spcAft>
-              <a:buNone/>
-            </a:pPr>
-            <a:r>
-              <a:t/>
-            </a:r>
-            <a:endParaRPr/>
-          </a:p>
-        </p:txBody>
-      </p:sp>
-    </p:spTree>
-  </p:cSld>
-  <p:clrMapOvr>
-    <a:masterClrMapping/>
-  </p:clrMapOvr>
-</p:notes>
-</file>
-
-<file path=ppt/notesSlides/notesSlide17.xml><?xml version="1.0" encoding="utf-8"?>
-<p:notes xmlns:a="http://schemas.openxmlformats.org/drawingml/2006/main" xmlns:r="http://schemas.openxmlformats.org/officeDocument/2006/relationships" xmlns:mc="http://schemas.openxmlformats.org/markup-compatibility/2006" xmlns:mv="urn:schemas-microsoft-com:mac:vml" xmlns:p="http://schemas.openxmlformats.org/presentationml/2006/main" xmlns:c="http://schemas.openxmlformats.org/drawingml/2006/chart" xmlns:dgm="http://schemas.openxmlformats.org/drawingml/2006/diagram" xmlns:o="urn:schemas-microsoft-com:office:office" xmlns:v="urn:schemas-microsoft-com:vml" xmlns:pvml="urn:schemas-microsoft-com:office:powerpoint" xmlns:com="http://schemas.openxmlformats.org/drawingml/2006/compatibility" xmlns:p14="http://schemas.microsoft.com/office/powerpoint/2010/main" xmlns:p15="http://schemas.microsoft.com/office/powerpoint/2012/main" showMasterPhAnim="0" showMasterSp="0">
-  <p:cSld>
-    <p:spTree>
-      <p:nvGrpSpPr>
-        <p:cNvPr id="356" name="Shape 356"/>
-        <p:cNvGrpSpPr/>
-        <p:nvPr/>
-      </p:nvGrpSpPr>
-      <p:grpSpPr>
-        <a:xfrm>
-          <a:off x="0" y="0"/>
-          <a:ext cx="0" cy="0"/>
-          <a:chOff x="0" y="0"/>
-          <a:chExt cx="0" cy="0"/>
-        </a:xfrm>
-      </p:grpSpPr>
-      <p:sp>
-        <p:nvSpPr>
-          <p:cNvPr id="357" name="Google Shape;357;g467b6db7c0_0_0:notes"/>
-          <p:cNvSpPr/>
-          <p:nvPr>
-            <p:ph idx="2" type="sldImg"/>
-          </p:nvPr>
-        </p:nvSpPr>
-        <p:spPr>
-          <a:xfrm>
-            <a:off x="381300" y="685800"/>
-            <a:ext cx="6096000" cy="3429000"/>
-          </a:xfrm>
-          <a:custGeom>
-            <a:rect b="b" l="l" r="r" t="t"/>
-            <a:pathLst>
-              <a:path extrusionOk="0" h="120000" w="120000">
-                <a:moveTo>
-                  <a:pt x="0" y="0"/>
-                </a:moveTo>
-                <a:lnTo>
-                  <a:pt x="120000" y="0"/>
-                </a:lnTo>
-                <a:lnTo>
-                  <a:pt x="120000" y="120000"/>
-                </a:lnTo>
-                <a:lnTo>
-                  <a:pt x="0" y="120000"/>
-                </a:lnTo>
-                <a:close/>
-              </a:path>
-            </a:pathLst>
-          </a:custGeom>
-        </p:spPr>
-      </p:sp>
-      <p:sp>
-        <p:nvSpPr>
-          <p:cNvPr id="358" name="Google Shape;358;g467b6db7c0_0_0:notes"/>
-          <p:cNvSpPr txBox="1"/>
-          <p:nvPr>
-            <p:ph idx="1" type="body"/>
-          </p:nvPr>
-        </p:nvSpPr>
-        <p:spPr>
-          <a:xfrm>
-            <a:off x="685800" y="4343400"/>
-            <a:ext cx="5486400" cy="4114800"/>
-          </a:xfrm>
-          <a:prstGeom prst="rect">
-            <a:avLst/>
-          </a:prstGeom>
-        </p:spPr>
-        <p:txBody>
-          <a:bodyPr anchorCtr="0" anchor="t" bIns="91425" lIns="91425" spcFirstLastPara="1" rIns="91425" wrap="square" tIns="91425">
-            <a:noAutofit/>
-          </a:bodyPr>
-          <a:lstStyle/>
-          <a:p>
-            <a:pPr indent="0" lvl="0" marL="0" rtl="0" algn="l">
-              <a:spcBef>
-                <a:spcPts val="0"/>
-              </a:spcBef>
-              <a:spcAft>
-                <a:spcPts val="0"/>
-              </a:spcAft>
-              <a:buNone/>
-            </a:pPr>
-            <a:r>
-              <a:t/>
-            </a:r>
-            <a:endParaRPr/>
-          </a:p>
-        </p:txBody>
-      </p:sp>
-    </p:spTree>
-  </p:cSld>
-  <p:clrMapOvr>
-    <a:masterClrMapping/>
-  </p:clrMapOvr>
-</p:notes>
-</file>
-
-<file path=ppt/notesSlides/notesSlide18.xml><?xml version="1.0" encoding="utf-8"?>
+<file path=ppt/notesSlides/notesSlide4.xml><?xml version="1.0" encoding="utf-8"?>
 <p:notes xmlns:a="http://schemas.openxmlformats.org/drawingml/2006/main" xmlns:r="http://schemas.openxmlformats.org/officeDocument/2006/relationships" xmlns:mc="http://schemas.openxmlformats.org/markup-compatibility/2006" xmlns:mv="urn:schemas-microsoft-com:mac:vml" xmlns:p="http://schemas.openxmlformats.org/presentationml/2006/main" xmlns:c="http://schemas.openxmlformats.org/drawingml/2006/chart" xmlns:dgm="http://schemas.openxmlformats.org/drawingml/2006/diagram" xmlns:o="urn:schemas-microsoft-com:office:office" xmlns:v="urn:schemas-microsoft-com:vml" xmlns:pvml="urn:schemas-microsoft-com:office:powerpoint" xmlns:com="http://schemas.openxmlformats.org/drawingml/2006/compatibility" xmlns:p14="http://schemas.microsoft.com/office/powerpoint/2010/main" xmlns:p15="http://schemas.microsoft.com/office/powerpoint/2012/main" showMasterPhAnim="0" showMasterSp="0">
   <p:cSld>
     <p:spTree>
@@ -1699,7 +1245,7 @@
 </p:notes>
 </file>
 
-<file path=ppt/notesSlides/notesSlide19.xml><?xml version="1.0" encoding="utf-8"?>
+<file path=ppt/notesSlides/notesSlide5.xml><?xml version="1.0" encoding="utf-8"?>
 <p:notes xmlns:a="http://schemas.openxmlformats.org/drawingml/2006/main" xmlns:r="http://schemas.openxmlformats.org/officeDocument/2006/relationships" xmlns:mc="http://schemas.openxmlformats.org/markup-compatibility/2006" xmlns:mv="urn:schemas-microsoft-com:mac:vml" xmlns:p="http://schemas.openxmlformats.org/presentationml/2006/main" xmlns:c="http://schemas.openxmlformats.org/drawingml/2006/chart" xmlns:dgm="http://schemas.openxmlformats.org/drawingml/2006/diagram" xmlns:o="urn:schemas-microsoft-com:office:office" xmlns:v="urn:schemas-microsoft-com:vml" xmlns:pvml="urn:schemas-microsoft-com:office:powerpoint" xmlns:com="http://schemas.openxmlformats.org/drawingml/2006/compatibility" xmlns:p14="http://schemas.microsoft.com/office/powerpoint/2010/main" xmlns:p15="http://schemas.microsoft.com/office/powerpoint/2012/main" showMasterPhAnim="0" showMasterSp="0">
   <p:cSld>
     <p:spTree>
@@ -1798,106 +1344,7 @@
 </p:notes>
 </file>
 
-<file path=ppt/notesSlides/notesSlide2.xml><?xml version="1.0" encoding="utf-8"?>
-<p:notes xmlns:a="http://schemas.openxmlformats.org/drawingml/2006/main" xmlns:r="http://schemas.openxmlformats.org/officeDocument/2006/relationships" xmlns:mc="http://schemas.openxmlformats.org/markup-compatibility/2006" xmlns:mv="urn:schemas-microsoft-com:mac:vml" xmlns:p="http://schemas.openxmlformats.org/presentationml/2006/main" xmlns:c="http://schemas.openxmlformats.org/drawingml/2006/chart" xmlns:dgm="http://schemas.openxmlformats.org/drawingml/2006/diagram" xmlns:o="urn:schemas-microsoft-com:office:office" xmlns:v="urn:schemas-microsoft-com:vml" xmlns:pvml="urn:schemas-microsoft-com:office:powerpoint" xmlns:com="http://schemas.openxmlformats.org/drawingml/2006/compatibility" xmlns:p14="http://schemas.microsoft.com/office/powerpoint/2010/main" xmlns:p15="http://schemas.microsoft.com/office/powerpoint/2012/main" showMasterPhAnim="0" showMasterSp="0">
-  <p:cSld>
-    <p:spTree>
-      <p:nvGrpSpPr>
-        <p:cNvPr id="243" name="Shape 243"/>
-        <p:cNvGrpSpPr/>
-        <p:nvPr/>
-      </p:nvGrpSpPr>
-      <p:grpSpPr>
-        <a:xfrm>
-          <a:off x="0" y="0"/>
-          <a:ext cx="0" cy="0"/>
-          <a:chOff x="0" y="0"/>
-          <a:chExt cx="0" cy="0"/>
-        </a:xfrm>
-      </p:grpSpPr>
-      <p:sp>
-        <p:nvSpPr>
-          <p:cNvPr id="244" name="Google Shape;244;g4499e2c750_0_79:notes"/>
-          <p:cNvSpPr/>
-          <p:nvPr>
-            <p:ph idx="2" type="sldImg"/>
-          </p:nvPr>
-        </p:nvSpPr>
-        <p:spPr>
-          <a:xfrm>
-            <a:off x="381300" y="685800"/>
-            <a:ext cx="6096000" cy="3429000"/>
-          </a:xfrm>
-          <a:custGeom>
-            <a:rect b="b" l="l" r="r" t="t"/>
-            <a:pathLst>
-              <a:path extrusionOk="0" h="120000" w="120000">
-                <a:moveTo>
-                  <a:pt x="0" y="0"/>
-                </a:moveTo>
-                <a:lnTo>
-                  <a:pt x="120000" y="0"/>
-                </a:lnTo>
-                <a:lnTo>
-                  <a:pt x="120000" y="120000"/>
-                </a:lnTo>
-                <a:lnTo>
-                  <a:pt x="0" y="120000"/>
-                </a:lnTo>
-                <a:close/>
-              </a:path>
-            </a:pathLst>
-          </a:custGeom>
-        </p:spPr>
-      </p:sp>
-      <p:sp>
-        <p:nvSpPr>
-          <p:cNvPr id="245" name="Google Shape;245;g4499e2c750_0_79:notes"/>
-          <p:cNvSpPr txBox="1"/>
-          <p:nvPr>
-            <p:ph idx="1" type="body"/>
-          </p:nvPr>
-        </p:nvSpPr>
-        <p:spPr>
-          <a:xfrm>
-            <a:off x="685800" y="4343400"/>
-            <a:ext cx="5486400" cy="4114800"/>
-          </a:xfrm>
-          <a:prstGeom prst="rect">
-            <a:avLst/>
-          </a:prstGeom>
-        </p:spPr>
-        <p:txBody>
-          <a:bodyPr anchorCtr="0" anchor="t" bIns="91425" lIns="91425" spcFirstLastPara="1" rIns="91425" wrap="square" tIns="91425">
-            <a:noAutofit/>
-          </a:bodyPr>
-          <a:lstStyle/>
-          <a:p>
-            <a:pPr indent="0" lvl="0" marL="0" rtl="0" algn="l">
-              <a:spcBef>
-                <a:spcPts val="0"/>
-              </a:spcBef>
-              <a:spcAft>
-                <a:spcPts val="0"/>
-              </a:spcAft>
-              <a:buNone/>
-            </a:pPr>
-            <a:r>
-              <a:t/>
-            </a:r>
-            <a:endParaRPr/>
-          </a:p>
-        </p:txBody>
-      </p:sp>
-    </p:spTree>
-  </p:cSld>
-  <p:clrMapOvr>
-    <a:masterClrMapping/>
-  </p:clrMapOvr>
-</p:notes>
-</file>
-
-<file path=ppt/notesSlides/notesSlide20.xml><?xml version="1.0" encoding="utf-8"?>
+<file path=ppt/notesSlides/notesSlide6.xml><?xml version="1.0" encoding="utf-8"?>
 <p:notes xmlns:a="http://schemas.openxmlformats.org/drawingml/2006/main" xmlns:r="http://schemas.openxmlformats.org/officeDocument/2006/relationships" xmlns:mc="http://schemas.openxmlformats.org/markup-compatibility/2006" xmlns:mv="urn:schemas-microsoft-com:mac:vml" xmlns:p="http://schemas.openxmlformats.org/presentationml/2006/main" xmlns:c="http://schemas.openxmlformats.org/drawingml/2006/chart" xmlns:dgm="http://schemas.openxmlformats.org/drawingml/2006/diagram" xmlns:o="urn:schemas-microsoft-com:office:office" xmlns:v="urn:schemas-microsoft-com:vml" xmlns:pvml="urn:schemas-microsoft-com:office:powerpoint" xmlns:com="http://schemas.openxmlformats.org/drawingml/2006/compatibility" xmlns:p14="http://schemas.microsoft.com/office/powerpoint/2010/main" xmlns:p15="http://schemas.microsoft.com/office/powerpoint/2012/main" showMasterPhAnim="0" showMasterSp="0">
   <p:cSld>
     <p:spTree>
@@ -1996,7 +1443,7 @@
 </p:notes>
 </file>
 
-<file path=ppt/notesSlides/notesSlide21.xml><?xml version="1.0" encoding="utf-8"?>
+<file path=ppt/notesSlides/notesSlide7.xml><?xml version="1.0" encoding="utf-8"?>
 <p:notes xmlns:a="http://schemas.openxmlformats.org/drawingml/2006/main" xmlns:r="http://schemas.openxmlformats.org/officeDocument/2006/relationships" xmlns:mc="http://schemas.openxmlformats.org/markup-compatibility/2006" xmlns:mv="urn:schemas-microsoft-com:mac:vml" xmlns:p="http://schemas.openxmlformats.org/presentationml/2006/main" xmlns:c="http://schemas.openxmlformats.org/drawingml/2006/chart" xmlns:dgm="http://schemas.openxmlformats.org/drawingml/2006/diagram" xmlns:o="urn:schemas-microsoft-com:office:office" xmlns:v="urn:schemas-microsoft-com:vml" xmlns:pvml="urn:schemas-microsoft-com:office:powerpoint" xmlns:com="http://schemas.openxmlformats.org/drawingml/2006/compatibility" xmlns:p14="http://schemas.microsoft.com/office/powerpoint/2010/main" xmlns:p15="http://schemas.microsoft.com/office/powerpoint/2012/main" showMasterPhAnim="0" showMasterSp="0">
   <p:cSld>
     <p:spTree>
@@ -2095,7 +1542,7 @@
 </p:notes>
 </file>
 
-<file path=ppt/notesSlides/notesSlide22.xml><?xml version="1.0" encoding="utf-8"?>
+<file path=ppt/notesSlides/notesSlide8.xml><?xml version="1.0" encoding="utf-8"?>
 <p:notes xmlns:a="http://schemas.openxmlformats.org/drawingml/2006/main" xmlns:r="http://schemas.openxmlformats.org/officeDocument/2006/relationships" xmlns:mc="http://schemas.openxmlformats.org/markup-compatibility/2006" xmlns:mv="urn:schemas-microsoft-com:mac:vml" xmlns:p="http://schemas.openxmlformats.org/presentationml/2006/main" xmlns:c="http://schemas.openxmlformats.org/drawingml/2006/chart" xmlns:dgm="http://schemas.openxmlformats.org/drawingml/2006/diagram" xmlns:o="urn:schemas-microsoft-com:office:office" xmlns:v="urn:schemas-microsoft-com:vml" xmlns:pvml="urn:schemas-microsoft-com:office:powerpoint" xmlns:com="http://schemas.openxmlformats.org/drawingml/2006/compatibility" xmlns:p14="http://schemas.microsoft.com/office/powerpoint/2010/main" xmlns:p15="http://schemas.microsoft.com/office/powerpoint/2012/main" showMasterPhAnim="0" showMasterSp="0">
   <p:cSld>
     <p:spTree>
@@ -2194,7 +1641,7 @@
 </p:notes>
 </file>
 
-<file path=ppt/notesSlides/notesSlide23.xml><?xml version="1.0" encoding="utf-8"?>
+<file path=ppt/notesSlides/notesSlide9.xml><?xml version="1.0" encoding="utf-8"?>
 <p:notes xmlns:a="http://schemas.openxmlformats.org/drawingml/2006/main" xmlns:r="http://schemas.openxmlformats.org/officeDocument/2006/relationships" xmlns:mc="http://schemas.openxmlformats.org/markup-compatibility/2006" xmlns:mv="urn:schemas-microsoft-com:mac:vml" xmlns:p="http://schemas.openxmlformats.org/presentationml/2006/main" xmlns:c="http://schemas.openxmlformats.org/drawingml/2006/chart" xmlns:dgm="http://schemas.openxmlformats.org/drawingml/2006/diagram" xmlns:o="urn:schemas-microsoft-com:office:office" xmlns:v="urn:schemas-microsoft-com:vml" xmlns:pvml="urn:schemas-microsoft-com:office:powerpoint" xmlns:com="http://schemas.openxmlformats.org/drawingml/2006/compatibility" xmlns:p14="http://schemas.microsoft.com/office/powerpoint/2010/main" xmlns:p15="http://schemas.microsoft.com/office/powerpoint/2012/main" showMasterPhAnim="0" showMasterSp="0">
   <p:cSld>
     <p:spTree>
@@ -2249,897 +1696,6 @@
       <p:sp>
         <p:nvSpPr>
           <p:cNvPr id="402" name="Google Shape;402;g467b6db7c0_0_26:notes"/>
-          <p:cNvSpPr txBox="1"/>
-          <p:nvPr>
-            <p:ph idx="1" type="body"/>
-          </p:nvPr>
-        </p:nvSpPr>
-        <p:spPr>
-          <a:xfrm>
-            <a:off x="685800" y="4343400"/>
-            <a:ext cx="5486400" cy="4114800"/>
-          </a:xfrm>
-          <a:prstGeom prst="rect">
-            <a:avLst/>
-          </a:prstGeom>
-        </p:spPr>
-        <p:txBody>
-          <a:bodyPr anchorCtr="0" anchor="t" bIns="91425" lIns="91425" spcFirstLastPara="1" rIns="91425" wrap="square" tIns="91425">
-            <a:noAutofit/>
-          </a:bodyPr>
-          <a:lstStyle/>
-          <a:p>
-            <a:pPr indent="0" lvl="0" marL="0" rtl="0" algn="l">
-              <a:spcBef>
-                <a:spcPts val="0"/>
-              </a:spcBef>
-              <a:spcAft>
-                <a:spcPts val="0"/>
-              </a:spcAft>
-              <a:buNone/>
-            </a:pPr>
-            <a:r>
-              <a:t/>
-            </a:r>
-            <a:endParaRPr/>
-          </a:p>
-        </p:txBody>
-      </p:sp>
-    </p:spTree>
-  </p:cSld>
-  <p:clrMapOvr>
-    <a:masterClrMapping/>
-  </p:clrMapOvr>
-</p:notes>
-</file>
-
-<file path=ppt/notesSlides/notesSlide24.xml><?xml version="1.0" encoding="utf-8"?>
-<p:notes xmlns:a="http://schemas.openxmlformats.org/drawingml/2006/main" xmlns:r="http://schemas.openxmlformats.org/officeDocument/2006/relationships" xmlns:mc="http://schemas.openxmlformats.org/markup-compatibility/2006" xmlns:mv="urn:schemas-microsoft-com:mac:vml" xmlns:p="http://schemas.openxmlformats.org/presentationml/2006/main" xmlns:c="http://schemas.openxmlformats.org/drawingml/2006/chart" xmlns:dgm="http://schemas.openxmlformats.org/drawingml/2006/diagram" xmlns:o="urn:schemas-microsoft-com:office:office" xmlns:v="urn:schemas-microsoft-com:vml" xmlns:pvml="urn:schemas-microsoft-com:office:powerpoint" xmlns:com="http://schemas.openxmlformats.org/drawingml/2006/compatibility" xmlns:p14="http://schemas.microsoft.com/office/powerpoint/2010/main" xmlns:p15="http://schemas.microsoft.com/office/powerpoint/2012/main" showMasterPhAnim="0" showMasterSp="0">
-  <p:cSld>
-    <p:spTree>
-      <p:nvGrpSpPr>
-        <p:cNvPr id="409" name="Shape 409"/>
-        <p:cNvGrpSpPr/>
-        <p:nvPr/>
-      </p:nvGrpSpPr>
-      <p:grpSpPr>
-        <a:xfrm>
-          <a:off x="0" y="0"/>
-          <a:ext cx="0" cy="0"/>
-          <a:chOff x="0" y="0"/>
-          <a:chExt cx="0" cy="0"/>
-        </a:xfrm>
-      </p:grpSpPr>
-      <p:sp>
-        <p:nvSpPr>
-          <p:cNvPr id="410" name="Google Shape;410;g4499e2c750_0_211:notes"/>
-          <p:cNvSpPr/>
-          <p:nvPr>
-            <p:ph idx="2" type="sldImg"/>
-          </p:nvPr>
-        </p:nvSpPr>
-        <p:spPr>
-          <a:xfrm>
-            <a:off x="381300" y="685800"/>
-            <a:ext cx="6096000" cy="3429000"/>
-          </a:xfrm>
-          <a:custGeom>
-            <a:rect b="b" l="l" r="r" t="t"/>
-            <a:pathLst>
-              <a:path extrusionOk="0" h="120000" w="120000">
-                <a:moveTo>
-                  <a:pt x="0" y="0"/>
-                </a:moveTo>
-                <a:lnTo>
-                  <a:pt x="120000" y="0"/>
-                </a:lnTo>
-                <a:lnTo>
-                  <a:pt x="120000" y="120000"/>
-                </a:lnTo>
-                <a:lnTo>
-                  <a:pt x="0" y="120000"/>
-                </a:lnTo>
-                <a:close/>
-              </a:path>
-            </a:pathLst>
-          </a:custGeom>
-        </p:spPr>
-      </p:sp>
-      <p:sp>
-        <p:nvSpPr>
-          <p:cNvPr id="411" name="Google Shape;411;g4499e2c750_0_211:notes"/>
-          <p:cNvSpPr txBox="1"/>
-          <p:nvPr>
-            <p:ph idx="1" type="body"/>
-          </p:nvPr>
-        </p:nvSpPr>
-        <p:spPr>
-          <a:xfrm>
-            <a:off x="685800" y="4343400"/>
-            <a:ext cx="5486400" cy="4114800"/>
-          </a:xfrm>
-          <a:prstGeom prst="rect">
-            <a:avLst/>
-          </a:prstGeom>
-        </p:spPr>
-        <p:txBody>
-          <a:bodyPr anchorCtr="0" anchor="t" bIns="91425" lIns="91425" spcFirstLastPara="1" rIns="91425" wrap="square" tIns="91425">
-            <a:noAutofit/>
-          </a:bodyPr>
-          <a:lstStyle/>
-          <a:p>
-            <a:pPr indent="0" lvl="0" marL="0" rtl="0" algn="l">
-              <a:spcBef>
-                <a:spcPts val="0"/>
-              </a:spcBef>
-              <a:spcAft>
-                <a:spcPts val="0"/>
-              </a:spcAft>
-              <a:buNone/>
-            </a:pPr>
-            <a:r>
-              <a:t/>
-            </a:r>
-            <a:endParaRPr/>
-          </a:p>
-        </p:txBody>
-      </p:sp>
-    </p:spTree>
-  </p:cSld>
-  <p:clrMapOvr>
-    <a:masterClrMapping/>
-  </p:clrMapOvr>
-</p:notes>
-</file>
-
-<file path=ppt/notesSlides/notesSlide25.xml><?xml version="1.0" encoding="utf-8"?>
-<p:notes xmlns:a="http://schemas.openxmlformats.org/drawingml/2006/main" xmlns:r="http://schemas.openxmlformats.org/officeDocument/2006/relationships" xmlns:mc="http://schemas.openxmlformats.org/markup-compatibility/2006" xmlns:mv="urn:schemas-microsoft-com:mac:vml" xmlns:p="http://schemas.openxmlformats.org/presentationml/2006/main" xmlns:c="http://schemas.openxmlformats.org/drawingml/2006/chart" xmlns:dgm="http://schemas.openxmlformats.org/drawingml/2006/diagram" xmlns:o="urn:schemas-microsoft-com:office:office" xmlns:v="urn:schemas-microsoft-com:vml" xmlns:pvml="urn:schemas-microsoft-com:office:powerpoint" xmlns:com="http://schemas.openxmlformats.org/drawingml/2006/compatibility" xmlns:p14="http://schemas.microsoft.com/office/powerpoint/2010/main" xmlns:p15="http://schemas.microsoft.com/office/powerpoint/2012/main" showMasterPhAnim="0" showMasterSp="0">
-  <p:cSld>
-    <p:spTree>
-      <p:nvGrpSpPr>
-        <p:cNvPr id="415" name="Shape 415"/>
-        <p:cNvGrpSpPr/>
-        <p:nvPr/>
-      </p:nvGrpSpPr>
-      <p:grpSpPr>
-        <a:xfrm>
-          <a:off x="0" y="0"/>
-          <a:ext cx="0" cy="0"/>
-          <a:chOff x="0" y="0"/>
-          <a:chExt cx="0" cy="0"/>
-        </a:xfrm>
-      </p:grpSpPr>
-      <p:sp>
-        <p:nvSpPr>
-          <p:cNvPr id="416" name="Google Shape;416;g467b6db7c0_0_37:notes"/>
-          <p:cNvSpPr/>
-          <p:nvPr>
-            <p:ph idx="2" type="sldImg"/>
-          </p:nvPr>
-        </p:nvSpPr>
-        <p:spPr>
-          <a:xfrm>
-            <a:off x="381300" y="685800"/>
-            <a:ext cx="6096000" cy="3429000"/>
-          </a:xfrm>
-          <a:custGeom>
-            <a:rect b="b" l="l" r="r" t="t"/>
-            <a:pathLst>
-              <a:path extrusionOk="0" h="120000" w="120000">
-                <a:moveTo>
-                  <a:pt x="0" y="0"/>
-                </a:moveTo>
-                <a:lnTo>
-                  <a:pt x="120000" y="0"/>
-                </a:lnTo>
-                <a:lnTo>
-                  <a:pt x="120000" y="120000"/>
-                </a:lnTo>
-                <a:lnTo>
-                  <a:pt x="0" y="120000"/>
-                </a:lnTo>
-                <a:close/>
-              </a:path>
-            </a:pathLst>
-          </a:custGeom>
-        </p:spPr>
-      </p:sp>
-      <p:sp>
-        <p:nvSpPr>
-          <p:cNvPr id="417" name="Google Shape;417;g467b6db7c0_0_37:notes"/>
-          <p:cNvSpPr txBox="1"/>
-          <p:nvPr>
-            <p:ph idx="1" type="body"/>
-          </p:nvPr>
-        </p:nvSpPr>
-        <p:spPr>
-          <a:xfrm>
-            <a:off x="685800" y="4343400"/>
-            <a:ext cx="5486400" cy="4114800"/>
-          </a:xfrm>
-          <a:prstGeom prst="rect">
-            <a:avLst/>
-          </a:prstGeom>
-        </p:spPr>
-        <p:txBody>
-          <a:bodyPr anchorCtr="0" anchor="t" bIns="91425" lIns="91425" spcFirstLastPara="1" rIns="91425" wrap="square" tIns="91425">
-            <a:noAutofit/>
-          </a:bodyPr>
-          <a:lstStyle/>
-          <a:p>
-            <a:pPr indent="0" lvl="0" marL="0" rtl="0" algn="l">
-              <a:spcBef>
-                <a:spcPts val="0"/>
-              </a:spcBef>
-              <a:spcAft>
-                <a:spcPts val="0"/>
-              </a:spcAft>
-              <a:buNone/>
-            </a:pPr>
-            <a:r>
-              <a:t/>
-            </a:r>
-            <a:endParaRPr/>
-          </a:p>
-        </p:txBody>
-      </p:sp>
-    </p:spTree>
-  </p:cSld>
-  <p:clrMapOvr>
-    <a:masterClrMapping/>
-  </p:clrMapOvr>
-</p:notes>
-</file>
-
-<file path=ppt/notesSlides/notesSlide3.xml><?xml version="1.0" encoding="utf-8"?>
-<p:notes xmlns:a="http://schemas.openxmlformats.org/drawingml/2006/main" xmlns:r="http://schemas.openxmlformats.org/officeDocument/2006/relationships" xmlns:mc="http://schemas.openxmlformats.org/markup-compatibility/2006" xmlns:mv="urn:schemas-microsoft-com:mac:vml" xmlns:p="http://schemas.openxmlformats.org/presentationml/2006/main" xmlns:c="http://schemas.openxmlformats.org/drawingml/2006/chart" xmlns:dgm="http://schemas.openxmlformats.org/drawingml/2006/diagram" xmlns:o="urn:schemas-microsoft-com:office:office" xmlns:v="urn:schemas-microsoft-com:vml" xmlns:pvml="urn:schemas-microsoft-com:office:powerpoint" xmlns:com="http://schemas.openxmlformats.org/drawingml/2006/compatibility" xmlns:p14="http://schemas.microsoft.com/office/powerpoint/2010/main" xmlns:p15="http://schemas.microsoft.com/office/powerpoint/2012/main" showMasterPhAnim="0" showMasterSp="0">
-  <p:cSld>
-    <p:spTree>
-      <p:nvGrpSpPr>
-        <p:cNvPr id="251" name="Shape 251"/>
-        <p:cNvGrpSpPr/>
-        <p:nvPr/>
-      </p:nvGrpSpPr>
-      <p:grpSpPr>
-        <a:xfrm>
-          <a:off x="0" y="0"/>
-          <a:ext cx="0" cy="0"/>
-          <a:chOff x="0" y="0"/>
-          <a:chExt cx="0" cy="0"/>
-        </a:xfrm>
-      </p:grpSpPr>
-      <p:sp>
-        <p:nvSpPr>
-          <p:cNvPr id="252" name="Google Shape;252;g4499e2c750_0_167:notes"/>
-          <p:cNvSpPr/>
-          <p:nvPr>
-            <p:ph idx="2" type="sldImg"/>
-          </p:nvPr>
-        </p:nvSpPr>
-        <p:spPr>
-          <a:xfrm>
-            <a:off x="381300" y="685800"/>
-            <a:ext cx="6096000" cy="3429000"/>
-          </a:xfrm>
-          <a:custGeom>
-            <a:rect b="b" l="l" r="r" t="t"/>
-            <a:pathLst>
-              <a:path extrusionOk="0" h="120000" w="120000">
-                <a:moveTo>
-                  <a:pt x="0" y="0"/>
-                </a:moveTo>
-                <a:lnTo>
-                  <a:pt x="120000" y="0"/>
-                </a:lnTo>
-                <a:lnTo>
-                  <a:pt x="120000" y="120000"/>
-                </a:lnTo>
-                <a:lnTo>
-                  <a:pt x="0" y="120000"/>
-                </a:lnTo>
-                <a:close/>
-              </a:path>
-            </a:pathLst>
-          </a:custGeom>
-        </p:spPr>
-      </p:sp>
-      <p:sp>
-        <p:nvSpPr>
-          <p:cNvPr id="253" name="Google Shape;253;g4499e2c750_0_167:notes"/>
-          <p:cNvSpPr txBox="1"/>
-          <p:nvPr>
-            <p:ph idx="1" type="body"/>
-          </p:nvPr>
-        </p:nvSpPr>
-        <p:spPr>
-          <a:xfrm>
-            <a:off x="685800" y="4343400"/>
-            <a:ext cx="5486400" cy="4114800"/>
-          </a:xfrm>
-          <a:prstGeom prst="rect">
-            <a:avLst/>
-          </a:prstGeom>
-        </p:spPr>
-        <p:txBody>
-          <a:bodyPr anchorCtr="0" anchor="t" bIns="91425" lIns="91425" spcFirstLastPara="1" rIns="91425" wrap="square" tIns="91425">
-            <a:noAutofit/>
-          </a:bodyPr>
-          <a:lstStyle/>
-          <a:p>
-            <a:pPr indent="0" lvl="0" marL="0" rtl="0" algn="l">
-              <a:spcBef>
-                <a:spcPts val="0"/>
-              </a:spcBef>
-              <a:spcAft>
-                <a:spcPts val="0"/>
-              </a:spcAft>
-              <a:buNone/>
-            </a:pPr>
-            <a:r>
-              <a:t/>
-            </a:r>
-            <a:endParaRPr/>
-          </a:p>
-        </p:txBody>
-      </p:sp>
-    </p:spTree>
-  </p:cSld>
-  <p:clrMapOvr>
-    <a:masterClrMapping/>
-  </p:clrMapOvr>
-</p:notes>
-</file>
-
-<file path=ppt/notesSlides/notesSlide4.xml><?xml version="1.0" encoding="utf-8"?>
-<p:notes xmlns:a="http://schemas.openxmlformats.org/drawingml/2006/main" xmlns:r="http://schemas.openxmlformats.org/officeDocument/2006/relationships" xmlns:mc="http://schemas.openxmlformats.org/markup-compatibility/2006" xmlns:mv="urn:schemas-microsoft-com:mac:vml" xmlns:p="http://schemas.openxmlformats.org/presentationml/2006/main" xmlns:c="http://schemas.openxmlformats.org/drawingml/2006/chart" xmlns:dgm="http://schemas.openxmlformats.org/drawingml/2006/diagram" xmlns:o="urn:schemas-microsoft-com:office:office" xmlns:v="urn:schemas-microsoft-com:vml" xmlns:pvml="urn:schemas-microsoft-com:office:powerpoint" xmlns:com="http://schemas.openxmlformats.org/drawingml/2006/compatibility" xmlns:p14="http://schemas.microsoft.com/office/powerpoint/2010/main" xmlns:p15="http://schemas.microsoft.com/office/powerpoint/2012/main" showMasterPhAnim="0" showMasterSp="0">
-  <p:cSld>
-    <p:spTree>
-      <p:nvGrpSpPr>
-        <p:cNvPr id="258" name="Shape 258"/>
-        <p:cNvGrpSpPr/>
-        <p:nvPr/>
-      </p:nvGrpSpPr>
-      <p:grpSpPr>
-        <a:xfrm>
-          <a:off x="0" y="0"/>
-          <a:ext cx="0" cy="0"/>
-          <a:chOff x="0" y="0"/>
-          <a:chExt cx="0" cy="0"/>
-        </a:xfrm>
-      </p:grpSpPr>
-      <p:sp>
-        <p:nvSpPr>
-          <p:cNvPr id="259" name="Google Shape;259;g4499e2c750_0_182:notes"/>
-          <p:cNvSpPr/>
-          <p:nvPr>
-            <p:ph idx="2" type="sldImg"/>
-          </p:nvPr>
-        </p:nvSpPr>
-        <p:spPr>
-          <a:xfrm>
-            <a:off x="381300" y="685800"/>
-            <a:ext cx="6096000" cy="3429000"/>
-          </a:xfrm>
-          <a:custGeom>
-            <a:rect b="b" l="l" r="r" t="t"/>
-            <a:pathLst>
-              <a:path extrusionOk="0" h="120000" w="120000">
-                <a:moveTo>
-                  <a:pt x="0" y="0"/>
-                </a:moveTo>
-                <a:lnTo>
-                  <a:pt x="120000" y="0"/>
-                </a:lnTo>
-                <a:lnTo>
-                  <a:pt x="120000" y="120000"/>
-                </a:lnTo>
-                <a:lnTo>
-                  <a:pt x="0" y="120000"/>
-                </a:lnTo>
-                <a:close/>
-              </a:path>
-            </a:pathLst>
-          </a:custGeom>
-        </p:spPr>
-      </p:sp>
-      <p:sp>
-        <p:nvSpPr>
-          <p:cNvPr id="260" name="Google Shape;260;g4499e2c750_0_182:notes"/>
-          <p:cNvSpPr txBox="1"/>
-          <p:nvPr>
-            <p:ph idx="1" type="body"/>
-          </p:nvPr>
-        </p:nvSpPr>
-        <p:spPr>
-          <a:xfrm>
-            <a:off x="685800" y="4343400"/>
-            <a:ext cx="5486400" cy="4114800"/>
-          </a:xfrm>
-          <a:prstGeom prst="rect">
-            <a:avLst/>
-          </a:prstGeom>
-        </p:spPr>
-        <p:txBody>
-          <a:bodyPr anchorCtr="0" anchor="t" bIns="91425" lIns="91425" spcFirstLastPara="1" rIns="91425" wrap="square" tIns="91425">
-            <a:noAutofit/>
-          </a:bodyPr>
-          <a:lstStyle/>
-          <a:p>
-            <a:pPr indent="0" lvl="0" marL="0" rtl="0" algn="l">
-              <a:spcBef>
-                <a:spcPts val="0"/>
-              </a:spcBef>
-              <a:spcAft>
-                <a:spcPts val="0"/>
-              </a:spcAft>
-              <a:buNone/>
-            </a:pPr>
-            <a:r>
-              <a:t/>
-            </a:r>
-            <a:endParaRPr/>
-          </a:p>
-        </p:txBody>
-      </p:sp>
-    </p:spTree>
-  </p:cSld>
-  <p:clrMapOvr>
-    <a:masterClrMapping/>
-  </p:clrMapOvr>
-</p:notes>
-</file>
-
-<file path=ppt/notesSlides/notesSlide5.xml><?xml version="1.0" encoding="utf-8"?>
-<p:notes xmlns:a="http://schemas.openxmlformats.org/drawingml/2006/main" xmlns:r="http://schemas.openxmlformats.org/officeDocument/2006/relationships" xmlns:mc="http://schemas.openxmlformats.org/markup-compatibility/2006" xmlns:mv="urn:schemas-microsoft-com:mac:vml" xmlns:p="http://schemas.openxmlformats.org/presentationml/2006/main" xmlns:c="http://schemas.openxmlformats.org/drawingml/2006/chart" xmlns:dgm="http://schemas.openxmlformats.org/drawingml/2006/diagram" xmlns:o="urn:schemas-microsoft-com:office:office" xmlns:v="urn:schemas-microsoft-com:vml" xmlns:pvml="urn:schemas-microsoft-com:office:powerpoint" xmlns:com="http://schemas.openxmlformats.org/drawingml/2006/compatibility" xmlns:p14="http://schemas.microsoft.com/office/powerpoint/2010/main" xmlns:p15="http://schemas.microsoft.com/office/powerpoint/2012/main" showMasterPhAnim="0" showMasterSp="0">
-  <p:cSld>
-    <p:spTree>
-      <p:nvGrpSpPr>
-        <p:cNvPr id="265" name="Shape 265"/>
-        <p:cNvGrpSpPr/>
-        <p:nvPr/>
-      </p:nvGrpSpPr>
-      <p:grpSpPr>
-        <a:xfrm>
-          <a:off x="0" y="0"/>
-          <a:ext cx="0" cy="0"/>
-          <a:chOff x="0" y="0"/>
-          <a:chExt cx="0" cy="0"/>
-        </a:xfrm>
-      </p:grpSpPr>
-      <p:sp>
-        <p:nvSpPr>
-          <p:cNvPr id="266" name="Google Shape;266;g4499e2c750_0_173:notes"/>
-          <p:cNvSpPr/>
-          <p:nvPr>
-            <p:ph idx="2" type="sldImg"/>
-          </p:nvPr>
-        </p:nvSpPr>
-        <p:spPr>
-          <a:xfrm>
-            <a:off x="381300" y="685800"/>
-            <a:ext cx="6096000" cy="3429000"/>
-          </a:xfrm>
-          <a:custGeom>
-            <a:rect b="b" l="l" r="r" t="t"/>
-            <a:pathLst>
-              <a:path extrusionOk="0" h="120000" w="120000">
-                <a:moveTo>
-                  <a:pt x="0" y="0"/>
-                </a:moveTo>
-                <a:lnTo>
-                  <a:pt x="120000" y="0"/>
-                </a:lnTo>
-                <a:lnTo>
-                  <a:pt x="120000" y="120000"/>
-                </a:lnTo>
-                <a:lnTo>
-                  <a:pt x="0" y="120000"/>
-                </a:lnTo>
-                <a:close/>
-              </a:path>
-            </a:pathLst>
-          </a:custGeom>
-        </p:spPr>
-      </p:sp>
-      <p:sp>
-        <p:nvSpPr>
-          <p:cNvPr id="267" name="Google Shape;267;g4499e2c750_0_173:notes"/>
-          <p:cNvSpPr txBox="1"/>
-          <p:nvPr>
-            <p:ph idx="1" type="body"/>
-          </p:nvPr>
-        </p:nvSpPr>
-        <p:spPr>
-          <a:xfrm>
-            <a:off x="685800" y="4343400"/>
-            <a:ext cx="5486400" cy="4114800"/>
-          </a:xfrm>
-          <a:prstGeom prst="rect">
-            <a:avLst/>
-          </a:prstGeom>
-        </p:spPr>
-        <p:txBody>
-          <a:bodyPr anchorCtr="0" anchor="t" bIns="91425" lIns="91425" spcFirstLastPara="1" rIns="91425" wrap="square" tIns="91425">
-            <a:noAutofit/>
-          </a:bodyPr>
-          <a:lstStyle/>
-          <a:p>
-            <a:pPr indent="0" lvl="0" marL="0" rtl="0" algn="l">
-              <a:spcBef>
-                <a:spcPts val="0"/>
-              </a:spcBef>
-              <a:spcAft>
-                <a:spcPts val="0"/>
-              </a:spcAft>
-              <a:buNone/>
-            </a:pPr>
-            <a:r>
-              <a:t/>
-            </a:r>
-            <a:endParaRPr/>
-          </a:p>
-        </p:txBody>
-      </p:sp>
-    </p:spTree>
-  </p:cSld>
-  <p:clrMapOvr>
-    <a:masterClrMapping/>
-  </p:clrMapOvr>
-</p:notes>
-</file>
-
-<file path=ppt/notesSlides/notesSlide6.xml><?xml version="1.0" encoding="utf-8"?>
-<p:notes xmlns:a="http://schemas.openxmlformats.org/drawingml/2006/main" xmlns:r="http://schemas.openxmlformats.org/officeDocument/2006/relationships" xmlns:mc="http://schemas.openxmlformats.org/markup-compatibility/2006" xmlns:mv="urn:schemas-microsoft-com:mac:vml" xmlns:p="http://schemas.openxmlformats.org/presentationml/2006/main" xmlns:c="http://schemas.openxmlformats.org/drawingml/2006/chart" xmlns:dgm="http://schemas.openxmlformats.org/drawingml/2006/diagram" xmlns:o="urn:schemas-microsoft-com:office:office" xmlns:v="urn:schemas-microsoft-com:vml" xmlns:pvml="urn:schemas-microsoft-com:office:powerpoint" xmlns:com="http://schemas.openxmlformats.org/drawingml/2006/compatibility" xmlns:p14="http://schemas.microsoft.com/office/powerpoint/2010/main" xmlns:p15="http://schemas.microsoft.com/office/powerpoint/2012/main" showMasterPhAnim="0" showMasterSp="0">
-  <p:cSld>
-    <p:spTree>
-      <p:nvGrpSpPr>
-        <p:cNvPr id="271" name="Shape 271"/>
-        <p:cNvGrpSpPr/>
-        <p:nvPr/>
-      </p:nvGrpSpPr>
-      <p:grpSpPr>
-        <a:xfrm>
-          <a:off x="0" y="0"/>
-          <a:ext cx="0" cy="0"/>
-          <a:chOff x="0" y="0"/>
-          <a:chExt cx="0" cy="0"/>
-        </a:xfrm>
-      </p:grpSpPr>
-      <p:sp>
-        <p:nvSpPr>
-          <p:cNvPr id="272" name="Google Shape;272;g4499e2c750_0_190:notes"/>
-          <p:cNvSpPr/>
-          <p:nvPr>
-            <p:ph idx="2" type="sldImg"/>
-          </p:nvPr>
-        </p:nvSpPr>
-        <p:spPr>
-          <a:xfrm>
-            <a:off x="381300" y="685800"/>
-            <a:ext cx="6096000" cy="3429000"/>
-          </a:xfrm>
-          <a:custGeom>
-            <a:rect b="b" l="l" r="r" t="t"/>
-            <a:pathLst>
-              <a:path extrusionOk="0" h="120000" w="120000">
-                <a:moveTo>
-                  <a:pt x="0" y="0"/>
-                </a:moveTo>
-                <a:lnTo>
-                  <a:pt x="120000" y="0"/>
-                </a:lnTo>
-                <a:lnTo>
-                  <a:pt x="120000" y="120000"/>
-                </a:lnTo>
-                <a:lnTo>
-                  <a:pt x="0" y="120000"/>
-                </a:lnTo>
-                <a:close/>
-              </a:path>
-            </a:pathLst>
-          </a:custGeom>
-        </p:spPr>
-      </p:sp>
-      <p:sp>
-        <p:nvSpPr>
-          <p:cNvPr id="273" name="Google Shape;273;g4499e2c750_0_190:notes"/>
-          <p:cNvSpPr txBox="1"/>
-          <p:nvPr>
-            <p:ph idx="1" type="body"/>
-          </p:nvPr>
-        </p:nvSpPr>
-        <p:spPr>
-          <a:xfrm>
-            <a:off x="685800" y="4343400"/>
-            <a:ext cx="5486400" cy="4114800"/>
-          </a:xfrm>
-          <a:prstGeom prst="rect">
-            <a:avLst/>
-          </a:prstGeom>
-        </p:spPr>
-        <p:txBody>
-          <a:bodyPr anchorCtr="0" anchor="t" bIns="91425" lIns="91425" spcFirstLastPara="1" rIns="91425" wrap="square" tIns="91425">
-            <a:noAutofit/>
-          </a:bodyPr>
-          <a:lstStyle/>
-          <a:p>
-            <a:pPr indent="0" lvl="0" marL="0" rtl="0" algn="l">
-              <a:spcBef>
-                <a:spcPts val="0"/>
-              </a:spcBef>
-              <a:spcAft>
-                <a:spcPts val="0"/>
-              </a:spcAft>
-              <a:buNone/>
-            </a:pPr>
-            <a:r>
-              <a:t/>
-            </a:r>
-            <a:endParaRPr/>
-          </a:p>
-        </p:txBody>
-      </p:sp>
-    </p:spTree>
-  </p:cSld>
-  <p:clrMapOvr>
-    <a:masterClrMapping/>
-  </p:clrMapOvr>
-</p:notes>
-</file>
-
-<file path=ppt/notesSlides/notesSlide7.xml><?xml version="1.0" encoding="utf-8"?>
-<p:notes xmlns:a="http://schemas.openxmlformats.org/drawingml/2006/main" xmlns:r="http://schemas.openxmlformats.org/officeDocument/2006/relationships" xmlns:mc="http://schemas.openxmlformats.org/markup-compatibility/2006" xmlns:mv="urn:schemas-microsoft-com:mac:vml" xmlns:p="http://schemas.openxmlformats.org/presentationml/2006/main" xmlns:c="http://schemas.openxmlformats.org/drawingml/2006/chart" xmlns:dgm="http://schemas.openxmlformats.org/drawingml/2006/diagram" xmlns:o="urn:schemas-microsoft-com:office:office" xmlns:v="urn:schemas-microsoft-com:vml" xmlns:pvml="urn:schemas-microsoft-com:office:powerpoint" xmlns:com="http://schemas.openxmlformats.org/drawingml/2006/compatibility" xmlns:p14="http://schemas.microsoft.com/office/powerpoint/2010/main" xmlns:p15="http://schemas.microsoft.com/office/powerpoint/2012/main" showMasterPhAnim="0" showMasterSp="0">
-  <p:cSld>
-    <p:spTree>
-      <p:nvGrpSpPr>
-        <p:cNvPr id="279" name="Shape 279"/>
-        <p:cNvGrpSpPr/>
-        <p:nvPr/>
-      </p:nvGrpSpPr>
-      <p:grpSpPr>
-        <a:xfrm>
-          <a:off x="0" y="0"/>
-          <a:ext cx="0" cy="0"/>
-          <a:chOff x="0" y="0"/>
-          <a:chExt cx="0" cy="0"/>
-        </a:xfrm>
-      </p:grpSpPr>
-      <p:sp>
-        <p:nvSpPr>
-          <p:cNvPr id="280" name="Google Shape;280;g4499e2c750_0_74:notes"/>
-          <p:cNvSpPr/>
-          <p:nvPr>
-            <p:ph idx="2" type="sldImg"/>
-          </p:nvPr>
-        </p:nvSpPr>
-        <p:spPr>
-          <a:xfrm>
-            <a:off x="381300" y="685800"/>
-            <a:ext cx="6096000" cy="3429000"/>
-          </a:xfrm>
-          <a:custGeom>
-            <a:rect b="b" l="l" r="r" t="t"/>
-            <a:pathLst>
-              <a:path extrusionOk="0" h="120000" w="120000">
-                <a:moveTo>
-                  <a:pt x="0" y="0"/>
-                </a:moveTo>
-                <a:lnTo>
-                  <a:pt x="120000" y="0"/>
-                </a:lnTo>
-                <a:lnTo>
-                  <a:pt x="120000" y="120000"/>
-                </a:lnTo>
-                <a:lnTo>
-                  <a:pt x="0" y="120000"/>
-                </a:lnTo>
-                <a:close/>
-              </a:path>
-            </a:pathLst>
-          </a:custGeom>
-        </p:spPr>
-      </p:sp>
-      <p:sp>
-        <p:nvSpPr>
-          <p:cNvPr id="281" name="Google Shape;281;g4499e2c750_0_74:notes"/>
-          <p:cNvSpPr txBox="1"/>
-          <p:nvPr>
-            <p:ph idx="1" type="body"/>
-          </p:nvPr>
-        </p:nvSpPr>
-        <p:spPr>
-          <a:xfrm>
-            <a:off x="685800" y="4343400"/>
-            <a:ext cx="5486400" cy="4114800"/>
-          </a:xfrm>
-          <a:prstGeom prst="rect">
-            <a:avLst/>
-          </a:prstGeom>
-        </p:spPr>
-        <p:txBody>
-          <a:bodyPr anchorCtr="0" anchor="t" bIns="91425" lIns="91425" spcFirstLastPara="1" rIns="91425" wrap="square" tIns="91425">
-            <a:noAutofit/>
-          </a:bodyPr>
-          <a:lstStyle/>
-          <a:p>
-            <a:pPr indent="0" lvl="0" marL="0" rtl="0" algn="l">
-              <a:spcBef>
-                <a:spcPts val="0"/>
-              </a:spcBef>
-              <a:spcAft>
-                <a:spcPts val="0"/>
-              </a:spcAft>
-              <a:buNone/>
-            </a:pPr>
-            <a:r>
-              <a:t/>
-            </a:r>
-            <a:endParaRPr/>
-          </a:p>
-        </p:txBody>
-      </p:sp>
-    </p:spTree>
-  </p:cSld>
-  <p:clrMapOvr>
-    <a:masterClrMapping/>
-  </p:clrMapOvr>
-</p:notes>
-</file>
-
-<file path=ppt/notesSlides/notesSlide8.xml><?xml version="1.0" encoding="utf-8"?>
-<p:notes xmlns:a="http://schemas.openxmlformats.org/drawingml/2006/main" xmlns:r="http://schemas.openxmlformats.org/officeDocument/2006/relationships" xmlns:mc="http://schemas.openxmlformats.org/markup-compatibility/2006" xmlns:mv="urn:schemas-microsoft-com:mac:vml" xmlns:p="http://schemas.openxmlformats.org/presentationml/2006/main" xmlns:c="http://schemas.openxmlformats.org/drawingml/2006/chart" xmlns:dgm="http://schemas.openxmlformats.org/drawingml/2006/diagram" xmlns:o="urn:schemas-microsoft-com:office:office" xmlns:v="urn:schemas-microsoft-com:vml" xmlns:pvml="urn:schemas-microsoft-com:office:powerpoint" xmlns:com="http://schemas.openxmlformats.org/drawingml/2006/compatibility" xmlns:p14="http://schemas.microsoft.com/office/powerpoint/2010/main" xmlns:p15="http://schemas.microsoft.com/office/powerpoint/2012/main" showMasterPhAnim="0" showMasterSp="0">
-  <p:cSld>
-    <p:spTree>
-      <p:nvGrpSpPr>
-        <p:cNvPr id="288" name="Shape 288"/>
-        <p:cNvGrpSpPr/>
-        <p:nvPr/>
-      </p:nvGrpSpPr>
-      <p:grpSpPr>
-        <a:xfrm>
-          <a:off x="0" y="0"/>
-          <a:ext cx="0" cy="0"/>
-          <a:chOff x="0" y="0"/>
-          <a:chExt cx="0" cy="0"/>
-        </a:xfrm>
-      </p:grpSpPr>
-      <p:sp>
-        <p:nvSpPr>
-          <p:cNvPr id="289" name="Google Shape;289;g4499e2c750_0_88:notes"/>
-          <p:cNvSpPr/>
-          <p:nvPr>
-            <p:ph idx="2" type="sldImg"/>
-          </p:nvPr>
-        </p:nvSpPr>
-        <p:spPr>
-          <a:xfrm>
-            <a:off x="381300" y="685800"/>
-            <a:ext cx="6096000" cy="3429000"/>
-          </a:xfrm>
-          <a:custGeom>
-            <a:rect b="b" l="l" r="r" t="t"/>
-            <a:pathLst>
-              <a:path extrusionOk="0" h="120000" w="120000">
-                <a:moveTo>
-                  <a:pt x="0" y="0"/>
-                </a:moveTo>
-                <a:lnTo>
-                  <a:pt x="120000" y="0"/>
-                </a:lnTo>
-                <a:lnTo>
-                  <a:pt x="120000" y="120000"/>
-                </a:lnTo>
-                <a:lnTo>
-                  <a:pt x="0" y="120000"/>
-                </a:lnTo>
-                <a:close/>
-              </a:path>
-            </a:pathLst>
-          </a:custGeom>
-        </p:spPr>
-      </p:sp>
-      <p:sp>
-        <p:nvSpPr>
-          <p:cNvPr id="290" name="Google Shape;290;g4499e2c750_0_88:notes"/>
-          <p:cNvSpPr txBox="1"/>
-          <p:nvPr>
-            <p:ph idx="1" type="body"/>
-          </p:nvPr>
-        </p:nvSpPr>
-        <p:spPr>
-          <a:xfrm>
-            <a:off x="685800" y="4343400"/>
-            <a:ext cx="5486400" cy="4114800"/>
-          </a:xfrm>
-          <a:prstGeom prst="rect">
-            <a:avLst/>
-          </a:prstGeom>
-        </p:spPr>
-        <p:txBody>
-          <a:bodyPr anchorCtr="0" anchor="t" bIns="91425" lIns="91425" spcFirstLastPara="1" rIns="91425" wrap="square" tIns="91425">
-            <a:noAutofit/>
-          </a:bodyPr>
-          <a:lstStyle/>
-          <a:p>
-            <a:pPr indent="0" lvl="0" marL="0" rtl="0" algn="l">
-              <a:spcBef>
-                <a:spcPts val="0"/>
-              </a:spcBef>
-              <a:spcAft>
-                <a:spcPts val="0"/>
-              </a:spcAft>
-              <a:buNone/>
-            </a:pPr>
-            <a:r>
-              <a:t/>
-            </a:r>
-            <a:endParaRPr/>
-          </a:p>
-        </p:txBody>
-      </p:sp>
-    </p:spTree>
-  </p:cSld>
-  <p:clrMapOvr>
-    <a:masterClrMapping/>
-  </p:clrMapOvr>
-</p:notes>
-</file>
-
-<file path=ppt/notesSlides/notesSlide9.xml><?xml version="1.0" encoding="utf-8"?>
-<p:notes xmlns:a="http://schemas.openxmlformats.org/drawingml/2006/main" xmlns:r="http://schemas.openxmlformats.org/officeDocument/2006/relationships" xmlns:mc="http://schemas.openxmlformats.org/markup-compatibility/2006" xmlns:mv="urn:schemas-microsoft-com:mac:vml" xmlns:p="http://schemas.openxmlformats.org/presentationml/2006/main" xmlns:c="http://schemas.openxmlformats.org/drawingml/2006/chart" xmlns:dgm="http://schemas.openxmlformats.org/drawingml/2006/diagram" xmlns:o="urn:schemas-microsoft-com:office:office" xmlns:v="urn:schemas-microsoft-com:vml" xmlns:pvml="urn:schemas-microsoft-com:office:powerpoint" xmlns:com="http://schemas.openxmlformats.org/drawingml/2006/compatibility" xmlns:p14="http://schemas.microsoft.com/office/powerpoint/2010/main" xmlns:p15="http://schemas.microsoft.com/office/powerpoint/2012/main" showMasterPhAnim="0" showMasterSp="0">
-  <p:cSld>
-    <p:spTree>
-      <p:nvGrpSpPr>
-        <p:cNvPr id="294" name="Shape 294"/>
-        <p:cNvGrpSpPr/>
-        <p:nvPr/>
-      </p:nvGrpSpPr>
-      <p:grpSpPr>
-        <a:xfrm>
-          <a:off x="0" y="0"/>
-          <a:ext cx="0" cy="0"/>
-          <a:chOff x="0" y="0"/>
-          <a:chExt cx="0" cy="0"/>
-        </a:xfrm>
-      </p:grpSpPr>
-      <p:sp>
-        <p:nvSpPr>
-          <p:cNvPr id="295" name="Google Shape;295;g4499e2c750_0_199:notes"/>
-          <p:cNvSpPr/>
-          <p:nvPr>
-            <p:ph idx="2" type="sldImg"/>
-          </p:nvPr>
-        </p:nvSpPr>
-        <p:spPr>
-          <a:xfrm>
-            <a:off x="381300" y="685800"/>
-            <a:ext cx="6096000" cy="3429000"/>
-          </a:xfrm>
-          <a:custGeom>
-            <a:rect b="b" l="l" r="r" t="t"/>
-            <a:pathLst>
-              <a:path extrusionOk="0" h="120000" w="120000">
-                <a:moveTo>
-                  <a:pt x="0" y="0"/>
-                </a:moveTo>
-                <a:lnTo>
-                  <a:pt x="120000" y="0"/>
-                </a:lnTo>
-                <a:lnTo>
-                  <a:pt x="120000" y="120000"/>
-                </a:lnTo>
-                <a:lnTo>
-                  <a:pt x="0" y="120000"/>
-                </a:lnTo>
-                <a:close/>
-              </a:path>
-            </a:pathLst>
-          </a:custGeom>
-        </p:spPr>
-      </p:sp>
-      <p:sp>
-        <p:nvSpPr>
-          <p:cNvPr id="296" name="Google Shape;296;g4499e2c750_0_199:notes"/>
           <p:cNvSpPr txBox="1"/>
           <p:nvPr>
             <p:ph idx="1" type="body"/>
@@ -17810,11 +16366,11 @@
 </file>
 
 <file path=ppt/slides/slide27.xml><?xml version="1.0" encoding="utf-8"?>
-<p:sld xmlns:a="http://schemas.openxmlformats.org/drawingml/2006/main" xmlns:r="http://schemas.openxmlformats.org/officeDocument/2006/relationships" xmlns:mc="http://schemas.openxmlformats.org/markup-compatibility/2006" xmlns:mv="urn:schemas-microsoft-com:mac:vml" xmlns:p="http://schemas.openxmlformats.org/presentationml/2006/main" xmlns:c="http://schemas.openxmlformats.org/drawingml/2006/chart" xmlns:dgm="http://schemas.openxmlformats.org/drawingml/2006/diagram" xmlns:o="urn:schemas-microsoft-com:office:office" xmlns:v="urn:schemas-microsoft-com:vml" xmlns:pvml="urn:schemas-microsoft-com:office:powerpoint" xmlns:com="http://schemas.openxmlformats.org/drawingml/2006/compatibility" xmlns:p14="http://schemas.microsoft.com/office/powerpoint/2010/main" xmlns:p15="http://schemas.microsoft.com/office/powerpoint/2012/main">
+<p:sld xmlns:r="http://schemas.openxmlformats.org/officeDocument/2006/relationships" xmlns:c="http://schemas.openxmlformats.org/drawingml/2006/chart" xmlns:a="http://schemas.openxmlformats.org/drawingml/2006/main" xmlns:dgm="http://schemas.openxmlformats.org/drawingml/2006/diagram" xmlns:dsp="http://schemas.microsoft.com/office/drawing/2008/diagram" xmlns:p="http://schemas.openxmlformats.org/presentationml/2006/main">
   <p:cSld>
     <p:spTree>
       <p:nvGrpSpPr>
-        <p:cNvPr id="246" name="Shape 246"/>
+        <p:cNvPr id="1" name=""/>
         <p:cNvGrpSpPr/>
         <p:nvPr/>
       </p:nvGrpSpPr>
@@ -17829,9 +16385,11 @@
       <p:sp>
         <p:nvSpPr>
           <p:cNvPr id="247" name="Google Shape;247;p39"/>
-          <p:cNvSpPr txBox="1"/>
+          <p:cNvSpPr txBox="1">
+            <a:spLocks noGrp="1"/>
+          </p:cNvSpPr>
           <p:nvPr>
-            <p:ph type="ctrTitle"/>
+            <p:ph type="ctrTitle" idx="0"/>
           </p:nvPr>
         </p:nvSpPr>
         <p:spPr>
@@ -17844,34 +16402,37 @@
           </a:prstGeom>
         </p:spPr>
         <p:txBody>
-          <a:bodyPr anchorCtr="0" anchor="b" bIns="91425" lIns="91425" spcFirstLastPara="1" rIns="91425" wrap="square" tIns="91425">
+          <a:bodyPr wrap="square" lIns="91425" tIns="91425" rIns="91425" bIns="91425" anchor="b" anchorCtr="0">
             <a:noAutofit/>
           </a:bodyPr>
           <a:lstStyle/>
           <a:p>
-            <a:pPr indent="0" lvl="0" marL="0" rtl="0" algn="ctr">
-              <a:spcBef>
-                <a:spcPts val="0"/>
-              </a:spcBef>
-              <a:spcAft>
-                <a:spcPts val="0"/>
-              </a:spcAft>
-              <a:buNone/>
-            </a:pPr>
-            <a:r>
-              <a:rPr b="1" lang="ko" sz="9600"/>
+            <a:pPr marL="0" lvl="0" indent="0" algn="ctr">
+              <a:spcBef>
+                <a:spcPct val="0"/>
+              </a:spcBef>
+              <a:spcAft>
+                <a:spcPct val="0"/>
+              </a:spcAft>
+              <a:buNone/>
+              <a:defRPr lang="ko-KR" altLang="en-US"/>
+            </a:pPr>
+            <a:r>
+              <a:rPr lang="ko" sz="9600" b="1"/>
               <a:t>ue.js 2.x</a:t>
             </a:r>
-            <a:endParaRPr b="1" sz="9600"/>
+            <a:endParaRPr lang="ko-KR" sz="9600" b="1"/>
           </a:p>
         </p:txBody>
       </p:sp>
       <p:sp>
         <p:nvSpPr>
           <p:cNvPr id="248" name="Google Shape;248;p39"/>
-          <p:cNvSpPr txBox="1"/>
+          <p:cNvSpPr txBox="1">
+            <a:spLocks noGrp="1"/>
+          </p:cNvSpPr>
           <p:nvPr>
-            <p:ph idx="1" type="subTitle"/>
+            <p:ph type="subTitle" idx="1"/>
           </p:nvPr>
         </p:nvSpPr>
         <p:spPr>
@@ -17884,39 +16445,36 @@
           </a:prstGeom>
         </p:spPr>
         <p:txBody>
-          <a:bodyPr anchorCtr="0" anchor="t" bIns="91425" lIns="91425" spcFirstLastPara="1" rIns="91425" wrap="square" tIns="91425">
+          <a:bodyPr wrap="square" lIns="91425" tIns="91425" rIns="91425" bIns="91425" anchor="t" anchorCtr="0">
             <a:noAutofit/>
           </a:bodyPr>
           <a:lstStyle/>
           <a:p>
-            <a:pPr indent="0" lvl="0" marL="0" rtl="0" algn="ctr">
-              <a:spcBef>
-                <a:spcPts val="0"/>
-              </a:spcBef>
-              <a:spcAft>
-                <a:spcPts val="0"/>
-              </a:spcAft>
-              <a:buNone/>
-            </a:pPr>
-            <a:r>
-              <a:rPr b="1" lang="ko" sz="4800"/>
-              <a:t>vue-cli </a:t>
-            </a:r>
-            <a:r>
-              <a:rPr b="1" lang="ko" sz="4800"/>
-              <a:t>3.0.5</a:t>
-            </a:r>
-            <a:endParaRPr b="1" sz="4800"/>
+            <a:pPr marL="0" lvl="0" indent="0" algn="ctr">
+              <a:spcBef>
+                <a:spcPct val="0"/>
+              </a:spcBef>
+              <a:spcAft>
+                <a:spcPct val="0"/>
+              </a:spcAft>
+              <a:buNone/>
+              <a:defRPr lang="ko-KR" altLang="en-US"/>
+            </a:pPr>
+            <a:r>
+              <a:rPr lang="ko" sz="4800" b="1"/>
+              <a:t>vue-cli 3.0.5</a:t>
+            </a:r>
+            <a:endParaRPr lang="ko-KR" sz="4800" b="1"/>
           </a:p>
         </p:txBody>
       </p:sp>
       <p:pic>
         <p:nvPicPr>
           <p:cNvPr id="249" name="Google Shape;249;p39"/>
-          <p:cNvPicPr preferRelativeResize="0"/>
+          <p:cNvPicPr/>
           <p:nvPr/>
         </p:nvPicPr>
-        <p:blipFill>
+        <p:blipFill rotWithShape="1">
           <a:blip r:embed="rId3">
             <a:alphaModFix/>
           </a:blip>
@@ -17958,22 +16516,23 @@
           </a:ln>
         </p:spPr>
         <p:txBody>
-          <a:bodyPr anchorCtr="0" anchor="ctr" bIns="91425" lIns="91425" spcFirstLastPara="1" rIns="91425" wrap="square" tIns="91425">
+          <a:bodyPr wrap="square" lIns="91425" tIns="91425" rIns="91425" bIns="91425" anchor="ctr" anchorCtr="0">
             <a:noAutofit/>
           </a:bodyPr>
           <a:lstStyle/>
           <a:p>
-            <a:pPr indent="0" lvl="0" marL="0" rtl="0" algn="r">
-              <a:spcBef>
-                <a:spcPts val="0"/>
-              </a:spcBef>
-              <a:spcAft>
-                <a:spcPts val="0"/>
-              </a:spcAft>
-              <a:buNone/>
-            </a:pPr>
-            <a:r>
-              <a:rPr b="1" lang="ko" sz="1800" u="sng">
+            <a:pPr marL="0" lvl="0" indent="0" algn="r">
+              <a:spcBef>
+                <a:spcPct val="0"/>
+              </a:spcBef>
+              <a:spcAft>
+                <a:spcPct val="0"/>
+              </a:spcAft>
+              <a:buNone/>
+              <a:defRPr lang="ko-KR" altLang="en-US"/>
+            </a:pPr>
+            <a:r>
+              <a:rPr lang="ko" sz="1800" b="1" u="sng">
                 <a:solidFill>
                   <a:schemeClr val="hlink"/>
                 </a:solidFill>
@@ -17981,9 +16540,9 @@
               </a:rPr>
               <a:t>https://kr.vuejs.org</a:t>
             </a:r>
-            <a:endParaRPr b="1" sz="1800">
-              <a:solidFill>
-                <a:srgbClr val="FFFFFF"/>
+            <a:endParaRPr lang="ko-KR" sz="1800" b="1">
+              <a:solidFill>
+                <a:srgbClr val="ffffff"/>
               </a:solidFill>
             </a:endParaRPr>
           </a:p>
@@ -17994,15 +16553,16 @@
   <p:clrMapOvr>
     <a:masterClrMapping/>
   </p:clrMapOvr>
+  <p:transition xmlns:mc="http://schemas.openxmlformats.org/markup-compatibility/2006" xmlns:hp="http://schemas.haansoft.com/office/presentation/8.0" mc:Ignorable="hp" hp:hslDur="500"/>
 </p:sld>
 </file>
 
 <file path=ppt/slides/slide28.xml><?xml version="1.0" encoding="utf-8"?>
-<p:sld xmlns:a="http://schemas.openxmlformats.org/drawingml/2006/main" xmlns:r="http://schemas.openxmlformats.org/officeDocument/2006/relationships" xmlns:mc="http://schemas.openxmlformats.org/markup-compatibility/2006" xmlns:mv="urn:schemas-microsoft-com:mac:vml" xmlns:p="http://schemas.openxmlformats.org/presentationml/2006/main" xmlns:c="http://schemas.openxmlformats.org/drawingml/2006/chart" xmlns:dgm="http://schemas.openxmlformats.org/drawingml/2006/diagram" xmlns:o="urn:schemas-microsoft-com:office:office" xmlns:v="urn:schemas-microsoft-com:vml" xmlns:pvml="urn:schemas-microsoft-com:office:powerpoint" xmlns:com="http://schemas.openxmlformats.org/drawingml/2006/compatibility" xmlns:p14="http://schemas.microsoft.com/office/powerpoint/2010/main" xmlns:p15="http://schemas.microsoft.com/office/powerpoint/2012/main">
+<p:sld xmlns:r="http://schemas.openxmlformats.org/officeDocument/2006/relationships" xmlns:c="http://schemas.openxmlformats.org/drawingml/2006/chart" xmlns:a="http://schemas.openxmlformats.org/drawingml/2006/main" xmlns:dgm="http://schemas.openxmlformats.org/drawingml/2006/diagram" xmlns:dsp="http://schemas.microsoft.com/office/drawing/2008/diagram" xmlns:p="http://schemas.openxmlformats.org/presentationml/2006/main">
   <p:cSld>
     <p:spTree>
       <p:nvGrpSpPr>
-        <p:cNvPr id="254" name="Shape 254"/>
+        <p:cNvPr id="1" name=""/>
         <p:cNvGrpSpPr/>
         <p:nvPr/>
       </p:nvGrpSpPr>
@@ -18017,14 +16577,16 @@
       <p:sp>
         <p:nvSpPr>
           <p:cNvPr id="255" name="Google Shape;255;p40"/>
-          <p:cNvSpPr txBox="1"/>
+          <p:cNvSpPr txBox="1">
+            <a:spLocks noGrp="1"/>
+          </p:cNvSpPr>
           <p:nvPr>
-            <p:ph type="title"/>
+            <p:ph type="title" idx="0"/>
           </p:nvPr>
         </p:nvSpPr>
         <p:spPr>
           <a:xfrm>
-            <a:off x="311700" y="292625"/>
+            <a:off x="311700" y="-162525"/>
             <a:ext cx="8520600" cy="572700"/>
           </a:xfrm>
           <a:prstGeom prst="rect">
@@ -18032,157 +16594,407 @@
           </a:prstGeom>
         </p:spPr>
         <p:txBody>
-          <a:bodyPr anchorCtr="0" anchor="t" bIns="91425" lIns="91425" spcFirstLastPara="1" rIns="91425" wrap="square" tIns="91425">
+          <a:bodyPr wrap="square" lIns="91425" tIns="91425" rIns="91425" bIns="91425" anchor="t" anchorCtr="0">
             <a:noAutofit/>
           </a:bodyPr>
           <a:lstStyle/>
           <a:p>
-            <a:pPr indent="0" lvl="0" marL="0" rtl="0" algn="l">
-              <a:spcBef>
-                <a:spcPts val="0"/>
-              </a:spcBef>
-              <a:spcAft>
-                <a:spcPts val="0"/>
-              </a:spcAft>
-              <a:buNone/>
-            </a:pPr>
-            <a:r>
-              <a:rPr lang="ko" sz="3000"/>
+            <a:pPr marL="0" lvl="0" indent="0" algn="l">
+              <a:spcBef>
+                <a:spcPct val="0"/>
+              </a:spcBef>
+              <a:spcAft>
+                <a:spcPct val="0"/>
+              </a:spcAft>
+              <a:buNone/>
+              <a:defRPr lang="ko-KR" altLang="en-US"/>
+            </a:pPr>
+            <a:r>
+              <a:rPr lang="ko" sz="2400"/>
               <a:t>사전 지식 -</a:t>
             </a:r>
             <a:r>
-              <a:rPr b="1" lang="ko" sz="3000"/>
+              <a:rPr lang="ko" sz="2400" b="1"/>
               <a:t> WebPack</a:t>
             </a:r>
-            <a:endParaRPr/>
+            <a:endParaRPr lang="ko-KR" sz="2400"/>
           </a:p>
         </p:txBody>
       </p:sp>
       <p:sp>
         <p:nvSpPr>
           <p:cNvPr id="256" name="Google Shape;256;p40"/>
-          <p:cNvSpPr txBox="1"/>
+          <p:cNvSpPr txBox="1">
+            <a:spLocks noGrp="1"/>
+          </p:cNvSpPr>
           <p:nvPr>
-            <p:ph idx="1" type="body"/>
+            <p:ph type="body" idx="1"/>
           </p:nvPr>
         </p:nvSpPr>
         <p:spPr>
           <a:xfrm>
-            <a:off x="311700" y="1152475"/>
-            <a:ext cx="8520600" cy="3416400"/>
+            <a:off x="302175" y="142825"/>
+            <a:ext cx="8539650" cy="4902300"/>
           </a:xfrm>
           <a:prstGeom prst="rect">
             <a:avLst/>
           </a:prstGeom>
         </p:spPr>
         <p:txBody>
-          <a:bodyPr anchorCtr="0" anchor="t" bIns="91425" lIns="91425" spcFirstLastPara="1" rIns="91425" wrap="square" tIns="91425">
+          <a:bodyPr wrap="square" lIns="91425" tIns="91425" rIns="91425" bIns="91425" anchor="t" anchorCtr="0">
             <a:noAutofit/>
           </a:bodyPr>
           <a:lstStyle/>
           <a:p>
-            <a:pPr indent="0" lvl="0" marL="0" rtl="0" algn="l">
-              <a:spcBef>
-                <a:spcPts val="0"/>
-              </a:spcBef>
-              <a:spcAft>
-                <a:spcPts val="0"/>
-              </a:spcAft>
-              <a:buNone/>
-            </a:pPr>
-            <a:r>
-              <a:rPr lang="ko"/>
-              <a:t>CommonJS, AMD(Asynchronous Module Definition), Babel, ESLint(ESHint)</a:t>
-            </a:r>
-            <a:endParaRPr/>
-          </a:p>
-          <a:p>
-            <a:pPr indent="0" lvl="0" marL="0" rtl="0" algn="l">
-              <a:spcBef>
-                <a:spcPts val="1600"/>
-              </a:spcBef>
-              <a:spcAft>
-                <a:spcPts val="0"/>
-              </a:spcAft>
-              <a:buNone/>
-            </a:pPr>
-            <a:r>
-              <a:rPr lang="ko"/>
-              <a:t>npm i webpack -g    &amp;</a:t>
-            </a:r>
-            <a:r>
-              <a:rPr lang="ko"/>
-              <a:t>    npm i webpack-cli -g</a:t>
-            </a:r>
-            <a:endParaRPr/>
-          </a:p>
-          <a:p>
-            <a:pPr indent="0" lvl="0" marL="0" rtl="0" algn="l">
-              <a:spcBef>
-                <a:spcPts val="1600"/>
-              </a:spcBef>
-              <a:spcAft>
-                <a:spcPts val="0"/>
-              </a:spcAft>
-              <a:buNone/>
-            </a:pPr>
-            <a:r>
-              <a:rPr lang="ko"/>
-              <a:t>Webpack에서</a:t>
-            </a:r>
-            <a:r>
-              <a:rPr lang="ko"/>
-              <a:t>는 모든것(js, css, sass, fonts, image등)이 Module이다!</a:t>
-            </a:r>
-            <a:endParaRPr/>
-          </a:p>
-          <a:p>
-            <a:pPr indent="0" lvl="0" marL="0" rtl="0" algn="l">
-              <a:spcBef>
-                <a:spcPts val="1600"/>
-              </a:spcBef>
-              <a:spcAft>
-                <a:spcPts val="0"/>
-              </a:spcAft>
-              <a:buNone/>
-            </a:pPr>
-            <a:r>
-              <a:rPr lang="ko"/>
+            <a:pPr marL="0" lvl="0" indent="0" algn="l">
+              <a:spcBef>
+                <a:spcPct val="0"/>
+              </a:spcBef>
+              <a:spcAft>
+                <a:spcPct val="0"/>
+              </a:spcAft>
+              <a:buNone/>
+              <a:defRPr lang="ko-KR" altLang="en-US"/>
+            </a:pPr>
+            <a:r>
+              <a:rPr lang="en-US" altLang="ko-KR" sz="1600"/>
+              <a:t>WebPack: </a:t>
+            </a:r>
+            <a:r>
+              <a:rPr lang="ko-KR" altLang="en-US" sz="1600"/>
+              <a:t>여러가지 </a:t>
+            </a:r>
+            <a:r>
+              <a:rPr lang="en-US" altLang="ko-KR" sz="1600"/>
+              <a:t>js, css</a:t>
+            </a:r>
+            <a:r>
+              <a:rPr lang="ko-KR" altLang="en-US" sz="1600"/>
+              <a:t> 등의 파일들을 하나의 </a:t>
+            </a:r>
+            <a:r>
+              <a:rPr lang="en-US" altLang="ko-KR" sz="1600"/>
+              <a:t>js</a:t>
+            </a:r>
+            <a:r>
+              <a:rPr lang="ko-KR" altLang="en-US" sz="1600"/>
+              <a:t>파일로 패키징 하는것</a:t>
+            </a:r>
+            <a:endParaRPr lang="ko-KR" altLang="en-US" sz="1600"/>
+          </a:p>
+          <a:p>
+            <a:pPr marL="0" lvl="0" indent="0" algn="l">
+              <a:spcBef>
+                <a:spcPct val="0"/>
+              </a:spcBef>
+              <a:spcAft>
+                <a:spcPct val="0"/>
+              </a:spcAft>
+              <a:buNone/>
+              <a:defRPr lang="ko-KR" altLang="en-US"/>
+            </a:pPr>
+            <a:r>
+              <a:rPr lang="en-US" altLang="ko-KR" sz="1600"/>
+              <a:t>(</a:t>
+            </a:r>
+            <a:r>
+              <a:rPr lang="ko-KR" altLang="en-US" sz="1600"/>
+              <a:t>여러 개의 </a:t>
+            </a:r>
+            <a:r>
+              <a:rPr lang="en-US" altLang="ko-KR" sz="1600"/>
+              <a:t>js</a:t>
+            </a:r>
+            <a:r>
+              <a:rPr lang="ko-KR" altLang="en-US" sz="1600"/>
+              <a:t>파일에서 변수가 충돌하는 것을 방지하고,</a:t>
+            </a:r>
+            <a:endParaRPr lang="ko-KR" altLang="en-US" sz="1600"/>
+          </a:p>
+          <a:p>
+            <a:pPr marL="0" lvl="0" indent="0" algn="l">
+              <a:spcBef>
+                <a:spcPct val="0"/>
+              </a:spcBef>
+              <a:spcAft>
+                <a:spcPct val="0"/>
+              </a:spcAft>
+              <a:buNone/>
+              <a:defRPr lang="ko-KR" altLang="en-US"/>
+            </a:pPr>
+            <a:r>
+              <a:rPr lang="ko-KR" altLang="en-US" sz="1600"/>
+              <a:t>각각의 파일을 로드하는 데에 필요한 네트워크 비용을 대폭 감소시킬 수 있음</a:t>
+            </a:r>
+            <a:r>
+              <a:rPr lang="en-US" altLang="ko-KR" sz="1600"/>
+              <a:t>)</a:t>
+            </a:r>
+            <a:endParaRPr lang="en-US" altLang="ko-KR" sz="1600"/>
+          </a:p>
+          <a:p>
+            <a:pPr marL="0" lvl="0" indent="0" algn="l">
+              <a:spcBef>
+                <a:spcPct val="0"/>
+              </a:spcBef>
+              <a:spcAft>
+                <a:spcPct val="0"/>
+              </a:spcAft>
+              <a:buNone/>
+              <a:defRPr lang="ko-KR" altLang="en-US"/>
+            </a:pPr>
+            <a:endParaRPr lang="ko-KR" altLang="en-US" sz="1600"/>
+          </a:p>
+          <a:p>
+            <a:pPr marL="0" lvl="0" indent="0" algn="l">
+              <a:spcBef>
+                <a:spcPct val="0"/>
+              </a:spcBef>
+              <a:spcAft>
+                <a:spcPct val="0"/>
+              </a:spcAft>
+              <a:buNone/>
+              <a:defRPr lang="ko-KR" altLang="en-US"/>
+            </a:pPr>
+            <a:r>
+              <a:rPr lang="ko" sz="1600"/>
+              <a:t>CommonJS, AMD(Asynchronous Module Definition), Babel, ESLint(</a:t>
+            </a:r>
+            <a:r>
+              <a:rPr lang="en-US" altLang="ko-KR" sz="1600"/>
+              <a:t>J</a:t>
+            </a:r>
+            <a:r>
+              <a:rPr lang="ko" sz="1600"/>
+              <a:t>SHint)</a:t>
+            </a:r>
+            <a:endParaRPr lang="ko" sz="1600"/>
+          </a:p>
+          <a:p>
+            <a:pPr marL="0" lvl="0" indent="0" algn="l">
+              <a:spcBef>
+                <a:spcPct val="0"/>
+              </a:spcBef>
+              <a:spcAft>
+                <a:spcPct val="0"/>
+              </a:spcAft>
+              <a:buNone/>
+              <a:defRPr lang="ko-KR" altLang="en-US"/>
+            </a:pPr>
+            <a:r>
+              <a:rPr lang="en-US" altLang="ko-KR" sz="1600"/>
+              <a:t>Babel: js</a:t>
+            </a:r>
+            <a:r>
+              <a:rPr lang="ko-KR" altLang="en-US" sz="1600"/>
+              <a:t> 코드의 구조를 바꿔서 트랜스파일 하는 라이브러리(</a:t>
+            </a:r>
+            <a:r>
+              <a:rPr lang="en-US" altLang="ko-KR" sz="1600"/>
+              <a:t>ex. es6 -&gt; es5</a:t>
+            </a:r>
+            <a:r>
+              <a:rPr lang="ko-KR" altLang="en-US" sz="1600"/>
+              <a:t>)</a:t>
+            </a:r>
+            <a:endParaRPr lang="ko-KR" altLang="en-US" sz="1600"/>
+          </a:p>
+          <a:p>
+            <a:pPr marL="0" lvl="0" indent="0" algn="l">
+              <a:spcBef>
+                <a:spcPct val="0"/>
+              </a:spcBef>
+              <a:spcAft>
+                <a:spcPct val="0"/>
+              </a:spcAft>
+              <a:buNone/>
+              <a:defRPr lang="ko-KR" altLang="en-US"/>
+            </a:pPr>
+            <a:r>
+              <a:rPr lang="en-US" altLang="ko-KR" sz="1600"/>
+              <a:t>ESlint: </a:t>
+            </a:r>
+            <a:r>
+              <a:rPr lang="ko-KR" altLang="en-US" sz="1600"/>
+              <a:t>정적으로 되어 있는 소스 체크, 안쓰는 코드, 변수, 잘못된 구문 등</a:t>
+            </a:r>
+            <a:endParaRPr lang="ko-KR" altLang="en-US" sz="1600"/>
+          </a:p>
+          <a:p>
+            <a:pPr marL="0" lvl="0" indent="0" algn="l">
+              <a:spcBef>
+                <a:spcPct val="0"/>
+              </a:spcBef>
+              <a:spcAft>
+                <a:spcPct val="0"/>
+              </a:spcAft>
+              <a:buNone/>
+              <a:defRPr lang="ko-KR" altLang="en-US"/>
+            </a:pPr>
+            <a:r>
+              <a:rPr lang="ko" sz="1600"/>
+              <a:t>npm i webpack -g    &amp;    npm i webpack-cli -g</a:t>
+            </a:r>
+            <a:endParaRPr lang="ko" sz="1600"/>
+          </a:p>
+          <a:p>
+            <a:pPr marL="0" lvl="0" indent="0" algn="l">
+              <a:spcBef>
+                <a:spcPct val="0"/>
+              </a:spcBef>
+              <a:spcAft>
+                <a:spcPct val="0"/>
+              </a:spcAft>
+              <a:buNone/>
+              <a:defRPr lang="ko-KR" altLang="en-US"/>
+            </a:pPr>
+            <a:r>
+              <a:rPr lang="en-US" altLang="ko-KR" sz="1600"/>
+              <a:t>cli : command line interface</a:t>
+            </a:r>
+            <a:endParaRPr lang="en-US" altLang="ko-KR" sz="1600"/>
+          </a:p>
+          <a:p>
+            <a:pPr marL="0" lvl="0" indent="0" algn="l">
+              <a:spcBef>
+                <a:spcPct val="74000"/>
+              </a:spcBef>
+              <a:spcAft>
+                <a:spcPct val="0"/>
+              </a:spcAft>
+              <a:buNone/>
+              <a:defRPr lang="ko-KR" altLang="en-US"/>
+            </a:pPr>
+            <a:r>
+              <a:rPr lang="ko" sz="1600"/>
+              <a:t>Webpack에서는 모든것(js, css, sass, fonts, image등)이 Module이다!</a:t>
+            </a:r>
+            <a:endParaRPr lang="ko" sz="1600"/>
+          </a:p>
+          <a:p>
+            <a:pPr marL="0" lvl="0" indent="0" algn="l">
+              <a:spcBef>
+                <a:spcPct val="74000"/>
+              </a:spcBef>
+              <a:spcAft>
+                <a:spcPct val="0"/>
+              </a:spcAft>
+              <a:buNone/>
+              <a:defRPr lang="ko-KR" altLang="en-US"/>
+            </a:pPr>
+            <a:r>
+              <a:rPr lang="ko" sz="1600"/>
               <a:t>But, Browser is ...</a:t>
             </a:r>
-            <a:endParaRPr/>
-          </a:p>
-          <a:p>
-            <a:pPr indent="0" lvl="0" marL="0" rtl="0" algn="l">
-              <a:spcBef>
-                <a:spcPts val="1600"/>
-              </a:spcBef>
-              <a:spcAft>
-                <a:spcPts val="0"/>
-              </a:spcAft>
-              <a:buNone/>
-            </a:pPr>
-            <a:r>
-              <a:rPr lang="ko"/>
-              <a:t>Entry, Output, Loader, Plug-in</a:t>
-            </a:r>
-            <a:endParaRPr/>
-          </a:p>
-          <a:p>
-            <a:pPr indent="0" lvl="0" marL="0" rtl="0" algn="l">
-              <a:spcBef>
-                <a:spcPts val="1600"/>
-              </a:spcBef>
-              <a:spcAft>
-                <a:spcPts val="1600"/>
-              </a:spcAft>
-              <a:buNone/>
-            </a:pPr>
-            <a:r>
-              <a:rPr lang="ko"/>
+            <a:endParaRPr lang="ko" sz="1600"/>
+          </a:p>
+          <a:p>
+            <a:pPr marL="0" lvl="0" indent="0" algn="l">
+              <a:spcBef>
+                <a:spcPct val="74000"/>
+              </a:spcBef>
+              <a:spcAft>
+                <a:spcPct val="0"/>
+              </a:spcAft>
+              <a:buNone/>
+              <a:defRPr lang="ko-KR" altLang="en-US"/>
+            </a:pPr>
+            <a:r>
+              <a:rPr lang="ko" sz="1600"/>
+              <a:t>Entry</a:t>
+            </a:r>
+            <a:r>
+              <a:rPr lang="ko-KR" altLang="en-US" sz="1600"/>
+              <a:t>(시작 </a:t>
+            </a:r>
+            <a:r>
+              <a:rPr lang="en-US" altLang="ko-KR" sz="1600"/>
+              <a:t>js</a:t>
+            </a:r>
+            <a:r>
+              <a:rPr lang="ko-KR" altLang="en-US" sz="1600"/>
+              <a:t> 파일)</a:t>
+            </a:r>
+            <a:r>
+              <a:rPr lang="ko" sz="1600"/>
+              <a:t>, Output</a:t>
+            </a:r>
+            <a:r>
+              <a:rPr lang="ko-KR" altLang="en-US" sz="1600"/>
+              <a:t>(웹 패키징 돼서 나오는 </a:t>
+            </a:r>
+            <a:r>
+              <a:rPr lang="en-US" altLang="ko-KR" sz="1600"/>
+              <a:t>js</a:t>
+            </a:r>
+            <a:r>
+              <a:rPr lang="ko-KR" altLang="en-US" sz="1600"/>
+              <a:t>파일)</a:t>
+            </a:r>
+            <a:r>
+              <a:rPr lang="ko" sz="1600"/>
+              <a:t>, </a:t>
+            </a:r>
+            <a:br>
+              <a:rPr lang="ko-KR" altLang="en-US" sz="1600"/>
+            </a:br>
+            <a:r>
+              <a:rPr lang="ko" sz="1600"/>
+              <a:t>Loader</a:t>
+            </a:r>
+            <a:r>
+              <a:rPr lang="ko-KR" altLang="en-US" sz="1600"/>
+              <a:t>(</a:t>
+            </a:r>
+            <a:r>
+              <a:rPr lang="en-US" altLang="ko-KR" sz="1600"/>
+              <a:t>sass, fonts</a:t>
+            </a:r>
+            <a:r>
+              <a:rPr lang="ko-KR" altLang="en-US" sz="1600"/>
+              <a:t>등을 불러와서 </a:t>
+            </a:r>
+            <a:r>
+              <a:rPr lang="en-US" altLang="ko-KR" sz="1600"/>
+              <a:t>css</a:t>
+            </a:r>
+            <a:r>
+              <a:rPr lang="ko-KR" altLang="en-US" sz="1600"/>
+              <a:t> 등의 형식으로 바꿔주는 것)</a:t>
+            </a:r>
+            <a:r>
+              <a:rPr lang="ko" sz="1600"/>
+              <a:t>,</a:t>
+            </a:r>
+            <a:br>
+              <a:rPr lang="ko-KR" altLang="en-US" sz="1600"/>
+            </a:br>
+            <a:r>
+              <a:rPr lang="ko" sz="1600"/>
+              <a:t>Plug-in</a:t>
+            </a:r>
+            <a:r>
+              <a:rPr lang="ko-KR" altLang="en-US" sz="1600"/>
+              <a:t>(이것 저것 맞춰주는 것?)</a:t>
+            </a:r>
+            <a:endParaRPr lang="ko-KR" altLang="en-US" sz="1600"/>
+          </a:p>
+          <a:p>
+            <a:pPr marL="0" lvl="0" indent="0" algn="l">
+              <a:spcBef>
+                <a:spcPct val="74000"/>
+              </a:spcBef>
+              <a:spcAft>
+                <a:spcPct val="16000"/>
+              </a:spcAft>
+              <a:buNone/>
+              <a:defRPr lang="ko-KR" altLang="en-US"/>
+            </a:pPr>
+            <a:r>
+              <a:rPr lang="ko" sz="1600"/>
               <a:t>webpack.config.js</a:t>
             </a:r>
-            <a:endParaRPr/>
+            <a:endParaRPr lang="ko-KR" sz="1600"/>
           </a:p>
         </p:txBody>
       </p:sp>
@@ -18194,321 +17006,319 @@
         </p:nvSpPr>
         <p:spPr>
           <a:xfrm>
-            <a:off x="3851150" y="2573550"/>
+            <a:off x="4441700" y="3173625"/>
             <a:ext cx="4932600" cy="2175900"/>
           </a:xfrm>
           <a:prstGeom prst="rect">
             <a:avLst/>
           </a:prstGeom>
           <a:noFill/>
-          <a:ln cap="flat" cmpd="sng" w="9525">
+          <a:ln w="9525" cap="flat" cmpd="sng">
             <a:solidFill>
-              <a:srgbClr val="B7B7B7"/>
+              <a:srgbClr val="b7b7b7"/>
             </a:solidFill>
             <a:prstDash val="solid"/>
             <a:round/>
-            <a:headEnd len="sm" w="sm" type="none"/>
-            <a:tailEnd len="sm" w="sm" type="none"/>
           </a:ln>
         </p:spPr>
         <p:txBody>
-          <a:bodyPr anchorCtr="0" anchor="t" bIns="91425" lIns="91425" spcFirstLastPara="1" rIns="91425" wrap="square" tIns="91425">
+          <a:bodyPr wrap="square" lIns="91425" tIns="91425" rIns="91425" bIns="91425" anchor="t" anchorCtr="0">
             <a:noAutofit/>
           </a:bodyPr>
           <a:lstStyle/>
           <a:p>
-            <a:pPr indent="0" lvl="0" marL="0" rtl="0" algn="l">
-              <a:spcBef>
-                <a:spcPts val="0"/>
-              </a:spcBef>
-              <a:spcAft>
-                <a:spcPts val="0"/>
-              </a:spcAft>
-              <a:buNone/>
-            </a:pPr>
-            <a:r>
-              <a:rPr b="1" lang="ko">
-                <a:solidFill>
-                  <a:srgbClr val="FFFFFF"/>
+            <a:pPr marL="0" lvl="0" indent="0" algn="l">
+              <a:spcBef>
+                <a:spcPct val="0"/>
+              </a:spcBef>
+              <a:spcAft>
+                <a:spcPct val="0"/>
+              </a:spcAft>
+              <a:buNone/>
+              <a:defRPr lang="ko-KR" altLang="en-US"/>
+            </a:pPr>
+            <a:r>
+              <a:rPr lang="ko" b="1">
+                <a:solidFill>
+                  <a:srgbClr val="ffffff"/>
                 </a:solidFill>
               </a:rPr>
               <a:t># sample webpack.config.js for node</a:t>
             </a:r>
-            <a:endParaRPr b="1">
-              <a:solidFill>
-                <a:srgbClr val="FFFFFF"/>
-              </a:solidFill>
-            </a:endParaRPr>
-          </a:p>
-          <a:p>
-            <a:pPr indent="0" lvl="0" marL="0" rtl="0" algn="l">
+            <a:endParaRPr lang="ko" b="1">
+              <a:solidFill>
+                <a:srgbClr val="ffffff"/>
+              </a:solidFill>
+            </a:endParaRPr>
+          </a:p>
+          <a:p>
+            <a:pPr marL="0" lvl="0" indent="0" algn="l">
               <a:lnSpc>
                 <a:spcPct val="115000"/>
               </a:lnSpc>
               <a:spcBef>
-                <a:spcPts val="0"/>
-              </a:spcBef>
-              <a:spcAft>
-                <a:spcPts val="0"/>
-              </a:spcAft>
-              <a:buNone/>
-            </a:pPr>
-            <a:r>
-              <a:t/>
-            </a:r>
-            <a:endParaRPr sz="1200">
-              <a:solidFill>
-                <a:srgbClr val="ADADAD"/>
-              </a:solidFill>
-            </a:endParaRPr>
-          </a:p>
-          <a:p>
-            <a:pPr indent="0" lvl="0" marL="0" rtl="0" algn="l">
+                <a:spcPct val="0"/>
+              </a:spcBef>
+              <a:spcAft>
+                <a:spcPct val="0"/>
+              </a:spcAft>
+              <a:buNone/>
+              <a:defRPr lang="ko-KR" altLang="en-US"/>
+            </a:pPr>
+            <a:endParaRPr lang="ko-KR" sz="1200">
+              <a:solidFill>
+                <a:srgbClr val="adadad"/>
+              </a:solidFill>
+            </a:endParaRPr>
+          </a:p>
+          <a:p>
+            <a:pPr marL="0" lvl="0" indent="0" algn="l">
               <a:lnSpc>
                 <a:spcPct val="115000"/>
               </a:lnSpc>
               <a:spcBef>
-                <a:spcPts val="0"/>
-              </a:spcBef>
-              <a:spcAft>
-                <a:spcPts val="0"/>
-              </a:spcAft>
-              <a:buNone/>
+                <a:spcPct val="0"/>
+              </a:spcBef>
+              <a:spcAft>
+                <a:spcPct val="0"/>
+              </a:spcAft>
+              <a:buNone/>
+              <a:defRPr lang="ko-KR" altLang="en-US"/>
             </a:pPr>
             <a:r>
               <a:rPr lang="ko" sz="1200">
                 <a:solidFill>
-                  <a:srgbClr val="ADADAD"/>
+                  <a:srgbClr val="adadad"/>
                 </a:solidFill>
               </a:rPr>
               <a:t>const nodeExternals = require('webpack-node-externals');</a:t>
             </a:r>
-            <a:endParaRPr sz="1200">
-              <a:solidFill>
-                <a:srgbClr val="ADADAD"/>
-              </a:solidFill>
-            </a:endParaRPr>
-          </a:p>
-          <a:p>
-            <a:pPr indent="0" lvl="0" marL="0" rtl="0" algn="l">
+            <a:endParaRPr lang="ko" sz="1200">
+              <a:solidFill>
+                <a:srgbClr val="adadad"/>
+              </a:solidFill>
+            </a:endParaRPr>
+          </a:p>
+          <a:p>
+            <a:pPr marL="0" lvl="0" indent="0" algn="l">
               <a:lnSpc>
                 <a:spcPct val="115000"/>
               </a:lnSpc>
               <a:spcBef>
-                <a:spcPts val="0"/>
-              </a:spcBef>
-              <a:spcAft>
-                <a:spcPts val="0"/>
-              </a:spcAft>
-              <a:buNone/>
-            </a:pPr>
-            <a:r>
-              <a:t/>
-            </a:r>
-            <a:endParaRPr sz="1200">
-              <a:solidFill>
-                <a:srgbClr val="ADADAD"/>
-              </a:solidFill>
-            </a:endParaRPr>
-          </a:p>
-          <a:p>
-            <a:pPr indent="0" lvl="0" marL="0" rtl="0" algn="l">
+                <a:spcPct val="0"/>
+              </a:spcBef>
+              <a:spcAft>
+                <a:spcPct val="0"/>
+              </a:spcAft>
+              <a:buNone/>
+              <a:defRPr lang="ko-KR" altLang="en-US"/>
+            </a:pPr>
+            <a:endParaRPr lang="ko-KR" sz="1200">
+              <a:solidFill>
+                <a:srgbClr val="adadad"/>
+              </a:solidFill>
+            </a:endParaRPr>
+          </a:p>
+          <a:p>
+            <a:pPr marL="0" lvl="0" indent="0" algn="l">
               <a:lnSpc>
                 <a:spcPct val="115000"/>
               </a:lnSpc>
               <a:spcBef>
-                <a:spcPts val="0"/>
-              </a:spcBef>
-              <a:spcAft>
-                <a:spcPts val="0"/>
-              </a:spcAft>
-              <a:buNone/>
+                <a:spcPct val="0"/>
+              </a:spcBef>
+              <a:spcAft>
+                <a:spcPct val="0"/>
+              </a:spcAft>
+              <a:buNone/>
+              <a:defRPr lang="ko-KR" altLang="en-US"/>
             </a:pPr>
             <a:r>
               <a:rPr lang="ko" sz="1200">
                 <a:solidFill>
-                  <a:srgbClr val="ADADAD"/>
+                  <a:srgbClr val="adadad"/>
                 </a:solidFill>
               </a:rPr>
               <a:t>module.exports = {</a:t>
             </a:r>
-            <a:endParaRPr sz="1200">
-              <a:solidFill>
-                <a:srgbClr val="ADADAD"/>
-              </a:solidFill>
-            </a:endParaRPr>
-          </a:p>
-          <a:p>
-            <a:pPr indent="0" lvl="0" marL="0" rtl="0" algn="l">
+            <a:endParaRPr lang="ko" sz="1200">
+              <a:solidFill>
+                <a:srgbClr val="adadad"/>
+              </a:solidFill>
+            </a:endParaRPr>
+          </a:p>
+          <a:p>
+            <a:pPr marL="0" lvl="0" indent="0" algn="l">
               <a:lnSpc>
                 <a:spcPct val="115000"/>
               </a:lnSpc>
               <a:spcBef>
-                <a:spcPts val="0"/>
-              </a:spcBef>
-              <a:spcAft>
-                <a:spcPts val="0"/>
-              </a:spcAft>
-              <a:buNone/>
+                <a:spcPct val="0"/>
+              </a:spcBef>
+              <a:spcAft>
+                <a:spcPct val="0"/>
+              </a:spcAft>
+              <a:buNone/>
+              <a:defRPr lang="ko-KR" altLang="en-US"/>
             </a:pPr>
             <a:r>
               <a:rPr lang="ko" sz="1200">
                 <a:solidFill>
-                  <a:srgbClr val="ADADAD"/>
+                  <a:srgbClr val="adadad"/>
                 </a:solidFill>
               </a:rPr>
               <a:t>	entry: './index.js',</a:t>
             </a:r>
-            <a:endParaRPr sz="1200">
-              <a:solidFill>
-                <a:srgbClr val="ADADAD"/>
-              </a:solidFill>
-            </a:endParaRPr>
-          </a:p>
-          <a:p>
-            <a:pPr indent="0" lvl="0" marL="0" rtl="0" algn="l">
+            <a:endParaRPr lang="ko" sz="1200">
+              <a:solidFill>
+                <a:srgbClr val="adadad"/>
+              </a:solidFill>
+            </a:endParaRPr>
+          </a:p>
+          <a:p>
+            <a:pPr marL="0" lvl="0" indent="0" algn="l">
               <a:lnSpc>
                 <a:spcPct val="115000"/>
               </a:lnSpc>
               <a:spcBef>
-                <a:spcPts val="0"/>
-              </a:spcBef>
-              <a:spcAft>
-                <a:spcPts val="0"/>
-              </a:spcAft>
-              <a:buNone/>
+                <a:spcPct val="0"/>
+              </a:spcBef>
+              <a:spcAft>
+                <a:spcPct val="0"/>
+              </a:spcAft>
+              <a:buNone/>
+              <a:defRPr lang="ko-KR" altLang="en-US"/>
             </a:pPr>
             <a:r>
               <a:rPr lang="ko" sz="1200">
                 <a:solidFill>
-                  <a:srgbClr val="ADADAD"/>
+                  <a:srgbClr val="adadad"/>
                 </a:solidFill>
               </a:rPr>
               <a:t>	output: { filename: './server.js'},</a:t>
             </a:r>
-            <a:endParaRPr sz="1200">
-              <a:solidFill>
-                <a:srgbClr val="ADADAD"/>
-              </a:solidFill>
-            </a:endParaRPr>
-          </a:p>
-          <a:p>
-            <a:pPr indent="0" lvl="0" marL="0" rtl="0" algn="l">
+            <a:endParaRPr lang="ko" sz="1200">
+              <a:solidFill>
+                <a:srgbClr val="adadad"/>
+              </a:solidFill>
+            </a:endParaRPr>
+          </a:p>
+          <a:p>
+            <a:pPr marL="0" lvl="0" indent="0" algn="l">
               <a:lnSpc>
                 <a:spcPct val="115000"/>
               </a:lnSpc>
               <a:spcBef>
-                <a:spcPts val="0"/>
-              </a:spcBef>
-              <a:spcAft>
-                <a:spcPts val="0"/>
-              </a:spcAft>
-              <a:buNone/>
+                <a:spcPct val="0"/>
+              </a:spcBef>
+              <a:spcAft>
+                <a:spcPct val="0"/>
+              </a:spcAft>
+              <a:buNone/>
+              <a:defRPr lang="ko-KR" altLang="en-US"/>
             </a:pPr>
             <a:r>
               <a:rPr lang="ko" sz="1200">
                 <a:solidFill>
-                  <a:srgbClr val="ADADAD"/>
+                  <a:srgbClr val="adadad"/>
                 </a:solidFill>
               </a:rPr>
               <a:t>  target: 'node',</a:t>
             </a:r>
-            <a:endParaRPr sz="1200">
-              <a:solidFill>
-                <a:srgbClr val="ADADAD"/>
-              </a:solidFill>
-            </a:endParaRPr>
-          </a:p>
-          <a:p>
-            <a:pPr indent="0" lvl="0" marL="0" rtl="0" algn="l">
+            <a:endParaRPr lang="ko" sz="1200">
+              <a:solidFill>
+                <a:srgbClr val="adadad"/>
+              </a:solidFill>
+            </a:endParaRPr>
+          </a:p>
+          <a:p>
+            <a:pPr marL="0" lvl="0" indent="0" algn="l">
               <a:lnSpc>
                 <a:spcPct val="115000"/>
               </a:lnSpc>
               <a:spcBef>
-                <a:spcPts val="0"/>
-              </a:spcBef>
-              <a:spcAft>
-                <a:spcPts val="0"/>
-              </a:spcAft>
-              <a:buNone/>
+                <a:spcPct val="0"/>
+              </a:spcBef>
+              <a:spcAft>
+                <a:spcPct val="0"/>
+              </a:spcAft>
+              <a:buNone/>
+              <a:defRPr lang="ko-KR" altLang="en-US"/>
             </a:pPr>
             <a:r>
               <a:rPr lang="ko" sz="1200">
                 <a:solidFill>
-                  <a:srgbClr val="ADADAD"/>
+                  <a:srgbClr val="adadad"/>
                 </a:solidFill>
               </a:rPr>
               <a:t>  externals: [nodeExternals()]</a:t>
             </a:r>
-            <a:endParaRPr sz="1200">
-              <a:solidFill>
-                <a:srgbClr val="ADADAD"/>
-              </a:solidFill>
-            </a:endParaRPr>
-          </a:p>
-          <a:p>
-            <a:pPr indent="0" lvl="0" marL="0" rtl="0" algn="l">
+            <a:endParaRPr lang="ko" sz="1200">
+              <a:solidFill>
+                <a:srgbClr val="adadad"/>
+              </a:solidFill>
+            </a:endParaRPr>
+          </a:p>
+          <a:p>
+            <a:pPr marL="0" lvl="0" indent="0" algn="l">
               <a:lnSpc>
                 <a:spcPct val="115000"/>
               </a:lnSpc>
               <a:spcBef>
-                <a:spcPts val="0"/>
-              </a:spcBef>
-              <a:spcAft>
-                <a:spcPts val="0"/>
-              </a:spcAft>
-              <a:buNone/>
+                <a:spcPct val="0"/>
+              </a:spcBef>
+              <a:spcAft>
+                <a:spcPct val="0"/>
+              </a:spcAft>
+              <a:buNone/>
+              <a:defRPr lang="ko-KR" altLang="en-US"/>
             </a:pPr>
             <a:r>
               <a:rPr lang="ko" sz="1200">
                 <a:solidFill>
-                  <a:srgbClr val="ADADAD"/>
+                  <a:srgbClr val="adadad"/>
                 </a:solidFill>
               </a:rPr>
               <a:t>}</a:t>
             </a:r>
-            <a:endParaRPr sz="1200">
-              <a:solidFill>
-                <a:srgbClr val="ADADAD"/>
-              </a:solidFill>
-            </a:endParaRPr>
-          </a:p>
-          <a:p>
-            <a:pPr indent="2247900" lvl="0" marL="0" rtl="0" algn="l">
+            <a:endParaRPr lang="ko" sz="1200">
+              <a:solidFill>
+                <a:srgbClr val="adadad"/>
+              </a:solidFill>
+            </a:endParaRPr>
+          </a:p>
+          <a:p>
+            <a:pPr marL="0" lvl="0" indent="2247900" algn="l">
               <a:lnSpc>
                 <a:spcPct val="115000"/>
               </a:lnSpc>
               <a:spcBef>
-                <a:spcPts val="0"/>
-              </a:spcBef>
-              <a:spcAft>
-                <a:spcPts val="0"/>
-              </a:spcAft>
-              <a:buNone/>
-            </a:pPr>
-            <a:r>
-              <a:t/>
-            </a:r>
-            <a:endParaRPr sz="1200">
-              <a:solidFill>
-                <a:srgbClr val="ADADAD"/>
-              </a:solidFill>
-            </a:endParaRPr>
-          </a:p>
-          <a:p>
-            <a:pPr indent="0" lvl="0" marL="0" rtl="0" algn="l">
-              <a:spcBef>
-                <a:spcPts val="0"/>
-              </a:spcBef>
-              <a:spcAft>
-                <a:spcPts val="0"/>
-              </a:spcAft>
-              <a:buNone/>
-            </a:pPr>
-            <a:r>
-              <a:t/>
-            </a:r>
-            <a:endParaRPr sz="1200"/>
+                <a:spcPct val="0"/>
+              </a:spcBef>
+              <a:spcAft>
+                <a:spcPct val="0"/>
+              </a:spcAft>
+              <a:buNone/>
+              <a:defRPr lang="ko-KR" altLang="en-US"/>
+            </a:pPr>
+            <a:endParaRPr lang="ko-KR" sz="1200">
+              <a:solidFill>
+                <a:srgbClr val="adadad"/>
+              </a:solidFill>
+            </a:endParaRPr>
+          </a:p>
+          <a:p>
+            <a:pPr marL="0" lvl="0" indent="0" algn="l">
+              <a:spcBef>
+                <a:spcPct val="0"/>
+              </a:spcBef>
+              <a:spcAft>
+                <a:spcPct val="0"/>
+              </a:spcAft>
+              <a:buNone/>
+              <a:defRPr lang="ko-KR" altLang="en-US"/>
+            </a:pPr>
+            <a:endParaRPr lang="ko-KR" sz="1200"/>
           </a:p>
         </p:txBody>
       </p:sp>
@@ -18517,15 +17327,16 @@
   <p:clrMapOvr>
     <a:masterClrMapping/>
   </p:clrMapOvr>
+  <p:transition xmlns:mc="http://schemas.openxmlformats.org/markup-compatibility/2006" xmlns:hp="http://schemas.haansoft.com/office/presentation/8.0" mc:Ignorable="hp" hp:hslDur="500"/>
 </p:sld>
 </file>
 
 <file path=ppt/slides/slide29.xml><?xml version="1.0" encoding="utf-8"?>
-<p:sld xmlns:a="http://schemas.openxmlformats.org/drawingml/2006/main" xmlns:r="http://schemas.openxmlformats.org/officeDocument/2006/relationships" xmlns:mc="http://schemas.openxmlformats.org/markup-compatibility/2006" xmlns:mv="urn:schemas-microsoft-com:mac:vml" xmlns:p="http://schemas.openxmlformats.org/presentationml/2006/main" xmlns:c="http://schemas.openxmlformats.org/drawingml/2006/chart" xmlns:dgm="http://schemas.openxmlformats.org/drawingml/2006/diagram" xmlns:o="urn:schemas-microsoft-com:office:office" xmlns:v="urn:schemas-microsoft-com:vml" xmlns:pvml="urn:schemas-microsoft-com:office:powerpoint" xmlns:com="http://schemas.openxmlformats.org/drawingml/2006/compatibility" xmlns:p14="http://schemas.microsoft.com/office/powerpoint/2010/main" xmlns:p15="http://schemas.microsoft.com/office/powerpoint/2012/main">
+<p:sld xmlns:r="http://schemas.openxmlformats.org/officeDocument/2006/relationships" xmlns:c="http://schemas.openxmlformats.org/drawingml/2006/chart" xmlns:a="http://schemas.openxmlformats.org/drawingml/2006/main" xmlns:dgm="http://schemas.openxmlformats.org/drawingml/2006/diagram" xmlns:dsp="http://schemas.microsoft.com/office/drawing/2008/diagram" xmlns:p="http://schemas.openxmlformats.org/presentationml/2006/main">
   <p:cSld>
     <p:spTree>
       <p:nvGrpSpPr>
-        <p:cNvPr id="261" name="Shape 261"/>
+        <p:cNvPr id="1" name=""/>
         <p:cNvGrpSpPr/>
         <p:nvPr/>
       </p:nvGrpSpPr>
@@ -18540,14 +17351,16 @@
       <p:sp>
         <p:nvSpPr>
           <p:cNvPr id="262" name="Google Shape;262;p41"/>
-          <p:cNvSpPr txBox="1"/>
+          <p:cNvSpPr txBox="1">
+            <a:spLocks noGrp="1"/>
+          </p:cNvSpPr>
           <p:nvPr>
-            <p:ph type="title"/>
+            <p:ph type="title" idx="0"/>
           </p:nvPr>
         </p:nvSpPr>
         <p:spPr>
           <a:xfrm>
-            <a:off x="311700" y="292625"/>
+            <a:off x="311699" y="0"/>
             <a:ext cx="8520600" cy="572700"/>
           </a:xfrm>
           <a:prstGeom prst="rect">
@@ -18555,43 +17368,46 @@
           </a:prstGeom>
         </p:spPr>
         <p:txBody>
-          <a:bodyPr anchorCtr="0" anchor="t" bIns="91425" lIns="91425" spcFirstLastPara="1" rIns="91425" wrap="square" tIns="91425">
+          <a:bodyPr wrap="square" lIns="91425" tIns="91425" rIns="91425" bIns="91425" anchor="t" anchorCtr="0">
             <a:noAutofit/>
           </a:bodyPr>
           <a:lstStyle/>
           <a:p>
-            <a:pPr indent="0" lvl="0" marL="0" rtl="0" algn="l">
-              <a:spcBef>
-                <a:spcPts val="0"/>
-              </a:spcBef>
-              <a:spcAft>
-                <a:spcPts val="0"/>
-              </a:spcAft>
-              <a:buNone/>
+            <a:pPr marL="0" lvl="0" indent="0" algn="l">
+              <a:spcBef>
+                <a:spcPct val="0"/>
+              </a:spcBef>
+              <a:spcAft>
+                <a:spcPct val="0"/>
+              </a:spcAft>
+              <a:buNone/>
+              <a:defRPr lang="ko-KR" altLang="en-US"/>
             </a:pPr>
             <a:r>
               <a:rPr lang="ko" sz="3000"/>
               <a:t>사전 지식 -</a:t>
             </a:r>
             <a:r>
-              <a:rPr b="1" lang="ko" sz="3000"/>
+              <a:rPr lang="ko" sz="3000" b="1"/>
               <a:t> MVVM</a:t>
             </a:r>
-            <a:endParaRPr/>
+            <a:endParaRPr lang="ko-KR"/>
           </a:p>
         </p:txBody>
       </p:sp>
       <p:sp>
         <p:nvSpPr>
           <p:cNvPr id="263" name="Google Shape;263;p41"/>
-          <p:cNvSpPr txBox="1"/>
+          <p:cNvSpPr txBox="1">
+            <a:spLocks noGrp="1"/>
+          </p:cNvSpPr>
           <p:nvPr>
-            <p:ph idx="1" type="body"/>
+            <p:ph type="body" idx="1"/>
           </p:nvPr>
         </p:nvSpPr>
         <p:spPr>
           <a:xfrm>
-            <a:off x="311700" y="1152475"/>
+            <a:off x="311699" y="495250"/>
             <a:ext cx="8520600" cy="1577400"/>
           </a:xfrm>
           <a:prstGeom prst="rect">
@@ -18599,72 +17415,136 @@
           </a:prstGeom>
         </p:spPr>
         <p:txBody>
-          <a:bodyPr anchorCtr="0" anchor="t" bIns="91425" lIns="91425" spcFirstLastPara="1" rIns="91425" wrap="square" tIns="91425">
+          <a:bodyPr wrap="square" lIns="91425" tIns="91425" rIns="91425" bIns="91425" anchor="t" anchorCtr="0">
             <a:noAutofit/>
           </a:bodyPr>
           <a:lstStyle/>
           <a:p>
-            <a:pPr indent="0" lvl="0" marL="0" rtl="0" algn="l">
-              <a:spcBef>
-                <a:spcPts val="0"/>
-              </a:spcBef>
-              <a:spcAft>
-                <a:spcPts val="0"/>
-              </a:spcAft>
-              <a:buNone/>
-            </a:pPr>
-            <a:r>
-              <a:rPr lang="ko"/>
+            <a:pPr marL="0" lvl="0" indent="0" algn="l">
+              <a:spcBef>
+                <a:spcPct val="0"/>
+              </a:spcBef>
+              <a:spcAft>
+                <a:spcPct val="0"/>
+              </a:spcAft>
+              <a:buNone/>
+              <a:defRPr lang="ko-KR" altLang="en-US"/>
+            </a:pPr>
+            <a:r>
+              <a:rPr lang="ko" sz="1500"/>
               <a:t>Model View ViewModel Pattern</a:t>
             </a:r>
-            <a:endParaRPr/>
-          </a:p>
-          <a:p>
-            <a:pPr indent="0" lvl="0" marL="0" rtl="0" algn="l">
-              <a:spcBef>
-                <a:spcPts val="1600"/>
-              </a:spcBef>
-              <a:spcAft>
-                <a:spcPts val="0"/>
-              </a:spcAft>
-              <a:buNone/>
-            </a:pPr>
-            <a:r>
-              <a:rPr lang="ko"/>
+            <a:endParaRPr lang="ko" sz="1500"/>
+          </a:p>
+          <a:p>
+            <a:pPr marL="0" lvl="0" indent="0" algn="l">
+              <a:spcBef>
+                <a:spcPct val="74000"/>
+              </a:spcBef>
+              <a:spcAft>
+                <a:spcPct val="0"/>
+              </a:spcAft>
+              <a:buNone/>
+              <a:defRPr lang="ko-KR" altLang="en-US"/>
+            </a:pPr>
+            <a:r>
+              <a:rPr lang="ko" sz="1500"/>
               <a:t>View - ViewModel - Model</a:t>
             </a:r>
-            <a:endParaRPr/>
-          </a:p>
-          <a:p>
-            <a:pPr indent="0" lvl="0" marL="0" rtl="0" algn="l">
-              <a:spcBef>
-                <a:spcPts val="1600"/>
-              </a:spcBef>
-              <a:spcAft>
-                <a:spcPts val="1600"/>
-              </a:spcAft>
-              <a:buNone/>
-            </a:pPr>
-            <a:r>
-              <a:rPr lang="ko"/>
-              <a:t>cf. MVC, MVP : View</a:t>
-            </a:r>
-            <a:r>
-              <a:rPr lang="ko"/>
-              <a:t>와 Controller 또는 Presenter가 강하게 연결</a:t>
-            </a:r>
-            <a:endParaRPr/>
+            <a:endParaRPr lang="ko" sz="1500"/>
+          </a:p>
+          <a:p>
+            <a:pPr marL="0" lvl="0" indent="0" algn="l">
+              <a:spcBef>
+                <a:spcPct val="74000"/>
+              </a:spcBef>
+              <a:spcAft>
+                <a:spcPct val="74000"/>
+              </a:spcAft>
+              <a:buNone/>
+              <a:defRPr lang="ko-KR" altLang="en-US"/>
+            </a:pPr>
+            <a:r>
+              <a:rPr lang="ko" sz="1500"/>
+              <a:t>cf. MVC, MVP : View와 Controller 또는 Presenter가 강하게 연결</a:t>
+            </a:r>
+            <a:br>
+              <a:rPr lang="ko-KR" altLang="en-US" sz="1500"/>
+            </a:br>
+            <a:r>
+              <a:rPr lang="ko-KR" altLang="en-US" sz="1500"/>
+              <a:t>이러한 문제를 해결하기 위해 나온 모델이 </a:t>
+            </a:r>
+            <a:r>
+              <a:rPr lang="en-US" altLang="ko-KR" sz="1500"/>
+              <a:t>MVVM</a:t>
+            </a:r>
+            <a:br>
+              <a:rPr lang="en-US" altLang="ko-KR" sz="1500"/>
+            </a:br>
+            <a:br>
+              <a:rPr lang="ko-KR" altLang="en-US" sz="1500"/>
+            </a:br>
+            <a:r>
+              <a:rPr lang="en-US" altLang="ko-KR" sz="1500"/>
+              <a:t>View</a:t>
+            </a:r>
+            <a:r>
+              <a:rPr lang="ko-KR" altLang="en-US" sz="1500"/>
+              <a:t>(</a:t>
+            </a:r>
+            <a:r>
+              <a:rPr lang="en-US" altLang="ko-KR" sz="1500"/>
+              <a:t>HTML</a:t>
+            </a:r>
+            <a:r>
+              <a:rPr lang="ko-KR" altLang="en-US" sz="1500"/>
+              <a:t>)</a:t>
+            </a:r>
+            <a:r>
+              <a:rPr lang="en-US" altLang="ko-KR" sz="1500"/>
+              <a:t>-View Model(DOM</a:t>
+            </a:r>
+            <a:r>
+              <a:rPr lang="ko-KR" altLang="en-US" sz="1500"/>
+              <a:t> </a:t>
+            </a:r>
+            <a:r>
+              <a:rPr lang="en-US" altLang="ko-KR" sz="1500"/>
+              <a:t>Listener) </a:t>
+            </a:r>
+            <a:r>
+              <a:rPr lang="ko-KR" altLang="en-US" sz="1500"/>
+              <a:t>느슨하게 연결,</a:t>
+            </a:r>
+            <a:r>
+              <a:rPr lang="en-US" altLang="ko-KR" sz="1500"/>
+              <a:t> Model(DB, Server</a:t>
+            </a:r>
+            <a:r>
+              <a:rPr lang="ko-KR" altLang="en-US" sz="1500"/>
+              <a:t>와 통신</a:t>
+            </a:r>
+            <a:r>
+              <a:rPr lang="en-US" altLang="ko-KR" sz="1500"/>
+              <a:t>) </a:t>
+            </a:r>
+            <a:r>
+              <a:rPr lang="ko-KR" altLang="en-US" sz="1500"/>
+              <a:t>단절</a:t>
+            </a:r>
+            <a:endParaRPr lang="ko-KR" altLang="en-US" sz="1500"/>
           </a:p>
         </p:txBody>
       </p:sp>
       <p:pic>
         <p:nvPicPr>
           <p:cNvPr id="264" name="Google Shape;264;p41"/>
-          <p:cNvPicPr preferRelativeResize="0"/>
+          <p:cNvPicPr/>
           <p:nvPr/>
         </p:nvPicPr>
-        <p:blipFill>
-          <a:blip r:embed="rId3">
+        <p:blipFill rotWithShape="1">
+          <a:blip r:embed="rId2">
             <a:alphaModFix/>
           </a:blip>
           <a:stretch>
@@ -18690,6 +17570,7 @@
   <p:clrMapOvr>
     <a:masterClrMapping/>
   </p:clrMapOvr>
+  <p:transition xmlns:mc="http://schemas.openxmlformats.org/markup-compatibility/2006" xmlns:hp="http://schemas.haansoft.com/office/presentation/8.0" mc:Ignorable="hp" hp:hslDur="500"/>
 </p:sld>
 </file>
 
@@ -19012,11 +17893,11 @@
 </file>
 
 <file path=ppt/slides/slide30.xml><?xml version="1.0" encoding="utf-8"?>
-<p:sld xmlns:a="http://schemas.openxmlformats.org/drawingml/2006/main" xmlns:r="http://schemas.openxmlformats.org/officeDocument/2006/relationships" xmlns:mc="http://schemas.openxmlformats.org/markup-compatibility/2006" xmlns:mv="urn:schemas-microsoft-com:mac:vml" xmlns:p="http://schemas.openxmlformats.org/presentationml/2006/main" xmlns:c="http://schemas.openxmlformats.org/drawingml/2006/chart" xmlns:dgm="http://schemas.openxmlformats.org/drawingml/2006/diagram" xmlns:o="urn:schemas-microsoft-com:office:office" xmlns:v="urn:schemas-microsoft-com:vml" xmlns:pvml="urn:schemas-microsoft-com:office:powerpoint" xmlns:com="http://schemas.openxmlformats.org/drawingml/2006/compatibility" xmlns:p14="http://schemas.microsoft.com/office/powerpoint/2010/main" xmlns:p15="http://schemas.microsoft.com/office/powerpoint/2012/main">
+<p:sld xmlns:r="http://schemas.openxmlformats.org/officeDocument/2006/relationships" xmlns:c="http://schemas.openxmlformats.org/drawingml/2006/chart" xmlns:a="http://schemas.openxmlformats.org/drawingml/2006/main" xmlns:dgm="http://schemas.openxmlformats.org/drawingml/2006/diagram" xmlns:dsp="http://schemas.microsoft.com/office/drawing/2008/diagram" xmlns:p="http://schemas.openxmlformats.org/presentationml/2006/main">
   <p:cSld>
     <p:spTree>
       <p:nvGrpSpPr>
-        <p:cNvPr id="268" name="Shape 268"/>
+        <p:cNvPr id="1" name=""/>
         <p:cNvGrpSpPr/>
         <p:nvPr/>
       </p:nvGrpSpPr>
@@ -19031,9 +17912,11 @@
       <p:sp>
         <p:nvSpPr>
           <p:cNvPr id="269" name="Google Shape;269;p42"/>
-          <p:cNvSpPr txBox="1"/>
+          <p:cNvSpPr txBox="1">
+            <a:spLocks noGrp="1"/>
+          </p:cNvSpPr>
           <p:nvPr>
-            <p:ph type="title"/>
+            <p:ph type="title" idx="0"/>
           </p:nvPr>
         </p:nvSpPr>
         <p:spPr>
@@ -19046,26 +17929,27 @@
           </a:prstGeom>
         </p:spPr>
         <p:txBody>
-          <a:bodyPr anchorCtr="0" anchor="t" bIns="91425" lIns="91425" spcFirstLastPara="1" rIns="91425" wrap="square" tIns="91425">
+          <a:bodyPr wrap="square" lIns="91425" tIns="91425" rIns="91425" bIns="91425" anchor="t" anchorCtr="0">
             <a:noAutofit/>
           </a:bodyPr>
           <a:lstStyle/>
           <a:p>
-            <a:pPr indent="0" lvl="0" marL="0" rtl="0" algn="l">
-              <a:spcBef>
-                <a:spcPts val="0"/>
-              </a:spcBef>
-              <a:spcAft>
-                <a:spcPts val="0"/>
-              </a:spcAft>
-              <a:buNone/>
+            <a:pPr marL="0" lvl="0" indent="0" algn="l">
+              <a:spcBef>
+                <a:spcPct val="0"/>
+              </a:spcBef>
+              <a:spcAft>
+                <a:spcPct val="0"/>
+              </a:spcAft>
+              <a:buNone/>
+              <a:defRPr lang="ko-KR" altLang="en-US"/>
             </a:pPr>
             <a:r>
               <a:rPr lang="ko"/>
               <a:t>What's </a:t>
             </a:r>
             <a:r>
-              <a:rPr b="1" lang="ko" sz="3000"/>
+              <a:rPr lang="ko" sz="3000" b="1"/>
               <a:t>Vue.js</a:t>
             </a:r>
             <a:r>
@@ -19075,38 +17959,30 @@
             <a:r>
               <a:rPr lang="ko" sz="1800">
                 <a:solidFill>
-                  <a:srgbClr val="B7B7B7"/>
-                </a:solidFill>
-              </a:rPr>
-              <a:t>by</a:t>
+                  <a:srgbClr val="b7b7b7"/>
+                </a:solidFill>
+              </a:rPr>
+              <a:t>by `</a:t>
+            </a:r>
+            <a:r>
+              <a:rPr lang="ko" sz="1800" b="1">
+                <a:solidFill>
+                  <a:srgbClr val="b7b7b7"/>
+                </a:solidFill>
+              </a:rPr>
+              <a:t>Evan You</a:t>
             </a:r>
             <a:r>
               <a:rPr lang="ko" sz="1800">
                 <a:solidFill>
-                  <a:srgbClr val="B7B7B7"/>
-                </a:solidFill>
-              </a:rPr>
-              <a:t> `</a:t>
-            </a:r>
-            <a:r>
-              <a:rPr b="1" lang="ko" sz="1800">
-                <a:solidFill>
-                  <a:srgbClr val="B7B7B7"/>
-                </a:solidFill>
-              </a:rPr>
-              <a:t>Evan You</a:t>
-            </a:r>
-            <a:r>
-              <a:rPr lang="ko" sz="1800">
-                <a:solidFill>
-                  <a:srgbClr val="B7B7B7"/>
+                  <a:srgbClr val="b7b7b7"/>
                 </a:solidFill>
               </a:rPr>
               <a:t>`</a:t>
             </a:r>
-            <a:endParaRPr sz="1800">
-              <a:solidFill>
-                <a:srgbClr val="B7B7B7"/>
+            <a:endParaRPr lang="en-US" sz="1800">
+              <a:solidFill>
+                <a:srgbClr val="b7b7b7"/>
               </a:solidFill>
             </a:endParaRPr>
           </a:p>
@@ -19115,9 +17991,11 @@
       <p:sp>
         <p:nvSpPr>
           <p:cNvPr id="270" name="Google Shape;270;p42"/>
-          <p:cNvSpPr txBox="1"/>
+          <p:cNvSpPr txBox="1">
+            <a:spLocks noGrp="1"/>
+          </p:cNvSpPr>
           <p:nvPr>
-            <p:ph idx="1" type="body"/>
+            <p:ph type="body" idx="1"/>
           </p:nvPr>
         </p:nvSpPr>
         <p:spPr>
@@ -19130,123 +18008,126 @@
           </a:prstGeom>
         </p:spPr>
         <p:txBody>
-          <a:bodyPr anchorCtr="0" anchor="t" bIns="91425" lIns="91425" spcFirstLastPara="1" rIns="91425" wrap="square" tIns="91425">
+          <a:bodyPr wrap="square" lIns="91425" tIns="91425" rIns="91425" bIns="91425" anchor="t" anchorCtr="0">
             <a:noAutofit/>
           </a:bodyPr>
           <a:lstStyle/>
           <a:p>
-            <a:pPr indent="0" lvl="0" marL="0" rtl="0" algn="l">
-              <a:spcBef>
-                <a:spcPts val="0"/>
-              </a:spcBef>
-              <a:spcAft>
-                <a:spcPts val="0"/>
-              </a:spcAft>
-              <a:buNone/>
+            <a:pPr marL="0" lvl="0" indent="0" algn="l">
+              <a:spcBef>
+                <a:spcPct val="0"/>
+              </a:spcBef>
+              <a:spcAft>
+                <a:spcPct val="0"/>
+              </a:spcAft>
+              <a:buNone/>
+              <a:defRPr lang="ko-KR" altLang="en-US"/>
             </a:pPr>
             <a:r>
               <a:rPr lang="ko"/>
               <a:t>Progressive Javascript Framework, SPA (Single Page Application)</a:t>
             </a:r>
-            <a:endParaRPr/>
-          </a:p>
-          <a:p>
-            <a:pPr indent="0" lvl="0" marL="0" rtl="0" algn="l">
-              <a:spcBef>
-                <a:spcPts val="1600"/>
-              </a:spcBef>
-              <a:spcAft>
-                <a:spcPts val="0"/>
-              </a:spcAft>
-              <a:buNone/>
+            <a:endParaRPr lang="ko"/>
+          </a:p>
+          <a:p>
+            <a:pPr marL="0" lvl="0" indent="0" algn="l">
+              <a:spcBef>
+                <a:spcPct val="74000"/>
+              </a:spcBef>
+              <a:spcAft>
+                <a:spcPct val="0"/>
+              </a:spcAft>
+              <a:buNone/>
+              <a:defRPr lang="ko-KR" altLang="en-US"/>
             </a:pPr>
             <a:r>
               <a:rPr lang="ko"/>
-              <a:t>접근</a:t>
-            </a:r>
-            <a:r>
-              <a:rPr lang="ko"/>
-              <a:t>성(학습곡선), 유연성, 고성능(30Kb min+gzip)</a:t>
-            </a:r>
-            <a:endParaRPr/>
-          </a:p>
-          <a:p>
-            <a:pPr indent="0" lvl="0" marL="0" rtl="0" algn="l">
-              <a:spcBef>
-                <a:spcPts val="1600"/>
-              </a:spcBef>
-              <a:spcAft>
-                <a:spcPts val="0"/>
-              </a:spcAft>
-              <a:buNone/>
-            </a:pPr>
-            <a:r>
-              <a:rPr b="1" lang="ko"/>
+              <a:t>접근성(학습곡선), 유연성, 고성능(30Kb min+gzip)</a:t>
+            </a:r>
+            <a:endParaRPr lang="ko"/>
+          </a:p>
+          <a:p>
+            <a:pPr marL="0" lvl="0" indent="0" algn="l">
+              <a:spcBef>
+                <a:spcPct val="74000"/>
+              </a:spcBef>
+              <a:spcAft>
+                <a:spcPct val="0"/>
+              </a:spcAft>
+              <a:buNone/>
+              <a:defRPr lang="ko-KR" altLang="en-US"/>
+            </a:pPr>
+            <a:r>
+              <a:rPr lang="ko" b="1"/>
               <a:t>vue-cli</a:t>
             </a:r>
             <a:r>
               <a:rPr lang="ko"/>
               <a:t>(vue-cli-service, vue ui), vue-devtools(chrome extension)</a:t>
             </a:r>
-            <a:endParaRPr/>
-          </a:p>
-          <a:p>
-            <a:pPr indent="0" lvl="0" marL="0" rtl="0" algn="l">
-              <a:spcBef>
-                <a:spcPts val="1600"/>
-              </a:spcBef>
-              <a:spcAft>
-                <a:spcPts val="0"/>
-              </a:spcAft>
-              <a:buNone/>
+            <a:endParaRPr lang="ko"/>
+          </a:p>
+          <a:p>
+            <a:pPr marL="0" lvl="0" indent="0" algn="l">
+              <a:spcBef>
+                <a:spcPct val="74000"/>
+              </a:spcBef>
+              <a:spcAft>
+                <a:spcPct val="0"/>
+              </a:spcAft>
+              <a:buNone/>
+              <a:defRPr lang="ko-KR" altLang="en-US"/>
             </a:pPr>
             <a:r>
               <a:rPr lang="ko"/>
               <a:t>Component, Router, Resource, Template, Life Cycle</a:t>
             </a:r>
-            <a:endParaRPr/>
-          </a:p>
-          <a:p>
-            <a:pPr indent="0" lvl="0" marL="0" rtl="0" algn="l">
-              <a:spcBef>
-                <a:spcPts val="1600"/>
-              </a:spcBef>
-              <a:spcAft>
-                <a:spcPts val="0"/>
-              </a:spcAft>
-              <a:buNone/>
+            <a:endParaRPr lang="ko"/>
+          </a:p>
+          <a:p>
+            <a:pPr marL="0" lvl="0" indent="0" algn="l">
+              <a:spcBef>
+                <a:spcPct val="74000"/>
+              </a:spcBef>
+              <a:spcAft>
+                <a:spcPct val="0"/>
+              </a:spcAft>
+              <a:buNone/>
+              <a:defRPr lang="ko-KR" altLang="en-US"/>
             </a:pPr>
             <a:r>
               <a:rPr lang="ko"/>
               <a:t>Render, Directives, 2-way Data-binding, Computed properties, Events</a:t>
             </a:r>
-            <a:endParaRPr/>
-          </a:p>
-          <a:p>
-            <a:pPr indent="0" lvl="0" marL="0" rtl="0" algn="l">
-              <a:spcBef>
-                <a:spcPts val="1600"/>
-              </a:spcBef>
-              <a:spcAft>
-                <a:spcPts val="0"/>
-              </a:spcAft>
-              <a:buNone/>
+            <a:endParaRPr lang="ko"/>
+          </a:p>
+          <a:p>
+            <a:pPr marL="0" lvl="0" indent="0" algn="l">
+              <a:spcBef>
+                <a:spcPct val="74000"/>
+              </a:spcBef>
+              <a:spcAft>
+                <a:spcPct val="0"/>
+              </a:spcAft>
+              <a:buNone/>
+              <a:defRPr lang="ko-KR" altLang="en-US"/>
             </a:pPr>
             <a:r>
               <a:rPr lang="ko"/>
               <a:t>Options: template, el, method, created, data, mounted, updated, destroyed, etc.</a:t>
             </a:r>
-            <a:endParaRPr/>
-          </a:p>
-          <a:p>
-            <a:pPr indent="0" lvl="0" marL="0" rtl="0" algn="l">
-              <a:spcBef>
-                <a:spcPts val="1600"/>
-              </a:spcBef>
-              <a:spcAft>
-                <a:spcPts val="1600"/>
-              </a:spcAft>
-              <a:buNone/>
+            <a:endParaRPr lang="ko"/>
+          </a:p>
+          <a:p>
+            <a:pPr marL="0" lvl="0" indent="0" algn="l">
+              <a:spcBef>
+                <a:spcPct val="74000"/>
+              </a:spcBef>
+              <a:spcAft>
+                <a:spcPct val="16000"/>
+              </a:spcAft>
+              <a:buNone/>
+              <a:defRPr lang="ko-KR" altLang="en-US"/>
             </a:pPr>
             <a:r>
               <a:rPr lang="ko"/>
@@ -19257,11 +18138,11 @@
                 <a:solidFill>
                   <a:schemeClr val="accent5"/>
                 </a:solidFill>
-                <a:hlinkClick r:id="rId3"/>
+                <a:hlinkClick r:id="rId2"/>
               </a:rPr>
               <a:t>다른 SPA Framework과의 비교</a:t>
             </a:r>
-            <a:endParaRPr/>
+            <a:endParaRPr lang="en-US"/>
           </a:p>
         </p:txBody>
       </p:sp>
@@ -19270,15 +18151,16 @@
   <p:clrMapOvr>
     <a:masterClrMapping/>
   </p:clrMapOvr>
+  <p:transition xmlns:mc="http://schemas.openxmlformats.org/markup-compatibility/2006" xmlns:hp="http://schemas.haansoft.com/office/presentation/8.0" mc:Ignorable="hp" hp:hslDur="500"/>
 </p:sld>
 </file>
 
 <file path=ppt/slides/slide31.xml><?xml version="1.0" encoding="utf-8"?>
-<p:sld xmlns:a="http://schemas.openxmlformats.org/drawingml/2006/main" xmlns:r="http://schemas.openxmlformats.org/officeDocument/2006/relationships" xmlns:mc="http://schemas.openxmlformats.org/markup-compatibility/2006" xmlns:mv="urn:schemas-microsoft-com:mac:vml" xmlns:p="http://schemas.openxmlformats.org/presentationml/2006/main" xmlns:c="http://schemas.openxmlformats.org/drawingml/2006/chart" xmlns:dgm="http://schemas.openxmlformats.org/drawingml/2006/diagram" xmlns:o="urn:schemas-microsoft-com:office:office" xmlns:v="urn:schemas-microsoft-com:vml" xmlns:pvml="urn:schemas-microsoft-com:office:powerpoint" xmlns:com="http://schemas.openxmlformats.org/drawingml/2006/compatibility" xmlns:p14="http://schemas.microsoft.com/office/powerpoint/2010/main" xmlns:p15="http://schemas.microsoft.com/office/powerpoint/2012/main">
+<p:sld xmlns:r="http://schemas.openxmlformats.org/officeDocument/2006/relationships" xmlns:c="http://schemas.openxmlformats.org/drawingml/2006/chart" xmlns:a="http://schemas.openxmlformats.org/drawingml/2006/main" xmlns:dgm="http://schemas.openxmlformats.org/drawingml/2006/diagram" xmlns:dsp="http://schemas.microsoft.com/office/drawing/2008/diagram" xmlns:p="http://schemas.openxmlformats.org/presentationml/2006/main">
   <p:cSld>
     <p:spTree>
       <p:nvGrpSpPr>
-        <p:cNvPr id="274" name="Shape 274"/>
+        <p:cNvPr id="1" name=""/>
         <p:cNvGrpSpPr/>
         <p:nvPr/>
       </p:nvGrpSpPr>
@@ -19293,11 +18175,11 @@
       <p:pic>
         <p:nvPicPr>
           <p:cNvPr id="275" name="Google Shape;275;p43"/>
-          <p:cNvPicPr preferRelativeResize="0"/>
+          <p:cNvPicPr/>
           <p:nvPr/>
         </p:nvPicPr>
-        <p:blipFill>
-          <a:blip r:embed="rId3">
+        <p:blipFill rotWithShape="1">
+          <a:blip r:embed="rId2">
             <a:alphaModFix/>
           </a:blip>
           <a:stretch>
@@ -19321,11 +18203,11 @@
       <p:pic>
         <p:nvPicPr>
           <p:cNvPr id="276" name="Google Shape;276;p43"/>
-          <p:cNvPicPr preferRelativeResize="0"/>
+          <p:cNvPicPr/>
           <p:nvPr/>
         </p:nvPicPr>
-        <p:blipFill>
-          <a:blip r:embed="rId4">
+        <p:blipFill rotWithShape="1">
+          <a:blip r:embed="rId3">
             <a:alphaModFix/>
           </a:blip>
           <a:stretch>
@@ -19349,13 +18231,15 @@
       <p:sp>
         <p:nvSpPr>
           <p:cNvPr id="277" name="Google Shape;277;p43"/>
-          <p:cNvSpPr txBox="1"/>
+          <p:cNvSpPr txBox="1">
+            <a:spLocks noGrp="1"/>
+          </p:cNvSpPr>
           <p:nvPr>
-            <p:ph type="title"/>
+            <p:ph type="title" idx="0"/>
           </p:nvPr>
         </p:nvSpPr>
         <p:spPr>
-          <a:xfrm rot="-5400000">
+          <a:xfrm rot="16200000">
             <a:off x="-1925250" y="2322875"/>
             <a:ext cx="4764900" cy="572700"/>
           </a:xfrm>
@@ -19364,27 +18248,28 @@
           </a:prstGeom>
         </p:spPr>
         <p:txBody>
-          <a:bodyPr anchorCtr="0" anchor="t" bIns="91425" lIns="91425" spcFirstLastPara="1" rIns="91425" wrap="square" tIns="91425">
+          <a:bodyPr wrap="square" lIns="91425" tIns="91425" rIns="91425" bIns="91425" anchor="t" anchorCtr="0">
             <a:noAutofit/>
           </a:bodyPr>
           <a:lstStyle/>
           <a:p>
-            <a:pPr indent="0" lvl="0" marL="0" rtl="0" algn="r">
-              <a:spcBef>
-                <a:spcPts val="0"/>
-              </a:spcBef>
-              <a:spcAft>
-                <a:spcPts val="0"/>
-              </a:spcAft>
-              <a:buNone/>
+            <a:pPr marL="0" lvl="0" indent="0" algn="r">
+              <a:spcBef>
+                <a:spcPct val="0"/>
+              </a:spcBef>
+              <a:spcAft>
+                <a:spcPct val="0"/>
+              </a:spcAft>
+              <a:buNone/>
+              <a:defRPr lang="ko-KR" altLang="en-US"/>
             </a:pPr>
             <a:r>
               <a:rPr lang="ko"/>
               <a:t>Vue Life Cycle Diagram</a:t>
             </a:r>
-            <a:endParaRPr sz="1800">
-              <a:solidFill>
-                <a:srgbClr val="B7B7B7"/>
+            <a:endParaRPr lang="en-US" sz="1800">
+              <a:solidFill>
+                <a:srgbClr val="b7b7b7"/>
               </a:solidFill>
             </a:endParaRPr>
           </a:p>
@@ -19410,58 +18295,49 @@
           </a:ln>
         </p:spPr>
         <p:txBody>
-          <a:bodyPr anchorCtr="0" anchor="t" bIns="91425" lIns="91425" spcFirstLastPara="1" rIns="91425" wrap="square" tIns="91425">
+          <a:bodyPr wrap="square" lIns="91425" tIns="91425" rIns="91425" bIns="91425" anchor="t" anchorCtr="0">
             <a:noAutofit/>
           </a:bodyPr>
           <a:lstStyle/>
           <a:p>
-            <a:pPr indent="0" lvl="0" marL="0" rtl="0" algn="l">
-              <a:spcBef>
-                <a:spcPts val="0"/>
-              </a:spcBef>
-              <a:spcAft>
-                <a:spcPts val="0"/>
-              </a:spcAft>
-              <a:buNone/>
+            <a:pPr marL="0" lvl="0" indent="0" algn="l">
+              <a:spcBef>
+                <a:spcPct val="0"/>
+              </a:spcBef>
+              <a:spcAft>
+                <a:spcPct val="0"/>
+              </a:spcAft>
+              <a:buNone/>
+              <a:defRPr lang="ko-KR" altLang="en-US"/>
             </a:pPr>
             <a:r>
               <a:rPr lang="ko" sz="1000">
                 <a:solidFill>
-                  <a:srgbClr val="B7B7B7"/>
-                </a:solidFill>
-              </a:rPr>
-              <a:t>출</a:t>
-            </a:r>
-            <a:r>
-              <a:rPr lang="ko" sz="1000">
-                <a:solidFill>
-                  <a:srgbClr val="B7B7B7"/>
-                </a:solidFill>
-              </a:rPr>
-              <a:t>처: vuejs.org</a:t>
-            </a:r>
-            <a:endParaRPr sz="1000">
-              <a:solidFill>
-                <a:srgbClr val="B7B7B7"/>
-              </a:solidFill>
-            </a:endParaRPr>
-          </a:p>
-          <a:p>
-            <a:pPr indent="0" lvl="0" marL="0" rtl="0" algn="l">
-              <a:spcBef>
-                <a:spcPts val="0"/>
-              </a:spcBef>
-              <a:spcAft>
-                <a:spcPts val="0"/>
-              </a:spcAft>
-              <a:buNone/>
-            </a:pPr>
-            <a:r>
-              <a:t/>
-            </a:r>
-            <a:endParaRPr sz="1000">
-              <a:solidFill>
-                <a:srgbClr val="B7B7B7"/>
+                  <a:srgbClr val="b7b7b7"/>
+                </a:solidFill>
+              </a:rPr>
+              <a:t>출처: vuejs.org</a:t>
+            </a:r>
+            <a:endParaRPr lang="ko" sz="1000">
+              <a:solidFill>
+                <a:srgbClr val="b7b7b7"/>
+              </a:solidFill>
+            </a:endParaRPr>
+          </a:p>
+          <a:p>
+            <a:pPr marL="0" lvl="0" indent="0" algn="l">
+              <a:spcBef>
+                <a:spcPct val="0"/>
+              </a:spcBef>
+              <a:spcAft>
+                <a:spcPct val="0"/>
+              </a:spcAft>
+              <a:buNone/>
+              <a:defRPr lang="ko-KR" altLang="en-US"/>
+            </a:pPr>
+            <a:endParaRPr lang="en-US" sz="1000">
+              <a:solidFill>
+                <a:srgbClr val="b7b7b7"/>
               </a:solidFill>
             </a:endParaRPr>
           </a:p>
@@ -19472,15 +18348,16 @@
   <p:clrMapOvr>
     <a:masterClrMapping/>
   </p:clrMapOvr>
+  <p:transition xmlns:mc="http://schemas.openxmlformats.org/markup-compatibility/2006" xmlns:hp="http://schemas.haansoft.com/office/presentation/8.0" mc:Ignorable="hp" hp:hslDur="500"/>
 </p:sld>
 </file>
 
 <file path=ppt/slides/slide32.xml><?xml version="1.0" encoding="utf-8"?>
-<p:sld xmlns:a="http://schemas.openxmlformats.org/drawingml/2006/main" xmlns:r="http://schemas.openxmlformats.org/officeDocument/2006/relationships" xmlns:mc="http://schemas.openxmlformats.org/markup-compatibility/2006" xmlns:mv="urn:schemas-microsoft-com:mac:vml" xmlns:p="http://schemas.openxmlformats.org/presentationml/2006/main" xmlns:c="http://schemas.openxmlformats.org/drawingml/2006/chart" xmlns:dgm="http://schemas.openxmlformats.org/drawingml/2006/diagram" xmlns:o="urn:schemas-microsoft-com:office:office" xmlns:v="urn:schemas-microsoft-com:vml" xmlns:pvml="urn:schemas-microsoft-com:office:powerpoint" xmlns:com="http://schemas.openxmlformats.org/drawingml/2006/compatibility" xmlns:p14="http://schemas.microsoft.com/office/powerpoint/2010/main" xmlns:p15="http://schemas.microsoft.com/office/powerpoint/2012/main">
+<p:sld xmlns:r="http://schemas.openxmlformats.org/officeDocument/2006/relationships" xmlns:c="http://schemas.openxmlformats.org/drawingml/2006/chart" xmlns:a="http://schemas.openxmlformats.org/drawingml/2006/main" xmlns:dgm="http://schemas.openxmlformats.org/drawingml/2006/diagram" xmlns:dsp="http://schemas.microsoft.com/office/drawing/2008/diagram" xmlns:p="http://schemas.openxmlformats.org/presentationml/2006/main">
   <p:cSld>
     <p:spTree>
       <p:nvGrpSpPr>
-        <p:cNvPr id="282" name="Shape 282"/>
+        <p:cNvPr id="1" name=""/>
         <p:cNvGrpSpPr/>
         <p:nvPr/>
       </p:nvGrpSpPr>
@@ -19495,9 +18372,11 @@
       <p:sp>
         <p:nvSpPr>
           <p:cNvPr id="283" name="Google Shape;283;p44"/>
-          <p:cNvSpPr txBox="1"/>
+          <p:cNvSpPr txBox="1">
+            <a:spLocks noGrp="1"/>
+          </p:cNvSpPr>
           <p:nvPr>
-            <p:ph type="title"/>
+            <p:ph type="title" idx="0"/>
           </p:nvPr>
         </p:nvSpPr>
         <p:spPr>
@@ -19510,34 +18389,37 @@
           </a:prstGeom>
         </p:spPr>
         <p:txBody>
-          <a:bodyPr anchorCtr="0" anchor="t" bIns="91425" lIns="91425" spcFirstLastPara="1" rIns="91425" wrap="square" tIns="91425">
+          <a:bodyPr wrap="square" lIns="91425" tIns="91425" rIns="91425" bIns="91425" anchor="t" anchorCtr="0">
             <a:noAutofit/>
           </a:bodyPr>
           <a:lstStyle/>
           <a:p>
-            <a:pPr indent="0" lvl="0" marL="0" rtl="0" algn="l">
-              <a:spcBef>
-                <a:spcPts val="0"/>
-              </a:spcBef>
-              <a:spcAft>
-                <a:spcPts val="0"/>
-              </a:spcAft>
-              <a:buNone/>
+            <a:pPr marL="0" lvl="0" indent="0" algn="l">
+              <a:spcBef>
+                <a:spcPct val="0"/>
+              </a:spcBef>
+              <a:spcAft>
+                <a:spcPct val="0"/>
+              </a:spcAft>
+              <a:buNone/>
+              <a:defRPr lang="ko-KR" altLang="en-US"/>
             </a:pPr>
             <a:r>
               <a:rPr lang="ko"/>
               <a:t>Install Vue.js  (vue-cli version 3.0.5)</a:t>
             </a:r>
-            <a:endParaRPr/>
+            <a:endParaRPr lang="en-US"/>
           </a:p>
         </p:txBody>
       </p:sp>
       <p:sp>
         <p:nvSpPr>
           <p:cNvPr id="284" name="Google Shape;284;p44"/>
-          <p:cNvSpPr txBox="1"/>
+          <p:cNvSpPr txBox="1">
+            <a:spLocks noGrp="1"/>
+          </p:cNvSpPr>
           <p:nvPr>
-            <p:ph idx="1" type="body"/>
+            <p:ph type="body" idx="1"/>
           </p:nvPr>
         </p:nvSpPr>
         <p:spPr>
@@ -19548,68 +18430,76 @@
           <a:prstGeom prst="rect">
             <a:avLst/>
           </a:prstGeom>
-          <a:ln cap="flat" cmpd="sng" w="9525">
+          <a:ln w="9525" cap="flat" cmpd="sng">
             <a:solidFill>
-              <a:srgbClr val="B7B7B7"/>
+              <a:srgbClr val="b7b7b7"/>
             </a:solidFill>
             <a:prstDash val="solid"/>
             <a:round/>
-            <a:headEnd len="sm" w="sm" type="none"/>
-            <a:tailEnd len="sm" w="sm" type="none"/>
           </a:ln>
         </p:spPr>
         <p:txBody>
-          <a:bodyPr anchorCtr="0" anchor="t" bIns="91425" lIns="91425" spcFirstLastPara="1" rIns="91425" wrap="square" tIns="91425">
+          <a:bodyPr wrap="square" lIns="91425" tIns="91425" rIns="91425" bIns="91425" anchor="t" anchorCtr="0">
             <a:noAutofit/>
           </a:bodyPr>
           <a:lstStyle/>
           <a:p>
-            <a:pPr indent="0" lvl="0" marL="0" rtl="0" algn="l">
-              <a:spcBef>
-                <a:spcPts val="0"/>
-              </a:spcBef>
-              <a:spcAft>
-                <a:spcPts val="0"/>
-              </a:spcAft>
-              <a:buNone/>
+            <a:pPr marL="0" lvl="0" indent="0" algn="l">
+              <a:spcBef>
+                <a:spcPct val="0"/>
+              </a:spcBef>
+              <a:spcAft>
+                <a:spcPct val="0"/>
+              </a:spcAft>
+              <a:buNone/>
+              <a:defRPr lang="ko-KR" altLang="en-US"/>
             </a:pPr>
             <a:r>
               <a:rPr lang="ko"/>
               <a:t>$&gt; npm  i  @vue/cli  -g</a:t>
             </a:r>
-            <a:endParaRPr/>
-          </a:p>
-          <a:p>
-            <a:pPr indent="0" lvl="0" marL="0" rtl="0" algn="l">
-              <a:spcBef>
-                <a:spcPts val="1600"/>
-              </a:spcBef>
-              <a:spcAft>
-                <a:spcPts val="0"/>
-              </a:spcAft>
-              <a:buNone/>
+            <a:endParaRPr lang="ko"/>
+          </a:p>
+          <a:p>
+            <a:pPr marL="0" lvl="0" indent="0" algn="l">
+              <a:spcBef>
+                <a:spcPct val="74000"/>
+              </a:spcBef>
+              <a:spcAft>
+                <a:spcPct val="0"/>
+              </a:spcAft>
+              <a:buNone/>
+              <a:defRPr lang="ko-KR" altLang="en-US"/>
             </a:pPr>
             <a:r>
               <a:rPr lang="ko"/>
               <a:t>$&gt; npm  i  @vue/cli-service-global  -g</a:t>
             </a:r>
-            <a:endParaRPr/>
-          </a:p>
-          <a:p>
-            <a:pPr indent="0" lvl="0" marL="0" rtl="0" algn="l">
-              <a:spcBef>
-                <a:spcPts val="1600"/>
-              </a:spcBef>
-              <a:spcAft>
-                <a:spcPts val="1600"/>
-              </a:spcAft>
-              <a:buNone/>
+            <a:br>
+              <a:rPr lang="ko-KR" altLang="en-US"/>
+            </a:br>
+            <a:r>
+              <a:rPr lang="ko-KR" altLang="en-US"/>
+              <a:t>뷰를 서버에서 실행해 볼 수 있도록 하는 서비스</a:t>
+            </a:r>
+            <a:endParaRPr lang="ko-KR" altLang="en-US"/>
+          </a:p>
+          <a:p>
+            <a:pPr marL="0" lvl="0" indent="0" algn="l">
+              <a:spcBef>
+                <a:spcPct val="74000"/>
+              </a:spcBef>
+              <a:spcAft>
+                <a:spcPct val="16000"/>
+              </a:spcAft>
+              <a:buNone/>
+              <a:defRPr lang="ko-KR" altLang="en-US"/>
             </a:pPr>
             <a:r>
               <a:rPr lang="ko"/>
               <a:t>$&gt; vue --version</a:t>
             </a:r>
-            <a:endParaRPr/>
+            <a:endParaRPr lang="en-US"/>
           </a:p>
         </p:txBody>
       </p:sp>
@@ -19633,51 +18523,50 @@
           </a:ln>
         </p:spPr>
         <p:txBody>
-          <a:bodyPr anchorCtr="0" anchor="ctr" bIns="91425" lIns="91425" spcFirstLastPara="1" rIns="91425" wrap="square" tIns="91425">
+          <a:bodyPr wrap="square" lIns="91425" tIns="91425" rIns="91425" bIns="91425" anchor="ctr" anchorCtr="0">
             <a:noAutofit/>
           </a:bodyPr>
           <a:lstStyle/>
           <a:p>
-            <a:pPr indent="0" lvl="0" marL="0" rtl="0" algn="r">
-              <a:spcBef>
-                <a:spcPts val="0"/>
-              </a:spcBef>
-              <a:spcAft>
-                <a:spcPts val="0"/>
-              </a:spcAft>
-              <a:buNone/>
+            <a:pPr marL="0" lvl="0" indent="0" algn="r">
+              <a:spcBef>
+                <a:spcPct val="0"/>
+              </a:spcBef>
+              <a:spcAft>
+                <a:spcPct val="0"/>
+              </a:spcAft>
+              <a:buNone/>
+              <a:defRPr lang="ko-KR" altLang="en-US"/>
             </a:pPr>
             <a:r>
               <a:rPr lang="ko" sz="1800" u="sng">
                 <a:solidFill>
                   <a:schemeClr val="hlink"/>
                 </a:solidFill>
-                <a:hlinkClick r:id="rId3"/>
+                <a:hlinkClick r:id="rId2"/>
               </a:rPr>
               <a:t>https://cli.vuejs.org/</a:t>
             </a:r>
-            <a:endParaRPr sz="1800">
-              <a:solidFill>
-                <a:srgbClr val="FF9900"/>
-              </a:solidFill>
-            </a:endParaRPr>
-          </a:p>
-          <a:p>
-            <a:pPr indent="0" lvl="0" marL="0" rtl="0" algn="r">
-              <a:spcBef>
-                <a:spcPts val="0"/>
-              </a:spcBef>
-              <a:spcAft>
-                <a:spcPts val="0"/>
-              </a:spcAft>
-              <a:buNone/>
-            </a:pPr>
-            <a:r>
-              <a:t/>
-            </a:r>
-            <a:endParaRPr sz="1800">
-              <a:solidFill>
-                <a:srgbClr val="FF9900"/>
+            <a:endParaRPr lang="ko" sz="1800" u="sng">
+              <a:solidFill>
+                <a:schemeClr val="hlink"/>
+              </a:solidFill>
+            </a:endParaRPr>
+          </a:p>
+          <a:p>
+            <a:pPr marL="0" lvl="0" indent="0" algn="r">
+              <a:spcBef>
+                <a:spcPct val="0"/>
+              </a:spcBef>
+              <a:spcAft>
+                <a:spcPct val="0"/>
+              </a:spcAft>
+              <a:buNone/>
+              <a:defRPr lang="ko-KR" altLang="en-US"/>
+            </a:pPr>
+            <a:endParaRPr lang="en-US" sz="1800">
+              <a:solidFill>
+                <a:srgbClr val="ff9900"/>
               </a:solidFill>
             </a:endParaRPr>
           </a:p>
@@ -19686,9 +18575,11 @@
       <p:sp>
         <p:nvSpPr>
           <p:cNvPr id="286" name="Google Shape;286;p44"/>
-          <p:cNvSpPr txBox="1"/>
+          <p:cNvSpPr txBox="1">
+            <a:spLocks noGrp="1"/>
+          </p:cNvSpPr>
           <p:nvPr>
-            <p:ph idx="1" type="body"/>
+            <p:ph type="body" idx="1"/>
           </p:nvPr>
         </p:nvSpPr>
         <p:spPr>
@@ -19699,46 +18590,53 @@
           <a:prstGeom prst="rect">
             <a:avLst/>
           </a:prstGeom>
-          <a:ln cap="flat" cmpd="sng" w="9525">
+          <a:ln w="9525" cap="flat" cmpd="sng">
             <a:solidFill>
-              <a:srgbClr val="B7B7B7"/>
+              <a:srgbClr val="b7b7b7"/>
             </a:solidFill>
             <a:prstDash val="solid"/>
             <a:round/>
-            <a:headEnd len="sm" w="sm" type="none"/>
-            <a:tailEnd len="sm" w="sm" type="none"/>
           </a:ln>
         </p:spPr>
         <p:txBody>
-          <a:bodyPr anchorCtr="0" anchor="t" bIns="91425" lIns="91425" spcFirstLastPara="1" rIns="91425" wrap="square" tIns="91425">
+          <a:bodyPr wrap="square" lIns="91425" tIns="91425" rIns="91425" bIns="91425" anchor="t" anchorCtr="0">
             <a:noAutofit/>
           </a:bodyPr>
           <a:lstStyle/>
           <a:p>
-            <a:pPr indent="0" lvl="0" marL="0" rtl="0" algn="l">
-              <a:spcBef>
-                <a:spcPts val="0"/>
-              </a:spcBef>
-              <a:spcAft>
-                <a:spcPts val="0"/>
-              </a:spcAft>
-              <a:buNone/>
-            </a:pPr>
+            <a:pPr marL="0" lvl="0" indent="0" algn="l">
+              <a:spcBef>
+                <a:spcPct val="0"/>
+              </a:spcBef>
+              <a:spcAft>
+                <a:spcPct val="0"/>
+              </a:spcAft>
+              <a:buNone/>
+              <a:defRPr lang="ko-KR" altLang="en-US"/>
+            </a:pPr>
+            <a:r>
+              <a:rPr lang="ko-KR" altLang="en-US"/>
+              <a:t>포트 변경법(기본: 8080)</a:t>
+            </a:r>
+            <a:br>
+              <a:rPr lang="ko-KR" altLang="en-US"/>
+            </a:br>
             <a:r>
               <a:rPr lang="ko"/>
               <a:t>$&gt; mkdir vue &amp; cd </a:t>
             </a:r>
-            <a:endParaRPr/>
-          </a:p>
-          <a:p>
-            <a:pPr indent="0" lvl="0" marL="0" rtl="0" algn="l">
-              <a:spcBef>
-                <a:spcPts val="1600"/>
-              </a:spcBef>
-              <a:spcAft>
-                <a:spcPts val="0"/>
-              </a:spcAft>
-              <a:buNone/>
+            <a:endParaRPr lang="ko"/>
+          </a:p>
+          <a:p>
+            <a:pPr marL="0" lvl="0" indent="0" algn="l">
+              <a:spcBef>
+                <a:spcPct val="74000"/>
+              </a:spcBef>
+              <a:spcAft>
+                <a:spcPct val="0"/>
+              </a:spcAft>
+              <a:buNone/>
+              <a:defRPr lang="ko-KR" altLang="en-US"/>
             </a:pPr>
             <a:r>
               <a:rPr lang="ko"/>
@@ -19750,7 +18648,7 @@
             <a:r>
               <a:rPr lang="ko" sz="1200">
                 <a:solidFill>
-                  <a:srgbClr val="FF9900"/>
+                  <a:srgbClr val="ff9900"/>
                 </a:solidFill>
               </a:rPr>
               <a:t>module.exports = {</a:t>
@@ -19758,14 +18656,14 @@
             <a:br>
               <a:rPr lang="ko" sz="1200">
                 <a:solidFill>
-                  <a:srgbClr val="FF9900"/>
+                  <a:srgbClr val="ff9900"/>
                 </a:solidFill>
               </a:rPr>
             </a:br>
             <a:r>
               <a:rPr lang="ko" sz="1200">
                 <a:solidFill>
-                  <a:srgbClr val="FF9900"/>
+                  <a:srgbClr val="ff9900"/>
                 </a:solidFill>
               </a:rPr>
               <a:t>    devServer: {</a:t>
@@ -19773,22 +18671,22 @@
             <a:br>
               <a:rPr lang="ko" sz="1200">
                 <a:solidFill>
-                  <a:srgbClr val="FF9900"/>
+                  <a:srgbClr val="ff9900"/>
                 </a:solidFill>
               </a:rPr>
             </a:br>
             <a:r>
               <a:rPr lang="ko" sz="1200">
                 <a:solidFill>
-                  <a:srgbClr val="FF9900"/>
+                  <a:srgbClr val="ff9900"/>
                 </a:solidFill>
               </a:rPr>
               <a:t>        port: </a:t>
             </a:r>
             <a:r>
-              <a:rPr b="1" lang="ko" sz="1200">
-                <a:solidFill>
-                  <a:srgbClr val="FF9900"/>
+              <a:rPr lang="ko" sz="1200" b="1">
+                <a:solidFill>
+                  <a:srgbClr val="ff9900"/>
                 </a:solidFill>
               </a:rPr>
               <a:t>8700</a:t>
@@ -19796,7 +18694,7 @@
             <a:r>
               <a:rPr lang="ko" sz="1200">
                 <a:solidFill>
-                  <a:srgbClr val="FF9900"/>
+                  <a:srgbClr val="ff9900"/>
                 </a:solidFill>
               </a:rPr>
               <a:t>,</a:t>
@@ -19804,14 +18702,14 @@
             <a:br>
               <a:rPr lang="ko" sz="1200">
                 <a:solidFill>
-                  <a:srgbClr val="FF9900"/>
+                  <a:srgbClr val="ff9900"/>
                 </a:solidFill>
               </a:rPr>
             </a:br>
             <a:r>
               <a:rPr lang="ko" sz="1200">
                 <a:solidFill>
-                  <a:srgbClr val="FF9900"/>
+                  <a:srgbClr val="ff9900"/>
                 </a:solidFill>
               </a:rPr>
               <a:t>        https: false</a:t>
@@ -19819,14 +18717,14 @@
             <a:br>
               <a:rPr lang="ko" sz="1200">
                 <a:solidFill>
-                  <a:srgbClr val="FF9900"/>
+                  <a:srgbClr val="ff9900"/>
                 </a:solidFill>
               </a:rPr>
             </a:br>
             <a:r>
               <a:rPr lang="ko" sz="1200">
                 <a:solidFill>
-                  <a:srgbClr val="FF9900"/>
+                  <a:srgbClr val="ff9900"/>
                 </a:solidFill>
               </a:rPr>
               <a:t>    }</a:t>
@@ -19834,38 +18732,36 @@
             <a:br>
               <a:rPr lang="ko" sz="1200">
                 <a:solidFill>
-                  <a:srgbClr val="FF9900"/>
+                  <a:srgbClr val="ff9900"/>
                 </a:solidFill>
               </a:rPr>
             </a:br>
             <a:r>
               <a:rPr lang="ko" sz="1200">
                 <a:solidFill>
-                  <a:srgbClr val="FF9900"/>
+                  <a:srgbClr val="ff9900"/>
                 </a:solidFill>
               </a:rPr>
               <a:t>}</a:t>
             </a:r>
-            <a:endParaRPr sz="1200">
-              <a:solidFill>
-                <a:srgbClr val="FF9900"/>
-              </a:solidFill>
-            </a:endParaRPr>
-          </a:p>
-          <a:p>
-            <a:pPr indent="0" lvl="0" marL="0" rtl="0" algn="l">
-              <a:spcBef>
-                <a:spcPts val="1600"/>
-              </a:spcBef>
-              <a:spcAft>
-                <a:spcPts val="1600"/>
-              </a:spcAft>
-              <a:buNone/>
-            </a:pPr>
-            <a:r>
-              <a:t/>
-            </a:r>
-            <a:endParaRPr/>
+            <a:endParaRPr lang="ko" sz="1200">
+              <a:solidFill>
+                <a:srgbClr val="ff9900"/>
+              </a:solidFill>
+            </a:endParaRPr>
+          </a:p>
+          <a:p>
+            <a:pPr marL="0" lvl="0" indent="0" algn="l">
+              <a:spcBef>
+                <a:spcPct val="74000"/>
+              </a:spcBef>
+              <a:spcAft>
+                <a:spcPct val="16000"/>
+              </a:spcAft>
+              <a:buNone/>
+              <a:defRPr lang="ko-KR" altLang="en-US"/>
+            </a:pPr>
+            <a:endParaRPr lang="en-US"/>
           </a:p>
         </p:txBody>
       </p:sp>
@@ -19889,75 +18785,75 @@
           </a:ln>
         </p:spPr>
         <p:txBody>
-          <a:bodyPr anchorCtr="0" anchor="ctr" bIns="91425" lIns="91425" spcFirstLastPara="1" rIns="91425" wrap="square" tIns="91425">
+          <a:bodyPr wrap="square" lIns="91425" tIns="91425" rIns="91425" bIns="91425" anchor="ctr" anchorCtr="0">
             <a:noAutofit/>
           </a:bodyPr>
           <a:lstStyle/>
           <a:p>
-            <a:pPr indent="0" lvl="0" marL="0" rtl="0" algn="l">
-              <a:spcBef>
-                <a:spcPts val="0"/>
-              </a:spcBef>
-              <a:spcAft>
-                <a:spcPts val="0"/>
-              </a:spcAft>
-              <a:buNone/>
-            </a:pPr>
-            <a:r>
-              <a:rPr b="1" lang="ko" sz="1800">
-                <a:solidFill>
-                  <a:srgbClr val="D9D9D9"/>
+            <a:pPr marL="0" lvl="0" indent="0" algn="l">
+              <a:spcBef>
+                <a:spcPct val="0"/>
+              </a:spcBef>
+              <a:spcAft>
+                <a:spcPct val="0"/>
+              </a:spcAft>
+              <a:buNone/>
+              <a:defRPr lang="ko-KR" altLang="en-US"/>
+            </a:pPr>
+            <a:r>
+              <a:rPr lang="ko" sz="1800" b="1">
+                <a:solidFill>
+                  <a:srgbClr val="d9d9d9"/>
                 </a:solidFill>
               </a:rPr>
               <a:t>Vue Devtools Chrome Extension</a:t>
             </a:r>
-            <a:endParaRPr b="1" sz="1800">
-              <a:solidFill>
-                <a:srgbClr val="D9D9D9"/>
-              </a:solidFill>
-            </a:endParaRPr>
-          </a:p>
-          <a:p>
-            <a:pPr indent="0" lvl="0" marL="0" rtl="0" algn="l">
-              <a:spcBef>
-                <a:spcPts val="0"/>
-              </a:spcBef>
-              <a:spcAft>
-                <a:spcPts val="0"/>
-              </a:spcAft>
-              <a:buNone/>
+            <a:endParaRPr lang="ko" sz="1800" b="1">
+              <a:solidFill>
+                <a:srgbClr val="d9d9d9"/>
+              </a:solidFill>
+            </a:endParaRPr>
+          </a:p>
+          <a:p>
+            <a:pPr marL="0" lvl="0" indent="0" algn="l">
+              <a:spcBef>
+                <a:spcPct val="0"/>
+              </a:spcBef>
+              <a:spcAft>
+                <a:spcPct val="0"/>
+              </a:spcAft>
+              <a:buNone/>
+              <a:defRPr lang="ko-KR" altLang="en-US"/>
             </a:pPr>
             <a:r>
               <a:rPr lang="ko" sz="1200" u="sng">
                 <a:solidFill>
                   <a:schemeClr val="hlink"/>
                 </a:solidFill>
-                <a:hlinkClick r:id="rId4"/>
+                <a:hlinkClick r:id="rId3"/>
               </a:rPr>
               <a:t>https://chrome.google.com/webstore/detail/vuejs-devtools/nhdogjmejiglipccpnnnanhbledajbpd</a:t>
             </a:r>
-            <a:endParaRPr sz="1200">
-              <a:solidFill>
-                <a:srgbClr val="FF9900"/>
-              </a:solidFill>
-            </a:endParaRPr>
-          </a:p>
-          <a:p>
-            <a:pPr indent="0" lvl="0" marL="0" rtl="0" algn="l">
-              <a:spcBef>
-                <a:spcPts val="0"/>
-              </a:spcBef>
-              <a:spcAft>
-                <a:spcPts val="0"/>
-              </a:spcAft>
-              <a:buNone/>
-            </a:pPr>
-            <a:r>
-              <a:t/>
-            </a:r>
-            <a:endParaRPr sz="1200">
-              <a:solidFill>
-                <a:srgbClr val="FF9900"/>
+            <a:endParaRPr lang="ko" sz="1200" u="sng">
+              <a:solidFill>
+                <a:schemeClr val="hlink"/>
+              </a:solidFill>
+            </a:endParaRPr>
+          </a:p>
+          <a:p>
+            <a:pPr marL="0" lvl="0" indent="0" algn="l">
+              <a:spcBef>
+                <a:spcPct val="0"/>
+              </a:spcBef>
+              <a:spcAft>
+                <a:spcPct val="0"/>
+              </a:spcAft>
+              <a:buNone/>
+              <a:defRPr lang="ko-KR" altLang="en-US"/>
+            </a:pPr>
+            <a:endParaRPr lang="en-US" sz="1200">
+              <a:solidFill>
+                <a:srgbClr val="ff9900"/>
               </a:solidFill>
             </a:endParaRPr>
           </a:p>
@@ -19968,15 +18864,16 @@
   <p:clrMapOvr>
     <a:masterClrMapping/>
   </p:clrMapOvr>
+  <p:transition xmlns:mc="http://schemas.openxmlformats.org/markup-compatibility/2006" xmlns:hp="http://schemas.haansoft.com/office/presentation/8.0" mc:Ignorable="hp" hp:hslDur="500"/>
 </p:sld>
 </file>
 
 <file path=ppt/slides/slide33.xml><?xml version="1.0" encoding="utf-8"?>
-<p:sld xmlns:a="http://schemas.openxmlformats.org/drawingml/2006/main" xmlns:r="http://schemas.openxmlformats.org/officeDocument/2006/relationships" xmlns:mc="http://schemas.openxmlformats.org/markup-compatibility/2006" xmlns:mv="urn:schemas-microsoft-com:mac:vml" xmlns:p="http://schemas.openxmlformats.org/presentationml/2006/main" xmlns:c="http://schemas.openxmlformats.org/drawingml/2006/chart" xmlns:dgm="http://schemas.openxmlformats.org/drawingml/2006/diagram" xmlns:o="urn:schemas-microsoft-com:office:office" xmlns:v="urn:schemas-microsoft-com:vml" xmlns:pvml="urn:schemas-microsoft-com:office:powerpoint" xmlns:com="http://schemas.openxmlformats.org/drawingml/2006/compatibility" xmlns:p14="http://schemas.microsoft.com/office/powerpoint/2010/main" xmlns:p15="http://schemas.microsoft.com/office/powerpoint/2012/main">
+<p:sld xmlns:r="http://schemas.openxmlformats.org/officeDocument/2006/relationships" xmlns:c="http://schemas.openxmlformats.org/drawingml/2006/chart" xmlns:a="http://schemas.openxmlformats.org/drawingml/2006/main" xmlns:dgm="http://schemas.openxmlformats.org/drawingml/2006/diagram" xmlns:dsp="http://schemas.microsoft.com/office/drawing/2008/diagram" xmlns:p="http://schemas.openxmlformats.org/presentationml/2006/main">
   <p:cSld>
     <p:spTree>
       <p:nvGrpSpPr>
-        <p:cNvPr id="291" name="Shape 291"/>
+        <p:cNvPr id="1" name=""/>
         <p:cNvGrpSpPr/>
         <p:nvPr/>
       </p:nvGrpSpPr>
@@ -19991,9 +18888,11 @@
       <p:sp>
         <p:nvSpPr>
           <p:cNvPr id="292" name="Google Shape;292;p45"/>
-          <p:cNvSpPr txBox="1"/>
+          <p:cNvSpPr txBox="1">
+            <a:spLocks noGrp="1"/>
+          </p:cNvSpPr>
           <p:nvPr>
-            <p:ph type="title"/>
+            <p:ph type="title" idx="0"/>
           </p:nvPr>
         </p:nvSpPr>
         <p:spPr>
@@ -20006,38 +18905,37 @@
           </a:prstGeom>
         </p:spPr>
         <p:txBody>
-          <a:bodyPr anchorCtr="0" anchor="t" bIns="91425" lIns="91425" spcFirstLastPara="1" rIns="91425" wrap="square" tIns="91425">
+          <a:bodyPr wrap="square" lIns="91425" tIns="91425" rIns="91425" bIns="91425" anchor="t" anchorCtr="0">
             <a:noAutofit/>
           </a:bodyPr>
           <a:lstStyle/>
           <a:p>
-            <a:pPr indent="0" lvl="0" marL="0" rtl="0" algn="l">
-              <a:spcBef>
-                <a:spcPts val="0"/>
-              </a:spcBef>
-              <a:spcAft>
-                <a:spcPts val="0"/>
-              </a:spcAft>
-              <a:buNone/>
+            <a:pPr marL="0" lvl="0" indent="0" algn="l">
+              <a:spcBef>
+                <a:spcPct val="0"/>
+              </a:spcBef>
+              <a:spcAft>
+                <a:spcPct val="0"/>
+              </a:spcAft>
+              <a:buNone/>
+              <a:defRPr lang="ko-KR" altLang="en-US"/>
             </a:pPr>
             <a:r>
               <a:rPr lang="ko"/>
-              <a:t>Make &amp; Run Your </a:t>
-            </a:r>
-            <a:r>
-              <a:rPr lang="ko"/>
-              <a:t>First Vue App</a:t>
-            </a:r>
-            <a:endParaRPr/>
+              <a:t>Make &amp; Run Your First Vue App</a:t>
+            </a:r>
+            <a:endParaRPr lang="en-US"/>
           </a:p>
         </p:txBody>
       </p:sp>
       <p:sp>
         <p:nvSpPr>
           <p:cNvPr id="293" name="Google Shape;293;p45"/>
-          <p:cNvSpPr txBox="1"/>
+          <p:cNvSpPr txBox="1">
+            <a:spLocks noGrp="1"/>
+          </p:cNvSpPr>
           <p:nvPr>
-            <p:ph idx="1" type="body"/>
+            <p:ph type="body" idx="1"/>
           </p:nvPr>
         </p:nvSpPr>
         <p:spPr>
@@ -20050,39 +18948,32 @@
           </a:prstGeom>
         </p:spPr>
         <p:txBody>
-          <a:bodyPr anchorCtr="0" anchor="t" bIns="91425" lIns="91425" spcFirstLastPara="1" rIns="91425" wrap="square" tIns="91425">
+          <a:bodyPr wrap="square" lIns="91425" tIns="91425" rIns="91425" bIns="91425" anchor="t" anchorCtr="0">
             <a:noAutofit/>
           </a:bodyPr>
           <a:lstStyle/>
           <a:p>
-            <a:pPr indent="-342900" lvl="0" marL="457200" rtl="0" algn="l">
-              <a:spcBef>
-                <a:spcPts val="0"/>
-              </a:spcBef>
-              <a:spcAft>
-                <a:spcPts val="0"/>
-              </a:spcAft>
-              <a:buSzPts val="1800"/>
+            <a:pPr marL="457200" lvl="0" indent="-342900" algn="l">
+              <a:spcBef>
+                <a:spcPct val="0"/>
+              </a:spcBef>
+              <a:spcAft>
+                <a:spcPct val="0"/>
+              </a:spcAft>
+              <a:buSzPct val="25000"/>
               <a:buAutoNum type="arabicPeriod"/>
+              <a:defRPr lang="ko-KR" altLang="en-US"/>
             </a:pPr>
             <a:r>
               <a:rPr lang="ko"/>
-              <a:t>방</a:t>
-            </a:r>
-            <a:r>
-              <a:rPr lang="ko"/>
-              <a:t>법1) Only User App.vue</a:t>
-            </a:r>
-            <a:r>
-              <a:rPr lang="ko"/>
-              <a:t> </a:t>
+              <a:t>방법1) Only User App.vue </a:t>
             </a:r>
             <a:r>
               <a:rPr lang="ko" u="sng">
                 <a:solidFill>
                   <a:schemeClr val="hlink"/>
                 </a:solidFill>
-                <a:hlinkClick r:id="rId3"/>
+                <a:hlinkClick r:id="rId2"/>
               </a:rPr>
               <a:t>https://cli.vuejs.org/guide/prototyping.html</a:t>
             </a:r>
@@ -20115,35 +19006,37 @@
               <a:rPr lang="ko"/>
               <a:t>- $&gt;</a:t>
             </a:r>
-            <a:endParaRPr/>
-          </a:p>
-          <a:p>
-            <a:pPr indent="-342900" lvl="0" marL="457200" rtl="0" algn="l">
-              <a:spcBef>
-                <a:spcPts val="0"/>
-              </a:spcBef>
-              <a:spcAft>
-                <a:spcPts val="0"/>
-              </a:spcAft>
-              <a:buSzPts val="1800"/>
+            <a:endParaRPr lang="ko"/>
+          </a:p>
+          <a:p>
+            <a:pPr marL="457200" lvl="0" indent="-342900" algn="l">
+              <a:spcBef>
+                <a:spcPct val="0"/>
+              </a:spcBef>
+              <a:spcAft>
+                <a:spcPct val="0"/>
+              </a:spcAft>
+              <a:buSzPct val="25000"/>
               <a:buAutoNum type="arabicPeriod"/>
+              <a:defRPr lang="ko-KR" altLang="en-US"/>
             </a:pPr>
             <a:r>
               <a:rPr lang="ko"/>
               <a:t>Just Vue (index.html and app.js only)</a:t>
             </a:r>
-            <a:endParaRPr/>
-          </a:p>
-          <a:p>
-            <a:pPr indent="-342900" lvl="0" marL="457200" rtl="0" algn="l">
-              <a:spcBef>
-                <a:spcPts val="0"/>
-              </a:spcBef>
-              <a:spcAft>
-                <a:spcPts val="0"/>
-              </a:spcAft>
-              <a:buSzPts val="1800"/>
+            <a:endParaRPr lang="ko"/>
+          </a:p>
+          <a:p>
+            <a:pPr marL="457200" lvl="0" indent="-342900" algn="l">
+              <a:spcBef>
+                <a:spcPct val="0"/>
+              </a:spcBef>
+              <a:spcAft>
+                <a:spcPct val="0"/>
+              </a:spcAft>
+              <a:buSzPct val="25000"/>
               <a:buAutoNum type="arabicPeriod"/>
+              <a:defRPr lang="ko-KR" altLang="en-US"/>
             </a:pPr>
             <a:r>
               <a:rPr lang="ko"/>
@@ -20186,7 +19079,7 @@
               <a:rPr lang="ko"/>
               <a:t>$hello&gt; npm run build</a:t>
             </a:r>
-            <a:endParaRPr/>
+            <a:endParaRPr lang="en-US"/>
           </a:p>
         </p:txBody>
       </p:sp>
@@ -20195,15 +19088,16 @@
   <p:clrMapOvr>
     <a:masterClrMapping/>
   </p:clrMapOvr>
+  <p:transition xmlns:mc="http://schemas.openxmlformats.org/markup-compatibility/2006" xmlns:hp="http://schemas.haansoft.com/office/presentation/8.0" mc:Ignorable="hp" hp:hslDur="500"/>
 </p:sld>
 </file>
 
 <file path=ppt/slides/slide34.xml><?xml version="1.0" encoding="utf-8"?>
-<p:sld xmlns:a="http://schemas.openxmlformats.org/drawingml/2006/main" xmlns:r="http://schemas.openxmlformats.org/officeDocument/2006/relationships" xmlns:mc="http://schemas.openxmlformats.org/markup-compatibility/2006" xmlns:mv="urn:schemas-microsoft-com:mac:vml" xmlns:p="http://schemas.openxmlformats.org/presentationml/2006/main" xmlns:c="http://schemas.openxmlformats.org/drawingml/2006/chart" xmlns:dgm="http://schemas.openxmlformats.org/drawingml/2006/diagram" xmlns:o="urn:schemas-microsoft-com:office:office" xmlns:v="urn:schemas-microsoft-com:vml" xmlns:pvml="urn:schemas-microsoft-com:office:powerpoint" xmlns:com="http://schemas.openxmlformats.org/drawingml/2006/compatibility" xmlns:p14="http://schemas.microsoft.com/office/powerpoint/2010/main" xmlns:p15="http://schemas.microsoft.com/office/powerpoint/2012/main">
+<p:sld xmlns:r="http://schemas.openxmlformats.org/officeDocument/2006/relationships" xmlns:c="http://schemas.openxmlformats.org/drawingml/2006/chart" xmlns:a="http://schemas.openxmlformats.org/drawingml/2006/main" xmlns:dgm="http://schemas.openxmlformats.org/drawingml/2006/diagram" xmlns:dsp="http://schemas.microsoft.com/office/drawing/2008/diagram" xmlns:p="http://schemas.openxmlformats.org/presentationml/2006/main">
   <p:cSld>
     <p:spTree>
       <p:nvGrpSpPr>
-        <p:cNvPr id="297" name="Shape 297"/>
+        <p:cNvPr id="1" name=""/>
         <p:cNvGrpSpPr/>
         <p:nvPr/>
       </p:nvGrpSpPr>
@@ -20218,11 +19112,11 @@
       <p:pic>
         <p:nvPicPr>
           <p:cNvPr id="298" name="Google Shape;298;p46"/>
-          <p:cNvPicPr preferRelativeResize="0"/>
+          <p:cNvPicPr/>
           <p:nvPr/>
         </p:nvPicPr>
-        <p:blipFill>
-          <a:blip r:embed="rId3">
+        <p:blipFill rotWithShape="1">
+          <a:blip r:embed="rId2">
             <a:alphaModFix/>
           </a:blip>
           <a:stretch>
@@ -20246,9 +19140,11 @@
       <p:sp>
         <p:nvSpPr>
           <p:cNvPr id="299" name="Google Shape;299;p46"/>
-          <p:cNvSpPr txBox="1"/>
+          <p:cNvSpPr txBox="1">
+            <a:spLocks noGrp="1"/>
+          </p:cNvSpPr>
           <p:nvPr>
-            <p:ph type="ctrTitle"/>
+            <p:ph type="ctrTitle" idx="0"/>
           </p:nvPr>
         </p:nvSpPr>
         <p:spPr>
@@ -20261,50 +19157,54 @@
           </a:prstGeom>
         </p:spPr>
         <p:txBody>
-          <a:bodyPr anchorCtr="0" anchor="b" bIns="91425" lIns="91425" spcFirstLastPara="1" rIns="91425" wrap="square" tIns="91425">
+          <a:bodyPr wrap="square" lIns="91425" tIns="91425" rIns="91425" bIns="91425" anchor="b" anchorCtr="0">
             <a:noAutofit/>
           </a:bodyPr>
           <a:lstStyle/>
           <a:p>
-            <a:pPr indent="0" lvl="0" marL="0" rtl="0" algn="ctr">
-              <a:spcBef>
-                <a:spcPts val="0"/>
-              </a:spcBef>
-              <a:spcAft>
-                <a:spcPts val="0"/>
-              </a:spcAft>
-              <a:buNone/>
-            </a:pPr>
-            <a:r>
-              <a:rPr b="1" lang="ko" sz="5500"/>
+            <a:pPr marL="0" lvl="0" indent="0" algn="ctr">
+              <a:spcBef>
+                <a:spcPct val="0"/>
+              </a:spcBef>
+              <a:spcAft>
+                <a:spcPct val="0"/>
+              </a:spcAft>
+              <a:buNone/>
+              <a:defRPr lang="ko-KR" altLang="en-US"/>
+            </a:pPr>
+            <a:r>
+              <a:rPr lang="ko" sz="5500" b="1"/>
               <a:t>Node &amp; Vue 시작하기</a:t>
             </a:r>
-            <a:endParaRPr b="1" sz="5500"/>
-          </a:p>
-          <a:p>
-            <a:pPr indent="0" lvl="0" marL="0" rtl="0" algn="ctr">
-              <a:spcBef>
-                <a:spcPts val="0"/>
-              </a:spcBef>
-              <a:spcAft>
-                <a:spcPts val="0"/>
-              </a:spcAft>
-              <a:buNone/>
+            <a:endParaRPr lang="ko" sz="5500" b="1"/>
+          </a:p>
+          <a:p>
+            <a:pPr marL="0" lvl="0" indent="0" algn="ctr">
+              <a:spcBef>
+                <a:spcPct val="0"/>
+              </a:spcBef>
+              <a:spcAft>
+                <a:spcPct val="0"/>
+              </a:spcAft>
+              <a:buNone/>
+              <a:defRPr lang="ko-KR" altLang="en-US"/>
             </a:pPr>
             <a:r>
               <a:rPr lang="ko" sz="3600"/>
               <a:t>(NodeJS, Vue.js, MySQL)</a:t>
             </a:r>
-            <a:endParaRPr sz="3600"/>
+            <a:endParaRPr lang="en-US" sz="3600"/>
           </a:p>
         </p:txBody>
       </p:sp>
       <p:sp>
         <p:nvSpPr>
           <p:cNvPr id="300" name="Google Shape;300;p46"/>
-          <p:cNvSpPr txBox="1"/>
+          <p:cNvSpPr txBox="1">
+            <a:spLocks noGrp="1"/>
+          </p:cNvSpPr>
           <p:nvPr>
-            <p:ph idx="1" type="subTitle"/>
+            <p:ph type="subTitle" idx="1"/>
           </p:nvPr>
         </p:nvSpPr>
         <p:spPr>
@@ -20317,25 +19217,26 @@
           </a:prstGeom>
         </p:spPr>
         <p:txBody>
-          <a:bodyPr anchorCtr="0" anchor="t" bIns="91425" lIns="91425" spcFirstLastPara="1" rIns="91425" wrap="square" tIns="91425">
+          <a:bodyPr wrap="square" lIns="91425" tIns="91425" rIns="91425" bIns="91425" anchor="t" anchorCtr="0">
             <a:noAutofit/>
           </a:bodyPr>
           <a:lstStyle/>
           <a:p>
-            <a:pPr indent="0" lvl="0" marL="0" rtl="0" algn="r">
-              <a:spcBef>
-                <a:spcPts val="0"/>
-              </a:spcBef>
-              <a:spcAft>
-                <a:spcPts val="0"/>
-              </a:spcAft>
-              <a:buNone/>
+            <a:pPr marL="0" lvl="0" indent="0" algn="r">
+              <a:spcBef>
+                <a:spcPct val="0"/>
+              </a:spcBef>
+              <a:spcAft>
+                <a:spcPct val="0"/>
+              </a:spcAft>
+              <a:buNone/>
+              <a:defRPr lang="ko-KR" altLang="en-US"/>
             </a:pPr>
             <a:r>
               <a:rPr lang="ko"/>
               <a:t>Jade</a:t>
             </a:r>
-            <a:endParaRPr/>
+            <a:endParaRPr lang="en-US"/>
           </a:p>
         </p:txBody>
       </p:sp>
@@ -20354,14 +19255,12 @@
             <a:avLst/>
           </a:prstGeom>
           <a:noFill/>
-          <a:ln cap="flat" cmpd="sng" w="9525">
+          <a:ln w="9525" cap="flat" cmpd="sng">
             <a:solidFill>
-              <a:srgbClr val="D9D9D9"/>
+              <a:srgbClr val="d9d9d9"/>
             </a:solidFill>
             <a:prstDash val="solid"/>
             <a:round/>
-            <a:headEnd len="med" w="med" type="none"/>
-            <a:tailEnd len="med" w="med" type="none"/>
           </a:ln>
         </p:spPr>
       </p:cxnSp>
@@ -20380,35 +19279,34 @@
             <a:avLst/>
           </a:prstGeom>
           <a:noFill/>
-          <a:ln cap="flat" cmpd="sng" w="38100">
+          <a:ln w="38100" cap="flat" cmpd="sng">
             <a:solidFill>
-              <a:srgbClr val="FFFF00"/>
+              <a:srgbClr val="ffff00"/>
             </a:solidFill>
             <a:prstDash val="solid"/>
             <a:round/>
-            <a:headEnd len="sm" w="sm" type="none"/>
-            <a:tailEnd len="sm" w="sm" type="none"/>
           </a:ln>
         </p:spPr>
         <p:txBody>
-          <a:bodyPr anchorCtr="0" anchor="ctr" bIns="91425" lIns="91425" spcFirstLastPara="1" rIns="91425" wrap="square" tIns="91425">
+          <a:bodyPr wrap="square" lIns="91425" tIns="91425" rIns="91425" bIns="91425" anchor="ctr" anchorCtr="0">
             <a:noAutofit/>
           </a:bodyPr>
           <a:lstStyle/>
           <a:p>
-            <a:pPr indent="0" lvl="0" marL="0" rtl="0" algn="ctr">
-              <a:spcBef>
-                <a:spcPts val="0"/>
-              </a:spcBef>
-              <a:spcAft>
-                <a:spcPts val="0"/>
-              </a:spcAft>
-              <a:buNone/>
-            </a:pPr>
-            <a:r>
-              <a:rPr b="1" lang="ko" sz="7200">
-                <a:solidFill>
-                  <a:srgbClr val="FFFF00"/>
+            <a:pPr marL="0" lvl="0" indent="0" algn="ctr">
+              <a:spcBef>
+                <a:spcPct val="0"/>
+              </a:spcBef>
+              <a:spcAft>
+                <a:spcPct val="0"/>
+              </a:spcAft>
+              <a:buNone/>
+              <a:defRPr lang="ko-KR" altLang="en-US"/>
+            </a:pPr>
+            <a:r>
+              <a:rPr lang="ko" sz="7200" b="1">
+                <a:solidFill>
+                  <a:srgbClr val="ffff00"/>
                 </a:solidFill>
                 <a:latin typeface="Comic Sans MS"/>
                 <a:ea typeface="Comic Sans MS"/>
@@ -20417,9 +19315,9 @@
               </a:rPr>
               <a:t>5</a:t>
             </a:r>
-            <a:endParaRPr b="1" sz="7200">
-              <a:solidFill>
-                <a:srgbClr val="FFFF00"/>
+            <a:endParaRPr lang="en-US" sz="7200" b="1">
+              <a:solidFill>
+                <a:srgbClr val="ffff00"/>
               </a:solidFill>
               <a:latin typeface="Comic Sans MS"/>
               <a:ea typeface="Comic Sans MS"/>
@@ -20432,9 +19330,11 @@
       <p:sp>
         <p:nvSpPr>
           <p:cNvPr id="303" name="Google Shape;303;p46"/>
-          <p:cNvSpPr txBox="1"/>
+          <p:cNvSpPr txBox="1">
+            <a:spLocks noGrp="1"/>
+          </p:cNvSpPr>
           <p:nvPr>
-            <p:ph type="ctrTitle"/>
+            <p:ph type="ctrTitle" idx="0"/>
           </p:nvPr>
         </p:nvSpPr>
         <p:spPr>
@@ -20447,31 +19347,32 @@
           </a:prstGeom>
         </p:spPr>
         <p:txBody>
-          <a:bodyPr anchorCtr="0" anchor="b" bIns="91425" lIns="91425" spcFirstLastPara="1" rIns="91425" wrap="square" tIns="91425">
+          <a:bodyPr wrap="square" lIns="91425" tIns="91425" rIns="91425" bIns="91425" anchor="b" anchorCtr="0">
             <a:noAutofit/>
           </a:bodyPr>
           <a:lstStyle/>
           <a:p>
-            <a:pPr indent="0" lvl="0" marL="0" rtl="0" algn="ctr">
-              <a:spcBef>
-                <a:spcPts val="0"/>
-              </a:spcBef>
-              <a:spcAft>
-                <a:spcPts val="0"/>
-              </a:spcAft>
-              <a:buNone/>
+            <a:pPr marL="0" lvl="0" indent="0" algn="ctr">
+              <a:spcBef>
+                <a:spcPct val="0"/>
+              </a:spcBef>
+              <a:spcAft>
+                <a:spcPct val="0"/>
+              </a:spcAft>
+              <a:buNone/>
+              <a:defRPr lang="ko-KR" altLang="en-US"/>
             </a:pPr>
             <a:r>
               <a:rPr lang="ko" sz="6000">
                 <a:solidFill>
-                  <a:srgbClr val="FF9900"/>
+                  <a:srgbClr val="ff9900"/>
                 </a:solidFill>
               </a:rPr>
               <a:t>Vue.js 연습하기</a:t>
             </a:r>
-            <a:endParaRPr sz="6000">
-              <a:solidFill>
-                <a:srgbClr val="FF9900"/>
+            <a:endParaRPr lang="en-US" sz="6000">
+              <a:solidFill>
+                <a:srgbClr val="ff9900"/>
               </a:solidFill>
             </a:endParaRPr>
           </a:p>
@@ -20480,11 +19381,11 @@
       <p:pic>
         <p:nvPicPr>
           <p:cNvPr id="304" name="Google Shape;304;p46"/>
-          <p:cNvPicPr preferRelativeResize="0"/>
+          <p:cNvPicPr/>
           <p:nvPr/>
         </p:nvPicPr>
-        <p:blipFill>
-          <a:blip r:embed="rId4">
+        <p:blipFill rotWithShape="1">
+          <a:blip r:embed="rId3">
             <a:alphaModFix/>
           </a:blip>
           <a:stretch>
@@ -20510,15 +19411,16 @@
   <p:clrMapOvr>
     <a:masterClrMapping/>
   </p:clrMapOvr>
+  <p:transition xmlns:mc="http://schemas.openxmlformats.org/markup-compatibility/2006" xmlns:hp="http://schemas.haansoft.com/office/presentation/8.0" mc:Ignorable="hp" hp:hslDur="500"/>
 </p:sld>
 </file>
 
 <file path=ppt/slides/slide35.xml><?xml version="1.0" encoding="utf-8"?>
-<p:sld xmlns:a="http://schemas.openxmlformats.org/drawingml/2006/main" xmlns:r="http://schemas.openxmlformats.org/officeDocument/2006/relationships" xmlns:mc="http://schemas.openxmlformats.org/markup-compatibility/2006" xmlns:mv="urn:schemas-microsoft-com:mac:vml" xmlns:p="http://schemas.openxmlformats.org/presentationml/2006/main" xmlns:c="http://schemas.openxmlformats.org/drawingml/2006/chart" xmlns:dgm="http://schemas.openxmlformats.org/drawingml/2006/diagram" xmlns:o="urn:schemas-microsoft-com:office:office" xmlns:v="urn:schemas-microsoft-com:vml" xmlns:pvml="urn:schemas-microsoft-com:office:powerpoint" xmlns:com="http://schemas.openxmlformats.org/drawingml/2006/compatibility" xmlns:p14="http://schemas.microsoft.com/office/powerpoint/2010/main" xmlns:p15="http://schemas.microsoft.com/office/powerpoint/2012/main">
+<p:sld xmlns:r="http://schemas.openxmlformats.org/officeDocument/2006/relationships" xmlns:c="http://schemas.openxmlformats.org/drawingml/2006/chart" xmlns:a="http://schemas.openxmlformats.org/drawingml/2006/main" xmlns:dgm="http://schemas.openxmlformats.org/drawingml/2006/diagram" xmlns:dsp="http://schemas.microsoft.com/office/drawing/2008/diagram" xmlns:p="http://schemas.openxmlformats.org/presentationml/2006/main">
   <p:cSld>
     <p:spTree>
       <p:nvGrpSpPr>
-        <p:cNvPr id="308" name="Shape 308"/>
+        <p:cNvPr id="1" name=""/>
         <p:cNvGrpSpPr/>
         <p:nvPr/>
       </p:nvGrpSpPr>
@@ -20533,9 +19435,11 @@
       <p:sp>
         <p:nvSpPr>
           <p:cNvPr id="309" name="Google Shape;309;p47"/>
-          <p:cNvSpPr txBox="1"/>
+          <p:cNvSpPr txBox="1">
+            <a:spLocks noGrp="1"/>
+          </p:cNvSpPr>
           <p:nvPr>
-            <p:ph type="ctrTitle"/>
+            <p:ph type="ctrTitle" idx="0"/>
           </p:nvPr>
         </p:nvSpPr>
         <p:spPr>
@@ -20548,51 +19452,50 @@
           </a:prstGeom>
         </p:spPr>
         <p:txBody>
-          <a:bodyPr anchorCtr="0" anchor="b" bIns="91425" lIns="91425" spcFirstLastPara="1" rIns="91425" wrap="square" tIns="91425">
+          <a:bodyPr wrap="square" lIns="91425" tIns="91425" rIns="91425" bIns="91425" anchor="b" anchorCtr="0">
             <a:noAutofit/>
           </a:bodyPr>
           <a:lstStyle/>
           <a:p>
-            <a:pPr indent="0" lvl="0" marL="0" rtl="0" algn="ctr">
-              <a:spcBef>
-                <a:spcPts val="0"/>
-              </a:spcBef>
-              <a:spcAft>
-                <a:spcPts val="0"/>
-              </a:spcAft>
-              <a:buNone/>
+            <a:pPr marL="0" lvl="0" indent="0" algn="ctr">
+              <a:spcBef>
+                <a:spcPct val="0"/>
+              </a:spcBef>
+              <a:spcAft>
+                <a:spcPct val="0"/>
+              </a:spcAft>
+              <a:buNone/>
+              <a:defRPr lang="ko-KR" altLang="en-US"/>
             </a:pPr>
             <a:r>
               <a:rPr lang="ko" sz="3600" u="sng">
                 <a:solidFill>
                   <a:schemeClr val="hlink"/>
                 </a:solidFill>
-                <a:hlinkClick r:id="rId3"/>
+                <a:hlinkClick r:id="rId2"/>
               </a:rPr>
               <a:t>https://kr.vuejs.org/v2/guide/index.html</a:t>
             </a:r>
-            <a:endParaRPr sz="3600">
-              <a:solidFill>
-                <a:srgbClr val="FF9900"/>
-              </a:solidFill>
-            </a:endParaRPr>
-          </a:p>
-          <a:p>
-            <a:pPr indent="0" lvl="0" marL="0" rtl="0" algn="ctr">
-              <a:spcBef>
-                <a:spcPts val="0"/>
-              </a:spcBef>
-              <a:spcAft>
-                <a:spcPts val="0"/>
-              </a:spcAft>
-              <a:buNone/>
-            </a:pPr>
-            <a:r>
-              <a:t/>
-            </a:r>
-            <a:endParaRPr sz="3600">
-              <a:solidFill>
-                <a:srgbClr val="FF9900"/>
+            <a:endParaRPr lang="ko" sz="3600" u="sng">
+              <a:solidFill>
+                <a:schemeClr val="hlink"/>
+              </a:solidFill>
+            </a:endParaRPr>
+          </a:p>
+          <a:p>
+            <a:pPr marL="0" lvl="0" indent="0" algn="ctr">
+              <a:spcBef>
+                <a:spcPct val="0"/>
+              </a:spcBef>
+              <a:spcAft>
+                <a:spcPct val="0"/>
+              </a:spcAft>
+              <a:buNone/>
+              <a:defRPr lang="ko-KR" altLang="en-US"/>
+            </a:pPr>
+            <a:endParaRPr lang="en-US" sz="3600">
+              <a:solidFill>
+                <a:srgbClr val="ff9900"/>
               </a:solidFill>
             </a:endParaRPr>
           </a:p>
@@ -20603,15 +19506,16 @@
   <p:clrMapOvr>
     <a:masterClrMapping/>
   </p:clrMapOvr>
+  <p:transition xmlns:mc="http://schemas.openxmlformats.org/markup-compatibility/2006" xmlns:hp="http://schemas.haansoft.com/office/presentation/8.0" mc:Ignorable="hp" hp:hslDur="500"/>
 </p:sld>
 </file>
 
 <file path=ppt/slides/slide36.xml><?xml version="1.0" encoding="utf-8"?>
-<p:sld xmlns:a="http://schemas.openxmlformats.org/drawingml/2006/main" xmlns:r="http://schemas.openxmlformats.org/officeDocument/2006/relationships" xmlns:mc="http://schemas.openxmlformats.org/markup-compatibility/2006" xmlns:mv="urn:schemas-microsoft-com:mac:vml" xmlns:p="http://schemas.openxmlformats.org/presentationml/2006/main" xmlns:c="http://schemas.openxmlformats.org/drawingml/2006/chart" xmlns:dgm="http://schemas.openxmlformats.org/drawingml/2006/diagram" xmlns:o="urn:schemas-microsoft-com:office:office" xmlns:v="urn:schemas-microsoft-com:vml" xmlns:pvml="urn:schemas-microsoft-com:office:powerpoint" xmlns:com="http://schemas.openxmlformats.org/drawingml/2006/compatibility" xmlns:p14="http://schemas.microsoft.com/office/powerpoint/2010/main" xmlns:p15="http://schemas.microsoft.com/office/powerpoint/2012/main">
+<p:sld xmlns:r="http://schemas.openxmlformats.org/officeDocument/2006/relationships" xmlns:c="http://schemas.openxmlformats.org/drawingml/2006/chart" xmlns:a="http://schemas.openxmlformats.org/drawingml/2006/main" xmlns:dgm="http://schemas.openxmlformats.org/drawingml/2006/diagram" xmlns:dsp="http://schemas.microsoft.com/office/drawing/2008/diagram" xmlns:p="http://schemas.openxmlformats.org/presentationml/2006/main">
   <p:cSld>
     <p:spTree>
       <p:nvGrpSpPr>
-        <p:cNvPr id="313" name="Shape 313"/>
+        <p:cNvPr id="1" name=""/>
         <p:cNvGrpSpPr/>
         <p:nvPr/>
       </p:nvGrpSpPr>
@@ -20626,11 +19530,11 @@
       <p:pic>
         <p:nvPicPr>
           <p:cNvPr id="314" name="Google Shape;314;p48"/>
-          <p:cNvPicPr preferRelativeResize="0"/>
+          <p:cNvPicPr/>
           <p:nvPr/>
         </p:nvPicPr>
-        <p:blipFill>
-          <a:blip r:embed="rId3">
+        <p:blipFill rotWithShape="1">
+          <a:blip r:embed="rId2">
             <a:alphaModFix/>
           </a:blip>
           <a:stretch>
@@ -20654,11 +19558,11 @@
       <p:pic>
         <p:nvPicPr>
           <p:cNvPr id="315" name="Google Shape;315;p48"/>
-          <p:cNvPicPr preferRelativeResize="0"/>
+          <p:cNvPicPr/>
           <p:nvPr/>
         </p:nvPicPr>
-        <p:blipFill>
-          <a:blip r:embed="rId4">
+        <p:blipFill rotWithShape="1">
+          <a:blip r:embed="rId3">
             <a:alphaModFix/>
           </a:blip>
           <a:stretch>
@@ -20682,9 +19586,11 @@
       <p:sp>
         <p:nvSpPr>
           <p:cNvPr id="316" name="Google Shape;316;p48"/>
-          <p:cNvSpPr txBox="1"/>
+          <p:cNvSpPr txBox="1">
+            <a:spLocks noGrp="1"/>
+          </p:cNvSpPr>
           <p:nvPr>
-            <p:ph type="ctrTitle"/>
+            <p:ph type="ctrTitle" idx="0"/>
           </p:nvPr>
         </p:nvSpPr>
         <p:spPr>
@@ -20697,50 +19603,54 @@
           </a:prstGeom>
         </p:spPr>
         <p:txBody>
-          <a:bodyPr anchorCtr="0" anchor="b" bIns="91425" lIns="91425" spcFirstLastPara="1" rIns="91425" wrap="square" tIns="91425">
+          <a:bodyPr wrap="square" lIns="91425" tIns="91425" rIns="91425" bIns="91425" anchor="b" anchorCtr="0">
             <a:noAutofit/>
           </a:bodyPr>
           <a:lstStyle/>
           <a:p>
-            <a:pPr indent="0" lvl="0" marL="0" rtl="0" algn="ctr">
-              <a:spcBef>
-                <a:spcPts val="0"/>
-              </a:spcBef>
-              <a:spcAft>
-                <a:spcPts val="0"/>
-              </a:spcAft>
-              <a:buNone/>
-            </a:pPr>
-            <a:r>
-              <a:rPr b="1" lang="ko" sz="5500"/>
+            <a:pPr marL="0" lvl="0" indent="0" algn="ctr">
+              <a:spcBef>
+                <a:spcPct val="0"/>
+              </a:spcBef>
+              <a:spcAft>
+                <a:spcPct val="0"/>
+              </a:spcAft>
+              <a:buNone/>
+              <a:defRPr lang="ko-KR" altLang="en-US"/>
+            </a:pPr>
+            <a:r>
+              <a:rPr lang="ko" sz="5500" b="1"/>
               <a:t>Node &amp; Vue 시작하기</a:t>
             </a:r>
-            <a:endParaRPr b="1" sz="5500"/>
-          </a:p>
-          <a:p>
-            <a:pPr indent="0" lvl="0" marL="0" rtl="0" algn="ctr">
-              <a:spcBef>
-                <a:spcPts val="0"/>
-              </a:spcBef>
-              <a:spcAft>
-                <a:spcPts val="0"/>
-              </a:spcAft>
-              <a:buNone/>
+            <a:endParaRPr lang="ko" sz="5500" b="1"/>
+          </a:p>
+          <a:p>
+            <a:pPr marL="0" lvl="0" indent="0" algn="ctr">
+              <a:spcBef>
+                <a:spcPct val="0"/>
+              </a:spcBef>
+              <a:spcAft>
+                <a:spcPct val="0"/>
+              </a:spcAft>
+              <a:buNone/>
+              <a:defRPr lang="ko-KR" altLang="en-US"/>
             </a:pPr>
             <a:r>
               <a:rPr lang="ko" sz="3600"/>
               <a:t>(NodeJS, Vue.js, MySQL)</a:t>
             </a:r>
-            <a:endParaRPr sz="3600"/>
+            <a:endParaRPr lang="en-US" sz="3600"/>
           </a:p>
         </p:txBody>
       </p:sp>
       <p:sp>
         <p:nvSpPr>
           <p:cNvPr id="317" name="Google Shape;317;p48"/>
-          <p:cNvSpPr txBox="1"/>
+          <p:cNvSpPr txBox="1">
+            <a:spLocks noGrp="1"/>
+          </p:cNvSpPr>
           <p:nvPr>
-            <p:ph idx="1" type="subTitle"/>
+            <p:ph type="subTitle" idx="1"/>
           </p:nvPr>
         </p:nvSpPr>
         <p:spPr>
@@ -20753,25 +19663,26 @@
           </a:prstGeom>
         </p:spPr>
         <p:txBody>
-          <a:bodyPr anchorCtr="0" anchor="t" bIns="91425" lIns="91425" spcFirstLastPara="1" rIns="91425" wrap="square" tIns="91425">
+          <a:bodyPr wrap="square" lIns="91425" tIns="91425" rIns="91425" bIns="91425" anchor="t" anchorCtr="0">
             <a:noAutofit/>
           </a:bodyPr>
           <a:lstStyle/>
           <a:p>
-            <a:pPr indent="0" lvl="0" marL="0" rtl="0" algn="r">
-              <a:spcBef>
-                <a:spcPts val="0"/>
-              </a:spcBef>
-              <a:spcAft>
-                <a:spcPts val="0"/>
-              </a:spcAft>
-              <a:buNone/>
+            <a:pPr marL="0" lvl="0" indent="0" algn="r">
+              <a:spcBef>
+                <a:spcPct val="0"/>
+              </a:spcBef>
+              <a:spcAft>
+                <a:spcPct val="0"/>
+              </a:spcAft>
+              <a:buNone/>
+              <a:defRPr lang="ko-KR" altLang="en-US"/>
             </a:pPr>
             <a:r>
               <a:rPr lang="ko"/>
               <a:t>Jade</a:t>
             </a:r>
-            <a:endParaRPr/>
+            <a:endParaRPr lang="en-US"/>
           </a:p>
         </p:txBody>
       </p:sp>
@@ -20782,7 +19693,7 @@
           <p:nvPr/>
         </p:nvCxnSpPr>
         <p:spPr>
-          <a:xfrm flipH="1" rot="10800000">
+          <a:xfrm rot="10800000" flipH="1">
             <a:off x="307025" y="4340050"/>
             <a:ext cx="8643600" cy="11700"/>
           </a:xfrm>
@@ -20790,14 +19701,12 @@
             <a:avLst/>
           </a:prstGeom>
           <a:noFill/>
-          <a:ln cap="flat" cmpd="sng" w="9525">
+          <a:ln w="9525" cap="flat" cmpd="sng">
             <a:solidFill>
-              <a:srgbClr val="D9D9D9"/>
+              <a:srgbClr val="d9d9d9"/>
             </a:solidFill>
             <a:prstDash val="solid"/>
             <a:round/>
-            <a:headEnd len="med" w="med" type="none"/>
-            <a:tailEnd len="med" w="med" type="none"/>
           </a:ln>
         </p:spPr>
       </p:cxnSp>
@@ -20816,35 +19725,34 @@
             <a:avLst/>
           </a:prstGeom>
           <a:noFill/>
-          <a:ln cap="flat" cmpd="sng" w="38100">
+          <a:ln w="38100" cap="flat" cmpd="sng">
             <a:solidFill>
-              <a:srgbClr val="FFFF00"/>
+              <a:srgbClr val="ffff00"/>
             </a:solidFill>
             <a:prstDash val="solid"/>
             <a:round/>
-            <a:headEnd len="sm" w="sm" type="none"/>
-            <a:tailEnd len="sm" w="sm" type="none"/>
           </a:ln>
         </p:spPr>
         <p:txBody>
-          <a:bodyPr anchorCtr="0" anchor="ctr" bIns="91425" lIns="91425" spcFirstLastPara="1" rIns="91425" wrap="square" tIns="91425">
+          <a:bodyPr wrap="square" lIns="91425" tIns="91425" rIns="91425" bIns="91425" anchor="ctr" anchorCtr="0">
             <a:noAutofit/>
           </a:bodyPr>
           <a:lstStyle/>
           <a:p>
-            <a:pPr indent="0" lvl="0" marL="0" rtl="0" algn="ctr">
-              <a:spcBef>
-                <a:spcPts val="0"/>
-              </a:spcBef>
-              <a:spcAft>
-                <a:spcPts val="0"/>
-              </a:spcAft>
-              <a:buNone/>
-            </a:pPr>
-            <a:r>
-              <a:rPr b="1" lang="ko" sz="7200">
-                <a:solidFill>
-                  <a:srgbClr val="FFFF00"/>
+            <a:pPr marL="0" lvl="0" indent="0" algn="ctr">
+              <a:spcBef>
+                <a:spcPct val="0"/>
+              </a:spcBef>
+              <a:spcAft>
+                <a:spcPct val="0"/>
+              </a:spcAft>
+              <a:buNone/>
+              <a:defRPr lang="ko-KR" altLang="en-US"/>
+            </a:pPr>
+            <a:r>
+              <a:rPr lang="ko" sz="7200" b="1">
+                <a:solidFill>
+                  <a:srgbClr val="ffff00"/>
                 </a:solidFill>
                 <a:latin typeface="Comic Sans MS"/>
                 <a:ea typeface="Comic Sans MS"/>
@@ -20853,9 +19761,9 @@
               </a:rPr>
               <a:t>6</a:t>
             </a:r>
-            <a:endParaRPr b="1" sz="7200">
-              <a:solidFill>
-                <a:srgbClr val="FFFF00"/>
+            <a:endParaRPr lang="en-US" sz="7200" b="1">
+              <a:solidFill>
+                <a:srgbClr val="ffff00"/>
               </a:solidFill>
               <a:latin typeface="Comic Sans MS"/>
               <a:ea typeface="Comic Sans MS"/>
@@ -20868,9 +19776,11 @@
       <p:sp>
         <p:nvSpPr>
           <p:cNvPr id="320" name="Google Shape;320;p48"/>
-          <p:cNvSpPr txBox="1"/>
+          <p:cNvSpPr txBox="1">
+            <a:spLocks noGrp="1"/>
+          </p:cNvSpPr>
           <p:nvPr>
-            <p:ph type="ctrTitle"/>
+            <p:ph type="ctrTitle" idx="0"/>
           </p:nvPr>
         </p:nvSpPr>
         <p:spPr>
@@ -20883,55 +19793,57 @@
           </a:prstGeom>
         </p:spPr>
         <p:txBody>
-          <a:bodyPr anchorCtr="0" anchor="b" bIns="91425" lIns="91425" spcFirstLastPara="1" rIns="91425" wrap="square" tIns="91425">
+          <a:bodyPr wrap="square" lIns="91425" tIns="91425" rIns="91425" bIns="91425" anchor="b" anchorCtr="0">
             <a:noAutofit/>
           </a:bodyPr>
           <a:lstStyle/>
           <a:p>
-            <a:pPr indent="0" lvl="0" marL="0" rtl="0" algn="ctr">
-              <a:spcBef>
-                <a:spcPts val="0"/>
-              </a:spcBef>
-              <a:spcAft>
-                <a:spcPts val="0"/>
-              </a:spcAft>
-              <a:buNone/>
+            <a:pPr marL="0" lvl="0" indent="0" algn="ctr">
+              <a:spcBef>
+                <a:spcPct val="0"/>
+              </a:spcBef>
+              <a:spcAft>
+                <a:spcPct val="0"/>
+              </a:spcAft>
+              <a:buNone/>
+              <a:defRPr lang="ko-KR" altLang="en-US"/>
             </a:pPr>
             <a:r>
               <a:rPr lang="ko" sz="4800">
                 <a:solidFill>
-                  <a:srgbClr val="FF9900"/>
+                  <a:srgbClr val="ff9900"/>
                 </a:solidFill>
               </a:rPr>
               <a:t>Router, EventBus,</a:t>
             </a:r>
-            <a:endParaRPr sz="4800">
-              <a:solidFill>
-                <a:srgbClr val="FF9900"/>
-              </a:solidFill>
-            </a:endParaRPr>
-          </a:p>
-          <a:p>
-            <a:pPr indent="0" lvl="0" marL="0" rtl="0" algn="ctr">
-              <a:spcBef>
-                <a:spcPts val="0"/>
-              </a:spcBef>
-              <a:spcAft>
-                <a:spcPts val="0"/>
-              </a:spcAft>
-              <a:buNone/>
+            <a:endParaRPr lang="ko" sz="4800">
+              <a:solidFill>
+                <a:srgbClr val="ff9900"/>
+              </a:solidFill>
+            </a:endParaRPr>
+          </a:p>
+          <a:p>
+            <a:pPr marL="0" lvl="0" indent="0" algn="ctr">
+              <a:spcBef>
+                <a:spcPct val="0"/>
+              </a:spcBef>
+              <a:spcAft>
+                <a:spcPct val="0"/>
+              </a:spcAft>
+              <a:buNone/>
+              <a:defRPr lang="ko-KR" altLang="en-US"/>
             </a:pPr>
             <a:r>
               <a:rPr lang="ko" sz="4800">
                 <a:solidFill>
-                  <a:srgbClr val="FF9900"/>
+                  <a:srgbClr val="ff9900"/>
                 </a:solidFill>
               </a:rPr>
               <a:t> Lodash, Axios, Mixin</a:t>
             </a:r>
-            <a:endParaRPr sz="4800">
-              <a:solidFill>
-                <a:srgbClr val="FF9900"/>
+            <a:endParaRPr lang="en-US" sz="4800">
+              <a:solidFill>
+                <a:srgbClr val="ff9900"/>
               </a:solidFill>
             </a:endParaRPr>
           </a:p>
@@ -20942,15 +19854,16 @@
   <p:clrMapOvr>
     <a:masterClrMapping/>
   </p:clrMapOvr>
+  <p:transition xmlns:mc="http://schemas.openxmlformats.org/markup-compatibility/2006" xmlns:hp="http://schemas.haansoft.com/office/presentation/8.0" mc:Ignorable="hp" hp:hslDur="500"/>
 </p:sld>
 </file>
 
 <file path=ppt/slides/slide37.xml><?xml version="1.0" encoding="utf-8"?>
-<p:sld xmlns:a="http://schemas.openxmlformats.org/drawingml/2006/main" xmlns:r="http://schemas.openxmlformats.org/officeDocument/2006/relationships" xmlns:mc="http://schemas.openxmlformats.org/markup-compatibility/2006" xmlns:mv="urn:schemas-microsoft-com:mac:vml" xmlns:p="http://schemas.openxmlformats.org/presentationml/2006/main" xmlns:c="http://schemas.openxmlformats.org/drawingml/2006/chart" xmlns:dgm="http://schemas.openxmlformats.org/drawingml/2006/diagram" xmlns:o="urn:schemas-microsoft-com:office:office" xmlns:v="urn:schemas-microsoft-com:vml" xmlns:pvml="urn:schemas-microsoft-com:office:powerpoint" xmlns:com="http://schemas.openxmlformats.org/drawingml/2006/compatibility" xmlns:p14="http://schemas.microsoft.com/office/powerpoint/2010/main" xmlns:p15="http://schemas.microsoft.com/office/powerpoint/2012/main">
+<p:sld xmlns:r="http://schemas.openxmlformats.org/officeDocument/2006/relationships" xmlns:c="http://schemas.openxmlformats.org/drawingml/2006/chart" xmlns:a="http://schemas.openxmlformats.org/drawingml/2006/main" xmlns:dgm="http://schemas.openxmlformats.org/drawingml/2006/diagram" xmlns:dsp="http://schemas.microsoft.com/office/drawing/2008/diagram" xmlns:p="http://schemas.openxmlformats.org/presentationml/2006/main">
   <p:cSld>
     <p:spTree>
       <p:nvGrpSpPr>
-        <p:cNvPr id="324" name="Shape 324"/>
+        <p:cNvPr id="1" name=""/>
         <p:cNvGrpSpPr/>
         <p:nvPr/>
       </p:nvGrpSpPr>
@@ -20965,9 +19878,11 @@
       <p:sp>
         <p:nvSpPr>
           <p:cNvPr id="325" name="Google Shape;325;p49"/>
-          <p:cNvSpPr txBox="1"/>
+          <p:cNvSpPr txBox="1">
+            <a:spLocks noGrp="1"/>
+          </p:cNvSpPr>
           <p:nvPr>
-            <p:ph type="title"/>
+            <p:ph type="title" idx="0"/>
           </p:nvPr>
         </p:nvSpPr>
         <p:spPr>
@@ -20980,34 +19895,37 @@
           </a:prstGeom>
         </p:spPr>
         <p:txBody>
-          <a:bodyPr anchorCtr="0" anchor="t" bIns="91425" lIns="91425" spcFirstLastPara="1" rIns="91425" wrap="square" tIns="91425">
+          <a:bodyPr wrap="square" lIns="91425" tIns="91425" rIns="91425" bIns="91425" anchor="t" anchorCtr="0">
             <a:noAutofit/>
           </a:bodyPr>
           <a:lstStyle/>
           <a:p>
-            <a:pPr indent="0" lvl="0" marL="0" rtl="0" algn="l">
-              <a:spcBef>
-                <a:spcPts val="0"/>
-              </a:spcBef>
-              <a:spcAft>
-                <a:spcPts val="0"/>
-              </a:spcAft>
-              <a:buNone/>
+            <a:pPr marL="0" lvl="0" indent="0" algn="l">
+              <a:spcBef>
+                <a:spcPct val="0"/>
+              </a:spcBef>
+              <a:spcAft>
+                <a:spcPct val="0"/>
+              </a:spcAft>
+              <a:buNone/>
+              <a:defRPr lang="ko-KR" altLang="en-US"/>
             </a:pPr>
             <a:r>
               <a:rPr lang="ko"/>
               <a:t>Axios  (HTTP)</a:t>
             </a:r>
-            <a:endParaRPr/>
+            <a:endParaRPr lang="en-US"/>
           </a:p>
         </p:txBody>
       </p:sp>
       <p:sp>
         <p:nvSpPr>
           <p:cNvPr id="326" name="Google Shape;326;p49"/>
-          <p:cNvSpPr txBox="1"/>
+          <p:cNvSpPr txBox="1">
+            <a:spLocks noGrp="1"/>
+          </p:cNvSpPr>
           <p:nvPr>
-            <p:ph idx="1" type="body"/>
+            <p:ph type="body" idx="1"/>
           </p:nvPr>
         </p:nvSpPr>
         <p:spPr>
@@ -21020,46 +19938,48 @@
           </a:prstGeom>
         </p:spPr>
         <p:txBody>
-          <a:bodyPr anchorCtr="0" anchor="t" bIns="91425" lIns="91425" spcFirstLastPara="1" rIns="91425" wrap="square" tIns="91425">
+          <a:bodyPr wrap="square" lIns="91425" tIns="91425" rIns="91425" bIns="91425" anchor="t" anchorCtr="0">
             <a:noAutofit/>
           </a:bodyPr>
           <a:lstStyle/>
           <a:p>
-            <a:pPr indent="0" lvl="0" marL="0" rtl="0" algn="l">
-              <a:spcBef>
-                <a:spcPts val="0"/>
-              </a:spcBef>
-              <a:spcAft>
-                <a:spcPts val="0"/>
-              </a:spcAft>
-              <a:buNone/>
+            <a:pPr marL="0" lvl="0" indent="0" algn="l">
+              <a:spcBef>
+                <a:spcPct val="0"/>
+              </a:spcBef>
+              <a:spcAft>
+                <a:spcPct val="0"/>
+              </a:spcAft>
+              <a:buNone/>
+              <a:defRPr lang="ko-KR" altLang="en-US"/>
             </a:pPr>
             <a:r>
               <a:rPr lang="ko"/>
               <a:t>$&gt; npm i </a:t>
             </a:r>
             <a:r>
-              <a:rPr b="1" lang="ko"/>
+              <a:rPr lang="ko" b="1"/>
               <a:t>axios</a:t>
             </a:r>
             <a:r>
               <a:rPr lang="ko"/>
               <a:t> --save</a:t>
             </a:r>
-            <a:endParaRPr/>
-          </a:p>
-          <a:p>
-            <a:pPr indent="0" lvl="0" marL="0" rtl="0" algn="l">
-              <a:spcBef>
-                <a:spcPts val="1600"/>
-              </a:spcBef>
-              <a:spcAft>
-                <a:spcPts val="0"/>
-              </a:spcAft>
-              <a:buNone/>
-            </a:pPr>
-            <a:r>
-              <a:rPr b="1" lang="ko"/>
+            <a:endParaRPr lang="ko"/>
+          </a:p>
+          <a:p>
+            <a:pPr marL="0" lvl="0" indent="0" algn="l">
+              <a:spcBef>
+                <a:spcPct val="74000"/>
+              </a:spcBef>
+              <a:spcAft>
+                <a:spcPct val="0"/>
+              </a:spcAft>
+              <a:buNone/>
+              <a:defRPr lang="ko-KR" altLang="en-US"/>
+            </a:pPr>
+            <a:r>
+              <a:rPr lang="ko" b="1"/>
               <a:t># main.js</a:t>
             </a:r>
             <a:br>
@@ -21076,20 +19996,21 @@
               <a:rPr lang="ko"/>
               <a:t>Vue.prototype.$http = axios</a:t>
             </a:r>
-            <a:endParaRPr/>
-          </a:p>
-          <a:p>
-            <a:pPr indent="0" lvl="0" marL="0" rtl="0" algn="l">
-              <a:spcBef>
-                <a:spcPts val="1600"/>
-              </a:spcBef>
-              <a:spcAft>
-                <a:spcPts val="1600"/>
-              </a:spcAft>
-              <a:buNone/>
-            </a:pPr>
-            <a:r>
-              <a:rPr b="1" lang="ko"/>
+            <a:endParaRPr lang="ko"/>
+          </a:p>
+          <a:p>
+            <a:pPr marL="0" lvl="0" indent="0" algn="l">
+              <a:spcBef>
+                <a:spcPct val="74000"/>
+              </a:spcBef>
+              <a:spcAft>
+                <a:spcPct val="16000"/>
+              </a:spcAft>
+              <a:buNone/>
+              <a:defRPr lang="ko-KR" altLang="en-US"/>
+            </a:pPr>
+            <a:r>
+              <a:rPr lang="ko" b="1"/>
               <a:t># for IE</a:t>
             </a:r>
             <a:br>
@@ -21100,7 +20021,7 @@
               <a:t>$&gt; npm i </a:t>
             </a:r>
             <a:r>
-              <a:rPr b="1" lang="ko"/>
+              <a:rPr lang="ko" b="1"/>
               <a:t>es6-promise</a:t>
             </a:r>
             <a:r>
@@ -21126,7 +20047,7 @@
               </a:rPr>
               <a:t>require('es6-promise').polyfill();</a:t>
             </a:r>
-            <a:endParaRPr sz="1200">
+            <a:endParaRPr lang="en-US" sz="1200">
               <a:latin typeface="Source Code Pro"/>
               <a:ea typeface="Source Code Pro"/>
               <a:cs typeface="Source Code Pro"/>
@@ -21150,38 +20071,37 @@
             <a:avLst/>
           </a:prstGeom>
           <a:noFill/>
-          <a:ln cap="flat" cmpd="sng" w="9525">
+          <a:ln w="9525" cap="flat" cmpd="sng">
             <a:solidFill>
-              <a:srgbClr val="B7B7B7"/>
+              <a:srgbClr val="b7b7b7"/>
             </a:solidFill>
             <a:prstDash val="solid"/>
             <a:round/>
-            <a:headEnd len="sm" w="sm" type="none"/>
-            <a:tailEnd len="sm" w="sm" type="none"/>
           </a:ln>
         </p:spPr>
         <p:txBody>
-          <a:bodyPr anchorCtr="0" anchor="t" bIns="91425" lIns="91425" spcFirstLastPara="1" rIns="91425" wrap="square" tIns="91425">
+          <a:bodyPr wrap="square" lIns="91425" tIns="91425" rIns="91425" bIns="91425" anchor="t" anchorCtr="0">
             <a:noAutofit/>
           </a:bodyPr>
           <a:lstStyle/>
           <a:p>
-            <a:pPr indent="0" lvl="0" marL="0" rtl="0" algn="l">
+            <a:pPr marL="0" lvl="0" indent="0" algn="l">
               <a:lnSpc>
                 <a:spcPct val="115000"/>
               </a:lnSpc>
               <a:spcBef>
-                <a:spcPts val="0"/>
-              </a:spcBef>
-              <a:spcAft>
-                <a:spcPts val="0"/>
-              </a:spcAft>
-              <a:buNone/>
-            </a:pPr>
-            <a:r>
-              <a:rPr b="1" lang="ko" sz="1200">
-                <a:solidFill>
-                  <a:srgbClr val="D9D9D9"/>
+                <a:spcPct val="0"/>
+              </a:spcBef>
+              <a:spcAft>
+                <a:spcPct val="0"/>
+              </a:spcAft>
+              <a:buNone/>
+              <a:defRPr lang="ko-KR" altLang="en-US"/>
+            </a:pPr>
+            <a:r>
+              <a:rPr lang="ko" sz="1200" b="1">
+                <a:solidFill>
+                  <a:srgbClr val="d9d9d9"/>
                 </a:solidFill>
                 <a:latin typeface="Source Code Pro"/>
                 <a:ea typeface="Source Code Pro"/>
@@ -21190,9 +20110,9 @@
               </a:rPr>
               <a:t># allow access origin</a:t>
             </a:r>
-            <a:endParaRPr b="1" sz="1200">
-              <a:solidFill>
-                <a:srgbClr val="D9D9D9"/>
+            <a:endParaRPr lang="ko" sz="1200" b="1">
+              <a:solidFill>
+                <a:srgbClr val="d9d9d9"/>
               </a:solidFill>
               <a:latin typeface="Source Code Pro"/>
               <a:ea typeface="Source Code Pro"/>
@@ -21201,22 +20121,23 @@
             </a:endParaRPr>
           </a:p>
           <a:p>
-            <a:pPr indent="0" lvl="0" marL="0" rtl="0" algn="l">
+            <a:pPr marL="0" lvl="0" indent="0" algn="l">
               <a:lnSpc>
                 <a:spcPct val="115000"/>
               </a:lnSpc>
               <a:spcBef>
-                <a:spcPts val="0"/>
-              </a:spcBef>
-              <a:spcAft>
-                <a:spcPts val="0"/>
-              </a:spcAft>
-              <a:buNone/>
+                <a:spcPct val="0"/>
+              </a:spcBef>
+              <a:spcAft>
+                <a:spcPct val="0"/>
+              </a:spcAft>
+              <a:buNone/>
+              <a:defRPr lang="ko-KR" altLang="en-US"/>
             </a:pPr>
             <a:r>
               <a:rPr lang="ko" sz="800">
                 <a:solidFill>
-                  <a:srgbClr val="D9D9D9"/>
+                  <a:srgbClr val="d9d9d9"/>
                 </a:solidFill>
                 <a:latin typeface="Source Code Pro"/>
                 <a:ea typeface="Source Code Pro"/>
@@ -21225,9 +20146,9 @@
               </a:rPr>
               <a:t>app.use( (req, res, next) =&gt; {</a:t>
             </a:r>
-            <a:endParaRPr sz="800">
-              <a:solidFill>
-                <a:srgbClr val="D9D9D9"/>
+            <a:endParaRPr lang="ko" sz="800">
+              <a:solidFill>
+                <a:srgbClr val="d9d9d9"/>
               </a:solidFill>
               <a:latin typeface="Source Code Pro"/>
               <a:ea typeface="Source Code Pro"/>
@@ -21236,22 +20157,23 @@
             </a:endParaRPr>
           </a:p>
           <a:p>
-            <a:pPr indent="0" lvl="0" marL="457200" rtl="0" algn="l">
+            <a:pPr marL="457200" lvl="0" indent="0" algn="l">
               <a:lnSpc>
                 <a:spcPct val="115000"/>
               </a:lnSpc>
               <a:spcBef>
-                <a:spcPts val="0"/>
-              </a:spcBef>
-              <a:spcAft>
-                <a:spcPts val="0"/>
-              </a:spcAft>
-              <a:buNone/>
+                <a:spcPct val="0"/>
+              </a:spcBef>
+              <a:spcAft>
+                <a:spcPct val="0"/>
+              </a:spcAft>
+              <a:buNone/>
+              <a:defRPr lang="ko-KR" altLang="en-US"/>
             </a:pPr>
             <a:r>
               <a:rPr lang="ko" sz="800">
                 <a:solidFill>
-                  <a:srgbClr val="D9D9D9"/>
+                  <a:srgbClr val="d9d9d9"/>
                 </a:solidFill>
                 <a:latin typeface="Source Code Pro"/>
                 <a:ea typeface="Source Code Pro"/>
@@ -21260,9 +20182,9 @@
               </a:rPr>
               <a:t>res.header("Access-Control-Allow-Origin", req.headers.origin);</a:t>
             </a:r>
-            <a:endParaRPr sz="800">
-              <a:solidFill>
-                <a:srgbClr val="D9D9D9"/>
+            <a:endParaRPr lang="ko" sz="800">
+              <a:solidFill>
+                <a:srgbClr val="d9d9d9"/>
               </a:solidFill>
               <a:latin typeface="Source Code Pro"/>
               <a:ea typeface="Source Code Pro"/>
@@ -21271,22 +20193,23 @@
             </a:endParaRPr>
           </a:p>
           <a:p>
-            <a:pPr indent="0" lvl="0" marL="457200" rtl="0" algn="l">
+            <a:pPr marL="457200" lvl="0" indent="0" algn="l">
               <a:lnSpc>
                 <a:spcPct val="115000"/>
               </a:lnSpc>
               <a:spcBef>
-                <a:spcPts val="0"/>
-              </a:spcBef>
-              <a:spcAft>
-                <a:spcPts val="0"/>
-              </a:spcAft>
-              <a:buNone/>
+                <a:spcPct val="0"/>
+              </a:spcBef>
+              <a:spcAft>
+                <a:spcPct val="0"/>
+              </a:spcAft>
+              <a:buNone/>
+              <a:defRPr lang="ko-KR" altLang="en-US"/>
             </a:pPr>
             <a:r>
               <a:rPr lang="ko" sz="800">
                 <a:solidFill>
-                  <a:srgbClr val="D9D9D9"/>
+                  <a:srgbClr val="d9d9d9"/>
                 </a:solidFill>
                 <a:latin typeface="Source Code Pro"/>
                 <a:ea typeface="Source Code Pro"/>
@@ -21295,9 +20218,9 @@
               </a:rPr>
               <a:t>res.header("Access-Control-Allow-Credentials", "true");</a:t>
             </a:r>
-            <a:endParaRPr sz="800">
-              <a:solidFill>
-                <a:srgbClr val="D9D9D9"/>
+            <a:endParaRPr lang="ko" sz="800">
+              <a:solidFill>
+                <a:srgbClr val="d9d9d9"/>
               </a:solidFill>
               <a:latin typeface="Source Code Pro"/>
               <a:ea typeface="Source Code Pro"/>
@@ -21306,22 +20229,23 @@
             </a:endParaRPr>
           </a:p>
           <a:p>
-            <a:pPr indent="0" lvl="0" marL="457200" rtl="0" algn="l">
+            <a:pPr marL="457200" lvl="0" indent="0" algn="l">
               <a:lnSpc>
                 <a:spcPct val="115000"/>
               </a:lnSpc>
               <a:spcBef>
-                <a:spcPts val="0"/>
-              </a:spcBef>
-              <a:spcAft>
-                <a:spcPts val="0"/>
-              </a:spcAft>
-              <a:buNone/>
+                <a:spcPct val="0"/>
+              </a:spcBef>
+              <a:spcAft>
+                <a:spcPct val="0"/>
+              </a:spcAft>
+              <a:buNone/>
+              <a:defRPr lang="ko-KR" altLang="en-US"/>
             </a:pPr>
             <a:r>
               <a:rPr lang="ko" sz="800">
                 <a:solidFill>
-                  <a:srgbClr val="D9D9D9"/>
+                  <a:srgbClr val="d9d9d9"/>
                 </a:solidFill>
                 <a:latin typeface="Source Code Pro"/>
                 <a:ea typeface="Source Code Pro"/>
@@ -21330,9 +20254,9 @@
               </a:rPr>
               <a:t>res.header("Access-Control-Allow-Headers", "X-Requested-With");</a:t>
             </a:r>
-            <a:endParaRPr sz="800">
-              <a:solidFill>
-                <a:srgbClr val="D9D9D9"/>
+            <a:endParaRPr lang="ko" sz="800">
+              <a:solidFill>
+                <a:srgbClr val="d9d9d9"/>
               </a:solidFill>
               <a:latin typeface="Source Code Pro"/>
               <a:ea typeface="Source Code Pro"/>
@@ -21341,22 +20265,23 @@
             </a:endParaRPr>
           </a:p>
           <a:p>
-            <a:pPr indent="0" lvl="0" marL="457200" rtl="0" algn="l">
+            <a:pPr marL="457200" lvl="0" indent="0" algn="l">
               <a:lnSpc>
                 <a:spcPct val="115000"/>
               </a:lnSpc>
               <a:spcBef>
-                <a:spcPts val="0"/>
-              </a:spcBef>
-              <a:spcAft>
-                <a:spcPts val="0"/>
-              </a:spcAft>
-              <a:buNone/>
+                <a:spcPct val="0"/>
+              </a:spcBef>
+              <a:spcAft>
+                <a:spcPct val="0"/>
+              </a:spcAft>
+              <a:buNone/>
+              <a:defRPr lang="ko-KR" altLang="en-US"/>
             </a:pPr>
             <a:r>
               <a:rPr lang="ko" sz="800">
                 <a:solidFill>
-                  <a:srgbClr val="D9D9D9"/>
+                  <a:srgbClr val="d9d9d9"/>
                 </a:solidFill>
                 <a:latin typeface="Source Code Pro"/>
                 <a:ea typeface="Source Code Pro"/>
@@ -21365,9 +20290,9 @@
               </a:rPr>
               <a:t>res.header("Access-Control-Allow-Headers", "Content-Type, Authorization");</a:t>
             </a:r>
-            <a:endParaRPr sz="800">
-              <a:solidFill>
-                <a:srgbClr val="D9D9D9"/>
+            <a:endParaRPr lang="ko" sz="800">
+              <a:solidFill>
+                <a:srgbClr val="d9d9d9"/>
               </a:solidFill>
               <a:latin typeface="Source Code Pro"/>
               <a:ea typeface="Source Code Pro"/>
@@ -21376,22 +20301,23 @@
             </a:endParaRPr>
           </a:p>
           <a:p>
-            <a:pPr indent="0" lvl="0" marL="457200" rtl="0" algn="l">
+            <a:pPr marL="457200" lvl="0" indent="0" algn="l">
               <a:lnSpc>
                 <a:spcPct val="115000"/>
               </a:lnSpc>
               <a:spcBef>
-                <a:spcPts val="0"/>
-              </a:spcBef>
-              <a:spcAft>
-                <a:spcPts val="0"/>
-              </a:spcAft>
-              <a:buNone/>
+                <a:spcPct val="0"/>
+              </a:spcBef>
+              <a:spcAft>
+                <a:spcPct val="0"/>
+              </a:spcAft>
+              <a:buNone/>
+              <a:defRPr lang="ko-KR" altLang="en-US"/>
             </a:pPr>
             <a:r>
               <a:rPr lang="ko" sz="800">
                 <a:solidFill>
-                  <a:srgbClr val="D9D9D9"/>
+                  <a:srgbClr val="d9d9d9"/>
                 </a:solidFill>
                 <a:latin typeface="Source Code Pro"/>
                 <a:ea typeface="Source Code Pro"/>
@@ -21400,9 +20326,9 @@
               </a:rPr>
               <a:t>res.header("Access-Control-Allow-Methods", "PUT, GET, POST, DELETE, OPTIONS");</a:t>
             </a:r>
-            <a:endParaRPr sz="800">
-              <a:solidFill>
-                <a:srgbClr val="D9D9D9"/>
+            <a:endParaRPr lang="ko" sz="800">
+              <a:solidFill>
+                <a:srgbClr val="d9d9d9"/>
               </a:solidFill>
               <a:latin typeface="Source Code Pro"/>
               <a:ea typeface="Source Code Pro"/>
@@ -21411,24 +20337,22 @@
             </a:endParaRPr>
           </a:p>
           <a:p>
-            <a:pPr indent="0" lvl="0" marL="457200" rtl="0" algn="l">
+            <a:pPr marL="457200" lvl="0" indent="0" algn="l">
               <a:lnSpc>
                 <a:spcPct val="115000"/>
               </a:lnSpc>
               <a:spcBef>
-                <a:spcPts val="0"/>
-              </a:spcBef>
-              <a:spcAft>
-                <a:spcPts val="0"/>
-              </a:spcAft>
-              <a:buNone/>
-            </a:pPr>
-            <a:r>
-              <a:t/>
-            </a:r>
-            <a:endParaRPr sz="800">
-              <a:solidFill>
-                <a:srgbClr val="D9D9D9"/>
+                <a:spcPct val="0"/>
+              </a:spcBef>
+              <a:spcAft>
+                <a:spcPct val="0"/>
+              </a:spcAft>
+              <a:buNone/>
+              <a:defRPr lang="ko-KR" altLang="en-US"/>
+            </a:pPr>
+            <a:endParaRPr lang="en-US" sz="800">
+              <a:solidFill>
+                <a:srgbClr val="d9d9d9"/>
               </a:solidFill>
               <a:latin typeface="Source Code Pro"/>
               <a:ea typeface="Source Code Pro"/>
@@ -21437,22 +20361,23 @@
             </a:endParaRPr>
           </a:p>
           <a:p>
-            <a:pPr indent="0" lvl="0" marL="457200" rtl="0" algn="l">
+            <a:pPr marL="457200" lvl="0" indent="0" algn="l">
               <a:lnSpc>
                 <a:spcPct val="115000"/>
               </a:lnSpc>
               <a:spcBef>
-                <a:spcPts val="0"/>
-              </a:spcBef>
-              <a:spcAft>
-                <a:spcPts val="0"/>
-              </a:spcAft>
-              <a:buNone/>
+                <a:spcPct val="0"/>
+              </a:spcBef>
+              <a:spcAft>
+                <a:spcPct val="0"/>
+              </a:spcAft>
+              <a:buNone/>
+              <a:defRPr lang="ko-KR" altLang="en-US"/>
             </a:pPr>
             <a:r>
               <a:rPr lang="ko" sz="800">
                 <a:solidFill>
-                  <a:srgbClr val="D9D9D9"/>
+                  <a:srgbClr val="d9d9d9"/>
                 </a:solidFill>
                 <a:latin typeface="Source Code Pro"/>
                 <a:ea typeface="Source Code Pro"/>
@@ -21461,9 +20386,9 @@
               </a:rPr>
               <a:t>if (req.method === 'OPTIONS') {</a:t>
             </a:r>
-            <a:endParaRPr sz="800">
-              <a:solidFill>
-                <a:srgbClr val="D9D9D9"/>
+            <a:endParaRPr lang="ko" sz="800">
+              <a:solidFill>
+                <a:srgbClr val="d9d9d9"/>
               </a:solidFill>
               <a:latin typeface="Source Code Pro"/>
               <a:ea typeface="Source Code Pro"/>
@@ -21472,22 +20397,23 @@
             </a:endParaRPr>
           </a:p>
           <a:p>
-            <a:pPr indent="0" lvl="0" marL="457200" rtl="0" algn="l">
+            <a:pPr marL="457200" lvl="0" indent="0" algn="l">
               <a:lnSpc>
                 <a:spcPct val="115000"/>
               </a:lnSpc>
               <a:spcBef>
-                <a:spcPts val="0"/>
-              </a:spcBef>
-              <a:spcAft>
-                <a:spcPts val="0"/>
-              </a:spcAft>
-              <a:buNone/>
+                <a:spcPct val="0"/>
+              </a:spcBef>
+              <a:spcAft>
+                <a:spcPct val="0"/>
+              </a:spcAft>
+              <a:buNone/>
+              <a:defRPr lang="ko-KR" altLang="en-US"/>
             </a:pPr>
             <a:r>
               <a:rPr lang="ko" sz="800">
                 <a:solidFill>
-                  <a:srgbClr val="D9D9D9"/>
+                  <a:srgbClr val="d9d9d9"/>
                 </a:solidFill>
                 <a:latin typeface="Source Code Pro"/>
                 <a:ea typeface="Source Code Pro"/>
@@ -21496,9 +20422,9 @@
               </a:rPr>
               <a:t>    res.status(200).end();</a:t>
             </a:r>
-            <a:endParaRPr sz="800">
-              <a:solidFill>
-                <a:srgbClr val="D9D9D9"/>
+            <a:endParaRPr lang="ko" sz="800">
+              <a:solidFill>
+                <a:srgbClr val="d9d9d9"/>
               </a:solidFill>
               <a:latin typeface="Source Code Pro"/>
               <a:ea typeface="Source Code Pro"/>
@@ -21507,22 +20433,23 @@
             </a:endParaRPr>
           </a:p>
           <a:p>
-            <a:pPr indent="0" lvl="0" marL="457200" rtl="0" algn="l">
+            <a:pPr marL="457200" lvl="0" indent="0" algn="l">
               <a:lnSpc>
                 <a:spcPct val="115000"/>
               </a:lnSpc>
               <a:spcBef>
-                <a:spcPts val="0"/>
-              </a:spcBef>
-              <a:spcAft>
-                <a:spcPts val="0"/>
-              </a:spcAft>
-              <a:buNone/>
+                <a:spcPct val="0"/>
+              </a:spcBef>
+              <a:spcAft>
+                <a:spcPct val="0"/>
+              </a:spcAft>
+              <a:buNone/>
+              <a:defRPr lang="ko-KR" altLang="en-US"/>
             </a:pPr>
             <a:r>
               <a:rPr lang="ko" sz="800">
                 <a:solidFill>
-                  <a:srgbClr val="D9D9D9"/>
+                  <a:srgbClr val="d9d9d9"/>
                 </a:solidFill>
                 <a:latin typeface="Source Code Pro"/>
                 <a:ea typeface="Source Code Pro"/>
@@ -21531,9 +20458,9 @@
               </a:rPr>
               <a:t>    </a:t>
             </a:r>
-            <a:endParaRPr sz="800">
-              <a:solidFill>
-                <a:srgbClr val="D9D9D9"/>
+            <a:endParaRPr lang="ko" sz="800">
+              <a:solidFill>
+                <a:srgbClr val="d9d9d9"/>
               </a:solidFill>
               <a:latin typeface="Source Code Pro"/>
               <a:ea typeface="Source Code Pro"/>
@@ -21542,22 +20469,23 @@
             </a:endParaRPr>
           </a:p>
           <a:p>
-            <a:pPr indent="0" lvl="0" marL="457200" rtl="0" algn="l">
+            <a:pPr marL="457200" lvl="0" indent="0" algn="l">
               <a:lnSpc>
                 <a:spcPct val="115000"/>
               </a:lnSpc>
               <a:spcBef>
-                <a:spcPts val="0"/>
-              </a:spcBef>
-              <a:spcAft>
-                <a:spcPts val="0"/>
-              </a:spcAft>
-              <a:buNone/>
+                <a:spcPct val="0"/>
+              </a:spcBef>
+              <a:spcAft>
+                <a:spcPct val="0"/>
+              </a:spcAft>
+              <a:buNone/>
+              <a:defRPr lang="ko-KR" altLang="en-US"/>
             </a:pPr>
             <a:r>
               <a:rPr lang="ko" sz="800">
                 <a:solidFill>
-                  <a:srgbClr val="D9D9D9"/>
+                  <a:srgbClr val="d9d9d9"/>
                 </a:solidFill>
                 <a:latin typeface="Source Code Pro"/>
                 <a:ea typeface="Source Code Pro"/>
@@ -21566,9 +20494,9 @@
               </a:rPr>
               <a:t>} else {</a:t>
             </a:r>
-            <a:endParaRPr sz="800">
-              <a:solidFill>
-                <a:srgbClr val="D9D9D9"/>
+            <a:endParaRPr lang="ko" sz="800">
+              <a:solidFill>
+                <a:srgbClr val="d9d9d9"/>
               </a:solidFill>
               <a:latin typeface="Source Code Pro"/>
               <a:ea typeface="Source Code Pro"/>
@@ -21577,22 +20505,23 @@
             </a:endParaRPr>
           </a:p>
           <a:p>
-            <a:pPr indent="0" lvl="0" marL="457200" rtl="0" algn="l">
+            <a:pPr marL="457200" lvl="0" indent="0" algn="l">
               <a:lnSpc>
                 <a:spcPct val="115000"/>
               </a:lnSpc>
               <a:spcBef>
-                <a:spcPts val="0"/>
-              </a:spcBef>
-              <a:spcAft>
-                <a:spcPts val="0"/>
-              </a:spcAft>
-              <a:buNone/>
+                <a:spcPct val="0"/>
+              </a:spcBef>
+              <a:spcAft>
+                <a:spcPct val="0"/>
+              </a:spcAft>
+              <a:buNone/>
+              <a:defRPr lang="ko-KR" altLang="en-US"/>
             </a:pPr>
             <a:r>
               <a:rPr lang="ko" sz="800">
                 <a:solidFill>
-                  <a:srgbClr val="D9D9D9"/>
+                  <a:srgbClr val="d9d9d9"/>
                 </a:solidFill>
                 <a:latin typeface="Source Code Pro"/>
                 <a:ea typeface="Source Code Pro"/>
@@ -21601,9 +20530,9 @@
               </a:rPr>
               <a:t>    next();</a:t>
             </a:r>
-            <a:endParaRPr sz="800">
-              <a:solidFill>
-                <a:srgbClr val="D9D9D9"/>
+            <a:endParaRPr lang="ko" sz="800">
+              <a:solidFill>
+                <a:srgbClr val="d9d9d9"/>
               </a:solidFill>
               <a:latin typeface="Source Code Pro"/>
               <a:ea typeface="Source Code Pro"/>
@@ -21612,22 +20541,23 @@
             </a:endParaRPr>
           </a:p>
           <a:p>
-            <a:pPr indent="0" lvl="0" marL="457200" rtl="0" algn="l">
+            <a:pPr marL="457200" lvl="0" indent="0" algn="l">
               <a:lnSpc>
                 <a:spcPct val="115000"/>
               </a:lnSpc>
               <a:spcBef>
-                <a:spcPts val="0"/>
-              </a:spcBef>
-              <a:spcAft>
-                <a:spcPts val="0"/>
-              </a:spcAft>
-              <a:buNone/>
+                <a:spcPct val="0"/>
+              </a:spcBef>
+              <a:spcAft>
+                <a:spcPct val="0"/>
+              </a:spcAft>
+              <a:buNone/>
+              <a:defRPr lang="ko-KR" altLang="en-US"/>
             </a:pPr>
             <a:r>
               <a:rPr lang="ko" sz="800">
                 <a:solidFill>
-                  <a:srgbClr val="D9D9D9"/>
+                  <a:srgbClr val="d9d9d9"/>
                 </a:solidFill>
                 <a:latin typeface="Source Code Pro"/>
                 <a:ea typeface="Source Code Pro"/>
@@ -21636,9 +20566,9 @@
               </a:rPr>
               <a:t>}</a:t>
             </a:r>
-            <a:endParaRPr sz="800">
-              <a:solidFill>
-                <a:srgbClr val="D9D9D9"/>
+            <a:endParaRPr lang="ko" sz="800">
+              <a:solidFill>
+                <a:srgbClr val="d9d9d9"/>
               </a:solidFill>
               <a:latin typeface="Source Code Pro"/>
               <a:ea typeface="Source Code Pro"/>
@@ -21647,22 +20577,23 @@
             </a:endParaRPr>
           </a:p>
           <a:p>
-            <a:pPr indent="0" lvl="0" marL="0" rtl="0" algn="l">
+            <a:pPr marL="0" lvl="0" indent="0" algn="l">
               <a:lnSpc>
                 <a:spcPct val="115000"/>
               </a:lnSpc>
               <a:spcBef>
-                <a:spcPts val="0"/>
-              </a:spcBef>
-              <a:spcAft>
-                <a:spcPts val="0"/>
-              </a:spcAft>
-              <a:buNone/>
+                <a:spcPct val="0"/>
+              </a:spcBef>
+              <a:spcAft>
+                <a:spcPct val="0"/>
+              </a:spcAft>
+              <a:buNone/>
+              <a:defRPr lang="ko-KR" altLang="en-US"/>
             </a:pPr>
             <a:r>
               <a:rPr lang="ko" sz="800">
                 <a:solidFill>
-                  <a:srgbClr val="D9D9D9"/>
+                  <a:srgbClr val="d9d9d9"/>
                 </a:solidFill>
                 <a:latin typeface="Source Code Pro"/>
                 <a:ea typeface="Source Code Pro"/>
@@ -21671,9 +20602,9 @@
               </a:rPr>
               <a:t>});</a:t>
             </a:r>
-            <a:endParaRPr sz="800">
-              <a:solidFill>
-                <a:srgbClr val="D9D9D9"/>
+            <a:endParaRPr lang="en-US" sz="800">
+              <a:solidFill>
+                <a:srgbClr val="d9d9d9"/>
               </a:solidFill>
               <a:latin typeface="Source Code Pro"/>
               <a:ea typeface="Source Code Pro"/>
@@ -21698,38 +20629,37 @@
             <a:avLst/>
           </a:prstGeom>
           <a:noFill/>
-          <a:ln cap="flat" cmpd="sng" w="9525">
+          <a:ln w="9525" cap="flat" cmpd="sng">
             <a:solidFill>
-              <a:srgbClr val="B7B7B7"/>
+              <a:srgbClr val="b7b7b7"/>
             </a:solidFill>
             <a:prstDash val="solid"/>
             <a:round/>
-            <a:headEnd len="sm" w="sm" type="none"/>
-            <a:tailEnd len="sm" w="sm" type="none"/>
           </a:ln>
         </p:spPr>
         <p:txBody>
-          <a:bodyPr anchorCtr="0" anchor="t" bIns="91425" lIns="91425" spcFirstLastPara="1" rIns="91425" wrap="square" tIns="91425">
+          <a:bodyPr wrap="square" lIns="91425" tIns="91425" rIns="91425" bIns="91425" anchor="t" anchorCtr="0">
             <a:noAutofit/>
           </a:bodyPr>
           <a:lstStyle/>
           <a:p>
-            <a:pPr indent="0" lvl="0" marL="0" rtl="0" algn="l">
+            <a:pPr marL="0" lvl="0" indent="0" algn="l">
               <a:lnSpc>
                 <a:spcPct val="115000"/>
               </a:lnSpc>
               <a:spcBef>
-                <a:spcPts val="0"/>
-              </a:spcBef>
-              <a:spcAft>
-                <a:spcPts val="0"/>
-              </a:spcAft>
-              <a:buNone/>
-            </a:pPr>
-            <a:r>
-              <a:rPr b="1" lang="ko" sz="1200">
-                <a:solidFill>
-                  <a:srgbClr val="D9D9D9"/>
+                <a:spcPct val="0"/>
+              </a:spcBef>
+              <a:spcAft>
+                <a:spcPct val="0"/>
+              </a:spcAft>
+              <a:buNone/>
+              <a:defRPr lang="ko-KR" altLang="en-US"/>
+            </a:pPr>
+            <a:r>
+              <a:rPr lang="ko" sz="1200" b="1">
+                <a:solidFill>
+                  <a:srgbClr val="d9d9d9"/>
                 </a:solidFill>
                 <a:latin typeface="Source Code Pro"/>
                 <a:ea typeface="Source Code Pro"/>
@@ -21738,9 +20668,9 @@
               </a:rPr>
               <a:t># regist body-parser</a:t>
             </a:r>
-            <a:endParaRPr b="1" sz="1200">
-              <a:solidFill>
-                <a:srgbClr val="D9D9D9"/>
+            <a:endParaRPr lang="ko" sz="1200" b="1">
+              <a:solidFill>
+                <a:srgbClr val="d9d9d9"/>
               </a:solidFill>
               <a:latin typeface="Source Code Pro"/>
               <a:ea typeface="Source Code Pro"/>
@@ -21749,22 +20679,23 @@
             </a:endParaRPr>
           </a:p>
           <a:p>
-            <a:pPr indent="0" lvl="0" marL="0" rtl="0" algn="l">
+            <a:pPr marL="0" lvl="0" indent="0" algn="l">
               <a:lnSpc>
                 <a:spcPct val="115000"/>
               </a:lnSpc>
               <a:spcBef>
-                <a:spcPts val="0"/>
-              </a:spcBef>
-              <a:spcAft>
-                <a:spcPts val="0"/>
-              </a:spcAft>
-              <a:buNone/>
+                <a:spcPct val="0"/>
+              </a:spcBef>
+              <a:spcAft>
+                <a:spcPct val="0"/>
+              </a:spcAft>
+              <a:buNone/>
+              <a:defRPr lang="ko-KR" altLang="en-US"/>
             </a:pPr>
             <a:r>
               <a:rPr lang="ko" sz="900">
                 <a:solidFill>
-                  <a:srgbClr val="D9D9D9"/>
+                  <a:srgbClr val="d9d9d9"/>
                 </a:solidFill>
                 <a:latin typeface="Source Code Pro"/>
                 <a:ea typeface="Source Code Pro"/>
@@ -21773,9 +20704,9 @@
               </a:rPr>
               <a:t>app.use(bodyParser.json({limit: '10mb'})); </a:t>
             </a:r>
-            <a:endParaRPr sz="900">
-              <a:solidFill>
-                <a:srgbClr val="D9D9D9"/>
+            <a:endParaRPr lang="ko" sz="900">
+              <a:solidFill>
+                <a:srgbClr val="d9d9d9"/>
               </a:solidFill>
               <a:latin typeface="Source Code Pro"/>
               <a:ea typeface="Source Code Pro"/>
@@ -21784,22 +20715,23 @@
             </a:endParaRPr>
           </a:p>
           <a:p>
-            <a:pPr indent="0" lvl="0" marL="0" rtl="0" algn="l">
+            <a:pPr marL="0" lvl="0" indent="0" algn="l">
               <a:lnSpc>
                 <a:spcPct val="115000"/>
               </a:lnSpc>
               <a:spcBef>
-                <a:spcPts val="0"/>
-              </a:spcBef>
-              <a:spcAft>
-                <a:spcPts val="0"/>
-              </a:spcAft>
-              <a:buNone/>
+                <a:spcPct val="0"/>
+              </a:spcBef>
+              <a:spcAft>
+                <a:spcPct val="0"/>
+              </a:spcAft>
+              <a:buNone/>
+              <a:defRPr lang="ko-KR" altLang="en-US"/>
             </a:pPr>
             <a:r>
               <a:rPr lang="ko" sz="900">
                 <a:solidFill>
-                  <a:srgbClr val="D9D9D9"/>
+                  <a:srgbClr val="d9d9d9"/>
                 </a:solidFill>
                 <a:latin typeface="Source Code Pro"/>
                 <a:ea typeface="Source Code Pro"/>
@@ -21808,9 +20740,9 @@
               </a:rPr>
               <a:t>app.use(bodyParser.urlencoded({ limit: '10mb', extended: true }));</a:t>
             </a:r>
-            <a:endParaRPr sz="800">
-              <a:solidFill>
-                <a:srgbClr val="D9D9D9"/>
+            <a:endParaRPr lang="en-US" sz="800">
+              <a:solidFill>
+                <a:srgbClr val="d9d9d9"/>
               </a:solidFill>
               <a:latin typeface="Source Code Pro"/>
               <a:ea typeface="Source Code Pro"/>
@@ -21823,9 +20755,11 @@
       <p:sp>
         <p:nvSpPr>
           <p:cNvPr id="329" name="Google Shape;329;p49"/>
-          <p:cNvSpPr txBox="1"/>
+          <p:cNvSpPr txBox="1">
+            <a:spLocks noGrp="1"/>
+          </p:cNvSpPr>
           <p:nvPr>
-            <p:ph type="title"/>
+            <p:ph type="title" idx="0"/>
           </p:nvPr>
         </p:nvSpPr>
         <p:spPr>
@@ -21838,25 +20772,26 @@
           </a:prstGeom>
         </p:spPr>
         <p:txBody>
-          <a:bodyPr anchorCtr="0" anchor="t" bIns="91425" lIns="91425" spcFirstLastPara="1" rIns="91425" wrap="square" tIns="91425">
+          <a:bodyPr wrap="square" lIns="91425" tIns="91425" rIns="91425" bIns="91425" anchor="t" anchorCtr="0">
             <a:noAutofit/>
           </a:bodyPr>
           <a:lstStyle/>
           <a:p>
-            <a:pPr indent="0" lvl="0" marL="0" rtl="0" algn="l">
-              <a:spcBef>
-                <a:spcPts val="0"/>
-              </a:spcBef>
-              <a:spcAft>
-                <a:spcPts val="0"/>
-              </a:spcAft>
-              <a:buNone/>
+            <a:pPr marL="0" lvl="0" indent="0" algn="l">
+              <a:spcBef>
+                <a:spcPct val="0"/>
+              </a:spcBef>
+              <a:spcAft>
+                <a:spcPct val="0"/>
+              </a:spcAft>
+              <a:buNone/>
+              <a:defRPr lang="ko-KR" altLang="en-US"/>
             </a:pPr>
             <a:r>
               <a:rPr lang="ko" sz="1800"/>
               <a:t>Set for the node.js REST Apis</a:t>
             </a:r>
-            <a:endParaRPr sz="1800"/>
+            <a:endParaRPr lang="en-US" sz="1800"/>
           </a:p>
         </p:txBody>
       </p:sp>
@@ -21865,15 +20800,16 @@
   <p:clrMapOvr>
     <a:masterClrMapping/>
   </p:clrMapOvr>
+  <p:transition xmlns:mc="http://schemas.openxmlformats.org/markup-compatibility/2006" xmlns:hp="http://schemas.haansoft.com/office/presentation/8.0" mc:Ignorable="hp" hp:hslDur="500"/>
 </p:sld>
 </file>
 
 <file path=ppt/slides/slide38.xml><?xml version="1.0" encoding="utf-8"?>
-<p:sld xmlns:a="http://schemas.openxmlformats.org/drawingml/2006/main" xmlns:r="http://schemas.openxmlformats.org/officeDocument/2006/relationships" xmlns:mc="http://schemas.openxmlformats.org/markup-compatibility/2006" xmlns:mv="urn:schemas-microsoft-com:mac:vml" xmlns:p="http://schemas.openxmlformats.org/presentationml/2006/main" xmlns:c="http://schemas.openxmlformats.org/drawingml/2006/chart" xmlns:dgm="http://schemas.openxmlformats.org/drawingml/2006/diagram" xmlns:o="urn:schemas-microsoft-com:office:office" xmlns:v="urn:schemas-microsoft-com:vml" xmlns:pvml="urn:schemas-microsoft-com:office:powerpoint" xmlns:com="http://schemas.openxmlformats.org/drawingml/2006/compatibility" xmlns:p14="http://schemas.microsoft.com/office/powerpoint/2010/main" xmlns:p15="http://schemas.microsoft.com/office/powerpoint/2012/main">
+<p:sld xmlns:r="http://schemas.openxmlformats.org/officeDocument/2006/relationships" xmlns:c="http://schemas.openxmlformats.org/drawingml/2006/chart" xmlns:a="http://schemas.openxmlformats.org/drawingml/2006/main" xmlns:dgm="http://schemas.openxmlformats.org/drawingml/2006/diagram" xmlns:dsp="http://schemas.microsoft.com/office/drawing/2008/diagram" xmlns:p="http://schemas.openxmlformats.org/presentationml/2006/main">
   <p:cSld>
     <p:spTree>
       <p:nvGrpSpPr>
-        <p:cNvPr id="333" name="Shape 333"/>
+        <p:cNvPr id="1" name=""/>
         <p:cNvGrpSpPr/>
         <p:nvPr/>
       </p:nvGrpSpPr>
@@ -21888,9 +20824,11 @@
       <p:sp>
         <p:nvSpPr>
           <p:cNvPr id="334" name="Google Shape;334;p50"/>
-          <p:cNvSpPr txBox="1"/>
+          <p:cNvSpPr txBox="1">
+            <a:spLocks noGrp="1"/>
+          </p:cNvSpPr>
           <p:nvPr>
-            <p:ph type="title"/>
+            <p:ph type="title" idx="0"/>
           </p:nvPr>
         </p:nvSpPr>
         <p:spPr>
@@ -21903,34 +20841,37 @@
           </a:prstGeom>
         </p:spPr>
         <p:txBody>
-          <a:bodyPr anchorCtr="0" anchor="t" bIns="91425" lIns="91425" spcFirstLastPara="1" rIns="91425" wrap="square" tIns="91425">
+          <a:bodyPr wrap="square" lIns="91425" tIns="91425" rIns="91425" bIns="91425" anchor="t" anchorCtr="0">
             <a:noAutofit/>
           </a:bodyPr>
           <a:lstStyle/>
           <a:p>
-            <a:pPr indent="0" lvl="0" marL="0" rtl="0" algn="l">
-              <a:spcBef>
-                <a:spcPts val="0"/>
-              </a:spcBef>
-              <a:spcAft>
-                <a:spcPts val="0"/>
-              </a:spcAft>
-              <a:buNone/>
+            <a:pPr marL="0" lvl="0" indent="0" algn="l">
+              <a:spcBef>
+                <a:spcPct val="0"/>
+              </a:spcBef>
+              <a:spcAft>
+                <a:spcPct val="0"/>
+              </a:spcAft>
+              <a:buNone/>
+              <a:defRPr lang="ko-KR" altLang="en-US"/>
             </a:pPr>
             <a:r>
               <a:rPr lang="ko"/>
               <a:t>Router</a:t>
             </a:r>
-            <a:endParaRPr/>
+            <a:endParaRPr lang="en-US"/>
           </a:p>
         </p:txBody>
       </p:sp>
       <p:sp>
         <p:nvSpPr>
           <p:cNvPr id="335" name="Google Shape;335;p50"/>
-          <p:cNvSpPr txBox="1"/>
+          <p:cNvSpPr txBox="1">
+            <a:spLocks noGrp="1"/>
+          </p:cNvSpPr>
           <p:nvPr>
-            <p:ph idx="1" type="body"/>
+            <p:ph type="body" idx="1"/>
           </p:nvPr>
         </p:nvSpPr>
         <p:spPr>
@@ -21943,19 +20884,20 @@
           </a:prstGeom>
         </p:spPr>
         <p:txBody>
-          <a:bodyPr anchorCtr="0" anchor="t" bIns="91425" lIns="91425" spcFirstLastPara="1" rIns="91425" wrap="square" tIns="91425">
+          <a:bodyPr wrap="square" lIns="91425" tIns="91425" rIns="91425" bIns="91425" anchor="t" anchorCtr="0">
             <a:noAutofit/>
           </a:bodyPr>
           <a:lstStyle/>
           <a:p>
-            <a:pPr indent="0" lvl="0" marL="0" rtl="0" algn="l">
-              <a:spcBef>
-                <a:spcPts val="0"/>
-              </a:spcBef>
-              <a:spcAft>
-                <a:spcPts val="0"/>
-              </a:spcAft>
-              <a:buNone/>
+            <a:pPr marL="0" lvl="0" indent="0" algn="l">
+              <a:spcBef>
+                <a:spcPct val="0"/>
+              </a:spcBef>
+              <a:spcAft>
+                <a:spcPct val="0"/>
+              </a:spcAft>
+              <a:buNone/>
+              <a:defRPr lang="ko-KR" altLang="en-US"/>
             </a:pPr>
             <a:r>
               <a:rPr lang="ko"/>
@@ -21968,17 +20910,18 @@
               <a:rPr lang="ko"/>
               <a:t>router.js</a:t>
             </a:r>
-            <a:endParaRPr/>
-          </a:p>
-          <a:p>
-            <a:pPr indent="0" lvl="0" marL="0" rtl="0" algn="l">
-              <a:spcBef>
-                <a:spcPts val="1600"/>
-              </a:spcBef>
-              <a:spcAft>
-                <a:spcPts val="0"/>
-              </a:spcAft>
-              <a:buNone/>
+            <a:endParaRPr lang="ko"/>
+          </a:p>
+          <a:p>
+            <a:pPr marL="0" lvl="0" indent="0" algn="l">
+              <a:spcBef>
+                <a:spcPct val="74000"/>
+              </a:spcBef>
+              <a:spcAft>
+                <a:spcPct val="0"/>
+              </a:spcAft>
+              <a:buNone/>
+              <a:defRPr lang="ko-KR" altLang="en-US"/>
             </a:pPr>
             <a:r>
               <a:rPr lang="ko"/>
@@ -21996,7 +20939,7 @@
               </a:rPr>
               <a:t> - replies &gt; children: [ {path: 'reply', name: 'reply', ...} ]</a:t>
             </a:r>
-            <a:endParaRPr sz="1400">
+            <a:endParaRPr lang="ko" sz="1400">
               <a:latin typeface="Source Code Pro"/>
               <a:ea typeface="Source Code Pro"/>
               <a:cs typeface="Source Code Pro"/>
@@ -22004,14 +20947,15 @@
             </a:endParaRPr>
           </a:p>
           <a:p>
-            <a:pPr indent="0" lvl="0" marL="0" rtl="0" algn="l">
-              <a:spcBef>
-                <a:spcPts val="1600"/>
-              </a:spcBef>
-              <a:spcAft>
-                <a:spcPts val="0"/>
-              </a:spcAft>
-              <a:buNone/>
+            <a:pPr marL="0" lvl="0" indent="0" algn="l">
+              <a:spcBef>
+                <a:spcPct val="74000"/>
+              </a:spcBef>
+              <a:spcAft>
+                <a:spcPct val="0"/>
+              </a:spcAft>
+              <a:buNone/>
+              <a:defRPr lang="ko-KR" altLang="en-US"/>
             </a:pPr>
             <a:r>
               <a:rPr lang="ko"/>
@@ -22063,7 +21007,7 @@
               </a:rPr>
               <a:t> - &lt;router-link :to="{name: 'post', params: {id: post.id}"&gt;</a:t>
             </a:r>
-            <a:endParaRPr sz="1400">
+            <a:endParaRPr lang="ko" sz="1400">
               <a:latin typeface="Source Code Pro"/>
               <a:ea typeface="Source Code Pro"/>
               <a:cs typeface="Source Code Pro"/>
@@ -22071,14 +21015,15 @@
             </a:endParaRPr>
           </a:p>
           <a:p>
-            <a:pPr indent="0" lvl="0" marL="0" rtl="0" algn="l">
-              <a:spcBef>
-                <a:spcPts val="1600"/>
-              </a:spcBef>
-              <a:spcAft>
-                <a:spcPts val="1600"/>
-              </a:spcAft>
-              <a:buNone/>
+            <a:pPr marL="0" lvl="0" indent="0" algn="l">
+              <a:spcBef>
+                <a:spcPct val="74000"/>
+              </a:spcBef>
+              <a:spcAft>
+                <a:spcPct val="16000"/>
+              </a:spcAft>
+              <a:buNone/>
+              <a:defRPr lang="ko-KR" altLang="en-US"/>
             </a:pPr>
             <a:r>
               <a:rPr lang="ko"/>
@@ -22120,7 +21065,7 @@
             <a:r>
               <a:rPr lang="ko" sz="1400">
                 <a:solidFill>
-                  <a:srgbClr val="FFFFFF"/>
+                  <a:srgbClr val="ffffff"/>
                 </a:solidFill>
                 <a:latin typeface="Source Code Pro"/>
                 <a:ea typeface="Source Code Pro"/>
@@ -22132,7 +21077,7 @@
             <a:r>
               <a:rPr lang="ko" sz="1400">
                 <a:solidFill>
-                  <a:srgbClr val="CCCCCC"/>
+                  <a:srgbClr val="cccccc"/>
                 </a:solidFill>
                 <a:latin typeface="Source Code Pro"/>
                 <a:ea typeface="Source Code Pro"/>
@@ -22144,7 +21089,7 @@
             <a:r>
               <a:rPr lang="ko" sz="1400">
                 <a:solidFill>
-                  <a:srgbClr val="F08D49"/>
+                  <a:srgbClr val="f08d49"/>
                 </a:solidFill>
                 <a:latin typeface="Source Code Pro"/>
                 <a:ea typeface="Source Code Pro"/>
@@ -22156,7 +21101,7 @@
             <a:r>
               <a:rPr lang="ko" sz="1400">
                 <a:solidFill>
-                  <a:srgbClr val="CCCCCC"/>
+                  <a:srgbClr val="cccccc"/>
                 </a:solidFill>
                 <a:latin typeface="Source Code Pro"/>
                 <a:ea typeface="Source Code Pro"/>
@@ -22168,7 +21113,7 @@
             <a:r>
               <a:rPr lang="ko" sz="1400">
                 <a:solidFill>
-                  <a:srgbClr val="FFFFFF"/>
+                  <a:srgbClr val="ffffff"/>
                 </a:solidFill>
                 <a:latin typeface="Source Code Pro"/>
                 <a:ea typeface="Source Code Pro"/>
@@ -22180,7 +21125,7 @@
             <a:r>
               <a:rPr lang="ko" sz="1400">
                 <a:solidFill>
-                  <a:srgbClr val="CCCCCC"/>
+                  <a:srgbClr val="cccccc"/>
                 </a:solidFill>
                 <a:latin typeface="Source Code Pro"/>
                 <a:ea typeface="Source Code Pro"/>
@@ -22192,7 +21137,7 @@
             <a:r>
               <a:rPr lang="ko" sz="1400">
                 <a:solidFill>
-                  <a:srgbClr val="FFFFFF"/>
+                  <a:srgbClr val="ffffff"/>
                 </a:solidFill>
                 <a:latin typeface="Source Code Pro"/>
                 <a:ea typeface="Source Code Pro"/>
@@ -22204,7 +21149,7 @@
             <a:r>
               <a:rPr lang="ko" sz="1400">
                 <a:solidFill>
-                  <a:srgbClr val="7EC699"/>
+                  <a:srgbClr val="7ec699"/>
                 </a:solidFill>
                 <a:latin typeface="Source Code Pro"/>
                 <a:ea typeface="Source Code Pro"/>
@@ -22216,7 +21161,7 @@
             <a:r>
               <a:rPr lang="ko" sz="1400">
                 <a:solidFill>
-                  <a:srgbClr val="CCCCCC"/>
+                  <a:srgbClr val="cccccc"/>
                 </a:solidFill>
                 <a:latin typeface="Source Code Pro"/>
                 <a:ea typeface="Source Code Pro"/>
@@ -22228,7 +21173,7 @@
             <a:r>
               <a:rPr lang="ko" sz="1400">
                 <a:solidFill>
-                  <a:srgbClr val="FFFFFF"/>
+                  <a:srgbClr val="ffffff"/>
                 </a:solidFill>
                 <a:latin typeface="Source Code Pro"/>
                 <a:ea typeface="Source Code Pro"/>
@@ -22240,7 +21185,7 @@
             <a:r>
               <a:rPr lang="ko" sz="1400">
                 <a:solidFill>
-                  <a:srgbClr val="CCCCCC"/>
+                  <a:srgbClr val="cccccc"/>
                 </a:solidFill>
                 <a:latin typeface="Source Code Pro"/>
                 <a:ea typeface="Source Code Pro"/>
@@ -22252,7 +21197,7 @@
             <a:r>
               <a:rPr lang="ko" sz="1400">
                 <a:solidFill>
-                  <a:srgbClr val="FFFFFF"/>
+                  <a:srgbClr val="ffffff"/>
                 </a:solidFill>
                 <a:latin typeface="Source Code Pro"/>
                 <a:ea typeface="Source Code Pro"/>
@@ -22264,7 +21209,7 @@
             <a:r>
               <a:rPr lang="ko" sz="1400">
                 <a:solidFill>
-                  <a:srgbClr val="CCCCCC"/>
+                  <a:srgbClr val="cccccc"/>
                 </a:solidFill>
                 <a:latin typeface="Source Code Pro"/>
                 <a:ea typeface="Source Code Pro"/>
@@ -22276,7 +21221,7 @@
             <a:r>
               <a:rPr lang="ko" sz="1400">
                 <a:solidFill>
-                  <a:srgbClr val="FFFFFF"/>
+                  <a:srgbClr val="ffffff"/>
                 </a:solidFill>
                 <a:latin typeface="Source Code Pro"/>
                 <a:ea typeface="Source Code Pro"/>
@@ -22288,7 +21233,7 @@
             <a:r>
               <a:rPr lang="ko" sz="1400">
                 <a:solidFill>
-                  <a:srgbClr val="CCCCCC"/>
+                  <a:srgbClr val="cccccc"/>
                 </a:solidFill>
                 <a:latin typeface="Source Code Pro"/>
                 <a:ea typeface="Source Code Pro"/>
@@ -22300,7 +21245,7 @@
             <a:r>
               <a:rPr lang="ko" sz="1400">
                 <a:solidFill>
-                  <a:srgbClr val="FFFFFF"/>
+                  <a:srgbClr val="ffffff"/>
                 </a:solidFill>
                 <a:latin typeface="Source Code Pro"/>
                 <a:ea typeface="Source Code Pro"/>
@@ -22312,7 +21257,7 @@
             <a:r>
               <a:rPr lang="ko" sz="1400">
                 <a:solidFill>
-                  <a:srgbClr val="F08D49"/>
+                  <a:srgbClr val="f08d49"/>
                 </a:solidFill>
                 <a:latin typeface="Source Code Pro"/>
                 <a:ea typeface="Source Code Pro"/>
@@ -22324,7 +21269,7 @@
             <a:r>
               <a:rPr lang="ko" sz="1400">
                 <a:solidFill>
-                  <a:srgbClr val="FFFFFF"/>
+                  <a:srgbClr val="ffffff"/>
                 </a:solidFill>
                 <a:latin typeface="Source Code Pro"/>
                 <a:ea typeface="Source Code Pro"/>
@@ -22336,7 +21281,7 @@
             <a:r>
               <a:rPr lang="ko" sz="1400">
                 <a:solidFill>
-                  <a:srgbClr val="CCCCCC"/>
+                  <a:srgbClr val="cccccc"/>
                 </a:solidFill>
                 <a:latin typeface="Source Code Pro"/>
                 <a:ea typeface="Source Code Pro"/>
@@ -22345,7 +21290,7 @@
               </a:rPr>
               <a:t>}, query: {..}})</a:t>
             </a:r>
-            <a:endParaRPr/>
+            <a:endParaRPr lang="en-US"/>
           </a:p>
         </p:txBody>
       </p:sp>
@@ -22369,51 +21314,50 @@
           </a:ln>
         </p:spPr>
         <p:txBody>
-          <a:bodyPr anchorCtr="0" anchor="t" bIns="91425" lIns="91425" spcFirstLastPara="1" rIns="91425" wrap="square" tIns="91425">
+          <a:bodyPr wrap="square" lIns="91425" tIns="91425" rIns="91425" bIns="91425" anchor="t" anchorCtr="0">
             <a:noAutofit/>
           </a:bodyPr>
           <a:lstStyle/>
           <a:p>
-            <a:pPr indent="0" lvl="0" marL="0" rtl="0" algn="l">
-              <a:spcBef>
-                <a:spcPts val="0"/>
-              </a:spcBef>
-              <a:spcAft>
-                <a:spcPts val="0"/>
-              </a:spcAft>
-              <a:buNone/>
+            <a:pPr marL="0" lvl="0" indent="0" algn="l">
+              <a:spcBef>
+                <a:spcPct val="0"/>
+              </a:spcBef>
+              <a:spcAft>
+                <a:spcPct val="0"/>
+              </a:spcAft>
+              <a:buNone/>
+              <a:defRPr lang="ko-KR" altLang="en-US"/>
             </a:pPr>
             <a:r>
               <a:rPr lang="ko" sz="1200" u="sng">
                 <a:solidFill>
                   <a:schemeClr val="hlink"/>
                 </a:solidFill>
-                <a:hlinkClick r:id="rId3"/>
+                <a:hlinkClick r:id="rId2"/>
               </a:rPr>
               <a:t>https://router.vuejs.org/kr/</a:t>
             </a:r>
-            <a:endParaRPr sz="1200">
-              <a:solidFill>
-                <a:srgbClr val="FFFFFF"/>
-              </a:solidFill>
-            </a:endParaRPr>
-          </a:p>
-          <a:p>
-            <a:pPr indent="0" lvl="0" marL="0" rtl="0" algn="l">
-              <a:spcBef>
-                <a:spcPts val="0"/>
-              </a:spcBef>
-              <a:spcAft>
-                <a:spcPts val="0"/>
-              </a:spcAft>
-              <a:buNone/>
-            </a:pPr>
-            <a:r>
-              <a:t/>
-            </a:r>
-            <a:endParaRPr sz="1200">
-              <a:solidFill>
-                <a:srgbClr val="FFFFFF"/>
+            <a:endParaRPr lang="ko" sz="1200" u="sng">
+              <a:solidFill>
+                <a:schemeClr val="hlink"/>
+              </a:solidFill>
+            </a:endParaRPr>
+          </a:p>
+          <a:p>
+            <a:pPr marL="0" lvl="0" indent="0" algn="l">
+              <a:spcBef>
+                <a:spcPct val="0"/>
+              </a:spcBef>
+              <a:spcAft>
+                <a:spcPct val="0"/>
+              </a:spcAft>
+              <a:buNone/>
+              <a:defRPr lang="ko-KR" altLang="en-US"/>
+            </a:pPr>
+            <a:endParaRPr lang="en-US" sz="1200">
+              <a:solidFill>
+                <a:srgbClr val="ffffff"/>
               </a:solidFill>
             </a:endParaRPr>
           </a:p>
@@ -22424,15 +21368,16 @@
   <p:clrMapOvr>
     <a:masterClrMapping/>
   </p:clrMapOvr>
+  <p:transition xmlns:mc="http://schemas.openxmlformats.org/markup-compatibility/2006" xmlns:hp="http://schemas.haansoft.com/office/presentation/8.0" mc:Ignorable="hp" hp:hslDur="500"/>
 </p:sld>
 </file>
 
 <file path=ppt/slides/slide39.xml><?xml version="1.0" encoding="utf-8"?>
-<p:sld xmlns:a="http://schemas.openxmlformats.org/drawingml/2006/main" xmlns:r="http://schemas.openxmlformats.org/officeDocument/2006/relationships" xmlns:mc="http://schemas.openxmlformats.org/markup-compatibility/2006" xmlns:mv="urn:schemas-microsoft-com:mac:vml" xmlns:p="http://schemas.openxmlformats.org/presentationml/2006/main" xmlns:c="http://schemas.openxmlformats.org/drawingml/2006/chart" xmlns:dgm="http://schemas.openxmlformats.org/drawingml/2006/diagram" xmlns:o="urn:schemas-microsoft-com:office:office" xmlns:v="urn:schemas-microsoft-com:vml" xmlns:pvml="urn:schemas-microsoft-com:office:powerpoint" xmlns:com="http://schemas.openxmlformats.org/drawingml/2006/compatibility" xmlns:p14="http://schemas.microsoft.com/office/powerpoint/2010/main" xmlns:p15="http://schemas.microsoft.com/office/powerpoint/2012/main">
+<p:sld xmlns:r="http://schemas.openxmlformats.org/officeDocument/2006/relationships" xmlns:c="http://schemas.openxmlformats.org/drawingml/2006/chart" xmlns:a="http://schemas.openxmlformats.org/drawingml/2006/main" xmlns:dgm="http://schemas.openxmlformats.org/drawingml/2006/diagram" xmlns:dsp="http://schemas.microsoft.com/office/drawing/2008/diagram" xmlns:p="http://schemas.openxmlformats.org/presentationml/2006/main">
   <p:cSld>
     <p:spTree>
       <p:nvGrpSpPr>
-        <p:cNvPr id="340" name="Shape 340"/>
+        <p:cNvPr id="1" name=""/>
         <p:cNvGrpSpPr/>
         <p:nvPr/>
       </p:nvGrpSpPr>
@@ -22447,9 +21392,11 @@
       <p:sp>
         <p:nvSpPr>
           <p:cNvPr id="341" name="Google Shape;341;p51"/>
-          <p:cNvSpPr txBox="1"/>
+          <p:cNvSpPr txBox="1">
+            <a:spLocks noGrp="1"/>
+          </p:cNvSpPr>
           <p:nvPr>
-            <p:ph type="title"/>
+            <p:ph type="title" idx="0"/>
           </p:nvPr>
         </p:nvSpPr>
         <p:spPr>
@@ -22462,34 +21409,37 @@
           </a:prstGeom>
         </p:spPr>
         <p:txBody>
-          <a:bodyPr anchorCtr="0" anchor="t" bIns="91425" lIns="91425" spcFirstLastPara="1" rIns="91425" wrap="square" tIns="91425">
+          <a:bodyPr wrap="square" lIns="91425" tIns="91425" rIns="91425" bIns="91425" anchor="t" anchorCtr="0">
             <a:noAutofit/>
           </a:bodyPr>
           <a:lstStyle/>
           <a:p>
-            <a:pPr indent="0" lvl="0" marL="0" rtl="0" algn="l">
-              <a:spcBef>
-                <a:spcPts val="0"/>
-              </a:spcBef>
-              <a:spcAft>
-                <a:spcPts val="0"/>
-              </a:spcAft>
-              <a:buNone/>
+            <a:pPr marL="0" lvl="0" indent="0" algn="l">
+              <a:spcBef>
+                <a:spcPct val="0"/>
+              </a:spcBef>
+              <a:spcAft>
+                <a:spcPct val="0"/>
+              </a:spcAft>
+              <a:buNone/>
+              <a:defRPr lang="ko-KR" altLang="en-US"/>
             </a:pPr>
             <a:r>
               <a:rPr lang="ko"/>
               <a:t>Lodash</a:t>
             </a:r>
-            <a:endParaRPr/>
+            <a:endParaRPr lang="en-US"/>
           </a:p>
         </p:txBody>
       </p:sp>
       <p:sp>
         <p:nvSpPr>
           <p:cNvPr id="342" name="Google Shape;342;p51"/>
-          <p:cNvSpPr txBox="1"/>
+          <p:cNvSpPr txBox="1">
+            <a:spLocks noGrp="1"/>
+          </p:cNvSpPr>
           <p:nvPr>
-            <p:ph idx="1" type="body"/>
+            <p:ph type="body" idx="1"/>
           </p:nvPr>
         </p:nvSpPr>
         <p:spPr>
@@ -22502,35 +21452,37 @@
           </a:prstGeom>
         </p:spPr>
         <p:txBody>
-          <a:bodyPr anchorCtr="0" anchor="t" bIns="91425" lIns="91425" spcFirstLastPara="1" rIns="91425" wrap="square" tIns="91425">
+          <a:bodyPr wrap="square" lIns="91425" tIns="91425" rIns="91425" bIns="91425" anchor="t" anchorCtr="0">
             <a:noAutofit/>
           </a:bodyPr>
           <a:lstStyle/>
           <a:p>
-            <a:pPr indent="0" lvl="0" marL="0" rtl="0" algn="l">
-              <a:spcBef>
-                <a:spcPts val="0"/>
-              </a:spcBef>
-              <a:spcAft>
-                <a:spcPts val="0"/>
-              </a:spcAft>
-              <a:buNone/>
+            <a:pPr marL="0" lvl="0" indent="0" algn="l">
+              <a:spcBef>
+                <a:spcPct val="0"/>
+              </a:spcBef>
+              <a:spcAft>
+                <a:spcPct val="0"/>
+              </a:spcAft>
+              <a:buNone/>
+              <a:defRPr lang="ko-KR" altLang="en-US"/>
             </a:pPr>
             <a:r>
               <a:rPr lang="ko"/>
               <a:t>$&gt; npm i lodash --save</a:t>
             </a:r>
-            <a:endParaRPr/>
-          </a:p>
-          <a:p>
-            <a:pPr indent="0" lvl="0" marL="0" rtl="0" algn="l">
-              <a:spcBef>
-                <a:spcPts val="1600"/>
-              </a:spcBef>
-              <a:spcAft>
-                <a:spcPts val="0"/>
-              </a:spcAft>
-              <a:buNone/>
+            <a:endParaRPr lang="ko"/>
+          </a:p>
+          <a:p>
+            <a:pPr marL="0" lvl="0" indent="0" algn="l">
+              <a:spcBef>
+                <a:spcPct val="74000"/>
+              </a:spcBef>
+              <a:spcAft>
+                <a:spcPct val="0"/>
+              </a:spcAft>
+              <a:buNone/>
+              <a:defRPr lang="ko-KR" altLang="en-US"/>
             </a:pPr>
             <a:r>
               <a:rPr lang="ko"/>
@@ -22546,7 +21498,7 @@
             <a:r>
               <a:rPr lang="ko" sz="1400">
                 <a:solidFill>
-                  <a:srgbClr val="ADADAD"/>
+                  <a:srgbClr val="adadad"/>
                 </a:solidFill>
                 <a:latin typeface="Source Code Pro"/>
                 <a:ea typeface="Source Code Pro"/>
@@ -22558,7 +21510,7 @@
             <a:br>
               <a:rPr lang="ko" sz="1400">
                 <a:solidFill>
-                  <a:srgbClr val="ADADAD"/>
+                  <a:srgbClr val="adadad"/>
                 </a:solidFill>
                 <a:latin typeface="Source Code Pro"/>
                 <a:ea typeface="Source Code Pro"/>
@@ -22569,7 +21521,7 @@
             <a:r>
               <a:rPr lang="ko" sz="1400">
                 <a:solidFill>
-                  <a:srgbClr val="ADADAD"/>
+                  <a:srgbClr val="adadad"/>
                 </a:solidFill>
                 <a:latin typeface="Source Code Pro"/>
                 <a:ea typeface="Source Code Pro"/>
@@ -22578,9 +21530,9 @@
               </a:rPr>
               <a:t> Vue.prototype._ = lodash</a:t>
             </a:r>
-            <a:endParaRPr sz="1400">
-              <a:solidFill>
-                <a:srgbClr val="ADADAD"/>
+            <a:endParaRPr lang="ko" sz="1400">
+              <a:solidFill>
+                <a:srgbClr val="adadad"/>
               </a:solidFill>
               <a:latin typeface="Source Code Pro"/>
               <a:ea typeface="Source Code Pro"/>
@@ -22589,19 +21541,20 @@
             </a:endParaRPr>
           </a:p>
           <a:p>
-            <a:pPr indent="0" lvl="0" marL="0" rtl="0" algn="l">
-              <a:spcBef>
-                <a:spcPts val="1600"/>
-              </a:spcBef>
-              <a:spcAft>
-                <a:spcPts val="0"/>
-              </a:spcAft>
-              <a:buNone/>
+            <a:pPr marL="0" lvl="0" indent="0" algn="l">
+              <a:spcBef>
+                <a:spcPct val="74000"/>
+              </a:spcBef>
+              <a:spcAft>
+                <a:spcPct val="0"/>
+              </a:spcAft>
+              <a:buNone/>
+              <a:defRPr lang="ko-KR" altLang="en-US"/>
             </a:pPr>
             <a:r>
               <a:rPr lang="ko">
                 <a:solidFill>
-                  <a:srgbClr val="ADADAD"/>
+                  <a:srgbClr val="adadad"/>
                 </a:solidFill>
               </a:rPr>
               <a:t># debounce</a:t>
@@ -22609,14 +21562,14 @@
             <a:br>
               <a:rPr lang="ko">
                 <a:solidFill>
-                  <a:srgbClr val="ADADAD"/>
+                  <a:srgbClr val="adadad"/>
                 </a:solidFill>
               </a:rPr>
             </a:br>
             <a:r>
               <a:rPr lang="ko">
                 <a:solidFill>
-                  <a:srgbClr val="ADADAD"/>
+                  <a:srgbClr val="adadad"/>
                 </a:solidFill>
               </a:rPr>
               <a:t> </a:t>
@@ -22624,7 +21577,7 @@
             <a:r>
               <a:rPr lang="ko" sz="1400">
                 <a:solidFill>
-                  <a:srgbClr val="ADADAD"/>
+                  <a:srgbClr val="adadad"/>
                 </a:solidFill>
                 <a:latin typeface="Source Code Pro"/>
                 <a:ea typeface="Source Code Pro"/>
@@ -22633,9 +21586,9 @@
               </a:rPr>
               <a:t>this.$watch('ttt', this._.debounce(this.aaa, 1000))</a:t>
             </a:r>
-            <a:endParaRPr sz="1400">
-              <a:solidFill>
-                <a:srgbClr val="ADADAD"/>
+            <a:endParaRPr lang="ko" sz="1400">
+              <a:solidFill>
+                <a:srgbClr val="adadad"/>
               </a:solidFill>
               <a:latin typeface="Source Code Pro"/>
               <a:ea typeface="Source Code Pro"/>
@@ -22644,19 +21597,17 @@
             </a:endParaRPr>
           </a:p>
           <a:p>
-            <a:pPr indent="0" lvl="0" marL="0" rtl="0" algn="l">
-              <a:spcBef>
-                <a:spcPts val="1600"/>
-              </a:spcBef>
-              <a:spcAft>
-                <a:spcPts val="1600"/>
-              </a:spcAft>
-              <a:buNone/>
-            </a:pPr>
-            <a:r>
-              <a:t/>
-            </a:r>
-            <a:endParaRPr/>
+            <a:pPr marL="0" lvl="0" indent="0" algn="l">
+              <a:spcBef>
+                <a:spcPct val="74000"/>
+              </a:spcBef>
+              <a:spcAft>
+                <a:spcPct val="16000"/>
+              </a:spcAft>
+              <a:buNone/>
+              <a:defRPr lang="ko-KR" altLang="en-US"/>
+            </a:pPr>
+            <a:endParaRPr lang="en-US"/>
           </a:p>
         </p:txBody>
       </p:sp>
@@ -22680,51 +21631,50 @@
           </a:ln>
         </p:spPr>
         <p:txBody>
-          <a:bodyPr anchorCtr="0" anchor="t" bIns="91425" lIns="91425" spcFirstLastPara="1" rIns="91425" wrap="square" tIns="91425">
+          <a:bodyPr wrap="square" lIns="91425" tIns="91425" rIns="91425" bIns="91425" anchor="t" anchorCtr="0">
             <a:noAutofit/>
           </a:bodyPr>
           <a:lstStyle/>
           <a:p>
-            <a:pPr indent="0" lvl="0" marL="0" rtl="0" algn="l">
-              <a:spcBef>
-                <a:spcPts val="0"/>
-              </a:spcBef>
-              <a:spcAft>
-                <a:spcPts val="0"/>
-              </a:spcAft>
-              <a:buNone/>
+            <a:pPr marL="0" lvl="0" indent="0" algn="l">
+              <a:spcBef>
+                <a:spcPct val="0"/>
+              </a:spcBef>
+              <a:spcAft>
+                <a:spcPct val="0"/>
+              </a:spcAft>
+              <a:buNone/>
+              <a:defRPr lang="ko-KR" altLang="en-US"/>
             </a:pPr>
             <a:r>
               <a:rPr lang="ko" sz="1800" u="sng">
                 <a:solidFill>
                   <a:schemeClr val="hlink"/>
                 </a:solidFill>
-                <a:hlinkClick r:id="rId3"/>
+                <a:hlinkClick r:id="rId2"/>
               </a:rPr>
               <a:t>https://lodash.com</a:t>
             </a:r>
-            <a:endParaRPr sz="1800">
-              <a:solidFill>
-                <a:srgbClr val="ADADAD"/>
-              </a:solidFill>
-            </a:endParaRPr>
-          </a:p>
-          <a:p>
-            <a:pPr indent="0" lvl="0" marL="0" rtl="0" algn="l">
-              <a:spcBef>
-                <a:spcPts val="0"/>
-              </a:spcBef>
-              <a:spcAft>
-                <a:spcPts val="0"/>
-              </a:spcAft>
-              <a:buNone/>
-            </a:pPr>
-            <a:r>
-              <a:t/>
-            </a:r>
-            <a:endParaRPr sz="1800">
-              <a:solidFill>
-                <a:srgbClr val="ADADAD"/>
+            <a:endParaRPr lang="ko" sz="1800" u="sng">
+              <a:solidFill>
+                <a:schemeClr val="hlink"/>
+              </a:solidFill>
+            </a:endParaRPr>
+          </a:p>
+          <a:p>
+            <a:pPr marL="0" lvl="0" indent="0" algn="l">
+              <a:spcBef>
+                <a:spcPct val="0"/>
+              </a:spcBef>
+              <a:spcAft>
+                <a:spcPct val="0"/>
+              </a:spcAft>
+              <a:buNone/>
+              <a:defRPr lang="ko-KR" altLang="en-US"/>
+            </a:pPr>
+            <a:endParaRPr lang="en-US" sz="1800">
+              <a:solidFill>
+                <a:srgbClr val="adadad"/>
               </a:solidFill>
             </a:endParaRPr>
           </a:p>
@@ -22735,6 +21685,7 @@
   <p:clrMapOvr>
     <a:masterClrMapping/>
   </p:clrMapOvr>
+  <p:transition xmlns:mc="http://schemas.openxmlformats.org/markup-compatibility/2006" xmlns:hp="http://schemas.haansoft.com/office/presentation/8.0" mc:Ignorable="hp" hp:hslDur="500"/>
 </p:sld>
 </file>
 
@@ -22939,11 +21890,11 @@
 </file>
 
 <file path=ppt/slides/slide40.xml><?xml version="1.0" encoding="utf-8"?>
-<p:sld xmlns:a="http://schemas.openxmlformats.org/drawingml/2006/main" xmlns:r="http://schemas.openxmlformats.org/officeDocument/2006/relationships" xmlns:mc="http://schemas.openxmlformats.org/markup-compatibility/2006" xmlns:mv="urn:schemas-microsoft-com:mac:vml" xmlns:p="http://schemas.openxmlformats.org/presentationml/2006/main" xmlns:c="http://schemas.openxmlformats.org/drawingml/2006/chart" xmlns:dgm="http://schemas.openxmlformats.org/drawingml/2006/diagram" xmlns:o="urn:schemas-microsoft-com:office:office" xmlns:v="urn:schemas-microsoft-com:vml" xmlns:pvml="urn:schemas-microsoft-com:office:powerpoint" xmlns:com="http://schemas.openxmlformats.org/drawingml/2006/compatibility" xmlns:p14="http://schemas.microsoft.com/office/powerpoint/2010/main" xmlns:p15="http://schemas.microsoft.com/office/powerpoint/2012/main">
+<p:sld xmlns:r="http://schemas.openxmlformats.org/officeDocument/2006/relationships" xmlns:c="http://schemas.openxmlformats.org/drawingml/2006/chart" xmlns:a="http://schemas.openxmlformats.org/drawingml/2006/main" xmlns:dgm="http://schemas.openxmlformats.org/drawingml/2006/diagram" xmlns:dsp="http://schemas.microsoft.com/office/drawing/2008/diagram" xmlns:p="http://schemas.openxmlformats.org/presentationml/2006/main">
   <p:cSld>
     <p:spTree>
       <p:nvGrpSpPr>
-        <p:cNvPr id="347" name="Shape 347"/>
+        <p:cNvPr id="1" name=""/>
         <p:cNvGrpSpPr/>
         <p:nvPr/>
       </p:nvGrpSpPr>
@@ -22958,9 +21909,11 @@
       <p:sp>
         <p:nvSpPr>
           <p:cNvPr id="348" name="Google Shape;348;p52"/>
-          <p:cNvSpPr txBox="1"/>
+          <p:cNvSpPr txBox="1">
+            <a:spLocks noGrp="1"/>
+          </p:cNvSpPr>
           <p:nvPr>
-            <p:ph type="title"/>
+            <p:ph type="title" idx="0"/>
           </p:nvPr>
         </p:nvSpPr>
         <p:spPr>
@@ -22973,34 +21926,37 @@
           </a:prstGeom>
         </p:spPr>
         <p:txBody>
-          <a:bodyPr anchorCtr="0" anchor="t" bIns="91425" lIns="91425" spcFirstLastPara="1" rIns="91425" wrap="square" tIns="91425">
+          <a:bodyPr wrap="square" lIns="91425" tIns="91425" rIns="91425" bIns="91425" anchor="t" anchorCtr="0">
             <a:noAutofit/>
           </a:bodyPr>
           <a:lstStyle/>
           <a:p>
-            <a:pPr indent="0" lvl="0" marL="0" rtl="0" algn="l">
-              <a:spcBef>
-                <a:spcPts val="0"/>
-              </a:spcBef>
-              <a:spcAft>
-                <a:spcPts val="0"/>
-              </a:spcAft>
-              <a:buNone/>
+            <a:pPr marL="0" lvl="0" indent="0" algn="l">
+              <a:spcBef>
+                <a:spcPct val="0"/>
+              </a:spcBef>
+              <a:spcAft>
+                <a:spcPct val="0"/>
+              </a:spcAft>
+              <a:buNone/>
+              <a:defRPr lang="ko-KR" altLang="en-US"/>
             </a:pPr>
             <a:r>
               <a:rPr lang="ko"/>
               <a:t>Event Bus</a:t>
             </a:r>
-            <a:endParaRPr/>
+            <a:endParaRPr lang="en-US"/>
           </a:p>
         </p:txBody>
       </p:sp>
       <p:sp>
         <p:nvSpPr>
           <p:cNvPr id="349" name="Google Shape;349;p52"/>
-          <p:cNvSpPr txBox="1"/>
+          <p:cNvSpPr txBox="1">
+            <a:spLocks noGrp="1"/>
+          </p:cNvSpPr>
           <p:nvPr>
-            <p:ph idx="1" type="body"/>
+            <p:ph type="body" idx="1"/>
           </p:nvPr>
         </p:nvSpPr>
         <p:spPr>
@@ -23013,19 +21969,20 @@
           </a:prstGeom>
         </p:spPr>
         <p:txBody>
-          <a:bodyPr anchorCtr="0" anchor="t" bIns="91425" lIns="91425" spcFirstLastPara="1" rIns="91425" wrap="square" tIns="91425">
+          <a:bodyPr wrap="square" lIns="91425" tIns="91425" rIns="91425" bIns="91425" anchor="t" anchorCtr="0">
             <a:noAutofit/>
           </a:bodyPr>
           <a:lstStyle/>
           <a:p>
-            <a:pPr indent="0" lvl="0" marL="0" rtl="0" algn="l">
-              <a:spcBef>
-                <a:spcPts val="0"/>
-              </a:spcBef>
-              <a:spcAft>
-                <a:spcPts val="0"/>
-              </a:spcAft>
-              <a:buNone/>
+            <a:pPr marL="0" lvl="0" indent="0" algn="l">
+              <a:spcBef>
+                <a:spcPct val="0"/>
+              </a:spcBef>
+              <a:spcAft>
+                <a:spcPct val="0"/>
+              </a:spcAft>
+              <a:buNone/>
+              <a:defRPr lang="ko-KR" altLang="en-US"/>
             </a:pPr>
             <a:r>
               <a:rPr lang="ko"/>
@@ -23040,7 +21997,7 @@
               </a:rPr>
               <a:t>props</a:t>
             </a:r>
-            <a:endParaRPr sz="1400">
+            <a:endParaRPr lang="ko" sz="1400">
               <a:latin typeface="Source Code Pro"/>
               <a:ea typeface="Source Code Pro"/>
               <a:cs typeface="Source Code Pro"/>
@@ -23048,14 +22005,15 @@
             </a:endParaRPr>
           </a:p>
           <a:p>
-            <a:pPr indent="0" lvl="0" marL="0" rtl="0" algn="l">
-              <a:spcBef>
-                <a:spcPts val="1600"/>
-              </a:spcBef>
-              <a:spcAft>
-                <a:spcPts val="0"/>
-              </a:spcAft>
-              <a:buNone/>
+            <a:pPr marL="0" lvl="0" indent="0" algn="l">
+              <a:spcBef>
+                <a:spcPct val="74000"/>
+              </a:spcBef>
+              <a:spcAft>
+                <a:spcPct val="0"/>
+              </a:spcAft>
+              <a:buNone/>
+              <a:defRPr lang="ko-KR" altLang="en-US"/>
             </a:pPr>
             <a:r>
               <a:rPr lang="ko"/>
@@ -23071,7 +22029,7 @@
               <a:t>$</a:t>
             </a:r>
             <a:r>
-              <a:rPr b="1" lang="ko" sz="1400">
+              <a:rPr lang="ko" sz="1400" b="1">
                 <a:latin typeface="Source Code Pro"/>
                 <a:ea typeface="Source Code Pro"/>
                 <a:cs typeface="Source Code Pro"/>
@@ -23088,7 +22046,7 @@
               </a:rPr>
               <a:t>('eventId', data) &amp; v-on(same as @)</a:t>
             </a:r>
-            <a:endParaRPr sz="1400">
+            <a:endParaRPr lang="ko" sz="1400">
               <a:latin typeface="Source Code Pro"/>
               <a:ea typeface="Source Code Pro"/>
               <a:cs typeface="Source Code Pro"/>
@@ -23096,14 +22054,15 @@
             </a:endParaRPr>
           </a:p>
           <a:p>
-            <a:pPr indent="0" lvl="0" marL="0" rtl="0" algn="l">
-              <a:spcBef>
-                <a:spcPts val="1600"/>
-              </a:spcBef>
-              <a:spcAft>
-                <a:spcPts val="0"/>
-              </a:spcAft>
-              <a:buNone/>
+            <a:pPr marL="0" lvl="0" indent="0" algn="l">
+              <a:spcBef>
+                <a:spcPct val="74000"/>
+              </a:spcBef>
+              <a:spcAft>
+                <a:spcPct val="0"/>
+              </a:spcAft>
+              <a:buNone/>
+              <a:defRPr lang="ko-KR" altLang="en-US"/>
             </a:pPr>
             <a:r>
               <a:rPr lang="ko"/>
@@ -23126,7 +22085,7 @@
               <a:t>- by using </a:t>
             </a:r>
             <a:r>
-              <a:rPr b="1" lang="ko" sz="1400">
+              <a:rPr lang="ko" sz="1400" b="1">
                 <a:latin typeface="Source Code Pro"/>
                 <a:ea typeface="Source Code Pro"/>
                 <a:cs typeface="Source Code Pro"/>
@@ -23146,7 +22105,7 @@
             <a:r>
               <a:rPr lang="ko" sz="1400">
                 <a:solidFill>
-                  <a:srgbClr val="ADADAD"/>
+                  <a:srgbClr val="adadad"/>
                 </a:solidFill>
                 <a:latin typeface="Source Code Pro"/>
                 <a:ea typeface="Source Code Pro"/>
@@ -23158,7 +22117,7 @@
             <a:br>
               <a:rPr lang="ko" sz="1400">
                 <a:solidFill>
-                  <a:srgbClr val="ADADAD"/>
+                  <a:srgbClr val="adadad"/>
                 </a:solidFill>
                 <a:latin typeface="Source Code Pro"/>
                 <a:ea typeface="Source Code Pro"/>
@@ -23169,7 +22128,7 @@
             <a:r>
               <a:rPr lang="ko" sz="1400">
                 <a:solidFill>
-                  <a:srgbClr val="ADADAD"/>
+                  <a:srgbClr val="adadad"/>
                 </a:solidFill>
                 <a:latin typeface="Source Code Pro"/>
                 <a:ea typeface="Source Code Pro"/>
@@ -23181,7 +22140,7 @@
             <a:br>
               <a:rPr lang="ko" sz="1400">
                 <a:solidFill>
-                  <a:srgbClr val="ADADAD"/>
+                  <a:srgbClr val="adadad"/>
                 </a:solidFill>
                 <a:latin typeface="Source Code Pro"/>
                 <a:ea typeface="Source Code Pro"/>
@@ -23192,7 +22151,7 @@
             <a:r>
               <a:rPr lang="ko" sz="1400">
                 <a:solidFill>
-                  <a:srgbClr val="ADADAD"/>
+                  <a:srgbClr val="adadad"/>
                 </a:solidFill>
                 <a:latin typeface="Source Code Pro"/>
                 <a:ea typeface="Source Code Pro"/>
@@ -23201,7 +22160,10 @@
               </a:rPr>
               <a:t> - 수신: EventBus.$on()</a:t>
             </a:r>
-            <a:endParaRPr sz="1400">
+            <a:endParaRPr lang="ko" sz="1400">
+              <a:solidFill>
+                <a:srgbClr val="adadad"/>
+              </a:solidFill>
               <a:latin typeface="Source Code Pro"/>
               <a:ea typeface="Source Code Pro"/>
               <a:cs typeface="Source Code Pro"/>
@@ -23209,30 +22171,32 @@
             </a:endParaRPr>
           </a:p>
           <a:p>
-            <a:pPr indent="0" lvl="0" marL="0" rtl="0" algn="l">
-              <a:spcBef>
-                <a:spcPts val="1600"/>
-              </a:spcBef>
-              <a:spcAft>
-                <a:spcPts val="0"/>
-              </a:spcAft>
-              <a:buNone/>
+            <a:pPr marL="0" lvl="0" indent="0" algn="l">
+              <a:spcBef>
+                <a:spcPct val="74000"/>
+              </a:spcBef>
+              <a:spcAft>
+                <a:spcPct val="0"/>
+              </a:spcAft>
+              <a:buNone/>
+              <a:defRPr lang="ko-KR" altLang="en-US"/>
             </a:pPr>
             <a:r>
               <a:rPr lang="ko"/>
               <a:t>Sister → Brother, HelloWorld</a:t>
             </a:r>
-            <a:endParaRPr/>
-          </a:p>
-          <a:p>
-            <a:pPr indent="0" lvl="0" marL="0" rtl="0" algn="l">
-              <a:spcBef>
-                <a:spcPts val="1600"/>
-              </a:spcBef>
-              <a:spcAft>
-                <a:spcPts val="1600"/>
-              </a:spcAft>
-              <a:buNone/>
+            <a:endParaRPr lang="ko"/>
+          </a:p>
+          <a:p>
+            <a:pPr marL="0" lvl="0" indent="0" algn="l">
+              <a:spcBef>
+                <a:spcPct val="74000"/>
+              </a:spcBef>
+              <a:spcAft>
+                <a:spcPct val="16000"/>
+              </a:spcAft>
+              <a:buNone/>
+              <a:defRPr lang="ko-KR" altLang="en-US"/>
             </a:pPr>
             <a:r>
               <a:rPr lang="ko">
@@ -23240,20 +22204,12 @@
                   <a:srgbClr val="666666"/>
                 </a:solidFill>
               </a:rPr>
-              <a:t>(참</a:t>
-            </a:r>
-            <a:r>
-              <a:rPr lang="ko">
-                <a:solidFill>
-                  <a:srgbClr val="666666"/>
-                </a:solidFill>
-              </a:rPr>
-              <a:t>고) 여러개 export, 여러개 import : </a:t>
+              <a:t>(참고) 여러개 export, 여러개 import : </a:t>
             </a:r>
             <a:r>
               <a:rPr lang="ko" sz="1400">
                 <a:solidFill>
-                  <a:srgbClr val="B7B7B7"/>
+                  <a:srgbClr val="b7b7b7"/>
                 </a:solidFill>
                 <a:latin typeface="Source Code Pro"/>
                 <a:ea typeface="Source Code Pro"/>
@@ -23262,9 +22218,9 @@
               </a:rPr>
               <a:t>import { A, B } from '@/main'</a:t>
             </a:r>
-            <a:endParaRPr sz="1400">
-              <a:solidFill>
-                <a:srgbClr val="B7B7B7"/>
+            <a:endParaRPr lang="en-US" sz="1400">
+              <a:solidFill>
+                <a:srgbClr val="b7b7b7"/>
               </a:solidFill>
               <a:latin typeface="Source Code Pro"/>
               <a:ea typeface="Source Code Pro"/>
@@ -23279,15 +22235,16 @@
   <p:clrMapOvr>
     <a:masterClrMapping/>
   </p:clrMapOvr>
+  <p:transition xmlns:mc="http://schemas.openxmlformats.org/markup-compatibility/2006" xmlns:hp="http://schemas.haansoft.com/office/presentation/8.0" mc:Ignorable="hp" hp:hslDur="500"/>
 </p:sld>
 </file>
 
 <file path=ppt/slides/slide41.xml><?xml version="1.0" encoding="utf-8"?>
-<p:sld xmlns:a="http://schemas.openxmlformats.org/drawingml/2006/main" xmlns:r="http://schemas.openxmlformats.org/officeDocument/2006/relationships" xmlns:mc="http://schemas.openxmlformats.org/markup-compatibility/2006" xmlns:mv="urn:schemas-microsoft-com:mac:vml" xmlns:p="http://schemas.openxmlformats.org/presentationml/2006/main" xmlns:c="http://schemas.openxmlformats.org/drawingml/2006/chart" xmlns:dgm="http://schemas.openxmlformats.org/drawingml/2006/diagram" xmlns:o="urn:schemas-microsoft-com:office:office" xmlns:v="urn:schemas-microsoft-com:vml" xmlns:pvml="urn:schemas-microsoft-com:office:powerpoint" xmlns:com="http://schemas.openxmlformats.org/drawingml/2006/compatibility" xmlns:p14="http://schemas.microsoft.com/office/powerpoint/2010/main" xmlns:p15="http://schemas.microsoft.com/office/powerpoint/2012/main">
+<p:sld xmlns:r="http://schemas.openxmlformats.org/officeDocument/2006/relationships" xmlns:c="http://schemas.openxmlformats.org/drawingml/2006/chart" xmlns:a="http://schemas.openxmlformats.org/drawingml/2006/main" xmlns:dgm="http://schemas.openxmlformats.org/drawingml/2006/diagram" xmlns:dsp="http://schemas.microsoft.com/office/drawing/2008/diagram" xmlns:p="http://schemas.openxmlformats.org/presentationml/2006/main">
   <p:cSld>
     <p:spTree>
       <p:nvGrpSpPr>
-        <p:cNvPr id="353" name="Shape 353"/>
+        <p:cNvPr id="1" name=""/>
         <p:cNvGrpSpPr/>
         <p:nvPr/>
       </p:nvGrpSpPr>
@@ -23302,9 +22259,11 @@
       <p:sp>
         <p:nvSpPr>
           <p:cNvPr id="354" name="Google Shape;354;p53"/>
-          <p:cNvSpPr txBox="1"/>
+          <p:cNvSpPr txBox="1">
+            <a:spLocks noGrp="1"/>
+          </p:cNvSpPr>
           <p:nvPr>
-            <p:ph type="title"/>
+            <p:ph type="title" idx="0"/>
           </p:nvPr>
         </p:nvSpPr>
         <p:spPr>
@@ -23317,34 +22276,37 @@
           </a:prstGeom>
         </p:spPr>
         <p:txBody>
-          <a:bodyPr anchorCtr="0" anchor="t" bIns="91425" lIns="91425" spcFirstLastPara="1" rIns="91425" wrap="square" tIns="91425">
+          <a:bodyPr wrap="square" lIns="91425" tIns="91425" rIns="91425" bIns="91425" anchor="t" anchorCtr="0">
             <a:noAutofit/>
           </a:bodyPr>
           <a:lstStyle/>
           <a:p>
-            <a:pPr indent="0" lvl="0" marL="0" rtl="0" algn="l">
-              <a:spcBef>
-                <a:spcPts val="0"/>
-              </a:spcBef>
-              <a:spcAft>
-                <a:spcPts val="0"/>
-              </a:spcAft>
-              <a:buNone/>
+            <a:pPr marL="0" lvl="0" indent="0" algn="l">
+              <a:spcBef>
+                <a:spcPct val="0"/>
+              </a:spcBef>
+              <a:spcAft>
+                <a:spcPct val="0"/>
+              </a:spcAft>
+              <a:buNone/>
+              <a:defRPr lang="ko-KR" altLang="en-US"/>
             </a:pPr>
             <a:r>
               <a:rPr lang="ko"/>
               <a:t>Mixin</a:t>
             </a:r>
-            <a:endParaRPr/>
+            <a:endParaRPr lang="en-US"/>
           </a:p>
         </p:txBody>
       </p:sp>
       <p:sp>
         <p:nvSpPr>
           <p:cNvPr id="355" name="Google Shape;355;p53"/>
-          <p:cNvSpPr txBox="1"/>
+          <p:cNvSpPr txBox="1">
+            <a:spLocks noGrp="1"/>
+          </p:cNvSpPr>
           <p:nvPr>
-            <p:ph idx="1" type="body"/>
+            <p:ph type="body" idx="1"/>
           </p:nvPr>
         </p:nvSpPr>
         <p:spPr>
@@ -23357,26 +22319,27 @@
           </a:prstGeom>
         </p:spPr>
         <p:txBody>
-          <a:bodyPr anchorCtr="0" anchor="t" bIns="91425" lIns="91425" spcFirstLastPara="1" rIns="91425" wrap="square" tIns="91425">
+          <a:bodyPr wrap="square" lIns="91425" tIns="91425" rIns="91425" bIns="91425" anchor="t" anchorCtr="0">
             <a:noAutofit/>
           </a:bodyPr>
           <a:lstStyle/>
           <a:p>
-            <a:pPr indent="0" lvl="0" marL="0" rtl="0" algn="l">
-              <a:spcBef>
-                <a:spcPts val="0"/>
-              </a:spcBef>
-              <a:spcAft>
-                <a:spcPts val="0"/>
-              </a:spcAft>
-              <a:buNone/>
+            <a:pPr marL="0" lvl="0" indent="0" algn="l">
+              <a:spcBef>
+                <a:spcPct val="0"/>
+              </a:spcBef>
+              <a:spcAft>
+                <a:spcPct val="0"/>
+              </a:spcAft>
+              <a:buNone/>
+              <a:defRPr lang="ko-KR" altLang="en-US"/>
             </a:pPr>
             <a:r>
               <a:rPr lang="ko"/>
               <a:t>make </a:t>
             </a:r>
             <a:r>
-              <a:rPr b="1" lang="ko"/>
+              <a:rPr lang="ko" b="1"/>
               <a:t>utils.js</a:t>
             </a:r>
             <a:r>
@@ -23467,7 +22430,7 @@
               </a:rPr>
               <a:t>  }</a:t>
             </a:r>
-            <a:endParaRPr sz="1400">
+            <a:endParaRPr lang="ko" sz="1400">
               <a:latin typeface="Source Code Pro"/>
               <a:ea typeface="Source Code Pro"/>
               <a:cs typeface="Source Code Pro"/>
@@ -23475,14 +22438,15 @@
             </a:endParaRPr>
           </a:p>
           <a:p>
-            <a:pPr indent="0" lvl="0" marL="0" rtl="0" algn="l">
-              <a:spcBef>
-                <a:spcPts val="1600"/>
-              </a:spcBef>
-              <a:spcAft>
-                <a:spcPts val="1600"/>
-              </a:spcAft>
-              <a:buNone/>
+            <a:pPr marL="0" lvl="0" indent="0" algn="l">
+              <a:spcBef>
+                <a:spcPct val="74000"/>
+              </a:spcBef>
+              <a:spcAft>
+                <a:spcPct val="16000"/>
+              </a:spcAft>
+              <a:buNone/>
+              <a:defRPr lang="ko-KR" altLang="en-US"/>
             </a:pPr>
             <a:r>
               <a:rPr lang="ko"/>
@@ -23517,7 +22481,7 @@
               </a:rPr>
               <a:t> - Vue.mixin(utils)</a:t>
             </a:r>
-            <a:endParaRPr sz="1400">
+            <a:endParaRPr lang="en-US" sz="1400">
               <a:latin typeface="Source Code Pro"/>
               <a:ea typeface="Source Code Pro"/>
               <a:cs typeface="Source Code Pro"/>
@@ -23531,15 +22495,16 @@
   <p:clrMapOvr>
     <a:masterClrMapping/>
   </p:clrMapOvr>
+  <p:transition xmlns:mc="http://schemas.openxmlformats.org/markup-compatibility/2006" xmlns:hp="http://schemas.haansoft.com/office/presentation/8.0" mc:Ignorable="hp" hp:hslDur="500"/>
 </p:sld>
 </file>
 
 <file path=ppt/slides/slide42.xml><?xml version="1.0" encoding="utf-8"?>
-<p:sld xmlns:a="http://schemas.openxmlformats.org/drawingml/2006/main" xmlns:r="http://schemas.openxmlformats.org/officeDocument/2006/relationships" xmlns:mc="http://schemas.openxmlformats.org/markup-compatibility/2006" xmlns:mv="urn:schemas-microsoft-com:mac:vml" xmlns:p="http://schemas.openxmlformats.org/presentationml/2006/main" xmlns:c="http://schemas.openxmlformats.org/drawingml/2006/chart" xmlns:dgm="http://schemas.openxmlformats.org/drawingml/2006/diagram" xmlns:o="urn:schemas-microsoft-com:office:office" xmlns:v="urn:schemas-microsoft-com:vml" xmlns:pvml="urn:schemas-microsoft-com:office:powerpoint" xmlns:com="http://schemas.openxmlformats.org/drawingml/2006/compatibility" xmlns:p14="http://schemas.microsoft.com/office/powerpoint/2010/main" xmlns:p15="http://schemas.microsoft.com/office/powerpoint/2012/main">
+<p:sld xmlns:r="http://schemas.openxmlformats.org/officeDocument/2006/relationships" xmlns:c="http://schemas.openxmlformats.org/drawingml/2006/chart" xmlns:a="http://schemas.openxmlformats.org/drawingml/2006/main" xmlns:dgm="http://schemas.openxmlformats.org/drawingml/2006/diagram" xmlns:dsp="http://schemas.microsoft.com/office/drawing/2008/diagram" xmlns:p="http://schemas.openxmlformats.org/presentationml/2006/main">
   <p:cSld>
     <p:spTree>
       <p:nvGrpSpPr>
-        <p:cNvPr id="359" name="Shape 359"/>
+        <p:cNvPr id="1" name=""/>
         <p:cNvGrpSpPr/>
         <p:nvPr/>
       </p:nvGrpSpPr>
@@ -23554,9 +22519,11 @@
       <p:sp>
         <p:nvSpPr>
           <p:cNvPr id="360" name="Google Shape;360;p54"/>
-          <p:cNvSpPr txBox="1"/>
+          <p:cNvSpPr txBox="1">
+            <a:spLocks noGrp="1"/>
+          </p:cNvSpPr>
           <p:nvPr>
-            <p:ph type="title"/>
+            <p:ph type="title" idx="0"/>
           </p:nvPr>
         </p:nvSpPr>
         <p:spPr>
@@ -23569,38 +22536,37 @@
           </a:prstGeom>
         </p:spPr>
         <p:txBody>
-          <a:bodyPr anchorCtr="0" anchor="t" bIns="91425" lIns="91425" spcFirstLastPara="1" rIns="91425" wrap="square" tIns="91425">
+          <a:bodyPr wrap="square" lIns="91425" tIns="91425" rIns="91425" bIns="91425" anchor="t" anchorCtr="0">
             <a:noAutofit/>
           </a:bodyPr>
           <a:lstStyle/>
           <a:p>
-            <a:pPr indent="0" lvl="0" marL="0" rtl="0" algn="l">
-              <a:spcBef>
-                <a:spcPts val="0"/>
-              </a:spcBef>
-              <a:spcAft>
-                <a:spcPts val="0"/>
-              </a:spcAft>
-              <a:buNone/>
+            <a:pPr marL="0" lvl="0" indent="0" algn="l">
+              <a:spcBef>
+                <a:spcPct val="0"/>
+              </a:spcBef>
+              <a:spcAft>
+                <a:spcPct val="0"/>
+              </a:spcAft>
+              <a:buNone/>
+              <a:defRPr lang="ko-KR" altLang="en-US"/>
             </a:pPr>
             <a:r>
               <a:rPr lang="ko"/>
-              <a:t>Tip : components 폴더</a:t>
-            </a:r>
-            <a:r>
-              <a:rPr lang="ko"/>
-              <a:t>의 모든 것을 전역으로!!</a:t>
-            </a:r>
-            <a:endParaRPr/>
+              <a:t>Tip : components 폴더의 모든 것을 전역으로!!</a:t>
+            </a:r>
+            <a:endParaRPr lang="en-US"/>
           </a:p>
         </p:txBody>
       </p:sp>
       <p:sp>
         <p:nvSpPr>
           <p:cNvPr id="361" name="Google Shape;361;p54"/>
-          <p:cNvSpPr txBox="1"/>
+          <p:cNvSpPr txBox="1">
+            <a:spLocks noGrp="1"/>
+          </p:cNvSpPr>
           <p:nvPr>
-            <p:ph idx="1" type="body"/>
+            <p:ph type="body" idx="1"/>
           </p:nvPr>
         </p:nvSpPr>
         <p:spPr>
@@ -23613,31 +22579,49 @@
           </a:prstGeom>
         </p:spPr>
         <p:txBody>
-          <a:bodyPr anchorCtr="0" anchor="t" bIns="91425" lIns="91425" spcFirstLastPara="1" rIns="91425" wrap="square" tIns="91425">
+          <a:bodyPr wrap="square" lIns="91425" tIns="91425" rIns="91425" bIns="91425" anchor="t" anchorCtr="0">
             <a:noAutofit/>
           </a:bodyPr>
           <a:lstStyle/>
           <a:p>
-            <a:pPr indent="0" lvl="0" marL="0" rtl="0" algn="l">
-              <a:spcBef>
-                <a:spcPts val="0"/>
-              </a:spcBef>
-              <a:spcAft>
-                <a:spcPts val="0"/>
-              </a:spcAft>
-              <a:buNone/>
-            </a:pPr>
-            <a:r>
-              <a:rPr b="1" lang="ko">
-                <a:solidFill>
-                  <a:srgbClr val="B7B7B7"/>
+            <a:pPr marL="0" lvl="0" indent="0" algn="l">
+              <a:spcBef>
+                <a:spcPct val="0"/>
+              </a:spcBef>
+              <a:spcAft>
+                <a:spcPct val="0"/>
+              </a:spcAft>
+              <a:buNone/>
+              <a:defRPr lang="ko-KR" altLang="en-US"/>
+            </a:pPr>
+            <a:r>
+              <a:rPr lang="ko" b="1">
+                <a:solidFill>
+                  <a:srgbClr val="b7b7b7"/>
                 </a:solidFill>
               </a:rPr>
               <a:t># @/components/_global.js</a:t>
             </a:r>
-            <a:endParaRPr sz="1200">
-              <a:solidFill>
-                <a:srgbClr val="B7B7B7"/>
+            <a:endParaRPr lang="ko" b="1">
+              <a:solidFill>
+                <a:srgbClr val="b7b7b7"/>
+              </a:solidFill>
+            </a:endParaRPr>
+          </a:p>
+          <a:p>
+            <a:pPr marL="0" lvl="0" indent="0" algn="l">
+              <a:spcBef>
+                <a:spcPct val="0"/>
+              </a:spcBef>
+              <a:spcAft>
+                <a:spcPct val="0"/>
+              </a:spcAft>
+              <a:buNone/>
+              <a:defRPr lang="ko-KR" altLang="en-US"/>
+            </a:pPr>
+            <a:endParaRPr lang="en-US" sz="1200">
+              <a:solidFill>
+                <a:srgbClr val="b7b7b7"/>
               </a:solidFill>
               <a:latin typeface="Source Code Pro"/>
               <a:ea typeface="Source Code Pro"/>
@@ -23646,21 +22630,31 @@
             </a:endParaRPr>
           </a:p>
           <a:p>
-            <a:pPr indent="0" lvl="0" marL="0" rtl="0" algn="l">
-              <a:spcBef>
-                <a:spcPts val="0"/>
-              </a:spcBef>
-              <a:spcAft>
-                <a:spcPts val="0"/>
-              </a:spcAft>
-              <a:buNone/>
-            </a:pPr>
-            <a:r>
-              <a:t/>
-            </a:r>
-            <a:endParaRPr sz="1200">
-              <a:solidFill>
-                <a:srgbClr val="B7B7B7"/>
+            <a:pPr marL="0" lvl="0" indent="0" algn="l">
+              <a:spcBef>
+                <a:spcPct val="0"/>
+              </a:spcBef>
+              <a:spcAft>
+                <a:spcPct val="0"/>
+              </a:spcAft>
+              <a:buNone/>
+              <a:defRPr lang="ko-KR" altLang="en-US"/>
+            </a:pPr>
+            <a:r>
+              <a:rPr lang="ko" sz="1200">
+                <a:solidFill>
+                  <a:srgbClr val="b7b7b7"/>
+                </a:solidFill>
+                <a:latin typeface="Source Code Pro"/>
+                <a:ea typeface="Source Code Pro"/>
+                <a:cs typeface="Source Code Pro"/>
+                <a:sym typeface="Source Code Pro"/>
+              </a:rPr>
+              <a:t>import Vue from 'vue'</a:t>
+            </a:r>
+            <a:endParaRPr lang="ko" sz="1200">
+              <a:solidFill>
+                <a:srgbClr val="b7b7b7"/>
               </a:solidFill>
               <a:latin typeface="Source Code Pro"/>
               <a:ea typeface="Source Code Pro"/>
@@ -23669,30 +22663,31 @@
             </a:endParaRPr>
           </a:p>
           <a:p>
-            <a:pPr indent="0" lvl="0" marL="0" rtl="0" algn="l">
-              <a:spcBef>
-                <a:spcPts val="0"/>
-              </a:spcBef>
-              <a:spcAft>
-                <a:spcPts val="0"/>
-              </a:spcAft>
-              <a:buNone/>
+            <a:pPr marL="0" lvl="0" indent="0" algn="l">
+              <a:spcBef>
+                <a:spcPct val="0"/>
+              </a:spcBef>
+              <a:spcAft>
+                <a:spcPct val="0"/>
+              </a:spcAft>
+              <a:buNone/>
+              <a:defRPr lang="ko-KR" altLang="en-US"/>
             </a:pPr>
             <a:r>
               <a:rPr lang="ko" sz="1200">
                 <a:solidFill>
-                  <a:srgbClr val="B7B7B7"/>
-                </a:solidFill>
-                <a:latin typeface="Source Code Pro"/>
-                <a:ea typeface="Source Code Pro"/>
-                <a:cs typeface="Source Code Pro"/>
-                <a:sym typeface="Source Code Pro"/>
-              </a:rPr>
-              <a:t>import Vue from 'vue'</a:t>
-            </a:r>
-            <a:endParaRPr sz="1200">
-              <a:solidFill>
-                <a:srgbClr val="B7B7B7"/>
+                  <a:srgbClr val="b7b7b7"/>
+                </a:solidFill>
+                <a:latin typeface="Source Code Pro"/>
+                <a:ea typeface="Source Code Pro"/>
+                <a:cs typeface="Source Code Pro"/>
+                <a:sym typeface="Source Code Pro"/>
+              </a:rPr>
+              <a:t>import upperFirst from 'lodash/upperFirst'</a:t>
+            </a:r>
+            <a:endParaRPr lang="ko" sz="1200">
+              <a:solidFill>
+                <a:srgbClr val="b7b7b7"/>
               </a:solidFill>
               <a:latin typeface="Source Code Pro"/>
               <a:ea typeface="Source Code Pro"/>
@@ -23701,30 +22696,31 @@
             </a:endParaRPr>
           </a:p>
           <a:p>
-            <a:pPr indent="0" lvl="0" marL="0" rtl="0" algn="l">
-              <a:spcBef>
-                <a:spcPts val="0"/>
-              </a:spcBef>
-              <a:spcAft>
-                <a:spcPts val="0"/>
-              </a:spcAft>
-              <a:buNone/>
+            <a:pPr marL="0" lvl="0" indent="0" algn="l">
+              <a:spcBef>
+                <a:spcPct val="0"/>
+              </a:spcBef>
+              <a:spcAft>
+                <a:spcPct val="0"/>
+              </a:spcAft>
+              <a:buNone/>
+              <a:defRPr lang="ko-KR" altLang="en-US"/>
             </a:pPr>
             <a:r>
               <a:rPr lang="ko" sz="1200">
                 <a:solidFill>
-                  <a:srgbClr val="B7B7B7"/>
-                </a:solidFill>
-                <a:latin typeface="Source Code Pro"/>
-                <a:ea typeface="Source Code Pro"/>
-                <a:cs typeface="Source Code Pro"/>
-                <a:sym typeface="Source Code Pro"/>
-              </a:rPr>
-              <a:t>import upperFirst from 'lodash/upperFirst'</a:t>
-            </a:r>
-            <a:endParaRPr sz="1200">
-              <a:solidFill>
-                <a:srgbClr val="B7B7B7"/>
+                  <a:srgbClr val="b7b7b7"/>
+                </a:solidFill>
+                <a:latin typeface="Source Code Pro"/>
+                <a:ea typeface="Source Code Pro"/>
+                <a:cs typeface="Source Code Pro"/>
+                <a:sym typeface="Source Code Pro"/>
+              </a:rPr>
+              <a:t>import camelCase from 'lodash/camelCase'</a:t>
+            </a:r>
+            <a:endParaRPr lang="ko" sz="1200">
+              <a:solidFill>
+                <a:srgbClr val="b7b7b7"/>
               </a:solidFill>
               <a:latin typeface="Source Code Pro"/>
               <a:ea typeface="Source Code Pro"/>
@@ -23733,30 +22729,31 @@
             </a:endParaRPr>
           </a:p>
           <a:p>
-            <a:pPr indent="0" lvl="0" marL="0" rtl="0" algn="l">
-              <a:spcBef>
-                <a:spcPts val="0"/>
-              </a:spcBef>
-              <a:spcAft>
-                <a:spcPts val="0"/>
-              </a:spcAft>
-              <a:buNone/>
+            <a:pPr marL="0" lvl="0" indent="0" algn="l">
+              <a:spcBef>
+                <a:spcPct val="0"/>
+              </a:spcBef>
+              <a:spcAft>
+                <a:spcPct val="0"/>
+              </a:spcAft>
+              <a:buNone/>
+              <a:defRPr lang="ko-KR" altLang="en-US"/>
             </a:pPr>
             <a:r>
               <a:rPr lang="ko" sz="1200">
                 <a:solidFill>
-                  <a:srgbClr val="B7B7B7"/>
-                </a:solidFill>
-                <a:latin typeface="Source Code Pro"/>
-                <a:ea typeface="Source Code Pro"/>
-                <a:cs typeface="Source Code Pro"/>
-                <a:sym typeface="Source Code Pro"/>
-              </a:rPr>
-              <a:t>import camelCase from 'lodash/camelCase'</a:t>
-            </a:r>
-            <a:endParaRPr sz="1200">
-              <a:solidFill>
-                <a:srgbClr val="B7B7B7"/>
+                  <a:srgbClr val="b7b7b7"/>
+                </a:solidFill>
+                <a:latin typeface="Source Code Pro"/>
+                <a:ea typeface="Source Code Pro"/>
+                <a:cs typeface="Source Code Pro"/>
+                <a:sym typeface="Source Code Pro"/>
+              </a:rPr>
+              <a:t>const requireComponent = require.context('.', false, /[\w-].vue$/)</a:t>
+            </a:r>
+            <a:endParaRPr lang="ko" sz="1200">
+              <a:solidFill>
+                <a:srgbClr val="b7b7b7"/>
               </a:solidFill>
               <a:latin typeface="Source Code Pro"/>
               <a:ea typeface="Source Code Pro"/>
@@ -23765,30 +22762,31 @@
             </a:endParaRPr>
           </a:p>
           <a:p>
-            <a:pPr indent="0" lvl="0" marL="0" rtl="0" algn="l">
-              <a:spcBef>
-                <a:spcPts val="0"/>
-              </a:spcBef>
-              <a:spcAft>
-                <a:spcPts val="0"/>
-              </a:spcAft>
-              <a:buNone/>
+            <a:pPr marL="0" lvl="0" indent="0" algn="l">
+              <a:spcBef>
+                <a:spcPct val="0"/>
+              </a:spcBef>
+              <a:spcAft>
+                <a:spcPct val="0"/>
+              </a:spcAft>
+              <a:buNone/>
+              <a:defRPr lang="ko-KR" altLang="en-US"/>
             </a:pPr>
             <a:r>
               <a:rPr lang="ko" sz="1200">
                 <a:solidFill>
-                  <a:srgbClr val="B7B7B7"/>
-                </a:solidFill>
-                <a:latin typeface="Source Code Pro"/>
-                <a:ea typeface="Source Code Pro"/>
-                <a:cs typeface="Source Code Pro"/>
-                <a:sym typeface="Source Code Pro"/>
-              </a:rPr>
-              <a:t>const requireComponent = require.context('.', false, /[\w-].vue$/)</a:t>
-            </a:r>
-            <a:endParaRPr sz="1200">
-              <a:solidFill>
-                <a:srgbClr val="B7B7B7"/>
+                  <a:srgbClr val="b7b7b7"/>
+                </a:solidFill>
+                <a:latin typeface="Source Code Pro"/>
+                <a:ea typeface="Source Code Pro"/>
+                <a:cs typeface="Source Code Pro"/>
+                <a:sym typeface="Source Code Pro"/>
+              </a:rPr>
+              <a:t>requireComponent.keys().forEach(fileName =&gt; {</a:t>
+            </a:r>
+            <a:endParaRPr lang="ko" sz="1200">
+              <a:solidFill>
+                <a:srgbClr val="b7b7b7"/>
               </a:solidFill>
               <a:latin typeface="Source Code Pro"/>
               <a:ea typeface="Source Code Pro"/>
@@ -23797,30 +22795,31 @@
             </a:endParaRPr>
           </a:p>
           <a:p>
-            <a:pPr indent="0" lvl="0" marL="0" rtl="0" algn="l">
-              <a:spcBef>
-                <a:spcPts val="0"/>
-              </a:spcBef>
-              <a:spcAft>
-                <a:spcPts val="0"/>
-              </a:spcAft>
-              <a:buNone/>
+            <a:pPr marL="0" lvl="0" indent="0" algn="l">
+              <a:spcBef>
+                <a:spcPct val="0"/>
+              </a:spcBef>
+              <a:spcAft>
+                <a:spcPct val="0"/>
+              </a:spcAft>
+              <a:buNone/>
+              <a:defRPr lang="ko-KR" altLang="en-US"/>
             </a:pPr>
             <a:r>
               <a:rPr lang="ko" sz="1200">
                 <a:solidFill>
-                  <a:srgbClr val="B7B7B7"/>
-                </a:solidFill>
-                <a:latin typeface="Source Code Pro"/>
-                <a:ea typeface="Source Code Pro"/>
-                <a:cs typeface="Source Code Pro"/>
-                <a:sym typeface="Source Code Pro"/>
-              </a:rPr>
-              <a:t>requireComponent.keys().forEach(fileName =&gt; {</a:t>
-            </a:r>
-            <a:endParaRPr sz="1200">
-              <a:solidFill>
-                <a:srgbClr val="B7B7B7"/>
+                  <a:srgbClr val="b7b7b7"/>
+                </a:solidFill>
+                <a:latin typeface="Source Code Pro"/>
+                <a:ea typeface="Source Code Pro"/>
+                <a:cs typeface="Source Code Pro"/>
+                <a:sym typeface="Source Code Pro"/>
+              </a:rPr>
+              <a:t>  const componentConfig = requireComponent(fileName)</a:t>
+            </a:r>
+            <a:endParaRPr lang="ko" sz="1200">
+              <a:solidFill>
+                <a:srgbClr val="b7b7b7"/>
               </a:solidFill>
               <a:latin typeface="Source Code Pro"/>
               <a:ea typeface="Source Code Pro"/>
@@ -23829,30 +22828,31 @@
             </a:endParaRPr>
           </a:p>
           <a:p>
-            <a:pPr indent="0" lvl="0" marL="0" rtl="0" algn="l">
-              <a:spcBef>
-                <a:spcPts val="0"/>
-              </a:spcBef>
-              <a:spcAft>
-                <a:spcPts val="0"/>
-              </a:spcAft>
-              <a:buNone/>
+            <a:pPr marL="0" lvl="0" indent="0" algn="l">
+              <a:spcBef>
+                <a:spcPct val="0"/>
+              </a:spcBef>
+              <a:spcAft>
+                <a:spcPct val="0"/>
+              </a:spcAft>
+              <a:buNone/>
+              <a:defRPr lang="ko-KR" altLang="en-US"/>
             </a:pPr>
             <a:r>
               <a:rPr lang="ko" sz="1200">
                 <a:solidFill>
-                  <a:srgbClr val="B7B7B7"/>
-                </a:solidFill>
-                <a:latin typeface="Source Code Pro"/>
-                <a:ea typeface="Source Code Pro"/>
-                <a:cs typeface="Source Code Pro"/>
-                <a:sym typeface="Source Code Pro"/>
-              </a:rPr>
-              <a:t>  const componentConfig = requireComponent(fileName)</a:t>
-            </a:r>
-            <a:endParaRPr sz="1200">
-              <a:solidFill>
-                <a:srgbClr val="B7B7B7"/>
+                  <a:srgbClr val="b7b7b7"/>
+                </a:solidFill>
+                <a:latin typeface="Source Code Pro"/>
+                <a:ea typeface="Source Code Pro"/>
+                <a:cs typeface="Source Code Pro"/>
+                <a:sym typeface="Source Code Pro"/>
+              </a:rPr>
+              <a:t>  const componentName = upperFirst(</a:t>
+            </a:r>
+            <a:endParaRPr lang="ko" sz="1200">
+              <a:solidFill>
+                <a:srgbClr val="b7b7b7"/>
               </a:solidFill>
               <a:latin typeface="Source Code Pro"/>
               <a:ea typeface="Source Code Pro"/>
@@ -23861,30 +22861,31 @@
             </a:endParaRPr>
           </a:p>
           <a:p>
-            <a:pPr indent="0" lvl="0" marL="0" rtl="0" algn="l">
-              <a:spcBef>
-                <a:spcPts val="0"/>
-              </a:spcBef>
-              <a:spcAft>
-                <a:spcPts val="0"/>
-              </a:spcAft>
-              <a:buNone/>
+            <a:pPr marL="0" lvl="0" indent="0" algn="l">
+              <a:spcBef>
+                <a:spcPct val="0"/>
+              </a:spcBef>
+              <a:spcAft>
+                <a:spcPct val="0"/>
+              </a:spcAft>
+              <a:buNone/>
+              <a:defRPr lang="ko-KR" altLang="en-US"/>
             </a:pPr>
             <a:r>
               <a:rPr lang="ko" sz="1200">
                 <a:solidFill>
-                  <a:srgbClr val="B7B7B7"/>
-                </a:solidFill>
-                <a:latin typeface="Source Code Pro"/>
-                <a:ea typeface="Source Code Pro"/>
-                <a:cs typeface="Source Code Pro"/>
-                <a:sym typeface="Source Code Pro"/>
-              </a:rPr>
-              <a:t>  const componentName = upperFirst(</a:t>
-            </a:r>
-            <a:endParaRPr sz="1200">
-              <a:solidFill>
-                <a:srgbClr val="B7B7B7"/>
+                  <a:srgbClr val="b7b7b7"/>
+                </a:solidFill>
+                <a:latin typeface="Source Code Pro"/>
+                <a:ea typeface="Source Code Pro"/>
+                <a:cs typeface="Source Code Pro"/>
+                <a:sym typeface="Source Code Pro"/>
+              </a:rPr>
+              <a:t>    camelCase(fileName.replace(/^\.\//, '').replace(/\.\w+$/, ''))</a:t>
+            </a:r>
+            <a:endParaRPr lang="ko" sz="1200">
+              <a:solidFill>
+                <a:srgbClr val="b7b7b7"/>
               </a:solidFill>
               <a:latin typeface="Source Code Pro"/>
               <a:ea typeface="Source Code Pro"/>
@@ -23893,30 +22894,31 @@
             </a:endParaRPr>
           </a:p>
           <a:p>
-            <a:pPr indent="0" lvl="0" marL="0" rtl="0" algn="l">
-              <a:spcBef>
-                <a:spcPts val="0"/>
-              </a:spcBef>
-              <a:spcAft>
-                <a:spcPts val="0"/>
-              </a:spcAft>
-              <a:buNone/>
+            <a:pPr marL="0" lvl="0" indent="0" algn="l">
+              <a:spcBef>
+                <a:spcPct val="0"/>
+              </a:spcBef>
+              <a:spcAft>
+                <a:spcPct val="0"/>
+              </a:spcAft>
+              <a:buNone/>
+              <a:defRPr lang="ko-KR" altLang="en-US"/>
             </a:pPr>
             <a:r>
               <a:rPr lang="ko" sz="1200">
                 <a:solidFill>
-                  <a:srgbClr val="B7B7B7"/>
-                </a:solidFill>
-                <a:latin typeface="Source Code Pro"/>
-                <a:ea typeface="Source Code Pro"/>
-                <a:cs typeface="Source Code Pro"/>
-                <a:sym typeface="Source Code Pro"/>
-              </a:rPr>
-              <a:t>    camelCase(fileName.replace(/^\.\//, '').replace(/\.\w+$/, ''))</a:t>
-            </a:r>
-            <a:endParaRPr sz="1200">
-              <a:solidFill>
-                <a:srgbClr val="B7B7B7"/>
+                  <a:srgbClr val="b7b7b7"/>
+                </a:solidFill>
+                <a:latin typeface="Source Code Pro"/>
+                <a:ea typeface="Source Code Pro"/>
+                <a:cs typeface="Source Code Pro"/>
+                <a:sym typeface="Source Code Pro"/>
+              </a:rPr>
+              <a:t>  )</a:t>
+            </a:r>
+            <a:endParaRPr lang="ko" sz="1200">
+              <a:solidFill>
+                <a:srgbClr val="b7b7b7"/>
               </a:solidFill>
               <a:latin typeface="Source Code Pro"/>
               <a:ea typeface="Source Code Pro"/>
@@ -23925,30 +22927,31 @@
             </a:endParaRPr>
           </a:p>
           <a:p>
-            <a:pPr indent="0" lvl="0" marL="0" rtl="0" algn="l">
-              <a:spcBef>
-                <a:spcPts val="0"/>
-              </a:spcBef>
-              <a:spcAft>
-                <a:spcPts val="0"/>
-              </a:spcAft>
-              <a:buNone/>
+            <a:pPr marL="0" lvl="0" indent="0" algn="l">
+              <a:spcBef>
+                <a:spcPct val="0"/>
+              </a:spcBef>
+              <a:spcAft>
+                <a:spcPct val="0"/>
+              </a:spcAft>
+              <a:buNone/>
+              <a:defRPr lang="ko-KR" altLang="en-US"/>
             </a:pPr>
             <a:r>
               <a:rPr lang="ko" sz="1200">
                 <a:solidFill>
-                  <a:srgbClr val="B7B7B7"/>
-                </a:solidFill>
-                <a:latin typeface="Source Code Pro"/>
-                <a:ea typeface="Source Code Pro"/>
-                <a:cs typeface="Source Code Pro"/>
-                <a:sym typeface="Source Code Pro"/>
-              </a:rPr>
-              <a:t>  )</a:t>
-            </a:r>
-            <a:endParaRPr sz="1200">
-              <a:solidFill>
-                <a:srgbClr val="B7B7B7"/>
+                  <a:srgbClr val="b7b7b7"/>
+                </a:solidFill>
+                <a:latin typeface="Source Code Pro"/>
+                <a:ea typeface="Source Code Pro"/>
+                <a:cs typeface="Source Code Pro"/>
+                <a:sym typeface="Source Code Pro"/>
+              </a:rPr>
+              <a:t>  Vue.component(componentName, componentConfig.default || componentConfig)</a:t>
+            </a:r>
+            <a:endParaRPr lang="ko" sz="1200">
+              <a:solidFill>
+                <a:srgbClr val="b7b7b7"/>
               </a:solidFill>
               <a:latin typeface="Source Code Pro"/>
               <a:ea typeface="Source Code Pro"/>
@@ -23957,30 +22960,31 @@
             </a:endParaRPr>
           </a:p>
           <a:p>
-            <a:pPr indent="0" lvl="0" marL="0" rtl="0" algn="l">
-              <a:spcBef>
-                <a:spcPts val="0"/>
-              </a:spcBef>
-              <a:spcAft>
-                <a:spcPts val="0"/>
-              </a:spcAft>
-              <a:buNone/>
+            <a:pPr marL="0" lvl="0" indent="0" algn="l">
+              <a:spcBef>
+                <a:spcPct val="0"/>
+              </a:spcBef>
+              <a:spcAft>
+                <a:spcPct val="0"/>
+              </a:spcAft>
+              <a:buNone/>
+              <a:defRPr lang="ko-KR" altLang="en-US"/>
             </a:pPr>
             <a:r>
               <a:rPr lang="ko" sz="1200">
                 <a:solidFill>
-                  <a:srgbClr val="B7B7B7"/>
-                </a:solidFill>
-                <a:latin typeface="Source Code Pro"/>
-                <a:ea typeface="Source Code Pro"/>
-                <a:cs typeface="Source Code Pro"/>
-                <a:sym typeface="Source Code Pro"/>
-              </a:rPr>
-              <a:t>  Vue.component(componentName, componentConfig.default || componentConfig)</a:t>
-            </a:r>
-            <a:endParaRPr sz="1200">
-              <a:solidFill>
-                <a:srgbClr val="B7B7B7"/>
+                  <a:srgbClr val="b7b7b7"/>
+                </a:solidFill>
+                <a:latin typeface="Source Code Pro"/>
+                <a:ea typeface="Source Code Pro"/>
+                <a:cs typeface="Source Code Pro"/>
+                <a:sym typeface="Source Code Pro"/>
+              </a:rPr>
+              <a:t>})</a:t>
+            </a:r>
+            <a:endParaRPr lang="ko" sz="1200">
+              <a:solidFill>
+                <a:srgbClr val="b7b7b7"/>
               </a:solidFill>
               <a:latin typeface="Source Code Pro"/>
               <a:ea typeface="Source Code Pro"/>
@@ -23989,53 +22993,19 @@
             </a:endParaRPr>
           </a:p>
           <a:p>
-            <a:pPr indent="0" lvl="0" marL="0" rtl="0" algn="l">
-              <a:spcBef>
-                <a:spcPts val="0"/>
-              </a:spcBef>
-              <a:spcAft>
-                <a:spcPts val="0"/>
-              </a:spcAft>
-              <a:buNone/>
-            </a:pPr>
-            <a:r>
-              <a:rPr lang="ko" sz="1200">
-                <a:solidFill>
-                  <a:srgbClr val="B7B7B7"/>
-                </a:solidFill>
-                <a:latin typeface="Source Code Pro"/>
-                <a:ea typeface="Source Code Pro"/>
-                <a:cs typeface="Source Code Pro"/>
-                <a:sym typeface="Source Code Pro"/>
-              </a:rPr>
-              <a:t>})</a:t>
-            </a:r>
-            <a:endParaRPr sz="1200">
-              <a:solidFill>
-                <a:srgbClr val="B7B7B7"/>
-              </a:solidFill>
-              <a:latin typeface="Source Code Pro"/>
-              <a:ea typeface="Source Code Pro"/>
-              <a:cs typeface="Source Code Pro"/>
-              <a:sym typeface="Source Code Pro"/>
-            </a:endParaRPr>
-          </a:p>
-          <a:p>
-            <a:pPr indent="0" lvl="0" marL="0" rtl="0" algn="l">
-              <a:spcBef>
-                <a:spcPts val="0"/>
-              </a:spcBef>
-              <a:spcAft>
-                <a:spcPts val="1600"/>
-              </a:spcAft>
-              <a:buNone/>
-            </a:pPr>
-            <a:r>
-              <a:t/>
-            </a:r>
-            <a:endParaRPr sz="1200">
-              <a:solidFill>
-                <a:srgbClr val="B7B7B7"/>
+            <a:pPr marL="0" lvl="0" indent="0" algn="l">
+              <a:spcBef>
+                <a:spcPct val="0"/>
+              </a:spcBef>
+              <a:spcAft>
+                <a:spcPct val="16000"/>
+              </a:spcAft>
+              <a:buNone/>
+              <a:defRPr lang="ko-KR" altLang="en-US"/>
+            </a:pPr>
+            <a:endParaRPr lang="en-US" sz="1200">
+              <a:solidFill>
+                <a:srgbClr val="b7b7b7"/>
               </a:solidFill>
               <a:latin typeface="Source Code Pro"/>
               <a:ea typeface="Source Code Pro"/>
@@ -24065,24 +23035,25 @@
           </a:ln>
         </p:spPr>
         <p:txBody>
-          <a:bodyPr anchorCtr="0" anchor="t" bIns="91425" lIns="91425" spcFirstLastPara="1" rIns="91425" wrap="square" tIns="91425">
+          <a:bodyPr wrap="square" lIns="91425" tIns="91425" rIns="91425" bIns="91425" anchor="t" anchorCtr="0">
             <a:noAutofit/>
           </a:bodyPr>
           <a:lstStyle/>
           <a:p>
-            <a:pPr indent="0" lvl="0" marL="0" rtl="0" algn="l">
-              <a:spcBef>
-                <a:spcPts val="0"/>
-              </a:spcBef>
-              <a:spcAft>
-                <a:spcPts val="0"/>
-              </a:spcAft>
-              <a:buNone/>
+            <a:pPr marL="0" lvl="0" indent="0" algn="l">
+              <a:spcBef>
+                <a:spcPct val="0"/>
+              </a:spcBef>
+              <a:spcAft>
+                <a:spcPct val="0"/>
+              </a:spcAft>
+              <a:buNone/>
+              <a:defRPr lang="ko-KR" altLang="en-US"/>
             </a:pPr>
             <a:r>
               <a:rPr lang="ko" sz="1200">
                 <a:solidFill>
-                  <a:srgbClr val="FFFFFF"/>
+                  <a:srgbClr val="ffffff"/>
                 </a:solidFill>
               </a:rPr>
               <a:t>출처: </a:t>
@@ -24092,32 +23063,30 @@
                 <a:solidFill>
                   <a:schemeClr val="hlink"/>
                 </a:solidFill>
-                <a:hlinkClick r:id="rId3"/>
+                <a:hlinkClick r:id="rId2"/>
               </a:rPr>
               <a:t>https://www.youtube.com/watch?v=7lpemgMhi0k</a:t>
             </a:r>
-            <a:endParaRPr sz="1200">
-              <a:solidFill>
-                <a:srgbClr val="FFFFFF"/>
-              </a:solidFill>
-            </a:endParaRPr>
-          </a:p>
-          <a:p>
-            <a:pPr indent="0" lvl="0" marL="0" rtl="0" algn="l">
-              <a:spcBef>
-                <a:spcPts val="0"/>
-              </a:spcBef>
-              <a:spcAft>
-                <a:spcPts val="0"/>
-              </a:spcAft>
-              <a:buNone/>
-            </a:pPr>
-            <a:r>
-              <a:t/>
-            </a:r>
-            <a:endParaRPr sz="1200">
-              <a:solidFill>
-                <a:srgbClr val="FFFFFF"/>
+            <a:endParaRPr lang="ko" sz="1200" u="sng">
+              <a:solidFill>
+                <a:schemeClr val="hlink"/>
+              </a:solidFill>
+            </a:endParaRPr>
+          </a:p>
+          <a:p>
+            <a:pPr marL="0" lvl="0" indent="0" algn="l">
+              <a:spcBef>
+                <a:spcPct val="0"/>
+              </a:spcBef>
+              <a:spcAft>
+                <a:spcPct val="0"/>
+              </a:spcAft>
+              <a:buNone/>
+              <a:defRPr lang="ko-KR" altLang="en-US"/>
+            </a:pPr>
+            <a:endParaRPr lang="en-US" sz="1200">
+              <a:solidFill>
+                <a:srgbClr val="ffffff"/>
               </a:solidFill>
             </a:endParaRPr>
           </a:p>
@@ -24128,6 +23097,7 @@
   <p:clrMapOvr>
     <a:masterClrMapping/>
   </p:clrMapOvr>
+  <p:transition xmlns:mc="http://schemas.openxmlformats.org/markup-compatibility/2006" xmlns:hp="http://schemas.haansoft.com/office/presentation/8.0" mc:Ignorable="hp" hp:hslDur="500"/>
 </p:sld>
 </file>
 
